--- a/示意图.pptx
+++ b/示意图.pptx
@@ -13,6 +13,10 @@
     <p:sldId id="261" r:id="rId7"/>
     <p:sldId id="262" r:id="rId8"/>
     <p:sldId id="263" r:id="rId9"/>
+    <p:sldId id="264" r:id="rId10"/>
+    <p:sldId id="265" r:id="rId11"/>
+    <p:sldId id="266" r:id="rId12"/>
+    <p:sldId id="267" r:id="rId13"/>
   </p:sldIdLst>
   <p:sldSz cx="12192000" cy="6858000"/>
   <p:notesSz cx="6858000" cy="9144000"/>
@@ -8032,6 +8036,6258 @@
 </p:sld>
 </file>
 
+<file path=ppt/slides/slide10.xml><?xml version="1.0" encoding="utf-8"?>
+<p:sld xmlns:a="http://schemas.openxmlformats.org/drawingml/2006/main" xmlns:r="http://schemas.openxmlformats.org/officeDocument/2006/relationships" xmlns:p="http://schemas.openxmlformats.org/presentationml/2006/main">
+  <p:cSld>
+    <p:spTree>
+      <p:nvGrpSpPr>
+        <p:cNvPr id="1" name=""/>
+        <p:cNvGrpSpPr/>
+        <p:nvPr/>
+      </p:nvGrpSpPr>
+      <p:grpSpPr>
+        <a:xfrm>
+          <a:off x="0" y="0"/>
+          <a:ext cx="0" cy="0"/>
+          <a:chOff x="0" y="0"/>
+          <a:chExt cx="0" cy="0"/>
+        </a:xfrm>
+      </p:grpSpPr>
+      <p:grpSp>
+        <p:nvGrpSpPr>
+          <p:cNvPr id="20" name="组合 19">
+            <a:extLst>
+              <a:ext uri="{FF2B5EF4-FFF2-40B4-BE49-F238E27FC236}">
+                <a16:creationId xmlns:a16="http://schemas.microsoft.com/office/drawing/2014/main" id="{5F62A0C2-8BF0-4BB6-898A-864FBFBD0B39}"/>
+              </a:ext>
+            </a:extLst>
+          </p:cNvPr>
+          <p:cNvGrpSpPr/>
+          <p:nvPr/>
+        </p:nvGrpSpPr>
+        <p:grpSpPr>
+          <a:xfrm>
+            <a:off x="3238004" y="80846"/>
+            <a:ext cx="4998998" cy="4655820"/>
+            <a:chOff x="3238004" y="80846"/>
+            <a:chExt cx="4998998" cy="4655820"/>
+          </a:xfrm>
+        </p:grpSpPr>
+        <p:pic>
+          <p:nvPicPr>
+            <p:cNvPr id="17" name="图片 16">
+              <a:extLst>
+                <a:ext uri="{FF2B5EF4-FFF2-40B4-BE49-F238E27FC236}">
+                  <a16:creationId xmlns:a16="http://schemas.microsoft.com/office/drawing/2014/main" id="{9D3E74AD-CEF7-4489-9A45-3E3F218C93B0}"/>
+                </a:ext>
+              </a:extLst>
+            </p:cNvPr>
+            <p:cNvPicPr/>
+            <p:nvPr/>
+          </p:nvPicPr>
+          <p:blipFill>
+            <a:blip r:embed="rId2"/>
+            <a:stretch>
+              <a:fillRect/>
+            </a:stretch>
+          </p:blipFill>
+          <p:spPr>
+            <a:xfrm>
+              <a:off x="4235321" y="80846"/>
+              <a:ext cx="2034540" cy="4655820"/>
+            </a:xfrm>
+            <a:prstGeom prst="rect">
+              <a:avLst/>
+            </a:prstGeom>
+            <a:ln w="12700">
+              <a:solidFill>
+                <a:schemeClr val="tx1"/>
+              </a:solidFill>
+            </a:ln>
+          </p:spPr>
+        </p:pic>
+        <p:pic>
+          <p:nvPicPr>
+            <p:cNvPr id="18" name="图片 17">
+              <a:extLst>
+                <a:ext uri="{FF2B5EF4-FFF2-40B4-BE49-F238E27FC236}">
+                  <a16:creationId xmlns:a16="http://schemas.microsoft.com/office/drawing/2014/main" id="{4498F2EE-84CD-4EAF-B335-4205FDD3CC6A}"/>
+                </a:ext>
+              </a:extLst>
+            </p:cNvPr>
+            <p:cNvPicPr/>
+            <p:nvPr/>
+          </p:nvPicPr>
+          <p:blipFill>
+            <a:blip r:embed="rId3"/>
+            <a:stretch>
+              <a:fillRect/>
+            </a:stretch>
+          </p:blipFill>
+          <p:spPr>
+            <a:xfrm>
+              <a:off x="6731897" y="2465604"/>
+              <a:ext cx="1505105" cy="2271061"/>
+            </a:xfrm>
+            <a:prstGeom prst="rect">
+              <a:avLst/>
+            </a:prstGeom>
+            <a:ln w="12700">
+              <a:solidFill>
+                <a:schemeClr val="tx1"/>
+              </a:solidFill>
+            </a:ln>
+          </p:spPr>
+        </p:pic>
+        <p:pic>
+          <p:nvPicPr>
+            <p:cNvPr id="16" name="图片 15">
+              <a:extLst>
+                <a:ext uri="{FF2B5EF4-FFF2-40B4-BE49-F238E27FC236}">
+                  <a16:creationId xmlns:a16="http://schemas.microsoft.com/office/drawing/2014/main" id="{AB71F4B7-688B-4854-8005-1581ED55F586}"/>
+                </a:ext>
+              </a:extLst>
+            </p:cNvPr>
+            <p:cNvPicPr>
+              <a:picLocks noChangeAspect="1"/>
+            </p:cNvPicPr>
+            <p:nvPr/>
+          </p:nvPicPr>
+          <p:blipFill>
+            <a:blip r:embed="rId4">
+              <a:extLst>
+                <a:ext uri="{28A0092B-C50C-407E-A947-70E740481C1C}">
+                  <a14:useLocalDpi xmlns:a14="http://schemas.microsoft.com/office/drawing/2010/main" val="0"/>
+                </a:ext>
+              </a:extLst>
+            </a:blip>
+            <a:stretch>
+              <a:fillRect/>
+            </a:stretch>
+          </p:blipFill>
+          <p:spPr>
+            <a:xfrm>
+              <a:off x="3238004" y="2471056"/>
+              <a:ext cx="535281" cy="2265609"/>
+            </a:xfrm>
+            <a:prstGeom prst="rect">
+              <a:avLst/>
+            </a:prstGeom>
+            <a:ln w="12700">
+              <a:solidFill>
+                <a:schemeClr val="tx1"/>
+              </a:solidFill>
+            </a:ln>
+          </p:spPr>
+        </p:pic>
+        <p:sp>
+          <p:nvSpPr>
+            <p:cNvPr id="19" name="矩形 18">
+              <a:extLst>
+                <a:ext uri="{FF2B5EF4-FFF2-40B4-BE49-F238E27FC236}">
+                  <a16:creationId xmlns:a16="http://schemas.microsoft.com/office/drawing/2014/main" id="{4775D5D0-8DCC-4496-A607-3DEA4B4FC8E2}"/>
+                </a:ext>
+              </a:extLst>
+            </p:cNvPr>
+            <p:cNvSpPr/>
+            <p:nvPr/>
+          </p:nvSpPr>
+          <p:spPr>
+            <a:xfrm>
+              <a:off x="4235321" y="80846"/>
+              <a:ext cx="1621919" cy="2390210"/>
+            </a:xfrm>
+            <a:prstGeom prst="rect">
+              <a:avLst/>
+            </a:prstGeom>
+            <a:noFill/>
+            <a:ln w="12700">
+              <a:prstDash val="sysDash"/>
+            </a:ln>
+          </p:spPr>
+          <p:style>
+            <a:lnRef idx="2">
+              <a:schemeClr val="accent1">
+                <a:shade val="50000"/>
+              </a:schemeClr>
+            </a:lnRef>
+            <a:fillRef idx="1">
+              <a:schemeClr val="accent1"/>
+            </a:fillRef>
+            <a:effectRef idx="0">
+              <a:schemeClr val="accent1"/>
+            </a:effectRef>
+            <a:fontRef idx="minor">
+              <a:schemeClr val="lt1"/>
+            </a:fontRef>
+          </p:style>
+          <p:txBody>
+            <a:bodyPr rtlCol="0" anchor="ctr"/>
+            <a:lstStyle/>
+            <a:p>
+              <a:pPr algn="ctr"/>
+              <a:endParaRPr lang="zh-CN" altLang="en-US"/>
+            </a:p>
+          </p:txBody>
+        </p:sp>
+      </p:grpSp>
+      <p:sp>
+        <p:nvSpPr>
+          <p:cNvPr id="21" name="文本框 20">
+            <a:extLst>
+              <a:ext uri="{FF2B5EF4-FFF2-40B4-BE49-F238E27FC236}">
+                <a16:creationId xmlns:a16="http://schemas.microsoft.com/office/drawing/2014/main" id="{49672220-D9BC-42B3-897A-5E363988B7F8}"/>
+              </a:ext>
+            </a:extLst>
+          </p:cNvPr>
+          <p:cNvSpPr txBox="1"/>
+          <p:nvPr/>
+        </p:nvSpPr>
+        <p:spPr>
+          <a:xfrm>
+            <a:off x="3288277" y="4775954"/>
+            <a:ext cx="434734" cy="369332"/>
+          </a:xfrm>
+          <a:prstGeom prst="rect">
+            <a:avLst/>
+          </a:prstGeom>
+          <a:noFill/>
+        </p:spPr>
+        <p:txBody>
+          <a:bodyPr wrap="none" rtlCol="0">
+            <a:spAutoFit/>
+          </a:bodyPr>
+          <a:lstStyle/>
+          <a:p>
+            <a:r>
+              <a:rPr lang="en-US" altLang="zh-CN" dirty="0"/>
+              <a:t>(</a:t>
+            </a:r>
+            <a:r>
+              <a:rPr lang="en-US" altLang="zh-CN" dirty="0">
+                <a:latin typeface="Times New Roman" panose="02020603050405020304" pitchFamily="18" charset="0"/>
+                <a:cs typeface="Times New Roman" panose="02020603050405020304" pitchFamily="18" charset="0"/>
+              </a:rPr>
+              <a:t>a)</a:t>
+            </a:r>
+            <a:endParaRPr lang="zh-CN" altLang="en-US" dirty="0">
+              <a:latin typeface="Times New Roman" panose="02020603050405020304" pitchFamily="18" charset="0"/>
+              <a:cs typeface="Times New Roman" panose="02020603050405020304" pitchFamily="18" charset="0"/>
+            </a:endParaRPr>
+          </a:p>
+        </p:txBody>
+      </p:sp>
+      <p:sp>
+        <p:nvSpPr>
+          <p:cNvPr id="24" name="文本框 23">
+            <a:extLst>
+              <a:ext uri="{FF2B5EF4-FFF2-40B4-BE49-F238E27FC236}">
+                <a16:creationId xmlns:a16="http://schemas.microsoft.com/office/drawing/2014/main" id="{19E683D0-DF8A-442D-B119-8099EC5EBD45}"/>
+              </a:ext>
+            </a:extLst>
+          </p:cNvPr>
+          <p:cNvSpPr txBox="1"/>
+          <p:nvPr/>
+        </p:nvSpPr>
+        <p:spPr>
+          <a:xfrm>
+            <a:off x="4922520" y="4775954"/>
+            <a:ext cx="434734" cy="369332"/>
+          </a:xfrm>
+          <a:prstGeom prst="rect">
+            <a:avLst/>
+          </a:prstGeom>
+          <a:noFill/>
+        </p:spPr>
+        <p:txBody>
+          <a:bodyPr wrap="none" rtlCol="0">
+            <a:spAutoFit/>
+          </a:bodyPr>
+          <a:lstStyle/>
+          <a:p>
+            <a:r>
+              <a:rPr lang="en-US" altLang="zh-CN" dirty="0"/>
+              <a:t>(</a:t>
+            </a:r>
+            <a:r>
+              <a:rPr lang="en-US" altLang="zh-CN" dirty="0">
+                <a:latin typeface="Times New Roman" panose="02020603050405020304" pitchFamily="18" charset="0"/>
+                <a:cs typeface="Times New Roman" panose="02020603050405020304" pitchFamily="18" charset="0"/>
+              </a:rPr>
+              <a:t>b</a:t>
+            </a:r>
+            <a:r>
+              <a:rPr lang="en-US" altLang="zh-CN" dirty="0"/>
+              <a:t>)</a:t>
+            </a:r>
+            <a:endParaRPr lang="zh-CN" altLang="en-US" dirty="0"/>
+          </a:p>
+        </p:txBody>
+      </p:sp>
+      <p:sp>
+        <p:nvSpPr>
+          <p:cNvPr id="25" name="文本框 24">
+            <a:extLst>
+              <a:ext uri="{FF2B5EF4-FFF2-40B4-BE49-F238E27FC236}">
+                <a16:creationId xmlns:a16="http://schemas.microsoft.com/office/drawing/2014/main" id="{0CEAF233-2B11-427E-B1DC-E99B6287D726}"/>
+              </a:ext>
+            </a:extLst>
+          </p:cNvPr>
+          <p:cNvSpPr txBox="1"/>
+          <p:nvPr/>
+        </p:nvSpPr>
+        <p:spPr>
+          <a:xfrm>
+            <a:off x="7366251" y="4775954"/>
+            <a:ext cx="423514" cy="369332"/>
+          </a:xfrm>
+          <a:prstGeom prst="rect">
+            <a:avLst/>
+          </a:prstGeom>
+          <a:noFill/>
+        </p:spPr>
+        <p:txBody>
+          <a:bodyPr wrap="none" rtlCol="0">
+            <a:spAutoFit/>
+          </a:bodyPr>
+          <a:lstStyle/>
+          <a:p>
+            <a:r>
+              <a:rPr lang="en-US" altLang="zh-CN" dirty="0"/>
+              <a:t>(</a:t>
+            </a:r>
+            <a:r>
+              <a:rPr lang="en-US" altLang="zh-CN" dirty="0">
+                <a:latin typeface="Times New Roman" panose="02020603050405020304" pitchFamily="18" charset="0"/>
+                <a:cs typeface="Times New Roman" panose="02020603050405020304" pitchFamily="18" charset="0"/>
+              </a:rPr>
+              <a:t>c</a:t>
+            </a:r>
+            <a:r>
+              <a:rPr lang="en-US" altLang="zh-CN" dirty="0"/>
+              <a:t>)</a:t>
+            </a:r>
+            <a:endParaRPr lang="zh-CN" altLang="en-US" dirty="0"/>
+          </a:p>
+        </p:txBody>
+      </p:sp>
+      <p:cxnSp>
+        <p:nvCxnSpPr>
+          <p:cNvPr id="30" name="直接连接符 29">
+            <a:extLst>
+              <a:ext uri="{FF2B5EF4-FFF2-40B4-BE49-F238E27FC236}">
+                <a16:creationId xmlns:a16="http://schemas.microsoft.com/office/drawing/2014/main" id="{BC232EBC-698B-4F2D-ABCD-077D6E750533}"/>
+              </a:ext>
+            </a:extLst>
+          </p:cNvPr>
+          <p:cNvCxnSpPr>
+            <a:cxnSpLocks/>
+          </p:cNvCxnSpPr>
+          <p:nvPr/>
+        </p:nvCxnSpPr>
+        <p:spPr>
+          <a:xfrm rot="5400000">
+            <a:off x="2957745" y="2356756"/>
+            <a:ext cx="0" cy="228600"/>
+          </a:xfrm>
+          <a:prstGeom prst="line">
+            <a:avLst/>
+          </a:prstGeom>
+          <a:ln>
+            <a:solidFill>
+              <a:schemeClr val="tx1"/>
+            </a:solidFill>
+          </a:ln>
+        </p:spPr>
+        <p:style>
+          <a:lnRef idx="1">
+            <a:schemeClr val="accent1"/>
+          </a:lnRef>
+          <a:fillRef idx="0">
+            <a:schemeClr val="accent1"/>
+          </a:fillRef>
+          <a:effectRef idx="0">
+            <a:schemeClr val="accent1"/>
+          </a:effectRef>
+          <a:fontRef idx="minor">
+            <a:schemeClr val="tx1"/>
+          </a:fontRef>
+        </p:style>
+      </p:cxnSp>
+      <p:cxnSp>
+        <p:nvCxnSpPr>
+          <p:cNvPr id="31" name="直接连接符 30">
+            <a:extLst>
+              <a:ext uri="{FF2B5EF4-FFF2-40B4-BE49-F238E27FC236}">
+                <a16:creationId xmlns:a16="http://schemas.microsoft.com/office/drawing/2014/main" id="{33D0B48E-BFF0-4AC2-A25A-6E6D8A2AB36F}"/>
+              </a:ext>
+            </a:extLst>
+          </p:cNvPr>
+          <p:cNvCxnSpPr>
+            <a:cxnSpLocks/>
+          </p:cNvCxnSpPr>
+          <p:nvPr/>
+        </p:nvCxnSpPr>
+        <p:spPr>
+          <a:xfrm rot="5400000">
+            <a:off x="2994219" y="4661654"/>
+            <a:ext cx="0" cy="228600"/>
+          </a:xfrm>
+          <a:prstGeom prst="line">
+            <a:avLst/>
+          </a:prstGeom>
+          <a:ln>
+            <a:solidFill>
+              <a:schemeClr val="tx1"/>
+            </a:solidFill>
+          </a:ln>
+        </p:spPr>
+        <p:style>
+          <a:lnRef idx="1">
+            <a:schemeClr val="accent1"/>
+          </a:lnRef>
+          <a:fillRef idx="0">
+            <a:schemeClr val="accent1"/>
+          </a:fillRef>
+          <a:effectRef idx="0">
+            <a:schemeClr val="accent1"/>
+          </a:effectRef>
+          <a:fontRef idx="minor">
+            <a:schemeClr val="tx1"/>
+          </a:fontRef>
+        </p:style>
+      </p:cxnSp>
+      <p:cxnSp>
+        <p:nvCxnSpPr>
+          <p:cNvPr id="32" name="直接箭头连接符 31">
+            <a:extLst>
+              <a:ext uri="{FF2B5EF4-FFF2-40B4-BE49-F238E27FC236}">
+                <a16:creationId xmlns:a16="http://schemas.microsoft.com/office/drawing/2014/main" id="{F43B3F21-335B-4CA9-85AB-CBF438DA124D}"/>
+              </a:ext>
+            </a:extLst>
+          </p:cNvPr>
+          <p:cNvCxnSpPr>
+            <a:cxnSpLocks/>
+          </p:cNvCxnSpPr>
+          <p:nvPr/>
+        </p:nvCxnSpPr>
+        <p:spPr>
+          <a:xfrm>
+            <a:off x="2957745" y="2471056"/>
+            <a:ext cx="31004" cy="2304898"/>
+          </a:xfrm>
+          <a:prstGeom prst="straightConnector1">
+            <a:avLst/>
+          </a:prstGeom>
+          <a:ln>
+            <a:solidFill>
+              <a:schemeClr val="tx1"/>
+            </a:solidFill>
+            <a:headEnd type="triangle"/>
+            <a:tailEnd type="triangle"/>
+          </a:ln>
+        </p:spPr>
+        <p:style>
+          <a:lnRef idx="1">
+            <a:schemeClr val="accent1"/>
+          </a:lnRef>
+          <a:fillRef idx="0">
+            <a:schemeClr val="accent1"/>
+          </a:fillRef>
+          <a:effectRef idx="0">
+            <a:schemeClr val="accent1"/>
+          </a:effectRef>
+          <a:fontRef idx="minor">
+            <a:schemeClr val="tx1"/>
+          </a:fontRef>
+        </p:style>
+      </p:cxnSp>
+      <p:sp>
+        <p:nvSpPr>
+          <p:cNvPr id="33" name="文本框 32">
+            <a:extLst>
+              <a:ext uri="{FF2B5EF4-FFF2-40B4-BE49-F238E27FC236}">
+                <a16:creationId xmlns:a16="http://schemas.microsoft.com/office/drawing/2014/main" id="{CC67EEF7-D1E4-4F0B-921C-F048CDDB7212}"/>
+              </a:ext>
+            </a:extLst>
+          </p:cNvPr>
+          <p:cNvSpPr txBox="1"/>
+          <p:nvPr/>
+        </p:nvSpPr>
+        <p:spPr>
+          <a:xfrm>
+            <a:off x="2649253" y="3577859"/>
+            <a:ext cx="311304" cy="369332"/>
+          </a:xfrm>
+          <a:prstGeom prst="rect">
+            <a:avLst/>
+          </a:prstGeom>
+          <a:noFill/>
+        </p:spPr>
+        <p:txBody>
+          <a:bodyPr wrap="none" rtlCol="0">
+            <a:spAutoFit/>
+          </a:bodyPr>
+          <a:lstStyle/>
+          <a:p>
+            <a:r>
+              <a:rPr lang="en-US" altLang="zh-CN" dirty="0"/>
+              <a:t>h</a:t>
+            </a:r>
+            <a:endParaRPr lang="zh-CN" altLang="en-US" dirty="0"/>
+          </a:p>
+        </p:txBody>
+      </p:sp>
+      <p:cxnSp>
+        <p:nvCxnSpPr>
+          <p:cNvPr id="37" name="直接连接符 36">
+            <a:extLst>
+              <a:ext uri="{FF2B5EF4-FFF2-40B4-BE49-F238E27FC236}">
+                <a16:creationId xmlns:a16="http://schemas.microsoft.com/office/drawing/2014/main" id="{D4089DCF-8DAF-4266-9CF3-BFFB738A6BDD}"/>
+              </a:ext>
+            </a:extLst>
+          </p:cNvPr>
+          <p:cNvCxnSpPr/>
+          <p:nvPr/>
+        </p:nvCxnSpPr>
+        <p:spPr>
+          <a:xfrm>
+            <a:off x="4235321" y="-236038"/>
+            <a:ext cx="0" cy="228600"/>
+          </a:xfrm>
+          <a:prstGeom prst="line">
+            <a:avLst/>
+          </a:prstGeom>
+          <a:ln>
+            <a:solidFill>
+              <a:schemeClr val="tx1"/>
+            </a:solidFill>
+          </a:ln>
+        </p:spPr>
+        <p:style>
+          <a:lnRef idx="1">
+            <a:schemeClr val="accent1"/>
+          </a:lnRef>
+          <a:fillRef idx="0">
+            <a:schemeClr val="accent1"/>
+          </a:fillRef>
+          <a:effectRef idx="0">
+            <a:schemeClr val="accent1"/>
+          </a:effectRef>
+          <a:fontRef idx="minor">
+            <a:schemeClr val="tx1"/>
+          </a:fontRef>
+        </p:style>
+      </p:cxnSp>
+      <p:cxnSp>
+        <p:nvCxnSpPr>
+          <p:cNvPr id="38" name="直接连接符 37">
+            <a:extLst>
+              <a:ext uri="{FF2B5EF4-FFF2-40B4-BE49-F238E27FC236}">
+                <a16:creationId xmlns:a16="http://schemas.microsoft.com/office/drawing/2014/main" id="{9E644909-AF76-4233-AAC3-AFD77911F275}"/>
+              </a:ext>
+            </a:extLst>
+          </p:cNvPr>
+          <p:cNvCxnSpPr/>
+          <p:nvPr/>
+        </p:nvCxnSpPr>
+        <p:spPr>
+          <a:xfrm>
+            <a:off x="6269861" y="-244350"/>
+            <a:ext cx="0" cy="228600"/>
+          </a:xfrm>
+          <a:prstGeom prst="line">
+            <a:avLst/>
+          </a:prstGeom>
+          <a:ln>
+            <a:solidFill>
+              <a:schemeClr val="tx1"/>
+            </a:solidFill>
+          </a:ln>
+        </p:spPr>
+        <p:style>
+          <a:lnRef idx="1">
+            <a:schemeClr val="accent1"/>
+          </a:lnRef>
+          <a:fillRef idx="0">
+            <a:schemeClr val="accent1"/>
+          </a:fillRef>
+          <a:effectRef idx="0">
+            <a:schemeClr val="accent1"/>
+          </a:effectRef>
+          <a:fontRef idx="minor">
+            <a:schemeClr val="tx1"/>
+          </a:fontRef>
+        </p:style>
+      </p:cxnSp>
+      <p:cxnSp>
+        <p:nvCxnSpPr>
+          <p:cNvPr id="39" name="直接箭头连接符 38">
+            <a:extLst>
+              <a:ext uri="{FF2B5EF4-FFF2-40B4-BE49-F238E27FC236}">
+                <a16:creationId xmlns:a16="http://schemas.microsoft.com/office/drawing/2014/main" id="{EE3BFD18-6FCD-42AE-81D1-ED963E9A5800}"/>
+              </a:ext>
+            </a:extLst>
+          </p:cNvPr>
+          <p:cNvCxnSpPr>
+            <a:cxnSpLocks/>
+          </p:cNvCxnSpPr>
+          <p:nvPr/>
+        </p:nvCxnSpPr>
+        <p:spPr>
+          <a:xfrm>
+            <a:off x="4235321" y="-126092"/>
+            <a:ext cx="2034540" cy="4354"/>
+          </a:xfrm>
+          <a:prstGeom prst="straightConnector1">
+            <a:avLst/>
+          </a:prstGeom>
+          <a:ln>
+            <a:solidFill>
+              <a:schemeClr val="tx1"/>
+            </a:solidFill>
+            <a:headEnd type="triangle"/>
+            <a:tailEnd type="triangle"/>
+          </a:ln>
+        </p:spPr>
+        <p:style>
+          <a:lnRef idx="1">
+            <a:schemeClr val="accent1"/>
+          </a:lnRef>
+          <a:fillRef idx="0">
+            <a:schemeClr val="accent1"/>
+          </a:fillRef>
+          <a:effectRef idx="0">
+            <a:schemeClr val="accent1"/>
+          </a:effectRef>
+          <a:fontRef idx="minor">
+            <a:schemeClr val="tx1"/>
+          </a:fontRef>
+        </p:style>
+      </p:cxnSp>
+      <p:sp>
+        <p:nvSpPr>
+          <p:cNvPr id="40" name="文本框 39">
+            <a:extLst>
+              <a:ext uri="{FF2B5EF4-FFF2-40B4-BE49-F238E27FC236}">
+                <a16:creationId xmlns:a16="http://schemas.microsoft.com/office/drawing/2014/main" id="{C1651E1D-E73F-41DB-B1DB-9E8936CC0291}"/>
+              </a:ext>
+            </a:extLst>
+          </p:cNvPr>
+          <p:cNvSpPr txBox="1"/>
+          <p:nvPr/>
+        </p:nvSpPr>
+        <p:spPr>
+          <a:xfrm>
+            <a:off x="5054460" y="-429016"/>
+            <a:ext cx="396262" cy="369332"/>
+          </a:xfrm>
+          <a:prstGeom prst="rect">
+            <a:avLst/>
+          </a:prstGeom>
+          <a:noFill/>
+        </p:spPr>
+        <p:txBody>
+          <a:bodyPr wrap="none" rtlCol="0">
+            <a:spAutoFit/>
+          </a:bodyPr>
+          <a:lstStyle/>
+          <a:p>
+            <a:r>
+              <a:rPr lang="en-US" altLang="zh-CN" dirty="0"/>
+              <a:t>W</a:t>
+            </a:r>
+            <a:endParaRPr lang="zh-CN" altLang="en-US" dirty="0"/>
+          </a:p>
+        </p:txBody>
+      </p:sp>
+      <p:cxnSp>
+        <p:nvCxnSpPr>
+          <p:cNvPr id="41" name="直接连接符 40">
+            <a:extLst>
+              <a:ext uri="{FF2B5EF4-FFF2-40B4-BE49-F238E27FC236}">
+                <a16:creationId xmlns:a16="http://schemas.microsoft.com/office/drawing/2014/main" id="{746E252C-036F-41F8-B10A-E6C329236D0A}"/>
+              </a:ext>
+            </a:extLst>
+          </p:cNvPr>
+          <p:cNvCxnSpPr/>
+          <p:nvPr/>
+        </p:nvCxnSpPr>
+        <p:spPr>
+          <a:xfrm>
+            <a:off x="3238004" y="2096273"/>
+            <a:ext cx="0" cy="228600"/>
+          </a:xfrm>
+          <a:prstGeom prst="line">
+            <a:avLst/>
+          </a:prstGeom>
+          <a:ln>
+            <a:solidFill>
+              <a:schemeClr val="tx1"/>
+            </a:solidFill>
+          </a:ln>
+        </p:spPr>
+        <p:style>
+          <a:lnRef idx="1">
+            <a:schemeClr val="accent1"/>
+          </a:lnRef>
+          <a:fillRef idx="0">
+            <a:schemeClr val="accent1"/>
+          </a:fillRef>
+          <a:effectRef idx="0">
+            <a:schemeClr val="accent1"/>
+          </a:effectRef>
+          <a:fontRef idx="minor">
+            <a:schemeClr val="tx1"/>
+          </a:fontRef>
+        </p:style>
+      </p:cxnSp>
+      <p:cxnSp>
+        <p:nvCxnSpPr>
+          <p:cNvPr id="42" name="直接连接符 41">
+            <a:extLst>
+              <a:ext uri="{FF2B5EF4-FFF2-40B4-BE49-F238E27FC236}">
+                <a16:creationId xmlns:a16="http://schemas.microsoft.com/office/drawing/2014/main" id="{988B537A-D464-4B9E-AF8D-F7E18FD06C75}"/>
+              </a:ext>
+            </a:extLst>
+          </p:cNvPr>
+          <p:cNvCxnSpPr/>
+          <p:nvPr/>
+        </p:nvCxnSpPr>
+        <p:spPr>
+          <a:xfrm>
+            <a:off x="3773285" y="2082290"/>
+            <a:ext cx="0" cy="228600"/>
+          </a:xfrm>
+          <a:prstGeom prst="line">
+            <a:avLst/>
+          </a:prstGeom>
+          <a:ln>
+            <a:solidFill>
+              <a:schemeClr val="tx1"/>
+            </a:solidFill>
+          </a:ln>
+        </p:spPr>
+        <p:style>
+          <a:lnRef idx="1">
+            <a:schemeClr val="accent1"/>
+          </a:lnRef>
+          <a:fillRef idx="0">
+            <a:schemeClr val="accent1"/>
+          </a:fillRef>
+          <a:effectRef idx="0">
+            <a:schemeClr val="accent1"/>
+          </a:effectRef>
+          <a:fontRef idx="minor">
+            <a:schemeClr val="tx1"/>
+          </a:fontRef>
+        </p:style>
+      </p:cxnSp>
+      <p:cxnSp>
+        <p:nvCxnSpPr>
+          <p:cNvPr id="43" name="直接箭头连接符 42">
+            <a:extLst>
+              <a:ext uri="{FF2B5EF4-FFF2-40B4-BE49-F238E27FC236}">
+                <a16:creationId xmlns:a16="http://schemas.microsoft.com/office/drawing/2014/main" id="{1907F401-92A5-4EC0-B664-222ACBD566C6}"/>
+              </a:ext>
+            </a:extLst>
+          </p:cNvPr>
+          <p:cNvCxnSpPr>
+            <a:cxnSpLocks/>
+          </p:cNvCxnSpPr>
+          <p:nvPr/>
+        </p:nvCxnSpPr>
+        <p:spPr>
+          <a:xfrm>
+            <a:off x="3238004" y="2200548"/>
+            <a:ext cx="535281" cy="0"/>
+          </a:xfrm>
+          <a:prstGeom prst="straightConnector1">
+            <a:avLst/>
+          </a:prstGeom>
+          <a:ln>
+            <a:solidFill>
+              <a:schemeClr val="tx1"/>
+            </a:solidFill>
+            <a:headEnd type="triangle"/>
+            <a:tailEnd type="triangle"/>
+          </a:ln>
+        </p:spPr>
+        <p:style>
+          <a:lnRef idx="1">
+            <a:schemeClr val="accent1"/>
+          </a:lnRef>
+          <a:fillRef idx="0">
+            <a:schemeClr val="accent1"/>
+          </a:fillRef>
+          <a:effectRef idx="0">
+            <a:schemeClr val="accent1"/>
+          </a:effectRef>
+          <a:fontRef idx="minor">
+            <a:schemeClr val="tx1"/>
+          </a:fontRef>
+        </p:style>
+      </p:cxnSp>
+      <p:sp>
+        <p:nvSpPr>
+          <p:cNvPr id="44" name="文本框 43">
+            <a:extLst>
+              <a:ext uri="{FF2B5EF4-FFF2-40B4-BE49-F238E27FC236}">
+                <a16:creationId xmlns:a16="http://schemas.microsoft.com/office/drawing/2014/main" id="{F8595164-2127-4106-882F-463B4E9A4E72}"/>
+              </a:ext>
+            </a:extLst>
+          </p:cNvPr>
+          <p:cNvSpPr txBox="1"/>
+          <p:nvPr/>
+        </p:nvSpPr>
+        <p:spPr>
+          <a:xfrm>
+            <a:off x="3344136" y="1836669"/>
+            <a:ext cx="346570" cy="369332"/>
+          </a:xfrm>
+          <a:prstGeom prst="rect">
+            <a:avLst/>
+          </a:prstGeom>
+          <a:noFill/>
+        </p:spPr>
+        <p:txBody>
+          <a:bodyPr wrap="none" rtlCol="0">
+            <a:spAutoFit/>
+          </a:bodyPr>
+          <a:lstStyle/>
+          <a:p>
+            <a:r>
+              <a:rPr lang="en-US" altLang="zh-CN" dirty="0"/>
+              <a:t>w</a:t>
+            </a:r>
+            <a:endParaRPr lang="zh-CN" altLang="en-US" dirty="0"/>
+          </a:p>
+        </p:txBody>
+      </p:sp>
+      <p:cxnSp>
+        <p:nvCxnSpPr>
+          <p:cNvPr id="49" name="直接连接符 48">
+            <a:extLst>
+              <a:ext uri="{FF2B5EF4-FFF2-40B4-BE49-F238E27FC236}">
+                <a16:creationId xmlns:a16="http://schemas.microsoft.com/office/drawing/2014/main" id="{E4271F1E-DB71-4371-9BE8-9060A4A7CB12}"/>
+              </a:ext>
+            </a:extLst>
+          </p:cNvPr>
+          <p:cNvCxnSpPr>
+            <a:cxnSpLocks/>
+          </p:cNvCxnSpPr>
+          <p:nvPr/>
+        </p:nvCxnSpPr>
+        <p:spPr>
+          <a:xfrm rot="5400000">
+            <a:off x="4025068" y="-33454"/>
+            <a:ext cx="0" cy="228600"/>
+          </a:xfrm>
+          <a:prstGeom prst="line">
+            <a:avLst/>
+          </a:prstGeom>
+          <a:ln>
+            <a:solidFill>
+              <a:schemeClr val="tx1"/>
+            </a:solidFill>
+          </a:ln>
+        </p:spPr>
+        <p:style>
+          <a:lnRef idx="1">
+            <a:schemeClr val="accent1"/>
+          </a:lnRef>
+          <a:fillRef idx="0">
+            <a:schemeClr val="accent1"/>
+          </a:fillRef>
+          <a:effectRef idx="0">
+            <a:schemeClr val="accent1"/>
+          </a:effectRef>
+          <a:fontRef idx="minor">
+            <a:schemeClr val="tx1"/>
+          </a:fontRef>
+        </p:style>
+      </p:cxnSp>
+      <p:cxnSp>
+        <p:nvCxnSpPr>
+          <p:cNvPr id="50" name="直接连接符 49">
+            <a:extLst>
+              <a:ext uri="{FF2B5EF4-FFF2-40B4-BE49-F238E27FC236}">
+                <a16:creationId xmlns:a16="http://schemas.microsoft.com/office/drawing/2014/main" id="{52802551-4761-49B4-8BF4-F5756B43404B}"/>
+              </a:ext>
+            </a:extLst>
+          </p:cNvPr>
+          <p:cNvCxnSpPr>
+            <a:cxnSpLocks/>
+          </p:cNvCxnSpPr>
+          <p:nvPr/>
+        </p:nvCxnSpPr>
+        <p:spPr>
+          <a:xfrm rot="5400000">
+            <a:off x="4025068" y="4616618"/>
+            <a:ext cx="0" cy="228600"/>
+          </a:xfrm>
+          <a:prstGeom prst="line">
+            <a:avLst/>
+          </a:prstGeom>
+          <a:ln>
+            <a:solidFill>
+              <a:schemeClr val="tx1"/>
+            </a:solidFill>
+          </a:ln>
+        </p:spPr>
+        <p:style>
+          <a:lnRef idx="1">
+            <a:schemeClr val="accent1"/>
+          </a:lnRef>
+          <a:fillRef idx="0">
+            <a:schemeClr val="accent1"/>
+          </a:fillRef>
+          <a:effectRef idx="0">
+            <a:schemeClr val="accent1"/>
+          </a:effectRef>
+          <a:fontRef idx="minor">
+            <a:schemeClr val="tx1"/>
+          </a:fontRef>
+        </p:style>
+      </p:cxnSp>
+      <p:cxnSp>
+        <p:nvCxnSpPr>
+          <p:cNvPr id="51" name="直接箭头连接符 50">
+            <a:extLst>
+              <a:ext uri="{FF2B5EF4-FFF2-40B4-BE49-F238E27FC236}">
+                <a16:creationId xmlns:a16="http://schemas.microsoft.com/office/drawing/2014/main" id="{2036402E-E23A-4DCA-909E-C63C9FC2D8ED}"/>
+              </a:ext>
+            </a:extLst>
+          </p:cNvPr>
+          <p:cNvCxnSpPr>
+            <a:cxnSpLocks/>
+          </p:cNvCxnSpPr>
+          <p:nvPr/>
+        </p:nvCxnSpPr>
+        <p:spPr>
+          <a:xfrm>
+            <a:off x="4025068" y="80846"/>
+            <a:ext cx="35286" cy="4650072"/>
+          </a:xfrm>
+          <a:prstGeom prst="straightConnector1">
+            <a:avLst/>
+          </a:prstGeom>
+          <a:ln>
+            <a:solidFill>
+              <a:schemeClr val="tx1"/>
+            </a:solidFill>
+            <a:headEnd type="triangle"/>
+            <a:tailEnd type="triangle"/>
+          </a:ln>
+        </p:spPr>
+        <p:style>
+          <a:lnRef idx="1">
+            <a:schemeClr val="accent1"/>
+          </a:lnRef>
+          <a:fillRef idx="0">
+            <a:schemeClr val="accent1"/>
+          </a:fillRef>
+          <a:effectRef idx="0">
+            <a:schemeClr val="accent1"/>
+          </a:effectRef>
+          <a:fontRef idx="minor">
+            <a:schemeClr val="tx1"/>
+          </a:fontRef>
+        </p:style>
+      </p:cxnSp>
+      <p:sp>
+        <p:nvSpPr>
+          <p:cNvPr id="52" name="文本框 51">
+            <a:extLst>
+              <a:ext uri="{FF2B5EF4-FFF2-40B4-BE49-F238E27FC236}">
+                <a16:creationId xmlns:a16="http://schemas.microsoft.com/office/drawing/2014/main" id="{496098D0-8A67-4F79-A20F-169C008E0772}"/>
+              </a:ext>
+            </a:extLst>
+          </p:cNvPr>
+          <p:cNvSpPr txBox="1"/>
+          <p:nvPr/>
+        </p:nvSpPr>
+        <p:spPr>
+          <a:xfrm>
+            <a:off x="3716576" y="1187649"/>
+            <a:ext cx="344966" cy="369332"/>
+          </a:xfrm>
+          <a:prstGeom prst="rect">
+            <a:avLst/>
+          </a:prstGeom>
+          <a:noFill/>
+        </p:spPr>
+        <p:txBody>
+          <a:bodyPr wrap="none" rtlCol="0">
+            <a:spAutoFit/>
+          </a:bodyPr>
+          <a:lstStyle/>
+          <a:p>
+            <a:r>
+              <a:rPr lang="en-US" altLang="zh-CN" dirty="0"/>
+              <a:t>H</a:t>
+            </a:r>
+            <a:endParaRPr lang="zh-CN" altLang="en-US" dirty="0"/>
+          </a:p>
+        </p:txBody>
+      </p:sp>
+      <p:cxnSp>
+        <p:nvCxnSpPr>
+          <p:cNvPr id="54" name="直接连接符 53">
+            <a:extLst>
+              <a:ext uri="{FF2B5EF4-FFF2-40B4-BE49-F238E27FC236}">
+                <a16:creationId xmlns:a16="http://schemas.microsoft.com/office/drawing/2014/main" id="{E68535BF-CF51-4348-BEF6-A7ABA97CCDD9}"/>
+              </a:ext>
+            </a:extLst>
+          </p:cNvPr>
+          <p:cNvCxnSpPr>
+            <a:cxnSpLocks/>
+          </p:cNvCxnSpPr>
+          <p:nvPr/>
+        </p:nvCxnSpPr>
+        <p:spPr>
+          <a:xfrm rot="5400000">
+            <a:off x="8481175" y="2331526"/>
+            <a:ext cx="0" cy="228600"/>
+          </a:xfrm>
+          <a:prstGeom prst="line">
+            <a:avLst/>
+          </a:prstGeom>
+          <a:ln>
+            <a:solidFill>
+              <a:schemeClr val="tx1"/>
+            </a:solidFill>
+          </a:ln>
+        </p:spPr>
+        <p:style>
+          <a:lnRef idx="1">
+            <a:schemeClr val="accent1"/>
+          </a:lnRef>
+          <a:fillRef idx="0">
+            <a:schemeClr val="accent1"/>
+          </a:fillRef>
+          <a:effectRef idx="0">
+            <a:schemeClr val="accent1"/>
+          </a:effectRef>
+          <a:fontRef idx="minor">
+            <a:schemeClr val="tx1"/>
+          </a:fontRef>
+        </p:style>
+      </p:cxnSp>
+      <p:cxnSp>
+        <p:nvCxnSpPr>
+          <p:cNvPr id="55" name="直接连接符 54">
+            <a:extLst>
+              <a:ext uri="{FF2B5EF4-FFF2-40B4-BE49-F238E27FC236}">
+                <a16:creationId xmlns:a16="http://schemas.microsoft.com/office/drawing/2014/main" id="{821C104A-B26A-4BA4-903F-CEA8D47E1C75}"/>
+              </a:ext>
+            </a:extLst>
+          </p:cNvPr>
+          <p:cNvCxnSpPr>
+            <a:cxnSpLocks/>
+          </p:cNvCxnSpPr>
+          <p:nvPr/>
+        </p:nvCxnSpPr>
+        <p:spPr>
+          <a:xfrm rot="5400000">
+            <a:off x="8481175" y="4627702"/>
+            <a:ext cx="0" cy="228600"/>
+          </a:xfrm>
+          <a:prstGeom prst="line">
+            <a:avLst/>
+          </a:prstGeom>
+          <a:ln>
+            <a:solidFill>
+              <a:schemeClr val="tx1"/>
+            </a:solidFill>
+          </a:ln>
+        </p:spPr>
+        <p:style>
+          <a:lnRef idx="1">
+            <a:schemeClr val="accent1"/>
+          </a:lnRef>
+          <a:fillRef idx="0">
+            <a:schemeClr val="accent1"/>
+          </a:fillRef>
+          <a:effectRef idx="0">
+            <a:schemeClr val="accent1"/>
+          </a:effectRef>
+          <a:fontRef idx="minor">
+            <a:schemeClr val="tx1"/>
+          </a:fontRef>
+        </p:style>
+      </p:cxnSp>
+      <p:cxnSp>
+        <p:nvCxnSpPr>
+          <p:cNvPr id="56" name="直接箭头连接符 55">
+            <a:extLst>
+              <a:ext uri="{FF2B5EF4-FFF2-40B4-BE49-F238E27FC236}">
+                <a16:creationId xmlns:a16="http://schemas.microsoft.com/office/drawing/2014/main" id="{C9039B21-BE4F-40BB-B07F-785BCA936A4B}"/>
+              </a:ext>
+            </a:extLst>
+          </p:cNvPr>
+          <p:cNvCxnSpPr>
+            <a:cxnSpLocks/>
+          </p:cNvCxnSpPr>
+          <p:nvPr/>
+        </p:nvCxnSpPr>
+        <p:spPr>
+          <a:xfrm>
+            <a:off x="8473440" y="2448560"/>
+            <a:ext cx="7736" cy="2289784"/>
+          </a:xfrm>
+          <a:prstGeom prst="straightConnector1">
+            <a:avLst/>
+          </a:prstGeom>
+          <a:ln>
+            <a:solidFill>
+              <a:schemeClr val="tx1"/>
+            </a:solidFill>
+            <a:headEnd type="triangle"/>
+            <a:tailEnd type="triangle"/>
+          </a:ln>
+        </p:spPr>
+        <p:style>
+          <a:lnRef idx="1">
+            <a:schemeClr val="accent1"/>
+          </a:lnRef>
+          <a:fillRef idx="0">
+            <a:schemeClr val="accent1"/>
+          </a:fillRef>
+          <a:effectRef idx="0">
+            <a:schemeClr val="accent1"/>
+          </a:effectRef>
+          <a:fontRef idx="minor">
+            <a:schemeClr val="tx1"/>
+          </a:fontRef>
+        </p:style>
+      </p:cxnSp>
+      <p:sp>
+        <p:nvSpPr>
+          <p:cNvPr id="57" name="文本框 56">
+            <a:extLst>
+              <a:ext uri="{FF2B5EF4-FFF2-40B4-BE49-F238E27FC236}">
+                <a16:creationId xmlns:a16="http://schemas.microsoft.com/office/drawing/2014/main" id="{143DE82B-B39D-487D-9E11-F5E2FBF82E88}"/>
+              </a:ext>
+            </a:extLst>
+          </p:cNvPr>
+          <p:cNvSpPr txBox="1"/>
+          <p:nvPr/>
+        </p:nvSpPr>
+        <p:spPr>
+          <a:xfrm>
+            <a:off x="8450906" y="3400619"/>
+            <a:ext cx="862737" cy="369332"/>
+          </a:xfrm>
+          <a:prstGeom prst="rect">
+            <a:avLst/>
+          </a:prstGeom>
+          <a:noFill/>
+        </p:spPr>
+        <p:txBody>
+          <a:bodyPr wrap="none" rtlCol="0">
+            <a:spAutoFit/>
+          </a:bodyPr>
+          <a:lstStyle/>
+          <a:p>
+            <a:r>
+              <a:rPr lang="en-US" altLang="zh-CN" dirty="0"/>
+              <a:t>H-h+1</a:t>
+            </a:r>
+            <a:endParaRPr lang="zh-CN" altLang="en-US" dirty="0"/>
+          </a:p>
+        </p:txBody>
+      </p:sp>
+      <p:cxnSp>
+        <p:nvCxnSpPr>
+          <p:cNvPr id="60" name="直接连接符 59">
+            <a:extLst>
+              <a:ext uri="{FF2B5EF4-FFF2-40B4-BE49-F238E27FC236}">
+                <a16:creationId xmlns:a16="http://schemas.microsoft.com/office/drawing/2014/main" id="{B0E07930-45B5-4C6A-840D-997A926CD8A6}"/>
+              </a:ext>
+            </a:extLst>
+          </p:cNvPr>
+          <p:cNvCxnSpPr/>
+          <p:nvPr/>
+        </p:nvCxnSpPr>
+        <p:spPr>
+          <a:xfrm>
+            <a:off x="6720758" y="2120969"/>
+            <a:ext cx="0" cy="228600"/>
+          </a:xfrm>
+          <a:prstGeom prst="line">
+            <a:avLst/>
+          </a:prstGeom>
+          <a:ln>
+            <a:solidFill>
+              <a:schemeClr val="tx1"/>
+            </a:solidFill>
+          </a:ln>
+        </p:spPr>
+        <p:style>
+          <a:lnRef idx="1">
+            <a:schemeClr val="accent1"/>
+          </a:lnRef>
+          <a:fillRef idx="0">
+            <a:schemeClr val="accent1"/>
+          </a:fillRef>
+          <a:effectRef idx="0">
+            <a:schemeClr val="accent1"/>
+          </a:effectRef>
+          <a:fontRef idx="minor">
+            <a:schemeClr val="tx1"/>
+          </a:fontRef>
+        </p:style>
+      </p:cxnSp>
+      <p:cxnSp>
+        <p:nvCxnSpPr>
+          <p:cNvPr id="61" name="直接连接符 60">
+            <a:extLst>
+              <a:ext uri="{FF2B5EF4-FFF2-40B4-BE49-F238E27FC236}">
+                <a16:creationId xmlns:a16="http://schemas.microsoft.com/office/drawing/2014/main" id="{2F5BC2DA-25D1-4152-AB81-75AF22DF5F3D}"/>
+              </a:ext>
+            </a:extLst>
+          </p:cNvPr>
+          <p:cNvCxnSpPr/>
+          <p:nvPr/>
+        </p:nvCxnSpPr>
+        <p:spPr>
+          <a:xfrm>
+            <a:off x="8232058" y="2132961"/>
+            <a:ext cx="0" cy="228600"/>
+          </a:xfrm>
+          <a:prstGeom prst="line">
+            <a:avLst/>
+          </a:prstGeom>
+          <a:ln>
+            <a:solidFill>
+              <a:schemeClr val="tx1"/>
+            </a:solidFill>
+          </a:ln>
+        </p:spPr>
+        <p:style>
+          <a:lnRef idx="1">
+            <a:schemeClr val="accent1"/>
+          </a:lnRef>
+          <a:fillRef idx="0">
+            <a:schemeClr val="accent1"/>
+          </a:fillRef>
+          <a:effectRef idx="0">
+            <a:schemeClr val="accent1"/>
+          </a:effectRef>
+          <a:fontRef idx="minor">
+            <a:schemeClr val="tx1"/>
+          </a:fontRef>
+        </p:style>
+      </p:cxnSp>
+      <p:cxnSp>
+        <p:nvCxnSpPr>
+          <p:cNvPr id="62" name="直接箭头连接符 61">
+            <a:extLst>
+              <a:ext uri="{FF2B5EF4-FFF2-40B4-BE49-F238E27FC236}">
+                <a16:creationId xmlns:a16="http://schemas.microsoft.com/office/drawing/2014/main" id="{EF1320EA-0B4A-4122-BEC3-8D40D0B34696}"/>
+              </a:ext>
+            </a:extLst>
+          </p:cNvPr>
+          <p:cNvCxnSpPr>
+            <a:cxnSpLocks/>
+          </p:cNvCxnSpPr>
+          <p:nvPr/>
+        </p:nvCxnSpPr>
+        <p:spPr>
+          <a:xfrm>
+            <a:off x="6720758" y="2230916"/>
+            <a:ext cx="1511300" cy="16345"/>
+          </a:xfrm>
+          <a:prstGeom prst="straightConnector1">
+            <a:avLst/>
+          </a:prstGeom>
+          <a:ln>
+            <a:solidFill>
+              <a:schemeClr val="tx1"/>
+            </a:solidFill>
+            <a:headEnd type="triangle"/>
+            <a:tailEnd type="triangle"/>
+          </a:ln>
+        </p:spPr>
+        <p:style>
+          <a:lnRef idx="1">
+            <a:schemeClr val="accent1"/>
+          </a:lnRef>
+          <a:fillRef idx="0">
+            <a:schemeClr val="accent1"/>
+          </a:fillRef>
+          <a:effectRef idx="0">
+            <a:schemeClr val="accent1"/>
+          </a:effectRef>
+          <a:fontRef idx="minor">
+            <a:schemeClr val="tx1"/>
+          </a:fontRef>
+        </p:style>
+      </p:cxnSp>
+      <p:sp>
+        <p:nvSpPr>
+          <p:cNvPr id="63" name="文本框 62">
+            <a:extLst>
+              <a:ext uri="{FF2B5EF4-FFF2-40B4-BE49-F238E27FC236}">
+                <a16:creationId xmlns:a16="http://schemas.microsoft.com/office/drawing/2014/main" id="{8B61DA40-CF47-4574-A8E3-D636406E976C}"/>
+              </a:ext>
+            </a:extLst>
+          </p:cNvPr>
+          <p:cNvSpPr txBox="1"/>
+          <p:nvPr/>
+        </p:nvSpPr>
+        <p:spPr>
+          <a:xfrm>
+            <a:off x="7009799" y="1897624"/>
+            <a:ext cx="949299" cy="369332"/>
+          </a:xfrm>
+          <a:prstGeom prst="rect">
+            <a:avLst/>
+          </a:prstGeom>
+          <a:noFill/>
+        </p:spPr>
+        <p:txBody>
+          <a:bodyPr wrap="none" rtlCol="0">
+            <a:spAutoFit/>
+          </a:bodyPr>
+          <a:lstStyle/>
+          <a:p>
+            <a:r>
+              <a:rPr lang="en-US" altLang="zh-CN" dirty="0"/>
+              <a:t>W-w+1</a:t>
+            </a:r>
+            <a:endParaRPr lang="zh-CN" altLang="en-US" dirty="0"/>
+          </a:p>
+        </p:txBody>
+      </p:sp>
+    </p:spTree>
+    <p:extLst>
+      <p:ext uri="{BB962C8B-B14F-4D97-AF65-F5344CB8AC3E}">
+        <p14:creationId xmlns:p14="http://schemas.microsoft.com/office/powerpoint/2010/main" val="2918360017"/>
+      </p:ext>
+    </p:extLst>
+  </p:cSld>
+  <p:clrMapOvr>
+    <a:masterClrMapping/>
+  </p:clrMapOvr>
+</p:sld>
+</file>
+
+<file path=ppt/slides/slide11.xml><?xml version="1.0" encoding="utf-8"?>
+<p:sld xmlns:a="http://schemas.openxmlformats.org/drawingml/2006/main" xmlns:r="http://schemas.openxmlformats.org/officeDocument/2006/relationships" xmlns:p="http://schemas.openxmlformats.org/presentationml/2006/main">
+  <p:cSld>
+    <p:spTree>
+      <p:nvGrpSpPr>
+        <p:cNvPr id="1" name=""/>
+        <p:cNvGrpSpPr/>
+        <p:nvPr/>
+      </p:nvGrpSpPr>
+      <p:grpSpPr>
+        <a:xfrm>
+          <a:off x="0" y="0"/>
+          <a:ext cx="0" cy="0"/>
+          <a:chOff x="0" y="0"/>
+          <a:chExt cx="0" cy="0"/>
+        </a:xfrm>
+      </p:grpSpPr>
+      <p:graphicFrame>
+        <p:nvGraphicFramePr>
+          <p:cNvPr id="4" name="表格 3">
+            <a:extLst>
+              <a:ext uri="{FF2B5EF4-FFF2-40B4-BE49-F238E27FC236}">
+                <a16:creationId xmlns:a16="http://schemas.microsoft.com/office/drawing/2014/main" id="{FA529051-E4DE-478C-8093-B90B37DC2342}"/>
+              </a:ext>
+            </a:extLst>
+          </p:cNvPr>
+          <p:cNvGraphicFramePr>
+            <a:graphicFrameLocks noGrp="1"/>
+          </p:cNvGraphicFramePr>
+          <p:nvPr>
+            <p:extLst>
+              <p:ext uri="{D42A27DB-BD31-4B8C-83A1-F6EECF244321}">
+                <p14:modId xmlns:p14="http://schemas.microsoft.com/office/powerpoint/2010/main" val="1245492017"/>
+              </p:ext>
+            </p:extLst>
+          </p:nvPr>
+        </p:nvGraphicFramePr>
+        <p:xfrm>
+          <a:off x="4135120" y="897466"/>
+          <a:ext cx="3413760" cy="2966720"/>
+        </p:xfrm>
+        <a:graphic>
+          <a:graphicData uri="http://schemas.openxmlformats.org/drawingml/2006/table">
+            <a:tbl>
+              <a:tblPr firstRow="1" bandRow="1">
+                <a:tableStyleId>{5C22544A-7EE6-4342-B048-85BDC9FD1C3A}</a:tableStyleId>
+              </a:tblPr>
+              <a:tblGrid>
+                <a:gridCol w="426720">
+                  <a:extLst>
+                    <a:ext uri="{9D8B030D-6E8A-4147-A177-3AD203B41FA5}">
+                      <a16:colId xmlns:a16="http://schemas.microsoft.com/office/drawing/2014/main" val="1486498062"/>
+                    </a:ext>
+                  </a:extLst>
+                </a:gridCol>
+                <a:gridCol w="426720">
+                  <a:extLst>
+                    <a:ext uri="{9D8B030D-6E8A-4147-A177-3AD203B41FA5}">
+                      <a16:colId xmlns:a16="http://schemas.microsoft.com/office/drawing/2014/main" val="2447860810"/>
+                    </a:ext>
+                  </a:extLst>
+                </a:gridCol>
+                <a:gridCol w="426720">
+                  <a:extLst>
+                    <a:ext uri="{9D8B030D-6E8A-4147-A177-3AD203B41FA5}">
+                      <a16:colId xmlns:a16="http://schemas.microsoft.com/office/drawing/2014/main" val="1301356685"/>
+                    </a:ext>
+                  </a:extLst>
+                </a:gridCol>
+                <a:gridCol w="426720">
+                  <a:extLst>
+                    <a:ext uri="{9D8B030D-6E8A-4147-A177-3AD203B41FA5}">
+                      <a16:colId xmlns:a16="http://schemas.microsoft.com/office/drawing/2014/main" val="1605798228"/>
+                    </a:ext>
+                  </a:extLst>
+                </a:gridCol>
+                <a:gridCol w="426720">
+                  <a:extLst>
+                    <a:ext uri="{9D8B030D-6E8A-4147-A177-3AD203B41FA5}">
+                      <a16:colId xmlns:a16="http://schemas.microsoft.com/office/drawing/2014/main" val="3415702053"/>
+                    </a:ext>
+                  </a:extLst>
+                </a:gridCol>
+                <a:gridCol w="426720">
+                  <a:extLst>
+                    <a:ext uri="{9D8B030D-6E8A-4147-A177-3AD203B41FA5}">
+                      <a16:colId xmlns:a16="http://schemas.microsoft.com/office/drawing/2014/main" val="2372711869"/>
+                    </a:ext>
+                  </a:extLst>
+                </a:gridCol>
+                <a:gridCol w="426720">
+                  <a:extLst>
+                    <a:ext uri="{9D8B030D-6E8A-4147-A177-3AD203B41FA5}">
+                      <a16:colId xmlns:a16="http://schemas.microsoft.com/office/drawing/2014/main" val="2244944393"/>
+                    </a:ext>
+                  </a:extLst>
+                </a:gridCol>
+                <a:gridCol w="426720">
+                  <a:extLst>
+                    <a:ext uri="{9D8B030D-6E8A-4147-A177-3AD203B41FA5}">
+                      <a16:colId xmlns:a16="http://schemas.microsoft.com/office/drawing/2014/main" val="2521122277"/>
+                    </a:ext>
+                  </a:extLst>
+                </a:gridCol>
+              </a:tblGrid>
+              <a:tr h="370840">
+                <a:tc>
+                  <a:txBody>
+                    <a:bodyPr/>
+                    <a:lstStyle/>
+                    <a:p>
+                      <a:endParaRPr lang="zh-CN" altLang="en-US" dirty="0"/>
+                    </a:p>
+                  </a:txBody>
+                  <a:tcPr>
+                    <a:lnL w="12700" cap="flat" cmpd="sng" algn="ctr">
+                      <a:noFill/>
+                      <a:prstDash val="solid"/>
+                      <a:round/>
+                      <a:headEnd type="none" w="med" len="med"/>
+                      <a:tailEnd type="none" w="med" len="med"/>
+                    </a:lnL>
+                    <a:lnR w="12700" cap="flat" cmpd="sng" algn="ctr">
+                      <a:solidFill>
+                        <a:schemeClr val="tx1"/>
+                      </a:solidFill>
+                      <a:prstDash val="solid"/>
+                      <a:round/>
+                      <a:headEnd type="none" w="med" len="med"/>
+                      <a:tailEnd type="none" w="med" len="med"/>
+                    </a:lnR>
+                    <a:lnT w="12700" cap="flat" cmpd="sng" algn="ctr">
+                      <a:noFill/>
+                      <a:prstDash val="solid"/>
+                      <a:round/>
+                      <a:headEnd type="none" w="med" len="med"/>
+                      <a:tailEnd type="none" w="med" len="med"/>
+                    </a:lnT>
+                    <a:lnB w="12700" cap="flat" cmpd="sng" algn="ctr">
+                      <a:solidFill>
+                        <a:schemeClr val="tx1"/>
+                      </a:solidFill>
+                      <a:prstDash val="solid"/>
+                      <a:round/>
+                      <a:headEnd type="none" w="med" len="med"/>
+                      <a:tailEnd type="none" w="med" len="med"/>
+                    </a:lnB>
+                    <a:noFill/>
+                  </a:tcPr>
+                </a:tc>
+                <a:tc>
+                  <a:txBody>
+                    <a:bodyPr/>
+                    <a:lstStyle/>
+                    <a:p>
+                      <a:endParaRPr lang="zh-CN" altLang="en-US"/>
+                    </a:p>
+                  </a:txBody>
+                  <a:tcPr>
+                    <a:lnL w="12700" cap="flat" cmpd="sng" algn="ctr">
+                      <a:solidFill>
+                        <a:schemeClr val="tx1"/>
+                      </a:solidFill>
+                      <a:prstDash val="solid"/>
+                      <a:round/>
+                      <a:headEnd type="none" w="med" len="med"/>
+                      <a:tailEnd type="none" w="med" len="med"/>
+                    </a:lnL>
+                    <a:lnR w="12700" cap="flat" cmpd="sng" algn="ctr">
+                      <a:solidFill>
+                        <a:schemeClr val="tx1"/>
+                      </a:solidFill>
+                      <a:prstDash val="solid"/>
+                      <a:round/>
+                      <a:headEnd type="none" w="med" len="med"/>
+                      <a:tailEnd type="none" w="med" len="med"/>
+                    </a:lnR>
+                    <a:lnT w="12700" cap="flat" cmpd="sng" algn="ctr">
+                      <a:noFill/>
+                      <a:prstDash val="solid"/>
+                      <a:round/>
+                      <a:headEnd type="none" w="med" len="med"/>
+                      <a:tailEnd type="none" w="med" len="med"/>
+                    </a:lnT>
+                    <a:lnB w="12700" cap="flat" cmpd="sng" algn="ctr">
+                      <a:solidFill>
+                        <a:schemeClr val="tx1"/>
+                      </a:solidFill>
+                      <a:prstDash val="solid"/>
+                      <a:round/>
+                      <a:headEnd type="none" w="med" len="med"/>
+                      <a:tailEnd type="none" w="med" len="med"/>
+                    </a:lnB>
+                    <a:noFill/>
+                  </a:tcPr>
+                </a:tc>
+                <a:tc>
+                  <a:txBody>
+                    <a:bodyPr/>
+                    <a:lstStyle/>
+                    <a:p>
+                      <a:endParaRPr lang="zh-CN" altLang="en-US"/>
+                    </a:p>
+                  </a:txBody>
+                  <a:tcPr>
+                    <a:lnL w="12700" cap="flat" cmpd="sng" algn="ctr">
+                      <a:solidFill>
+                        <a:schemeClr val="tx1"/>
+                      </a:solidFill>
+                      <a:prstDash val="solid"/>
+                      <a:round/>
+                      <a:headEnd type="none" w="med" len="med"/>
+                      <a:tailEnd type="none" w="med" len="med"/>
+                    </a:lnL>
+                    <a:lnR w="12700" cap="flat" cmpd="sng" algn="ctr">
+                      <a:solidFill>
+                        <a:schemeClr val="tx1"/>
+                      </a:solidFill>
+                      <a:prstDash val="solid"/>
+                      <a:round/>
+                      <a:headEnd type="none" w="med" len="med"/>
+                      <a:tailEnd type="none" w="med" len="med"/>
+                    </a:lnR>
+                    <a:lnT w="12700" cap="flat" cmpd="sng" algn="ctr">
+                      <a:noFill/>
+                      <a:prstDash val="solid"/>
+                      <a:round/>
+                      <a:headEnd type="none" w="med" len="med"/>
+                      <a:tailEnd type="none" w="med" len="med"/>
+                    </a:lnT>
+                    <a:lnB w="12700" cap="flat" cmpd="sng" algn="ctr">
+                      <a:solidFill>
+                        <a:schemeClr val="tx1"/>
+                      </a:solidFill>
+                      <a:prstDash val="solid"/>
+                      <a:round/>
+                      <a:headEnd type="none" w="med" len="med"/>
+                      <a:tailEnd type="none" w="med" len="med"/>
+                    </a:lnB>
+                    <a:noFill/>
+                  </a:tcPr>
+                </a:tc>
+                <a:tc>
+                  <a:txBody>
+                    <a:bodyPr/>
+                    <a:lstStyle/>
+                    <a:p>
+                      <a:endParaRPr lang="zh-CN" altLang="en-US"/>
+                    </a:p>
+                  </a:txBody>
+                  <a:tcPr>
+                    <a:lnL w="12700" cap="flat" cmpd="sng" algn="ctr">
+                      <a:solidFill>
+                        <a:schemeClr val="tx1"/>
+                      </a:solidFill>
+                      <a:prstDash val="solid"/>
+                      <a:round/>
+                      <a:headEnd type="none" w="med" len="med"/>
+                      <a:tailEnd type="none" w="med" len="med"/>
+                    </a:lnL>
+                    <a:lnR w="12700" cap="flat" cmpd="sng" algn="ctr">
+                      <a:solidFill>
+                        <a:schemeClr val="tx1"/>
+                      </a:solidFill>
+                      <a:prstDash val="solid"/>
+                      <a:round/>
+                      <a:headEnd type="none" w="med" len="med"/>
+                      <a:tailEnd type="none" w="med" len="med"/>
+                    </a:lnR>
+                    <a:lnT w="12700" cap="flat" cmpd="sng" algn="ctr">
+                      <a:noFill/>
+                      <a:prstDash val="solid"/>
+                      <a:round/>
+                      <a:headEnd type="none" w="med" len="med"/>
+                      <a:tailEnd type="none" w="med" len="med"/>
+                    </a:lnT>
+                    <a:lnB w="12700" cap="flat" cmpd="sng" algn="ctr">
+                      <a:solidFill>
+                        <a:schemeClr val="tx1"/>
+                      </a:solidFill>
+                      <a:prstDash val="solid"/>
+                      <a:round/>
+                      <a:headEnd type="none" w="med" len="med"/>
+                      <a:tailEnd type="none" w="med" len="med"/>
+                    </a:lnB>
+                    <a:noFill/>
+                  </a:tcPr>
+                </a:tc>
+                <a:tc>
+                  <a:txBody>
+                    <a:bodyPr/>
+                    <a:lstStyle/>
+                    <a:p>
+                      <a:endParaRPr lang="zh-CN" altLang="en-US"/>
+                    </a:p>
+                  </a:txBody>
+                  <a:tcPr>
+                    <a:lnL w="12700" cap="flat" cmpd="sng" algn="ctr">
+                      <a:solidFill>
+                        <a:schemeClr val="tx1"/>
+                      </a:solidFill>
+                      <a:prstDash val="solid"/>
+                      <a:round/>
+                      <a:headEnd type="none" w="med" len="med"/>
+                      <a:tailEnd type="none" w="med" len="med"/>
+                    </a:lnL>
+                    <a:lnR w="12700" cap="flat" cmpd="sng" algn="ctr">
+                      <a:solidFill>
+                        <a:schemeClr val="tx1"/>
+                      </a:solidFill>
+                      <a:prstDash val="solid"/>
+                      <a:round/>
+                      <a:headEnd type="none" w="med" len="med"/>
+                      <a:tailEnd type="none" w="med" len="med"/>
+                    </a:lnR>
+                    <a:lnT w="12700" cap="flat" cmpd="sng" algn="ctr">
+                      <a:noFill/>
+                      <a:prstDash val="solid"/>
+                      <a:round/>
+                      <a:headEnd type="none" w="med" len="med"/>
+                      <a:tailEnd type="none" w="med" len="med"/>
+                    </a:lnT>
+                    <a:lnB w="12700" cap="flat" cmpd="sng" algn="ctr">
+                      <a:solidFill>
+                        <a:schemeClr val="tx1"/>
+                      </a:solidFill>
+                      <a:prstDash val="solid"/>
+                      <a:round/>
+                      <a:headEnd type="none" w="med" len="med"/>
+                      <a:tailEnd type="none" w="med" len="med"/>
+                    </a:lnB>
+                    <a:noFill/>
+                  </a:tcPr>
+                </a:tc>
+                <a:tc>
+                  <a:txBody>
+                    <a:bodyPr/>
+                    <a:lstStyle/>
+                    <a:p>
+                      <a:endParaRPr lang="zh-CN" altLang="en-US"/>
+                    </a:p>
+                  </a:txBody>
+                  <a:tcPr>
+                    <a:lnL w="12700" cap="flat" cmpd="sng" algn="ctr">
+                      <a:solidFill>
+                        <a:schemeClr val="tx1"/>
+                      </a:solidFill>
+                      <a:prstDash val="solid"/>
+                      <a:round/>
+                      <a:headEnd type="none" w="med" len="med"/>
+                      <a:tailEnd type="none" w="med" len="med"/>
+                    </a:lnL>
+                    <a:lnR w="12700" cap="flat" cmpd="sng" algn="ctr">
+                      <a:solidFill>
+                        <a:schemeClr val="tx1"/>
+                      </a:solidFill>
+                      <a:prstDash val="solid"/>
+                      <a:round/>
+                      <a:headEnd type="none" w="med" len="med"/>
+                      <a:tailEnd type="none" w="med" len="med"/>
+                    </a:lnR>
+                    <a:lnT w="12700" cap="flat" cmpd="sng" algn="ctr">
+                      <a:noFill/>
+                      <a:prstDash val="solid"/>
+                      <a:round/>
+                      <a:headEnd type="none" w="med" len="med"/>
+                      <a:tailEnd type="none" w="med" len="med"/>
+                    </a:lnT>
+                    <a:lnB w="12700" cap="flat" cmpd="sng" algn="ctr">
+                      <a:solidFill>
+                        <a:schemeClr val="tx1"/>
+                      </a:solidFill>
+                      <a:prstDash val="solid"/>
+                      <a:round/>
+                      <a:headEnd type="none" w="med" len="med"/>
+                      <a:tailEnd type="none" w="med" len="med"/>
+                    </a:lnB>
+                    <a:noFill/>
+                  </a:tcPr>
+                </a:tc>
+                <a:tc>
+                  <a:txBody>
+                    <a:bodyPr/>
+                    <a:lstStyle/>
+                    <a:p>
+                      <a:endParaRPr lang="zh-CN" altLang="en-US"/>
+                    </a:p>
+                  </a:txBody>
+                  <a:tcPr>
+                    <a:lnL w="12700" cap="flat" cmpd="sng" algn="ctr">
+                      <a:solidFill>
+                        <a:schemeClr val="tx1"/>
+                      </a:solidFill>
+                      <a:prstDash val="solid"/>
+                      <a:round/>
+                      <a:headEnd type="none" w="med" len="med"/>
+                      <a:tailEnd type="none" w="med" len="med"/>
+                    </a:lnL>
+                    <a:lnR w="12700" cap="flat" cmpd="sng" algn="ctr">
+                      <a:solidFill>
+                        <a:schemeClr val="tx1"/>
+                      </a:solidFill>
+                      <a:prstDash val="solid"/>
+                      <a:round/>
+                      <a:headEnd type="none" w="med" len="med"/>
+                      <a:tailEnd type="none" w="med" len="med"/>
+                    </a:lnR>
+                    <a:lnT w="12700" cap="flat" cmpd="sng" algn="ctr">
+                      <a:noFill/>
+                      <a:prstDash val="solid"/>
+                      <a:round/>
+                      <a:headEnd type="none" w="med" len="med"/>
+                      <a:tailEnd type="none" w="med" len="med"/>
+                    </a:lnT>
+                    <a:lnB w="12700" cap="flat" cmpd="sng" algn="ctr">
+                      <a:solidFill>
+                        <a:schemeClr val="tx1"/>
+                      </a:solidFill>
+                      <a:prstDash val="solid"/>
+                      <a:round/>
+                      <a:headEnd type="none" w="med" len="med"/>
+                      <a:tailEnd type="none" w="med" len="med"/>
+                    </a:lnB>
+                    <a:noFill/>
+                  </a:tcPr>
+                </a:tc>
+                <a:tc>
+                  <a:txBody>
+                    <a:bodyPr/>
+                    <a:lstStyle/>
+                    <a:p>
+                      <a:endParaRPr lang="zh-CN" altLang="en-US"/>
+                    </a:p>
+                  </a:txBody>
+                  <a:tcPr>
+                    <a:lnL w="12700" cap="flat" cmpd="sng" algn="ctr">
+                      <a:solidFill>
+                        <a:schemeClr val="tx1"/>
+                      </a:solidFill>
+                      <a:prstDash val="solid"/>
+                      <a:round/>
+                      <a:headEnd type="none" w="med" len="med"/>
+                      <a:tailEnd type="none" w="med" len="med"/>
+                    </a:lnL>
+                    <a:lnR w="12700" cap="flat" cmpd="sng" algn="ctr">
+                      <a:noFill/>
+                      <a:prstDash val="solid"/>
+                      <a:round/>
+                      <a:headEnd type="none" w="med" len="med"/>
+                      <a:tailEnd type="none" w="med" len="med"/>
+                    </a:lnR>
+                    <a:lnT w="12700" cap="flat" cmpd="sng" algn="ctr">
+                      <a:noFill/>
+                      <a:prstDash val="solid"/>
+                      <a:round/>
+                      <a:headEnd type="none" w="med" len="med"/>
+                      <a:tailEnd type="none" w="med" len="med"/>
+                    </a:lnT>
+                    <a:lnB w="12700" cap="flat" cmpd="sng" algn="ctr">
+                      <a:solidFill>
+                        <a:schemeClr val="tx1"/>
+                      </a:solidFill>
+                      <a:prstDash val="solid"/>
+                      <a:round/>
+                      <a:headEnd type="none" w="med" len="med"/>
+                      <a:tailEnd type="none" w="med" len="med"/>
+                    </a:lnB>
+                    <a:noFill/>
+                  </a:tcPr>
+                </a:tc>
+                <a:extLst>
+                  <a:ext uri="{0D108BD9-81ED-4DB2-BD59-A6C34878D82A}">
+                    <a16:rowId xmlns:a16="http://schemas.microsoft.com/office/drawing/2014/main" val="43118347"/>
+                  </a:ext>
+                </a:extLst>
+              </a:tr>
+              <a:tr h="370840">
+                <a:tc>
+                  <a:txBody>
+                    <a:bodyPr/>
+                    <a:lstStyle/>
+                    <a:p>
+                      <a:endParaRPr lang="zh-CN" altLang="en-US"/>
+                    </a:p>
+                  </a:txBody>
+                  <a:tcPr>
+                    <a:lnL w="12700" cap="flat" cmpd="sng" algn="ctr">
+                      <a:noFill/>
+                      <a:prstDash val="solid"/>
+                      <a:round/>
+                      <a:headEnd type="none" w="med" len="med"/>
+                      <a:tailEnd type="none" w="med" len="med"/>
+                    </a:lnL>
+                    <a:lnR w="12700" cap="flat" cmpd="sng" algn="ctr">
+                      <a:solidFill>
+                        <a:schemeClr val="tx1"/>
+                      </a:solidFill>
+                      <a:prstDash val="solid"/>
+                      <a:round/>
+                      <a:headEnd type="none" w="med" len="med"/>
+                      <a:tailEnd type="none" w="med" len="med"/>
+                    </a:lnR>
+                    <a:lnT w="12700" cap="flat" cmpd="sng" algn="ctr">
+                      <a:solidFill>
+                        <a:schemeClr val="tx1"/>
+                      </a:solidFill>
+                      <a:prstDash val="solid"/>
+                      <a:round/>
+                      <a:headEnd type="none" w="med" len="med"/>
+                      <a:tailEnd type="none" w="med" len="med"/>
+                    </a:lnT>
+                    <a:lnB w="12700" cap="flat" cmpd="sng" algn="ctr">
+                      <a:solidFill>
+                        <a:schemeClr val="tx1"/>
+                      </a:solidFill>
+                      <a:prstDash val="solid"/>
+                      <a:round/>
+                      <a:headEnd type="none" w="med" len="med"/>
+                      <a:tailEnd type="none" w="med" len="med"/>
+                    </a:lnB>
+                    <a:noFill/>
+                  </a:tcPr>
+                </a:tc>
+                <a:tc>
+                  <a:txBody>
+                    <a:bodyPr/>
+                    <a:lstStyle/>
+                    <a:p>
+                      <a:endParaRPr lang="zh-CN" altLang="en-US" dirty="0"/>
+                    </a:p>
+                  </a:txBody>
+                  <a:tcPr>
+                    <a:lnL w="12700" cap="flat" cmpd="sng" algn="ctr">
+                      <a:solidFill>
+                        <a:schemeClr val="tx1"/>
+                      </a:solidFill>
+                      <a:prstDash val="solid"/>
+                      <a:round/>
+                      <a:headEnd type="none" w="med" len="med"/>
+                      <a:tailEnd type="none" w="med" len="med"/>
+                    </a:lnL>
+                    <a:lnR w="12700" cap="flat" cmpd="sng" algn="ctr">
+                      <a:solidFill>
+                        <a:schemeClr val="tx1"/>
+                      </a:solidFill>
+                      <a:prstDash val="solid"/>
+                      <a:round/>
+                      <a:headEnd type="none" w="med" len="med"/>
+                      <a:tailEnd type="none" w="med" len="med"/>
+                    </a:lnR>
+                    <a:lnT w="12700" cap="flat" cmpd="sng" algn="ctr">
+                      <a:solidFill>
+                        <a:schemeClr val="tx1"/>
+                      </a:solidFill>
+                      <a:prstDash val="solid"/>
+                      <a:round/>
+                      <a:headEnd type="none" w="med" len="med"/>
+                      <a:tailEnd type="none" w="med" len="med"/>
+                    </a:lnT>
+                    <a:lnB w="12700" cap="flat" cmpd="sng" algn="ctr">
+                      <a:solidFill>
+                        <a:schemeClr val="tx1"/>
+                      </a:solidFill>
+                      <a:prstDash val="solid"/>
+                      <a:round/>
+                      <a:headEnd type="none" w="med" len="med"/>
+                      <a:tailEnd type="none" w="med" len="med"/>
+                    </a:lnB>
+                    <a:noFill/>
+                  </a:tcPr>
+                </a:tc>
+                <a:tc>
+                  <a:txBody>
+                    <a:bodyPr/>
+                    <a:lstStyle/>
+                    <a:p>
+                      <a:endParaRPr lang="zh-CN" altLang="en-US" dirty="0"/>
+                    </a:p>
+                  </a:txBody>
+                  <a:tcPr>
+                    <a:lnL w="12700" cap="flat" cmpd="sng" algn="ctr">
+                      <a:solidFill>
+                        <a:schemeClr val="tx1"/>
+                      </a:solidFill>
+                      <a:prstDash val="solid"/>
+                      <a:round/>
+                      <a:headEnd type="none" w="med" len="med"/>
+                      <a:tailEnd type="none" w="med" len="med"/>
+                    </a:lnL>
+                    <a:lnR w="12700" cap="flat" cmpd="sng" algn="ctr">
+                      <a:solidFill>
+                        <a:schemeClr val="tx1"/>
+                      </a:solidFill>
+                      <a:prstDash val="solid"/>
+                      <a:round/>
+                      <a:headEnd type="none" w="med" len="med"/>
+                      <a:tailEnd type="none" w="med" len="med"/>
+                    </a:lnR>
+                    <a:lnT w="12700" cap="flat" cmpd="sng" algn="ctr">
+                      <a:solidFill>
+                        <a:schemeClr val="tx1"/>
+                      </a:solidFill>
+                      <a:prstDash val="solid"/>
+                      <a:round/>
+                      <a:headEnd type="none" w="med" len="med"/>
+                      <a:tailEnd type="none" w="med" len="med"/>
+                    </a:lnT>
+                    <a:lnB w="12700" cap="flat" cmpd="sng" algn="ctr">
+                      <a:solidFill>
+                        <a:schemeClr val="tx1"/>
+                      </a:solidFill>
+                      <a:prstDash val="solid"/>
+                      <a:round/>
+                      <a:headEnd type="none" w="med" len="med"/>
+                      <a:tailEnd type="none" w="med" len="med"/>
+                    </a:lnB>
+                    <a:noFill/>
+                  </a:tcPr>
+                </a:tc>
+                <a:tc>
+                  <a:txBody>
+                    <a:bodyPr/>
+                    <a:lstStyle/>
+                    <a:p>
+                      <a:endParaRPr lang="zh-CN" altLang="en-US"/>
+                    </a:p>
+                  </a:txBody>
+                  <a:tcPr>
+                    <a:lnL w="12700" cap="flat" cmpd="sng" algn="ctr">
+                      <a:solidFill>
+                        <a:schemeClr val="tx1"/>
+                      </a:solidFill>
+                      <a:prstDash val="solid"/>
+                      <a:round/>
+                      <a:headEnd type="none" w="med" len="med"/>
+                      <a:tailEnd type="none" w="med" len="med"/>
+                    </a:lnL>
+                    <a:lnR w="12700" cap="flat" cmpd="sng" algn="ctr">
+                      <a:solidFill>
+                        <a:schemeClr val="tx1"/>
+                      </a:solidFill>
+                      <a:prstDash val="solid"/>
+                      <a:round/>
+                      <a:headEnd type="none" w="med" len="med"/>
+                      <a:tailEnd type="none" w="med" len="med"/>
+                    </a:lnR>
+                    <a:lnT w="12700" cap="flat" cmpd="sng" algn="ctr">
+                      <a:solidFill>
+                        <a:schemeClr val="tx1"/>
+                      </a:solidFill>
+                      <a:prstDash val="solid"/>
+                      <a:round/>
+                      <a:headEnd type="none" w="med" len="med"/>
+                      <a:tailEnd type="none" w="med" len="med"/>
+                    </a:lnT>
+                    <a:lnB w="12700" cap="flat" cmpd="sng" algn="ctr">
+                      <a:solidFill>
+                        <a:schemeClr val="tx1"/>
+                      </a:solidFill>
+                      <a:prstDash val="solid"/>
+                      <a:round/>
+                      <a:headEnd type="none" w="med" len="med"/>
+                      <a:tailEnd type="none" w="med" len="med"/>
+                    </a:lnB>
+                    <a:noFill/>
+                  </a:tcPr>
+                </a:tc>
+                <a:tc>
+                  <a:txBody>
+                    <a:bodyPr/>
+                    <a:lstStyle/>
+                    <a:p>
+                      <a:endParaRPr lang="zh-CN" altLang="en-US"/>
+                    </a:p>
+                  </a:txBody>
+                  <a:tcPr>
+                    <a:lnL w="12700" cap="flat" cmpd="sng" algn="ctr">
+                      <a:solidFill>
+                        <a:schemeClr val="tx1"/>
+                      </a:solidFill>
+                      <a:prstDash val="solid"/>
+                      <a:round/>
+                      <a:headEnd type="none" w="med" len="med"/>
+                      <a:tailEnd type="none" w="med" len="med"/>
+                    </a:lnL>
+                    <a:lnR w="12700" cap="flat" cmpd="sng" algn="ctr">
+                      <a:solidFill>
+                        <a:schemeClr val="tx1"/>
+                      </a:solidFill>
+                      <a:prstDash val="solid"/>
+                      <a:round/>
+                      <a:headEnd type="none" w="med" len="med"/>
+                      <a:tailEnd type="none" w="med" len="med"/>
+                    </a:lnR>
+                    <a:lnT w="12700" cap="flat" cmpd="sng" algn="ctr">
+                      <a:solidFill>
+                        <a:schemeClr val="tx1"/>
+                      </a:solidFill>
+                      <a:prstDash val="solid"/>
+                      <a:round/>
+                      <a:headEnd type="none" w="med" len="med"/>
+                      <a:tailEnd type="none" w="med" len="med"/>
+                    </a:lnT>
+                    <a:lnB w="12700" cap="flat" cmpd="sng" algn="ctr">
+                      <a:solidFill>
+                        <a:schemeClr val="tx1"/>
+                      </a:solidFill>
+                      <a:prstDash val="solid"/>
+                      <a:round/>
+                      <a:headEnd type="none" w="med" len="med"/>
+                      <a:tailEnd type="none" w="med" len="med"/>
+                    </a:lnB>
+                    <a:noFill/>
+                  </a:tcPr>
+                </a:tc>
+                <a:tc>
+                  <a:txBody>
+                    <a:bodyPr/>
+                    <a:lstStyle/>
+                    <a:p>
+                      <a:endParaRPr lang="zh-CN" altLang="en-US"/>
+                    </a:p>
+                  </a:txBody>
+                  <a:tcPr>
+                    <a:lnL w="12700" cap="flat" cmpd="sng" algn="ctr">
+                      <a:solidFill>
+                        <a:schemeClr val="tx1"/>
+                      </a:solidFill>
+                      <a:prstDash val="solid"/>
+                      <a:round/>
+                      <a:headEnd type="none" w="med" len="med"/>
+                      <a:tailEnd type="none" w="med" len="med"/>
+                    </a:lnL>
+                    <a:lnR w="12700" cap="flat" cmpd="sng" algn="ctr">
+                      <a:solidFill>
+                        <a:schemeClr val="tx1"/>
+                      </a:solidFill>
+                      <a:prstDash val="solid"/>
+                      <a:round/>
+                      <a:headEnd type="none" w="med" len="med"/>
+                      <a:tailEnd type="none" w="med" len="med"/>
+                    </a:lnR>
+                    <a:lnT w="12700" cap="flat" cmpd="sng" algn="ctr">
+                      <a:solidFill>
+                        <a:schemeClr val="tx1"/>
+                      </a:solidFill>
+                      <a:prstDash val="solid"/>
+                      <a:round/>
+                      <a:headEnd type="none" w="med" len="med"/>
+                      <a:tailEnd type="none" w="med" len="med"/>
+                    </a:lnT>
+                    <a:lnB w="12700" cap="flat" cmpd="sng" algn="ctr">
+                      <a:solidFill>
+                        <a:schemeClr val="tx1"/>
+                      </a:solidFill>
+                      <a:prstDash val="solid"/>
+                      <a:round/>
+                      <a:headEnd type="none" w="med" len="med"/>
+                      <a:tailEnd type="none" w="med" len="med"/>
+                    </a:lnB>
+                    <a:noFill/>
+                  </a:tcPr>
+                </a:tc>
+                <a:tc>
+                  <a:txBody>
+                    <a:bodyPr/>
+                    <a:lstStyle/>
+                    <a:p>
+                      <a:endParaRPr lang="zh-CN" altLang="en-US"/>
+                    </a:p>
+                  </a:txBody>
+                  <a:tcPr>
+                    <a:lnL w="12700" cap="flat" cmpd="sng" algn="ctr">
+                      <a:solidFill>
+                        <a:schemeClr val="tx1"/>
+                      </a:solidFill>
+                      <a:prstDash val="solid"/>
+                      <a:round/>
+                      <a:headEnd type="none" w="med" len="med"/>
+                      <a:tailEnd type="none" w="med" len="med"/>
+                    </a:lnL>
+                    <a:lnR w="12700" cap="flat" cmpd="sng" algn="ctr">
+                      <a:solidFill>
+                        <a:schemeClr val="tx1"/>
+                      </a:solidFill>
+                      <a:prstDash val="solid"/>
+                      <a:round/>
+                      <a:headEnd type="none" w="med" len="med"/>
+                      <a:tailEnd type="none" w="med" len="med"/>
+                    </a:lnR>
+                    <a:lnT w="12700" cap="flat" cmpd="sng" algn="ctr">
+                      <a:solidFill>
+                        <a:schemeClr val="tx1"/>
+                      </a:solidFill>
+                      <a:prstDash val="solid"/>
+                      <a:round/>
+                      <a:headEnd type="none" w="med" len="med"/>
+                      <a:tailEnd type="none" w="med" len="med"/>
+                    </a:lnT>
+                    <a:lnB w="12700" cap="flat" cmpd="sng" algn="ctr">
+                      <a:solidFill>
+                        <a:schemeClr val="tx1"/>
+                      </a:solidFill>
+                      <a:prstDash val="solid"/>
+                      <a:round/>
+                      <a:headEnd type="none" w="med" len="med"/>
+                      <a:tailEnd type="none" w="med" len="med"/>
+                    </a:lnB>
+                    <a:noFill/>
+                  </a:tcPr>
+                </a:tc>
+                <a:tc>
+                  <a:txBody>
+                    <a:bodyPr/>
+                    <a:lstStyle/>
+                    <a:p>
+                      <a:endParaRPr lang="zh-CN" altLang="en-US"/>
+                    </a:p>
+                  </a:txBody>
+                  <a:tcPr>
+                    <a:lnL w="12700" cap="flat" cmpd="sng" algn="ctr">
+                      <a:solidFill>
+                        <a:schemeClr val="tx1"/>
+                      </a:solidFill>
+                      <a:prstDash val="solid"/>
+                      <a:round/>
+                      <a:headEnd type="none" w="med" len="med"/>
+                      <a:tailEnd type="none" w="med" len="med"/>
+                    </a:lnL>
+                    <a:lnR w="12700" cap="flat" cmpd="sng" algn="ctr">
+                      <a:noFill/>
+                      <a:prstDash val="solid"/>
+                      <a:round/>
+                      <a:headEnd type="none" w="med" len="med"/>
+                      <a:tailEnd type="none" w="med" len="med"/>
+                    </a:lnR>
+                    <a:lnT w="12700" cap="flat" cmpd="sng" algn="ctr">
+                      <a:solidFill>
+                        <a:schemeClr val="tx1"/>
+                      </a:solidFill>
+                      <a:prstDash val="solid"/>
+                      <a:round/>
+                      <a:headEnd type="none" w="med" len="med"/>
+                      <a:tailEnd type="none" w="med" len="med"/>
+                    </a:lnT>
+                    <a:lnB w="12700" cap="flat" cmpd="sng" algn="ctr">
+                      <a:solidFill>
+                        <a:schemeClr val="tx1"/>
+                      </a:solidFill>
+                      <a:prstDash val="solid"/>
+                      <a:round/>
+                      <a:headEnd type="none" w="med" len="med"/>
+                      <a:tailEnd type="none" w="med" len="med"/>
+                    </a:lnB>
+                    <a:noFill/>
+                  </a:tcPr>
+                </a:tc>
+                <a:extLst>
+                  <a:ext uri="{0D108BD9-81ED-4DB2-BD59-A6C34878D82A}">
+                    <a16:rowId xmlns:a16="http://schemas.microsoft.com/office/drawing/2014/main" val="1223702546"/>
+                  </a:ext>
+                </a:extLst>
+              </a:tr>
+              <a:tr h="370840">
+                <a:tc>
+                  <a:txBody>
+                    <a:bodyPr/>
+                    <a:lstStyle/>
+                    <a:p>
+                      <a:endParaRPr lang="zh-CN" altLang="en-US"/>
+                    </a:p>
+                  </a:txBody>
+                  <a:tcPr>
+                    <a:lnL w="12700" cap="flat" cmpd="sng" algn="ctr">
+                      <a:noFill/>
+                      <a:prstDash val="solid"/>
+                      <a:round/>
+                      <a:headEnd type="none" w="med" len="med"/>
+                      <a:tailEnd type="none" w="med" len="med"/>
+                    </a:lnL>
+                    <a:lnR w="12700" cap="flat" cmpd="sng" algn="ctr">
+                      <a:solidFill>
+                        <a:schemeClr val="tx1"/>
+                      </a:solidFill>
+                      <a:prstDash val="solid"/>
+                      <a:round/>
+                      <a:headEnd type="none" w="med" len="med"/>
+                      <a:tailEnd type="none" w="med" len="med"/>
+                    </a:lnR>
+                    <a:lnT w="12700" cap="flat" cmpd="sng" algn="ctr">
+                      <a:solidFill>
+                        <a:schemeClr val="tx1"/>
+                      </a:solidFill>
+                      <a:prstDash val="solid"/>
+                      <a:round/>
+                      <a:headEnd type="none" w="med" len="med"/>
+                      <a:tailEnd type="none" w="med" len="med"/>
+                    </a:lnT>
+                    <a:lnB w="12700" cap="flat" cmpd="sng" algn="ctr">
+                      <a:solidFill>
+                        <a:schemeClr val="tx1"/>
+                      </a:solidFill>
+                      <a:prstDash val="solid"/>
+                      <a:round/>
+                      <a:headEnd type="none" w="med" len="med"/>
+                      <a:tailEnd type="none" w="med" len="med"/>
+                    </a:lnB>
+                    <a:noFill/>
+                  </a:tcPr>
+                </a:tc>
+                <a:tc>
+                  <a:txBody>
+                    <a:bodyPr/>
+                    <a:lstStyle/>
+                    <a:p>
+                      <a:endParaRPr lang="zh-CN" altLang="en-US"/>
+                    </a:p>
+                  </a:txBody>
+                  <a:tcPr>
+                    <a:lnL w="12700" cap="flat" cmpd="sng" algn="ctr">
+                      <a:solidFill>
+                        <a:schemeClr val="tx1"/>
+                      </a:solidFill>
+                      <a:prstDash val="solid"/>
+                      <a:round/>
+                      <a:headEnd type="none" w="med" len="med"/>
+                      <a:tailEnd type="none" w="med" len="med"/>
+                    </a:lnL>
+                    <a:lnR w="12700" cap="flat" cmpd="sng" algn="ctr">
+                      <a:solidFill>
+                        <a:schemeClr val="tx1"/>
+                      </a:solidFill>
+                      <a:prstDash val="solid"/>
+                      <a:round/>
+                      <a:headEnd type="none" w="med" len="med"/>
+                      <a:tailEnd type="none" w="med" len="med"/>
+                    </a:lnR>
+                    <a:lnT w="12700" cap="flat" cmpd="sng" algn="ctr">
+                      <a:solidFill>
+                        <a:schemeClr val="tx1"/>
+                      </a:solidFill>
+                      <a:prstDash val="solid"/>
+                      <a:round/>
+                      <a:headEnd type="none" w="med" len="med"/>
+                      <a:tailEnd type="none" w="med" len="med"/>
+                    </a:lnT>
+                    <a:lnB w="12700" cap="flat" cmpd="sng" algn="ctr">
+                      <a:solidFill>
+                        <a:schemeClr val="tx1"/>
+                      </a:solidFill>
+                      <a:prstDash val="solid"/>
+                      <a:round/>
+                      <a:headEnd type="none" w="med" len="med"/>
+                      <a:tailEnd type="none" w="med" len="med"/>
+                    </a:lnB>
+                    <a:noFill/>
+                  </a:tcPr>
+                </a:tc>
+                <a:tc>
+                  <a:txBody>
+                    <a:bodyPr/>
+                    <a:lstStyle/>
+                    <a:p>
+                      <a:endParaRPr lang="zh-CN" altLang="en-US" dirty="0"/>
+                    </a:p>
+                  </a:txBody>
+                  <a:tcPr>
+                    <a:lnL w="12700" cap="flat" cmpd="sng" algn="ctr">
+                      <a:solidFill>
+                        <a:schemeClr val="tx1"/>
+                      </a:solidFill>
+                      <a:prstDash val="solid"/>
+                      <a:round/>
+                      <a:headEnd type="none" w="med" len="med"/>
+                      <a:tailEnd type="none" w="med" len="med"/>
+                    </a:lnL>
+                    <a:lnR w="12700" cap="flat" cmpd="sng" algn="ctr">
+                      <a:solidFill>
+                        <a:schemeClr val="tx1"/>
+                      </a:solidFill>
+                      <a:prstDash val="solid"/>
+                      <a:round/>
+                      <a:headEnd type="none" w="med" len="med"/>
+                      <a:tailEnd type="none" w="med" len="med"/>
+                    </a:lnR>
+                    <a:lnT w="12700" cap="flat" cmpd="sng" algn="ctr">
+                      <a:solidFill>
+                        <a:schemeClr val="tx1"/>
+                      </a:solidFill>
+                      <a:prstDash val="solid"/>
+                      <a:round/>
+                      <a:headEnd type="none" w="med" len="med"/>
+                      <a:tailEnd type="none" w="med" len="med"/>
+                    </a:lnT>
+                    <a:lnB w="12700" cap="flat" cmpd="sng" algn="ctr">
+                      <a:solidFill>
+                        <a:schemeClr val="tx1"/>
+                      </a:solidFill>
+                      <a:prstDash val="solid"/>
+                      <a:round/>
+                      <a:headEnd type="none" w="med" len="med"/>
+                      <a:tailEnd type="none" w="med" len="med"/>
+                    </a:lnB>
+                    <a:noFill/>
+                  </a:tcPr>
+                </a:tc>
+                <a:tc>
+                  <a:txBody>
+                    <a:bodyPr/>
+                    <a:lstStyle/>
+                    <a:p>
+                      <a:endParaRPr lang="zh-CN" altLang="en-US"/>
+                    </a:p>
+                  </a:txBody>
+                  <a:tcPr>
+                    <a:lnL w="12700" cap="flat" cmpd="sng" algn="ctr">
+                      <a:solidFill>
+                        <a:schemeClr val="tx1"/>
+                      </a:solidFill>
+                      <a:prstDash val="solid"/>
+                      <a:round/>
+                      <a:headEnd type="none" w="med" len="med"/>
+                      <a:tailEnd type="none" w="med" len="med"/>
+                    </a:lnL>
+                    <a:lnR w="12700" cap="flat" cmpd="sng" algn="ctr">
+                      <a:solidFill>
+                        <a:schemeClr val="tx1"/>
+                      </a:solidFill>
+                      <a:prstDash val="solid"/>
+                      <a:round/>
+                      <a:headEnd type="none" w="med" len="med"/>
+                      <a:tailEnd type="none" w="med" len="med"/>
+                    </a:lnR>
+                    <a:lnT w="12700" cap="flat" cmpd="sng" algn="ctr">
+                      <a:solidFill>
+                        <a:schemeClr val="tx1"/>
+                      </a:solidFill>
+                      <a:prstDash val="solid"/>
+                      <a:round/>
+                      <a:headEnd type="none" w="med" len="med"/>
+                      <a:tailEnd type="none" w="med" len="med"/>
+                    </a:lnT>
+                    <a:lnB w="12700" cap="flat" cmpd="sng" algn="ctr">
+                      <a:solidFill>
+                        <a:schemeClr val="tx1"/>
+                      </a:solidFill>
+                      <a:prstDash val="solid"/>
+                      <a:round/>
+                      <a:headEnd type="none" w="med" len="med"/>
+                      <a:tailEnd type="none" w="med" len="med"/>
+                    </a:lnB>
+                    <a:noFill/>
+                  </a:tcPr>
+                </a:tc>
+                <a:tc>
+                  <a:txBody>
+                    <a:bodyPr/>
+                    <a:lstStyle/>
+                    <a:p>
+                      <a:endParaRPr lang="zh-CN" altLang="en-US"/>
+                    </a:p>
+                  </a:txBody>
+                  <a:tcPr>
+                    <a:lnL w="12700" cap="flat" cmpd="sng" algn="ctr">
+                      <a:solidFill>
+                        <a:schemeClr val="tx1"/>
+                      </a:solidFill>
+                      <a:prstDash val="solid"/>
+                      <a:round/>
+                      <a:headEnd type="none" w="med" len="med"/>
+                      <a:tailEnd type="none" w="med" len="med"/>
+                    </a:lnL>
+                    <a:lnR w="12700" cap="flat" cmpd="sng" algn="ctr">
+                      <a:solidFill>
+                        <a:schemeClr val="tx1"/>
+                      </a:solidFill>
+                      <a:prstDash val="solid"/>
+                      <a:round/>
+                      <a:headEnd type="none" w="med" len="med"/>
+                      <a:tailEnd type="none" w="med" len="med"/>
+                    </a:lnR>
+                    <a:lnT w="12700" cap="flat" cmpd="sng" algn="ctr">
+                      <a:solidFill>
+                        <a:schemeClr val="tx1"/>
+                      </a:solidFill>
+                      <a:prstDash val="solid"/>
+                      <a:round/>
+                      <a:headEnd type="none" w="med" len="med"/>
+                      <a:tailEnd type="none" w="med" len="med"/>
+                    </a:lnT>
+                    <a:lnB w="12700" cap="flat" cmpd="sng" algn="ctr">
+                      <a:solidFill>
+                        <a:schemeClr val="tx1"/>
+                      </a:solidFill>
+                      <a:prstDash val="solid"/>
+                      <a:round/>
+                      <a:headEnd type="none" w="med" len="med"/>
+                      <a:tailEnd type="none" w="med" len="med"/>
+                    </a:lnB>
+                    <a:noFill/>
+                  </a:tcPr>
+                </a:tc>
+                <a:tc>
+                  <a:txBody>
+                    <a:bodyPr/>
+                    <a:lstStyle/>
+                    <a:p>
+                      <a:endParaRPr lang="zh-CN" altLang="en-US"/>
+                    </a:p>
+                  </a:txBody>
+                  <a:tcPr>
+                    <a:lnL w="12700" cap="flat" cmpd="sng" algn="ctr">
+                      <a:solidFill>
+                        <a:schemeClr val="tx1"/>
+                      </a:solidFill>
+                      <a:prstDash val="solid"/>
+                      <a:round/>
+                      <a:headEnd type="none" w="med" len="med"/>
+                      <a:tailEnd type="none" w="med" len="med"/>
+                    </a:lnL>
+                    <a:lnR w="12700" cap="flat" cmpd="sng" algn="ctr">
+                      <a:solidFill>
+                        <a:schemeClr val="tx1"/>
+                      </a:solidFill>
+                      <a:prstDash val="solid"/>
+                      <a:round/>
+                      <a:headEnd type="none" w="med" len="med"/>
+                      <a:tailEnd type="none" w="med" len="med"/>
+                    </a:lnR>
+                    <a:lnT w="12700" cap="flat" cmpd="sng" algn="ctr">
+                      <a:solidFill>
+                        <a:schemeClr val="tx1"/>
+                      </a:solidFill>
+                      <a:prstDash val="solid"/>
+                      <a:round/>
+                      <a:headEnd type="none" w="med" len="med"/>
+                      <a:tailEnd type="none" w="med" len="med"/>
+                    </a:lnT>
+                    <a:lnB w="12700" cap="flat" cmpd="sng" algn="ctr">
+                      <a:solidFill>
+                        <a:schemeClr val="tx1"/>
+                      </a:solidFill>
+                      <a:prstDash val="solid"/>
+                      <a:round/>
+                      <a:headEnd type="none" w="med" len="med"/>
+                      <a:tailEnd type="none" w="med" len="med"/>
+                    </a:lnB>
+                    <a:noFill/>
+                  </a:tcPr>
+                </a:tc>
+                <a:tc>
+                  <a:txBody>
+                    <a:bodyPr/>
+                    <a:lstStyle/>
+                    <a:p>
+                      <a:endParaRPr lang="zh-CN" altLang="en-US"/>
+                    </a:p>
+                  </a:txBody>
+                  <a:tcPr>
+                    <a:lnL w="12700" cap="flat" cmpd="sng" algn="ctr">
+                      <a:solidFill>
+                        <a:schemeClr val="tx1"/>
+                      </a:solidFill>
+                      <a:prstDash val="solid"/>
+                      <a:round/>
+                      <a:headEnd type="none" w="med" len="med"/>
+                      <a:tailEnd type="none" w="med" len="med"/>
+                    </a:lnL>
+                    <a:lnR w="12700" cap="flat" cmpd="sng" algn="ctr">
+                      <a:solidFill>
+                        <a:schemeClr val="tx1"/>
+                      </a:solidFill>
+                      <a:prstDash val="solid"/>
+                      <a:round/>
+                      <a:headEnd type="none" w="med" len="med"/>
+                      <a:tailEnd type="none" w="med" len="med"/>
+                    </a:lnR>
+                    <a:lnT w="12700" cap="flat" cmpd="sng" algn="ctr">
+                      <a:solidFill>
+                        <a:schemeClr val="tx1"/>
+                      </a:solidFill>
+                      <a:prstDash val="solid"/>
+                      <a:round/>
+                      <a:headEnd type="none" w="med" len="med"/>
+                      <a:tailEnd type="none" w="med" len="med"/>
+                    </a:lnT>
+                    <a:lnB w="12700" cap="flat" cmpd="sng" algn="ctr">
+                      <a:solidFill>
+                        <a:schemeClr val="tx1"/>
+                      </a:solidFill>
+                      <a:prstDash val="solid"/>
+                      <a:round/>
+                      <a:headEnd type="none" w="med" len="med"/>
+                      <a:tailEnd type="none" w="med" len="med"/>
+                    </a:lnB>
+                    <a:noFill/>
+                  </a:tcPr>
+                </a:tc>
+                <a:tc>
+                  <a:txBody>
+                    <a:bodyPr/>
+                    <a:lstStyle/>
+                    <a:p>
+                      <a:endParaRPr lang="zh-CN" altLang="en-US"/>
+                    </a:p>
+                  </a:txBody>
+                  <a:tcPr>
+                    <a:lnL w="12700" cap="flat" cmpd="sng" algn="ctr">
+                      <a:solidFill>
+                        <a:schemeClr val="tx1"/>
+                      </a:solidFill>
+                      <a:prstDash val="solid"/>
+                      <a:round/>
+                      <a:headEnd type="none" w="med" len="med"/>
+                      <a:tailEnd type="none" w="med" len="med"/>
+                    </a:lnL>
+                    <a:lnR w="12700" cap="flat" cmpd="sng" algn="ctr">
+                      <a:noFill/>
+                      <a:prstDash val="solid"/>
+                      <a:round/>
+                      <a:headEnd type="none" w="med" len="med"/>
+                      <a:tailEnd type="none" w="med" len="med"/>
+                    </a:lnR>
+                    <a:lnT w="12700" cap="flat" cmpd="sng" algn="ctr">
+                      <a:solidFill>
+                        <a:schemeClr val="tx1"/>
+                      </a:solidFill>
+                      <a:prstDash val="solid"/>
+                      <a:round/>
+                      <a:headEnd type="none" w="med" len="med"/>
+                      <a:tailEnd type="none" w="med" len="med"/>
+                    </a:lnT>
+                    <a:lnB w="12700" cap="flat" cmpd="sng" algn="ctr">
+                      <a:solidFill>
+                        <a:schemeClr val="tx1"/>
+                      </a:solidFill>
+                      <a:prstDash val="solid"/>
+                      <a:round/>
+                      <a:headEnd type="none" w="med" len="med"/>
+                      <a:tailEnd type="none" w="med" len="med"/>
+                    </a:lnB>
+                    <a:noFill/>
+                  </a:tcPr>
+                </a:tc>
+                <a:extLst>
+                  <a:ext uri="{0D108BD9-81ED-4DB2-BD59-A6C34878D82A}">
+                    <a16:rowId xmlns:a16="http://schemas.microsoft.com/office/drawing/2014/main" val="3690417276"/>
+                  </a:ext>
+                </a:extLst>
+              </a:tr>
+              <a:tr h="370840">
+                <a:tc>
+                  <a:txBody>
+                    <a:bodyPr/>
+                    <a:lstStyle/>
+                    <a:p>
+                      <a:endParaRPr lang="zh-CN" altLang="en-US"/>
+                    </a:p>
+                  </a:txBody>
+                  <a:tcPr>
+                    <a:lnL w="12700" cap="flat" cmpd="sng" algn="ctr">
+                      <a:noFill/>
+                      <a:prstDash val="solid"/>
+                      <a:round/>
+                      <a:headEnd type="none" w="med" len="med"/>
+                      <a:tailEnd type="none" w="med" len="med"/>
+                    </a:lnL>
+                    <a:lnR w="12700" cap="flat" cmpd="sng" algn="ctr">
+                      <a:solidFill>
+                        <a:schemeClr val="tx1"/>
+                      </a:solidFill>
+                      <a:prstDash val="solid"/>
+                      <a:round/>
+                      <a:headEnd type="none" w="med" len="med"/>
+                      <a:tailEnd type="none" w="med" len="med"/>
+                    </a:lnR>
+                    <a:lnT w="12700" cap="flat" cmpd="sng" algn="ctr">
+                      <a:solidFill>
+                        <a:schemeClr val="tx1"/>
+                      </a:solidFill>
+                      <a:prstDash val="solid"/>
+                      <a:round/>
+                      <a:headEnd type="none" w="med" len="med"/>
+                      <a:tailEnd type="none" w="med" len="med"/>
+                    </a:lnT>
+                    <a:lnB w="12700" cap="flat" cmpd="sng" algn="ctr">
+                      <a:solidFill>
+                        <a:schemeClr val="tx1"/>
+                      </a:solidFill>
+                      <a:prstDash val="solid"/>
+                      <a:round/>
+                      <a:headEnd type="none" w="med" len="med"/>
+                      <a:tailEnd type="none" w="med" len="med"/>
+                    </a:lnB>
+                    <a:noFill/>
+                  </a:tcPr>
+                </a:tc>
+                <a:tc>
+                  <a:txBody>
+                    <a:bodyPr/>
+                    <a:lstStyle/>
+                    <a:p>
+                      <a:endParaRPr lang="zh-CN" altLang="en-US"/>
+                    </a:p>
+                  </a:txBody>
+                  <a:tcPr>
+                    <a:lnL w="12700" cap="flat" cmpd="sng" algn="ctr">
+                      <a:solidFill>
+                        <a:schemeClr val="tx1"/>
+                      </a:solidFill>
+                      <a:prstDash val="solid"/>
+                      <a:round/>
+                      <a:headEnd type="none" w="med" len="med"/>
+                      <a:tailEnd type="none" w="med" len="med"/>
+                    </a:lnL>
+                    <a:lnR w="12700" cap="flat" cmpd="sng" algn="ctr">
+                      <a:solidFill>
+                        <a:schemeClr val="tx1"/>
+                      </a:solidFill>
+                      <a:prstDash val="solid"/>
+                      <a:round/>
+                      <a:headEnd type="none" w="med" len="med"/>
+                      <a:tailEnd type="none" w="med" len="med"/>
+                    </a:lnR>
+                    <a:lnT w="12700" cap="flat" cmpd="sng" algn="ctr">
+                      <a:solidFill>
+                        <a:schemeClr val="tx1"/>
+                      </a:solidFill>
+                      <a:prstDash val="solid"/>
+                      <a:round/>
+                      <a:headEnd type="none" w="med" len="med"/>
+                      <a:tailEnd type="none" w="med" len="med"/>
+                    </a:lnT>
+                    <a:lnB w="12700" cap="flat" cmpd="sng" algn="ctr">
+                      <a:solidFill>
+                        <a:schemeClr val="tx1"/>
+                      </a:solidFill>
+                      <a:prstDash val="solid"/>
+                      <a:round/>
+                      <a:headEnd type="none" w="med" len="med"/>
+                      <a:tailEnd type="none" w="med" len="med"/>
+                    </a:lnB>
+                    <a:noFill/>
+                  </a:tcPr>
+                </a:tc>
+                <a:tc>
+                  <a:txBody>
+                    <a:bodyPr/>
+                    <a:lstStyle/>
+                    <a:p>
+                      <a:endParaRPr lang="zh-CN" altLang="en-US"/>
+                    </a:p>
+                  </a:txBody>
+                  <a:tcPr>
+                    <a:lnL w="12700" cap="flat" cmpd="sng" algn="ctr">
+                      <a:solidFill>
+                        <a:schemeClr val="tx1"/>
+                      </a:solidFill>
+                      <a:prstDash val="solid"/>
+                      <a:round/>
+                      <a:headEnd type="none" w="med" len="med"/>
+                      <a:tailEnd type="none" w="med" len="med"/>
+                    </a:lnL>
+                    <a:lnR w="12700" cap="flat" cmpd="sng" algn="ctr">
+                      <a:solidFill>
+                        <a:schemeClr val="tx1"/>
+                      </a:solidFill>
+                      <a:prstDash val="solid"/>
+                      <a:round/>
+                      <a:headEnd type="none" w="med" len="med"/>
+                      <a:tailEnd type="none" w="med" len="med"/>
+                    </a:lnR>
+                    <a:lnT w="12700" cap="flat" cmpd="sng" algn="ctr">
+                      <a:solidFill>
+                        <a:schemeClr val="tx1"/>
+                      </a:solidFill>
+                      <a:prstDash val="solid"/>
+                      <a:round/>
+                      <a:headEnd type="none" w="med" len="med"/>
+                      <a:tailEnd type="none" w="med" len="med"/>
+                    </a:lnT>
+                    <a:lnB w="12700" cap="flat" cmpd="sng" algn="ctr">
+                      <a:solidFill>
+                        <a:schemeClr val="tx1"/>
+                      </a:solidFill>
+                      <a:prstDash val="solid"/>
+                      <a:round/>
+                      <a:headEnd type="none" w="med" len="med"/>
+                      <a:tailEnd type="none" w="med" len="med"/>
+                    </a:lnB>
+                    <a:noFill/>
+                  </a:tcPr>
+                </a:tc>
+                <a:tc>
+                  <a:txBody>
+                    <a:bodyPr/>
+                    <a:lstStyle/>
+                    <a:p>
+                      <a:endParaRPr lang="zh-CN" altLang="en-US" dirty="0"/>
+                    </a:p>
+                  </a:txBody>
+                  <a:tcPr>
+                    <a:lnL w="12700" cap="flat" cmpd="sng" algn="ctr">
+                      <a:solidFill>
+                        <a:schemeClr val="tx1"/>
+                      </a:solidFill>
+                      <a:prstDash val="solid"/>
+                      <a:round/>
+                      <a:headEnd type="none" w="med" len="med"/>
+                      <a:tailEnd type="none" w="med" len="med"/>
+                    </a:lnL>
+                    <a:lnR w="12700" cap="flat" cmpd="sng" algn="ctr">
+                      <a:solidFill>
+                        <a:schemeClr val="tx1"/>
+                      </a:solidFill>
+                      <a:prstDash val="solid"/>
+                      <a:round/>
+                      <a:headEnd type="none" w="med" len="med"/>
+                      <a:tailEnd type="none" w="med" len="med"/>
+                    </a:lnR>
+                    <a:lnT w="12700" cap="flat" cmpd="sng" algn="ctr">
+                      <a:solidFill>
+                        <a:schemeClr val="tx1"/>
+                      </a:solidFill>
+                      <a:prstDash val="solid"/>
+                      <a:round/>
+                      <a:headEnd type="none" w="med" len="med"/>
+                      <a:tailEnd type="none" w="med" len="med"/>
+                    </a:lnT>
+                    <a:lnB w="12700" cap="flat" cmpd="sng" algn="ctr">
+                      <a:solidFill>
+                        <a:schemeClr val="tx1"/>
+                      </a:solidFill>
+                      <a:prstDash val="solid"/>
+                      <a:round/>
+                      <a:headEnd type="none" w="med" len="med"/>
+                      <a:tailEnd type="none" w="med" len="med"/>
+                    </a:lnB>
+                    <a:noFill/>
+                  </a:tcPr>
+                </a:tc>
+                <a:tc>
+                  <a:txBody>
+                    <a:bodyPr/>
+                    <a:lstStyle/>
+                    <a:p>
+                      <a:endParaRPr lang="zh-CN" altLang="en-US" dirty="0"/>
+                    </a:p>
+                  </a:txBody>
+                  <a:tcPr>
+                    <a:lnL w="12700" cap="flat" cmpd="sng" algn="ctr">
+                      <a:solidFill>
+                        <a:schemeClr val="tx1"/>
+                      </a:solidFill>
+                      <a:prstDash val="solid"/>
+                      <a:round/>
+                      <a:headEnd type="none" w="med" len="med"/>
+                      <a:tailEnd type="none" w="med" len="med"/>
+                    </a:lnL>
+                    <a:lnR w="12700" cap="flat" cmpd="sng" algn="ctr">
+                      <a:solidFill>
+                        <a:schemeClr val="tx1"/>
+                      </a:solidFill>
+                      <a:prstDash val="solid"/>
+                      <a:round/>
+                      <a:headEnd type="none" w="med" len="med"/>
+                      <a:tailEnd type="none" w="med" len="med"/>
+                    </a:lnR>
+                    <a:lnT w="12700" cap="flat" cmpd="sng" algn="ctr">
+                      <a:solidFill>
+                        <a:schemeClr val="tx1"/>
+                      </a:solidFill>
+                      <a:prstDash val="solid"/>
+                      <a:round/>
+                      <a:headEnd type="none" w="med" len="med"/>
+                      <a:tailEnd type="none" w="med" len="med"/>
+                    </a:lnT>
+                    <a:lnB w="12700" cap="flat" cmpd="sng" algn="ctr">
+                      <a:solidFill>
+                        <a:schemeClr val="tx1"/>
+                      </a:solidFill>
+                      <a:prstDash val="solid"/>
+                      <a:round/>
+                      <a:headEnd type="none" w="med" len="med"/>
+                      <a:tailEnd type="none" w="med" len="med"/>
+                    </a:lnB>
+                    <a:noFill/>
+                  </a:tcPr>
+                </a:tc>
+                <a:tc>
+                  <a:txBody>
+                    <a:bodyPr/>
+                    <a:lstStyle/>
+                    <a:p>
+                      <a:endParaRPr lang="zh-CN" altLang="en-US"/>
+                    </a:p>
+                  </a:txBody>
+                  <a:tcPr>
+                    <a:lnL w="12700" cap="flat" cmpd="sng" algn="ctr">
+                      <a:solidFill>
+                        <a:schemeClr val="tx1"/>
+                      </a:solidFill>
+                      <a:prstDash val="solid"/>
+                      <a:round/>
+                      <a:headEnd type="none" w="med" len="med"/>
+                      <a:tailEnd type="none" w="med" len="med"/>
+                    </a:lnL>
+                    <a:lnR w="12700" cap="flat" cmpd="sng" algn="ctr">
+                      <a:solidFill>
+                        <a:schemeClr val="tx1"/>
+                      </a:solidFill>
+                      <a:prstDash val="solid"/>
+                      <a:round/>
+                      <a:headEnd type="none" w="med" len="med"/>
+                      <a:tailEnd type="none" w="med" len="med"/>
+                    </a:lnR>
+                    <a:lnT w="12700" cap="flat" cmpd="sng" algn="ctr">
+                      <a:solidFill>
+                        <a:schemeClr val="tx1"/>
+                      </a:solidFill>
+                      <a:prstDash val="solid"/>
+                      <a:round/>
+                      <a:headEnd type="none" w="med" len="med"/>
+                      <a:tailEnd type="none" w="med" len="med"/>
+                    </a:lnT>
+                    <a:lnB w="12700" cap="flat" cmpd="sng" algn="ctr">
+                      <a:solidFill>
+                        <a:schemeClr val="tx1"/>
+                      </a:solidFill>
+                      <a:prstDash val="solid"/>
+                      <a:round/>
+                      <a:headEnd type="none" w="med" len="med"/>
+                      <a:tailEnd type="none" w="med" len="med"/>
+                    </a:lnB>
+                    <a:noFill/>
+                  </a:tcPr>
+                </a:tc>
+                <a:tc>
+                  <a:txBody>
+                    <a:bodyPr/>
+                    <a:lstStyle/>
+                    <a:p>
+                      <a:endParaRPr lang="zh-CN" altLang="en-US"/>
+                    </a:p>
+                  </a:txBody>
+                  <a:tcPr>
+                    <a:lnL w="12700" cap="flat" cmpd="sng" algn="ctr">
+                      <a:solidFill>
+                        <a:schemeClr val="tx1"/>
+                      </a:solidFill>
+                      <a:prstDash val="solid"/>
+                      <a:round/>
+                      <a:headEnd type="none" w="med" len="med"/>
+                      <a:tailEnd type="none" w="med" len="med"/>
+                    </a:lnL>
+                    <a:lnR w="12700" cap="flat" cmpd="sng" algn="ctr">
+                      <a:solidFill>
+                        <a:schemeClr val="tx1"/>
+                      </a:solidFill>
+                      <a:prstDash val="solid"/>
+                      <a:round/>
+                      <a:headEnd type="none" w="med" len="med"/>
+                      <a:tailEnd type="none" w="med" len="med"/>
+                    </a:lnR>
+                    <a:lnT w="12700" cap="flat" cmpd="sng" algn="ctr">
+                      <a:solidFill>
+                        <a:schemeClr val="tx1"/>
+                      </a:solidFill>
+                      <a:prstDash val="solid"/>
+                      <a:round/>
+                      <a:headEnd type="none" w="med" len="med"/>
+                      <a:tailEnd type="none" w="med" len="med"/>
+                    </a:lnT>
+                    <a:lnB w="12700" cap="flat" cmpd="sng" algn="ctr">
+                      <a:solidFill>
+                        <a:schemeClr val="tx1"/>
+                      </a:solidFill>
+                      <a:prstDash val="solid"/>
+                      <a:round/>
+                      <a:headEnd type="none" w="med" len="med"/>
+                      <a:tailEnd type="none" w="med" len="med"/>
+                    </a:lnB>
+                    <a:noFill/>
+                  </a:tcPr>
+                </a:tc>
+                <a:tc>
+                  <a:txBody>
+                    <a:bodyPr/>
+                    <a:lstStyle/>
+                    <a:p>
+                      <a:endParaRPr lang="zh-CN" altLang="en-US"/>
+                    </a:p>
+                  </a:txBody>
+                  <a:tcPr>
+                    <a:lnL w="12700" cap="flat" cmpd="sng" algn="ctr">
+                      <a:solidFill>
+                        <a:schemeClr val="tx1"/>
+                      </a:solidFill>
+                      <a:prstDash val="solid"/>
+                      <a:round/>
+                      <a:headEnd type="none" w="med" len="med"/>
+                      <a:tailEnd type="none" w="med" len="med"/>
+                    </a:lnL>
+                    <a:lnR w="12700" cap="flat" cmpd="sng" algn="ctr">
+                      <a:noFill/>
+                      <a:prstDash val="solid"/>
+                      <a:round/>
+                      <a:headEnd type="none" w="med" len="med"/>
+                      <a:tailEnd type="none" w="med" len="med"/>
+                    </a:lnR>
+                    <a:lnT w="12700" cap="flat" cmpd="sng" algn="ctr">
+                      <a:solidFill>
+                        <a:schemeClr val="tx1"/>
+                      </a:solidFill>
+                      <a:prstDash val="solid"/>
+                      <a:round/>
+                      <a:headEnd type="none" w="med" len="med"/>
+                      <a:tailEnd type="none" w="med" len="med"/>
+                    </a:lnT>
+                    <a:lnB w="12700" cap="flat" cmpd="sng" algn="ctr">
+                      <a:solidFill>
+                        <a:schemeClr val="tx1"/>
+                      </a:solidFill>
+                      <a:prstDash val="solid"/>
+                      <a:round/>
+                      <a:headEnd type="none" w="med" len="med"/>
+                      <a:tailEnd type="none" w="med" len="med"/>
+                    </a:lnB>
+                    <a:noFill/>
+                  </a:tcPr>
+                </a:tc>
+                <a:extLst>
+                  <a:ext uri="{0D108BD9-81ED-4DB2-BD59-A6C34878D82A}">
+                    <a16:rowId xmlns:a16="http://schemas.microsoft.com/office/drawing/2014/main" val="2544927921"/>
+                  </a:ext>
+                </a:extLst>
+              </a:tr>
+              <a:tr h="370840">
+                <a:tc>
+                  <a:txBody>
+                    <a:bodyPr/>
+                    <a:lstStyle/>
+                    <a:p>
+                      <a:endParaRPr lang="zh-CN" altLang="en-US"/>
+                    </a:p>
+                  </a:txBody>
+                  <a:tcPr>
+                    <a:lnL w="12700" cap="flat" cmpd="sng" algn="ctr">
+                      <a:noFill/>
+                      <a:prstDash val="solid"/>
+                      <a:round/>
+                      <a:headEnd type="none" w="med" len="med"/>
+                      <a:tailEnd type="none" w="med" len="med"/>
+                    </a:lnL>
+                    <a:lnR w="12700" cap="flat" cmpd="sng" algn="ctr">
+                      <a:solidFill>
+                        <a:schemeClr val="tx1"/>
+                      </a:solidFill>
+                      <a:prstDash val="solid"/>
+                      <a:round/>
+                      <a:headEnd type="none" w="med" len="med"/>
+                      <a:tailEnd type="none" w="med" len="med"/>
+                    </a:lnR>
+                    <a:lnT w="12700" cap="flat" cmpd="sng" algn="ctr">
+                      <a:solidFill>
+                        <a:schemeClr val="tx1"/>
+                      </a:solidFill>
+                      <a:prstDash val="solid"/>
+                      <a:round/>
+                      <a:headEnd type="none" w="med" len="med"/>
+                      <a:tailEnd type="none" w="med" len="med"/>
+                    </a:lnT>
+                    <a:lnB w="12700" cap="flat" cmpd="sng" algn="ctr">
+                      <a:solidFill>
+                        <a:schemeClr val="tx1"/>
+                      </a:solidFill>
+                      <a:prstDash val="solid"/>
+                      <a:round/>
+                      <a:headEnd type="none" w="med" len="med"/>
+                      <a:tailEnd type="none" w="med" len="med"/>
+                    </a:lnB>
+                    <a:noFill/>
+                  </a:tcPr>
+                </a:tc>
+                <a:tc>
+                  <a:txBody>
+                    <a:bodyPr/>
+                    <a:lstStyle/>
+                    <a:p>
+                      <a:endParaRPr lang="zh-CN" altLang="en-US"/>
+                    </a:p>
+                  </a:txBody>
+                  <a:tcPr>
+                    <a:lnL w="12700" cap="flat" cmpd="sng" algn="ctr">
+                      <a:solidFill>
+                        <a:schemeClr val="tx1"/>
+                      </a:solidFill>
+                      <a:prstDash val="solid"/>
+                      <a:round/>
+                      <a:headEnd type="none" w="med" len="med"/>
+                      <a:tailEnd type="none" w="med" len="med"/>
+                    </a:lnL>
+                    <a:lnR w="12700" cap="flat" cmpd="sng" algn="ctr">
+                      <a:solidFill>
+                        <a:schemeClr val="tx1"/>
+                      </a:solidFill>
+                      <a:prstDash val="solid"/>
+                      <a:round/>
+                      <a:headEnd type="none" w="med" len="med"/>
+                      <a:tailEnd type="none" w="med" len="med"/>
+                    </a:lnR>
+                    <a:lnT w="12700" cap="flat" cmpd="sng" algn="ctr">
+                      <a:solidFill>
+                        <a:schemeClr val="tx1"/>
+                      </a:solidFill>
+                      <a:prstDash val="solid"/>
+                      <a:round/>
+                      <a:headEnd type="none" w="med" len="med"/>
+                      <a:tailEnd type="none" w="med" len="med"/>
+                    </a:lnT>
+                    <a:lnB w="12700" cap="flat" cmpd="sng" algn="ctr">
+                      <a:solidFill>
+                        <a:schemeClr val="tx1"/>
+                      </a:solidFill>
+                      <a:prstDash val="solid"/>
+                      <a:round/>
+                      <a:headEnd type="none" w="med" len="med"/>
+                      <a:tailEnd type="none" w="med" len="med"/>
+                    </a:lnB>
+                    <a:noFill/>
+                  </a:tcPr>
+                </a:tc>
+                <a:tc>
+                  <a:txBody>
+                    <a:bodyPr/>
+                    <a:lstStyle/>
+                    <a:p>
+                      <a:endParaRPr lang="zh-CN" altLang="en-US"/>
+                    </a:p>
+                  </a:txBody>
+                  <a:tcPr>
+                    <a:lnL w="12700" cap="flat" cmpd="sng" algn="ctr">
+                      <a:solidFill>
+                        <a:schemeClr val="tx1"/>
+                      </a:solidFill>
+                      <a:prstDash val="solid"/>
+                      <a:round/>
+                      <a:headEnd type="none" w="med" len="med"/>
+                      <a:tailEnd type="none" w="med" len="med"/>
+                    </a:lnL>
+                    <a:lnR w="12700" cap="flat" cmpd="sng" algn="ctr">
+                      <a:solidFill>
+                        <a:schemeClr val="tx1"/>
+                      </a:solidFill>
+                      <a:prstDash val="solid"/>
+                      <a:round/>
+                      <a:headEnd type="none" w="med" len="med"/>
+                      <a:tailEnd type="none" w="med" len="med"/>
+                    </a:lnR>
+                    <a:lnT w="12700" cap="flat" cmpd="sng" algn="ctr">
+                      <a:solidFill>
+                        <a:schemeClr val="tx1"/>
+                      </a:solidFill>
+                      <a:prstDash val="solid"/>
+                      <a:round/>
+                      <a:headEnd type="none" w="med" len="med"/>
+                      <a:tailEnd type="none" w="med" len="med"/>
+                    </a:lnT>
+                    <a:lnB w="12700" cap="flat" cmpd="sng" algn="ctr">
+                      <a:solidFill>
+                        <a:schemeClr val="tx1"/>
+                      </a:solidFill>
+                      <a:prstDash val="solid"/>
+                      <a:round/>
+                      <a:headEnd type="none" w="med" len="med"/>
+                      <a:tailEnd type="none" w="med" len="med"/>
+                    </a:lnB>
+                    <a:noFill/>
+                  </a:tcPr>
+                </a:tc>
+                <a:tc>
+                  <a:txBody>
+                    <a:bodyPr/>
+                    <a:lstStyle/>
+                    <a:p>
+                      <a:endParaRPr lang="zh-CN" altLang="en-US" dirty="0"/>
+                    </a:p>
+                  </a:txBody>
+                  <a:tcPr>
+                    <a:lnL w="12700" cap="flat" cmpd="sng" algn="ctr">
+                      <a:solidFill>
+                        <a:schemeClr val="tx1"/>
+                      </a:solidFill>
+                      <a:prstDash val="solid"/>
+                      <a:round/>
+                      <a:headEnd type="none" w="med" len="med"/>
+                      <a:tailEnd type="none" w="med" len="med"/>
+                    </a:lnL>
+                    <a:lnR w="12700" cap="flat" cmpd="sng" algn="ctr">
+                      <a:solidFill>
+                        <a:schemeClr val="tx1"/>
+                      </a:solidFill>
+                      <a:prstDash val="solid"/>
+                      <a:round/>
+                      <a:headEnd type="none" w="med" len="med"/>
+                      <a:tailEnd type="none" w="med" len="med"/>
+                    </a:lnR>
+                    <a:lnT w="12700" cap="flat" cmpd="sng" algn="ctr">
+                      <a:solidFill>
+                        <a:schemeClr val="tx1"/>
+                      </a:solidFill>
+                      <a:prstDash val="solid"/>
+                      <a:round/>
+                      <a:headEnd type="none" w="med" len="med"/>
+                      <a:tailEnd type="none" w="med" len="med"/>
+                    </a:lnT>
+                    <a:lnB w="12700" cap="flat" cmpd="sng" algn="ctr">
+                      <a:solidFill>
+                        <a:schemeClr val="tx1"/>
+                      </a:solidFill>
+                      <a:prstDash val="solid"/>
+                      <a:round/>
+                      <a:headEnd type="none" w="med" len="med"/>
+                      <a:tailEnd type="none" w="med" len="med"/>
+                    </a:lnB>
+                    <a:noFill/>
+                  </a:tcPr>
+                </a:tc>
+                <a:tc>
+                  <a:txBody>
+                    <a:bodyPr/>
+                    <a:lstStyle/>
+                    <a:p>
+                      <a:endParaRPr lang="zh-CN" altLang="en-US" dirty="0"/>
+                    </a:p>
+                  </a:txBody>
+                  <a:tcPr>
+                    <a:lnL w="12700" cap="flat" cmpd="sng" algn="ctr">
+                      <a:solidFill>
+                        <a:schemeClr val="tx1"/>
+                      </a:solidFill>
+                      <a:prstDash val="solid"/>
+                      <a:round/>
+                      <a:headEnd type="none" w="med" len="med"/>
+                      <a:tailEnd type="none" w="med" len="med"/>
+                    </a:lnL>
+                    <a:lnR w="12700" cap="flat" cmpd="sng" algn="ctr">
+                      <a:solidFill>
+                        <a:schemeClr val="tx1"/>
+                      </a:solidFill>
+                      <a:prstDash val="solid"/>
+                      <a:round/>
+                      <a:headEnd type="none" w="med" len="med"/>
+                      <a:tailEnd type="none" w="med" len="med"/>
+                    </a:lnR>
+                    <a:lnT w="12700" cap="flat" cmpd="sng" algn="ctr">
+                      <a:solidFill>
+                        <a:schemeClr val="tx1"/>
+                      </a:solidFill>
+                      <a:prstDash val="solid"/>
+                      <a:round/>
+                      <a:headEnd type="none" w="med" len="med"/>
+                      <a:tailEnd type="none" w="med" len="med"/>
+                    </a:lnT>
+                    <a:lnB w="12700" cap="flat" cmpd="sng" algn="ctr">
+                      <a:solidFill>
+                        <a:schemeClr val="tx1"/>
+                      </a:solidFill>
+                      <a:prstDash val="solid"/>
+                      <a:round/>
+                      <a:headEnd type="none" w="med" len="med"/>
+                      <a:tailEnd type="none" w="med" len="med"/>
+                    </a:lnB>
+                    <a:noFill/>
+                  </a:tcPr>
+                </a:tc>
+                <a:tc>
+                  <a:txBody>
+                    <a:bodyPr/>
+                    <a:lstStyle/>
+                    <a:p>
+                      <a:endParaRPr lang="zh-CN" altLang="en-US"/>
+                    </a:p>
+                  </a:txBody>
+                  <a:tcPr>
+                    <a:lnL w="12700" cap="flat" cmpd="sng" algn="ctr">
+                      <a:solidFill>
+                        <a:schemeClr val="tx1"/>
+                      </a:solidFill>
+                      <a:prstDash val="solid"/>
+                      <a:round/>
+                      <a:headEnd type="none" w="med" len="med"/>
+                      <a:tailEnd type="none" w="med" len="med"/>
+                    </a:lnL>
+                    <a:lnR w="12700" cap="flat" cmpd="sng" algn="ctr">
+                      <a:solidFill>
+                        <a:schemeClr val="tx1"/>
+                      </a:solidFill>
+                      <a:prstDash val="solid"/>
+                      <a:round/>
+                      <a:headEnd type="none" w="med" len="med"/>
+                      <a:tailEnd type="none" w="med" len="med"/>
+                    </a:lnR>
+                    <a:lnT w="12700" cap="flat" cmpd="sng" algn="ctr">
+                      <a:solidFill>
+                        <a:schemeClr val="tx1"/>
+                      </a:solidFill>
+                      <a:prstDash val="solid"/>
+                      <a:round/>
+                      <a:headEnd type="none" w="med" len="med"/>
+                      <a:tailEnd type="none" w="med" len="med"/>
+                    </a:lnT>
+                    <a:lnB w="12700" cap="flat" cmpd="sng" algn="ctr">
+                      <a:solidFill>
+                        <a:schemeClr val="tx1"/>
+                      </a:solidFill>
+                      <a:prstDash val="solid"/>
+                      <a:round/>
+                      <a:headEnd type="none" w="med" len="med"/>
+                      <a:tailEnd type="none" w="med" len="med"/>
+                    </a:lnB>
+                    <a:noFill/>
+                  </a:tcPr>
+                </a:tc>
+                <a:tc>
+                  <a:txBody>
+                    <a:bodyPr/>
+                    <a:lstStyle/>
+                    <a:p>
+                      <a:endParaRPr lang="zh-CN" altLang="en-US"/>
+                    </a:p>
+                  </a:txBody>
+                  <a:tcPr>
+                    <a:lnL w="12700" cap="flat" cmpd="sng" algn="ctr">
+                      <a:solidFill>
+                        <a:schemeClr val="tx1"/>
+                      </a:solidFill>
+                      <a:prstDash val="solid"/>
+                      <a:round/>
+                      <a:headEnd type="none" w="med" len="med"/>
+                      <a:tailEnd type="none" w="med" len="med"/>
+                    </a:lnL>
+                    <a:lnR w="12700" cap="flat" cmpd="sng" algn="ctr">
+                      <a:solidFill>
+                        <a:schemeClr val="tx1"/>
+                      </a:solidFill>
+                      <a:prstDash val="solid"/>
+                      <a:round/>
+                      <a:headEnd type="none" w="med" len="med"/>
+                      <a:tailEnd type="none" w="med" len="med"/>
+                    </a:lnR>
+                    <a:lnT w="12700" cap="flat" cmpd="sng" algn="ctr">
+                      <a:solidFill>
+                        <a:schemeClr val="tx1"/>
+                      </a:solidFill>
+                      <a:prstDash val="solid"/>
+                      <a:round/>
+                      <a:headEnd type="none" w="med" len="med"/>
+                      <a:tailEnd type="none" w="med" len="med"/>
+                    </a:lnT>
+                    <a:lnB w="12700" cap="flat" cmpd="sng" algn="ctr">
+                      <a:solidFill>
+                        <a:schemeClr val="tx1"/>
+                      </a:solidFill>
+                      <a:prstDash val="solid"/>
+                      <a:round/>
+                      <a:headEnd type="none" w="med" len="med"/>
+                      <a:tailEnd type="none" w="med" len="med"/>
+                    </a:lnB>
+                    <a:noFill/>
+                  </a:tcPr>
+                </a:tc>
+                <a:tc>
+                  <a:txBody>
+                    <a:bodyPr/>
+                    <a:lstStyle/>
+                    <a:p>
+                      <a:endParaRPr lang="zh-CN" altLang="en-US" dirty="0"/>
+                    </a:p>
+                  </a:txBody>
+                  <a:tcPr>
+                    <a:lnL w="12700" cap="flat" cmpd="sng" algn="ctr">
+                      <a:solidFill>
+                        <a:schemeClr val="tx1"/>
+                      </a:solidFill>
+                      <a:prstDash val="solid"/>
+                      <a:round/>
+                      <a:headEnd type="none" w="med" len="med"/>
+                      <a:tailEnd type="none" w="med" len="med"/>
+                    </a:lnL>
+                    <a:lnR w="12700" cap="flat" cmpd="sng" algn="ctr">
+                      <a:noFill/>
+                      <a:prstDash val="solid"/>
+                      <a:round/>
+                      <a:headEnd type="none" w="med" len="med"/>
+                      <a:tailEnd type="none" w="med" len="med"/>
+                    </a:lnR>
+                    <a:lnT w="12700" cap="flat" cmpd="sng" algn="ctr">
+                      <a:solidFill>
+                        <a:schemeClr val="tx1"/>
+                      </a:solidFill>
+                      <a:prstDash val="solid"/>
+                      <a:round/>
+                      <a:headEnd type="none" w="med" len="med"/>
+                      <a:tailEnd type="none" w="med" len="med"/>
+                    </a:lnT>
+                    <a:lnB w="12700" cap="flat" cmpd="sng" algn="ctr">
+                      <a:solidFill>
+                        <a:schemeClr val="tx1"/>
+                      </a:solidFill>
+                      <a:prstDash val="solid"/>
+                      <a:round/>
+                      <a:headEnd type="none" w="med" len="med"/>
+                      <a:tailEnd type="none" w="med" len="med"/>
+                    </a:lnB>
+                    <a:noFill/>
+                  </a:tcPr>
+                </a:tc>
+                <a:extLst>
+                  <a:ext uri="{0D108BD9-81ED-4DB2-BD59-A6C34878D82A}">
+                    <a16:rowId xmlns:a16="http://schemas.microsoft.com/office/drawing/2014/main" val="1951472707"/>
+                  </a:ext>
+                </a:extLst>
+              </a:tr>
+              <a:tr h="370840">
+                <a:tc>
+                  <a:txBody>
+                    <a:bodyPr/>
+                    <a:lstStyle/>
+                    <a:p>
+                      <a:endParaRPr lang="zh-CN" altLang="en-US"/>
+                    </a:p>
+                  </a:txBody>
+                  <a:tcPr>
+                    <a:lnL w="12700" cap="flat" cmpd="sng" algn="ctr">
+                      <a:noFill/>
+                      <a:prstDash val="solid"/>
+                      <a:round/>
+                      <a:headEnd type="none" w="med" len="med"/>
+                      <a:tailEnd type="none" w="med" len="med"/>
+                    </a:lnL>
+                    <a:lnR w="12700" cap="flat" cmpd="sng" algn="ctr">
+                      <a:solidFill>
+                        <a:schemeClr val="tx1"/>
+                      </a:solidFill>
+                      <a:prstDash val="solid"/>
+                      <a:round/>
+                      <a:headEnd type="none" w="med" len="med"/>
+                      <a:tailEnd type="none" w="med" len="med"/>
+                    </a:lnR>
+                    <a:lnT w="12700" cap="flat" cmpd="sng" algn="ctr">
+                      <a:solidFill>
+                        <a:schemeClr val="tx1"/>
+                      </a:solidFill>
+                      <a:prstDash val="solid"/>
+                      <a:round/>
+                      <a:headEnd type="none" w="med" len="med"/>
+                      <a:tailEnd type="none" w="med" len="med"/>
+                    </a:lnT>
+                    <a:lnB w="12700" cap="flat" cmpd="sng" algn="ctr">
+                      <a:solidFill>
+                        <a:schemeClr val="tx1"/>
+                      </a:solidFill>
+                      <a:prstDash val="solid"/>
+                      <a:round/>
+                      <a:headEnd type="none" w="med" len="med"/>
+                      <a:tailEnd type="none" w="med" len="med"/>
+                    </a:lnB>
+                    <a:noFill/>
+                  </a:tcPr>
+                </a:tc>
+                <a:tc>
+                  <a:txBody>
+                    <a:bodyPr/>
+                    <a:lstStyle/>
+                    <a:p>
+                      <a:endParaRPr lang="zh-CN" altLang="en-US"/>
+                    </a:p>
+                  </a:txBody>
+                  <a:tcPr>
+                    <a:lnL w="12700" cap="flat" cmpd="sng" algn="ctr">
+                      <a:solidFill>
+                        <a:schemeClr val="tx1"/>
+                      </a:solidFill>
+                      <a:prstDash val="solid"/>
+                      <a:round/>
+                      <a:headEnd type="none" w="med" len="med"/>
+                      <a:tailEnd type="none" w="med" len="med"/>
+                    </a:lnL>
+                    <a:lnR w="12700" cap="flat" cmpd="sng" algn="ctr">
+                      <a:solidFill>
+                        <a:schemeClr val="tx1"/>
+                      </a:solidFill>
+                      <a:prstDash val="solid"/>
+                      <a:round/>
+                      <a:headEnd type="none" w="med" len="med"/>
+                      <a:tailEnd type="none" w="med" len="med"/>
+                    </a:lnR>
+                    <a:lnT w="12700" cap="flat" cmpd="sng" algn="ctr">
+                      <a:solidFill>
+                        <a:schemeClr val="tx1"/>
+                      </a:solidFill>
+                      <a:prstDash val="solid"/>
+                      <a:round/>
+                      <a:headEnd type="none" w="med" len="med"/>
+                      <a:tailEnd type="none" w="med" len="med"/>
+                    </a:lnT>
+                    <a:lnB w="12700" cap="flat" cmpd="sng" algn="ctr">
+                      <a:solidFill>
+                        <a:schemeClr val="tx1"/>
+                      </a:solidFill>
+                      <a:prstDash val="solid"/>
+                      <a:round/>
+                      <a:headEnd type="none" w="med" len="med"/>
+                      <a:tailEnd type="none" w="med" len="med"/>
+                    </a:lnB>
+                    <a:noFill/>
+                  </a:tcPr>
+                </a:tc>
+                <a:tc>
+                  <a:txBody>
+                    <a:bodyPr/>
+                    <a:lstStyle/>
+                    <a:p>
+                      <a:endParaRPr lang="zh-CN" altLang="en-US"/>
+                    </a:p>
+                  </a:txBody>
+                  <a:tcPr>
+                    <a:lnL w="12700" cap="flat" cmpd="sng" algn="ctr">
+                      <a:solidFill>
+                        <a:schemeClr val="tx1"/>
+                      </a:solidFill>
+                      <a:prstDash val="solid"/>
+                      <a:round/>
+                      <a:headEnd type="none" w="med" len="med"/>
+                      <a:tailEnd type="none" w="med" len="med"/>
+                    </a:lnL>
+                    <a:lnR w="12700" cap="flat" cmpd="sng" algn="ctr">
+                      <a:solidFill>
+                        <a:schemeClr val="tx1"/>
+                      </a:solidFill>
+                      <a:prstDash val="solid"/>
+                      <a:round/>
+                      <a:headEnd type="none" w="med" len="med"/>
+                      <a:tailEnd type="none" w="med" len="med"/>
+                    </a:lnR>
+                    <a:lnT w="12700" cap="flat" cmpd="sng" algn="ctr">
+                      <a:solidFill>
+                        <a:schemeClr val="tx1"/>
+                      </a:solidFill>
+                      <a:prstDash val="solid"/>
+                      <a:round/>
+                      <a:headEnd type="none" w="med" len="med"/>
+                      <a:tailEnd type="none" w="med" len="med"/>
+                    </a:lnT>
+                    <a:lnB w="12700" cap="flat" cmpd="sng" algn="ctr">
+                      <a:solidFill>
+                        <a:schemeClr val="tx1"/>
+                      </a:solidFill>
+                      <a:prstDash val="solid"/>
+                      <a:round/>
+                      <a:headEnd type="none" w="med" len="med"/>
+                      <a:tailEnd type="none" w="med" len="med"/>
+                    </a:lnB>
+                    <a:noFill/>
+                  </a:tcPr>
+                </a:tc>
+                <a:tc>
+                  <a:txBody>
+                    <a:bodyPr/>
+                    <a:lstStyle/>
+                    <a:p>
+                      <a:endParaRPr lang="zh-CN" altLang="en-US"/>
+                    </a:p>
+                  </a:txBody>
+                  <a:tcPr>
+                    <a:lnL w="12700" cap="flat" cmpd="sng" algn="ctr">
+                      <a:solidFill>
+                        <a:schemeClr val="tx1"/>
+                      </a:solidFill>
+                      <a:prstDash val="solid"/>
+                      <a:round/>
+                      <a:headEnd type="none" w="med" len="med"/>
+                      <a:tailEnd type="none" w="med" len="med"/>
+                    </a:lnL>
+                    <a:lnR w="12700" cap="flat" cmpd="sng" algn="ctr">
+                      <a:solidFill>
+                        <a:schemeClr val="tx1"/>
+                      </a:solidFill>
+                      <a:prstDash val="solid"/>
+                      <a:round/>
+                      <a:headEnd type="none" w="med" len="med"/>
+                      <a:tailEnd type="none" w="med" len="med"/>
+                    </a:lnR>
+                    <a:lnT w="12700" cap="flat" cmpd="sng" algn="ctr">
+                      <a:solidFill>
+                        <a:schemeClr val="tx1"/>
+                      </a:solidFill>
+                      <a:prstDash val="solid"/>
+                      <a:round/>
+                      <a:headEnd type="none" w="med" len="med"/>
+                      <a:tailEnd type="none" w="med" len="med"/>
+                    </a:lnT>
+                    <a:lnB w="12700" cap="flat" cmpd="sng" algn="ctr">
+                      <a:solidFill>
+                        <a:schemeClr val="tx1"/>
+                      </a:solidFill>
+                      <a:prstDash val="solid"/>
+                      <a:round/>
+                      <a:headEnd type="none" w="med" len="med"/>
+                      <a:tailEnd type="none" w="med" len="med"/>
+                    </a:lnB>
+                    <a:noFill/>
+                  </a:tcPr>
+                </a:tc>
+                <a:tc>
+                  <a:txBody>
+                    <a:bodyPr/>
+                    <a:lstStyle/>
+                    <a:p>
+                      <a:endParaRPr lang="zh-CN" altLang="en-US" dirty="0"/>
+                    </a:p>
+                  </a:txBody>
+                  <a:tcPr>
+                    <a:lnL w="12700" cap="flat" cmpd="sng" algn="ctr">
+                      <a:solidFill>
+                        <a:schemeClr val="tx1"/>
+                      </a:solidFill>
+                      <a:prstDash val="solid"/>
+                      <a:round/>
+                      <a:headEnd type="none" w="med" len="med"/>
+                      <a:tailEnd type="none" w="med" len="med"/>
+                    </a:lnL>
+                    <a:lnR w="12700" cap="flat" cmpd="sng" algn="ctr">
+                      <a:solidFill>
+                        <a:schemeClr val="tx1"/>
+                      </a:solidFill>
+                      <a:prstDash val="solid"/>
+                      <a:round/>
+                      <a:headEnd type="none" w="med" len="med"/>
+                      <a:tailEnd type="none" w="med" len="med"/>
+                    </a:lnR>
+                    <a:lnT w="12700" cap="flat" cmpd="sng" algn="ctr">
+                      <a:solidFill>
+                        <a:schemeClr val="tx1"/>
+                      </a:solidFill>
+                      <a:prstDash val="solid"/>
+                      <a:round/>
+                      <a:headEnd type="none" w="med" len="med"/>
+                      <a:tailEnd type="none" w="med" len="med"/>
+                    </a:lnT>
+                    <a:lnB w="12700" cap="flat" cmpd="sng" algn="ctr">
+                      <a:solidFill>
+                        <a:schemeClr val="tx1"/>
+                      </a:solidFill>
+                      <a:prstDash val="solid"/>
+                      <a:round/>
+                      <a:headEnd type="none" w="med" len="med"/>
+                      <a:tailEnd type="none" w="med" len="med"/>
+                    </a:lnB>
+                    <a:noFill/>
+                  </a:tcPr>
+                </a:tc>
+                <a:tc>
+                  <a:txBody>
+                    <a:bodyPr/>
+                    <a:lstStyle/>
+                    <a:p>
+                      <a:endParaRPr lang="zh-CN" altLang="en-US" dirty="0"/>
+                    </a:p>
+                  </a:txBody>
+                  <a:tcPr>
+                    <a:lnL w="12700" cap="flat" cmpd="sng" algn="ctr">
+                      <a:solidFill>
+                        <a:schemeClr val="tx1"/>
+                      </a:solidFill>
+                      <a:prstDash val="solid"/>
+                      <a:round/>
+                      <a:headEnd type="none" w="med" len="med"/>
+                      <a:tailEnd type="none" w="med" len="med"/>
+                    </a:lnL>
+                    <a:lnR w="12700" cap="flat" cmpd="sng" algn="ctr">
+                      <a:solidFill>
+                        <a:schemeClr val="tx1"/>
+                      </a:solidFill>
+                      <a:prstDash val="solid"/>
+                      <a:round/>
+                      <a:headEnd type="none" w="med" len="med"/>
+                      <a:tailEnd type="none" w="med" len="med"/>
+                    </a:lnR>
+                    <a:lnT w="12700" cap="flat" cmpd="sng" algn="ctr">
+                      <a:solidFill>
+                        <a:schemeClr val="tx1"/>
+                      </a:solidFill>
+                      <a:prstDash val="solid"/>
+                      <a:round/>
+                      <a:headEnd type="none" w="med" len="med"/>
+                      <a:tailEnd type="none" w="med" len="med"/>
+                    </a:lnT>
+                    <a:lnB w="12700" cap="flat" cmpd="sng" algn="ctr">
+                      <a:solidFill>
+                        <a:schemeClr val="tx1"/>
+                      </a:solidFill>
+                      <a:prstDash val="solid"/>
+                      <a:round/>
+                      <a:headEnd type="none" w="med" len="med"/>
+                      <a:tailEnd type="none" w="med" len="med"/>
+                    </a:lnB>
+                    <a:noFill/>
+                  </a:tcPr>
+                </a:tc>
+                <a:tc>
+                  <a:txBody>
+                    <a:bodyPr/>
+                    <a:lstStyle/>
+                    <a:p>
+                      <a:endParaRPr lang="zh-CN" altLang="en-US"/>
+                    </a:p>
+                  </a:txBody>
+                  <a:tcPr>
+                    <a:lnL w="12700" cap="flat" cmpd="sng" algn="ctr">
+                      <a:solidFill>
+                        <a:schemeClr val="tx1"/>
+                      </a:solidFill>
+                      <a:prstDash val="solid"/>
+                      <a:round/>
+                      <a:headEnd type="none" w="med" len="med"/>
+                      <a:tailEnd type="none" w="med" len="med"/>
+                    </a:lnL>
+                    <a:lnR w="12700" cap="flat" cmpd="sng" algn="ctr">
+                      <a:solidFill>
+                        <a:schemeClr val="tx1"/>
+                      </a:solidFill>
+                      <a:prstDash val="solid"/>
+                      <a:round/>
+                      <a:headEnd type="none" w="med" len="med"/>
+                      <a:tailEnd type="none" w="med" len="med"/>
+                    </a:lnR>
+                    <a:lnT w="12700" cap="flat" cmpd="sng" algn="ctr">
+                      <a:solidFill>
+                        <a:schemeClr val="tx1"/>
+                      </a:solidFill>
+                      <a:prstDash val="solid"/>
+                      <a:round/>
+                      <a:headEnd type="none" w="med" len="med"/>
+                      <a:tailEnd type="none" w="med" len="med"/>
+                    </a:lnT>
+                    <a:lnB w="12700" cap="flat" cmpd="sng" algn="ctr">
+                      <a:solidFill>
+                        <a:schemeClr val="tx1"/>
+                      </a:solidFill>
+                      <a:prstDash val="solid"/>
+                      <a:round/>
+                      <a:headEnd type="none" w="med" len="med"/>
+                      <a:tailEnd type="none" w="med" len="med"/>
+                    </a:lnB>
+                    <a:noFill/>
+                  </a:tcPr>
+                </a:tc>
+                <a:tc>
+                  <a:txBody>
+                    <a:bodyPr/>
+                    <a:lstStyle/>
+                    <a:p>
+                      <a:endParaRPr lang="zh-CN" altLang="en-US"/>
+                    </a:p>
+                  </a:txBody>
+                  <a:tcPr>
+                    <a:lnL w="12700" cap="flat" cmpd="sng" algn="ctr">
+                      <a:solidFill>
+                        <a:schemeClr val="tx1"/>
+                      </a:solidFill>
+                      <a:prstDash val="solid"/>
+                      <a:round/>
+                      <a:headEnd type="none" w="med" len="med"/>
+                      <a:tailEnd type="none" w="med" len="med"/>
+                    </a:lnL>
+                    <a:lnR w="12700" cap="flat" cmpd="sng" algn="ctr">
+                      <a:noFill/>
+                      <a:prstDash val="solid"/>
+                      <a:round/>
+                      <a:headEnd type="none" w="med" len="med"/>
+                      <a:tailEnd type="none" w="med" len="med"/>
+                    </a:lnR>
+                    <a:lnT w="12700" cap="flat" cmpd="sng" algn="ctr">
+                      <a:solidFill>
+                        <a:schemeClr val="tx1"/>
+                      </a:solidFill>
+                      <a:prstDash val="solid"/>
+                      <a:round/>
+                      <a:headEnd type="none" w="med" len="med"/>
+                      <a:tailEnd type="none" w="med" len="med"/>
+                    </a:lnT>
+                    <a:lnB w="12700" cap="flat" cmpd="sng" algn="ctr">
+                      <a:solidFill>
+                        <a:schemeClr val="tx1"/>
+                      </a:solidFill>
+                      <a:prstDash val="solid"/>
+                      <a:round/>
+                      <a:headEnd type="none" w="med" len="med"/>
+                      <a:tailEnd type="none" w="med" len="med"/>
+                    </a:lnB>
+                    <a:noFill/>
+                  </a:tcPr>
+                </a:tc>
+                <a:extLst>
+                  <a:ext uri="{0D108BD9-81ED-4DB2-BD59-A6C34878D82A}">
+                    <a16:rowId xmlns:a16="http://schemas.microsoft.com/office/drawing/2014/main" val="3675324699"/>
+                  </a:ext>
+                </a:extLst>
+              </a:tr>
+              <a:tr h="370840">
+                <a:tc>
+                  <a:txBody>
+                    <a:bodyPr/>
+                    <a:lstStyle/>
+                    <a:p>
+                      <a:endParaRPr lang="zh-CN" altLang="en-US"/>
+                    </a:p>
+                  </a:txBody>
+                  <a:tcPr>
+                    <a:lnL w="12700" cap="flat" cmpd="sng" algn="ctr">
+                      <a:noFill/>
+                      <a:prstDash val="solid"/>
+                      <a:round/>
+                      <a:headEnd type="none" w="med" len="med"/>
+                      <a:tailEnd type="none" w="med" len="med"/>
+                    </a:lnL>
+                    <a:lnR w="12700" cap="flat" cmpd="sng" algn="ctr">
+                      <a:solidFill>
+                        <a:schemeClr val="tx1"/>
+                      </a:solidFill>
+                      <a:prstDash val="solid"/>
+                      <a:round/>
+                      <a:headEnd type="none" w="med" len="med"/>
+                      <a:tailEnd type="none" w="med" len="med"/>
+                    </a:lnR>
+                    <a:lnT w="12700" cap="flat" cmpd="sng" algn="ctr">
+                      <a:solidFill>
+                        <a:schemeClr val="tx1"/>
+                      </a:solidFill>
+                      <a:prstDash val="solid"/>
+                      <a:round/>
+                      <a:headEnd type="none" w="med" len="med"/>
+                      <a:tailEnd type="none" w="med" len="med"/>
+                    </a:lnT>
+                    <a:lnB w="12700" cap="flat" cmpd="sng" algn="ctr">
+                      <a:solidFill>
+                        <a:schemeClr val="tx1"/>
+                      </a:solidFill>
+                      <a:prstDash val="solid"/>
+                      <a:round/>
+                      <a:headEnd type="none" w="med" len="med"/>
+                      <a:tailEnd type="none" w="med" len="med"/>
+                    </a:lnB>
+                    <a:noFill/>
+                  </a:tcPr>
+                </a:tc>
+                <a:tc>
+                  <a:txBody>
+                    <a:bodyPr/>
+                    <a:lstStyle/>
+                    <a:p>
+                      <a:endParaRPr lang="zh-CN" altLang="en-US"/>
+                    </a:p>
+                  </a:txBody>
+                  <a:tcPr>
+                    <a:lnL w="12700" cap="flat" cmpd="sng" algn="ctr">
+                      <a:solidFill>
+                        <a:schemeClr val="tx1"/>
+                      </a:solidFill>
+                      <a:prstDash val="solid"/>
+                      <a:round/>
+                      <a:headEnd type="none" w="med" len="med"/>
+                      <a:tailEnd type="none" w="med" len="med"/>
+                    </a:lnL>
+                    <a:lnR w="12700" cap="flat" cmpd="sng" algn="ctr">
+                      <a:solidFill>
+                        <a:schemeClr val="tx1"/>
+                      </a:solidFill>
+                      <a:prstDash val="solid"/>
+                      <a:round/>
+                      <a:headEnd type="none" w="med" len="med"/>
+                      <a:tailEnd type="none" w="med" len="med"/>
+                    </a:lnR>
+                    <a:lnT w="12700" cap="flat" cmpd="sng" algn="ctr">
+                      <a:solidFill>
+                        <a:schemeClr val="tx1"/>
+                      </a:solidFill>
+                      <a:prstDash val="solid"/>
+                      <a:round/>
+                      <a:headEnd type="none" w="med" len="med"/>
+                      <a:tailEnd type="none" w="med" len="med"/>
+                    </a:lnT>
+                    <a:lnB w="12700" cap="flat" cmpd="sng" algn="ctr">
+                      <a:solidFill>
+                        <a:schemeClr val="tx1"/>
+                      </a:solidFill>
+                      <a:prstDash val="solid"/>
+                      <a:round/>
+                      <a:headEnd type="none" w="med" len="med"/>
+                      <a:tailEnd type="none" w="med" len="med"/>
+                    </a:lnB>
+                    <a:noFill/>
+                  </a:tcPr>
+                </a:tc>
+                <a:tc>
+                  <a:txBody>
+                    <a:bodyPr/>
+                    <a:lstStyle/>
+                    <a:p>
+                      <a:endParaRPr lang="zh-CN" altLang="en-US"/>
+                    </a:p>
+                  </a:txBody>
+                  <a:tcPr>
+                    <a:lnL w="12700" cap="flat" cmpd="sng" algn="ctr">
+                      <a:solidFill>
+                        <a:schemeClr val="tx1"/>
+                      </a:solidFill>
+                      <a:prstDash val="solid"/>
+                      <a:round/>
+                      <a:headEnd type="none" w="med" len="med"/>
+                      <a:tailEnd type="none" w="med" len="med"/>
+                    </a:lnL>
+                    <a:lnR w="12700" cap="flat" cmpd="sng" algn="ctr">
+                      <a:solidFill>
+                        <a:schemeClr val="tx1"/>
+                      </a:solidFill>
+                      <a:prstDash val="solid"/>
+                      <a:round/>
+                      <a:headEnd type="none" w="med" len="med"/>
+                      <a:tailEnd type="none" w="med" len="med"/>
+                    </a:lnR>
+                    <a:lnT w="12700" cap="flat" cmpd="sng" algn="ctr">
+                      <a:solidFill>
+                        <a:schemeClr val="tx1"/>
+                      </a:solidFill>
+                      <a:prstDash val="solid"/>
+                      <a:round/>
+                      <a:headEnd type="none" w="med" len="med"/>
+                      <a:tailEnd type="none" w="med" len="med"/>
+                    </a:lnT>
+                    <a:lnB w="12700" cap="flat" cmpd="sng" algn="ctr">
+                      <a:solidFill>
+                        <a:schemeClr val="tx1"/>
+                      </a:solidFill>
+                      <a:prstDash val="solid"/>
+                      <a:round/>
+                      <a:headEnd type="none" w="med" len="med"/>
+                      <a:tailEnd type="none" w="med" len="med"/>
+                    </a:lnB>
+                    <a:noFill/>
+                  </a:tcPr>
+                </a:tc>
+                <a:tc>
+                  <a:txBody>
+                    <a:bodyPr/>
+                    <a:lstStyle/>
+                    <a:p>
+                      <a:endParaRPr lang="zh-CN" altLang="en-US"/>
+                    </a:p>
+                  </a:txBody>
+                  <a:tcPr>
+                    <a:lnL w="12700" cap="flat" cmpd="sng" algn="ctr">
+                      <a:solidFill>
+                        <a:schemeClr val="tx1"/>
+                      </a:solidFill>
+                      <a:prstDash val="solid"/>
+                      <a:round/>
+                      <a:headEnd type="none" w="med" len="med"/>
+                      <a:tailEnd type="none" w="med" len="med"/>
+                    </a:lnL>
+                    <a:lnR w="12700" cap="flat" cmpd="sng" algn="ctr">
+                      <a:solidFill>
+                        <a:schemeClr val="tx1"/>
+                      </a:solidFill>
+                      <a:prstDash val="solid"/>
+                      <a:round/>
+                      <a:headEnd type="none" w="med" len="med"/>
+                      <a:tailEnd type="none" w="med" len="med"/>
+                    </a:lnR>
+                    <a:lnT w="12700" cap="flat" cmpd="sng" algn="ctr">
+                      <a:solidFill>
+                        <a:schemeClr val="tx1"/>
+                      </a:solidFill>
+                      <a:prstDash val="solid"/>
+                      <a:round/>
+                      <a:headEnd type="none" w="med" len="med"/>
+                      <a:tailEnd type="none" w="med" len="med"/>
+                    </a:lnT>
+                    <a:lnB w="12700" cap="flat" cmpd="sng" algn="ctr">
+                      <a:solidFill>
+                        <a:schemeClr val="tx1"/>
+                      </a:solidFill>
+                      <a:prstDash val="solid"/>
+                      <a:round/>
+                      <a:headEnd type="none" w="med" len="med"/>
+                      <a:tailEnd type="none" w="med" len="med"/>
+                    </a:lnB>
+                    <a:noFill/>
+                  </a:tcPr>
+                </a:tc>
+                <a:tc>
+                  <a:txBody>
+                    <a:bodyPr/>
+                    <a:lstStyle/>
+                    <a:p>
+                      <a:endParaRPr lang="zh-CN" altLang="en-US"/>
+                    </a:p>
+                  </a:txBody>
+                  <a:tcPr>
+                    <a:lnL w="12700" cap="flat" cmpd="sng" algn="ctr">
+                      <a:solidFill>
+                        <a:schemeClr val="tx1"/>
+                      </a:solidFill>
+                      <a:prstDash val="solid"/>
+                      <a:round/>
+                      <a:headEnd type="none" w="med" len="med"/>
+                      <a:tailEnd type="none" w="med" len="med"/>
+                    </a:lnL>
+                    <a:lnR w="12700" cap="flat" cmpd="sng" algn="ctr">
+                      <a:solidFill>
+                        <a:schemeClr val="tx1"/>
+                      </a:solidFill>
+                      <a:prstDash val="solid"/>
+                      <a:round/>
+                      <a:headEnd type="none" w="med" len="med"/>
+                      <a:tailEnd type="none" w="med" len="med"/>
+                    </a:lnR>
+                    <a:lnT w="12700" cap="flat" cmpd="sng" algn="ctr">
+                      <a:solidFill>
+                        <a:schemeClr val="tx1"/>
+                      </a:solidFill>
+                      <a:prstDash val="solid"/>
+                      <a:round/>
+                      <a:headEnd type="none" w="med" len="med"/>
+                      <a:tailEnd type="none" w="med" len="med"/>
+                    </a:lnT>
+                    <a:lnB w="12700" cap="flat" cmpd="sng" algn="ctr">
+                      <a:solidFill>
+                        <a:schemeClr val="tx1"/>
+                      </a:solidFill>
+                      <a:prstDash val="solid"/>
+                      <a:round/>
+                      <a:headEnd type="none" w="med" len="med"/>
+                      <a:tailEnd type="none" w="med" len="med"/>
+                    </a:lnB>
+                    <a:noFill/>
+                  </a:tcPr>
+                </a:tc>
+                <a:tc>
+                  <a:txBody>
+                    <a:bodyPr/>
+                    <a:lstStyle/>
+                    <a:p>
+                      <a:endParaRPr lang="zh-CN" altLang="en-US" dirty="0"/>
+                    </a:p>
+                  </a:txBody>
+                  <a:tcPr>
+                    <a:lnL w="12700" cap="flat" cmpd="sng" algn="ctr">
+                      <a:solidFill>
+                        <a:schemeClr val="tx1"/>
+                      </a:solidFill>
+                      <a:prstDash val="solid"/>
+                      <a:round/>
+                      <a:headEnd type="none" w="med" len="med"/>
+                      <a:tailEnd type="none" w="med" len="med"/>
+                    </a:lnL>
+                    <a:lnR w="12700" cap="flat" cmpd="sng" algn="ctr">
+                      <a:solidFill>
+                        <a:schemeClr val="tx1"/>
+                      </a:solidFill>
+                      <a:prstDash val="solid"/>
+                      <a:round/>
+                      <a:headEnd type="none" w="med" len="med"/>
+                      <a:tailEnd type="none" w="med" len="med"/>
+                    </a:lnR>
+                    <a:lnT w="12700" cap="flat" cmpd="sng" algn="ctr">
+                      <a:solidFill>
+                        <a:schemeClr val="tx1"/>
+                      </a:solidFill>
+                      <a:prstDash val="solid"/>
+                      <a:round/>
+                      <a:headEnd type="none" w="med" len="med"/>
+                      <a:tailEnd type="none" w="med" len="med"/>
+                    </a:lnT>
+                    <a:lnB w="12700" cap="flat" cmpd="sng" algn="ctr">
+                      <a:solidFill>
+                        <a:schemeClr val="tx1"/>
+                      </a:solidFill>
+                      <a:prstDash val="solid"/>
+                      <a:round/>
+                      <a:headEnd type="none" w="med" len="med"/>
+                      <a:tailEnd type="none" w="med" len="med"/>
+                    </a:lnB>
+                    <a:noFill/>
+                  </a:tcPr>
+                </a:tc>
+                <a:tc>
+                  <a:txBody>
+                    <a:bodyPr/>
+                    <a:lstStyle/>
+                    <a:p>
+                      <a:endParaRPr lang="zh-CN" altLang="en-US" dirty="0"/>
+                    </a:p>
+                  </a:txBody>
+                  <a:tcPr>
+                    <a:lnL w="12700" cap="flat" cmpd="sng" algn="ctr">
+                      <a:solidFill>
+                        <a:schemeClr val="tx1"/>
+                      </a:solidFill>
+                      <a:prstDash val="solid"/>
+                      <a:round/>
+                      <a:headEnd type="none" w="med" len="med"/>
+                      <a:tailEnd type="none" w="med" len="med"/>
+                    </a:lnL>
+                    <a:lnR w="12700" cap="flat" cmpd="sng" algn="ctr">
+                      <a:solidFill>
+                        <a:schemeClr val="tx1"/>
+                      </a:solidFill>
+                      <a:prstDash val="solid"/>
+                      <a:round/>
+                      <a:headEnd type="none" w="med" len="med"/>
+                      <a:tailEnd type="none" w="med" len="med"/>
+                    </a:lnR>
+                    <a:lnT w="12700" cap="flat" cmpd="sng" algn="ctr">
+                      <a:solidFill>
+                        <a:schemeClr val="tx1"/>
+                      </a:solidFill>
+                      <a:prstDash val="solid"/>
+                      <a:round/>
+                      <a:headEnd type="none" w="med" len="med"/>
+                      <a:tailEnd type="none" w="med" len="med"/>
+                    </a:lnT>
+                    <a:lnB w="12700" cap="flat" cmpd="sng" algn="ctr">
+                      <a:solidFill>
+                        <a:schemeClr val="tx1"/>
+                      </a:solidFill>
+                      <a:prstDash val="solid"/>
+                      <a:round/>
+                      <a:headEnd type="none" w="med" len="med"/>
+                      <a:tailEnd type="none" w="med" len="med"/>
+                    </a:lnB>
+                    <a:noFill/>
+                  </a:tcPr>
+                </a:tc>
+                <a:tc>
+                  <a:txBody>
+                    <a:bodyPr/>
+                    <a:lstStyle/>
+                    <a:p>
+                      <a:endParaRPr lang="zh-CN" altLang="en-US"/>
+                    </a:p>
+                  </a:txBody>
+                  <a:tcPr>
+                    <a:lnL w="12700" cap="flat" cmpd="sng" algn="ctr">
+                      <a:solidFill>
+                        <a:schemeClr val="tx1"/>
+                      </a:solidFill>
+                      <a:prstDash val="solid"/>
+                      <a:round/>
+                      <a:headEnd type="none" w="med" len="med"/>
+                      <a:tailEnd type="none" w="med" len="med"/>
+                    </a:lnL>
+                    <a:lnR w="12700" cap="flat" cmpd="sng" algn="ctr">
+                      <a:noFill/>
+                      <a:prstDash val="solid"/>
+                      <a:round/>
+                      <a:headEnd type="none" w="med" len="med"/>
+                      <a:tailEnd type="none" w="med" len="med"/>
+                    </a:lnR>
+                    <a:lnT w="12700" cap="flat" cmpd="sng" algn="ctr">
+                      <a:solidFill>
+                        <a:schemeClr val="tx1"/>
+                      </a:solidFill>
+                      <a:prstDash val="solid"/>
+                      <a:round/>
+                      <a:headEnd type="none" w="med" len="med"/>
+                      <a:tailEnd type="none" w="med" len="med"/>
+                    </a:lnT>
+                    <a:lnB w="12700" cap="flat" cmpd="sng" algn="ctr">
+                      <a:solidFill>
+                        <a:schemeClr val="tx1"/>
+                      </a:solidFill>
+                      <a:prstDash val="solid"/>
+                      <a:round/>
+                      <a:headEnd type="none" w="med" len="med"/>
+                      <a:tailEnd type="none" w="med" len="med"/>
+                    </a:lnB>
+                    <a:noFill/>
+                  </a:tcPr>
+                </a:tc>
+                <a:extLst>
+                  <a:ext uri="{0D108BD9-81ED-4DB2-BD59-A6C34878D82A}">
+                    <a16:rowId xmlns:a16="http://schemas.microsoft.com/office/drawing/2014/main" val="4281092148"/>
+                  </a:ext>
+                </a:extLst>
+              </a:tr>
+              <a:tr h="370840">
+                <a:tc>
+                  <a:txBody>
+                    <a:bodyPr/>
+                    <a:lstStyle/>
+                    <a:p>
+                      <a:endParaRPr lang="zh-CN" altLang="en-US"/>
+                    </a:p>
+                  </a:txBody>
+                  <a:tcPr>
+                    <a:lnL w="12700" cap="flat" cmpd="sng" algn="ctr">
+                      <a:noFill/>
+                      <a:prstDash val="solid"/>
+                      <a:round/>
+                      <a:headEnd type="none" w="med" len="med"/>
+                      <a:tailEnd type="none" w="med" len="med"/>
+                    </a:lnL>
+                    <a:lnR w="12700" cap="flat" cmpd="sng" algn="ctr">
+                      <a:solidFill>
+                        <a:schemeClr val="tx1"/>
+                      </a:solidFill>
+                      <a:prstDash val="solid"/>
+                      <a:round/>
+                      <a:headEnd type="none" w="med" len="med"/>
+                      <a:tailEnd type="none" w="med" len="med"/>
+                    </a:lnR>
+                    <a:lnT w="12700" cap="flat" cmpd="sng" algn="ctr">
+                      <a:solidFill>
+                        <a:schemeClr val="tx1"/>
+                      </a:solidFill>
+                      <a:prstDash val="solid"/>
+                      <a:round/>
+                      <a:headEnd type="none" w="med" len="med"/>
+                      <a:tailEnd type="none" w="med" len="med"/>
+                    </a:lnT>
+                    <a:lnB w="12700" cap="flat" cmpd="sng" algn="ctr">
+                      <a:noFill/>
+                      <a:prstDash val="solid"/>
+                      <a:round/>
+                      <a:headEnd type="none" w="med" len="med"/>
+                      <a:tailEnd type="none" w="med" len="med"/>
+                    </a:lnB>
+                    <a:noFill/>
+                  </a:tcPr>
+                </a:tc>
+                <a:tc>
+                  <a:txBody>
+                    <a:bodyPr/>
+                    <a:lstStyle/>
+                    <a:p>
+                      <a:endParaRPr lang="zh-CN" altLang="en-US"/>
+                    </a:p>
+                  </a:txBody>
+                  <a:tcPr>
+                    <a:lnL w="12700" cap="flat" cmpd="sng" algn="ctr">
+                      <a:solidFill>
+                        <a:schemeClr val="tx1"/>
+                      </a:solidFill>
+                      <a:prstDash val="solid"/>
+                      <a:round/>
+                      <a:headEnd type="none" w="med" len="med"/>
+                      <a:tailEnd type="none" w="med" len="med"/>
+                    </a:lnL>
+                    <a:lnR w="12700" cap="flat" cmpd="sng" algn="ctr">
+                      <a:solidFill>
+                        <a:schemeClr val="tx1"/>
+                      </a:solidFill>
+                      <a:prstDash val="solid"/>
+                      <a:round/>
+                      <a:headEnd type="none" w="med" len="med"/>
+                      <a:tailEnd type="none" w="med" len="med"/>
+                    </a:lnR>
+                    <a:lnT w="12700" cap="flat" cmpd="sng" algn="ctr">
+                      <a:solidFill>
+                        <a:schemeClr val="tx1"/>
+                      </a:solidFill>
+                      <a:prstDash val="solid"/>
+                      <a:round/>
+                      <a:headEnd type="none" w="med" len="med"/>
+                      <a:tailEnd type="none" w="med" len="med"/>
+                    </a:lnT>
+                    <a:lnB w="12700" cap="flat" cmpd="sng" algn="ctr">
+                      <a:noFill/>
+                      <a:prstDash val="solid"/>
+                      <a:round/>
+                      <a:headEnd type="none" w="med" len="med"/>
+                      <a:tailEnd type="none" w="med" len="med"/>
+                    </a:lnB>
+                    <a:noFill/>
+                  </a:tcPr>
+                </a:tc>
+                <a:tc>
+                  <a:txBody>
+                    <a:bodyPr/>
+                    <a:lstStyle/>
+                    <a:p>
+                      <a:endParaRPr lang="zh-CN" altLang="en-US"/>
+                    </a:p>
+                  </a:txBody>
+                  <a:tcPr>
+                    <a:lnL w="12700" cap="flat" cmpd="sng" algn="ctr">
+                      <a:solidFill>
+                        <a:schemeClr val="tx1"/>
+                      </a:solidFill>
+                      <a:prstDash val="solid"/>
+                      <a:round/>
+                      <a:headEnd type="none" w="med" len="med"/>
+                      <a:tailEnd type="none" w="med" len="med"/>
+                    </a:lnL>
+                    <a:lnR w="12700" cap="flat" cmpd="sng" algn="ctr">
+                      <a:solidFill>
+                        <a:schemeClr val="tx1"/>
+                      </a:solidFill>
+                      <a:prstDash val="solid"/>
+                      <a:round/>
+                      <a:headEnd type="none" w="med" len="med"/>
+                      <a:tailEnd type="none" w="med" len="med"/>
+                    </a:lnR>
+                    <a:lnT w="12700" cap="flat" cmpd="sng" algn="ctr">
+                      <a:solidFill>
+                        <a:schemeClr val="tx1"/>
+                      </a:solidFill>
+                      <a:prstDash val="solid"/>
+                      <a:round/>
+                      <a:headEnd type="none" w="med" len="med"/>
+                      <a:tailEnd type="none" w="med" len="med"/>
+                    </a:lnT>
+                    <a:lnB w="12700" cap="flat" cmpd="sng" algn="ctr">
+                      <a:noFill/>
+                      <a:prstDash val="solid"/>
+                      <a:round/>
+                      <a:headEnd type="none" w="med" len="med"/>
+                      <a:tailEnd type="none" w="med" len="med"/>
+                    </a:lnB>
+                    <a:noFill/>
+                  </a:tcPr>
+                </a:tc>
+                <a:tc>
+                  <a:txBody>
+                    <a:bodyPr/>
+                    <a:lstStyle/>
+                    <a:p>
+                      <a:endParaRPr lang="zh-CN" altLang="en-US"/>
+                    </a:p>
+                  </a:txBody>
+                  <a:tcPr>
+                    <a:lnL w="12700" cap="flat" cmpd="sng" algn="ctr">
+                      <a:solidFill>
+                        <a:schemeClr val="tx1"/>
+                      </a:solidFill>
+                      <a:prstDash val="solid"/>
+                      <a:round/>
+                      <a:headEnd type="none" w="med" len="med"/>
+                      <a:tailEnd type="none" w="med" len="med"/>
+                    </a:lnL>
+                    <a:lnR w="12700" cap="flat" cmpd="sng" algn="ctr">
+                      <a:solidFill>
+                        <a:schemeClr val="tx1"/>
+                      </a:solidFill>
+                      <a:prstDash val="solid"/>
+                      <a:round/>
+                      <a:headEnd type="none" w="med" len="med"/>
+                      <a:tailEnd type="none" w="med" len="med"/>
+                    </a:lnR>
+                    <a:lnT w="12700" cap="flat" cmpd="sng" algn="ctr">
+                      <a:solidFill>
+                        <a:schemeClr val="tx1"/>
+                      </a:solidFill>
+                      <a:prstDash val="solid"/>
+                      <a:round/>
+                      <a:headEnd type="none" w="med" len="med"/>
+                      <a:tailEnd type="none" w="med" len="med"/>
+                    </a:lnT>
+                    <a:lnB w="12700" cap="flat" cmpd="sng" algn="ctr">
+                      <a:noFill/>
+                      <a:prstDash val="solid"/>
+                      <a:round/>
+                      <a:headEnd type="none" w="med" len="med"/>
+                      <a:tailEnd type="none" w="med" len="med"/>
+                    </a:lnB>
+                    <a:noFill/>
+                  </a:tcPr>
+                </a:tc>
+                <a:tc>
+                  <a:txBody>
+                    <a:bodyPr/>
+                    <a:lstStyle/>
+                    <a:p>
+                      <a:endParaRPr lang="zh-CN" altLang="en-US"/>
+                    </a:p>
+                  </a:txBody>
+                  <a:tcPr>
+                    <a:lnL w="12700" cap="flat" cmpd="sng" algn="ctr">
+                      <a:solidFill>
+                        <a:schemeClr val="tx1"/>
+                      </a:solidFill>
+                      <a:prstDash val="solid"/>
+                      <a:round/>
+                      <a:headEnd type="none" w="med" len="med"/>
+                      <a:tailEnd type="none" w="med" len="med"/>
+                    </a:lnL>
+                    <a:lnR w="12700" cap="flat" cmpd="sng" algn="ctr">
+                      <a:solidFill>
+                        <a:schemeClr val="tx1"/>
+                      </a:solidFill>
+                      <a:prstDash val="solid"/>
+                      <a:round/>
+                      <a:headEnd type="none" w="med" len="med"/>
+                      <a:tailEnd type="none" w="med" len="med"/>
+                    </a:lnR>
+                    <a:lnT w="12700" cap="flat" cmpd="sng" algn="ctr">
+                      <a:solidFill>
+                        <a:schemeClr val="tx1"/>
+                      </a:solidFill>
+                      <a:prstDash val="solid"/>
+                      <a:round/>
+                      <a:headEnd type="none" w="med" len="med"/>
+                      <a:tailEnd type="none" w="med" len="med"/>
+                    </a:lnT>
+                    <a:lnB w="12700" cap="flat" cmpd="sng" algn="ctr">
+                      <a:noFill/>
+                      <a:prstDash val="solid"/>
+                      <a:round/>
+                      <a:headEnd type="none" w="med" len="med"/>
+                      <a:tailEnd type="none" w="med" len="med"/>
+                    </a:lnB>
+                    <a:noFill/>
+                  </a:tcPr>
+                </a:tc>
+                <a:tc>
+                  <a:txBody>
+                    <a:bodyPr/>
+                    <a:lstStyle/>
+                    <a:p>
+                      <a:endParaRPr lang="zh-CN" altLang="en-US"/>
+                    </a:p>
+                  </a:txBody>
+                  <a:tcPr>
+                    <a:lnL w="12700" cap="flat" cmpd="sng" algn="ctr">
+                      <a:solidFill>
+                        <a:schemeClr val="tx1"/>
+                      </a:solidFill>
+                      <a:prstDash val="solid"/>
+                      <a:round/>
+                      <a:headEnd type="none" w="med" len="med"/>
+                      <a:tailEnd type="none" w="med" len="med"/>
+                    </a:lnL>
+                    <a:lnR w="12700" cap="flat" cmpd="sng" algn="ctr">
+                      <a:solidFill>
+                        <a:schemeClr val="tx1"/>
+                      </a:solidFill>
+                      <a:prstDash val="solid"/>
+                      <a:round/>
+                      <a:headEnd type="none" w="med" len="med"/>
+                      <a:tailEnd type="none" w="med" len="med"/>
+                    </a:lnR>
+                    <a:lnT w="12700" cap="flat" cmpd="sng" algn="ctr">
+                      <a:solidFill>
+                        <a:schemeClr val="tx1"/>
+                      </a:solidFill>
+                      <a:prstDash val="solid"/>
+                      <a:round/>
+                      <a:headEnd type="none" w="med" len="med"/>
+                      <a:tailEnd type="none" w="med" len="med"/>
+                    </a:lnT>
+                    <a:lnB w="12700" cap="flat" cmpd="sng" algn="ctr">
+                      <a:noFill/>
+                      <a:prstDash val="solid"/>
+                      <a:round/>
+                      <a:headEnd type="none" w="med" len="med"/>
+                      <a:tailEnd type="none" w="med" len="med"/>
+                    </a:lnB>
+                    <a:noFill/>
+                  </a:tcPr>
+                </a:tc>
+                <a:tc>
+                  <a:txBody>
+                    <a:bodyPr/>
+                    <a:lstStyle/>
+                    <a:p>
+                      <a:endParaRPr lang="zh-CN" altLang="en-US" dirty="0"/>
+                    </a:p>
+                  </a:txBody>
+                  <a:tcPr>
+                    <a:lnL w="12700" cap="flat" cmpd="sng" algn="ctr">
+                      <a:solidFill>
+                        <a:schemeClr val="tx1"/>
+                      </a:solidFill>
+                      <a:prstDash val="solid"/>
+                      <a:round/>
+                      <a:headEnd type="none" w="med" len="med"/>
+                      <a:tailEnd type="none" w="med" len="med"/>
+                    </a:lnL>
+                    <a:lnR w="12700" cap="flat" cmpd="sng" algn="ctr">
+                      <a:solidFill>
+                        <a:schemeClr val="tx1"/>
+                      </a:solidFill>
+                      <a:prstDash val="solid"/>
+                      <a:round/>
+                      <a:headEnd type="none" w="med" len="med"/>
+                      <a:tailEnd type="none" w="med" len="med"/>
+                    </a:lnR>
+                    <a:lnT w="12700" cap="flat" cmpd="sng" algn="ctr">
+                      <a:solidFill>
+                        <a:schemeClr val="tx1"/>
+                      </a:solidFill>
+                      <a:prstDash val="solid"/>
+                      <a:round/>
+                      <a:headEnd type="none" w="med" len="med"/>
+                      <a:tailEnd type="none" w="med" len="med"/>
+                    </a:lnT>
+                    <a:lnB w="12700" cap="flat" cmpd="sng" algn="ctr">
+                      <a:noFill/>
+                      <a:prstDash val="solid"/>
+                      <a:round/>
+                      <a:headEnd type="none" w="med" len="med"/>
+                      <a:tailEnd type="none" w="med" len="med"/>
+                    </a:lnB>
+                    <a:noFill/>
+                  </a:tcPr>
+                </a:tc>
+                <a:tc>
+                  <a:txBody>
+                    <a:bodyPr/>
+                    <a:lstStyle/>
+                    <a:p>
+                      <a:endParaRPr lang="zh-CN" altLang="en-US" dirty="0"/>
+                    </a:p>
+                  </a:txBody>
+                  <a:tcPr>
+                    <a:lnL w="12700" cap="flat" cmpd="sng" algn="ctr">
+                      <a:solidFill>
+                        <a:schemeClr val="tx1"/>
+                      </a:solidFill>
+                      <a:prstDash val="solid"/>
+                      <a:round/>
+                      <a:headEnd type="none" w="med" len="med"/>
+                      <a:tailEnd type="none" w="med" len="med"/>
+                    </a:lnL>
+                    <a:lnR w="12700" cap="flat" cmpd="sng" algn="ctr">
+                      <a:noFill/>
+                      <a:prstDash val="solid"/>
+                      <a:round/>
+                      <a:headEnd type="none" w="med" len="med"/>
+                      <a:tailEnd type="none" w="med" len="med"/>
+                    </a:lnR>
+                    <a:lnT w="12700" cap="flat" cmpd="sng" algn="ctr">
+                      <a:solidFill>
+                        <a:schemeClr val="tx1"/>
+                      </a:solidFill>
+                      <a:prstDash val="solid"/>
+                      <a:round/>
+                      <a:headEnd type="none" w="med" len="med"/>
+                      <a:tailEnd type="none" w="med" len="med"/>
+                    </a:lnT>
+                    <a:lnB w="12700" cap="flat" cmpd="sng" algn="ctr">
+                      <a:noFill/>
+                      <a:prstDash val="solid"/>
+                      <a:round/>
+                      <a:headEnd type="none" w="med" len="med"/>
+                      <a:tailEnd type="none" w="med" len="med"/>
+                    </a:lnB>
+                    <a:noFill/>
+                  </a:tcPr>
+                </a:tc>
+                <a:extLst>
+                  <a:ext uri="{0D108BD9-81ED-4DB2-BD59-A6C34878D82A}">
+                    <a16:rowId xmlns:a16="http://schemas.microsoft.com/office/drawing/2014/main" val="1743143592"/>
+                  </a:ext>
+                </a:extLst>
+              </a:tr>
+            </a:tbl>
+          </a:graphicData>
+        </a:graphic>
+      </p:graphicFrame>
+      <p:sp>
+        <p:nvSpPr>
+          <p:cNvPr id="5" name="椭圆 4">
+            <a:extLst>
+              <a:ext uri="{FF2B5EF4-FFF2-40B4-BE49-F238E27FC236}">
+                <a16:creationId xmlns:a16="http://schemas.microsoft.com/office/drawing/2014/main" id="{E157C2D7-C976-4735-879F-113F056CC7B2}"/>
+              </a:ext>
+            </a:extLst>
+          </p:cNvPr>
+          <p:cNvSpPr/>
+          <p:nvPr/>
+        </p:nvSpPr>
+        <p:spPr>
+          <a:xfrm>
+            <a:off x="5750560" y="2286000"/>
+            <a:ext cx="180000" cy="180000"/>
+          </a:xfrm>
+          <a:prstGeom prst="ellipse">
+            <a:avLst/>
+          </a:prstGeom>
+          <a:solidFill>
+            <a:schemeClr val="tx1"/>
+          </a:solidFill>
+          <a:ln>
+            <a:solidFill>
+              <a:schemeClr val="tx1"/>
+            </a:solidFill>
+          </a:ln>
+        </p:spPr>
+        <p:style>
+          <a:lnRef idx="2">
+            <a:schemeClr val="accent1">
+              <a:shade val="50000"/>
+            </a:schemeClr>
+          </a:lnRef>
+          <a:fillRef idx="1">
+            <a:schemeClr val="accent1"/>
+          </a:fillRef>
+          <a:effectRef idx="0">
+            <a:schemeClr val="accent1"/>
+          </a:effectRef>
+          <a:fontRef idx="minor">
+            <a:schemeClr val="lt1"/>
+          </a:fontRef>
+        </p:style>
+        <p:txBody>
+          <a:bodyPr rtlCol="0" anchor="ctr"/>
+          <a:lstStyle/>
+          <a:p>
+            <a:pPr algn="ctr"/>
+            <a:endParaRPr lang="zh-CN" altLang="en-US"/>
+          </a:p>
+        </p:txBody>
+      </p:sp>
+      <p:sp>
+        <p:nvSpPr>
+          <p:cNvPr id="6" name="椭圆 5">
+            <a:extLst>
+              <a:ext uri="{FF2B5EF4-FFF2-40B4-BE49-F238E27FC236}">
+                <a16:creationId xmlns:a16="http://schemas.microsoft.com/office/drawing/2014/main" id="{BD08B252-6414-42C7-A6AD-069F99803514}"/>
+              </a:ext>
+            </a:extLst>
+          </p:cNvPr>
+          <p:cNvSpPr/>
+          <p:nvPr/>
+        </p:nvSpPr>
+        <p:spPr>
+          <a:xfrm>
+            <a:off x="5750560" y="1913890"/>
+            <a:ext cx="180000" cy="180000"/>
+          </a:xfrm>
+          <a:prstGeom prst="ellipse">
+            <a:avLst/>
+          </a:prstGeom>
+          <a:solidFill>
+            <a:schemeClr val="bg1"/>
+          </a:solidFill>
+          <a:ln>
+            <a:solidFill>
+              <a:schemeClr val="tx1"/>
+            </a:solidFill>
+          </a:ln>
+        </p:spPr>
+        <p:style>
+          <a:lnRef idx="2">
+            <a:schemeClr val="accent1">
+              <a:shade val="50000"/>
+            </a:schemeClr>
+          </a:lnRef>
+          <a:fillRef idx="1">
+            <a:schemeClr val="accent1"/>
+          </a:fillRef>
+          <a:effectRef idx="0">
+            <a:schemeClr val="accent1"/>
+          </a:effectRef>
+          <a:fontRef idx="minor">
+            <a:schemeClr val="lt1"/>
+          </a:fontRef>
+        </p:style>
+        <p:txBody>
+          <a:bodyPr rtlCol="0" anchor="ctr"/>
+          <a:lstStyle/>
+          <a:p>
+            <a:pPr algn="ctr"/>
+            <a:endParaRPr lang="zh-CN" altLang="en-US"/>
+          </a:p>
+        </p:txBody>
+      </p:sp>
+      <p:sp>
+        <p:nvSpPr>
+          <p:cNvPr id="7" name="椭圆 6">
+            <a:extLst>
+              <a:ext uri="{FF2B5EF4-FFF2-40B4-BE49-F238E27FC236}">
+                <a16:creationId xmlns:a16="http://schemas.microsoft.com/office/drawing/2014/main" id="{BA892628-E82F-4F03-B832-289150A0F971}"/>
+              </a:ext>
+            </a:extLst>
+          </p:cNvPr>
+          <p:cNvSpPr/>
+          <p:nvPr/>
+        </p:nvSpPr>
+        <p:spPr>
+          <a:xfrm>
+            <a:off x="6171442" y="2286000"/>
+            <a:ext cx="180000" cy="180000"/>
+          </a:xfrm>
+          <a:prstGeom prst="ellipse">
+            <a:avLst/>
+          </a:prstGeom>
+          <a:solidFill>
+            <a:schemeClr val="bg1"/>
+          </a:solidFill>
+          <a:ln>
+            <a:solidFill>
+              <a:schemeClr val="tx1"/>
+            </a:solidFill>
+          </a:ln>
+        </p:spPr>
+        <p:style>
+          <a:lnRef idx="2">
+            <a:schemeClr val="accent1">
+              <a:shade val="50000"/>
+            </a:schemeClr>
+          </a:lnRef>
+          <a:fillRef idx="1">
+            <a:schemeClr val="accent1"/>
+          </a:fillRef>
+          <a:effectRef idx="0">
+            <a:schemeClr val="accent1"/>
+          </a:effectRef>
+          <a:fontRef idx="minor">
+            <a:schemeClr val="lt1"/>
+          </a:fontRef>
+        </p:style>
+        <p:txBody>
+          <a:bodyPr rtlCol="0" anchor="ctr"/>
+          <a:lstStyle/>
+          <a:p>
+            <a:pPr algn="ctr"/>
+            <a:endParaRPr lang="zh-CN" altLang="en-US"/>
+          </a:p>
+        </p:txBody>
+      </p:sp>
+      <p:sp>
+        <p:nvSpPr>
+          <p:cNvPr id="8" name="椭圆 7">
+            <a:extLst>
+              <a:ext uri="{FF2B5EF4-FFF2-40B4-BE49-F238E27FC236}">
+                <a16:creationId xmlns:a16="http://schemas.microsoft.com/office/drawing/2014/main" id="{30F11525-4F04-4C63-B57E-59AA15FCCE58}"/>
+              </a:ext>
+            </a:extLst>
+          </p:cNvPr>
+          <p:cNvSpPr/>
+          <p:nvPr/>
+        </p:nvSpPr>
+        <p:spPr>
+          <a:xfrm>
+            <a:off x="6171442" y="1913890"/>
+            <a:ext cx="180000" cy="180000"/>
+          </a:xfrm>
+          <a:prstGeom prst="ellipse">
+            <a:avLst/>
+          </a:prstGeom>
+          <a:solidFill>
+            <a:schemeClr val="bg1"/>
+          </a:solidFill>
+          <a:ln>
+            <a:solidFill>
+              <a:schemeClr val="tx1"/>
+            </a:solidFill>
+          </a:ln>
+        </p:spPr>
+        <p:style>
+          <a:lnRef idx="2">
+            <a:schemeClr val="accent1">
+              <a:shade val="50000"/>
+            </a:schemeClr>
+          </a:lnRef>
+          <a:fillRef idx="1">
+            <a:schemeClr val="accent1"/>
+          </a:fillRef>
+          <a:effectRef idx="0">
+            <a:schemeClr val="accent1"/>
+          </a:effectRef>
+          <a:fontRef idx="minor">
+            <a:schemeClr val="lt1"/>
+          </a:fontRef>
+        </p:style>
+        <p:txBody>
+          <a:bodyPr rtlCol="0" anchor="ctr"/>
+          <a:lstStyle/>
+          <a:p>
+            <a:pPr algn="ctr"/>
+            <a:endParaRPr lang="zh-CN" altLang="en-US"/>
+          </a:p>
+        </p:txBody>
+      </p:sp>
+      <p:sp>
+        <p:nvSpPr>
+          <p:cNvPr id="9" name="椭圆 8">
+            <a:extLst>
+              <a:ext uri="{FF2B5EF4-FFF2-40B4-BE49-F238E27FC236}">
+                <a16:creationId xmlns:a16="http://schemas.microsoft.com/office/drawing/2014/main" id="{680CA3A0-CC8A-4958-BA31-2DB6420F7D5F}"/>
+              </a:ext>
+            </a:extLst>
+          </p:cNvPr>
+          <p:cNvSpPr/>
+          <p:nvPr/>
+        </p:nvSpPr>
+        <p:spPr>
+          <a:xfrm>
+            <a:off x="5329678" y="1913890"/>
+            <a:ext cx="180000" cy="180000"/>
+          </a:xfrm>
+          <a:prstGeom prst="ellipse">
+            <a:avLst/>
+          </a:prstGeom>
+          <a:solidFill>
+            <a:schemeClr val="bg1"/>
+          </a:solidFill>
+          <a:ln>
+            <a:solidFill>
+              <a:schemeClr val="tx1"/>
+            </a:solidFill>
+          </a:ln>
+        </p:spPr>
+        <p:style>
+          <a:lnRef idx="2">
+            <a:schemeClr val="accent1">
+              <a:shade val="50000"/>
+            </a:schemeClr>
+          </a:lnRef>
+          <a:fillRef idx="1">
+            <a:schemeClr val="accent1"/>
+          </a:fillRef>
+          <a:effectRef idx="0">
+            <a:schemeClr val="accent1"/>
+          </a:effectRef>
+          <a:fontRef idx="minor">
+            <a:schemeClr val="lt1"/>
+          </a:fontRef>
+        </p:style>
+        <p:txBody>
+          <a:bodyPr rtlCol="0" anchor="ctr"/>
+          <a:lstStyle/>
+          <a:p>
+            <a:pPr algn="ctr"/>
+            <a:endParaRPr lang="zh-CN" altLang="en-US"/>
+          </a:p>
+        </p:txBody>
+      </p:sp>
+      <p:sp>
+        <p:nvSpPr>
+          <p:cNvPr id="10" name="椭圆 9">
+            <a:extLst>
+              <a:ext uri="{FF2B5EF4-FFF2-40B4-BE49-F238E27FC236}">
+                <a16:creationId xmlns:a16="http://schemas.microsoft.com/office/drawing/2014/main" id="{17D3C11A-CA17-4C76-A671-26F72C857CFD}"/>
+              </a:ext>
+            </a:extLst>
+          </p:cNvPr>
+          <p:cNvSpPr/>
+          <p:nvPr/>
+        </p:nvSpPr>
+        <p:spPr>
+          <a:xfrm>
+            <a:off x="5329678" y="2286000"/>
+            <a:ext cx="180000" cy="180000"/>
+          </a:xfrm>
+          <a:prstGeom prst="ellipse">
+            <a:avLst/>
+          </a:prstGeom>
+          <a:solidFill>
+            <a:schemeClr val="bg1"/>
+          </a:solidFill>
+          <a:ln>
+            <a:solidFill>
+              <a:schemeClr val="tx1"/>
+            </a:solidFill>
+          </a:ln>
+        </p:spPr>
+        <p:style>
+          <a:lnRef idx="2">
+            <a:schemeClr val="accent1">
+              <a:shade val="50000"/>
+            </a:schemeClr>
+          </a:lnRef>
+          <a:fillRef idx="1">
+            <a:schemeClr val="accent1"/>
+          </a:fillRef>
+          <a:effectRef idx="0">
+            <a:schemeClr val="accent1"/>
+          </a:effectRef>
+          <a:fontRef idx="minor">
+            <a:schemeClr val="lt1"/>
+          </a:fontRef>
+        </p:style>
+        <p:txBody>
+          <a:bodyPr rtlCol="0" anchor="ctr"/>
+          <a:lstStyle/>
+          <a:p>
+            <a:pPr algn="ctr"/>
+            <a:endParaRPr lang="zh-CN" altLang="en-US"/>
+          </a:p>
+        </p:txBody>
+      </p:sp>
+      <p:sp>
+        <p:nvSpPr>
+          <p:cNvPr id="11" name="椭圆 10">
+            <a:extLst>
+              <a:ext uri="{FF2B5EF4-FFF2-40B4-BE49-F238E27FC236}">
+                <a16:creationId xmlns:a16="http://schemas.microsoft.com/office/drawing/2014/main" id="{C49827A6-AB72-46E0-BCB4-91485CE6662D}"/>
+              </a:ext>
+            </a:extLst>
+          </p:cNvPr>
+          <p:cNvSpPr/>
+          <p:nvPr/>
+        </p:nvSpPr>
+        <p:spPr>
+          <a:xfrm>
+            <a:off x="5329678" y="2658110"/>
+            <a:ext cx="180000" cy="180000"/>
+          </a:xfrm>
+          <a:prstGeom prst="ellipse">
+            <a:avLst/>
+          </a:prstGeom>
+          <a:solidFill>
+            <a:schemeClr val="bg1"/>
+          </a:solidFill>
+          <a:ln>
+            <a:solidFill>
+              <a:schemeClr val="tx1"/>
+            </a:solidFill>
+          </a:ln>
+        </p:spPr>
+        <p:style>
+          <a:lnRef idx="2">
+            <a:schemeClr val="accent1">
+              <a:shade val="50000"/>
+            </a:schemeClr>
+          </a:lnRef>
+          <a:fillRef idx="1">
+            <a:schemeClr val="accent1"/>
+          </a:fillRef>
+          <a:effectRef idx="0">
+            <a:schemeClr val="accent1"/>
+          </a:effectRef>
+          <a:fontRef idx="minor">
+            <a:schemeClr val="lt1"/>
+          </a:fontRef>
+        </p:style>
+        <p:txBody>
+          <a:bodyPr rtlCol="0" anchor="ctr"/>
+          <a:lstStyle/>
+          <a:p>
+            <a:pPr algn="ctr"/>
+            <a:endParaRPr lang="zh-CN" altLang="en-US"/>
+          </a:p>
+        </p:txBody>
+      </p:sp>
+      <p:sp>
+        <p:nvSpPr>
+          <p:cNvPr id="12" name="椭圆 11">
+            <a:extLst>
+              <a:ext uri="{FF2B5EF4-FFF2-40B4-BE49-F238E27FC236}">
+                <a16:creationId xmlns:a16="http://schemas.microsoft.com/office/drawing/2014/main" id="{D39F66C6-D2D7-445E-A57A-031F38AAB8F7}"/>
+              </a:ext>
+            </a:extLst>
+          </p:cNvPr>
+          <p:cNvSpPr/>
+          <p:nvPr/>
+        </p:nvSpPr>
+        <p:spPr>
+          <a:xfrm>
+            <a:off x="5745101" y="2658110"/>
+            <a:ext cx="180000" cy="180000"/>
+          </a:xfrm>
+          <a:prstGeom prst="ellipse">
+            <a:avLst/>
+          </a:prstGeom>
+          <a:solidFill>
+            <a:schemeClr val="bg1"/>
+          </a:solidFill>
+          <a:ln>
+            <a:solidFill>
+              <a:schemeClr val="tx1"/>
+            </a:solidFill>
+          </a:ln>
+        </p:spPr>
+        <p:style>
+          <a:lnRef idx="2">
+            <a:schemeClr val="accent1">
+              <a:shade val="50000"/>
+            </a:schemeClr>
+          </a:lnRef>
+          <a:fillRef idx="1">
+            <a:schemeClr val="accent1"/>
+          </a:fillRef>
+          <a:effectRef idx="0">
+            <a:schemeClr val="accent1"/>
+          </a:effectRef>
+          <a:fontRef idx="minor">
+            <a:schemeClr val="lt1"/>
+          </a:fontRef>
+        </p:style>
+        <p:txBody>
+          <a:bodyPr rtlCol="0" anchor="ctr"/>
+          <a:lstStyle/>
+          <a:p>
+            <a:pPr algn="ctr"/>
+            <a:endParaRPr lang="zh-CN" altLang="en-US"/>
+          </a:p>
+        </p:txBody>
+      </p:sp>
+      <p:sp>
+        <p:nvSpPr>
+          <p:cNvPr id="13" name="椭圆 12">
+            <a:extLst>
+              <a:ext uri="{FF2B5EF4-FFF2-40B4-BE49-F238E27FC236}">
+                <a16:creationId xmlns:a16="http://schemas.microsoft.com/office/drawing/2014/main" id="{D8011125-6589-4722-9202-A5D4D5102E16}"/>
+              </a:ext>
+            </a:extLst>
+          </p:cNvPr>
+          <p:cNvSpPr/>
+          <p:nvPr/>
+        </p:nvSpPr>
+        <p:spPr>
+          <a:xfrm>
+            <a:off x="6171442" y="2658110"/>
+            <a:ext cx="180000" cy="180000"/>
+          </a:xfrm>
+          <a:prstGeom prst="ellipse">
+            <a:avLst/>
+          </a:prstGeom>
+          <a:solidFill>
+            <a:schemeClr val="bg1"/>
+          </a:solidFill>
+          <a:ln>
+            <a:solidFill>
+              <a:schemeClr val="tx1"/>
+            </a:solidFill>
+          </a:ln>
+        </p:spPr>
+        <p:style>
+          <a:lnRef idx="2">
+            <a:schemeClr val="accent1">
+              <a:shade val="50000"/>
+            </a:schemeClr>
+          </a:lnRef>
+          <a:fillRef idx="1">
+            <a:schemeClr val="accent1"/>
+          </a:fillRef>
+          <a:effectRef idx="0">
+            <a:schemeClr val="accent1"/>
+          </a:effectRef>
+          <a:fontRef idx="minor">
+            <a:schemeClr val="lt1"/>
+          </a:fontRef>
+        </p:style>
+        <p:txBody>
+          <a:bodyPr rtlCol="0" anchor="ctr"/>
+          <a:lstStyle/>
+          <a:p>
+            <a:pPr algn="ctr"/>
+            <a:endParaRPr lang="zh-CN" altLang="en-US"/>
+          </a:p>
+        </p:txBody>
+      </p:sp>
+      <p:sp>
+        <p:nvSpPr>
+          <p:cNvPr id="14" name="椭圆 13">
+            <a:extLst>
+              <a:ext uri="{FF2B5EF4-FFF2-40B4-BE49-F238E27FC236}">
+                <a16:creationId xmlns:a16="http://schemas.microsoft.com/office/drawing/2014/main" id="{5014A048-DC6F-4F91-A0E2-25D97750871C}"/>
+              </a:ext>
+            </a:extLst>
+          </p:cNvPr>
+          <p:cNvSpPr/>
+          <p:nvPr/>
+        </p:nvSpPr>
+        <p:spPr>
+          <a:xfrm>
+            <a:off x="5750181" y="1169924"/>
+            <a:ext cx="180000" cy="180000"/>
+          </a:xfrm>
+          <a:prstGeom prst="ellipse">
+            <a:avLst/>
+          </a:prstGeom>
+          <a:solidFill>
+            <a:srgbClr val="00B0F0"/>
+          </a:solidFill>
+          <a:ln>
+            <a:solidFill>
+              <a:schemeClr val="tx1"/>
+            </a:solidFill>
+          </a:ln>
+        </p:spPr>
+        <p:style>
+          <a:lnRef idx="2">
+            <a:schemeClr val="accent1">
+              <a:shade val="50000"/>
+            </a:schemeClr>
+          </a:lnRef>
+          <a:fillRef idx="1">
+            <a:schemeClr val="accent1"/>
+          </a:fillRef>
+          <a:effectRef idx="0">
+            <a:schemeClr val="accent1"/>
+          </a:effectRef>
+          <a:fontRef idx="minor">
+            <a:schemeClr val="lt1"/>
+          </a:fontRef>
+        </p:style>
+        <p:txBody>
+          <a:bodyPr rtlCol="0" anchor="ctr"/>
+          <a:lstStyle/>
+          <a:p>
+            <a:pPr algn="ctr"/>
+            <a:endParaRPr lang="zh-CN" altLang="en-US"/>
+          </a:p>
+        </p:txBody>
+      </p:sp>
+      <p:sp>
+        <p:nvSpPr>
+          <p:cNvPr id="15" name="椭圆 14">
+            <a:extLst>
+              <a:ext uri="{FF2B5EF4-FFF2-40B4-BE49-F238E27FC236}">
+                <a16:creationId xmlns:a16="http://schemas.microsoft.com/office/drawing/2014/main" id="{E478AB4B-0D12-49A1-8599-6785D0F4E96C}"/>
+              </a:ext>
+            </a:extLst>
+          </p:cNvPr>
+          <p:cNvSpPr/>
+          <p:nvPr/>
+        </p:nvSpPr>
+        <p:spPr>
+          <a:xfrm>
+            <a:off x="6603621" y="1535684"/>
+            <a:ext cx="180000" cy="180000"/>
+          </a:xfrm>
+          <a:prstGeom prst="ellipse">
+            <a:avLst/>
+          </a:prstGeom>
+          <a:solidFill>
+            <a:srgbClr val="00B0F0"/>
+          </a:solidFill>
+          <a:ln>
+            <a:solidFill>
+              <a:schemeClr val="tx1"/>
+            </a:solidFill>
+          </a:ln>
+        </p:spPr>
+        <p:style>
+          <a:lnRef idx="2">
+            <a:schemeClr val="accent1">
+              <a:shade val="50000"/>
+            </a:schemeClr>
+          </a:lnRef>
+          <a:fillRef idx="1">
+            <a:schemeClr val="accent1"/>
+          </a:fillRef>
+          <a:effectRef idx="0">
+            <a:schemeClr val="accent1"/>
+          </a:effectRef>
+          <a:fontRef idx="minor">
+            <a:schemeClr val="lt1"/>
+          </a:fontRef>
+        </p:style>
+        <p:txBody>
+          <a:bodyPr rtlCol="0" anchor="ctr"/>
+          <a:lstStyle/>
+          <a:p>
+            <a:pPr algn="ctr"/>
+            <a:endParaRPr lang="zh-CN" altLang="en-US"/>
+          </a:p>
+        </p:txBody>
+      </p:sp>
+      <p:sp>
+        <p:nvSpPr>
+          <p:cNvPr id="16" name="椭圆 15">
+            <a:extLst>
+              <a:ext uri="{FF2B5EF4-FFF2-40B4-BE49-F238E27FC236}">
+                <a16:creationId xmlns:a16="http://schemas.microsoft.com/office/drawing/2014/main" id="{9F7B06C7-F3C3-4F2A-BF56-244A3B87B065}"/>
+              </a:ext>
+            </a:extLst>
+          </p:cNvPr>
+          <p:cNvSpPr/>
+          <p:nvPr/>
+        </p:nvSpPr>
+        <p:spPr>
+          <a:xfrm>
+            <a:off x="7030341" y="2286000"/>
+            <a:ext cx="180000" cy="180000"/>
+          </a:xfrm>
+          <a:prstGeom prst="ellipse">
+            <a:avLst/>
+          </a:prstGeom>
+          <a:solidFill>
+            <a:srgbClr val="00B0F0"/>
+          </a:solidFill>
+          <a:ln>
+            <a:solidFill>
+              <a:schemeClr val="tx1"/>
+            </a:solidFill>
+          </a:ln>
+        </p:spPr>
+        <p:style>
+          <a:lnRef idx="2">
+            <a:schemeClr val="accent1">
+              <a:shade val="50000"/>
+            </a:schemeClr>
+          </a:lnRef>
+          <a:fillRef idx="1">
+            <a:schemeClr val="accent1"/>
+          </a:fillRef>
+          <a:effectRef idx="0">
+            <a:schemeClr val="accent1"/>
+          </a:effectRef>
+          <a:fontRef idx="minor">
+            <a:schemeClr val="lt1"/>
+          </a:fontRef>
+        </p:style>
+        <p:txBody>
+          <a:bodyPr rtlCol="0" anchor="ctr"/>
+          <a:lstStyle/>
+          <a:p>
+            <a:pPr algn="ctr"/>
+            <a:endParaRPr lang="zh-CN" altLang="en-US"/>
+          </a:p>
+        </p:txBody>
+      </p:sp>
+      <p:sp>
+        <p:nvSpPr>
+          <p:cNvPr id="17" name="椭圆 16">
+            <a:extLst>
+              <a:ext uri="{FF2B5EF4-FFF2-40B4-BE49-F238E27FC236}">
+                <a16:creationId xmlns:a16="http://schemas.microsoft.com/office/drawing/2014/main" id="{5E8790DA-92B1-4249-A2EF-610BEC036B56}"/>
+              </a:ext>
+            </a:extLst>
+          </p:cNvPr>
+          <p:cNvSpPr/>
+          <p:nvPr/>
+        </p:nvSpPr>
+        <p:spPr>
+          <a:xfrm>
+            <a:off x="6603621" y="3019044"/>
+            <a:ext cx="180000" cy="180000"/>
+          </a:xfrm>
+          <a:prstGeom prst="ellipse">
+            <a:avLst/>
+          </a:prstGeom>
+          <a:solidFill>
+            <a:srgbClr val="00B0F0"/>
+          </a:solidFill>
+          <a:ln>
+            <a:solidFill>
+              <a:schemeClr val="tx1"/>
+            </a:solidFill>
+          </a:ln>
+        </p:spPr>
+        <p:style>
+          <a:lnRef idx="2">
+            <a:schemeClr val="accent1">
+              <a:shade val="50000"/>
+            </a:schemeClr>
+          </a:lnRef>
+          <a:fillRef idx="1">
+            <a:schemeClr val="accent1"/>
+          </a:fillRef>
+          <a:effectRef idx="0">
+            <a:schemeClr val="accent1"/>
+          </a:effectRef>
+          <a:fontRef idx="minor">
+            <a:schemeClr val="lt1"/>
+          </a:fontRef>
+        </p:style>
+        <p:txBody>
+          <a:bodyPr rtlCol="0" anchor="ctr"/>
+          <a:lstStyle/>
+          <a:p>
+            <a:pPr algn="ctr"/>
+            <a:endParaRPr lang="zh-CN" altLang="en-US"/>
+          </a:p>
+        </p:txBody>
+      </p:sp>
+      <p:sp>
+        <p:nvSpPr>
+          <p:cNvPr id="18" name="椭圆 17">
+            <a:extLst>
+              <a:ext uri="{FF2B5EF4-FFF2-40B4-BE49-F238E27FC236}">
+                <a16:creationId xmlns:a16="http://schemas.microsoft.com/office/drawing/2014/main" id="{0DFFB2A5-0319-44BB-B3F9-1BDC641CDFCA}"/>
+              </a:ext>
+            </a:extLst>
+          </p:cNvPr>
+          <p:cNvSpPr/>
+          <p:nvPr/>
+        </p:nvSpPr>
+        <p:spPr>
+          <a:xfrm>
+            <a:off x="4891661" y="1535684"/>
+            <a:ext cx="180000" cy="180000"/>
+          </a:xfrm>
+          <a:prstGeom prst="ellipse">
+            <a:avLst/>
+          </a:prstGeom>
+          <a:solidFill>
+            <a:srgbClr val="00B0F0"/>
+          </a:solidFill>
+          <a:ln>
+            <a:solidFill>
+              <a:schemeClr val="tx1"/>
+            </a:solidFill>
+          </a:ln>
+        </p:spPr>
+        <p:style>
+          <a:lnRef idx="2">
+            <a:schemeClr val="accent1">
+              <a:shade val="50000"/>
+            </a:schemeClr>
+          </a:lnRef>
+          <a:fillRef idx="1">
+            <a:schemeClr val="accent1"/>
+          </a:fillRef>
+          <a:effectRef idx="0">
+            <a:schemeClr val="accent1"/>
+          </a:effectRef>
+          <a:fontRef idx="minor">
+            <a:schemeClr val="lt1"/>
+          </a:fontRef>
+        </p:style>
+        <p:txBody>
+          <a:bodyPr rtlCol="0" anchor="ctr"/>
+          <a:lstStyle/>
+          <a:p>
+            <a:pPr algn="ctr"/>
+            <a:endParaRPr lang="zh-CN" altLang="en-US"/>
+          </a:p>
+        </p:txBody>
+      </p:sp>
+      <p:sp>
+        <p:nvSpPr>
+          <p:cNvPr id="19" name="椭圆 18">
+            <a:extLst>
+              <a:ext uri="{FF2B5EF4-FFF2-40B4-BE49-F238E27FC236}">
+                <a16:creationId xmlns:a16="http://schemas.microsoft.com/office/drawing/2014/main" id="{FD1FE250-51E3-40C4-95E9-14897F800FAE}"/>
+              </a:ext>
+            </a:extLst>
+          </p:cNvPr>
+          <p:cNvSpPr/>
+          <p:nvPr/>
+        </p:nvSpPr>
+        <p:spPr>
+          <a:xfrm>
+            <a:off x="4462399" y="2286000"/>
+            <a:ext cx="180000" cy="180000"/>
+          </a:xfrm>
+          <a:prstGeom prst="ellipse">
+            <a:avLst/>
+          </a:prstGeom>
+          <a:solidFill>
+            <a:srgbClr val="00B0F0"/>
+          </a:solidFill>
+          <a:ln>
+            <a:solidFill>
+              <a:schemeClr val="tx1"/>
+            </a:solidFill>
+          </a:ln>
+        </p:spPr>
+        <p:style>
+          <a:lnRef idx="2">
+            <a:schemeClr val="accent1">
+              <a:shade val="50000"/>
+            </a:schemeClr>
+          </a:lnRef>
+          <a:fillRef idx="1">
+            <a:schemeClr val="accent1"/>
+          </a:fillRef>
+          <a:effectRef idx="0">
+            <a:schemeClr val="accent1"/>
+          </a:effectRef>
+          <a:fontRef idx="minor">
+            <a:schemeClr val="lt1"/>
+          </a:fontRef>
+        </p:style>
+        <p:txBody>
+          <a:bodyPr rtlCol="0" anchor="ctr"/>
+          <a:lstStyle/>
+          <a:p>
+            <a:pPr algn="ctr"/>
+            <a:endParaRPr lang="zh-CN" altLang="en-US"/>
+          </a:p>
+        </p:txBody>
+      </p:sp>
+      <p:sp>
+        <p:nvSpPr>
+          <p:cNvPr id="20" name="椭圆 19">
+            <a:extLst>
+              <a:ext uri="{FF2B5EF4-FFF2-40B4-BE49-F238E27FC236}">
+                <a16:creationId xmlns:a16="http://schemas.microsoft.com/office/drawing/2014/main" id="{4651AFDC-C2DE-4D37-9FB7-5EE0EF5E2BBE}"/>
+              </a:ext>
+            </a:extLst>
+          </p:cNvPr>
+          <p:cNvSpPr/>
+          <p:nvPr/>
+        </p:nvSpPr>
+        <p:spPr>
+          <a:xfrm>
+            <a:off x="4891661" y="3019044"/>
+            <a:ext cx="180000" cy="180000"/>
+          </a:xfrm>
+          <a:prstGeom prst="ellipse">
+            <a:avLst/>
+          </a:prstGeom>
+          <a:solidFill>
+            <a:srgbClr val="00B0F0"/>
+          </a:solidFill>
+          <a:ln>
+            <a:solidFill>
+              <a:schemeClr val="tx1"/>
+            </a:solidFill>
+          </a:ln>
+        </p:spPr>
+        <p:style>
+          <a:lnRef idx="2">
+            <a:schemeClr val="accent1">
+              <a:shade val="50000"/>
+            </a:schemeClr>
+          </a:lnRef>
+          <a:fillRef idx="1">
+            <a:schemeClr val="accent1"/>
+          </a:fillRef>
+          <a:effectRef idx="0">
+            <a:schemeClr val="accent1"/>
+          </a:effectRef>
+          <a:fontRef idx="minor">
+            <a:schemeClr val="lt1"/>
+          </a:fontRef>
+        </p:style>
+        <p:txBody>
+          <a:bodyPr rtlCol="0" anchor="ctr"/>
+          <a:lstStyle/>
+          <a:p>
+            <a:pPr algn="ctr"/>
+            <a:endParaRPr lang="zh-CN" altLang="en-US"/>
+          </a:p>
+        </p:txBody>
+      </p:sp>
+      <p:sp>
+        <p:nvSpPr>
+          <p:cNvPr id="21" name="椭圆 20">
+            <a:extLst>
+              <a:ext uri="{FF2B5EF4-FFF2-40B4-BE49-F238E27FC236}">
+                <a16:creationId xmlns:a16="http://schemas.microsoft.com/office/drawing/2014/main" id="{B846E78E-0CCB-4BD2-AA8C-C6CC2D4AAD46}"/>
+              </a:ext>
+            </a:extLst>
+          </p:cNvPr>
+          <p:cNvSpPr/>
+          <p:nvPr/>
+        </p:nvSpPr>
+        <p:spPr>
+          <a:xfrm>
+            <a:off x="5745101" y="3429000"/>
+            <a:ext cx="180000" cy="180000"/>
+          </a:xfrm>
+          <a:prstGeom prst="ellipse">
+            <a:avLst/>
+          </a:prstGeom>
+          <a:solidFill>
+            <a:srgbClr val="00B0F0"/>
+          </a:solidFill>
+          <a:ln>
+            <a:solidFill>
+              <a:schemeClr val="tx1"/>
+            </a:solidFill>
+          </a:ln>
+        </p:spPr>
+        <p:style>
+          <a:lnRef idx="2">
+            <a:schemeClr val="accent1">
+              <a:shade val="50000"/>
+            </a:schemeClr>
+          </a:lnRef>
+          <a:fillRef idx="1">
+            <a:schemeClr val="accent1"/>
+          </a:fillRef>
+          <a:effectRef idx="0">
+            <a:schemeClr val="accent1"/>
+          </a:effectRef>
+          <a:fontRef idx="minor">
+            <a:schemeClr val="lt1"/>
+          </a:fontRef>
+        </p:style>
+        <p:txBody>
+          <a:bodyPr rtlCol="0" anchor="ctr"/>
+          <a:lstStyle/>
+          <a:p>
+            <a:pPr algn="ctr"/>
+            <a:endParaRPr lang="zh-CN" altLang="en-US"/>
+          </a:p>
+        </p:txBody>
+      </p:sp>
+      <p:cxnSp>
+        <p:nvCxnSpPr>
+          <p:cNvPr id="23" name="直接箭头连接符 22">
+            <a:extLst>
+              <a:ext uri="{FF2B5EF4-FFF2-40B4-BE49-F238E27FC236}">
+                <a16:creationId xmlns:a16="http://schemas.microsoft.com/office/drawing/2014/main" id="{2CC2D0F4-C0DC-4731-8E79-BB47D9D9B4E0}"/>
+              </a:ext>
+            </a:extLst>
+          </p:cNvPr>
+          <p:cNvCxnSpPr/>
+          <p:nvPr/>
+        </p:nvCxnSpPr>
+        <p:spPr>
+          <a:xfrm flipV="1">
+            <a:off x="6019800" y="897466"/>
+            <a:ext cx="0" cy="452458"/>
+          </a:xfrm>
+          <a:prstGeom prst="straightConnector1">
+            <a:avLst/>
+          </a:prstGeom>
+          <a:ln w="12700">
+            <a:solidFill>
+              <a:schemeClr val="tx1"/>
+            </a:solidFill>
+            <a:tailEnd type="triangle"/>
+          </a:ln>
+        </p:spPr>
+        <p:style>
+          <a:lnRef idx="1">
+            <a:schemeClr val="accent1"/>
+          </a:lnRef>
+          <a:fillRef idx="0">
+            <a:schemeClr val="accent1"/>
+          </a:fillRef>
+          <a:effectRef idx="0">
+            <a:schemeClr val="accent1"/>
+          </a:effectRef>
+          <a:fontRef idx="minor">
+            <a:schemeClr val="tx1"/>
+          </a:fontRef>
+        </p:style>
+      </p:cxnSp>
+      <p:cxnSp>
+        <p:nvCxnSpPr>
+          <p:cNvPr id="24" name="直接箭头连接符 23">
+            <a:extLst>
+              <a:ext uri="{FF2B5EF4-FFF2-40B4-BE49-F238E27FC236}">
+                <a16:creationId xmlns:a16="http://schemas.microsoft.com/office/drawing/2014/main" id="{FCFBC3DF-9DBA-41ED-B5D6-76AFF8E83504}"/>
+              </a:ext>
+            </a:extLst>
+          </p:cNvPr>
+          <p:cNvCxnSpPr>
+            <a:cxnSpLocks/>
+          </p:cNvCxnSpPr>
+          <p:nvPr/>
+        </p:nvCxnSpPr>
+        <p:spPr>
+          <a:xfrm flipV="1">
+            <a:off x="6693622" y="1535684"/>
+            <a:ext cx="426719" cy="300736"/>
+          </a:xfrm>
+          <a:prstGeom prst="straightConnector1">
+            <a:avLst/>
+          </a:prstGeom>
+          <a:ln w="12700">
+            <a:solidFill>
+              <a:schemeClr val="tx1"/>
+            </a:solidFill>
+            <a:tailEnd type="triangle"/>
+          </a:ln>
+        </p:spPr>
+        <p:style>
+          <a:lnRef idx="1">
+            <a:schemeClr val="accent1"/>
+          </a:lnRef>
+          <a:fillRef idx="0">
+            <a:schemeClr val="accent1"/>
+          </a:fillRef>
+          <a:effectRef idx="0">
+            <a:schemeClr val="accent1"/>
+          </a:effectRef>
+          <a:fontRef idx="minor">
+            <a:schemeClr val="tx1"/>
+          </a:fontRef>
+        </p:style>
+      </p:cxnSp>
+      <p:cxnSp>
+        <p:nvCxnSpPr>
+          <p:cNvPr id="27" name="直接箭头连接符 26">
+            <a:extLst>
+              <a:ext uri="{FF2B5EF4-FFF2-40B4-BE49-F238E27FC236}">
+                <a16:creationId xmlns:a16="http://schemas.microsoft.com/office/drawing/2014/main" id="{B4D02BFE-149C-4887-ADCF-D673D8E8B5C2}"/>
+              </a:ext>
+            </a:extLst>
+          </p:cNvPr>
+          <p:cNvCxnSpPr>
+            <a:cxnSpLocks/>
+          </p:cNvCxnSpPr>
+          <p:nvPr/>
+        </p:nvCxnSpPr>
+        <p:spPr>
+          <a:xfrm>
+            <a:off x="5669280" y="3429000"/>
+            <a:ext cx="0" cy="533400"/>
+          </a:xfrm>
+          <a:prstGeom prst="straightConnector1">
+            <a:avLst/>
+          </a:prstGeom>
+          <a:ln w="12700">
+            <a:solidFill>
+              <a:schemeClr val="tx1"/>
+            </a:solidFill>
+            <a:tailEnd type="triangle"/>
+          </a:ln>
+        </p:spPr>
+        <p:style>
+          <a:lnRef idx="1">
+            <a:schemeClr val="accent1"/>
+          </a:lnRef>
+          <a:fillRef idx="0">
+            <a:schemeClr val="accent1"/>
+          </a:fillRef>
+          <a:effectRef idx="0">
+            <a:schemeClr val="accent1"/>
+          </a:effectRef>
+          <a:fontRef idx="minor">
+            <a:schemeClr val="tx1"/>
+          </a:fontRef>
+        </p:style>
+      </p:cxnSp>
+      <p:cxnSp>
+        <p:nvCxnSpPr>
+          <p:cNvPr id="29" name="直接箭头连接符 28">
+            <a:extLst>
+              <a:ext uri="{FF2B5EF4-FFF2-40B4-BE49-F238E27FC236}">
+                <a16:creationId xmlns:a16="http://schemas.microsoft.com/office/drawing/2014/main" id="{635D5374-03D1-4055-99E2-7A4908A6FEDB}"/>
+              </a:ext>
+            </a:extLst>
+          </p:cNvPr>
+          <p:cNvCxnSpPr>
+            <a:cxnSpLocks/>
+          </p:cNvCxnSpPr>
+          <p:nvPr/>
+        </p:nvCxnSpPr>
+        <p:spPr>
+          <a:xfrm>
+            <a:off x="7015101" y="2575304"/>
+            <a:ext cx="460119" cy="0"/>
+          </a:xfrm>
+          <a:prstGeom prst="straightConnector1">
+            <a:avLst/>
+          </a:prstGeom>
+          <a:ln w="12700">
+            <a:solidFill>
+              <a:schemeClr val="tx1"/>
+            </a:solidFill>
+            <a:tailEnd type="triangle"/>
+          </a:ln>
+        </p:spPr>
+        <p:style>
+          <a:lnRef idx="1">
+            <a:schemeClr val="accent1"/>
+          </a:lnRef>
+          <a:fillRef idx="0">
+            <a:schemeClr val="accent1"/>
+          </a:fillRef>
+          <a:effectRef idx="0">
+            <a:schemeClr val="accent1"/>
+          </a:effectRef>
+          <a:fontRef idx="minor">
+            <a:schemeClr val="tx1"/>
+          </a:fontRef>
+        </p:style>
+      </p:cxnSp>
+      <p:cxnSp>
+        <p:nvCxnSpPr>
+          <p:cNvPr id="31" name="直接箭头连接符 30">
+            <a:extLst>
+              <a:ext uri="{FF2B5EF4-FFF2-40B4-BE49-F238E27FC236}">
+                <a16:creationId xmlns:a16="http://schemas.microsoft.com/office/drawing/2014/main" id="{B269BB59-D9EB-476D-8EE2-013FA728771C}"/>
+              </a:ext>
+            </a:extLst>
+          </p:cNvPr>
+          <p:cNvCxnSpPr>
+            <a:cxnSpLocks/>
+          </p:cNvCxnSpPr>
+          <p:nvPr/>
+        </p:nvCxnSpPr>
+        <p:spPr>
+          <a:xfrm>
+            <a:off x="6656961" y="3290568"/>
+            <a:ext cx="373380" cy="318432"/>
+          </a:xfrm>
+          <a:prstGeom prst="straightConnector1">
+            <a:avLst/>
+          </a:prstGeom>
+          <a:ln w="12700">
+            <a:solidFill>
+              <a:schemeClr val="tx1"/>
+            </a:solidFill>
+            <a:tailEnd type="triangle"/>
+          </a:ln>
+        </p:spPr>
+        <p:style>
+          <a:lnRef idx="1">
+            <a:schemeClr val="accent1"/>
+          </a:lnRef>
+          <a:fillRef idx="0">
+            <a:schemeClr val="accent1"/>
+          </a:fillRef>
+          <a:effectRef idx="0">
+            <a:schemeClr val="accent1"/>
+          </a:effectRef>
+          <a:fontRef idx="minor">
+            <a:schemeClr val="tx1"/>
+          </a:fontRef>
+        </p:style>
+      </p:cxnSp>
+      <p:cxnSp>
+        <p:nvCxnSpPr>
+          <p:cNvPr id="33" name="直接箭头连接符 32">
+            <a:extLst>
+              <a:ext uri="{FF2B5EF4-FFF2-40B4-BE49-F238E27FC236}">
+                <a16:creationId xmlns:a16="http://schemas.microsoft.com/office/drawing/2014/main" id="{C274FE1B-96DD-4B26-9306-E9DD13B162A2}"/>
+              </a:ext>
+            </a:extLst>
+          </p:cNvPr>
+          <p:cNvCxnSpPr>
+            <a:cxnSpLocks/>
+          </p:cNvCxnSpPr>
+          <p:nvPr/>
+        </p:nvCxnSpPr>
+        <p:spPr>
+          <a:xfrm flipH="1">
+            <a:off x="4462399" y="2974339"/>
+            <a:ext cx="421642" cy="386081"/>
+          </a:xfrm>
+          <a:prstGeom prst="straightConnector1">
+            <a:avLst/>
+          </a:prstGeom>
+          <a:ln w="12700">
+            <a:solidFill>
+              <a:schemeClr val="tx1"/>
+            </a:solidFill>
+            <a:tailEnd type="triangle"/>
+          </a:ln>
+        </p:spPr>
+        <p:style>
+          <a:lnRef idx="1">
+            <a:schemeClr val="accent1"/>
+          </a:lnRef>
+          <a:fillRef idx="0">
+            <a:schemeClr val="accent1"/>
+          </a:fillRef>
+          <a:effectRef idx="0">
+            <a:schemeClr val="accent1"/>
+          </a:effectRef>
+          <a:fontRef idx="minor">
+            <a:schemeClr val="tx1"/>
+          </a:fontRef>
+        </p:style>
+      </p:cxnSp>
+      <p:cxnSp>
+        <p:nvCxnSpPr>
+          <p:cNvPr id="35" name="直接箭头连接符 34">
+            <a:extLst>
+              <a:ext uri="{FF2B5EF4-FFF2-40B4-BE49-F238E27FC236}">
+                <a16:creationId xmlns:a16="http://schemas.microsoft.com/office/drawing/2014/main" id="{A6FBE02C-B8A7-4499-B508-A24658DB174E}"/>
+              </a:ext>
+            </a:extLst>
+          </p:cNvPr>
+          <p:cNvCxnSpPr>
+            <a:cxnSpLocks/>
+          </p:cNvCxnSpPr>
+          <p:nvPr/>
+        </p:nvCxnSpPr>
+        <p:spPr>
+          <a:xfrm flipH="1">
+            <a:off x="4221480" y="2230119"/>
+            <a:ext cx="518160" cy="0"/>
+          </a:xfrm>
+          <a:prstGeom prst="straightConnector1">
+            <a:avLst/>
+          </a:prstGeom>
+          <a:ln w="12700">
+            <a:solidFill>
+              <a:schemeClr val="tx1"/>
+            </a:solidFill>
+            <a:tailEnd type="triangle"/>
+          </a:ln>
+        </p:spPr>
+        <p:style>
+          <a:lnRef idx="1">
+            <a:schemeClr val="accent1"/>
+          </a:lnRef>
+          <a:fillRef idx="0">
+            <a:schemeClr val="accent1"/>
+          </a:fillRef>
+          <a:effectRef idx="0">
+            <a:schemeClr val="accent1"/>
+          </a:effectRef>
+          <a:fontRef idx="minor">
+            <a:schemeClr val="tx1"/>
+          </a:fontRef>
+        </p:style>
+      </p:cxnSp>
+      <p:cxnSp>
+        <p:nvCxnSpPr>
+          <p:cNvPr id="37" name="直接箭头连接符 36">
+            <a:extLst>
+              <a:ext uri="{FF2B5EF4-FFF2-40B4-BE49-F238E27FC236}">
+                <a16:creationId xmlns:a16="http://schemas.microsoft.com/office/drawing/2014/main" id="{1D570969-C3B8-44E3-8AC5-C80DEF7F582F}"/>
+              </a:ext>
+            </a:extLst>
+          </p:cNvPr>
+          <p:cNvCxnSpPr>
+            <a:cxnSpLocks/>
+          </p:cNvCxnSpPr>
+          <p:nvPr/>
+        </p:nvCxnSpPr>
+        <p:spPr>
+          <a:xfrm flipH="1" flipV="1">
+            <a:off x="4739640" y="1169924"/>
+            <a:ext cx="426720" cy="387942"/>
+          </a:xfrm>
+          <a:prstGeom prst="straightConnector1">
+            <a:avLst/>
+          </a:prstGeom>
+          <a:ln w="12700">
+            <a:solidFill>
+              <a:schemeClr val="tx1"/>
+            </a:solidFill>
+            <a:tailEnd type="triangle"/>
+          </a:ln>
+        </p:spPr>
+        <p:style>
+          <a:lnRef idx="1">
+            <a:schemeClr val="accent1"/>
+          </a:lnRef>
+          <a:fillRef idx="0">
+            <a:schemeClr val="accent1"/>
+          </a:fillRef>
+          <a:effectRef idx="0">
+            <a:schemeClr val="accent1"/>
+          </a:effectRef>
+          <a:fontRef idx="minor">
+            <a:schemeClr val="tx1"/>
+          </a:fontRef>
+        </p:style>
+      </p:cxnSp>
+    </p:spTree>
+    <p:extLst>
+      <p:ext uri="{BB962C8B-B14F-4D97-AF65-F5344CB8AC3E}">
+        <p14:creationId xmlns:p14="http://schemas.microsoft.com/office/powerpoint/2010/main" val="3436297450"/>
+      </p:ext>
+    </p:extLst>
+  </p:cSld>
+  <p:clrMapOvr>
+    <a:masterClrMapping/>
+  </p:clrMapOvr>
+</p:sld>
+</file>
+
+<file path=ppt/slides/slide12.xml><?xml version="1.0" encoding="utf-8"?>
+<p:sld xmlns:a="http://schemas.openxmlformats.org/drawingml/2006/main" xmlns:r="http://schemas.openxmlformats.org/officeDocument/2006/relationships" xmlns:p="http://schemas.openxmlformats.org/presentationml/2006/main">
+  <p:cSld>
+    <p:spTree>
+      <p:nvGrpSpPr>
+        <p:cNvPr id="1" name=""/>
+        <p:cNvGrpSpPr/>
+        <p:nvPr/>
+      </p:nvGrpSpPr>
+      <p:grpSpPr>
+        <a:xfrm>
+          <a:off x="0" y="0"/>
+          <a:ext cx="0" cy="0"/>
+          <a:chOff x="0" y="0"/>
+          <a:chExt cx="0" cy="0"/>
+        </a:xfrm>
+      </p:grpSpPr>
+      <p:sp>
+        <p:nvSpPr>
+          <p:cNvPr id="10" name="文本框 9">
+            <a:extLst>
+              <a:ext uri="{FF2B5EF4-FFF2-40B4-BE49-F238E27FC236}">
+                <a16:creationId xmlns:a16="http://schemas.microsoft.com/office/drawing/2014/main" id="{868CC79B-C4E9-4B88-8F4F-D0C43871E3DC}"/>
+              </a:ext>
+            </a:extLst>
+          </p:cNvPr>
+          <p:cNvSpPr txBox="1"/>
+          <p:nvPr/>
+        </p:nvSpPr>
+        <p:spPr>
+          <a:xfrm>
+            <a:off x="2578760" y="5007266"/>
+            <a:ext cx="441146" cy="369332"/>
+          </a:xfrm>
+          <a:prstGeom prst="rect">
+            <a:avLst/>
+          </a:prstGeom>
+          <a:noFill/>
+        </p:spPr>
+        <p:txBody>
+          <a:bodyPr wrap="none" rtlCol="0">
+            <a:spAutoFit/>
+          </a:bodyPr>
+          <a:lstStyle/>
+          <a:p>
+            <a:r>
+              <a:rPr lang="en-US" altLang="zh-CN" dirty="0">
+                <a:latin typeface="Times New Roman" panose="02020603050405020304" pitchFamily="18" charset="0"/>
+                <a:cs typeface="Times New Roman" panose="02020603050405020304" pitchFamily="18" charset="0"/>
+              </a:rPr>
+              <a:t>(a)</a:t>
+            </a:r>
+            <a:endParaRPr lang="zh-CN" altLang="en-US" dirty="0">
+              <a:latin typeface="Times New Roman" panose="02020603050405020304" pitchFamily="18" charset="0"/>
+              <a:cs typeface="Times New Roman" panose="02020603050405020304" pitchFamily="18" charset="0"/>
+            </a:endParaRPr>
+          </a:p>
+        </p:txBody>
+      </p:sp>
+      <p:sp>
+        <p:nvSpPr>
+          <p:cNvPr id="11" name="文本框 10">
+            <a:extLst>
+              <a:ext uri="{FF2B5EF4-FFF2-40B4-BE49-F238E27FC236}">
+                <a16:creationId xmlns:a16="http://schemas.microsoft.com/office/drawing/2014/main" id="{B3DB11AB-2893-4A5D-8798-D6FE4C494D7E}"/>
+              </a:ext>
+            </a:extLst>
+          </p:cNvPr>
+          <p:cNvSpPr txBox="1"/>
+          <p:nvPr/>
+        </p:nvSpPr>
+        <p:spPr>
+          <a:xfrm>
+            <a:off x="5869014" y="2596886"/>
+            <a:ext cx="453970" cy="369332"/>
+          </a:xfrm>
+          <a:prstGeom prst="rect">
+            <a:avLst/>
+          </a:prstGeom>
+          <a:noFill/>
+        </p:spPr>
+        <p:txBody>
+          <a:bodyPr wrap="none" rtlCol="0">
+            <a:spAutoFit/>
+          </a:bodyPr>
+          <a:lstStyle/>
+          <a:p>
+            <a:r>
+              <a:rPr lang="en-US" altLang="zh-CN" dirty="0">
+                <a:latin typeface="Times New Roman" panose="02020603050405020304" pitchFamily="18" charset="0"/>
+                <a:cs typeface="Times New Roman" panose="02020603050405020304" pitchFamily="18" charset="0"/>
+              </a:rPr>
+              <a:t>(b)</a:t>
+            </a:r>
+            <a:endParaRPr lang="zh-CN" altLang="en-US" dirty="0">
+              <a:latin typeface="Times New Roman" panose="02020603050405020304" pitchFamily="18" charset="0"/>
+              <a:cs typeface="Times New Roman" panose="02020603050405020304" pitchFamily="18" charset="0"/>
+            </a:endParaRPr>
+          </a:p>
+        </p:txBody>
+      </p:sp>
+      <p:sp>
+        <p:nvSpPr>
+          <p:cNvPr id="12" name="文本框 11">
+            <a:extLst>
+              <a:ext uri="{FF2B5EF4-FFF2-40B4-BE49-F238E27FC236}">
+                <a16:creationId xmlns:a16="http://schemas.microsoft.com/office/drawing/2014/main" id="{66A6E41A-E235-4B17-B86B-D86CF4CD7491}"/>
+              </a:ext>
+            </a:extLst>
+          </p:cNvPr>
+          <p:cNvSpPr txBox="1"/>
+          <p:nvPr/>
+        </p:nvSpPr>
+        <p:spPr>
+          <a:xfrm>
+            <a:off x="5967590" y="5006719"/>
+            <a:ext cx="441146" cy="369332"/>
+          </a:xfrm>
+          <a:prstGeom prst="rect">
+            <a:avLst/>
+          </a:prstGeom>
+          <a:noFill/>
+        </p:spPr>
+        <p:txBody>
+          <a:bodyPr wrap="none" rtlCol="0">
+            <a:spAutoFit/>
+          </a:bodyPr>
+          <a:lstStyle/>
+          <a:p>
+            <a:r>
+              <a:rPr lang="en-US" altLang="zh-CN" dirty="0">
+                <a:latin typeface="Times New Roman" panose="02020603050405020304" pitchFamily="18" charset="0"/>
+                <a:cs typeface="Times New Roman" panose="02020603050405020304" pitchFamily="18" charset="0"/>
+              </a:rPr>
+              <a:t>(c)</a:t>
+            </a:r>
+            <a:endParaRPr lang="zh-CN" altLang="en-US" dirty="0">
+              <a:latin typeface="Times New Roman" panose="02020603050405020304" pitchFamily="18" charset="0"/>
+              <a:cs typeface="Times New Roman" panose="02020603050405020304" pitchFamily="18" charset="0"/>
+            </a:endParaRPr>
+          </a:p>
+        </p:txBody>
+      </p:sp>
+      <p:pic>
+        <p:nvPicPr>
+          <p:cNvPr id="13" name="图片 12">
+            <a:extLst>
+              <a:ext uri="{FF2B5EF4-FFF2-40B4-BE49-F238E27FC236}">
+                <a16:creationId xmlns:a16="http://schemas.microsoft.com/office/drawing/2014/main" id="{3A82B467-9A5C-4670-B465-4AC75A3E2611}"/>
+              </a:ext>
+            </a:extLst>
+          </p:cNvPr>
+          <p:cNvPicPr>
+            <a:picLocks noChangeAspect="1"/>
+          </p:cNvPicPr>
+          <p:nvPr/>
+        </p:nvPicPr>
+        <p:blipFill>
+          <a:blip r:embed="rId2"/>
+          <a:stretch>
+            <a:fillRect/>
+          </a:stretch>
+        </p:blipFill>
+        <p:spPr>
+          <a:xfrm>
+            <a:off x="968792" y="894161"/>
+            <a:ext cx="3661082" cy="3973351"/>
+          </a:xfrm>
+          <a:prstGeom prst="rect">
+            <a:avLst/>
+          </a:prstGeom>
+        </p:spPr>
+      </p:pic>
+      <p:pic>
+        <p:nvPicPr>
+          <p:cNvPr id="14" name="图片 13">
+            <a:extLst>
+              <a:ext uri="{FF2B5EF4-FFF2-40B4-BE49-F238E27FC236}">
+                <a16:creationId xmlns:a16="http://schemas.microsoft.com/office/drawing/2014/main" id="{F0AD9035-15B8-425D-B4B6-54C491533739}"/>
+              </a:ext>
+            </a:extLst>
+          </p:cNvPr>
+          <p:cNvPicPr>
+            <a:picLocks noChangeAspect="1"/>
+          </p:cNvPicPr>
+          <p:nvPr/>
+        </p:nvPicPr>
+        <p:blipFill>
+          <a:blip r:embed="rId3"/>
+          <a:stretch>
+            <a:fillRect/>
+          </a:stretch>
+        </p:blipFill>
+        <p:spPr>
+          <a:xfrm>
+            <a:off x="5264797" y="556385"/>
+            <a:ext cx="1846732" cy="2040501"/>
+          </a:xfrm>
+          <a:prstGeom prst="rect">
+            <a:avLst/>
+          </a:prstGeom>
+        </p:spPr>
+      </p:pic>
+      <p:pic>
+        <p:nvPicPr>
+          <p:cNvPr id="15" name="图片 14">
+            <a:extLst>
+              <a:ext uri="{FF2B5EF4-FFF2-40B4-BE49-F238E27FC236}">
+                <a16:creationId xmlns:a16="http://schemas.microsoft.com/office/drawing/2014/main" id="{4E9A7882-A632-4595-933A-2AEA481976D8}"/>
+              </a:ext>
+            </a:extLst>
+          </p:cNvPr>
+          <p:cNvPicPr>
+            <a:picLocks noChangeAspect="1"/>
+          </p:cNvPicPr>
+          <p:nvPr/>
+        </p:nvPicPr>
+        <p:blipFill>
+          <a:blip r:embed="rId4"/>
+          <a:stretch>
+            <a:fillRect/>
+          </a:stretch>
+        </p:blipFill>
+        <p:spPr>
+          <a:xfrm>
+            <a:off x="5297719" y="3547608"/>
+            <a:ext cx="1596559" cy="1427013"/>
+          </a:xfrm>
+          <a:prstGeom prst="rect">
+            <a:avLst/>
+          </a:prstGeom>
+        </p:spPr>
+      </p:pic>
+      <p:sp>
+        <p:nvSpPr>
+          <p:cNvPr id="19" name="椭圆 18">
+            <a:extLst>
+              <a:ext uri="{FF2B5EF4-FFF2-40B4-BE49-F238E27FC236}">
+                <a16:creationId xmlns:a16="http://schemas.microsoft.com/office/drawing/2014/main" id="{A9D1EB05-53A3-432D-B655-126F97246D3A}"/>
+              </a:ext>
+            </a:extLst>
+          </p:cNvPr>
+          <p:cNvSpPr/>
+          <p:nvPr/>
+        </p:nvSpPr>
+        <p:spPr>
+          <a:xfrm>
+            <a:off x="3366655" y="1113905"/>
+            <a:ext cx="681643" cy="540328"/>
+          </a:xfrm>
+          <a:prstGeom prst="ellipse">
+            <a:avLst/>
+          </a:prstGeom>
+          <a:noFill/>
+          <a:ln>
+            <a:solidFill>
+              <a:schemeClr val="tx1"/>
+            </a:solidFill>
+            <a:prstDash val="sysDash"/>
+          </a:ln>
+        </p:spPr>
+        <p:style>
+          <a:lnRef idx="2">
+            <a:schemeClr val="accent1">
+              <a:shade val="50000"/>
+            </a:schemeClr>
+          </a:lnRef>
+          <a:fillRef idx="1">
+            <a:schemeClr val="accent1"/>
+          </a:fillRef>
+          <a:effectRef idx="0">
+            <a:schemeClr val="accent1"/>
+          </a:effectRef>
+          <a:fontRef idx="minor">
+            <a:schemeClr val="lt1"/>
+          </a:fontRef>
+        </p:style>
+        <p:txBody>
+          <a:bodyPr rtlCol="0" anchor="ctr"/>
+          <a:lstStyle/>
+          <a:p>
+            <a:pPr algn="ctr"/>
+            <a:endParaRPr lang="zh-CN" altLang="en-US"/>
+          </a:p>
+        </p:txBody>
+      </p:sp>
+      <p:sp>
+        <p:nvSpPr>
+          <p:cNvPr id="21" name="箭头: 右 20">
+            <a:extLst>
+              <a:ext uri="{FF2B5EF4-FFF2-40B4-BE49-F238E27FC236}">
+                <a16:creationId xmlns:a16="http://schemas.microsoft.com/office/drawing/2014/main" id="{0EED37E5-D4ED-40F4-8CF1-4F5224E1AFC8}"/>
+              </a:ext>
+            </a:extLst>
+          </p:cNvPr>
+          <p:cNvSpPr/>
+          <p:nvPr/>
+        </p:nvSpPr>
+        <p:spPr>
+          <a:xfrm>
+            <a:off x="4031673" y="1205346"/>
+            <a:ext cx="1113906" cy="99752"/>
+          </a:xfrm>
+          <a:prstGeom prst="rightArrow">
+            <a:avLst/>
+          </a:prstGeom>
+          <a:solidFill>
+            <a:schemeClr val="tx1"/>
+          </a:solidFill>
+          <a:ln>
+            <a:solidFill>
+              <a:schemeClr val="tx1"/>
+            </a:solidFill>
+          </a:ln>
+        </p:spPr>
+        <p:style>
+          <a:lnRef idx="2">
+            <a:schemeClr val="accent1">
+              <a:shade val="50000"/>
+            </a:schemeClr>
+          </a:lnRef>
+          <a:fillRef idx="1">
+            <a:schemeClr val="accent1"/>
+          </a:fillRef>
+          <a:effectRef idx="0">
+            <a:schemeClr val="accent1"/>
+          </a:effectRef>
+          <a:fontRef idx="minor">
+            <a:schemeClr val="lt1"/>
+          </a:fontRef>
+        </p:style>
+        <p:txBody>
+          <a:bodyPr rtlCol="0" anchor="ctr"/>
+          <a:lstStyle/>
+          <a:p>
+            <a:pPr algn="ctr"/>
+            <a:endParaRPr lang="zh-CN" altLang="en-US"/>
+          </a:p>
+        </p:txBody>
+      </p:sp>
+      <p:sp>
+        <p:nvSpPr>
+          <p:cNvPr id="22" name="椭圆 21">
+            <a:extLst>
+              <a:ext uri="{FF2B5EF4-FFF2-40B4-BE49-F238E27FC236}">
+                <a16:creationId xmlns:a16="http://schemas.microsoft.com/office/drawing/2014/main" id="{58C6B918-51EE-41E7-A2EE-7D63D2345AF0}"/>
+              </a:ext>
+            </a:extLst>
+          </p:cNvPr>
+          <p:cNvSpPr/>
+          <p:nvPr/>
+        </p:nvSpPr>
+        <p:spPr>
+          <a:xfrm>
+            <a:off x="3366655" y="4214553"/>
+            <a:ext cx="665018" cy="540327"/>
+          </a:xfrm>
+          <a:prstGeom prst="ellipse">
+            <a:avLst/>
+          </a:prstGeom>
+          <a:noFill/>
+          <a:ln>
+            <a:solidFill>
+              <a:schemeClr val="tx1"/>
+            </a:solidFill>
+            <a:prstDash val="sysDash"/>
+          </a:ln>
+        </p:spPr>
+        <p:style>
+          <a:lnRef idx="2">
+            <a:schemeClr val="accent1">
+              <a:shade val="50000"/>
+            </a:schemeClr>
+          </a:lnRef>
+          <a:fillRef idx="1">
+            <a:schemeClr val="accent1"/>
+          </a:fillRef>
+          <a:effectRef idx="0">
+            <a:schemeClr val="accent1"/>
+          </a:effectRef>
+          <a:fontRef idx="minor">
+            <a:schemeClr val="lt1"/>
+          </a:fontRef>
+        </p:style>
+        <p:txBody>
+          <a:bodyPr rtlCol="0" anchor="ctr"/>
+          <a:lstStyle/>
+          <a:p>
+            <a:pPr algn="ctr"/>
+            <a:endParaRPr lang="zh-CN" altLang="en-US"/>
+          </a:p>
+        </p:txBody>
+      </p:sp>
+      <p:sp>
+        <p:nvSpPr>
+          <p:cNvPr id="23" name="箭头: 右 22">
+            <a:extLst>
+              <a:ext uri="{FF2B5EF4-FFF2-40B4-BE49-F238E27FC236}">
+                <a16:creationId xmlns:a16="http://schemas.microsoft.com/office/drawing/2014/main" id="{781139E3-E9AA-4CD5-9504-1EBBE67A36CE}"/>
+              </a:ext>
+            </a:extLst>
+          </p:cNvPr>
+          <p:cNvSpPr/>
+          <p:nvPr/>
+        </p:nvSpPr>
+        <p:spPr>
+          <a:xfrm>
+            <a:off x="3914402" y="4214553"/>
+            <a:ext cx="1231178" cy="99752"/>
+          </a:xfrm>
+          <a:prstGeom prst="rightArrow">
+            <a:avLst/>
+          </a:prstGeom>
+          <a:solidFill>
+            <a:schemeClr val="tx1"/>
+          </a:solidFill>
+          <a:ln>
+            <a:solidFill>
+              <a:schemeClr val="tx1"/>
+            </a:solidFill>
+          </a:ln>
+        </p:spPr>
+        <p:style>
+          <a:lnRef idx="2">
+            <a:schemeClr val="accent1">
+              <a:shade val="50000"/>
+            </a:schemeClr>
+          </a:lnRef>
+          <a:fillRef idx="1">
+            <a:schemeClr val="accent1"/>
+          </a:fillRef>
+          <a:effectRef idx="0">
+            <a:schemeClr val="accent1"/>
+          </a:effectRef>
+          <a:fontRef idx="minor">
+            <a:schemeClr val="lt1"/>
+          </a:fontRef>
+        </p:style>
+        <p:txBody>
+          <a:bodyPr rtlCol="0" anchor="ctr"/>
+          <a:lstStyle/>
+          <a:p>
+            <a:pPr algn="ctr"/>
+            <a:endParaRPr lang="zh-CN" altLang="en-US"/>
+          </a:p>
+        </p:txBody>
+      </p:sp>
+    </p:spTree>
+    <p:extLst>
+      <p:ext uri="{BB962C8B-B14F-4D97-AF65-F5344CB8AC3E}">
+        <p14:creationId xmlns:p14="http://schemas.microsoft.com/office/powerpoint/2010/main" val="774959616"/>
+      </p:ext>
+    </p:extLst>
+  </p:cSld>
+  <p:clrMapOvr>
+    <a:masterClrMapping/>
+  </p:clrMapOvr>
+</p:sld>
+</file>
+
 <file path=ppt/slides/slide2.xml><?xml version="1.0" encoding="utf-8"?>
 <p:sld xmlns:a="http://schemas.openxmlformats.org/drawingml/2006/main" xmlns:r="http://schemas.openxmlformats.org/officeDocument/2006/relationships" xmlns:p="http://schemas.openxmlformats.org/presentationml/2006/main">
   <p:cSld>
@@ -8101,8 +14357,8 @@
           </a:p>
         </p:txBody>
       </p:sp>
-      <mc:AlternateContent xmlns:mc="http://schemas.openxmlformats.org/markup-compatibility/2006">
-        <mc:Choice xmlns:a14="http://schemas.microsoft.com/office/drawing/2010/main" Requires="a14">
+      <mc:AlternateContent xmlns:mc="http://schemas.openxmlformats.org/markup-compatibility/2006" xmlns:a14="http://schemas.microsoft.com/office/drawing/2010/main">
+        <mc:Choice Requires="a14">
           <p:sp>
             <p:nvSpPr>
               <p:cNvPr id="5" name="矩形 4">
@@ -8206,7 +14462,7 @@
             </p:txBody>
           </p:sp>
         </mc:Choice>
-        <mc:Fallback>
+        <mc:Fallback xmlns="">
           <p:sp>
             <p:nvSpPr>
               <p:cNvPr id="5" name="矩形 4">
@@ -22419,8 +28675,8 @@
           </a:p>
         </p:txBody>
       </p:sp>
-      <mc:AlternateContent xmlns:mc="http://schemas.openxmlformats.org/markup-compatibility/2006">
-        <mc:Choice xmlns:a14="http://schemas.microsoft.com/office/drawing/2010/main" Requires="a14">
+      <mc:AlternateContent xmlns:mc="http://schemas.openxmlformats.org/markup-compatibility/2006" xmlns:a14="http://schemas.microsoft.com/office/drawing/2010/main">
+        <mc:Choice Requires="a14">
           <p:sp>
             <p:nvSpPr>
               <p:cNvPr id="14" name="文本框 13">
@@ -22543,7 +28799,7 @@
             </p:txBody>
           </p:sp>
         </mc:Choice>
-        <mc:Fallback>
+        <mc:Fallback xmlns="">
           <p:sp>
             <p:nvSpPr>
               <p:cNvPr id="14" name="文本框 13">
@@ -26954,6 +33210,328 @@
 </p:sld>
 </file>
 
+<file path=ppt/slides/slide9.xml><?xml version="1.0" encoding="utf-8"?>
+<p:sld xmlns:a="http://schemas.openxmlformats.org/drawingml/2006/main" xmlns:r="http://schemas.openxmlformats.org/officeDocument/2006/relationships" xmlns:p="http://schemas.openxmlformats.org/presentationml/2006/main">
+  <p:cSld>
+    <p:spTree>
+      <p:nvGrpSpPr>
+        <p:cNvPr id="1" name=""/>
+        <p:cNvGrpSpPr/>
+        <p:nvPr/>
+      </p:nvGrpSpPr>
+      <p:grpSpPr>
+        <a:xfrm>
+          <a:off x="0" y="0"/>
+          <a:ext cx="0" cy="0"/>
+          <a:chOff x="0" y="0"/>
+          <a:chExt cx="0" cy="0"/>
+        </a:xfrm>
+      </p:grpSpPr>
+      <p:pic>
+        <p:nvPicPr>
+          <p:cNvPr id="5" name="图片 4">
+            <a:extLst>
+              <a:ext uri="{FF2B5EF4-FFF2-40B4-BE49-F238E27FC236}">
+                <a16:creationId xmlns:a16="http://schemas.microsoft.com/office/drawing/2014/main" id="{C6383D5A-32FA-49A6-A9EA-EF562147DE3B}"/>
+              </a:ext>
+            </a:extLst>
+          </p:cNvPr>
+          <p:cNvPicPr>
+            <a:picLocks noChangeAspect="1"/>
+          </p:cNvPicPr>
+          <p:nvPr/>
+        </p:nvPicPr>
+        <p:blipFill>
+          <a:blip r:embed="rId2">
+            <a:extLst>
+              <a:ext uri="{28A0092B-C50C-407E-A947-70E740481C1C}">
+                <a14:useLocalDpi xmlns:a14="http://schemas.microsoft.com/office/drawing/2010/main" val="0"/>
+              </a:ext>
+            </a:extLst>
+          </a:blip>
+          <a:stretch>
+            <a:fillRect/>
+          </a:stretch>
+        </p:blipFill>
+        <p:spPr>
+          <a:xfrm>
+            <a:off x="3438525" y="1728787"/>
+            <a:ext cx="5314950" cy="3400425"/>
+          </a:xfrm>
+          <a:prstGeom prst="rect">
+            <a:avLst/>
+          </a:prstGeom>
+        </p:spPr>
+      </p:pic>
+      <p:cxnSp>
+        <p:nvCxnSpPr>
+          <p:cNvPr id="7" name="直接连接符 6">
+            <a:extLst>
+              <a:ext uri="{FF2B5EF4-FFF2-40B4-BE49-F238E27FC236}">
+                <a16:creationId xmlns:a16="http://schemas.microsoft.com/office/drawing/2014/main" id="{1CED18C4-548C-40C6-B652-6036B810D5A6}"/>
+              </a:ext>
+            </a:extLst>
+          </p:cNvPr>
+          <p:cNvCxnSpPr>
+            <a:cxnSpLocks/>
+          </p:cNvCxnSpPr>
+          <p:nvPr/>
+        </p:nvCxnSpPr>
+        <p:spPr>
+          <a:xfrm>
+            <a:off x="4749800" y="4653280"/>
+            <a:ext cx="0" cy="108000"/>
+          </a:xfrm>
+          <a:prstGeom prst="line">
+            <a:avLst/>
+          </a:prstGeom>
+          <a:ln w="19050">
+            <a:solidFill>
+              <a:schemeClr val="tx1"/>
+            </a:solidFill>
+          </a:ln>
+        </p:spPr>
+        <p:style>
+          <a:lnRef idx="1">
+            <a:schemeClr val="accent1"/>
+          </a:lnRef>
+          <a:fillRef idx="0">
+            <a:schemeClr val="accent1"/>
+          </a:fillRef>
+          <a:effectRef idx="0">
+            <a:schemeClr val="accent1"/>
+          </a:effectRef>
+          <a:fontRef idx="minor">
+            <a:schemeClr val="tx1"/>
+          </a:fontRef>
+        </p:style>
+      </p:cxnSp>
+      <p:cxnSp>
+        <p:nvCxnSpPr>
+          <p:cNvPr id="9" name="直接连接符 8">
+            <a:extLst>
+              <a:ext uri="{FF2B5EF4-FFF2-40B4-BE49-F238E27FC236}">
+                <a16:creationId xmlns:a16="http://schemas.microsoft.com/office/drawing/2014/main" id="{CA749C03-0859-4A14-B85D-643047C5E86E}"/>
+              </a:ext>
+            </a:extLst>
+          </p:cNvPr>
+          <p:cNvCxnSpPr>
+            <a:cxnSpLocks/>
+          </p:cNvCxnSpPr>
+          <p:nvPr/>
+        </p:nvCxnSpPr>
+        <p:spPr>
+          <a:xfrm>
+            <a:off x="7660640" y="4671060"/>
+            <a:ext cx="0" cy="88900"/>
+          </a:xfrm>
+          <a:prstGeom prst="line">
+            <a:avLst/>
+          </a:prstGeom>
+          <a:ln w="19050">
+            <a:solidFill>
+              <a:schemeClr val="tx1"/>
+            </a:solidFill>
+          </a:ln>
+        </p:spPr>
+        <p:style>
+          <a:lnRef idx="1">
+            <a:schemeClr val="accent1"/>
+          </a:lnRef>
+          <a:fillRef idx="0">
+            <a:schemeClr val="accent1"/>
+          </a:fillRef>
+          <a:effectRef idx="0">
+            <a:schemeClr val="accent1"/>
+          </a:effectRef>
+          <a:fontRef idx="minor">
+            <a:schemeClr val="tx1"/>
+          </a:fontRef>
+        </p:style>
+      </p:cxnSp>
+      <p:cxnSp>
+        <p:nvCxnSpPr>
+          <p:cNvPr id="14" name="直接连接符 13">
+            <a:extLst>
+              <a:ext uri="{FF2B5EF4-FFF2-40B4-BE49-F238E27FC236}">
+                <a16:creationId xmlns:a16="http://schemas.microsoft.com/office/drawing/2014/main" id="{69E88513-0ACC-4A10-8981-CD02B46829AE}"/>
+              </a:ext>
+            </a:extLst>
+          </p:cNvPr>
+          <p:cNvCxnSpPr>
+            <a:cxnSpLocks/>
+          </p:cNvCxnSpPr>
+          <p:nvPr/>
+        </p:nvCxnSpPr>
+        <p:spPr>
+          <a:xfrm flipH="1" flipV="1">
+            <a:off x="4140200" y="4653280"/>
+            <a:ext cx="3520440" cy="17780"/>
+          </a:xfrm>
+          <a:prstGeom prst="line">
+            <a:avLst/>
+          </a:prstGeom>
+          <a:ln w="12700">
+            <a:solidFill>
+              <a:schemeClr val="tx1"/>
+            </a:solidFill>
+            <a:prstDash val="sysDash"/>
+          </a:ln>
+        </p:spPr>
+        <p:style>
+          <a:lnRef idx="1">
+            <a:schemeClr val="accent1"/>
+          </a:lnRef>
+          <a:fillRef idx="0">
+            <a:schemeClr val="accent1"/>
+          </a:fillRef>
+          <a:effectRef idx="0">
+            <a:schemeClr val="accent1"/>
+          </a:effectRef>
+          <a:fontRef idx="minor">
+            <a:schemeClr val="tx1"/>
+          </a:fontRef>
+        </p:style>
+      </p:cxnSp>
+      <p:sp>
+        <p:nvSpPr>
+          <p:cNvPr id="17" name="文本框 16">
+            <a:extLst>
+              <a:ext uri="{FF2B5EF4-FFF2-40B4-BE49-F238E27FC236}">
+                <a16:creationId xmlns:a16="http://schemas.microsoft.com/office/drawing/2014/main" id="{96471692-9B07-48B8-B856-7DA97C3D9193}"/>
+              </a:ext>
+            </a:extLst>
+          </p:cNvPr>
+          <p:cNvSpPr txBox="1"/>
+          <p:nvPr/>
+        </p:nvSpPr>
+        <p:spPr>
+          <a:xfrm>
+            <a:off x="3670899" y="4444026"/>
+            <a:ext cx="530915" cy="276999"/>
+          </a:xfrm>
+          <a:prstGeom prst="rect">
+            <a:avLst/>
+          </a:prstGeom>
+          <a:noFill/>
+        </p:spPr>
+        <p:txBody>
+          <a:bodyPr wrap="none" rtlCol="0">
+            <a:spAutoFit/>
+          </a:bodyPr>
+          <a:lstStyle/>
+          <a:p>
+            <a:r>
+              <a:rPr lang="en-US" altLang="zh-CN" sz="1200" dirty="0">
+                <a:latin typeface="Times New Roman" panose="02020603050405020304" pitchFamily="18" charset="0"/>
+                <a:cs typeface="Times New Roman" panose="02020603050405020304" pitchFamily="18" charset="0"/>
+              </a:rPr>
+              <a:t>0.005</a:t>
+            </a:r>
+            <a:endParaRPr lang="zh-CN" altLang="en-US" sz="1200" dirty="0">
+              <a:latin typeface="Times New Roman" panose="02020603050405020304" pitchFamily="18" charset="0"/>
+              <a:cs typeface="Times New Roman" panose="02020603050405020304" pitchFamily="18" charset="0"/>
+            </a:endParaRPr>
+          </a:p>
+        </p:txBody>
+      </p:sp>
+      <p:sp>
+        <p:nvSpPr>
+          <p:cNvPr id="18" name="文本框 17">
+            <a:extLst>
+              <a:ext uri="{FF2B5EF4-FFF2-40B4-BE49-F238E27FC236}">
+                <a16:creationId xmlns:a16="http://schemas.microsoft.com/office/drawing/2014/main" id="{1B94F4CD-A7FB-44C3-BDB3-0B0645AB7E6F}"/>
+              </a:ext>
+            </a:extLst>
+          </p:cNvPr>
+          <p:cNvSpPr txBox="1"/>
+          <p:nvPr/>
+        </p:nvSpPr>
+        <p:spPr>
+          <a:xfrm>
+            <a:off x="4391751" y="4757420"/>
+            <a:ext cx="659155" cy="276999"/>
+          </a:xfrm>
+          <a:prstGeom prst="rect">
+            <a:avLst/>
+          </a:prstGeom>
+          <a:noFill/>
+        </p:spPr>
+        <p:txBody>
+          <a:bodyPr wrap="none" rtlCol="0">
+            <a:spAutoFit/>
+          </a:bodyPr>
+          <a:lstStyle/>
+          <a:p>
+            <a:r>
+              <a:rPr lang="en-US" altLang="zh-CN" sz="1200" dirty="0">
+                <a:latin typeface="Times New Roman" panose="02020603050405020304" pitchFamily="18" charset="0"/>
+                <a:cs typeface="Times New Roman" panose="02020603050405020304" pitchFamily="18" charset="0"/>
+              </a:rPr>
+              <a:t>-2.9768</a:t>
+            </a:r>
+            <a:endParaRPr lang="zh-CN" altLang="en-US" sz="1200" dirty="0">
+              <a:latin typeface="Times New Roman" panose="02020603050405020304" pitchFamily="18" charset="0"/>
+              <a:cs typeface="Times New Roman" panose="02020603050405020304" pitchFamily="18" charset="0"/>
+            </a:endParaRPr>
+          </a:p>
+        </p:txBody>
+      </p:sp>
+      <p:sp>
+        <p:nvSpPr>
+          <p:cNvPr id="19" name="文本框 18">
+            <a:extLst>
+              <a:ext uri="{FF2B5EF4-FFF2-40B4-BE49-F238E27FC236}">
+                <a16:creationId xmlns:a16="http://schemas.microsoft.com/office/drawing/2014/main" id="{1A44B8FE-A3EE-4527-A3E2-DB392019A7A9}"/>
+              </a:ext>
+            </a:extLst>
+          </p:cNvPr>
+          <p:cNvSpPr txBox="1"/>
+          <p:nvPr/>
+        </p:nvSpPr>
+        <p:spPr>
+          <a:xfrm>
+            <a:off x="7416823" y="4762500"/>
+            <a:ext cx="607859" cy="276999"/>
+          </a:xfrm>
+          <a:prstGeom prst="rect">
+            <a:avLst/>
+          </a:prstGeom>
+          <a:noFill/>
+        </p:spPr>
+        <p:txBody>
+          <a:bodyPr wrap="none" rtlCol="0">
+            <a:spAutoFit/>
+          </a:bodyPr>
+          <a:lstStyle/>
+          <a:p>
+            <a:r>
+              <a:rPr lang="en-US" altLang="zh-CN" sz="1200" dirty="0">
+                <a:latin typeface="Times New Roman" panose="02020603050405020304" pitchFamily="18" charset="0"/>
+                <a:cs typeface="Times New Roman" panose="02020603050405020304" pitchFamily="18" charset="0"/>
+              </a:rPr>
+              <a:t>2.9768</a:t>
+            </a:r>
+            <a:endParaRPr lang="zh-CN" altLang="en-US" sz="1200" dirty="0">
+              <a:latin typeface="Times New Roman" panose="02020603050405020304" pitchFamily="18" charset="0"/>
+              <a:cs typeface="Times New Roman" panose="02020603050405020304" pitchFamily="18" charset="0"/>
+            </a:endParaRPr>
+          </a:p>
+        </p:txBody>
+      </p:sp>
+    </p:spTree>
+    <p:extLst>
+      <p:ext uri="{BB962C8B-B14F-4D97-AF65-F5344CB8AC3E}">
+        <p14:creationId xmlns:p14="http://schemas.microsoft.com/office/powerpoint/2010/main" val="3291439824"/>
+      </p:ext>
+    </p:extLst>
+  </p:cSld>
+  <p:clrMapOvr>
+    <a:masterClrMapping/>
+  </p:clrMapOvr>
+</p:sld>
+</file>
+
 <file path=ppt/theme/theme1.xml><?xml version="1.0" encoding="utf-8"?>
 <a:theme xmlns:a="http://schemas.openxmlformats.org/drawingml/2006/main" name="Office 主题​​">
   <a:themeElements>

--- a/示意图.pptx
+++ b/示意图.pptx
@@ -17,6 +17,7 @@
     <p:sldId id="265" r:id="rId11"/>
     <p:sldId id="266" r:id="rId12"/>
     <p:sldId id="267" r:id="rId13"/>
+    <p:sldId id="268" r:id="rId14"/>
   </p:sldIdLst>
   <p:sldSz cx="12192000" cy="6858000"/>
   <p:notesSz cx="6858000" cy="9144000"/>
@@ -270,7 +271,7 @@
           <a:p>
             <a:fld id="{3C7334DD-470A-4932-88A3-6C69D4FCD350}" type="datetimeFigureOut">
               <a:rPr lang="zh-CN" altLang="en-US" smtClean="0"/>
-              <a:t>2018/6/3</a:t>
+              <a:t>2018/6/4</a:t>
             </a:fld>
             <a:endParaRPr lang="zh-CN" altLang="en-US"/>
           </a:p>
@@ -468,7 +469,7 @@
           <a:p>
             <a:fld id="{3C7334DD-470A-4932-88A3-6C69D4FCD350}" type="datetimeFigureOut">
               <a:rPr lang="zh-CN" altLang="en-US" smtClean="0"/>
-              <a:t>2018/6/3</a:t>
+              <a:t>2018/6/4</a:t>
             </a:fld>
             <a:endParaRPr lang="zh-CN" altLang="en-US"/>
           </a:p>
@@ -676,7 +677,7 @@
           <a:p>
             <a:fld id="{3C7334DD-470A-4932-88A3-6C69D4FCD350}" type="datetimeFigureOut">
               <a:rPr lang="zh-CN" altLang="en-US" smtClean="0"/>
-              <a:t>2018/6/3</a:t>
+              <a:t>2018/6/4</a:t>
             </a:fld>
             <a:endParaRPr lang="zh-CN" altLang="en-US"/>
           </a:p>
@@ -874,7 +875,7 @@
           <a:p>
             <a:fld id="{3C7334DD-470A-4932-88A3-6C69D4FCD350}" type="datetimeFigureOut">
               <a:rPr lang="zh-CN" altLang="en-US" smtClean="0"/>
-              <a:t>2018/6/3</a:t>
+              <a:t>2018/6/4</a:t>
             </a:fld>
             <a:endParaRPr lang="zh-CN" altLang="en-US"/>
           </a:p>
@@ -1149,7 +1150,7 @@
           <a:p>
             <a:fld id="{3C7334DD-470A-4932-88A3-6C69D4FCD350}" type="datetimeFigureOut">
               <a:rPr lang="zh-CN" altLang="en-US" smtClean="0"/>
-              <a:t>2018/6/3</a:t>
+              <a:t>2018/6/4</a:t>
             </a:fld>
             <a:endParaRPr lang="zh-CN" altLang="en-US"/>
           </a:p>
@@ -1414,7 +1415,7 @@
           <a:p>
             <a:fld id="{3C7334DD-470A-4932-88A3-6C69D4FCD350}" type="datetimeFigureOut">
               <a:rPr lang="zh-CN" altLang="en-US" smtClean="0"/>
-              <a:t>2018/6/3</a:t>
+              <a:t>2018/6/4</a:t>
             </a:fld>
             <a:endParaRPr lang="zh-CN" altLang="en-US"/>
           </a:p>
@@ -1826,7 +1827,7 @@
           <a:p>
             <a:fld id="{3C7334DD-470A-4932-88A3-6C69D4FCD350}" type="datetimeFigureOut">
               <a:rPr lang="zh-CN" altLang="en-US" smtClean="0"/>
-              <a:t>2018/6/3</a:t>
+              <a:t>2018/6/4</a:t>
             </a:fld>
             <a:endParaRPr lang="zh-CN" altLang="en-US"/>
           </a:p>
@@ -1967,7 +1968,7 @@
           <a:p>
             <a:fld id="{3C7334DD-470A-4932-88A3-6C69D4FCD350}" type="datetimeFigureOut">
               <a:rPr lang="zh-CN" altLang="en-US" smtClean="0"/>
-              <a:t>2018/6/3</a:t>
+              <a:t>2018/6/4</a:t>
             </a:fld>
             <a:endParaRPr lang="zh-CN" altLang="en-US"/>
           </a:p>
@@ -2080,7 +2081,7 @@
           <a:p>
             <a:fld id="{3C7334DD-470A-4932-88A3-6C69D4FCD350}" type="datetimeFigureOut">
               <a:rPr lang="zh-CN" altLang="en-US" smtClean="0"/>
-              <a:t>2018/6/3</a:t>
+              <a:t>2018/6/4</a:t>
             </a:fld>
             <a:endParaRPr lang="zh-CN" altLang="en-US"/>
           </a:p>
@@ -2391,7 +2392,7 @@
           <a:p>
             <a:fld id="{3C7334DD-470A-4932-88A3-6C69D4FCD350}" type="datetimeFigureOut">
               <a:rPr lang="zh-CN" altLang="en-US" smtClean="0"/>
-              <a:t>2018/6/3</a:t>
+              <a:t>2018/6/4</a:t>
             </a:fld>
             <a:endParaRPr lang="zh-CN" altLang="en-US"/>
           </a:p>
@@ -2679,7 +2680,7 @@
           <a:p>
             <a:fld id="{3C7334DD-470A-4932-88A3-6C69D4FCD350}" type="datetimeFigureOut">
               <a:rPr lang="zh-CN" altLang="en-US" smtClean="0"/>
-              <a:t>2018/6/3</a:t>
+              <a:t>2018/6/4</a:t>
             </a:fld>
             <a:endParaRPr lang="zh-CN" altLang="en-US"/>
           </a:p>
@@ -2920,7 +2921,7 @@
           <a:p>
             <a:fld id="{3C7334DD-470A-4932-88A3-6C69D4FCD350}" type="datetimeFigureOut">
               <a:rPr lang="zh-CN" altLang="en-US" smtClean="0"/>
-              <a:t>2018/6/3</a:t>
+              <a:t>2018/6/4</a:t>
             </a:fld>
             <a:endParaRPr lang="zh-CN" altLang="en-US"/>
           </a:p>
@@ -14279,6 +14280,1814 @@
     <p:extLst>
       <p:ext uri="{BB962C8B-B14F-4D97-AF65-F5344CB8AC3E}">
         <p14:creationId xmlns:p14="http://schemas.microsoft.com/office/powerpoint/2010/main" val="774959616"/>
+      </p:ext>
+    </p:extLst>
+  </p:cSld>
+  <p:clrMapOvr>
+    <a:masterClrMapping/>
+  </p:clrMapOvr>
+</p:sld>
+</file>
+
+<file path=ppt/slides/slide13.xml><?xml version="1.0" encoding="utf-8"?>
+<p:sld xmlns:a="http://schemas.openxmlformats.org/drawingml/2006/main" xmlns:r="http://schemas.openxmlformats.org/officeDocument/2006/relationships" xmlns:p="http://schemas.openxmlformats.org/presentationml/2006/main">
+  <p:cSld>
+    <p:spTree>
+      <p:nvGrpSpPr>
+        <p:cNvPr id="1" name=""/>
+        <p:cNvGrpSpPr/>
+        <p:nvPr/>
+      </p:nvGrpSpPr>
+      <p:grpSpPr>
+        <a:xfrm>
+          <a:off x="0" y="0"/>
+          <a:ext cx="0" cy="0"/>
+          <a:chOff x="0" y="0"/>
+          <a:chExt cx="0" cy="0"/>
+        </a:xfrm>
+      </p:grpSpPr>
+      <p:sp>
+        <p:nvSpPr>
+          <p:cNvPr id="4" name="流程图: 可选过程 3">
+            <a:extLst>
+              <a:ext uri="{FF2B5EF4-FFF2-40B4-BE49-F238E27FC236}">
+                <a16:creationId xmlns:a16="http://schemas.microsoft.com/office/drawing/2014/main" id="{88CB1E3B-B6E3-43F8-9C4A-F8E8CA9CA7C7}"/>
+              </a:ext>
+            </a:extLst>
+          </p:cNvPr>
+          <p:cNvSpPr/>
+          <p:nvPr/>
+        </p:nvSpPr>
+        <p:spPr>
+          <a:xfrm>
+            <a:off x="5260570" y="543560"/>
+            <a:ext cx="1670858" cy="342669"/>
+          </a:xfrm>
+          <a:prstGeom prst="flowChartAlternateProcess">
+            <a:avLst/>
+          </a:prstGeom>
+          <a:noFill/>
+          <a:ln>
+            <a:solidFill>
+              <a:schemeClr val="tx1"/>
+            </a:solidFill>
+          </a:ln>
+        </p:spPr>
+        <p:style>
+          <a:lnRef idx="2">
+            <a:schemeClr val="accent1">
+              <a:shade val="50000"/>
+            </a:schemeClr>
+          </a:lnRef>
+          <a:fillRef idx="1">
+            <a:schemeClr val="accent1"/>
+          </a:fillRef>
+          <a:effectRef idx="0">
+            <a:schemeClr val="accent1"/>
+          </a:effectRef>
+          <a:fontRef idx="minor">
+            <a:schemeClr val="lt1"/>
+          </a:fontRef>
+        </p:style>
+        <p:txBody>
+          <a:bodyPr rtlCol="0" anchor="ctr"/>
+          <a:lstStyle/>
+          <a:p>
+            <a:pPr algn="ctr"/>
+            <a:r>
+              <a:rPr lang="zh-CN" altLang="en-US" sz="1400" dirty="0">
+                <a:solidFill>
+                  <a:schemeClr val="tx1"/>
+                </a:solidFill>
+                <a:latin typeface="宋体" panose="02010600030101010101" pitchFamily="2" charset="-122"/>
+                <a:ea typeface="宋体" panose="02010600030101010101" pitchFamily="2" charset="-122"/>
+              </a:rPr>
+              <a:t>全部待搜索子图</a:t>
+            </a:r>
+          </a:p>
+        </p:txBody>
+      </p:sp>
+      <p:sp>
+        <p:nvSpPr>
+          <p:cNvPr id="9" name="文本框 8">
+            <a:extLst>
+              <a:ext uri="{FF2B5EF4-FFF2-40B4-BE49-F238E27FC236}">
+                <a16:creationId xmlns:a16="http://schemas.microsoft.com/office/drawing/2014/main" id="{432CDCDE-2A74-44AA-ABBF-4BDB9ED93AE5}"/>
+              </a:ext>
+            </a:extLst>
+          </p:cNvPr>
+          <p:cNvSpPr txBox="1"/>
+          <p:nvPr/>
+        </p:nvSpPr>
+        <p:spPr>
+          <a:xfrm>
+            <a:off x="6053327" y="1645659"/>
+            <a:ext cx="1448495" cy="276999"/>
+          </a:xfrm>
+          <a:prstGeom prst="rect">
+            <a:avLst/>
+          </a:prstGeom>
+          <a:noFill/>
+        </p:spPr>
+        <p:txBody>
+          <a:bodyPr wrap="square" rtlCol="0">
+            <a:spAutoFit/>
+          </a:bodyPr>
+          <a:lstStyle/>
+          <a:p>
+            <a:r>
+              <a:rPr lang="zh-CN" altLang="en-US" sz="1200" dirty="0">
+                <a:latin typeface="宋体" panose="02010600030101010101" pitchFamily="2" charset="-122"/>
+                <a:ea typeface="宋体" panose="02010600030101010101" pitchFamily="2" charset="-122"/>
+              </a:rPr>
+              <a:t>满足条件的子图</a:t>
+            </a:r>
+          </a:p>
+        </p:txBody>
+      </p:sp>
+      <p:sp>
+        <p:nvSpPr>
+          <p:cNvPr id="10" name="文本框 9">
+            <a:extLst>
+              <a:ext uri="{FF2B5EF4-FFF2-40B4-BE49-F238E27FC236}">
+                <a16:creationId xmlns:a16="http://schemas.microsoft.com/office/drawing/2014/main" id="{400D70B2-3C22-4EE4-B839-A64041A29FCD}"/>
+              </a:ext>
+            </a:extLst>
+          </p:cNvPr>
+          <p:cNvSpPr txBox="1"/>
+          <p:nvPr/>
+        </p:nvSpPr>
+        <p:spPr>
+          <a:xfrm>
+            <a:off x="7055041" y="1188565"/>
+            <a:ext cx="1167445" cy="461665"/>
+          </a:xfrm>
+          <a:prstGeom prst="rect">
+            <a:avLst/>
+          </a:prstGeom>
+          <a:noFill/>
+        </p:spPr>
+        <p:txBody>
+          <a:bodyPr wrap="square" rtlCol="0">
+            <a:spAutoFit/>
+          </a:bodyPr>
+          <a:lstStyle/>
+          <a:p>
+            <a:r>
+              <a:rPr lang="zh-CN" altLang="en-US" sz="1200" dirty="0">
+                <a:latin typeface="宋体" panose="02010600030101010101" pitchFamily="2" charset="-122"/>
+                <a:ea typeface="宋体" panose="02010600030101010101" pitchFamily="2" charset="-122"/>
+              </a:rPr>
+              <a:t>不满足条件的子图，淘汰</a:t>
+            </a:r>
+          </a:p>
+        </p:txBody>
+      </p:sp>
+      <p:sp>
+        <p:nvSpPr>
+          <p:cNvPr id="11" name="流程图: 决策 10">
+            <a:extLst>
+              <a:ext uri="{FF2B5EF4-FFF2-40B4-BE49-F238E27FC236}">
+                <a16:creationId xmlns:a16="http://schemas.microsoft.com/office/drawing/2014/main" id="{060CADD8-4B08-441E-B473-96A132EF2AB1}"/>
+              </a:ext>
+            </a:extLst>
+          </p:cNvPr>
+          <p:cNvSpPr/>
+          <p:nvPr/>
+        </p:nvSpPr>
+        <p:spPr>
+          <a:xfrm>
+            <a:off x="5103890" y="1193327"/>
+            <a:ext cx="1984218" cy="458584"/>
+          </a:xfrm>
+          <a:prstGeom prst="flowChartDecision">
+            <a:avLst/>
+          </a:prstGeom>
+          <a:noFill/>
+          <a:ln>
+            <a:solidFill>
+              <a:schemeClr val="tx1"/>
+            </a:solidFill>
+          </a:ln>
+        </p:spPr>
+        <p:style>
+          <a:lnRef idx="2">
+            <a:schemeClr val="accent1">
+              <a:shade val="50000"/>
+            </a:schemeClr>
+          </a:lnRef>
+          <a:fillRef idx="1">
+            <a:schemeClr val="accent1"/>
+          </a:fillRef>
+          <a:effectRef idx="0">
+            <a:schemeClr val="accent1"/>
+          </a:effectRef>
+          <a:fontRef idx="minor">
+            <a:schemeClr val="lt1"/>
+          </a:fontRef>
+        </p:style>
+        <p:txBody>
+          <a:bodyPr rtlCol="0" anchor="ctr"/>
+          <a:lstStyle/>
+          <a:p>
+            <a:pPr algn="ctr"/>
+            <a:r>
+              <a:rPr lang="zh-CN" altLang="en-US" sz="1400" dirty="0">
+                <a:solidFill>
+                  <a:schemeClr val="tx1"/>
+                </a:solidFill>
+                <a:latin typeface="宋体" panose="02010600030101010101" pitchFamily="2" charset="-122"/>
+                <a:ea typeface="宋体" panose="02010600030101010101" pitchFamily="2" charset="-122"/>
+              </a:rPr>
+              <a:t>面积特征</a:t>
+            </a:r>
+            <a:r>
+              <a:rPr lang="en-US" altLang="zh-CN" sz="1400" dirty="0">
+                <a:solidFill>
+                  <a:schemeClr val="tx1"/>
+                </a:solidFill>
+                <a:latin typeface="宋体" panose="02010600030101010101" pitchFamily="2" charset="-122"/>
+                <a:ea typeface="宋体" panose="02010600030101010101" pitchFamily="2" charset="-122"/>
+              </a:rPr>
+              <a:t>1</a:t>
+            </a:r>
+            <a:endParaRPr lang="zh-CN" altLang="en-US" sz="1400" dirty="0">
+              <a:solidFill>
+                <a:schemeClr val="tx1"/>
+              </a:solidFill>
+              <a:latin typeface="宋体" panose="02010600030101010101" pitchFamily="2" charset="-122"/>
+              <a:ea typeface="宋体" panose="02010600030101010101" pitchFamily="2" charset="-122"/>
+            </a:endParaRPr>
+          </a:p>
+        </p:txBody>
+      </p:sp>
+      <p:cxnSp>
+        <p:nvCxnSpPr>
+          <p:cNvPr id="13" name="直接箭头连接符 12">
+            <a:extLst>
+              <a:ext uri="{FF2B5EF4-FFF2-40B4-BE49-F238E27FC236}">
+                <a16:creationId xmlns:a16="http://schemas.microsoft.com/office/drawing/2014/main" id="{654FD18A-EC02-4EF4-9BF6-9E1EF6748FA3}"/>
+              </a:ext>
+            </a:extLst>
+          </p:cNvPr>
+          <p:cNvCxnSpPr>
+            <a:cxnSpLocks/>
+            <a:stCxn id="4" idx="2"/>
+            <a:endCxn id="11" idx="0"/>
+          </p:cNvCxnSpPr>
+          <p:nvPr/>
+        </p:nvCxnSpPr>
+        <p:spPr>
+          <a:xfrm>
+            <a:off x="6095999" y="886229"/>
+            <a:ext cx="0" cy="307098"/>
+          </a:xfrm>
+          <a:prstGeom prst="straightConnector1">
+            <a:avLst/>
+          </a:prstGeom>
+          <a:ln w="12700">
+            <a:solidFill>
+              <a:schemeClr val="tx1"/>
+            </a:solidFill>
+            <a:tailEnd type="triangle"/>
+          </a:ln>
+        </p:spPr>
+        <p:style>
+          <a:lnRef idx="1">
+            <a:schemeClr val="accent1"/>
+          </a:lnRef>
+          <a:fillRef idx="0">
+            <a:schemeClr val="accent1"/>
+          </a:fillRef>
+          <a:effectRef idx="0">
+            <a:schemeClr val="accent1"/>
+          </a:effectRef>
+          <a:fontRef idx="minor">
+            <a:schemeClr val="tx1"/>
+          </a:fontRef>
+        </p:style>
+      </p:cxnSp>
+      <p:cxnSp>
+        <p:nvCxnSpPr>
+          <p:cNvPr id="17" name="直接箭头连接符 16">
+            <a:extLst>
+              <a:ext uri="{FF2B5EF4-FFF2-40B4-BE49-F238E27FC236}">
+                <a16:creationId xmlns:a16="http://schemas.microsoft.com/office/drawing/2014/main" id="{8866ACBC-08B3-4519-95B1-3468F459870E}"/>
+              </a:ext>
+            </a:extLst>
+          </p:cNvPr>
+          <p:cNvCxnSpPr>
+            <a:cxnSpLocks/>
+          </p:cNvCxnSpPr>
+          <p:nvPr/>
+        </p:nvCxnSpPr>
+        <p:spPr>
+          <a:xfrm>
+            <a:off x="7093187" y="1422619"/>
+            <a:ext cx="1111013" cy="0"/>
+          </a:xfrm>
+          <a:prstGeom prst="straightConnector1">
+            <a:avLst/>
+          </a:prstGeom>
+          <a:ln w="12700">
+            <a:solidFill>
+              <a:schemeClr val="tx1"/>
+            </a:solidFill>
+            <a:tailEnd type="triangle"/>
+          </a:ln>
+        </p:spPr>
+        <p:style>
+          <a:lnRef idx="1">
+            <a:schemeClr val="accent1"/>
+          </a:lnRef>
+          <a:fillRef idx="0">
+            <a:schemeClr val="accent1"/>
+          </a:fillRef>
+          <a:effectRef idx="0">
+            <a:schemeClr val="accent1"/>
+          </a:effectRef>
+          <a:fontRef idx="minor">
+            <a:schemeClr val="tx1"/>
+          </a:fontRef>
+        </p:style>
+      </p:cxnSp>
+      <p:cxnSp>
+        <p:nvCxnSpPr>
+          <p:cNvPr id="19" name="直接箭头连接符 18">
+            <a:extLst>
+              <a:ext uri="{FF2B5EF4-FFF2-40B4-BE49-F238E27FC236}">
+                <a16:creationId xmlns:a16="http://schemas.microsoft.com/office/drawing/2014/main" id="{2B75463C-60F1-4F41-B0A2-235C0A3C1342}"/>
+              </a:ext>
+            </a:extLst>
+          </p:cNvPr>
+          <p:cNvCxnSpPr>
+            <a:cxnSpLocks/>
+          </p:cNvCxnSpPr>
+          <p:nvPr/>
+        </p:nvCxnSpPr>
+        <p:spPr>
+          <a:xfrm>
+            <a:off x="6095999" y="1651911"/>
+            <a:ext cx="0" cy="307098"/>
+          </a:xfrm>
+          <a:prstGeom prst="straightConnector1">
+            <a:avLst/>
+          </a:prstGeom>
+          <a:ln w="12700">
+            <a:solidFill>
+              <a:schemeClr val="tx1"/>
+            </a:solidFill>
+            <a:tailEnd type="triangle"/>
+          </a:ln>
+        </p:spPr>
+        <p:style>
+          <a:lnRef idx="1">
+            <a:schemeClr val="accent1"/>
+          </a:lnRef>
+          <a:fillRef idx="0">
+            <a:schemeClr val="accent1"/>
+          </a:fillRef>
+          <a:effectRef idx="0">
+            <a:schemeClr val="accent1"/>
+          </a:effectRef>
+          <a:fontRef idx="minor">
+            <a:schemeClr val="tx1"/>
+          </a:fontRef>
+        </p:style>
+      </p:cxnSp>
+      <p:sp>
+        <p:nvSpPr>
+          <p:cNvPr id="21" name="文本框 20">
+            <a:extLst>
+              <a:ext uri="{FF2B5EF4-FFF2-40B4-BE49-F238E27FC236}">
+                <a16:creationId xmlns:a16="http://schemas.microsoft.com/office/drawing/2014/main" id="{9875EE72-E991-4CA0-AFCE-0D0B4C13EE65}"/>
+              </a:ext>
+            </a:extLst>
+          </p:cNvPr>
+          <p:cNvSpPr txBox="1"/>
+          <p:nvPr/>
+        </p:nvSpPr>
+        <p:spPr>
+          <a:xfrm>
+            <a:off x="6053327" y="3312518"/>
+            <a:ext cx="1267969" cy="276999"/>
+          </a:xfrm>
+          <a:prstGeom prst="rect">
+            <a:avLst/>
+          </a:prstGeom>
+          <a:noFill/>
+        </p:spPr>
+        <p:txBody>
+          <a:bodyPr wrap="square" rtlCol="0">
+            <a:spAutoFit/>
+          </a:bodyPr>
+          <a:lstStyle/>
+          <a:p>
+            <a:r>
+              <a:rPr lang="zh-CN" altLang="en-US" sz="1200" dirty="0">
+                <a:latin typeface="宋体" panose="02010600030101010101" pitchFamily="2" charset="-122"/>
+                <a:ea typeface="宋体" panose="02010600030101010101" pitchFamily="2" charset="-122"/>
+              </a:rPr>
+              <a:t>满足条件的子图</a:t>
+            </a:r>
+          </a:p>
+        </p:txBody>
+      </p:sp>
+      <p:sp>
+        <p:nvSpPr>
+          <p:cNvPr id="22" name="文本框 21">
+            <a:extLst>
+              <a:ext uri="{FF2B5EF4-FFF2-40B4-BE49-F238E27FC236}">
+                <a16:creationId xmlns:a16="http://schemas.microsoft.com/office/drawing/2014/main" id="{85287887-31D7-4790-A53B-F01109186780}"/>
+              </a:ext>
+            </a:extLst>
+          </p:cNvPr>
+          <p:cNvSpPr txBox="1"/>
+          <p:nvPr/>
+        </p:nvSpPr>
+        <p:spPr>
+          <a:xfrm>
+            <a:off x="7048945" y="2852358"/>
+            <a:ext cx="1223321" cy="461665"/>
+          </a:xfrm>
+          <a:prstGeom prst="rect">
+            <a:avLst/>
+          </a:prstGeom>
+          <a:noFill/>
+        </p:spPr>
+        <p:txBody>
+          <a:bodyPr wrap="square" rtlCol="0">
+            <a:spAutoFit/>
+          </a:bodyPr>
+          <a:lstStyle/>
+          <a:p>
+            <a:r>
+              <a:rPr lang="zh-CN" altLang="en-US" sz="1200" dirty="0">
+                <a:latin typeface="宋体" panose="02010600030101010101" pitchFamily="2" charset="-122"/>
+                <a:ea typeface="宋体" panose="02010600030101010101" pitchFamily="2" charset="-122"/>
+              </a:rPr>
+              <a:t>不满足条件的子图，淘汰</a:t>
+            </a:r>
+          </a:p>
+        </p:txBody>
+      </p:sp>
+      <p:sp>
+        <p:nvSpPr>
+          <p:cNvPr id="23" name="流程图: 决策 22">
+            <a:extLst>
+              <a:ext uri="{FF2B5EF4-FFF2-40B4-BE49-F238E27FC236}">
+                <a16:creationId xmlns:a16="http://schemas.microsoft.com/office/drawing/2014/main" id="{65EA8C49-E427-4DB5-B4BB-1D25059E943A}"/>
+              </a:ext>
+            </a:extLst>
+          </p:cNvPr>
+          <p:cNvSpPr/>
+          <p:nvPr/>
+        </p:nvSpPr>
+        <p:spPr>
+          <a:xfrm>
+            <a:off x="5103890" y="2860186"/>
+            <a:ext cx="1984218" cy="458584"/>
+          </a:xfrm>
+          <a:prstGeom prst="flowChartDecision">
+            <a:avLst/>
+          </a:prstGeom>
+          <a:noFill/>
+          <a:ln>
+            <a:solidFill>
+              <a:schemeClr val="tx1"/>
+            </a:solidFill>
+          </a:ln>
+        </p:spPr>
+        <p:style>
+          <a:lnRef idx="2">
+            <a:schemeClr val="accent1">
+              <a:shade val="50000"/>
+            </a:schemeClr>
+          </a:lnRef>
+          <a:fillRef idx="1">
+            <a:schemeClr val="accent1"/>
+          </a:fillRef>
+          <a:effectRef idx="0">
+            <a:schemeClr val="accent1"/>
+          </a:effectRef>
+          <a:fontRef idx="minor">
+            <a:schemeClr val="lt1"/>
+          </a:fontRef>
+        </p:style>
+        <p:txBody>
+          <a:bodyPr rtlCol="0" anchor="ctr"/>
+          <a:lstStyle/>
+          <a:p>
+            <a:pPr algn="ctr"/>
+            <a:r>
+              <a:rPr lang="zh-CN" altLang="en-US" sz="1400" dirty="0">
+                <a:solidFill>
+                  <a:schemeClr val="tx1"/>
+                </a:solidFill>
+                <a:latin typeface="宋体" panose="02010600030101010101" pitchFamily="2" charset="-122"/>
+                <a:ea typeface="宋体" panose="02010600030101010101" pitchFamily="2" charset="-122"/>
+              </a:rPr>
+              <a:t>面积特征</a:t>
+            </a:r>
+            <a:r>
+              <a:rPr lang="en-US" altLang="zh-CN" sz="1400" dirty="0">
+                <a:solidFill>
+                  <a:schemeClr val="tx1"/>
+                </a:solidFill>
+                <a:latin typeface="宋体" panose="02010600030101010101" pitchFamily="2" charset="-122"/>
+                <a:ea typeface="宋体" panose="02010600030101010101" pitchFamily="2" charset="-122"/>
+              </a:rPr>
+              <a:t>n</a:t>
+            </a:r>
+            <a:endParaRPr lang="zh-CN" altLang="en-US" sz="1400" dirty="0">
+              <a:solidFill>
+                <a:schemeClr val="tx1"/>
+              </a:solidFill>
+              <a:latin typeface="宋体" panose="02010600030101010101" pitchFamily="2" charset="-122"/>
+              <a:ea typeface="宋体" panose="02010600030101010101" pitchFamily="2" charset="-122"/>
+            </a:endParaRPr>
+          </a:p>
+        </p:txBody>
+      </p:sp>
+      <p:cxnSp>
+        <p:nvCxnSpPr>
+          <p:cNvPr id="24" name="直接箭头连接符 23">
+            <a:extLst>
+              <a:ext uri="{FF2B5EF4-FFF2-40B4-BE49-F238E27FC236}">
+                <a16:creationId xmlns:a16="http://schemas.microsoft.com/office/drawing/2014/main" id="{2D39DD84-6B71-4141-BD0B-85A4529AEA9E}"/>
+              </a:ext>
+            </a:extLst>
+          </p:cNvPr>
+          <p:cNvCxnSpPr>
+            <a:cxnSpLocks/>
+            <a:endCxn id="23" idx="0"/>
+          </p:cNvCxnSpPr>
+          <p:nvPr/>
+        </p:nvCxnSpPr>
+        <p:spPr>
+          <a:xfrm>
+            <a:off x="6095999" y="2553088"/>
+            <a:ext cx="0" cy="307098"/>
+          </a:xfrm>
+          <a:prstGeom prst="straightConnector1">
+            <a:avLst/>
+          </a:prstGeom>
+          <a:ln w="12700">
+            <a:solidFill>
+              <a:schemeClr val="tx1"/>
+            </a:solidFill>
+            <a:tailEnd type="triangle"/>
+          </a:ln>
+        </p:spPr>
+        <p:style>
+          <a:lnRef idx="1">
+            <a:schemeClr val="accent1"/>
+          </a:lnRef>
+          <a:fillRef idx="0">
+            <a:schemeClr val="accent1"/>
+          </a:fillRef>
+          <a:effectRef idx="0">
+            <a:schemeClr val="accent1"/>
+          </a:effectRef>
+          <a:fontRef idx="minor">
+            <a:schemeClr val="tx1"/>
+          </a:fontRef>
+        </p:style>
+      </p:cxnSp>
+      <p:cxnSp>
+        <p:nvCxnSpPr>
+          <p:cNvPr id="25" name="直接箭头连接符 24">
+            <a:extLst>
+              <a:ext uri="{FF2B5EF4-FFF2-40B4-BE49-F238E27FC236}">
+                <a16:creationId xmlns:a16="http://schemas.microsoft.com/office/drawing/2014/main" id="{F7DCDE3B-2D53-4A72-9B45-07167586C26D}"/>
+              </a:ext>
+            </a:extLst>
+          </p:cNvPr>
+          <p:cNvCxnSpPr>
+            <a:cxnSpLocks/>
+          </p:cNvCxnSpPr>
+          <p:nvPr/>
+        </p:nvCxnSpPr>
+        <p:spPr>
+          <a:xfrm>
+            <a:off x="7093187" y="3089478"/>
+            <a:ext cx="1111013" cy="0"/>
+          </a:xfrm>
+          <a:prstGeom prst="straightConnector1">
+            <a:avLst/>
+          </a:prstGeom>
+          <a:ln w="12700">
+            <a:solidFill>
+              <a:schemeClr val="tx1"/>
+            </a:solidFill>
+            <a:tailEnd type="triangle"/>
+          </a:ln>
+        </p:spPr>
+        <p:style>
+          <a:lnRef idx="1">
+            <a:schemeClr val="accent1"/>
+          </a:lnRef>
+          <a:fillRef idx="0">
+            <a:schemeClr val="accent1"/>
+          </a:fillRef>
+          <a:effectRef idx="0">
+            <a:schemeClr val="accent1"/>
+          </a:effectRef>
+          <a:fontRef idx="minor">
+            <a:schemeClr val="tx1"/>
+          </a:fontRef>
+        </p:style>
+      </p:cxnSp>
+      <p:cxnSp>
+        <p:nvCxnSpPr>
+          <p:cNvPr id="26" name="直接箭头连接符 25">
+            <a:extLst>
+              <a:ext uri="{FF2B5EF4-FFF2-40B4-BE49-F238E27FC236}">
+                <a16:creationId xmlns:a16="http://schemas.microsoft.com/office/drawing/2014/main" id="{8BDEDFAE-6F10-497C-BB85-D7FD45D44462}"/>
+              </a:ext>
+            </a:extLst>
+          </p:cNvPr>
+          <p:cNvCxnSpPr>
+            <a:cxnSpLocks/>
+          </p:cNvCxnSpPr>
+          <p:nvPr/>
+        </p:nvCxnSpPr>
+        <p:spPr>
+          <a:xfrm>
+            <a:off x="6095999" y="3318770"/>
+            <a:ext cx="0" cy="307098"/>
+          </a:xfrm>
+          <a:prstGeom prst="straightConnector1">
+            <a:avLst/>
+          </a:prstGeom>
+          <a:ln w="12700">
+            <a:solidFill>
+              <a:schemeClr val="tx1"/>
+            </a:solidFill>
+            <a:tailEnd type="triangle"/>
+          </a:ln>
+        </p:spPr>
+        <p:style>
+          <a:lnRef idx="1">
+            <a:schemeClr val="accent1"/>
+          </a:lnRef>
+          <a:fillRef idx="0">
+            <a:schemeClr val="accent1"/>
+          </a:fillRef>
+          <a:effectRef idx="0">
+            <a:schemeClr val="accent1"/>
+          </a:effectRef>
+          <a:fontRef idx="minor">
+            <a:schemeClr val="tx1"/>
+          </a:fontRef>
+        </p:style>
+      </p:cxnSp>
+      <p:sp>
+        <p:nvSpPr>
+          <p:cNvPr id="27" name="文本框 26">
+            <a:extLst>
+              <a:ext uri="{FF2B5EF4-FFF2-40B4-BE49-F238E27FC236}">
+                <a16:creationId xmlns:a16="http://schemas.microsoft.com/office/drawing/2014/main" id="{7A780276-5151-4EBE-899B-56A5959C4AF6}"/>
+              </a:ext>
+            </a:extLst>
+          </p:cNvPr>
+          <p:cNvSpPr txBox="1"/>
+          <p:nvPr/>
+        </p:nvSpPr>
+        <p:spPr>
+          <a:xfrm>
+            <a:off x="5966797" y="1996149"/>
+            <a:ext cx="258404" cy="527196"/>
+          </a:xfrm>
+          <a:prstGeom prst="rect">
+            <a:avLst/>
+          </a:prstGeom>
+          <a:noFill/>
+        </p:spPr>
+        <p:txBody>
+          <a:bodyPr wrap="none" rtlCol="0">
+            <a:spAutoFit/>
+          </a:bodyPr>
+          <a:lstStyle/>
+          <a:p>
+            <a:pPr>
+              <a:lnSpc>
+                <a:spcPts val="1000"/>
+              </a:lnSpc>
+            </a:pPr>
+            <a:r>
+              <a:rPr lang="en-US" altLang="zh-CN" sz="2400" b="1" dirty="0"/>
+              <a:t>.</a:t>
+            </a:r>
+          </a:p>
+          <a:p>
+            <a:pPr>
+              <a:lnSpc>
+                <a:spcPts val="1000"/>
+              </a:lnSpc>
+            </a:pPr>
+            <a:r>
+              <a:rPr lang="en-US" altLang="zh-CN" sz="2400" b="1" dirty="0"/>
+              <a:t>.</a:t>
+            </a:r>
+          </a:p>
+          <a:p>
+            <a:pPr>
+              <a:lnSpc>
+                <a:spcPts val="1000"/>
+              </a:lnSpc>
+            </a:pPr>
+            <a:r>
+              <a:rPr lang="en-US" altLang="zh-CN" sz="2400" b="1" dirty="0"/>
+              <a:t>.</a:t>
+            </a:r>
+            <a:endParaRPr lang="zh-CN" altLang="en-US" sz="2400" b="1" dirty="0"/>
+          </a:p>
+        </p:txBody>
+      </p:sp>
+      <p:sp>
+        <p:nvSpPr>
+          <p:cNvPr id="28" name="文本框 27">
+            <a:extLst>
+              <a:ext uri="{FF2B5EF4-FFF2-40B4-BE49-F238E27FC236}">
+                <a16:creationId xmlns:a16="http://schemas.microsoft.com/office/drawing/2014/main" id="{8BCA8B39-4969-4410-A175-70EBCEDE1F31}"/>
+              </a:ext>
+            </a:extLst>
+          </p:cNvPr>
+          <p:cNvSpPr txBox="1"/>
+          <p:nvPr/>
+        </p:nvSpPr>
+        <p:spPr>
+          <a:xfrm>
+            <a:off x="6059423" y="4084452"/>
+            <a:ext cx="1448495" cy="276999"/>
+          </a:xfrm>
+          <a:prstGeom prst="rect">
+            <a:avLst/>
+          </a:prstGeom>
+          <a:noFill/>
+        </p:spPr>
+        <p:txBody>
+          <a:bodyPr wrap="square" rtlCol="0">
+            <a:spAutoFit/>
+          </a:bodyPr>
+          <a:lstStyle/>
+          <a:p>
+            <a:r>
+              <a:rPr lang="zh-CN" altLang="en-US" sz="1200" dirty="0">
+                <a:latin typeface="宋体" panose="02010600030101010101" pitchFamily="2" charset="-122"/>
+                <a:ea typeface="宋体" panose="02010600030101010101" pitchFamily="2" charset="-122"/>
+              </a:rPr>
+              <a:t>满足条件的子图</a:t>
+            </a:r>
+          </a:p>
+        </p:txBody>
+      </p:sp>
+      <p:sp>
+        <p:nvSpPr>
+          <p:cNvPr id="29" name="文本框 28">
+            <a:extLst>
+              <a:ext uri="{FF2B5EF4-FFF2-40B4-BE49-F238E27FC236}">
+                <a16:creationId xmlns:a16="http://schemas.microsoft.com/office/drawing/2014/main" id="{2CED35D3-947F-41E0-BFA5-2BB52524B731}"/>
+              </a:ext>
+            </a:extLst>
+          </p:cNvPr>
+          <p:cNvSpPr txBox="1"/>
+          <p:nvPr/>
+        </p:nvSpPr>
+        <p:spPr>
+          <a:xfrm>
+            <a:off x="7048945" y="3623127"/>
+            <a:ext cx="1223327" cy="461665"/>
+          </a:xfrm>
+          <a:prstGeom prst="rect">
+            <a:avLst/>
+          </a:prstGeom>
+          <a:noFill/>
+        </p:spPr>
+        <p:txBody>
+          <a:bodyPr wrap="square" rtlCol="0">
+            <a:spAutoFit/>
+          </a:bodyPr>
+          <a:lstStyle/>
+          <a:p>
+            <a:r>
+              <a:rPr lang="zh-CN" altLang="en-US" sz="1200" dirty="0">
+                <a:latin typeface="宋体" panose="02010600030101010101" pitchFamily="2" charset="-122"/>
+                <a:ea typeface="宋体" panose="02010600030101010101" pitchFamily="2" charset="-122"/>
+              </a:rPr>
+              <a:t>不满足条件的子图，淘汰</a:t>
+            </a:r>
+          </a:p>
+        </p:txBody>
+      </p:sp>
+      <p:sp>
+        <p:nvSpPr>
+          <p:cNvPr id="30" name="流程图: 决策 29">
+            <a:extLst>
+              <a:ext uri="{FF2B5EF4-FFF2-40B4-BE49-F238E27FC236}">
+                <a16:creationId xmlns:a16="http://schemas.microsoft.com/office/drawing/2014/main" id="{A451402B-5FE6-4890-9F4E-49EB8F79024F}"/>
+              </a:ext>
+            </a:extLst>
+          </p:cNvPr>
+          <p:cNvSpPr/>
+          <p:nvPr/>
+        </p:nvSpPr>
+        <p:spPr>
+          <a:xfrm>
+            <a:off x="5103890" y="3632120"/>
+            <a:ext cx="1984218" cy="458584"/>
+          </a:xfrm>
+          <a:prstGeom prst="flowChartDecision">
+            <a:avLst/>
+          </a:prstGeom>
+          <a:noFill/>
+          <a:ln>
+            <a:solidFill>
+              <a:schemeClr val="tx1"/>
+            </a:solidFill>
+          </a:ln>
+        </p:spPr>
+        <p:style>
+          <a:lnRef idx="2">
+            <a:schemeClr val="accent1">
+              <a:shade val="50000"/>
+            </a:schemeClr>
+          </a:lnRef>
+          <a:fillRef idx="1">
+            <a:schemeClr val="accent1"/>
+          </a:fillRef>
+          <a:effectRef idx="0">
+            <a:schemeClr val="accent1"/>
+          </a:effectRef>
+          <a:fontRef idx="minor">
+            <a:schemeClr val="lt1"/>
+          </a:fontRef>
+        </p:style>
+        <p:txBody>
+          <a:bodyPr rtlCol="0" anchor="ctr"/>
+          <a:lstStyle/>
+          <a:p>
+            <a:pPr algn="ctr"/>
+            <a:r>
+              <a:rPr lang="en-US" altLang="zh-CN" sz="1400" dirty="0">
+                <a:solidFill>
+                  <a:schemeClr val="tx1"/>
+                </a:solidFill>
+                <a:latin typeface="宋体" panose="02010600030101010101" pitchFamily="2" charset="-122"/>
+                <a:ea typeface="宋体" panose="02010600030101010101" pitchFamily="2" charset="-122"/>
+              </a:rPr>
+              <a:t>T</a:t>
+            </a:r>
+            <a:r>
+              <a:rPr lang="zh-CN" altLang="en-US" sz="1400" dirty="0">
+                <a:solidFill>
+                  <a:schemeClr val="tx1"/>
+                </a:solidFill>
+                <a:latin typeface="宋体" panose="02010600030101010101" pitchFamily="2" charset="-122"/>
+                <a:ea typeface="宋体" panose="02010600030101010101" pitchFamily="2" charset="-122"/>
+              </a:rPr>
+              <a:t>检验法</a:t>
+            </a:r>
+          </a:p>
+        </p:txBody>
+      </p:sp>
+      <p:cxnSp>
+        <p:nvCxnSpPr>
+          <p:cNvPr id="32" name="直接箭头连接符 31">
+            <a:extLst>
+              <a:ext uri="{FF2B5EF4-FFF2-40B4-BE49-F238E27FC236}">
+                <a16:creationId xmlns:a16="http://schemas.microsoft.com/office/drawing/2014/main" id="{2B351FF0-D89A-4F30-A5EC-0A9949CC8AB3}"/>
+              </a:ext>
+            </a:extLst>
+          </p:cNvPr>
+          <p:cNvCxnSpPr>
+            <a:cxnSpLocks/>
+          </p:cNvCxnSpPr>
+          <p:nvPr/>
+        </p:nvCxnSpPr>
+        <p:spPr>
+          <a:xfrm>
+            <a:off x="7093187" y="3861412"/>
+            <a:ext cx="1111013" cy="0"/>
+          </a:xfrm>
+          <a:prstGeom prst="straightConnector1">
+            <a:avLst/>
+          </a:prstGeom>
+          <a:ln w="12700">
+            <a:solidFill>
+              <a:schemeClr val="tx1"/>
+            </a:solidFill>
+            <a:tailEnd type="triangle"/>
+          </a:ln>
+        </p:spPr>
+        <p:style>
+          <a:lnRef idx="1">
+            <a:schemeClr val="accent1"/>
+          </a:lnRef>
+          <a:fillRef idx="0">
+            <a:schemeClr val="accent1"/>
+          </a:fillRef>
+          <a:effectRef idx="0">
+            <a:schemeClr val="accent1"/>
+          </a:effectRef>
+          <a:fontRef idx="minor">
+            <a:schemeClr val="tx1"/>
+          </a:fontRef>
+        </p:style>
+      </p:cxnSp>
+      <p:cxnSp>
+        <p:nvCxnSpPr>
+          <p:cNvPr id="33" name="直接箭头连接符 32">
+            <a:extLst>
+              <a:ext uri="{FF2B5EF4-FFF2-40B4-BE49-F238E27FC236}">
+                <a16:creationId xmlns:a16="http://schemas.microsoft.com/office/drawing/2014/main" id="{69252E17-69E2-46A7-A28B-D122214A42B3}"/>
+              </a:ext>
+            </a:extLst>
+          </p:cNvPr>
+          <p:cNvCxnSpPr>
+            <a:cxnSpLocks/>
+          </p:cNvCxnSpPr>
+          <p:nvPr/>
+        </p:nvCxnSpPr>
+        <p:spPr>
+          <a:xfrm>
+            <a:off x="6095999" y="4090704"/>
+            <a:ext cx="0" cy="307098"/>
+          </a:xfrm>
+          <a:prstGeom prst="straightConnector1">
+            <a:avLst/>
+          </a:prstGeom>
+          <a:ln w="12700">
+            <a:solidFill>
+              <a:schemeClr val="tx1"/>
+            </a:solidFill>
+            <a:tailEnd type="triangle"/>
+          </a:ln>
+        </p:spPr>
+        <p:style>
+          <a:lnRef idx="1">
+            <a:schemeClr val="accent1"/>
+          </a:lnRef>
+          <a:fillRef idx="0">
+            <a:schemeClr val="accent1"/>
+          </a:fillRef>
+          <a:effectRef idx="0">
+            <a:schemeClr val="accent1"/>
+          </a:effectRef>
+          <a:fontRef idx="minor">
+            <a:schemeClr val="tx1"/>
+          </a:fontRef>
+        </p:style>
+      </p:cxnSp>
+      <p:sp>
+        <p:nvSpPr>
+          <p:cNvPr id="35" name="流程图: 过程 34">
+            <a:extLst>
+              <a:ext uri="{FF2B5EF4-FFF2-40B4-BE49-F238E27FC236}">
+                <a16:creationId xmlns:a16="http://schemas.microsoft.com/office/drawing/2014/main" id="{5B8CC7A6-6264-4FBD-B072-EEB434293E42}"/>
+              </a:ext>
+            </a:extLst>
+          </p:cNvPr>
+          <p:cNvSpPr/>
+          <p:nvPr/>
+        </p:nvSpPr>
+        <p:spPr>
+          <a:xfrm>
+            <a:off x="5308630" y="4404536"/>
+            <a:ext cx="1574737" cy="276999"/>
+          </a:xfrm>
+          <a:prstGeom prst="flowChartProcess">
+            <a:avLst/>
+          </a:prstGeom>
+          <a:noFill/>
+          <a:ln>
+            <a:solidFill>
+              <a:schemeClr val="tx1"/>
+            </a:solidFill>
+          </a:ln>
+        </p:spPr>
+        <p:style>
+          <a:lnRef idx="2">
+            <a:schemeClr val="accent1">
+              <a:shade val="50000"/>
+            </a:schemeClr>
+          </a:lnRef>
+          <a:fillRef idx="1">
+            <a:schemeClr val="accent1"/>
+          </a:fillRef>
+          <a:effectRef idx="0">
+            <a:schemeClr val="accent1"/>
+          </a:effectRef>
+          <a:fontRef idx="minor">
+            <a:schemeClr val="lt1"/>
+          </a:fontRef>
+        </p:style>
+        <p:txBody>
+          <a:bodyPr rtlCol="0" anchor="ctr"/>
+          <a:lstStyle/>
+          <a:p>
+            <a:pPr algn="ctr"/>
+            <a:r>
+              <a:rPr lang="zh-CN" altLang="en-US" sz="1400" dirty="0">
+                <a:solidFill>
+                  <a:schemeClr val="tx1"/>
+                </a:solidFill>
+                <a:latin typeface="宋体" panose="02010600030101010101" pitchFamily="2" charset="-122"/>
+                <a:ea typeface="宋体" panose="02010600030101010101" pitchFamily="2" charset="-122"/>
+              </a:rPr>
+              <a:t>聚类</a:t>
+            </a:r>
+          </a:p>
+        </p:txBody>
+      </p:sp>
+      <p:cxnSp>
+        <p:nvCxnSpPr>
+          <p:cNvPr id="37" name="直接连接符 36">
+            <a:extLst>
+              <a:ext uri="{FF2B5EF4-FFF2-40B4-BE49-F238E27FC236}">
+                <a16:creationId xmlns:a16="http://schemas.microsoft.com/office/drawing/2014/main" id="{4E46FB8A-338D-4D2B-8C14-6D72E35959BE}"/>
+              </a:ext>
+            </a:extLst>
+          </p:cNvPr>
+          <p:cNvCxnSpPr>
+            <a:cxnSpLocks/>
+            <a:stCxn id="35" idx="2"/>
+          </p:cNvCxnSpPr>
+          <p:nvPr/>
+        </p:nvCxnSpPr>
+        <p:spPr>
+          <a:xfrm>
+            <a:off x="6095999" y="4681535"/>
+            <a:ext cx="0" cy="191201"/>
+          </a:xfrm>
+          <a:prstGeom prst="line">
+            <a:avLst/>
+          </a:prstGeom>
+          <a:ln w="12700">
+            <a:solidFill>
+              <a:schemeClr val="tx1"/>
+            </a:solidFill>
+          </a:ln>
+        </p:spPr>
+        <p:style>
+          <a:lnRef idx="1">
+            <a:schemeClr val="accent1"/>
+          </a:lnRef>
+          <a:fillRef idx="0">
+            <a:schemeClr val="accent1"/>
+          </a:fillRef>
+          <a:effectRef idx="0">
+            <a:schemeClr val="accent1"/>
+          </a:effectRef>
+          <a:fontRef idx="minor">
+            <a:schemeClr val="tx1"/>
+          </a:fontRef>
+        </p:style>
+      </p:cxnSp>
+      <p:cxnSp>
+        <p:nvCxnSpPr>
+          <p:cNvPr id="41" name="直接连接符 40">
+            <a:extLst>
+              <a:ext uri="{FF2B5EF4-FFF2-40B4-BE49-F238E27FC236}">
+                <a16:creationId xmlns:a16="http://schemas.microsoft.com/office/drawing/2014/main" id="{901D177E-4DD6-4C16-B078-CCFEB050B2E8}"/>
+              </a:ext>
+            </a:extLst>
+          </p:cNvPr>
+          <p:cNvCxnSpPr>
+            <a:cxnSpLocks/>
+          </p:cNvCxnSpPr>
+          <p:nvPr/>
+        </p:nvCxnSpPr>
+        <p:spPr>
+          <a:xfrm flipH="1">
+            <a:off x="5027660" y="4872736"/>
+            <a:ext cx="2072640" cy="0"/>
+          </a:xfrm>
+          <a:prstGeom prst="line">
+            <a:avLst/>
+          </a:prstGeom>
+          <a:ln w="12700">
+            <a:solidFill>
+              <a:schemeClr val="tx1"/>
+            </a:solidFill>
+          </a:ln>
+        </p:spPr>
+        <p:style>
+          <a:lnRef idx="1">
+            <a:schemeClr val="accent1"/>
+          </a:lnRef>
+          <a:fillRef idx="0">
+            <a:schemeClr val="accent1"/>
+          </a:fillRef>
+          <a:effectRef idx="0">
+            <a:schemeClr val="accent1"/>
+          </a:effectRef>
+          <a:fontRef idx="minor">
+            <a:schemeClr val="tx1"/>
+          </a:fontRef>
+        </p:style>
+      </p:cxnSp>
+      <p:cxnSp>
+        <p:nvCxnSpPr>
+          <p:cNvPr id="47" name="直接箭头连接符 46">
+            <a:extLst>
+              <a:ext uri="{FF2B5EF4-FFF2-40B4-BE49-F238E27FC236}">
+                <a16:creationId xmlns:a16="http://schemas.microsoft.com/office/drawing/2014/main" id="{A8065A93-6712-4834-BBA3-72974F9CF279}"/>
+              </a:ext>
+            </a:extLst>
+          </p:cNvPr>
+          <p:cNvCxnSpPr>
+            <a:cxnSpLocks/>
+          </p:cNvCxnSpPr>
+          <p:nvPr/>
+        </p:nvCxnSpPr>
+        <p:spPr>
+          <a:xfrm>
+            <a:off x="5031215" y="4872736"/>
+            <a:ext cx="0" cy="307098"/>
+          </a:xfrm>
+          <a:prstGeom prst="straightConnector1">
+            <a:avLst/>
+          </a:prstGeom>
+          <a:ln w="12700">
+            <a:solidFill>
+              <a:schemeClr val="tx1"/>
+            </a:solidFill>
+            <a:tailEnd type="triangle"/>
+          </a:ln>
+        </p:spPr>
+        <p:style>
+          <a:lnRef idx="1">
+            <a:schemeClr val="accent1"/>
+          </a:lnRef>
+          <a:fillRef idx="0">
+            <a:schemeClr val="accent1"/>
+          </a:fillRef>
+          <a:effectRef idx="0">
+            <a:schemeClr val="accent1"/>
+          </a:effectRef>
+          <a:fontRef idx="minor">
+            <a:schemeClr val="tx1"/>
+          </a:fontRef>
+        </p:style>
+      </p:cxnSp>
+      <p:cxnSp>
+        <p:nvCxnSpPr>
+          <p:cNvPr id="48" name="直接箭头连接符 47">
+            <a:extLst>
+              <a:ext uri="{FF2B5EF4-FFF2-40B4-BE49-F238E27FC236}">
+                <a16:creationId xmlns:a16="http://schemas.microsoft.com/office/drawing/2014/main" id="{9DD1CDCB-6D96-4D0F-8136-54FD92A73F55}"/>
+              </a:ext>
+            </a:extLst>
+          </p:cNvPr>
+          <p:cNvCxnSpPr>
+            <a:cxnSpLocks/>
+          </p:cNvCxnSpPr>
+          <p:nvPr/>
+        </p:nvCxnSpPr>
+        <p:spPr>
+          <a:xfrm>
+            <a:off x="7094204" y="4872736"/>
+            <a:ext cx="0" cy="307098"/>
+          </a:xfrm>
+          <a:prstGeom prst="straightConnector1">
+            <a:avLst/>
+          </a:prstGeom>
+          <a:ln w="12700">
+            <a:solidFill>
+              <a:schemeClr val="tx1"/>
+            </a:solidFill>
+            <a:tailEnd type="triangle"/>
+          </a:ln>
+        </p:spPr>
+        <p:style>
+          <a:lnRef idx="1">
+            <a:schemeClr val="accent1"/>
+          </a:lnRef>
+          <a:fillRef idx="0">
+            <a:schemeClr val="accent1"/>
+          </a:fillRef>
+          <a:effectRef idx="0">
+            <a:schemeClr val="accent1"/>
+          </a:effectRef>
+          <a:fontRef idx="minor">
+            <a:schemeClr val="tx1"/>
+          </a:fontRef>
+        </p:style>
+      </p:cxnSp>
+      <p:cxnSp>
+        <p:nvCxnSpPr>
+          <p:cNvPr id="49" name="直接箭头连接符 48">
+            <a:extLst>
+              <a:ext uri="{FF2B5EF4-FFF2-40B4-BE49-F238E27FC236}">
+                <a16:creationId xmlns:a16="http://schemas.microsoft.com/office/drawing/2014/main" id="{12C763F8-87D8-44E2-99FD-DC3175DB5C9E}"/>
+              </a:ext>
+            </a:extLst>
+          </p:cNvPr>
+          <p:cNvCxnSpPr>
+            <a:cxnSpLocks/>
+          </p:cNvCxnSpPr>
+          <p:nvPr/>
+        </p:nvCxnSpPr>
+        <p:spPr>
+          <a:xfrm>
+            <a:off x="5541263" y="4872736"/>
+            <a:ext cx="0" cy="307098"/>
+          </a:xfrm>
+          <a:prstGeom prst="straightConnector1">
+            <a:avLst/>
+          </a:prstGeom>
+          <a:ln w="12700">
+            <a:solidFill>
+              <a:schemeClr val="tx1"/>
+            </a:solidFill>
+            <a:tailEnd type="triangle"/>
+          </a:ln>
+        </p:spPr>
+        <p:style>
+          <a:lnRef idx="1">
+            <a:schemeClr val="accent1"/>
+          </a:lnRef>
+          <a:fillRef idx="0">
+            <a:schemeClr val="accent1"/>
+          </a:fillRef>
+          <a:effectRef idx="0">
+            <a:schemeClr val="accent1"/>
+          </a:effectRef>
+          <a:fontRef idx="minor">
+            <a:schemeClr val="tx1"/>
+          </a:fontRef>
+        </p:style>
+      </p:cxnSp>
+      <p:cxnSp>
+        <p:nvCxnSpPr>
+          <p:cNvPr id="50" name="直接箭头连接符 49">
+            <a:extLst>
+              <a:ext uri="{FF2B5EF4-FFF2-40B4-BE49-F238E27FC236}">
+                <a16:creationId xmlns:a16="http://schemas.microsoft.com/office/drawing/2014/main" id="{700A253F-044C-42EA-820A-6772379115F2}"/>
+              </a:ext>
+            </a:extLst>
+          </p:cNvPr>
+          <p:cNvCxnSpPr>
+            <a:cxnSpLocks/>
+          </p:cNvCxnSpPr>
+          <p:nvPr/>
+        </p:nvCxnSpPr>
+        <p:spPr>
+          <a:xfrm>
+            <a:off x="6541007" y="4872736"/>
+            <a:ext cx="0" cy="307098"/>
+          </a:xfrm>
+          <a:prstGeom prst="straightConnector1">
+            <a:avLst/>
+          </a:prstGeom>
+          <a:ln w="12700">
+            <a:solidFill>
+              <a:schemeClr val="tx1"/>
+            </a:solidFill>
+            <a:tailEnd type="triangle"/>
+          </a:ln>
+        </p:spPr>
+        <p:style>
+          <a:lnRef idx="1">
+            <a:schemeClr val="accent1"/>
+          </a:lnRef>
+          <a:fillRef idx="0">
+            <a:schemeClr val="accent1"/>
+          </a:fillRef>
+          <a:effectRef idx="0">
+            <a:schemeClr val="accent1"/>
+          </a:effectRef>
+          <a:fontRef idx="minor">
+            <a:schemeClr val="tx1"/>
+          </a:fontRef>
+        </p:style>
+      </p:cxnSp>
+      <p:sp>
+        <p:nvSpPr>
+          <p:cNvPr id="51" name="流程图: 过程 50">
+            <a:extLst>
+              <a:ext uri="{FF2B5EF4-FFF2-40B4-BE49-F238E27FC236}">
+                <a16:creationId xmlns:a16="http://schemas.microsoft.com/office/drawing/2014/main" id="{F219F575-FDA5-44AB-946E-4BF243892C04}"/>
+              </a:ext>
+            </a:extLst>
+          </p:cNvPr>
+          <p:cNvSpPr/>
+          <p:nvPr/>
+        </p:nvSpPr>
+        <p:spPr>
+          <a:xfrm>
+            <a:off x="4573004" y="5192820"/>
+            <a:ext cx="909312" cy="276999"/>
+          </a:xfrm>
+          <a:prstGeom prst="flowChartProcess">
+            <a:avLst/>
+          </a:prstGeom>
+          <a:noFill/>
+          <a:ln>
+            <a:solidFill>
+              <a:schemeClr val="tx1"/>
+            </a:solidFill>
+          </a:ln>
+        </p:spPr>
+        <p:style>
+          <a:lnRef idx="2">
+            <a:schemeClr val="accent1">
+              <a:shade val="50000"/>
+            </a:schemeClr>
+          </a:lnRef>
+          <a:fillRef idx="1">
+            <a:schemeClr val="accent1"/>
+          </a:fillRef>
+          <a:effectRef idx="0">
+            <a:schemeClr val="accent1"/>
+          </a:effectRef>
+          <a:fontRef idx="minor">
+            <a:schemeClr val="lt1"/>
+          </a:fontRef>
+        </p:style>
+        <p:txBody>
+          <a:bodyPr rtlCol="0" anchor="ctr"/>
+          <a:lstStyle/>
+          <a:p>
+            <a:pPr algn="ctr"/>
+            <a:r>
+              <a:rPr lang="zh-CN" altLang="en-US" sz="1400" dirty="0">
+                <a:solidFill>
+                  <a:schemeClr val="tx1"/>
+                </a:solidFill>
+                <a:latin typeface="宋体" panose="02010600030101010101" pitchFamily="2" charset="-122"/>
+                <a:ea typeface="宋体" panose="02010600030101010101" pitchFamily="2" charset="-122"/>
+              </a:rPr>
+              <a:t>搜索定位</a:t>
+            </a:r>
+          </a:p>
+        </p:txBody>
+      </p:sp>
+      <p:sp>
+        <p:nvSpPr>
+          <p:cNvPr id="52" name="流程图: 过程 51">
+            <a:extLst>
+              <a:ext uri="{FF2B5EF4-FFF2-40B4-BE49-F238E27FC236}">
+                <a16:creationId xmlns:a16="http://schemas.microsoft.com/office/drawing/2014/main" id="{1639FA9D-0C11-42E1-9CB0-031B39FC174A}"/>
+              </a:ext>
+            </a:extLst>
+          </p:cNvPr>
+          <p:cNvSpPr/>
+          <p:nvPr/>
+        </p:nvSpPr>
+        <p:spPr>
+          <a:xfrm>
+            <a:off x="6633452" y="5192820"/>
+            <a:ext cx="909312" cy="276999"/>
+          </a:xfrm>
+          <a:prstGeom prst="flowChartProcess">
+            <a:avLst/>
+          </a:prstGeom>
+          <a:noFill/>
+          <a:ln>
+            <a:solidFill>
+              <a:schemeClr val="tx1"/>
+            </a:solidFill>
+          </a:ln>
+        </p:spPr>
+        <p:style>
+          <a:lnRef idx="2">
+            <a:schemeClr val="accent1">
+              <a:shade val="50000"/>
+            </a:schemeClr>
+          </a:lnRef>
+          <a:fillRef idx="1">
+            <a:schemeClr val="accent1"/>
+          </a:fillRef>
+          <a:effectRef idx="0">
+            <a:schemeClr val="accent1"/>
+          </a:effectRef>
+          <a:fontRef idx="minor">
+            <a:schemeClr val="lt1"/>
+          </a:fontRef>
+        </p:style>
+        <p:txBody>
+          <a:bodyPr rtlCol="0" anchor="ctr"/>
+          <a:lstStyle/>
+          <a:p>
+            <a:pPr algn="ctr"/>
+            <a:r>
+              <a:rPr lang="zh-CN" altLang="en-US" sz="1400" dirty="0">
+                <a:solidFill>
+                  <a:schemeClr val="tx1"/>
+                </a:solidFill>
+                <a:latin typeface="宋体" panose="02010600030101010101" pitchFamily="2" charset="-122"/>
+                <a:ea typeface="宋体" panose="02010600030101010101" pitchFamily="2" charset="-122"/>
+              </a:rPr>
+              <a:t>搜索定位</a:t>
+            </a:r>
+          </a:p>
+        </p:txBody>
+      </p:sp>
+      <p:sp>
+        <p:nvSpPr>
+          <p:cNvPr id="53" name="文本框 52">
+            <a:extLst>
+              <a:ext uri="{FF2B5EF4-FFF2-40B4-BE49-F238E27FC236}">
+                <a16:creationId xmlns:a16="http://schemas.microsoft.com/office/drawing/2014/main" id="{A0C12E0E-12F7-471B-8DF6-E5F8C9C9A9C9}"/>
+              </a:ext>
+            </a:extLst>
+          </p:cNvPr>
+          <p:cNvSpPr txBox="1"/>
+          <p:nvPr/>
+        </p:nvSpPr>
+        <p:spPr>
+          <a:xfrm>
+            <a:off x="4259753" y="4766975"/>
+            <a:ext cx="813465" cy="461665"/>
+          </a:xfrm>
+          <a:prstGeom prst="rect">
+            <a:avLst/>
+          </a:prstGeom>
+          <a:noFill/>
+        </p:spPr>
+        <p:txBody>
+          <a:bodyPr wrap="square" rtlCol="0">
+            <a:spAutoFit/>
+          </a:bodyPr>
+          <a:lstStyle/>
+          <a:p>
+            <a:pPr algn="ctr"/>
+            <a:r>
+              <a:rPr lang="zh-CN" altLang="en-US" sz="1200" dirty="0">
+                <a:latin typeface="宋体" panose="02010600030101010101" pitchFamily="2" charset="-122"/>
+                <a:ea typeface="宋体" panose="02010600030101010101" pitchFamily="2" charset="-122"/>
+              </a:rPr>
+              <a:t>目标</a:t>
+            </a:r>
+            <a:r>
+              <a:rPr lang="en-US" altLang="zh-CN" sz="1200" dirty="0">
+                <a:latin typeface="宋体" panose="02010600030101010101" pitchFamily="2" charset="-122"/>
+                <a:ea typeface="宋体" panose="02010600030101010101" pitchFamily="2" charset="-122"/>
+              </a:rPr>
+              <a:t>1</a:t>
+            </a:r>
+          </a:p>
+          <a:p>
+            <a:pPr algn="ctr"/>
+            <a:r>
+              <a:rPr lang="zh-CN" altLang="en-US" sz="1200" dirty="0">
+                <a:latin typeface="宋体" panose="02010600030101010101" pitchFamily="2" charset="-122"/>
+                <a:ea typeface="宋体" panose="02010600030101010101" pitchFamily="2" charset="-122"/>
+              </a:rPr>
+              <a:t>附近子图</a:t>
+            </a:r>
+          </a:p>
+        </p:txBody>
+      </p:sp>
+      <p:sp>
+        <p:nvSpPr>
+          <p:cNvPr id="54" name="文本框 53">
+            <a:extLst>
+              <a:ext uri="{FF2B5EF4-FFF2-40B4-BE49-F238E27FC236}">
+                <a16:creationId xmlns:a16="http://schemas.microsoft.com/office/drawing/2014/main" id="{7C30C84B-3415-455C-B9C8-7482CC545928}"/>
+              </a:ext>
+            </a:extLst>
+          </p:cNvPr>
+          <p:cNvSpPr txBox="1"/>
+          <p:nvPr/>
+        </p:nvSpPr>
+        <p:spPr>
+          <a:xfrm>
+            <a:off x="7036262" y="4747227"/>
+            <a:ext cx="813465" cy="461665"/>
+          </a:xfrm>
+          <a:prstGeom prst="rect">
+            <a:avLst/>
+          </a:prstGeom>
+          <a:noFill/>
+        </p:spPr>
+        <p:txBody>
+          <a:bodyPr wrap="square" rtlCol="0">
+            <a:spAutoFit/>
+          </a:bodyPr>
+          <a:lstStyle/>
+          <a:p>
+            <a:pPr algn="ctr"/>
+            <a:r>
+              <a:rPr lang="zh-CN" altLang="en-US" sz="1200" dirty="0">
+                <a:latin typeface="宋体" panose="02010600030101010101" pitchFamily="2" charset="-122"/>
+                <a:ea typeface="宋体" panose="02010600030101010101" pitchFamily="2" charset="-122"/>
+              </a:rPr>
+              <a:t>目标</a:t>
+            </a:r>
+            <a:r>
+              <a:rPr lang="en-US" altLang="zh-CN" sz="1200" dirty="0">
+                <a:latin typeface="宋体" panose="02010600030101010101" pitchFamily="2" charset="-122"/>
+                <a:ea typeface="宋体" panose="02010600030101010101" pitchFamily="2" charset="-122"/>
+              </a:rPr>
+              <a:t>k</a:t>
+            </a:r>
+          </a:p>
+          <a:p>
+            <a:pPr algn="ctr"/>
+            <a:r>
+              <a:rPr lang="zh-CN" altLang="en-US" sz="1200" dirty="0">
+                <a:latin typeface="宋体" panose="02010600030101010101" pitchFamily="2" charset="-122"/>
+                <a:ea typeface="宋体" panose="02010600030101010101" pitchFamily="2" charset="-122"/>
+              </a:rPr>
+              <a:t>附近子图</a:t>
+            </a:r>
+          </a:p>
+        </p:txBody>
+      </p:sp>
+      <p:sp>
+        <p:nvSpPr>
+          <p:cNvPr id="55" name="文本框 54">
+            <a:extLst>
+              <a:ext uri="{FF2B5EF4-FFF2-40B4-BE49-F238E27FC236}">
+                <a16:creationId xmlns:a16="http://schemas.microsoft.com/office/drawing/2014/main" id="{9D9031A2-6B69-40CB-BB38-A199AE6FD443}"/>
+              </a:ext>
+            </a:extLst>
+          </p:cNvPr>
+          <p:cNvSpPr txBox="1"/>
+          <p:nvPr/>
+        </p:nvSpPr>
+        <p:spPr>
+          <a:xfrm>
+            <a:off x="5890198" y="5149623"/>
+            <a:ext cx="393056" cy="400110"/>
+          </a:xfrm>
+          <a:prstGeom prst="rect">
+            <a:avLst/>
+          </a:prstGeom>
+          <a:noFill/>
+        </p:spPr>
+        <p:txBody>
+          <a:bodyPr wrap="none" rtlCol="0">
+            <a:spAutoFit/>
+          </a:bodyPr>
+          <a:lstStyle/>
+          <a:p>
+            <a:r>
+              <a:rPr lang="en-US" altLang="zh-CN" sz="2000" b="1" dirty="0"/>
+              <a:t>…</a:t>
+            </a:r>
+            <a:endParaRPr lang="zh-CN" altLang="en-US" sz="2000" b="1" dirty="0"/>
+          </a:p>
+        </p:txBody>
+      </p:sp>
+      <p:cxnSp>
+        <p:nvCxnSpPr>
+          <p:cNvPr id="56" name="直接箭头连接符 55">
+            <a:extLst>
+              <a:ext uri="{FF2B5EF4-FFF2-40B4-BE49-F238E27FC236}">
+                <a16:creationId xmlns:a16="http://schemas.microsoft.com/office/drawing/2014/main" id="{75C2A232-054B-4446-B04F-A1FE755D7438}"/>
+              </a:ext>
+            </a:extLst>
+          </p:cNvPr>
+          <p:cNvCxnSpPr>
+            <a:cxnSpLocks/>
+          </p:cNvCxnSpPr>
+          <p:nvPr/>
+        </p:nvCxnSpPr>
+        <p:spPr>
+          <a:xfrm>
+            <a:off x="5027660" y="5469819"/>
+            <a:ext cx="0" cy="307098"/>
+          </a:xfrm>
+          <a:prstGeom prst="straightConnector1">
+            <a:avLst/>
+          </a:prstGeom>
+          <a:ln w="12700">
+            <a:solidFill>
+              <a:schemeClr val="tx1"/>
+            </a:solidFill>
+            <a:tailEnd type="triangle"/>
+          </a:ln>
+        </p:spPr>
+        <p:style>
+          <a:lnRef idx="1">
+            <a:schemeClr val="accent1"/>
+          </a:lnRef>
+          <a:fillRef idx="0">
+            <a:schemeClr val="accent1"/>
+          </a:fillRef>
+          <a:effectRef idx="0">
+            <a:schemeClr val="accent1"/>
+          </a:effectRef>
+          <a:fontRef idx="minor">
+            <a:schemeClr val="tx1"/>
+          </a:fontRef>
+        </p:style>
+      </p:cxnSp>
+      <p:cxnSp>
+        <p:nvCxnSpPr>
+          <p:cNvPr id="57" name="直接箭头连接符 56">
+            <a:extLst>
+              <a:ext uri="{FF2B5EF4-FFF2-40B4-BE49-F238E27FC236}">
+                <a16:creationId xmlns:a16="http://schemas.microsoft.com/office/drawing/2014/main" id="{500858A6-3E0C-4CEB-BE9A-98D33416D667}"/>
+              </a:ext>
+            </a:extLst>
+          </p:cNvPr>
+          <p:cNvCxnSpPr>
+            <a:cxnSpLocks/>
+          </p:cNvCxnSpPr>
+          <p:nvPr/>
+        </p:nvCxnSpPr>
+        <p:spPr>
+          <a:xfrm>
+            <a:off x="7100300" y="5464872"/>
+            <a:ext cx="0" cy="307098"/>
+          </a:xfrm>
+          <a:prstGeom prst="straightConnector1">
+            <a:avLst/>
+          </a:prstGeom>
+          <a:ln w="12700">
+            <a:solidFill>
+              <a:schemeClr val="tx1"/>
+            </a:solidFill>
+            <a:tailEnd type="triangle"/>
+          </a:ln>
+        </p:spPr>
+        <p:style>
+          <a:lnRef idx="1">
+            <a:schemeClr val="accent1"/>
+          </a:lnRef>
+          <a:fillRef idx="0">
+            <a:schemeClr val="accent1"/>
+          </a:fillRef>
+          <a:effectRef idx="0">
+            <a:schemeClr val="accent1"/>
+          </a:effectRef>
+          <a:fontRef idx="minor">
+            <a:schemeClr val="tx1"/>
+          </a:fontRef>
+        </p:style>
+      </p:cxnSp>
+      <p:sp>
+        <p:nvSpPr>
+          <p:cNvPr id="58" name="流程图: 过程 57">
+            <a:extLst>
+              <a:ext uri="{FF2B5EF4-FFF2-40B4-BE49-F238E27FC236}">
+                <a16:creationId xmlns:a16="http://schemas.microsoft.com/office/drawing/2014/main" id="{F3E0ABB7-9899-404C-A6B6-E85F1AD3BC30}"/>
+              </a:ext>
+            </a:extLst>
+          </p:cNvPr>
+          <p:cNvSpPr/>
+          <p:nvPr/>
+        </p:nvSpPr>
+        <p:spPr>
+          <a:xfrm>
+            <a:off x="4532346" y="5771970"/>
+            <a:ext cx="990627" cy="276999"/>
+          </a:xfrm>
+          <a:prstGeom prst="flowChartProcess">
+            <a:avLst/>
+          </a:prstGeom>
+          <a:noFill/>
+          <a:ln>
+            <a:solidFill>
+              <a:schemeClr val="tx1"/>
+            </a:solidFill>
+          </a:ln>
+        </p:spPr>
+        <p:style>
+          <a:lnRef idx="2">
+            <a:schemeClr val="accent1">
+              <a:shade val="50000"/>
+            </a:schemeClr>
+          </a:lnRef>
+          <a:fillRef idx="1">
+            <a:schemeClr val="accent1"/>
+          </a:fillRef>
+          <a:effectRef idx="0">
+            <a:schemeClr val="accent1"/>
+          </a:effectRef>
+          <a:fontRef idx="minor">
+            <a:schemeClr val="lt1"/>
+          </a:fontRef>
+        </p:style>
+        <p:txBody>
+          <a:bodyPr rtlCol="0" anchor="ctr"/>
+          <a:lstStyle/>
+          <a:p>
+            <a:pPr algn="ctr"/>
+            <a:r>
+              <a:rPr lang="zh-CN" altLang="en-US" sz="1400" dirty="0">
+                <a:solidFill>
+                  <a:schemeClr val="tx1"/>
+                </a:solidFill>
+                <a:latin typeface="宋体" panose="02010600030101010101" pitchFamily="2" charset="-122"/>
+                <a:ea typeface="宋体" panose="02010600030101010101" pitchFamily="2" charset="-122"/>
+              </a:rPr>
+              <a:t>目标</a:t>
+            </a:r>
+            <a:r>
+              <a:rPr lang="en-US" altLang="zh-CN" sz="1400" dirty="0">
+                <a:solidFill>
+                  <a:schemeClr val="tx1"/>
+                </a:solidFill>
+                <a:latin typeface="宋体" panose="02010600030101010101" pitchFamily="2" charset="-122"/>
+                <a:ea typeface="宋体" panose="02010600030101010101" pitchFamily="2" charset="-122"/>
+              </a:rPr>
+              <a:t>1</a:t>
+            </a:r>
+            <a:r>
+              <a:rPr lang="zh-CN" altLang="en-US" sz="1400" dirty="0">
+                <a:solidFill>
+                  <a:schemeClr val="tx1"/>
+                </a:solidFill>
+                <a:latin typeface="宋体" panose="02010600030101010101" pitchFamily="2" charset="-122"/>
+                <a:ea typeface="宋体" panose="02010600030101010101" pitchFamily="2" charset="-122"/>
+              </a:rPr>
+              <a:t>位置</a:t>
+            </a:r>
+          </a:p>
+        </p:txBody>
+      </p:sp>
+      <p:sp>
+        <p:nvSpPr>
+          <p:cNvPr id="59" name="流程图: 过程 58">
+            <a:extLst>
+              <a:ext uri="{FF2B5EF4-FFF2-40B4-BE49-F238E27FC236}">
+                <a16:creationId xmlns:a16="http://schemas.microsoft.com/office/drawing/2014/main" id="{F0FE566A-6A54-4C35-A6C2-83A58D03FB4E}"/>
+              </a:ext>
+            </a:extLst>
+          </p:cNvPr>
+          <p:cNvSpPr/>
+          <p:nvPr/>
+        </p:nvSpPr>
+        <p:spPr>
+          <a:xfrm>
+            <a:off x="6592794" y="5760835"/>
+            <a:ext cx="990627" cy="276999"/>
+          </a:xfrm>
+          <a:prstGeom prst="flowChartProcess">
+            <a:avLst/>
+          </a:prstGeom>
+          <a:noFill/>
+          <a:ln>
+            <a:solidFill>
+              <a:schemeClr val="tx1"/>
+            </a:solidFill>
+          </a:ln>
+        </p:spPr>
+        <p:style>
+          <a:lnRef idx="2">
+            <a:schemeClr val="accent1">
+              <a:shade val="50000"/>
+            </a:schemeClr>
+          </a:lnRef>
+          <a:fillRef idx="1">
+            <a:schemeClr val="accent1"/>
+          </a:fillRef>
+          <a:effectRef idx="0">
+            <a:schemeClr val="accent1"/>
+          </a:effectRef>
+          <a:fontRef idx="minor">
+            <a:schemeClr val="lt1"/>
+          </a:fontRef>
+        </p:style>
+        <p:txBody>
+          <a:bodyPr rtlCol="0" anchor="ctr"/>
+          <a:lstStyle/>
+          <a:p>
+            <a:pPr algn="ctr"/>
+            <a:r>
+              <a:rPr lang="zh-CN" altLang="en-US" sz="1400" dirty="0">
+                <a:solidFill>
+                  <a:schemeClr val="tx1"/>
+                </a:solidFill>
+                <a:latin typeface="宋体" panose="02010600030101010101" pitchFamily="2" charset="-122"/>
+                <a:ea typeface="宋体" panose="02010600030101010101" pitchFamily="2" charset="-122"/>
+              </a:rPr>
+              <a:t>目标</a:t>
+            </a:r>
+            <a:r>
+              <a:rPr lang="en-US" altLang="zh-CN" sz="1400" dirty="0">
+                <a:solidFill>
+                  <a:schemeClr val="tx1"/>
+                </a:solidFill>
+                <a:latin typeface="宋体" panose="02010600030101010101" pitchFamily="2" charset="-122"/>
+                <a:ea typeface="宋体" panose="02010600030101010101" pitchFamily="2" charset="-122"/>
+              </a:rPr>
+              <a:t>k</a:t>
+            </a:r>
+            <a:r>
+              <a:rPr lang="zh-CN" altLang="en-US" sz="1400" dirty="0">
+                <a:solidFill>
+                  <a:schemeClr val="tx1"/>
+                </a:solidFill>
+                <a:latin typeface="宋体" panose="02010600030101010101" pitchFamily="2" charset="-122"/>
+                <a:ea typeface="宋体" panose="02010600030101010101" pitchFamily="2" charset="-122"/>
+              </a:rPr>
+              <a:t>位置</a:t>
+            </a:r>
+          </a:p>
+        </p:txBody>
+      </p:sp>
+    </p:spTree>
+    <p:extLst>
+      <p:ext uri="{BB962C8B-B14F-4D97-AF65-F5344CB8AC3E}">
+        <p14:creationId xmlns:p14="http://schemas.microsoft.com/office/powerpoint/2010/main" val="2940908270"/>
       </p:ext>
     </p:extLst>
   </p:cSld>

--- a/示意图.pptx
+++ b/示意图.pptx
@@ -18,6 +18,11 @@
     <p:sldId id="266" r:id="rId12"/>
     <p:sldId id="267" r:id="rId13"/>
     <p:sldId id="268" r:id="rId14"/>
+    <p:sldId id="269" r:id="rId15"/>
+    <p:sldId id="270" r:id="rId16"/>
+    <p:sldId id="271" r:id="rId17"/>
+    <p:sldId id="272" r:id="rId18"/>
+    <p:sldId id="273" r:id="rId19"/>
   </p:sldIdLst>
   <p:sldSz cx="12192000" cy="6858000"/>
   <p:notesSz cx="6858000" cy="9144000"/>
@@ -122,6 +127,3669 @@
     </p:ext>
   </p:extLst>
 </p:presentation>
+</file>
+
+<file path=ppt/diagrams/colors1.xml><?xml version="1.0" encoding="utf-8"?>
+<dgm:colorsDef xmlns:dgm="http://schemas.openxmlformats.org/drawingml/2006/diagram" xmlns:a="http://schemas.openxmlformats.org/drawingml/2006/main" uniqueId="urn:microsoft.com/office/officeart/2005/8/colors/accent1_2">
+  <dgm:title val=""/>
+  <dgm:desc val=""/>
+  <dgm:catLst>
+    <dgm:cat type="accent1" pri="11200"/>
+  </dgm:catLst>
+  <dgm:styleLbl name="node0">
+    <dgm:fillClrLst meth="repeat">
+      <a:schemeClr val="accent1"/>
+    </dgm:fillClrLst>
+    <dgm:linClrLst meth="repeat">
+      <a:schemeClr val="lt1"/>
+    </dgm:linClrLst>
+    <dgm:effectClrLst/>
+    <dgm:txLinClrLst/>
+    <dgm:txFillClrLst/>
+    <dgm:txEffectClrLst/>
+  </dgm:styleLbl>
+  <dgm:styleLbl name="alignNode1">
+    <dgm:fillClrLst meth="repeat">
+      <a:schemeClr val="accent1"/>
+    </dgm:fillClrLst>
+    <dgm:linClrLst meth="repeat">
+      <a:schemeClr val="accent1"/>
+    </dgm:linClrLst>
+    <dgm:effectClrLst/>
+    <dgm:txLinClrLst/>
+    <dgm:txFillClrLst/>
+    <dgm:txEffectClrLst/>
+  </dgm:styleLbl>
+  <dgm:styleLbl name="node1">
+    <dgm:fillClrLst meth="repeat">
+      <a:schemeClr val="accent1"/>
+    </dgm:fillClrLst>
+    <dgm:linClrLst meth="repeat">
+      <a:schemeClr val="lt1"/>
+    </dgm:linClrLst>
+    <dgm:effectClrLst/>
+    <dgm:txLinClrLst/>
+    <dgm:txFillClrLst/>
+    <dgm:txEffectClrLst/>
+  </dgm:styleLbl>
+  <dgm:styleLbl name="lnNode1">
+    <dgm:fillClrLst meth="repeat">
+      <a:schemeClr val="accent1"/>
+    </dgm:fillClrLst>
+    <dgm:linClrLst meth="repeat">
+      <a:schemeClr val="lt1"/>
+    </dgm:linClrLst>
+    <dgm:effectClrLst/>
+    <dgm:txLinClrLst/>
+    <dgm:txFillClrLst/>
+    <dgm:txEffectClrLst/>
+  </dgm:styleLbl>
+  <dgm:styleLbl name="vennNode1">
+    <dgm:fillClrLst meth="repeat">
+      <a:schemeClr val="accent1">
+        <a:alpha val="50000"/>
+      </a:schemeClr>
+    </dgm:fillClrLst>
+    <dgm:linClrLst meth="repeat">
+      <a:schemeClr val="lt1"/>
+    </dgm:linClrLst>
+    <dgm:effectClrLst/>
+    <dgm:txLinClrLst/>
+    <dgm:txFillClrLst/>
+    <dgm:txEffectClrLst/>
+  </dgm:styleLbl>
+  <dgm:styleLbl name="node2">
+    <dgm:fillClrLst meth="repeat">
+      <a:schemeClr val="accent1"/>
+    </dgm:fillClrLst>
+    <dgm:linClrLst meth="repeat">
+      <a:schemeClr val="lt1"/>
+    </dgm:linClrLst>
+    <dgm:effectClrLst/>
+    <dgm:txLinClrLst/>
+    <dgm:txFillClrLst/>
+    <dgm:txEffectClrLst/>
+  </dgm:styleLbl>
+  <dgm:styleLbl name="node3">
+    <dgm:fillClrLst meth="repeat">
+      <a:schemeClr val="accent1"/>
+    </dgm:fillClrLst>
+    <dgm:linClrLst meth="repeat">
+      <a:schemeClr val="lt1"/>
+    </dgm:linClrLst>
+    <dgm:effectClrLst/>
+    <dgm:txLinClrLst/>
+    <dgm:txFillClrLst/>
+    <dgm:txEffectClrLst/>
+  </dgm:styleLbl>
+  <dgm:styleLbl name="node4">
+    <dgm:fillClrLst meth="repeat">
+      <a:schemeClr val="accent1"/>
+    </dgm:fillClrLst>
+    <dgm:linClrLst meth="repeat">
+      <a:schemeClr val="lt1"/>
+    </dgm:linClrLst>
+    <dgm:effectClrLst/>
+    <dgm:txLinClrLst/>
+    <dgm:txFillClrLst/>
+    <dgm:txEffectClrLst/>
+  </dgm:styleLbl>
+  <dgm:styleLbl name="fgImgPlace1">
+    <dgm:fillClrLst meth="repeat">
+      <a:schemeClr val="accent1">
+        <a:tint val="50000"/>
+      </a:schemeClr>
+    </dgm:fillClrLst>
+    <dgm:linClrLst meth="repeat">
+      <a:schemeClr val="lt1"/>
+    </dgm:linClrLst>
+    <dgm:effectClrLst/>
+    <dgm:txLinClrLst/>
+    <dgm:txFillClrLst meth="repeat">
+      <a:schemeClr val="lt1"/>
+    </dgm:txFillClrLst>
+    <dgm:txEffectClrLst/>
+  </dgm:styleLbl>
+  <dgm:styleLbl name="alignImgPlace1">
+    <dgm:fillClrLst meth="repeat">
+      <a:schemeClr val="accent1">
+        <a:tint val="50000"/>
+      </a:schemeClr>
+    </dgm:fillClrLst>
+    <dgm:linClrLst meth="repeat">
+      <a:schemeClr val="lt1"/>
+    </dgm:linClrLst>
+    <dgm:effectClrLst/>
+    <dgm:txLinClrLst/>
+    <dgm:txFillClrLst meth="repeat">
+      <a:schemeClr val="lt1"/>
+    </dgm:txFillClrLst>
+    <dgm:txEffectClrLst/>
+  </dgm:styleLbl>
+  <dgm:styleLbl name="bgImgPlace1">
+    <dgm:fillClrLst meth="repeat">
+      <a:schemeClr val="accent1">
+        <a:tint val="50000"/>
+      </a:schemeClr>
+    </dgm:fillClrLst>
+    <dgm:linClrLst meth="repeat">
+      <a:schemeClr val="lt1"/>
+    </dgm:linClrLst>
+    <dgm:effectClrLst/>
+    <dgm:txLinClrLst/>
+    <dgm:txFillClrLst meth="repeat">
+      <a:schemeClr val="lt1"/>
+    </dgm:txFillClrLst>
+    <dgm:txEffectClrLst/>
+  </dgm:styleLbl>
+  <dgm:styleLbl name="sibTrans2D1">
+    <dgm:fillClrLst meth="repeat">
+      <a:schemeClr val="accent1">
+        <a:tint val="60000"/>
+      </a:schemeClr>
+    </dgm:fillClrLst>
+    <dgm:linClrLst meth="repeat">
+      <a:schemeClr val="accent1">
+        <a:tint val="60000"/>
+      </a:schemeClr>
+    </dgm:linClrLst>
+    <dgm:effectClrLst/>
+    <dgm:txLinClrLst/>
+    <dgm:txFillClrLst/>
+    <dgm:txEffectClrLst/>
+  </dgm:styleLbl>
+  <dgm:styleLbl name="fgSibTrans2D1">
+    <dgm:fillClrLst meth="repeat">
+      <a:schemeClr val="accent1">
+        <a:tint val="60000"/>
+      </a:schemeClr>
+    </dgm:fillClrLst>
+    <dgm:linClrLst meth="repeat">
+      <a:schemeClr val="accent1">
+        <a:tint val="60000"/>
+      </a:schemeClr>
+    </dgm:linClrLst>
+    <dgm:effectClrLst/>
+    <dgm:txLinClrLst/>
+    <dgm:txFillClrLst/>
+    <dgm:txEffectClrLst/>
+  </dgm:styleLbl>
+  <dgm:styleLbl name="bgSibTrans2D1">
+    <dgm:fillClrLst meth="repeat">
+      <a:schemeClr val="accent1">
+        <a:tint val="60000"/>
+      </a:schemeClr>
+    </dgm:fillClrLst>
+    <dgm:linClrLst meth="repeat">
+      <a:schemeClr val="accent1">
+        <a:tint val="60000"/>
+      </a:schemeClr>
+    </dgm:linClrLst>
+    <dgm:effectClrLst/>
+    <dgm:txLinClrLst/>
+    <dgm:txFillClrLst/>
+    <dgm:txEffectClrLst/>
+  </dgm:styleLbl>
+  <dgm:styleLbl name="sibTrans1D1">
+    <dgm:fillClrLst meth="repeat">
+      <a:schemeClr val="accent1"/>
+    </dgm:fillClrLst>
+    <dgm:linClrLst meth="repeat">
+      <a:schemeClr val="accent1"/>
+    </dgm:linClrLst>
+    <dgm:effectClrLst/>
+    <dgm:txLinClrLst/>
+    <dgm:txFillClrLst meth="repeat">
+      <a:schemeClr val="tx1"/>
+    </dgm:txFillClrLst>
+    <dgm:txEffectClrLst/>
+  </dgm:styleLbl>
+  <dgm:styleLbl name="callout">
+    <dgm:fillClrLst meth="repeat">
+      <a:schemeClr val="accent1"/>
+    </dgm:fillClrLst>
+    <dgm:linClrLst meth="repeat">
+      <a:schemeClr val="accent1">
+        <a:tint val="50000"/>
+      </a:schemeClr>
+    </dgm:linClrLst>
+    <dgm:effectClrLst/>
+    <dgm:txLinClrLst/>
+    <dgm:txFillClrLst meth="repeat">
+      <a:schemeClr val="tx1"/>
+    </dgm:txFillClrLst>
+    <dgm:txEffectClrLst/>
+  </dgm:styleLbl>
+  <dgm:styleLbl name="asst0">
+    <dgm:fillClrLst meth="repeat">
+      <a:schemeClr val="accent1"/>
+    </dgm:fillClrLst>
+    <dgm:linClrLst meth="repeat">
+      <a:schemeClr val="lt1"/>
+    </dgm:linClrLst>
+    <dgm:effectClrLst/>
+    <dgm:txLinClrLst/>
+    <dgm:txFillClrLst/>
+    <dgm:txEffectClrLst/>
+  </dgm:styleLbl>
+  <dgm:styleLbl name="asst1">
+    <dgm:fillClrLst meth="repeat">
+      <a:schemeClr val="accent1"/>
+    </dgm:fillClrLst>
+    <dgm:linClrLst meth="repeat">
+      <a:schemeClr val="lt1"/>
+    </dgm:linClrLst>
+    <dgm:effectClrLst/>
+    <dgm:txLinClrLst/>
+    <dgm:txFillClrLst/>
+    <dgm:txEffectClrLst/>
+  </dgm:styleLbl>
+  <dgm:styleLbl name="asst2">
+    <dgm:fillClrLst meth="repeat">
+      <a:schemeClr val="accent1"/>
+    </dgm:fillClrLst>
+    <dgm:linClrLst meth="repeat">
+      <a:schemeClr val="lt1"/>
+    </dgm:linClrLst>
+    <dgm:effectClrLst/>
+    <dgm:txLinClrLst/>
+    <dgm:txFillClrLst/>
+    <dgm:txEffectClrLst/>
+  </dgm:styleLbl>
+  <dgm:styleLbl name="asst3">
+    <dgm:fillClrLst meth="repeat">
+      <a:schemeClr val="accent1"/>
+    </dgm:fillClrLst>
+    <dgm:linClrLst meth="repeat">
+      <a:schemeClr val="lt1"/>
+    </dgm:linClrLst>
+    <dgm:effectClrLst/>
+    <dgm:txLinClrLst/>
+    <dgm:txFillClrLst/>
+    <dgm:txEffectClrLst/>
+  </dgm:styleLbl>
+  <dgm:styleLbl name="asst4">
+    <dgm:fillClrLst meth="repeat">
+      <a:schemeClr val="accent1"/>
+    </dgm:fillClrLst>
+    <dgm:linClrLst meth="repeat">
+      <a:schemeClr val="lt1"/>
+    </dgm:linClrLst>
+    <dgm:effectClrLst/>
+    <dgm:txLinClrLst/>
+    <dgm:txFillClrLst/>
+    <dgm:txEffectClrLst/>
+  </dgm:styleLbl>
+  <dgm:styleLbl name="parChTrans2D1">
+    <dgm:fillClrLst meth="repeat">
+      <a:schemeClr val="accent1">
+        <a:tint val="60000"/>
+      </a:schemeClr>
+    </dgm:fillClrLst>
+    <dgm:linClrLst meth="repeat">
+      <a:schemeClr val="accent1">
+        <a:tint val="60000"/>
+      </a:schemeClr>
+    </dgm:linClrLst>
+    <dgm:effectClrLst/>
+    <dgm:txLinClrLst/>
+    <dgm:txFillClrLst meth="repeat">
+      <a:schemeClr val="lt1"/>
+    </dgm:txFillClrLst>
+    <dgm:txEffectClrLst/>
+  </dgm:styleLbl>
+  <dgm:styleLbl name="parChTrans2D2">
+    <dgm:fillClrLst meth="repeat">
+      <a:schemeClr val="accent1"/>
+    </dgm:fillClrLst>
+    <dgm:linClrLst meth="repeat">
+      <a:schemeClr val="accent1"/>
+    </dgm:linClrLst>
+    <dgm:effectClrLst/>
+    <dgm:txLinClrLst/>
+    <dgm:txFillClrLst meth="repeat">
+      <a:schemeClr val="lt1"/>
+    </dgm:txFillClrLst>
+    <dgm:txEffectClrLst/>
+  </dgm:styleLbl>
+  <dgm:styleLbl name="parChTrans2D3">
+    <dgm:fillClrLst meth="repeat">
+      <a:schemeClr val="accent1"/>
+    </dgm:fillClrLst>
+    <dgm:linClrLst meth="repeat">
+      <a:schemeClr val="accent1"/>
+    </dgm:linClrLst>
+    <dgm:effectClrLst/>
+    <dgm:txLinClrLst/>
+    <dgm:txFillClrLst meth="repeat">
+      <a:schemeClr val="lt1"/>
+    </dgm:txFillClrLst>
+    <dgm:txEffectClrLst/>
+  </dgm:styleLbl>
+  <dgm:styleLbl name="parChTrans2D4">
+    <dgm:fillClrLst meth="repeat">
+      <a:schemeClr val="accent1"/>
+    </dgm:fillClrLst>
+    <dgm:linClrLst meth="repeat">
+      <a:schemeClr val="accent1"/>
+    </dgm:linClrLst>
+    <dgm:effectClrLst/>
+    <dgm:txLinClrLst/>
+    <dgm:txFillClrLst meth="repeat">
+      <a:schemeClr val="lt1"/>
+    </dgm:txFillClrLst>
+    <dgm:txEffectClrLst/>
+  </dgm:styleLbl>
+  <dgm:styleLbl name="parChTrans1D1">
+    <dgm:fillClrLst meth="repeat">
+      <a:schemeClr val="accent1"/>
+    </dgm:fillClrLst>
+    <dgm:linClrLst meth="repeat">
+      <a:schemeClr val="accent1">
+        <a:shade val="60000"/>
+      </a:schemeClr>
+    </dgm:linClrLst>
+    <dgm:effectClrLst/>
+    <dgm:txLinClrLst/>
+    <dgm:txFillClrLst meth="repeat">
+      <a:schemeClr val="tx1"/>
+    </dgm:txFillClrLst>
+    <dgm:txEffectClrLst/>
+  </dgm:styleLbl>
+  <dgm:styleLbl name="parChTrans1D2">
+    <dgm:fillClrLst meth="repeat">
+      <a:schemeClr val="accent1"/>
+    </dgm:fillClrLst>
+    <dgm:linClrLst meth="repeat">
+      <a:schemeClr val="accent1">
+        <a:shade val="60000"/>
+      </a:schemeClr>
+    </dgm:linClrLst>
+    <dgm:effectClrLst/>
+    <dgm:txLinClrLst/>
+    <dgm:txFillClrLst meth="repeat">
+      <a:schemeClr val="tx1"/>
+    </dgm:txFillClrLst>
+    <dgm:txEffectClrLst/>
+  </dgm:styleLbl>
+  <dgm:styleLbl name="parChTrans1D3">
+    <dgm:fillClrLst meth="repeat">
+      <a:schemeClr val="accent1"/>
+    </dgm:fillClrLst>
+    <dgm:linClrLst meth="repeat">
+      <a:schemeClr val="accent1">
+        <a:shade val="80000"/>
+      </a:schemeClr>
+    </dgm:linClrLst>
+    <dgm:effectClrLst/>
+    <dgm:txLinClrLst/>
+    <dgm:txFillClrLst meth="repeat">
+      <a:schemeClr val="tx1"/>
+    </dgm:txFillClrLst>
+    <dgm:txEffectClrLst/>
+  </dgm:styleLbl>
+  <dgm:styleLbl name="parChTrans1D4">
+    <dgm:fillClrLst meth="repeat">
+      <a:schemeClr val="accent1"/>
+    </dgm:fillClrLst>
+    <dgm:linClrLst meth="repeat">
+      <a:schemeClr val="accent1">
+        <a:shade val="80000"/>
+      </a:schemeClr>
+    </dgm:linClrLst>
+    <dgm:effectClrLst/>
+    <dgm:txLinClrLst/>
+    <dgm:txFillClrLst meth="repeat">
+      <a:schemeClr val="tx1"/>
+    </dgm:txFillClrLst>
+    <dgm:txEffectClrLst/>
+  </dgm:styleLbl>
+  <dgm:styleLbl name="fgAcc1">
+    <dgm:fillClrLst meth="repeat">
+      <a:schemeClr val="lt1">
+        <a:alpha val="90000"/>
+      </a:schemeClr>
+    </dgm:fillClrLst>
+    <dgm:linClrLst meth="repeat">
+      <a:schemeClr val="accent1"/>
+    </dgm:linClrLst>
+    <dgm:effectClrLst/>
+    <dgm:txLinClrLst/>
+    <dgm:txFillClrLst meth="repeat">
+      <a:schemeClr val="dk1"/>
+    </dgm:txFillClrLst>
+    <dgm:txEffectClrLst/>
+  </dgm:styleLbl>
+  <dgm:styleLbl name="conFgAcc1">
+    <dgm:fillClrLst meth="repeat">
+      <a:schemeClr val="lt1">
+        <a:alpha val="90000"/>
+      </a:schemeClr>
+    </dgm:fillClrLst>
+    <dgm:linClrLst meth="repeat">
+      <a:schemeClr val="accent1"/>
+    </dgm:linClrLst>
+    <dgm:effectClrLst/>
+    <dgm:txLinClrLst/>
+    <dgm:txFillClrLst meth="repeat">
+      <a:schemeClr val="dk1"/>
+    </dgm:txFillClrLst>
+    <dgm:txEffectClrLst/>
+  </dgm:styleLbl>
+  <dgm:styleLbl name="alignAcc1">
+    <dgm:fillClrLst meth="repeat">
+      <a:schemeClr val="lt1">
+        <a:alpha val="90000"/>
+      </a:schemeClr>
+    </dgm:fillClrLst>
+    <dgm:linClrLst meth="repeat">
+      <a:schemeClr val="accent1"/>
+    </dgm:linClrLst>
+    <dgm:effectClrLst/>
+    <dgm:txLinClrLst/>
+    <dgm:txFillClrLst meth="repeat">
+      <a:schemeClr val="dk1"/>
+    </dgm:txFillClrLst>
+    <dgm:txEffectClrLst/>
+  </dgm:styleLbl>
+  <dgm:styleLbl name="trAlignAcc1">
+    <dgm:fillClrLst meth="repeat">
+      <a:schemeClr val="lt1">
+        <a:alpha val="40000"/>
+      </a:schemeClr>
+    </dgm:fillClrLst>
+    <dgm:linClrLst meth="repeat">
+      <a:schemeClr val="accent1"/>
+    </dgm:linClrLst>
+    <dgm:effectClrLst/>
+    <dgm:txLinClrLst/>
+    <dgm:txFillClrLst meth="repeat">
+      <a:schemeClr val="dk1"/>
+    </dgm:txFillClrLst>
+    <dgm:txEffectClrLst/>
+  </dgm:styleLbl>
+  <dgm:styleLbl name="bgAcc1">
+    <dgm:fillClrLst meth="repeat">
+      <a:schemeClr val="lt1">
+        <a:alpha val="90000"/>
+      </a:schemeClr>
+    </dgm:fillClrLst>
+    <dgm:linClrLst meth="repeat">
+      <a:schemeClr val="accent1"/>
+    </dgm:linClrLst>
+    <dgm:effectClrLst/>
+    <dgm:txLinClrLst/>
+    <dgm:txFillClrLst meth="repeat">
+      <a:schemeClr val="dk1"/>
+    </dgm:txFillClrLst>
+    <dgm:txEffectClrLst/>
+  </dgm:styleLbl>
+  <dgm:styleLbl name="solidFgAcc1">
+    <dgm:fillClrLst meth="repeat">
+      <a:schemeClr val="lt1"/>
+    </dgm:fillClrLst>
+    <dgm:linClrLst meth="repeat">
+      <a:schemeClr val="accent1"/>
+    </dgm:linClrLst>
+    <dgm:effectClrLst/>
+    <dgm:txLinClrLst/>
+    <dgm:txFillClrLst meth="repeat">
+      <a:schemeClr val="dk1"/>
+    </dgm:txFillClrLst>
+    <dgm:txEffectClrLst/>
+  </dgm:styleLbl>
+  <dgm:styleLbl name="solidAlignAcc1">
+    <dgm:fillClrLst meth="repeat">
+      <a:schemeClr val="lt1"/>
+    </dgm:fillClrLst>
+    <dgm:linClrLst meth="repeat">
+      <a:schemeClr val="accent1"/>
+    </dgm:linClrLst>
+    <dgm:effectClrLst/>
+    <dgm:txLinClrLst/>
+    <dgm:txFillClrLst meth="repeat">
+      <a:schemeClr val="dk1"/>
+    </dgm:txFillClrLst>
+    <dgm:txEffectClrLst/>
+  </dgm:styleLbl>
+  <dgm:styleLbl name="solidBgAcc1">
+    <dgm:fillClrLst meth="repeat">
+      <a:schemeClr val="lt1"/>
+    </dgm:fillClrLst>
+    <dgm:linClrLst meth="repeat">
+      <a:schemeClr val="accent1"/>
+    </dgm:linClrLst>
+    <dgm:effectClrLst/>
+    <dgm:txLinClrLst/>
+    <dgm:txFillClrLst meth="repeat">
+      <a:schemeClr val="dk1"/>
+    </dgm:txFillClrLst>
+    <dgm:txEffectClrLst/>
+  </dgm:styleLbl>
+  <dgm:styleLbl name="fgAccFollowNode1">
+    <dgm:fillClrLst meth="repeat">
+      <a:schemeClr val="accent1">
+        <a:alpha val="90000"/>
+        <a:tint val="40000"/>
+      </a:schemeClr>
+    </dgm:fillClrLst>
+    <dgm:linClrLst meth="repeat">
+      <a:schemeClr val="accent1">
+        <a:alpha val="90000"/>
+        <a:tint val="40000"/>
+      </a:schemeClr>
+    </dgm:linClrLst>
+    <dgm:effectClrLst/>
+    <dgm:txLinClrLst/>
+    <dgm:txFillClrLst meth="repeat">
+      <a:schemeClr val="dk1"/>
+    </dgm:txFillClrLst>
+    <dgm:txEffectClrLst/>
+  </dgm:styleLbl>
+  <dgm:styleLbl name="alignAccFollowNode1">
+    <dgm:fillClrLst meth="repeat">
+      <a:schemeClr val="accent1">
+        <a:alpha val="90000"/>
+        <a:tint val="40000"/>
+      </a:schemeClr>
+    </dgm:fillClrLst>
+    <dgm:linClrLst meth="repeat">
+      <a:schemeClr val="accent1">
+        <a:alpha val="90000"/>
+        <a:tint val="40000"/>
+      </a:schemeClr>
+    </dgm:linClrLst>
+    <dgm:effectClrLst/>
+    <dgm:txLinClrLst/>
+    <dgm:txFillClrLst meth="repeat">
+      <a:schemeClr val="dk1"/>
+    </dgm:txFillClrLst>
+    <dgm:txEffectClrLst/>
+  </dgm:styleLbl>
+  <dgm:styleLbl name="bgAccFollowNode1">
+    <dgm:fillClrLst meth="repeat">
+      <a:schemeClr val="accent1">
+        <a:alpha val="90000"/>
+        <a:tint val="40000"/>
+      </a:schemeClr>
+    </dgm:fillClrLst>
+    <dgm:linClrLst meth="repeat">
+      <a:schemeClr val="accent1">
+        <a:alpha val="90000"/>
+        <a:tint val="40000"/>
+      </a:schemeClr>
+    </dgm:linClrLst>
+    <dgm:effectClrLst/>
+    <dgm:txLinClrLst/>
+    <dgm:txFillClrLst meth="repeat">
+      <a:schemeClr val="dk1"/>
+    </dgm:txFillClrLst>
+    <dgm:txEffectClrLst/>
+  </dgm:styleLbl>
+  <dgm:styleLbl name="fgAcc0">
+    <dgm:fillClrLst meth="repeat">
+      <a:schemeClr val="lt1">
+        <a:alpha val="90000"/>
+      </a:schemeClr>
+    </dgm:fillClrLst>
+    <dgm:linClrLst meth="repeat">
+      <a:schemeClr val="accent1"/>
+    </dgm:linClrLst>
+    <dgm:effectClrLst/>
+    <dgm:txLinClrLst/>
+    <dgm:txFillClrLst meth="repeat">
+      <a:schemeClr val="dk1"/>
+    </dgm:txFillClrLst>
+    <dgm:txEffectClrLst/>
+  </dgm:styleLbl>
+  <dgm:styleLbl name="fgAcc2">
+    <dgm:fillClrLst meth="repeat">
+      <a:schemeClr val="lt1">
+        <a:alpha val="90000"/>
+      </a:schemeClr>
+    </dgm:fillClrLst>
+    <dgm:linClrLst meth="repeat">
+      <a:schemeClr val="accent1"/>
+    </dgm:linClrLst>
+    <dgm:effectClrLst/>
+    <dgm:txLinClrLst/>
+    <dgm:txFillClrLst meth="repeat">
+      <a:schemeClr val="dk1"/>
+    </dgm:txFillClrLst>
+    <dgm:txEffectClrLst/>
+  </dgm:styleLbl>
+  <dgm:styleLbl name="fgAcc3">
+    <dgm:fillClrLst meth="repeat">
+      <a:schemeClr val="lt1">
+        <a:alpha val="90000"/>
+      </a:schemeClr>
+    </dgm:fillClrLst>
+    <dgm:linClrLst meth="repeat">
+      <a:schemeClr val="accent1"/>
+    </dgm:linClrLst>
+    <dgm:effectClrLst/>
+    <dgm:txLinClrLst/>
+    <dgm:txFillClrLst meth="repeat">
+      <a:schemeClr val="dk1"/>
+    </dgm:txFillClrLst>
+    <dgm:txEffectClrLst/>
+  </dgm:styleLbl>
+  <dgm:styleLbl name="fgAcc4">
+    <dgm:fillClrLst meth="repeat">
+      <a:schemeClr val="lt1">
+        <a:alpha val="90000"/>
+      </a:schemeClr>
+    </dgm:fillClrLst>
+    <dgm:linClrLst meth="repeat">
+      <a:schemeClr val="accent1"/>
+    </dgm:linClrLst>
+    <dgm:effectClrLst/>
+    <dgm:txLinClrLst/>
+    <dgm:txFillClrLst meth="repeat">
+      <a:schemeClr val="dk1"/>
+    </dgm:txFillClrLst>
+    <dgm:txEffectClrLst/>
+  </dgm:styleLbl>
+  <dgm:styleLbl name="bgShp">
+    <dgm:fillClrLst meth="repeat">
+      <a:schemeClr val="accent1">
+        <a:tint val="40000"/>
+      </a:schemeClr>
+    </dgm:fillClrLst>
+    <dgm:linClrLst meth="repeat">
+      <a:schemeClr val="accent1"/>
+    </dgm:linClrLst>
+    <dgm:effectClrLst/>
+    <dgm:txLinClrLst/>
+    <dgm:txFillClrLst meth="repeat">
+      <a:schemeClr val="dk1"/>
+    </dgm:txFillClrLst>
+    <dgm:txEffectClrLst/>
+  </dgm:styleLbl>
+  <dgm:styleLbl name="dkBgShp">
+    <dgm:fillClrLst meth="repeat">
+      <a:schemeClr val="accent1">
+        <a:shade val="80000"/>
+      </a:schemeClr>
+    </dgm:fillClrLst>
+    <dgm:linClrLst meth="repeat">
+      <a:schemeClr val="accent1"/>
+    </dgm:linClrLst>
+    <dgm:effectClrLst/>
+    <dgm:txLinClrLst/>
+    <dgm:txFillClrLst meth="repeat">
+      <a:schemeClr val="lt1"/>
+    </dgm:txFillClrLst>
+    <dgm:txEffectClrLst/>
+  </dgm:styleLbl>
+  <dgm:styleLbl name="trBgShp">
+    <dgm:fillClrLst meth="repeat">
+      <a:schemeClr val="accent1">
+        <a:tint val="50000"/>
+        <a:alpha val="40000"/>
+      </a:schemeClr>
+    </dgm:fillClrLst>
+    <dgm:linClrLst meth="repeat">
+      <a:schemeClr val="accent1"/>
+    </dgm:linClrLst>
+    <dgm:effectClrLst/>
+    <dgm:txLinClrLst/>
+    <dgm:txFillClrLst meth="repeat">
+      <a:schemeClr val="lt1"/>
+    </dgm:txFillClrLst>
+    <dgm:txEffectClrLst/>
+  </dgm:styleLbl>
+  <dgm:styleLbl name="fgShp">
+    <dgm:fillClrLst meth="repeat">
+      <a:schemeClr val="accent1">
+        <a:tint val="60000"/>
+      </a:schemeClr>
+    </dgm:fillClrLst>
+    <dgm:linClrLst meth="repeat">
+      <a:schemeClr val="lt1"/>
+    </dgm:linClrLst>
+    <dgm:effectClrLst/>
+    <dgm:txLinClrLst/>
+    <dgm:txFillClrLst meth="repeat">
+      <a:schemeClr val="dk1"/>
+    </dgm:txFillClrLst>
+    <dgm:txEffectClrLst/>
+  </dgm:styleLbl>
+  <dgm:styleLbl name="revTx">
+    <dgm:fillClrLst meth="repeat">
+      <a:schemeClr val="lt1">
+        <a:alpha val="0"/>
+      </a:schemeClr>
+    </dgm:fillClrLst>
+    <dgm:linClrLst meth="repeat">
+      <a:schemeClr val="dk1">
+        <a:alpha val="0"/>
+      </a:schemeClr>
+    </dgm:linClrLst>
+    <dgm:effectClrLst/>
+    <dgm:txLinClrLst/>
+    <dgm:txFillClrLst meth="repeat">
+      <a:schemeClr val="tx1"/>
+    </dgm:txFillClrLst>
+    <dgm:txEffectClrLst/>
+  </dgm:styleLbl>
+</dgm:colorsDef>
+</file>
+
+<file path=ppt/diagrams/data1.xml><?xml version="1.0" encoding="utf-8"?>
+<dgm:dataModel xmlns:dgm="http://schemas.openxmlformats.org/drawingml/2006/diagram" xmlns:a="http://schemas.openxmlformats.org/drawingml/2006/main">
+  <dgm:ptLst>
+    <dgm:pt modelId="{0E4224FC-AE90-4896-8AD8-7676E5A9ABD6}" type="doc">
+      <dgm:prSet loTypeId="urn:microsoft.com/office/officeart/2005/8/layout/pyramid3" loCatId="pyramid" qsTypeId="urn:microsoft.com/office/officeart/2005/8/quickstyle/simple1" qsCatId="simple" csTypeId="urn:microsoft.com/office/officeart/2005/8/colors/accent1_2" csCatId="accent1" phldr="1"/>
+      <dgm:spPr/>
+    </dgm:pt>
+    <dgm:pt modelId="{CA2796A0-96DF-4726-BF0B-8B9C01C1AACC}">
+      <dgm:prSet phldrT="[文本]"/>
+      <dgm:spPr>
+        <a:noFill/>
+        <a:ln w="12700"/>
+      </dgm:spPr>
+      <dgm:t>
+        <a:bodyPr/>
+        <a:lstStyle/>
+        <a:p>
+          <a:r>
+            <a:rPr lang="en-US" altLang="zh-CN" dirty="0">
+              <a:latin typeface="Times New Roman" panose="02020603050405020304" pitchFamily="18" charset="0"/>
+              <a:cs typeface="Times New Roman" panose="02020603050405020304" pitchFamily="18" charset="0"/>
+            </a:rPr>
+            <a:t>908</a:t>
+          </a:r>
+          <a:endParaRPr lang="zh-CN" altLang="en-US" dirty="0">
+            <a:latin typeface="Times New Roman" panose="02020603050405020304" pitchFamily="18" charset="0"/>
+            <a:cs typeface="Times New Roman" panose="02020603050405020304" pitchFamily="18" charset="0"/>
+          </a:endParaRPr>
+        </a:p>
+      </dgm:t>
+    </dgm:pt>
+    <dgm:pt modelId="{9F9EC154-DB51-48D9-92EA-8277174786BE}" type="parTrans" cxnId="{2C397A36-BAF9-4067-BA68-F39AE342D9C6}">
+      <dgm:prSet/>
+      <dgm:spPr/>
+      <dgm:t>
+        <a:bodyPr/>
+        <a:lstStyle/>
+        <a:p>
+          <a:endParaRPr lang="zh-CN" altLang="en-US"/>
+        </a:p>
+      </dgm:t>
+    </dgm:pt>
+    <dgm:pt modelId="{D746E057-4324-41A8-8E6B-1A0A32517540}" type="sibTrans" cxnId="{2C397A36-BAF9-4067-BA68-F39AE342D9C6}">
+      <dgm:prSet/>
+      <dgm:spPr/>
+      <dgm:t>
+        <a:bodyPr/>
+        <a:lstStyle/>
+        <a:p>
+          <a:endParaRPr lang="zh-CN" altLang="en-US"/>
+        </a:p>
+      </dgm:t>
+    </dgm:pt>
+    <dgm:pt modelId="{00FE437B-41D5-471E-9899-07197850BA6E}">
+      <dgm:prSet phldrT="[文本]"/>
+      <dgm:spPr>
+        <a:noFill/>
+        <a:ln w="12700"/>
+      </dgm:spPr>
+      <dgm:t>
+        <a:bodyPr/>
+        <a:lstStyle/>
+        <a:p>
+          <a:r>
+            <a:rPr lang="en-US" altLang="zh-CN" dirty="0">
+              <a:latin typeface="Times New Roman" panose="02020603050405020304" pitchFamily="18" charset="0"/>
+              <a:cs typeface="Times New Roman" panose="02020603050405020304" pitchFamily="18" charset="0"/>
+            </a:rPr>
+            <a:t>408</a:t>
+          </a:r>
+          <a:endParaRPr lang="zh-CN" altLang="en-US" dirty="0">
+            <a:latin typeface="Times New Roman" panose="02020603050405020304" pitchFamily="18" charset="0"/>
+            <a:cs typeface="Times New Roman" panose="02020603050405020304" pitchFamily="18" charset="0"/>
+          </a:endParaRPr>
+        </a:p>
+      </dgm:t>
+    </dgm:pt>
+    <dgm:pt modelId="{800CD3F3-AA45-4077-B7F5-5860AB1CE157}" type="parTrans" cxnId="{27AD04F3-C7F4-4FA8-96E8-752BF341FEB5}">
+      <dgm:prSet/>
+      <dgm:spPr/>
+      <dgm:t>
+        <a:bodyPr/>
+        <a:lstStyle/>
+        <a:p>
+          <a:endParaRPr lang="zh-CN" altLang="en-US"/>
+        </a:p>
+      </dgm:t>
+    </dgm:pt>
+    <dgm:pt modelId="{0E9D2E7B-C97F-4B34-A386-F51594864BA7}" type="sibTrans" cxnId="{27AD04F3-C7F4-4FA8-96E8-752BF341FEB5}">
+      <dgm:prSet/>
+      <dgm:spPr/>
+      <dgm:t>
+        <a:bodyPr/>
+        <a:lstStyle/>
+        <a:p>
+          <a:endParaRPr lang="zh-CN" altLang="en-US"/>
+        </a:p>
+      </dgm:t>
+    </dgm:pt>
+    <dgm:pt modelId="{CA77AAF7-85BF-4A89-943F-BA07DC993ECB}">
+      <dgm:prSet/>
+      <dgm:spPr>
+        <a:noFill/>
+        <a:ln w="12700"/>
+      </dgm:spPr>
+      <dgm:t>
+        <a:bodyPr/>
+        <a:lstStyle/>
+        <a:p>
+          <a:r>
+            <a:rPr lang="en-US" altLang="zh-CN" dirty="0">
+              <a:latin typeface="Times New Roman" panose="02020603050405020304" pitchFamily="18" charset="0"/>
+              <a:cs typeface="Times New Roman" panose="02020603050405020304" pitchFamily="18" charset="0"/>
+            </a:rPr>
+            <a:t>23841</a:t>
+          </a:r>
+          <a:endParaRPr lang="zh-CN" altLang="en-US" dirty="0">
+            <a:latin typeface="Times New Roman" panose="02020603050405020304" pitchFamily="18" charset="0"/>
+            <a:cs typeface="Times New Roman" panose="02020603050405020304" pitchFamily="18" charset="0"/>
+          </a:endParaRPr>
+        </a:p>
+      </dgm:t>
+    </dgm:pt>
+    <dgm:pt modelId="{94F499C5-E466-40B5-AF44-BCD8908550C7}" type="parTrans" cxnId="{77AC03DC-9A82-45CE-B935-A8DBCB27834D}">
+      <dgm:prSet/>
+      <dgm:spPr/>
+      <dgm:t>
+        <a:bodyPr/>
+        <a:lstStyle/>
+        <a:p>
+          <a:endParaRPr lang="zh-CN" altLang="en-US"/>
+        </a:p>
+      </dgm:t>
+    </dgm:pt>
+    <dgm:pt modelId="{9EEAD262-E7E0-46AD-9BA6-2B3101DD5A9E}" type="sibTrans" cxnId="{77AC03DC-9A82-45CE-B935-A8DBCB27834D}">
+      <dgm:prSet/>
+      <dgm:spPr/>
+      <dgm:t>
+        <a:bodyPr/>
+        <a:lstStyle/>
+        <a:p>
+          <a:endParaRPr lang="zh-CN" altLang="en-US"/>
+        </a:p>
+      </dgm:t>
+    </dgm:pt>
+    <dgm:pt modelId="{42362344-1053-4C94-95D4-4498A2465E61}">
+      <dgm:prSet/>
+      <dgm:spPr>
+        <a:noFill/>
+        <a:ln w="12700"/>
+      </dgm:spPr>
+      <dgm:t>
+        <a:bodyPr/>
+        <a:lstStyle/>
+        <a:p>
+          <a:r>
+            <a:rPr lang="en-US" altLang="zh-CN" dirty="0">
+              <a:latin typeface="Times New Roman" panose="02020603050405020304" pitchFamily="18" charset="0"/>
+              <a:cs typeface="Times New Roman" panose="02020603050405020304" pitchFamily="18" charset="0"/>
+            </a:rPr>
+            <a:t>30190</a:t>
+          </a:r>
+          <a:endParaRPr lang="zh-CN" altLang="en-US" dirty="0">
+            <a:latin typeface="Times New Roman" panose="02020603050405020304" pitchFamily="18" charset="0"/>
+            <a:cs typeface="Times New Roman" panose="02020603050405020304" pitchFamily="18" charset="0"/>
+          </a:endParaRPr>
+        </a:p>
+      </dgm:t>
+    </dgm:pt>
+    <dgm:pt modelId="{AA32733C-C402-4040-8232-F137ADAA1DAD}" type="parTrans" cxnId="{CA196114-83C4-4365-905B-DDA6DE437AB0}">
+      <dgm:prSet/>
+      <dgm:spPr/>
+      <dgm:t>
+        <a:bodyPr/>
+        <a:lstStyle/>
+        <a:p>
+          <a:endParaRPr lang="zh-CN" altLang="en-US"/>
+        </a:p>
+      </dgm:t>
+    </dgm:pt>
+    <dgm:pt modelId="{2C8C47BD-F63D-415F-ABB5-00CBF8AD6DCD}" type="sibTrans" cxnId="{CA196114-83C4-4365-905B-DDA6DE437AB0}">
+      <dgm:prSet/>
+      <dgm:spPr/>
+      <dgm:t>
+        <a:bodyPr/>
+        <a:lstStyle/>
+        <a:p>
+          <a:endParaRPr lang="zh-CN" altLang="en-US"/>
+        </a:p>
+      </dgm:t>
+    </dgm:pt>
+    <dgm:pt modelId="{27523F83-DBED-4D10-803C-C4DC49B2BB48}">
+      <dgm:prSet/>
+      <dgm:spPr>
+        <a:noFill/>
+        <a:ln w="12700"/>
+      </dgm:spPr>
+      <dgm:t>
+        <a:bodyPr/>
+        <a:lstStyle/>
+        <a:p>
+          <a:r>
+            <a:rPr lang="en-US" altLang="zh-CN" dirty="0">
+              <a:latin typeface="Times New Roman" panose="02020603050405020304" pitchFamily="18" charset="0"/>
+              <a:cs typeface="Times New Roman" panose="02020603050405020304" pitchFamily="18" charset="0"/>
+            </a:rPr>
+            <a:t>8629</a:t>
+          </a:r>
+          <a:endParaRPr lang="zh-CN" altLang="en-US" dirty="0">
+            <a:latin typeface="Times New Roman" panose="02020603050405020304" pitchFamily="18" charset="0"/>
+            <a:cs typeface="Times New Roman" panose="02020603050405020304" pitchFamily="18" charset="0"/>
+          </a:endParaRPr>
+        </a:p>
+      </dgm:t>
+    </dgm:pt>
+    <dgm:pt modelId="{54FC3D69-1871-4B4B-9C07-4026EA7F760C}" type="parTrans" cxnId="{729A75AB-7503-43BB-94BF-375BBF1F5EB5}">
+      <dgm:prSet/>
+      <dgm:spPr/>
+      <dgm:t>
+        <a:bodyPr/>
+        <a:lstStyle/>
+        <a:p>
+          <a:endParaRPr lang="zh-CN" altLang="en-US"/>
+        </a:p>
+      </dgm:t>
+    </dgm:pt>
+    <dgm:pt modelId="{FB9A1249-77C1-4FEA-AB6D-32BDD8F6DF98}" type="sibTrans" cxnId="{729A75AB-7503-43BB-94BF-375BBF1F5EB5}">
+      <dgm:prSet/>
+      <dgm:spPr/>
+      <dgm:t>
+        <a:bodyPr/>
+        <a:lstStyle/>
+        <a:p>
+          <a:endParaRPr lang="zh-CN" altLang="en-US"/>
+        </a:p>
+      </dgm:t>
+    </dgm:pt>
+    <dgm:pt modelId="{5B36F6BA-120C-4561-AD76-62D1E5C51571}">
+      <dgm:prSet/>
+      <dgm:spPr>
+        <a:noFill/>
+        <a:ln w="12700"/>
+      </dgm:spPr>
+      <dgm:t>
+        <a:bodyPr/>
+        <a:lstStyle/>
+        <a:p>
+          <a:r>
+            <a:rPr lang="en-US" altLang="zh-CN" dirty="0">
+              <a:latin typeface="Times New Roman" panose="02020603050405020304" pitchFamily="18" charset="0"/>
+              <a:cs typeface="Times New Roman" panose="02020603050405020304" pitchFamily="18" charset="0"/>
+            </a:rPr>
+            <a:t>102</a:t>
+          </a:r>
+          <a:endParaRPr lang="zh-CN" altLang="en-US" dirty="0">
+            <a:latin typeface="Times New Roman" panose="02020603050405020304" pitchFamily="18" charset="0"/>
+            <a:cs typeface="Times New Roman" panose="02020603050405020304" pitchFamily="18" charset="0"/>
+          </a:endParaRPr>
+        </a:p>
+      </dgm:t>
+    </dgm:pt>
+    <dgm:pt modelId="{64CB0A6F-70FA-430A-B505-6A2143417B60}" type="parTrans" cxnId="{7117646C-D8D8-4E31-AF3B-58788C39E45F}">
+      <dgm:prSet/>
+      <dgm:spPr/>
+      <dgm:t>
+        <a:bodyPr/>
+        <a:lstStyle/>
+        <a:p>
+          <a:endParaRPr lang="zh-CN" altLang="en-US"/>
+        </a:p>
+      </dgm:t>
+    </dgm:pt>
+    <dgm:pt modelId="{1AD2426B-6459-4268-A171-84AAD92EEA61}" type="sibTrans" cxnId="{7117646C-D8D8-4E31-AF3B-58788C39E45F}">
+      <dgm:prSet/>
+      <dgm:spPr/>
+      <dgm:t>
+        <a:bodyPr/>
+        <a:lstStyle/>
+        <a:p>
+          <a:endParaRPr lang="zh-CN" altLang="en-US"/>
+        </a:p>
+      </dgm:t>
+    </dgm:pt>
+    <dgm:pt modelId="{45767EB4-A707-45FF-B8DF-15B25909B33F}">
+      <dgm:prSet/>
+      <dgm:spPr>
+        <a:noFill/>
+        <a:ln w="12700"/>
+      </dgm:spPr>
+      <dgm:t>
+        <a:bodyPr/>
+        <a:lstStyle/>
+        <a:p>
+          <a:r>
+            <a:rPr lang="en-US" altLang="zh-CN" dirty="0">
+              <a:latin typeface="Times New Roman" panose="02020603050405020304" pitchFamily="18" charset="0"/>
+              <a:cs typeface="Times New Roman" panose="02020603050405020304" pitchFamily="18" charset="0"/>
+            </a:rPr>
+            <a:t>95</a:t>
+          </a:r>
+          <a:endParaRPr lang="zh-CN" altLang="en-US" dirty="0">
+            <a:latin typeface="Times New Roman" panose="02020603050405020304" pitchFamily="18" charset="0"/>
+            <a:cs typeface="Times New Roman" panose="02020603050405020304" pitchFamily="18" charset="0"/>
+          </a:endParaRPr>
+        </a:p>
+      </dgm:t>
+    </dgm:pt>
+    <dgm:pt modelId="{D1FECCE9-34FE-4FE9-8273-8AEE67B13A1E}" type="parTrans" cxnId="{4E335D13-BAAE-4C80-A8B9-6AF8FD05B547}">
+      <dgm:prSet/>
+      <dgm:spPr/>
+      <dgm:t>
+        <a:bodyPr/>
+        <a:lstStyle/>
+        <a:p>
+          <a:endParaRPr lang="zh-CN" altLang="en-US"/>
+        </a:p>
+      </dgm:t>
+    </dgm:pt>
+    <dgm:pt modelId="{D0179DC7-4A44-4241-ACEB-179EBABA0196}" type="sibTrans" cxnId="{4E335D13-BAAE-4C80-A8B9-6AF8FD05B547}">
+      <dgm:prSet/>
+      <dgm:spPr/>
+      <dgm:t>
+        <a:bodyPr/>
+        <a:lstStyle/>
+        <a:p>
+          <a:endParaRPr lang="zh-CN" altLang="en-US"/>
+        </a:p>
+      </dgm:t>
+    </dgm:pt>
+    <dgm:pt modelId="{44DD60F4-3306-4C57-B96F-335C47198383}">
+      <dgm:prSet/>
+      <dgm:spPr>
+        <a:noFill/>
+        <a:ln w="12700"/>
+      </dgm:spPr>
+      <dgm:t>
+        <a:bodyPr/>
+        <a:lstStyle/>
+        <a:p>
+          <a:r>
+            <a:rPr lang="en-US" altLang="zh-CN" dirty="0">
+              <a:latin typeface="Times New Roman" panose="02020603050405020304" pitchFamily="18" charset="0"/>
+              <a:cs typeface="Times New Roman" panose="02020603050405020304" pitchFamily="18" charset="0"/>
+            </a:rPr>
+            <a:t>17</a:t>
+          </a:r>
+          <a:endParaRPr lang="zh-CN" altLang="en-US" dirty="0">
+            <a:latin typeface="Times New Roman" panose="02020603050405020304" pitchFamily="18" charset="0"/>
+            <a:cs typeface="Times New Roman" panose="02020603050405020304" pitchFamily="18" charset="0"/>
+          </a:endParaRPr>
+        </a:p>
+      </dgm:t>
+    </dgm:pt>
+    <dgm:pt modelId="{6069AF78-FA3E-4940-A7C8-5A6684956FFC}" type="parTrans" cxnId="{451E534A-8269-4420-BE23-79D31CDD2850}">
+      <dgm:prSet/>
+      <dgm:spPr/>
+      <dgm:t>
+        <a:bodyPr/>
+        <a:lstStyle/>
+        <a:p>
+          <a:endParaRPr lang="zh-CN" altLang="en-US"/>
+        </a:p>
+      </dgm:t>
+    </dgm:pt>
+    <dgm:pt modelId="{4E6B9390-8D9B-4338-B083-4ECE0B309A4D}" type="sibTrans" cxnId="{451E534A-8269-4420-BE23-79D31CDD2850}">
+      <dgm:prSet/>
+      <dgm:spPr/>
+      <dgm:t>
+        <a:bodyPr/>
+        <a:lstStyle/>
+        <a:p>
+          <a:endParaRPr lang="zh-CN" altLang="en-US"/>
+        </a:p>
+      </dgm:t>
+    </dgm:pt>
+    <dgm:pt modelId="{61FE34B4-0F36-466C-A593-054A76D3DC18}">
+      <dgm:prSet/>
+      <dgm:spPr>
+        <a:noFill/>
+        <a:ln w="12700">
+          <a:noFill/>
+        </a:ln>
+      </dgm:spPr>
+      <dgm:t>
+        <a:bodyPr/>
+        <a:lstStyle/>
+        <a:p>
+          <a:endParaRPr lang="zh-CN" altLang="en-US"/>
+        </a:p>
+      </dgm:t>
+    </dgm:pt>
+    <dgm:pt modelId="{6F0511FE-E941-4919-95BB-1B71C3BB128C}" type="parTrans" cxnId="{757E192C-06D3-4EAF-9E60-DAF83FD2349F}">
+      <dgm:prSet/>
+      <dgm:spPr/>
+      <dgm:t>
+        <a:bodyPr/>
+        <a:lstStyle/>
+        <a:p>
+          <a:endParaRPr lang="zh-CN" altLang="en-US"/>
+        </a:p>
+      </dgm:t>
+    </dgm:pt>
+    <dgm:pt modelId="{46A1EBF2-E098-441F-9F2D-F21AC020FAD6}" type="sibTrans" cxnId="{757E192C-06D3-4EAF-9E60-DAF83FD2349F}">
+      <dgm:prSet/>
+      <dgm:spPr/>
+      <dgm:t>
+        <a:bodyPr/>
+        <a:lstStyle/>
+        <a:p>
+          <a:endParaRPr lang="zh-CN" altLang="en-US"/>
+        </a:p>
+      </dgm:t>
+    </dgm:pt>
+    <dgm:pt modelId="{5AB54E94-0593-46CA-B46F-E16EE2B9D85C}">
+      <dgm:prSet/>
+      <dgm:spPr>
+        <a:noFill/>
+        <a:ln w="12700">
+          <a:solidFill>
+            <a:schemeClr val="tx1"/>
+          </a:solidFill>
+        </a:ln>
+      </dgm:spPr>
+      <dgm:t>
+        <a:bodyPr/>
+        <a:lstStyle/>
+        <a:p>
+          <a:r>
+            <a:rPr lang="en-US" altLang="zh-CN" b="1" dirty="0"/>
+            <a:t>…</a:t>
+          </a:r>
+          <a:endParaRPr lang="zh-CN" altLang="en-US" b="1" dirty="0"/>
+        </a:p>
+      </dgm:t>
+    </dgm:pt>
+    <dgm:pt modelId="{309E8489-CE04-4FAE-B203-32D1ECCAF274}" type="parTrans" cxnId="{8C5FBA3A-0BDF-449F-AC67-086FBEBC44D5}">
+      <dgm:prSet/>
+      <dgm:spPr/>
+      <dgm:t>
+        <a:bodyPr/>
+        <a:lstStyle/>
+        <a:p>
+          <a:endParaRPr lang="zh-CN" altLang="en-US"/>
+        </a:p>
+      </dgm:t>
+    </dgm:pt>
+    <dgm:pt modelId="{E59B6FAE-D945-4775-94F2-8EAB8E1CC6FA}" type="sibTrans" cxnId="{8C5FBA3A-0BDF-449F-AC67-086FBEBC44D5}">
+      <dgm:prSet/>
+      <dgm:spPr/>
+      <dgm:t>
+        <a:bodyPr/>
+        <a:lstStyle/>
+        <a:p>
+          <a:endParaRPr lang="zh-CN" altLang="en-US"/>
+        </a:p>
+      </dgm:t>
+    </dgm:pt>
+    <dgm:pt modelId="{D1AEF2F7-A526-4B65-8DD7-031FF0C00206}">
+      <dgm:prSet/>
+      <dgm:spPr>
+        <a:noFill/>
+        <a:ln w="12700">
+          <a:solidFill>
+            <a:schemeClr val="tx1"/>
+          </a:solidFill>
+        </a:ln>
+      </dgm:spPr>
+      <dgm:t>
+        <a:bodyPr/>
+        <a:lstStyle/>
+        <a:p>
+          <a:r>
+            <a:rPr lang="en-US" altLang="zh-CN" b="1" dirty="0"/>
+            <a:t>…</a:t>
+          </a:r>
+          <a:endParaRPr lang="zh-CN" altLang="en-US" dirty="0"/>
+        </a:p>
+      </dgm:t>
+    </dgm:pt>
+    <dgm:pt modelId="{71282D64-272C-4A9A-A913-D769DC5BA8A5}" type="parTrans" cxnId="{C9FD46A0-F772-4921-8FA3-63F7E450179B}">
+      <dgm:prSet/>
+      <dgm:spPr/>
+      <dgm:t>
+        <a:bodyPr/>
+        <a:lstStyle/>
+        <a:p>
+          <a:endParaRPr lang="zh-CN" altLang="en-US"/>
+        </a:p>
+      </dgm:t>
+    </dgm:pt>
+    <dgm:pt modelId="{B9504D71-E5E1-4C31-936F-DBEB3EBBA77D}" type="sibTrans" cxnId="{C9FD46A0-F772-4921-8FA3-63F7E450179B}">
+      <dgm:prSet/>
+      <dgm:spPr/>
+      <dgm:t>
+        <a:bodyPr/>
+        <a:lstStyle/>
+        <a:p>
+          <a:endParaRPr lang="zh-CN" altLang="en-US"/>
+        </a:p>
+      </dgm:t>
+    </dgm:pt>
+    <dgm:pt modelId="{DBD49CE8-F24C-40CE-B481-97B5D1ACF1C8}" type="pres">
+      <dgm:prSet presAssocID="{0E4224FC-AE90-4896-8AD8-7676E5A9ABD6}" presName="Name0" presStyleCnt="0">
+        <dgm:presLayoutVars>
+          <dgm:dir/>
+          <dgm:animLvl val="lvl"/>
+          <dgm:resizeHandles val="exact"/>
+        </dgm:presLayoutVars>
+      </dgm:prSet>
+      <dgm:spPr/>
+    </dgm:pt>
+    <dgm:pt modelId="{723EDCC7-2699-433C-933D-B49B1625AA55}" type="pres">
+      <dgm:prSet presAssocID="{42362344-1053-4C94-95D4-4498A2465E61}" presName="Name8" presStyleCnt="0"/>
+      <dgm:spPr/>
+    </dgm:pt>
+    <dgm:pt modelId="{3FCBAF1E-1F1C-4E4A-9C4C-8E6FA1F00FF5}" type="pres">
+      <dgm:prSet presAssocID="{42362344-1053-4C94-95D4-4498A2465E61}" presName="level" presStyleLbl="node1" presStyleIdx="0" presStyleCnt="11">
+        <dgm:presLayoutVars>
+          <dgm:chMax val="1"/>
+          <dgm:bulletEnabled val="1"/>
+        </dgm:presLayoutVars>
+      </dgm:prSet>
+      <dgm:spPr/>
+    </dgm:pt>
+    <dgm:pt modelId="{D5223951-235F-4A37-ADA9-6BE8FB14CE46}" type="pres">
+      <dgm:prSet presAssocID="{42362344-1053-4C94-95D4-4498A2465E61}" presName="levelTx" presStyleLbl="revTx" presStyleIdx="0" presStyleCnt="0">
+        <dgm:presLayoutVars>
+          <dgm:chMax val="1"/>
+          <dgm:bulletEnabled val="1"/>
+        </dgm:presLayoutVars>
+      </dgm:prSet>
+      <dgm:spPr/>
+    </dgm:pt>
+    <dgm:pt modelId="{4369F2A2-45F3-4D2D-8E33-1A5DB8486BE3}" type="pres">
+      <dgm:prSet presAssocID="{CA77AAF7-85BF-4A89-943F-BA07DC993ECB}" presName="Name8" presStyleCnt="0"/>
+      <dgm:spPr/>
+    </dgm:pt>
+    <dgm:pt modelId="{72BBCA2E-37A8-4983-A449-C91E8205238B}" type="pres">
+      <dgm:prSet presAssocID="{CA77AAF7-85BF-4A89-943F-BA07DC993ECB}" presName="level" presStyleLbl="node1" presStyleIdx="1" presStyleCnt="11">
+        <dgm:presLayoutVars>
+          <dgm:chMax val="1"/>
+          <dgm:bulletEnabled val="1"/>
+        </dgm:presLayoutVars>
+      </dgm:prSet>
+      <dgm:spPr/>
+    </dgm:pt>
+    <dgm:pt modelId="{189428A7-6E97-40F1-A0DD-1A15D0F7F112}" type="pres">
+      <dgm:prSet presAssocID="{CA77AAF7-85BF-4A89-943F-BA07DC993ECB}" presName="levelTx" presStyleLbl="revTx" presStyleIdx="0" presStyleCnt="0">
+        <dgm:presLayoutVars>
+          <dgm:chMax val="1"/>
+          <dgm:bulletEnabled val="1"/>
+        </dgm:presLayoutVars>
+      </dgm:prSet>
+      <dgm:spPr/>
+    </dgm:pt>
+    <dgm:pt modelId="{2CE171F6-629E-436A-A2F6-6C7D301507A9}" type="pres">
+      <dgm:prSet presAssocID="{27523F83-DBED-4D10-803C-C4DC49B2BB48}" presName="Name8" presStyleCnt="0"/>
+      <dgm:spPr/>
+    </dgm:pt>
+    <dgm:pt modelId="{1B2D653A-3D96-48C7-A3AA-111428E6E2B5}" type="pres">
+      <dgm:prSet presAssocID="{27523F83-DBED-4D10-803C-C4DC49B2BB48}" presName="level" presStyleLbl="node1" presStyleIdx="2" presStyleCnt="11">
+        <dgm:presLayoutVars>
+          <dgm:chMax val="1"/>
+          <dgm:bulletEnabled val="1"/>
+        </dgm:presLayoutVars>
+      </dgm:prSet>
+      <dgm:spPr/>
+    </dgm:pt>
+    <dgm:pt modelId="{3C219360-6F4E-491D-AEEC-77F196D4BA8F}" type="pres">
+      <dgm:prSet presAssocID="{27523F83-DBED-4D10-803C-C4DC49B2BB48}" presName="levelTx" presStyleLbl="revTx" presStyleIdx="0" presStyleCnt="0">
+        <dgm:presLayoutVars>
+          <dgm:chMax val="1"/>
+          <dgm:bulletEnabled val="1"/>
+        </dgm:presLayoutVars>
+      </dgm:prSet>
+      <dgm:spPr/>
+    </dgm:pt>
+    <dgm:pt modelId="{4A3599CC-B57C-4B49-BE1A-CC3B3F55C779}" type="pres">
+      <dgm:prSet presAssocID="{CA2796A0-96DF-4726-BF0B-8B9C01C1AACC}" presName="Name8" presStyleCnt="0"/>
+      <dgm:spPr/>
+    </dgm:pt>
+    <dgm:pt modelId="{A02967F5-15CB-4C97-AF87-5A2CDD733FFF}" type="pres">
+      <dgm:prSet presAssocID="{CA2796A0-96DF-4726-BF0B-8B9C01C1AACC}" presName="level" presStyleLbl="node1" presStyleIdx="3" presStyleCnt="11">
+        <dgm:presLayoutVars>
+          <dgm:chMax val="1"/>
+          <dgm:bulletEnabled val="1"/>
+        </dgm:presLayoutVars>
+      </dgm:prSet>
+      <dgm:spPr/>
+    </dgm:pt>
+    <dgm:pt modelId="{9CC99B81-64CB-4604-95B6-2DF3A4FBDBBB}" type="pres">
+      <dgm:prSet presAssocID="{CA2796A0-96DF-4726-BF0B-8B9C01C1AACC}" presName="levelTx" presStyleLbl="revTx" presStyleIdx="0" presStyleCnt="0">
+        <dgm:presLayoutVars>
+          <dgm:chMax val="1"/>
+          <dgm:bulletEnabled val="1"/>
+        </dgm:presLayoutVars>
+      </dgm:prSet>
+      <dgm:spPr/>
+    </dgm:pt>
+    <dgm:pt modelId="{F761DEE8-AAF1-4E93-911A-D74C9DB28591}" type="pres">
+      <dgm:prSet presAssocID="{00FE437B-41D5-471E-9899-07197850BA6E}" presName="Name8" presStyleCnt="0"/>
+      <dgm:spPr/>
+    </dgm:pt>
+    <dgm:pt modelId="{2EE4AADF-2186-489C-96F5-2298C34B5D4A}" type="pres">
+      <dgm:prSet presAssocID="{00FE437B-41D5-471E-9899-07197850BA6E}" presName="level" presStyleLbl="node1" presStyleIdx="4" presStyleCnt="11">
+        <dgm:presLayoutVars>
+          <dgm:chMax val="1"/>
+          <dgm:bulletEnabled val="1"/>
+        </dgm:presLayoutVars>
+      </dgm:prSet>
+      <dgm:spPr/>
+    </dgm:pt>
+    <dgm:pt modelId="{F9D6F475-F4EF-430E-8620-89C26AC3E7B0}" type="pres">
+      <dgm:prSet presAssocID="{00FE437B-41D5-471E-9899-07197850BA6E}" presName="levelTx" presStyleLbl="revTx" presStyleIdx="0" presStyleCnt="0">
+        <dgm:presLayoutVars>
+          <dgm:chMax val="1"/>
+          <dgm:bulletEnabled val="1"/>
+        </dgm:presLayoutVars>
+      </dgm:prSet>
+      <dgm:spPr/>
+    </dgm:pt>
+    <dgm:pt modelId="{A6CC1059-5156-4D8D-AAC9-B53BBAF4CADB}" type="pres">
+      <dgm:prSet presAssocID="{5AB54E94-0593-46CA-B46F-E16EE2B9D85C}" presName="Name8" presStyleCnt="0"/>
+      <dgm:spPr/>
+    </dgm:pt>
+    <dgm:pt modelId="{B579075A-B7C0-4233-9258-CEE159A649F4}" type="pres">
+      <dgm:prSet presAssocID="{5AB54E94-0593-46CA-B46F-E16EE2B9D85C}" presName="level" presStyleLbl="node1" presStyleIdx="5" presStyleCnt="11">
+        <dgm:presLayoutVars>
+          <dgm:chMax val="1"/>
+          <dgm:bulletEnabled val="1"/>
+        </dgm:presLayoutVars>
+      </dgm:prSet>
+      <dgm:spPr/>
+    </dgm:pt>
+    <dgm:pt modelId="{87FE54AA-A871-46F8-8329-4938D7BF46C7}" type="pres">
+      <dgm:prSet presAssocID="{5AB54E94-0593-46CA-B46F-E16EE2B9D85C}" presName="levelTx" presStyleLbl="revTx" presStyleIdx="0" presStyleCnt="0">
+        <dgm:presLayoutVars>
+          <dgm:chMax val="1"/>
+          <dgm:bulletEnabled val="1"/>
+        </dgm:presLayoutVars>
+      </dgm:prSet>
+      <dgm:spPr/>
+    </dgm:pt>
+    <dgm:pt modelId="{E5F91ADD-7024-426E-A4D6-495E59EBB7F8}" type="pres">
+      <dgm:prSet presAssocID="{5B36F6BA-120C-4561-AD76-62D1E5C51571}" presName="Name8" presStyleCnt="0"/>
+      <dgm:spPr/>
+    </dgm:pt>
+    <dgm:pt modelId="{4DBCAD47-629C-414B-847A-1ADC7D87FD1A}" type="pres">
+      <dgm:prSet presAssocID="{5B36F6BA-120C-4561-AD76-62D1E5C51571}" presName="level" presStyleLbl="node1" presStyleIdx="6" presStyleCnt="11">
+        <dgm:presLayoutVars>
+          <dgm:chMax val="1"/>
+          <dgm:bulletEnabled val="1"/>
+        </dgm:presLayoutVars>
+      </dgm:prSet>
+      <dgm:spPr/>
+    </dgm:pt>
+    <dgm:pt modelId="{01CE6ED0-CE1D-4CC8-8243-425F185273E1}" type="pres">
+      <dgm:prSet presAssocID="{5B36F6BA-120C-4561-AD76-62D1E5C51571}" presName="levelTx" presStyleLbl="revTx" presStyleIdx="0" presStyleCnt="0">
+        <dgm:presLayoutVars>
+          <dgm:chMax val="1"/>
+          <dgm:bulletEnabled val="1"/>
+        </dgm:presLayoutVars>
+      </dgm:prSet>
+      <dgm:spPr/>
+    </dgm:pt>
+    <dgm:pt modelId="{84C4B58D-EE7F-42C8-872C-0365A603C52B}" type="pres">
+      <dgm:prSet presAssocID="{D1AEF2F7-A526-4B65-8DD7-031FF0C00206}" presName="Name8" presStyleCnt="0"/>
+      <dgm:spPr/>
+    </dgm:pt>
+    <dgm:pt modelId="{8B4B96C7-8BA0-488F-9000-B3C127E680F0}" type="pres">
+      <dgm:prSet presAssocID="{D1AEF2F7-A526-4B65-8DD7-031FF0C00206}" presName="level" presStyleLbl="node1" presStyleIdx="7" presStyleCnt="11">
+        <dgm:presLayoutVars>
+          <dgm:chMax val="1"/>
+          <dgm:bulletEnabled val="1"/>
+        </dgm:presLayoutVars>
+      </dgm:prSet>
+      <dgm:spPr/>
+    </dgm:pt>
+    <dgm:pt modelId="{538F8AF4-1F9D-4D8E-8BDF-2D46A1891912}" type="pres">
+      <dgm:prSet presAssocID="{D1AEF2F7-A526-4B65-8DD7-031FF0C00206}" presName="levelTx" presStyleLbl="revTx" presStyleIdx="0" presStyleCnt="0">
+        <dgm:presLayoutVars>
+          <dgm:chMax val="1"/>
+          <dgm:bulletEnabled val="1"/>
+        </dgm:presLayoutVars>
+      </dgm:prSet>
+      <dgm:spPr/>
+    </dgm:pt>
+    <dgm:pt modelId="{659D3740-6A48-4B6E-9D48-7098BD33BD56}" type="pres">
+      <dgm:prSet presAssocID="{45767EB4-A707-45FF-B8DF-15B25909B33F}" presName="Name8" presStyleCnt="0"/>
+      <dgm:spPr/>
+    </dgm:pt>
+    <dgm:pt modelId="{0B768248-CF4B-46A4-9E66-9160A2EC418E}" type="pres">
+      <dgm:prSet presAssocID="{45767EB4-A707-45FF-B8DF-15B25909B33F}" presName="level" presStyleLbl="node1" presStyleIdx="8" presStyleCnt="11">
+        <dgm:presLayoutVars>
+          <dgm:chMax val="1"/>
+          <dgm:bulletEnabled val="1"/>
+        </dgm:presLayoutVars>
+      </dgm:prSet>
+      <dgm:spPr/>
+    </dgm:pt>
+    <dgm:pt modelId="{E28775DF-021C-4759-BBE0-F6F6036CC89A}" type="pres">
+      <dgm:prSet presAssocID="{45767EB4-A707-45FF-B8DF-15B25909B33F}" presName="levelTx" presStyleLbl="revTx" presStyleIdx="0" presStyleCnt="0">
+        <dgm:presLayoutVars>
+          <dgm:chMax val="1"/>
+          <dgm:bulletEnabled val="1"/>
+        </dgm:presLayoutVars>
+      </dgm:prSet>
+      <dgm:spPr/>
+    </dgm:pt>
+    <dgm:pt modelId="{309E7BE5-3797-4F81-9A81-56FF348CE4EF}" type="pres">
+      <dgm:prSet presAssocID="{44DD60F4-3306-4C57-B96F-335C47198383}" presName="Name8" presStyleCnt="0"/>
+      <dgm:spPr/>
+    </dgm:pt>
+    <dgm:pt modelId="{95BDF094-CBDB-45C0-ACF5-7AB727545618}" type="pres">
+      <dgm:prSet presAssocID="{44DD60F4-3306-4C57-B96F-335C47198383}" presName="level" presStyleLbl="node1" presStyleIdx="9" presStyleCnt="11">
+        <dgm:presLayoutVars>
+          <dgm:chMax val="1"/>
+          <dgm:bulletEnabled val="1"/>
+        </dgm:presLayoutVars>
+      </dgm:prSet>
+      <dgm:spPr/>
+    </dgm:pt>
+    <dgm:pt modelId="{205083C3-2D58-402A-A37A-831FEF5DA820}" type="pres">
+      <dgm:prSet presAssocID="{44DD60F4-3306-4C57-B96F-335C47198383}" presName="levelTx" presStyleLbl="revTx" presStyleIdx="0" presStyleCnt="0">
+        <dgm:presLayoutVars>
+          <dgm:chMax val="1"/>
+          <dgm:bulletEnabled val="1"/>
+        </dgm:presLayoutVars>
+      </dgm:prSet>
+      <dgm:spPr/>
+    </dgm:pt>
+    <dgm:pt modelId="{2CEF409D-7FEB-44B6-B584-A1F04276E9BF}" type="pres">
+      <dgm:prSet presAssocID="{61FE34B4-0F36-466C-A593-054A76D3DC18}" presName="Name8" presStyleCnt="0"/>
+      <dgm:spPr/>
+    </dgm:pt>
+    <dgm:pt modelId="{725DD379-A92B-40E5-B2B7-435F4E7FCFCF}" type="pres">
+      <dgm:prSet presAssocID="{61FE34B4-0F36-466C-A593-054A76D3DC18}" presName="level" presStyleLbl="node1" presStyleIdx="10" presStyleCnt="11">
+        <dgm:presLayoutVars>
+          <dgm:chMax val="1"/>
+          <dgm:bulletEnabled val="1"/>
+        </dgm:presLayoutVars>
+      </dgm:prSet>
+      <dgm:spPr/>
+    </dgm:pt>
+    <dgm:pt modelId="{D54E879E-0359-424D-903F-02BE6ED2A1DF}" type="pres">
+      <dgm:prSet presAssocID="{61FE34B4-0F36-466C-A593-054A76D3DC18}" presName="levelTx" presStyleLbl="revTx" presStyleIdx="0" presStyleCnt="0">
+        <dgm:presLayoutVars>
+          <dgm:chMax val="1"/>
+          <dgm:bulletEnabled val="1"/>
+        </dgm:presLayoutVars>
+      </dgm:prSet>
+      <dgm:spPr/>
+    </dgm:pt>
+  </dgm:ptLst>
+  <dgm:cxnLst>
+    <dgm:cxn modelId="{8915D200-E80C-4C01-AEE9-EF818086F686}" type="presOf" srcId="{5AB54E94-0593-46CA-B46F-E16EE2B9D85C}" destId="{87FE54AA-A871-46F8-8329-4938D7BF46C7}" srcOrd="1" destOrd="0" presId="urn:microsoft.com/office/officeart/2005/8/layout/pyramid3"/>
+    <dgm:cxn modelId="{9539FE06-6570-410D-97A5-82B0C6CC2A0A}" type="presOf" srcId="{CA2796A0-96DF-4726-BF0B-8B9C01C1AACC}" destId="{9CC99B81-64CB-4604-95B6-2DF3A4FBDBBB}" srcOrd="1" destOrd="0" presId="urn:microsoft.com/office/officeart/2005/8/layout/pyramid3"/>
+    <dgm:cxn modelId="{4E335D13-BAAE-4C80-A8B9-6AF8FD05B547}" srcId="{0E4224FC-AE90-4896-8AD8-7676E5A9ABD6}" destId="{45767EB4-A707-45FF-B8DF-15B25909B33F}" srcOrd="8" destOrd="0" parTransId="{D1FECCE9-34FE-4FE9-8273-8AEE67B13A1E}" sibTransId="{D0179DC7-4A44-4241-ACEB-179EBABA0196}"/>
+    <dgm:cxn modelId="{BFAA4513-90B9-4BD0-B6A1-89CD26F83B4E}" type="presOf" srcId="{00FE437B-41D5-471E-9899-07197850BA6E}" destId="{2EE4AADF-2186-489C-96F5-2298C34B5D4A}" srcOrd="0" destOrd="0" presId="urn:microsoft.com/office/officeart/2005/8/layout/pyramid3"/>
+    <dgm:cxn modelId="{4E678613-0537-4971-8EE7-B25BD9B90A44}" type="presOf" srcId="{42362344-1053-4C94-95D4-4498A2465E61}" destId="{D5223951-235F-4A37-ADA9-6BE8FB14CE46}" srcOrd="1" destOrd="0" presId="urn:microsoft.com/office/officeart/2005/8/layout/pyramid3"/>
+    <dgm:cxn modelId="{CA196114-83C4-4365-905B-DDA6DE437AB0}" srcId="{0E4224FC-AE90-4896-8AD8-7676E5A9ABD6}" destId="{42362344-1053-4C94-95D4-4498A2465E61}" srcOrd="0" destOrd="0" parTransId="{AA32733C-C402-4040-8232-F137ADAA1DAD}" sibTransId="{2C8C47BD-F63D-415F-ABB5-00CBF8AD6DCD}"/>
+    <dgm:cxn modelId="{27AABB20-3D70-4D46-A595-62BEAC862AC0}" type="presOf" srcId="{0E4224FC-AE90-4896-8AD8-7676E5A9ABD6}" destId="{DBD49CE8-F24C-40CE-B481-97B5D1ACF1C8}" srcOrd="0" destOrd="0" presId="urn:microsoft.com/office/officeart/2005/8/layout/pyramid3"/>
+    <dgm:cxn modelId="{417F2923-70CF-4F0D-AC73-6902F31B3D8D}" type="presOf" srcId="{44DD60F4-3306-4C57-B96F-335C47198383}" destId="{95BDF094-CBDB-45C0-ACF5-7AB727545618}" srcOrd="0" destOrd="0" presId="urn:microsoft.com/office/officeart/2005/8/layout/pyramid3"/>
+    <dgm:cxn modelId="{757E192C-06D3-4EAF-9E60-DAF83FD2349F}" srcId="{0E4224FC-AE90-4896-8AD8-7676E5A9ABD6}" destId="{61FE34B4-0F36-466C-A593-054A76D3DC18}" srcOrd="10" destOrd="0" parTransId="{6F0511FE-E941-4919-95BB-1B71C3BB128C}" sibTransId="{46A1EBF2-E098-441F-9F2D-F21AC020FAD6}"/>
+    <dgm:cxn modelId="{38C4C631-2526-4A87-9A51-A2057B02CABA}" type="presOf" srcId="{5B36F6BA-120C-4561-AD76-62D1E5C51571}" destId="{01CE6ED0-CE1D-4CC8-8243-425F185273E1}" srcOrd="1" destOrd="0" presId="urn:microsoft.com/office/officeart/2005/8/layout/pyramid3"/>
+    <dgm:cxn modelId="{5A209C32-8D9E-49A0-80E0-7793CEAEB88F}" type="presOf" srcId="{CA77AAF7-85BF-4A89-943F-BA07DC993ECB}" destId="{72BBCA2E-37A8-4983-A449-C91E8205238B}" srcOrd="0" destOrd="0" presId="urn:microsoft.com/office/officeart/2005/8/layout/pyramid3"/>
+    <dgm:cxn modelId="{EFC16C36-7DA3-4695-A950-AB60B9BC2E63}" type="presOf" srcId="{42362344-1053-4C94-95D4-4498A2465E61}" destId="{3FCBAF1E-1F1C-4E4A-9C4C-8E6FA1F00FF5}" srcOrd="0" destOrd="0" presId="urn:microsoft.com/office/officeart/2005/8/layout/pyramid3"/>
+    <dgm:cxn modelId="{2C397A36-BAF9-4067-BA68-F39AE342D9C6}" srcId="{0E4224FC-AE90-4896-8AD8-7676E5A9ABD6}" destId="{CA2796A0-96DF-4726-BF0B-8B9C01C1AACC}" srcOrd="3" destOrd="0" parTransId="{9F9EC154-DB51-48D9-92EA-8277174786BE}" sibTransId="{D746E057-4324-41A8-8E6B-1A0A32517540}"/>
+    <dgm:cxn modelId="{8C5FBA3A-0BDF-449F-AC67-086FBEBC44D5}" srcId="{0E4224FC-AE90-4896-8AD8-7676E5A9ABD6}" destId="{5AB54E94-0593-46CA-B46F-E16EE2B9D85C}" srcOrd="5" destOrd="0" parTransId="{309E8489-CE04-4FAE-B203-32D1ECCAF274}" sibTransId="{E59B6FAE-D945-4775-94F2-8EAB8E1CC6FA}"/>
+    <dgm:cxn modelId="{C88CAD5C-2974-428B-A3E7-D7B8FEE92D8F}" type="presOf" srcId="{45767EB4-A707-45FF-B8DF-15B25909B33F}" destId="{E28775DF-021C-4759-BBE0-F6F6036CC89A}" srcOrd="1" destOrd="0" presId="urn:microsoft.com/office/officeart/2005/8/layout/pyramid3"/>
+    <dgm:cxn modelId="{6AA6D666-9DDD-4F18-9015-ACF7289C5274}" type="presOf" srcId="{5AB54E94-0593-46CA-B46F-E16EE2B9D85C}" destId="{B579075A-B7C0-4233-9258-CEE159A649F4}" srcOrd="0" destOrd="0" presId="urn:microsoft.com/office/officeart/2005/8/layout/pyramid3"/>
+    <dgm:cxn modelId="{0C844C67-F918-40D0-A968-E6926DF41FBF}" type="presOf" srcId="{27523F83-DBED-4D10-803C-C4DC49B2BB48}" destId="{1B2D653A-3D96-48C7-A3AA-111428E6E2B5}" srcOrd="0" destOrd="0" presId="urn:microsoft.com/office/officeart/2005/8/layout/pyramid3"/>
+    <dgm:cxn modelId="{451E534A-8269-4420-BE23-79D31CDD2850}" srcId="{0E4224FC-AE90-4896-8AD8-7676E5A9ABD6}" destId="{44DD60F4-3306-4C57-B96F-335C47198383}" srcOrd="9" destOrd="0" parTransId="{6069AF78-FA3E-4940-A7C8-5A6684956FFC}" sibTransId="{4E6B9390-8D9B-4338-B083-4ECE0B309A4D}"/>
+    <dgm:cxn modelId="{7117646C-D8D8-4E31-AF3B-58788C39E45F}" srcId="{0E4224FC-AE90-4896-8AD8-7676E5A9ABD6}" destId="{5B36F6BA-120C-4561-AD76-62D1E5C51571}" srcOrd="6" destOrd="0" parTransId="{64CB0A6F-70FA-430A-B505-6A2143417B60}" sibTransId="{1AD2426B-6459-4268-A171-84AAD92EEA61}"/>
+    <dgm:cxn modelId="{21CABE6C-06F8-4396-9CBA-61DD5CBE1705}" type="presOf" srcId="{61FE34B4-0F36-466C-A593-054A76D3DC18}" destId="{725DD379-A92B-40E5-B2B7-435F4E7FCFCF}" srcOrd="0" destOrd="0" presId="urn:microsoft.com/office/officeart/2005/8/layout/pyramid3"/>
+    <dgm:cxn modelId="{DDCAC14C-270E-4584-BF9A-645115C50ADC}" type="presOf" srcId="{45767EB4-A707-45FF-B8DF-15B25909B33F}" destId="{0B768248-CF4B-46A4-9E66-9160A2EC418E}" srcOrd="0" destOrd="0" presId="urn:microsoft.com/office/officeart/2005/8/layout/pyramid3"/>
+    <dgm:cxn modelId="{2829887B-5D85-493F-8DF7-EC1AFA0B32BA}" type="presOf" srcId="{61FE34B4-0F36-466C-A593-054A76D3DC18}" destId="{D54E879E-0359-424D-903F-02BE6ED2A1DF}" srcOrd="1" destOrd="0" presId="urn:microsoft.com/office/officeart/2005/8/layout/pyramid3"/>
+    <dgm:cxn modelId="{D0ECC57D-C321-4D44-99F2-DF0551650C41}" type="presOf" srcId="{D1AEF2F7-A526-4B65-8DD7-031FF0C00206}" destId="{538F8AF4-1F9D-4D8E-8BDF-2D46A1891912}" srcOrd="1" destOrd="0" presId="urn:microsoft.com/office/officeart/2005/8/layout/pyramid3"/>
+    <dgm:cxn modelId="{E36C527E-8DFD-4E30-9FE3-6C8CA61F9143}" type="presOf" srcId="{D1AEF2F7-A526-4B65-8DD7-031FF0C00206}" destId="{8B4B96C7-8BA0-488F-9000-B3C127E680F0}" srcOrd="0" destOrd="0" presId="urn:microsoft.com/office/officeart/2005/8/layout/pyramid3"/>
+    <dgm:cxn modelId="{C9FD46A0-F772-4921-8FA3-63F7E450179B}" srcId="{0E4224FC-AE90-4896-8AD8-7676E5A9ABD6}" destId="{D1AEF2F7-A526-4B65-8DD7-031FF0C00206}" srcOrd="7" destOrd="0" parTransId="{71282D64-272C-4A9A-A913-D769DC5BA8A5}" sibTransId="{B9504D71-E5E1-4C31-936F-DBEB3EBBA77D}"/>
+    <dgm:cxn modelId="{AAB11CA7-D217-4763-A8C5-E4A90E2CF95D}" type="presOf" srcId="{27523F83-DBED-4D10-803C-C4DC49B2BB48}" destId="{3C219360-6F4E-491D-AEEC-77F196D4BA8F}" srcOrd="1" destOrd="0" presId="urn:microsoft.com/office/officeart/2005/8/layout/pyramid3"/>
+    <dgm:cxn modelId="{86B667AA-79F2-4FFA-962A-E7C96EB4678F}" type="presOf" srcId="{CA2796A0-96DF-4726-BF0B-8B9C01C1AACC}" destId="{A02967F5-15CB-4C97-AF87-5A2CDD733FFF}" srcOrd="0" destOrd="0" presId="urn:microsoft.com/office/officeart/2005/8/layout/pyramid3"/>
+    <dgm:cxn modelId="{729A75AB-7503-43BB-94BF-375BBF1F5EB5}" srcId="{0E4224FC-AE90-4896-8AD8-7676E5A9ABD6}" destId="{27523F83-DBED-4D10-803C-C4DC49B2BB48}" srcOrd="2" destOrd="0" parTransId="{54FC3D69-1871-4B4B-9C07-4026EA7F760C}" sibTransId="{FB9A1249-77C1-4FEA-AB6D-32BDD8F6DF98}"/>
+    <dgm:cxn modelId="{91F70CBB-AE32-4308-BC39-B54D7DD49912}" type="presOf" srcId="{CA77AAF7-85BF-4A89-943F-BA07DC993ECB}" destId="{189428A7-6E97-40F1-A0DD-1A15D0F7F112}" srcOrd="1" destOrd="0" presId="urn:microsoft.com/office/officeart/2005/8/layout/pyramid3"/>
+    <dgm:cxn modelId="{5DA61ECB-B502-423F-B755-7D6EE42C821E}" type="presOf" srcId="{00FE437B-41D5-471E-9899-07197850BA6E}" destId="{F9D6F475-F4EF-430E-8620-89C26AC3E7B0}" srcOrd="1" destOrd="0" presId="urn:microsoft.com/office/officeart/2005/8/layout/pyramid3"/>
+    <dgm:cxn modelId="{77AC03DC-9A82-45CE-B935-A8DBCB27834D}" srcId="{0E4224FC-AE90-4896-8AD8-7676E5A9ABD6}" destId="{CA77AAF7-85BF-4A89-943F-BA07DC993ECB}" srcOrd="1" destOrd="0" parTransId="{94F499C5-E466-40B5-AF44-BCD8908550C7}" sibTransId="{9EEAD262-E7E0-46AD-9BA6-2B3101DD5A9E}"/>
+    <dgm:cxn modelId="{F64952E1-DE37-471E-94EF-17E907EDDCF3}" type="presOf" srcId="{5B36F6BA-120C-4561-AD76-62D1E5C51571}" destId="{4DBCAD47-629C-414B-847A-1ADC7D87FD1A}" srcOrd="0" destOrd="0" presId="urn:microsoft.com/office/officeart/2005/8/layout/pyramid3"/>
+    <dgm:cxn modelId="{27AD04F3-C7F4-4FA8-96E8-752BF341FEB5}" srcId="{0E4224FC-AE90-4896-8AD8-7676E5A9ABD6}" destId="{00FE437B-41D5-471E-9899-07197850BA6E}" srcOrd="4" destOrd="0" parTransId="{800CD3F3-AA45-4077-B7F5-5860AB1CE157}" sibTransId="{0E9D2E7B-C97F-4B34-A386-F51594864BA7}"/>
+    <dgm:cxn modelId="{1D41F3F5-FF4A-4C7B-9579-9CF3782F5D05}" type="presOf" srcId="{44DD60F4-3306-4C57-B96F-335C47198383}" destId="{205083C3-2D58-402A-A37A-831FEF5DA820}" srcOrd="1" destOrd="0" presId="urn:microsoft.com/office/officeart/2005/8/layout/pyramid3"/>
+    <dgm:cxn modelId="{DE5A8387-1D55-4D79-9820-25D9883B6669}" type="presParOf" srcId="{DBD49CE8-F24C-40CE-B481-97B5D1ACF1C8}" destId="{723EDCC7-2699-433C-933D-B49B1625AA55}" srcOrd="0" destOrd="0" presId="urn:microsoft.com/office/officeart/2005/8/layout/pyramid3"/>
+    <dgm:cxn modelId="{335BDA9B-F223-410D-9784-0B81733BBC8D}" type="presParOf" srcId="{723EDCC7-2699-433C-933D-B49B1625AA55}" destId="{3FCBAF1E-1F1C-4E4A-9C4C-8E6FA1F00FF5}" srcOrd="0" destOrd="0" presId="urn:microsoft.com/office/officeart/2005/8/layout/pyramid3"/>
+    <dgm:cxn modelId="{875B1D63-7C90-4660-8C80-4712FF48866C}" type="presParOf" srcId="{723EDCC7-2699-433C-933D-B49B1625AA55}" destId="{D5223951-235F-4A37-ADA9-6BE8FB14CE46}" srcOrd="1" destOrd="0" presId="urn:microsoft.com/office/officeart/2005/8/layout/pyramid3"/>
+    <dgm:cxn modelId="{0D851F43-94D5-40CF-96BA-4990E5D788B7}" type="presParOf" srcId="{DBD49CE8-F24C-40CE-B481-97B5D1ACF1C8}" destId="{4369F2A2-45F3-4D2D-8E33-1A5DB8486BE3}" srcOrd="1" destOrd="0" presId="urn:microsoft.com/office/officeart/2005/8/layout/pyramid3"/>
+    <dgm:cxn modelId="{3A5D4F14-A9AE-47D9-83FA-FAF856EF4A57}" type="presParOf" srcId="{4369F2A2-45F3-4D2D-8E33-1A5DB8486BE3}" destId="{72BBCA2E-37A8-4983-A449-C91E8205238B}" srcOrd="0" destOrd="0" presId="urn:microsoft.com/office/officeart/2005/8/layout/pyramid3"/>
+    <dgm:cxn modelId="{E516D6BA-CEA5-4365-9166-84DD0DD79E58}" type="presParOf" srcId="{4369F2A2-45F3-4D2D-8E33-1A5DB8486BE3}" destId="{189428A7-6E97-40F1-A0DD-1A15D0F7F112}" srcOrd="1" destOrd="0" presId="urn:microsoft.com/office/officeart/2005/8/layout/pyramid3"/>
+    <dgm:cxn modelId="{D85078A5-D3AF-4614-815E-91D846418B39}" type="presParOf" srcId="{DBD49CE8-F24C-40CE-B481-97B5D1ACF1C8}" destId="{2CE171F6-629E-436A-A2F6-6C7D301507A9}" srcOrd="2" destOrd="0" presId="urn:microsoft.com/office/officeart/2005/8/layout/pyramid3"/>
+    <dgm:cxn modelId="{8A11195F-CE08-4C81-AB1B-A0FEA8560E45}" type="presParOf" srcId="{2CE171F6-629E-436A-A2F6-6C7D301507A9}" destId="{1B2D653A-3D96-48C7-A3AA-111428E6E2B5}" srcOrd="0" destOrd="0" presId="urn:microsoft.com/office/officeart/2005/8/layout/pyramid3"/>
+    <dgm:cxn modelId="{CCF8909D-9B74-4EAB-87E2-D3B080EC5508}" type="presParOf" srcId="{2CE171F6-629E-436A-A2F6-6C7D301507A9}" destId="{3C219360-6F4E-491D-AEEC-77F196D4BA8F}" srcOrd="1" destOrd="0" presId="urn:microsoft.com/office/officeart/2005/8/layout/pyramid3"/>
+    <dgm:cxn modelId="{F1ACAEC1-C60F-4978-9EA6-9F535AB17CE7}" type="presParOf" srcId="{DBD49CE8-F24C-40CE-B481-97B5D1ACF1C8}" destId="{4A3599CC-B57C-4B49-BE1A-CC3B3F55C779}" srcOrd="3" destOrd="0" presId="urn:microsoft.com/office/officeart/2005/8/layout/pyramid3"/>
+    <dgm:cxn modelId="{137E4E0A-FE77-49D6-BF85-1E6A8324197D}" type="presParOf" srcId="{4A3599CC-B57C-4B49-BE1A-CC3B3F55C779}" destId="{A02967F5-15CB-4C97-AF87-5A2CDD733FFF}" srcOrd="0" destOrd="0" presId="urn:microsoft.com/office/officeart/2005/8/layout/pyramid3"/>
+    <dgm:cxn modelId="{113A3386-AE7F-40DC-845B-F8C08CB82F72}" type="presParOf" srcId="{4A3599CC-B57C-4B49-BE1A-CC3B3F55C779}" destId="{9CC99B81-64CB-4604-95B6-2DF3A4FBDBBB}" srcOrd="1" destOrd="0" presId="urn:microsoft.com/office/officeart/2005/8/layout/pyramid3"/>
+    <dgm:cxn modelId="{DC8ADB31-2A1B-4BD7-88EA-E4C389E15D29}" type="presParOf" srcId="{DBD49CE8-F24C-40CE-B481-97B5D1ACF1C8}" destId="{F761DEE8-AAF1-4E93-911A-D74C9DB28591}" srcOrd="4" destOrd="0" presId="urn:microsoft.com/office/officeart/2005/8/layout/pyramid3"/>
+    <dgm:cxn modelId="{F51A7827-4E1F-425C-8C86-7C51545C48AD}" type="presParOf" srcId="{F761DEE8-AAF1-4E93-911A-D74C9DB28591}" destId="{2EE4AADF-2186-489C-96F5-2298C34B5D4A}" srcOrd="0" destOrd="0" presId="urn:microsoft.com/office/officeart/2005/8/layout/pyramid3"/>
+    <dgm:cxn modelId="{8B3BD1B5-99AE-46AF-805F-947663D0EAD3}" type="presParOf" srcId="{F761DEE8-AAF1-4E93-911A-D74C9DB28591}" destId="{F9D6F475-F4EF-430E-8620-89C26AC3E7B0}" srcOrd="1" destOrd="0" presId="urn:microsoft.com/office/officeart/2005/8/layout/pyramid3"/>
+    <dgm:cxn modelId="{EA3F19FE-A670-4797-B2BD-E8EEDB024847}" type="presParOf" srcId="{DBD49CE8-F24C-40CE-B481-97B5D1ACF1C8}" destId="{A6CC1059-5156-4D8D-AAC9-B53BBAF4CADB}" srcOrd="5" destOrd="0" presId="urn:microsoft.com/office/officeart/2005/8/layout/pyramid3"/>
+    <dgm:cxn modelId="{22860C7D-95B4-47EA-A40C-282A8B0B749E}" type="presParOf" srcId="{A6CC1059-5156-4D8D-AAC9-B53BBAF4CADB}" destId="{B579075A-B7C0-4233-9258-CEE159A649F4}" srcOrd="0" destOrd="0" presId="urn:microsoft.com/office/officeart/2005/8/layout/pyramid3"/>
+    <dgm:cxn modelId="{9CA4D602-72C1-44BD-97E4-7A8C6AF59891}" type="presParOf" srcId="{A6CC1059-5156-4D8D-AAC9-B53BBAF4CADB}" destId="{87FE54AA-A871-46F8-8329-4938D7BF46C7}" srcOrd="1" destOrd="0" presId="urn:microsoft.com/office/officeart/2005/8/layout/pyramid3"/>
+    <dgm:cxn modelId="{0583C7BA-7F68-49A5-AD57-1535E39DE4B2}" type="presParOf" srcId="{DBD49CE8-F24C-40CE-B481-97B5D1ACF1C8}" destId="{E5F91ADD-7024-426E-A4D6-495E59EBB7F8}" srcOrd="6" destOrd="0" presId="urn:microsoft.com/office/officeart/2005/8/layout/pyramid3"/>
+    <dgm:cxn modelId="{ED9D6107-B2E6-4EE9-BF35-62A1A8296145}" type="presParOf" srcId="{E5F91ADD-7024-426E-A4D6-495E59EBB7F8}" destId="{4DBCAD47-629C-414B-847A-1ADC7D87FD1A}" srcOrd="0" destOrd="0" presId="urn:microsoft.com/office/officeart/2005/8/layout/pyramid3"/>
+    <dgm:cxn modelId="{1448359C-416B-4BBB-AD34-C1DE3FC112EE}" type="presParOf" srcId="{E5F91ADD-7024-426E-A4D6-495E59EBB7F8}" destId="{01CE6ED0-CE1D-4CC8-8243-425F185273E1}" srcOrd="1" destOrd="0" presId="urn:microsoft.com/office/officeart/2005/8/layout/pyramid3"/>
+    <dgm:cxn modelId="{BD6A5E3D-AA79-4102-96E5-A326C357FF05}" type="presParOf" srcId="{DBD49CE8-F24C-40CE-B481-97B5D1ACF1C8}" destId="{84C4B58D-EE7F-42C8-872C-0365A603C52B}" srcOrd="7" destOrd="0" presId="urn:microsoft.com/office/officeart/2005/8/layout/pyramid3"/>
+    <dgm:cxn modelId="{374B6655-DA9A-460F-9040-7436CC4CDE16}" type="presParOf" srcId="{84C4B58D-EE7F-42C8-872C-0365A603C52B}" destId="{8B4B96C7-8BA0-488F-9000-B3C127E680F0}" srcOrd="0" destOrd="0" presId="urn:microsoft.com/office/officeart/2005/8/layout/pyramid3"/>
+    <dgm:cxn modelId="{1F9E5A9A-59A4-43BD-B4F3-D283C6F0B296}" type="presParOf" srcId="{84C4B58D-EE7F-42C8-872C-0365A603C52B}" destId="{538F8AF4-1F9D-4D8E-8BDF-2D46A1891912}" srcOrd="1" destOrd="0" presId="urn:microsoft.com/office/officeart/2005/8/layout/pyramid3"/>
+    <dgm:cxn modelId="{BF8F8312-A4EF-45A6-BD62-72EE2D6F5844}" type="presParOf" srcId="{DBD49CE8-F24C-40CE-B481-97B5D1ACF1C8}" destId="{659D3740-6A48-4B6E-9D48-7098BD33BD56}" srcOrd="8" destOrd="0" presId="urn:microsoft.com/office/officeart/2005/8/layout/pyramid3"/>
+    <dgm:cxn modelId="{168787C5-7253-446C-A0D1-A05B8F6392A2}" type="presParOf" srcId="{659D3740-6A48-4B6E-9D48-7098BD33BD56}" destId="{0B768248-CF4B-46A4-9E66-9160A2EC418E}" srcOrd="0" destOrd="0" presId="urn:microsoft.com/office/officeart/2005/8/layout/pyramid3"/>
+    <dgm:cxn modelId="{E213F916-E929-4F09-951A-4E8C5582F330}" type="presParOf" srcId="{659D3740-6A48-4B6E-9D48-7098BD33BD56}" destId="{E28775DF-021C-4759-BBE0-F6F6036CC89A}" srcOrd="1" destOrd="0" presId="urn:microsoft.com/office/officeart/2005/8/layout/pyramid3"/>
+    <dgm:cxn modelId="{5B6B13D3-7424-43EA-AF34-A0E6A67617A7}" type="presParOf" srcId="{DBD49CE8-F24C-40CE-B481-97B5D1ACF1C8}" destId="{309E7BE5-3797-4F81-9A81-56FF348CE4EF}" srcOrd="9" destOrd="0" presId="urn:microsoft.com/office/officeart/2005/8/layout/pyramid3"/>
+    <dgm:cxn modelId="{5658E3D4-374D-4C40-82CF-B2CC5353353A}" type="presParOf" srcId="{309E7BE5-3797-4F81-9A81-56FF348CE4EF}" destId="{95BDF094-CBDB-45C0-ACF5-7AB727545618}" srcOrd="0" destOrd="0" presId="urn:microsoft.com/office/officeart/2005/8/layout/pyramid3"/>
+    <dgm:cxn modelId="{1686B1CE-2F18-4D96-BDBF-D1E1ACAA434A}" type="presParOf" srcId="{309E7BE5-3797-4F81-9A81-56FF348CE4EF}" destId="{205083C3-2D58-402A-A37A-831FEF5DA820}" srcOrd="1" destOrd="0" presId="urn:microsoft.com/office/officeart/2005/8/layout/pyramid3"/>
+    <dgm:cxn modelId="{4A783B88-B3D4-4316-B79C-CC5906E05887}" type="presParOf" srcId="{DBD49CE8-F24C-40CE-B481-97B5D1ACF1C8}" destId="{2CEF409D-7FEB-44B6-B584-A1F04276E9BF}" srcOrd="10" destOrd="0" presId="urn:microsoft.com/office/officeart/2005/8/layout/pyramid3"/>
+    <dgm:cxn modelId="{80CA0D32-F9F4-4802-8C1E-53258CF52988}" type="presParOf" srcId="{2CEF409D-7FEB-44B6-B584-A1F04276E9BF}" destId="{725DD379-A92B-40E5-B2B7-435F4E7FCFCF}" srcOrd="0" destOrd="0" presId="urn:microsoft.com/office/officeart/2005/8/layout/pyramid3"/>
+    <dgm:cxn modelId="{A79AD41B-F908-46C8-BB25-37B4C6CDCBDE}" type="presParOf" srcId="{2CEF409D-7FEB-44B6-B584-A1F04276E9BF}" destId="{D54E879E-0359-424D-903F-02BE6ED2A1DF}" srcOrd="1" destOrd="0" presId="urn:microsoft.com/office/officeart/2005/8/layout/pyramid3"/>
+  </dgm:cxnLst>
+  <dgm:bg>
+    <a:noFill/>
+  </dgm:bg>
+  <dgm:whole>
+    <a:ln w="12700"/>
+  </dgm:whole>
+  <dgm:extLst>
+    <a:ext uri="http://schemas.microsoft.com/office/drawing/2008/diagram">
+      <dsp:dataModelExt xmlns:dsp="http://schemas.microsoft.com/office/drawing/2008/diagram" relId="rId6" minVer="http://schemas.openxmlformats.org/drawingml/2006/diagram"/>
+    </a:ext>
+  </dgm:extLst>
+</dgm:dataModel>
+</file>
+
+<file path=ppt/diagrams/drawing1.xml><?xml version="1.0" encoding="utf-8"?>
+<dsp:drawing xmlns:dgm="http://schemas.openxmlformats.org/drawingml/2006/diagram" xmlns:dsp="http://schemas.microsoft.com/office/drawing/2008/diagram" xmlns:a="http://schemas.openxmlformats.org/drawingml/2006/main">
+  <dsp:spTree>
+    <dsp:nvGrpSpPr>
+      <dsp:cNvPr id="0" name=""/>
+      <dsp:cNvGrpSpPr/>
+    </dsp:nvGrpSpPr>
+    <dsp:grpSpPr/>
+    <dsp:sp modelId="{3FCBAF1E-1F1C-4E4A-9C4C-8E6FA1F00FF5}">
+      <dsp:nvSpPr>
+        <dsp:cNvPr id="0" name=""/>
+        <dsp:cNvSpPr/>
+      </dsp:nvSpPr>
+      <dsp:spPr>
+        <a:xfrm rot="10800000">
+          <a:off x="0" y="0"/>
+          <a:ext cx="3896821" cy="492606"/>
+        </a:xfrm>
+        <a:prstGeom prst="trapezoid">
+          <a:avLst>
+            <a:gd name="adj" fmla="val 35957"/>
+          </a:avLst>
+        </a:prstGeom>
+        <a:noFill/>
+        <a:ln w="12700" cap="flat" cmpd="sng" algn="ctr">
+          <a:solidFill>
+            <a:scrgbClr r="0" g="0" b="0"/>
+          </a:solidFill>
+          <a:prstDash val="solid"/>
+          <a:miter lim="800000"/>
+        </a:ln>
+        <a:effectLst/>
+      </dsp:spPr>
+      <dsp:style>
+        <a:lnRef idx="2">
+          <a:scrgbClr r="0" g="0" b="0"/>
+        </a:lnRef>
+        <a:fillRef idx="1">
+          <a:scrgbClr r="0" g="0" b="0"/>
+        </a:fillRef>
+        <a:effectRef idx="0">
+          <a:scrgbClr r="0" g="0" b="0"/>
+        </a:effectRef>
+        <a:fontRef idx="minor">
+          <a:schemeClr val="lt1"/>
+        </a:fontRef>
+      </dsp:style>
+      <dsp:txBody>
+        <a:bodyPr spcFirstLastPara="0" vert="horz" wrap="square" lIns="33020" tIns="33020" rIns="33020" bIns="33020" numCol="1" spcCol="1270" anchor="ctr" anchorCtr="0">
+          <a:noAutofit/>
+        </a:bodyPr>
+        <a:lstStyle/>
+        <a:p>
+          <a:pPr marL="0" lvl="0" indent="0" algn="ctr" defTabSz="1155700">
+            <a:lnSpc>
+              <a:spcPct val="90000"/>
+            </a:lnSpc>
+            <a:spcBef>
+              <a:spcPct val="0"/>
+            </a:spcBef>
+            <a:spcAft>
+              <a:spcPct val="35000"/>
+            </a:spcAft>
+            <a:buNone/>
+          </a:pPr>
+          <a:r>
+            <a:rPr lang="en-US" altLang="zh-CN" sz="2600" kern="1200" dirty="0">
+              <a:latin typeface="Times New Roman" panose="02020603050405020304" pitchFamily="18" charset="0"/>
+              <a:cs typeface="Times New Roman" panose="02020603050405020304" pitchFamily="18" charset="0"/>
+            </a:rPr>
+            <a:t>30190</a:t>
+          </a:r>
+          <a:endParaRPr lang="zh-CN" altLang="en-US" sz="2600" kern="1200" dirty="0">
+            <a:latin typeface="Times New Roman" panose="02020603050405020304" pitchFamily="18" charset="0"/>
+            <a:cs typeface="Times New Roman" panose="02020603050405020304" pitchFamily="18" charset="0"/>
+          </a:endParaRPr>
+        </a:p>
+      </dsp:txBody>
+      <dsp:txXfrm rot="-10800000">
+        <a:off x="681943" y="0"/>
+        <a:ext cx="2532934" cy="492606"/>
+      </dsp:txXfrm>
+    </dsp:sp>
+    <dsp:sp modelId="{72BBCA2E-37A8-4983-A449-C91E8205238B}">
+      <dsp:nvSpPr>
+        <dsp:cNvPr id="0" name=""/>
+        <dsp:cNvSpPr/>
+      </dsp:nvSpPr>
+      <dsp:spPr>
+        <a:xfrm rot="10800000">
+          <a:off x="177128" y="492606"/>
+          <a:ext cx="3542565" cy="492606"/>
+        </a:xfrm>
+        <a:prstGeom prst="trapezoid">
+          <a:avLst>
+            <a:gd name="adj" fmla="val 35957"/>
+          </a:avLst>
+        </a:prstGeom>
+        <a:noFill/>
+        <a:ln w="12700" cap="flat" cmpd="sng" algn="ctr">
+          <a:solidFill>
+            <a:scrgbClr r="0" g="0" b="0"/>
+          </a:solidFill>
+          <a:prstDash val="solid"/>
+          <a:miter lim="800000"/>
+        </a:ln>
+        <a:effectLst/>
+      </dsp:spPr>
+      <dsp:style>
+        <a:lnRef idx="2">
+          <a:scrgbClr r="0" g="0" b="0"/>
+        </a:lnRef>
+        <a:fillRef idx="1">
+          <a:scrgbClr r="0" g="0" b="0"/>
+        </a:fillRef>
+        <a:effectRef idx="0">
+          <a:scrgbClr r="0" g="0" b="0"/>
+        </a:effectRef>
+        <a:fontRef idx="minor">
+          <a:schemeClr val="lt1"/>
+        </a:fontRef>
+      </dsp:style>
+      <dsp:txBody>
+        <a:bodyPr spcFirstLastPara="0" vert="horz" wrap="square" lIns="33020" tIns="33020" rIns="33020" bIns="33020" numCol="1" spcCol="1270" anchor="ctr" anchorCtr="0">
+          <a:noAutofit/>
+        </a:bodyPr>
+        <a:lstStyle/>
+        <a:p>
+          <a:pPr marL="0" lvl="0" indent="0" algn="ctr" defTabSz="1155700">
+            <a:lnSpc>
+              <a:spcPct val="90000"/>
+            </a:lnSpc>
+            <a:spcBef>
+              <a:spcPct val="0"/>
+            </a:spcBef>
+            <a:spcAft>
+              <a:spcPct val="35000"/>
+            </a:spcAft>
+            <a:buNone/>
+          </a:pPr>
+          <a:r>
+            <a:rPr lang="en-US" altLang="zh-CN" sz="2600" kern="1200" dirty="0">
+              <a:latin typeface="Times New Roman" panose="02020603050405020304" pitchFamily="18" charset="0"/>
+              <a:cs typeface="Times New Roman" panose="02020603050405020304" pitchFamily="18" charset="0"/>
+            </a:rPr>
+            <a:t>23841</a:t>
+          </a:r>
+          <a:endParaRPr lang="zh-CN" altLang="en-US" sz="2600" kern="1200" dirty="0">
+            <a:latin typeface="Times New Roman" panose="02020603050405020304" pitchFamily="18" charset="0"/>
+            <a:cs typeface="Times New Roman" panose="02020603050405020304" pitchFamily="18" charset="0"/>
+          </a:endParaRPr>
+        </a:p>
+      </dsp:txBody>
+      <dsp:txXfrm rot="-10800000">
+        <a:off x="797077" y="492606"/>
+        <a:ext cx="2302667" cy="492606"/>
+      </dsp:txXfrm>
+    </dsp:sp>
+    <dsp:sp modelId="{1B2D653A-3D96-48C7-A3AA-111428E6E2B5}">
+      <dsp:nvSpPr>
+        <dsp:cNvPr id="0" name=""/>
+        <dsp:cNvSpPr/>
+      </dsp:nvSpPr>
+      <dsp:spPr>
+        <a:xfrm rot="10800000">
+          <a:off x="354256" y="985212"/>
+          <a:ext cx="3188308" cy="492606"/>
+        </a:xfrm>
+        <a:prstGeom prst="trapezoid">
+          <a:avLst>
+            <a:gd name="adj" fmla="val 35957"/>
+          </a:avLst>
+        </a:prstGeom>
+        <a:noFill/>
+        <a:ln w="12700" cap="flat" cmpd="sng" algn="ctr">
+          <a:solidFill>
+            <a:scrgbClr r="0" g="0" b="0"/>
+          </a:solidFill>
+          <a:prstDash val="solid"/>
+          <a:miter lim="800000"/>
+        </a:ln>
+        <a:effectLst/>
+      </dsp:spPr>
+      <dsp:style>
+        <a:lnRef idx="2">
+          <a:scrgbClr r="0" g="0" b="0"/>
+        </a:lnRef>
+        <a:fillRef idx="1">
+          <a:scrgbClr r="0" g="0" b="0"/>
+        </a:fillRef>
+        <a:effectRef idx="0">
+          <a:scrgbClr r="0" g="0" b="0"/>
+        </a:effectRef>
+        <a:fontRef idx="minor">
+          <a:schemeClr val="lt1"/>
+        </a:fontRef>
+      </dsp:style>
+      <dsp:txBody>
+        <a:bodyPr spcFirstLastPara="0" vert="horz" wrap="square" lIns="33020" tIns="33020" rIns="33020" bIns="33020" numCol="1" spcCol="1270" anchor="ctr" anchorCtr="0">
+          <a:noAutofit/>
+        </a:bodyPr>
+        <a:lstStyle/>
+        <a:p>
+          <a:pPr marL="0" lvl="0" indent="0" algn="ctr" defTabSz="1155700">
+            <a:lnSpc>
+              <a:spcPct val="90000"/>
+            </a:lnSpc>
+            <a:spcBef>
+              <a:spcPct val="0"/>
+            </a:spcBef>
+            <a:spcAft>
+              <a:spcPct val="35000"/>
+            </a:spcAft>
+            <a:buNone/>
+          </a:pPr>
+          <a:r>
+            <a:rPr lang="en-US" altLang="zh-CN" sz="2600" kern="1200" dirty="0">
+              <a:latin typeface="Times New Roman" panose="02020603050405020304" pitchFamily="18" charset="0"/>
+              <a:cs typeface="Times New Roman" panose="02020603050405020304" pitchFamily="18" charset="0"/>
+            </a:rPr>
+            <a:t>8629</a:t>
+          </a:r>
+          <a:endParaRPr lang="zh-CN" altLang="en-US" sz="2600" kern="1200" dirty="0">
+            <a:latin typeface="Times New Roman" panose="02020603050405020304" pitchFamily="18" charset="0"/>
+            <a:cs typeface="Times New Roman" panose="02020603050405020304" pitchFamily="18" charset="0"/>
+          </a:endParaRPr>
+        </a:p>
+      </dsp:txBody>
+      <dsp:txXfrm rot="-10800000">
+        <a:off x="912210" y="985212"/>
+        <a:ext cx="2072400" cy="492606"/>
+      </dsp:txXfrm>
+    </dsp:sp>
+    <dsp:sp modelId="{A02967F5-15CB-4C97-AF87-5A2CDD733FFF}">
+      <dsp:nvSpPr>
+        <dsp:cNvPr id="0" name=""/>
+        <dsp:cNvSpPr/>
+      </dsp:nvSpPr>
+      <dsp:spPr>
+        <a:xfrm rot="10800000">
+          <a:off x="531384" y="1477818"/>
+          <a:ext cx="2834052" cy="492606"/>
+        </a:xfrm>
+        <a:prstGeom prst="trapezoid">
+          <a:avLst>
+            <a:gd name="adj" fmla="val 35957"/>
+          </a:avLst>
+        </a:prstGeom>
+        <a:noFill/>
+        <a:ln w="12700" cap="flat" cmpd="sng" algn="ctr">
+          <a:solidFill>
+            <a:scrgbClr r="0" g="0" b="0"/>
+          </a:solidFill>
+          <a:prstDash val="solid"/>
+          <a:miter lim="800000"/>
+        </a:ln>
+        <a:effectLst/>
+      </dsp:spPr>
+      <dsp:style>
+        <a:lnRef idx="2">
+          <a:scrgbClr r="0" g="0" b="0"/>
+        </a:lnRef>
+        <a:fillRef idx="1">
+          <a:scrgbClr r="0" g="0" b="0"/>
+        </a:fillRef>
+        <a:effectRef idx="0">
+          <a:scrgbClr r="0" g="0" b="0"/>
+        </a:effectRef>
+        <a:fontRef idx="minor">
+          <a:schemeClr val="lt1"/>
+        </a:fontRef>
+      </dsp:style>
+      <dsp:txBody>
+        <a:bodyPr spcFirstLastPara="0" vert="horz" wrap="square" lIns="33020" tIns="33020" rIns="33020" bIns="33020" numCol="1" spcCol="1270" anchor="ctr" anchorCtr="0">
+          <a:noAutofit/>
+        </a:bodyPr>
+        <a:lstStyle/>
+        <a:p>
+          <a:pPr marL="0" lvl="0" indent="0" algn="ctr" defTabSz="1155700">
+            <a:lnSpc>
+              <a:spcPct val="90000"/>
+            </a:lnSpc>
+            <a:spcBef>
+              <a:spcPct val="0"/>
+            </a:spcBef>
+            <a:spcAft>
+              <a:spcPct val="35000"/>
+            </a:spcAft>
+            <a:buNone/>
+          </a:pPr>
+          <a:r>
+            <a:rPr lang="en-US" altLang="zh-CN" sz="2600" kern="1200" dirty="0">
+              <a:latin typeface="Times New Roman" panose="02020603050405020304" pitchFamily="18" charset="0"/>
+              <a:cs typeface="Times New Roman" panose="02020603050405020304" pitchFamily="18" charset="0"/>
+            </a:rPr>
+            <a:t>908</a:t>
+          </a:r>
+          <a:endParaRPr lang="zh-CN" altLang="en-US" sz="2600" kern="1200" dirty="0">
+            <a:latin typeface="Times New Roman" panose="02020603050405020304" pitchFamily="18" charset="0"/>
+            <a:cs typeface="Times New Roman" panose="02020603050405020304" pitchFamily="18" charset="0"/>
+          </a:endParaRPr>
+        </a:p>
+      </dsp:txBody>
+      <dsp:txXfrm rot="-10800000">
+        <a:off x="1027343" y="1477818"/>
+        <a:ext cx="1842134" cy="492606"/>
+      </dsp:txXfrm>
+    </dsp:sp>
+    <dsp:sp modelId="{2EE4AADF-2186-489C-96F5-2298C34B5D4A}">
+      <dsp:nvSpPr>
+        <dsp:cNvPr id="0" name=""/>
+        <dsp:cNvSpPr/>
+      </dsp:nvSpPr>
+      <dsp:spPr>
+        <a:xfrm rot="10800000">
+          <a:off x="708513" y="1970424"/>
+          <a:ext cx="2479795" cy="492606"/>
+        </a:xfrm>
+        <a:prstGeom prst="trapezoid">
+          <a:avLst>
+            <a:gd name="adj" fmla="val 35957"/>
+          </a:avLst>
+        </a:prstGeom>
+        <a:noFill/>
+        <a:ln w="12700" cap="flat" cmpd="sng" algn="ctr">
+          <a:solidFill>
+            <a:scrgbClr r="0" g="0" b="0"/>
+          </a:solidFill>
+          <a:prstDash val="solid"/>
+          <a:miter lim="800000"/>
+        </a:ln>
+        <a:effectLst/>
+      </dsp:spPr>
+      <dsp:style>
+        <a:lnRef idx="2">
+          <a:scrgbClr r="0" g="0" b="0"/>
+        </a:lnRef>
+        <a:fillRef idx="1">
+          <a:scrgbClr r="0" g="0" b="0"/>
+        </a:fillRef>
+        <a:effectRef idx="0">
+          <a:scrgbClr r="0" g="0" b="0"/>
+        </a:effectRef>
+        <a:fontRef idx="minor">
+          <a:schemeClr val="lt1"/>
+        </a:fontRef>
+      </dsp:style>
+      <dsp:txBody>
+        <a:bodyPr spcFirstLastPara="0" vert="horz" wrap="square" lIns="33020" tIns="33020" rIns="33020" bIns="33020" numCol="1" spcCol="1270" anchor="ctr" anchorCtr="0">
+          <a:noAutofit/>
+        </a:bodyPr>
+        <a:lstStyle/>
+        <a:p>
+          <a:pPr marL="0" lvl="0" indent="0" algn="ctr" defTabSz="1155700">
+            <a:lnSpc>
+              <a:spcPct val="90000"/>
+            </a:lnSpc>
+            <a:spcBef>
+              <a:spcPct val="0"/>
+            </a:spcBef>
+            <a:spcAft>
+              <a:spcPct val="35000"/>
+            </a:spcAft>
+            <a:buNone/>
+          </a:pPr>
+          <a:r>
+            <a:rPr lang="en-US" altLang="zh-CN" sz="2600" kern="1200" dirty="0">
+              <a:latin typeface="Times New Roman" panose="02020603050405020304" pitchFamily="18" charset="0"/>
+              <a:cs typeface="Times New Roman" panose="02020603050405020304" pitchFamily="18" charset="0"/>
+            </a:rPr>
+            <a:t>408</a:t>
+          </a:r>
+          <a:endParaRPr lang="zh-CN" altLang="en-US" sz="2600" kern="1200" dirty="0">
+            <a:latin typeface="Times New Roman" panose="02020603050405020304" pitchFamily="18" charset="0"/>
+            <a:cs typeface="Times New Roman" panose="02020603050405020304" pitchFamily="18" charset="0"/>
+          </a:endParaRPr>
+        </a:p>
+      </dsp:txBody>
+      <dsp:txXfrm rot="-10800000">
+        <a:off x="1142477" y="1970424"/>
+        <a:ext cx="1611867" cy="492606"/>
+      </dsp:txXfrm>
+    </dsp:sp>
+    <dsp:sp modelId="{B579075A-B7C0-4233-9258-CEE159A649F4}">
+      <dsp:nvSpPr>
+        <dsp:cNvPr id="0" name=""/>
+        <dsp:cNvSpPr/>
+      </dsp:nvSpPr>
+      <dsp:spPr>
+        <a:xfrm rot="10800000">
+          <a:off x="885641" y="2463030"/>
+          <a:ext cx="2125539" cy="492606"/>
+        </a:xfrm>
+        <a:prstGeom prst="trapezoid">
+          <a:avLst>
+            <a:gd name="adj" fmla="val 35957"/>
+          </a:avLst>
+        </a:prstGeom>
+        <a:noFill/>
+        <a:ln w="12700" cap="flat" cmpd="sng" algn="ctr">
+          <a:solidFill>
+            <a:schemeClr val="tx1"/>
+          </a:solidFill>
+          <a:prstDash val="solid"/>
+          <a:miter lim="800000"/>
+        </a:ln>
+        <a:effectLst/>
+      </dsp:spPr>
+      <dsp:style>
+        <a:lnRef idx="2">
+          <a:scrgbClr r="0" g="0" b="0"/>
+        </a:lnRef>
+        <a:fillRef idx="1">
+          <a:scrgbClr r="0" g="0" b="0"/>
+        </a:fillRef>
+        <a:effectRef idx="0">
+          <a:scrgbClr r="0" g="0" b="0"/>
+        </a:effectRef>
+        <a:fontRef idx="minor">
+          <a:schemeClr val="lt1"/>
+        </a:fontRef>
+      </dsp:style>
+      <dsp:txBody>
+        <a:bodyPr spcFirstLastPara="0" vert="horz" wrap="square" lIns="33020" tIns="33020" rIns="33020" bIns="33020" numCol="1" spcCol="1270" anchor="ctr" anchorCtr="0">
+          <a:noAutofit/>
+        </a:bodyPr>
+        <a:lstStyle/>
+        <a:p>
+          <a:pPr marL="0" lvl="0" indent="0" algn="ctr" defTabSz="1155700">
+            <a:lnSpc>
+              <a:spcPct val="90000"/>
+            </a:lnSpc>
+            <a:spcBef>
+              <a:spcPct val="0"/>
+            </a:spcBef>
+            <a:spcAft>
+              <a:spcPct val="35000"/>
+            </a:spcAft>
+            <a:buNone/>
+          </a:pPr>
+          <a:r>
+            <a:rPr lang="en-US" altLang="zh-CN" sz="2600" b="1" kern="1200" dirty="0"/>
+            <a:t>…</a:t>
+          </a:r>
+          <a:endParaRPr lang="zh-CN" altLang="en-US" sz="2600" b="1" kern="1200" dirty="0"/>
+        </a:p>
+      </dsp:txBody>
+      <dsp:txXfrm rot="-10800000">
+        <a:off x="1257610" y="2463030"/>
+        <a:ext cx="1381600" cy="492606"/>
+      </dsp:txXfrm>
+    </dsp:sp>
+    <dsp:sp modelId="{4DBCAD47-629C-414B-847A-1ADC7D87FD1A}">
+      <dsp:nvSpPr>
+        <dsp:cNvPr id="0" name=""/>
+        <dsp:cNvSpPr/>
+      </dsp:nvSpPr>
+      <dsp:spPr>
+        <a:xfrm rot="10800000">
+          <a:off x="1062769" y="2955636"/>
+          <a:ext cx="1771282" cy="492606"/>
+        </a:xfrm>
+        <a:prstGeom prst="trapezoid">
+          <a:avLst>
+            <a:gd name="adj" fmla="val 35957"/>
+          </a:avLst>
+        </a:prstGeom>
+        <a:noFill/>
+        <a:ln w="12700" cap="flat" cmpd="sng" algn="ctr">
+          <a:solidFill>
+            <a:scrgbClr r="0" g="0" b="0"/>
+          </a:solidFill>
+          <a:prstDash val="solid"/>
+          <a:miter lim="800000"/>
+        </a:ln>
+        <a:effectLst/>
+      </dsp:spPr>
+      <dsp:style>
+        <a:lnRef idx="2">
+          <a:scrgbClr r="0" g="0" b="0"/>
+        </a:lnRef>
+        <a:fillRef idx="1">
+          <a:scrgbClr r="0" g="0" b="0"/>
+        </a:fillRef>
+        <a:effectRef idx="0">
+          <a:scrgbClr r="0" g="0" b="0"/>
+        </a:effectRef>
+        <a:fontRef idx="minor">
+          <a:schemeClr val="lt1"/>
+        </a:fontRef>
+      </dsp:style>
+      <dsp:txBody>
+        <a:bodyPr spcFirstLastPara="0" vert="horz" wrap="square" lIns="33020" tIns="33020" rIns="33020" bIns="33020" numCol="1" spcCol="1270" anchor="ctr" anchorCtr="0">
+          <a:noAutofit/>
+        </a:bodyPr>
+        <a:lstStyle/>
+        <a:p>
+          <a:pPr marL="0" lvl="0" indent="0" algn="ctr" defTabSz="1155700">
+            <a:lnSpc>
+              <a:spcPct val="90000"/>
+            </a:lnSpc>
+            <a:spcBef>
+              <a:spcPct val="0"/>
+            </a:spcBef>
+            <a:spcAft>
+              <a:spcPct val="35000"/>
+            </a:spcAft>
+            <a:buNone/>
+          </a:pPr>
+          <a:r>
+            <a:rPr lang="en-US" altLang="zh-CN" sz="2600" kern="1200" dirty="0">
+              <a:latin typeface="Times New Roman" panose="02020603050405020304" pitchFamily="18" charset="0"/>
+              <a:cs typeface="Times New Roman" panose="02020603050405020304" pitchFamily="18" charset="0"/>
+            </a:rPr>
+            <a:t>102</a:t>
+          </a:r>
+          <a:endParaRPr lang="zh-CN" altLang="en-US" sz="2600" kern="1200" dirty="0">
+            <a:latin typeface="Times New Roman" panose="02020603050405020304" pitchFamily="18" charset="0"/>
+            <a:cs typeface="Times New Roman" panose="02020603050405020304" pitchFamily="18" charset="0"/>
+          </a:endParaRPr>
+        </a:p>
+      </dsp:txBody>
+      <dsp:txXfrm rot="-10800000">
+        <a:off x="1372744" y="2955636"/>
+        <a:ext cx="1151333" cy="492606"/>
+      </dsp:txXfrm>
+    </dsp:sp>
+    <dsp:sp modelId="{8B4B96C7-8BA0-488F-9000-B3C127E680F0}">
+      <dsp:nvSpPr>
+        <dsp:cNvPr id="0" name=""/>
+        <dsp:cNvSpPr/>
+      </dsp:nvSpPr>
+      <dsp:spPr>
+        <a:xfrm rot="10800000">
+          <a:off x="1239897" y="3448242"/>
+          <a:ext cx="1417026" cy="492606"/>
+        </a:xfrm>
+        <a:prstGeom prst="trapezoid">
+          <a:avLst>
+            <a:gd name="adj" fmla="val 35957"/>
+          </a:avLst>
+        </a:prstGeom>
+        <a:noFill/>
+        <a:ln w="12700" cap="flat" cmpd="sng" algn="ctr">
+          <a:solidFill>
+            <a:schemeClr val="tx1"/>
+          </a:solidFill>
+          <a:prstDash val="solid"/>
+          <a:miter lim="800000"/>
+        </a:ln>
+        <a:effectLst/>
+      </dsp:spPr>
+      <dsp:style>
+        <a:lnRef idx="2">
+          <a:scrgbClr r="0" g="0" b="0"/>
+        </a:lnRef>
+        <a:fillRef idx="1">
+          <a:scrgbClr r="0" g="0" b="0"/>
+        </a:fillRef>
+        <a:effectRef idx="0">
+          <a:scrgbClr r="0" g="0" b="0"/>
+        </a:effectRef>
+        <a:fontRef idx="minor">
+          <a:schemeClr val="lt1"/>
+        </a:fontRef>
+      </dsp:style>
+      <dsp:txBody>
+        <a:bodyPr spcFirstLastPara="0" vert="horz" wrap="square" lIns="33020" tIns="33020" rIns="33020" bIns="33020" numCol="1" spcCol="1270" anchor="ctr" anchorCtr="0">
+          <a:noAutofit/>
+        </a:bodyPr>
+        <a:lstStyle/>
+        <a:p>
+          <a:pPr marL="0" lvl="0" indent="0" algn="ctr" defTabSz="1155700">
+            <a:lnSpc>
+              <a:spcPct val="90000"/>
+            </a:lnSpc>
+            <a:spcBef>
+              <a:spcPct val="0"/>
+            </a:spcBef>
+            <a:spcAft>
+              <a:spcPct val="35000"/>
+            </a:spcAft>
+            <a:buNone/>
+          </a:pPr>
+          <a:r>
+            <a:rPr lang="en-US" altLang="zh-CN" sz="2600" b="1" kern="1200" dirty="0"/>
+            <a:t>…</a:t>
+          </a:r>
+          <a:endParaRPr lang="zh-CN" altLang="en-US" sz="2600" kern="1200" dirty="0"/>
+        </a:p>
+      </dsp:txBody>
+      <dsp:txXfrm rot="-10800000">
+        <a:off x="1487877" y="3448242"/>
+        <a:ext cx="921067" cy="492606"/>
+      </dsp:txXfrm>
+    </dsp:sp>
+    <dsp:sp modelId="{0B768248-CF4B-46A4-9E66-9160A2EC418E}">
+      <dsp:nvSpPr>
+        <dsp:cNvPr id="0" name=""/>
+        <dsp:cNvSpPr/>
+      </dsp:nvSpPr>
+      <dsp:spPr>
+        <a:xfrm rot="10800000">
+          <a:off x="1417026" y="3940848"/>
+          <a:ext cx="1062769" cy="492606"/>
+        </a:xfrm>
+        <a:prstGeom prst="trapezoid">
+          <a:avLst>
+            <a:gd name="adj" fmla="val 35957"/>
+          </a:avLst>
+        </a:prstGeom>
+        <a:noFill/>
+        <a:ln w="12700" cap="flat" cmpd="sng" algn="ctr">
+          <a:solidFill>
+            <a:scrgbClr r="0" g="0" b="0"/>
+          </a:solidFill>
+          <a:prstDash val="solid"/>
+          <a:miter lim="800000"/>
+        </a:ln>
+        <a:effectLst/>
+      </dsp:spPr>
+      <dsp:style>
+        <a:lnRef idx="2">
+          <a:scrgbClr r="0" g="0" b="0"/>
+        </a:lnRef>
+        <a:fillRef idx="1">
+          <a:scrgbClr r="0" g="0" b="0"/>
+        </a:fillRef>
+        <a:effectRef idx="0">
+          <a:scrgbClr r="0" g="0" b="0"/>
+        </a:effectRef>
+        <a:fontRef idx="minor">
+          <a:schemeClr val="lt1"/>
+        </a:fontRef>
+      </dsp:style>
+      <dsp:txBody>
+        <a:bodyPr spcFirstLastPara="0" vert="horz" wrap="square" lIns="33020" tIns="33020" rIns="33020" bIns="33020" numCol="1" spcCol="1270" anchor="ctr" anchorCtr="0">
+          <a:noAutofit/>
+        </a:bodyPr>
+        <a:lstStyle/>
+        <a:p>
+          <a:pPr marL="0" lvl="0" indent="0" algn="ctr" defTabSz="1155700">
+            <a:lnSpc>
+              <a:spcPct val="90000"/>
+            </a:lnSpc>
+            <a:spcBef>
+              <a:spcPct val="0"/>
+            </a:spcBef>
+            <a:spcAft>
+              <a:spcPct val="35000"/>
+            </a:spcAft>
+            <a:buNone/>
+          </a:pPr>
+          <a:r>
+            <a:rPr lang="en-US" altLang="zh-CN" sz="2600" kern="1200" dirty="0">
+              <a:latin typeface="Times New Roman" panose="02020603050405020304" pitchFamily="18" charset="0"/>
+              <a:cs typeface="Times New Roman" panose="02020603050405020304" pitchFamily="18" charset="0"/>
+            </a:rPr>
+            <a:t>95</a:t>
+          </a:r>
+          <a:endParaRPr lang="zh-CN" altLang="en-US" sz="2600" kern="1200" dirty="0">
+            <a:latin typeface="Times New Roman" panose="02020603050405020304" pitchFamily="18" charset="0"/>
+            <a:cs typeface="Times New Roman" panose="02020603050405020304" pitchFamily="18" charset="0"/>
+          </a:endParaRPr>
+        </a:p>
+      </dsp:txBody>
+      <dsp:txXfrm rot="-10800000">
+        <a:off x="1603010" y="3940848"/>
+        <a:ext cx="690800" cy="492606"/>
+      </dsp:txXfrm>
+    </dsp:sp>
+    <dsp:sp modelId="{95BDF094-CBDB-45C0-ACF5-7AB727545618}">
+      <dsp:nvSpPr>
+        <dsp:cNvPr id="0" name=""/>
+        <dsp:cNvSpPr/>
+      </dsp:nvSpPr>
+      <dsp:spPr>
+        <a:xfrm rot="10800000">
+          <a:off x="1594154" y="4433454"/>
+          <a:ext cx="708513" cy="492606"/>
+        </a:xfrm>
+        <a:prstGeom prst="trapezoid">
+          <a:avLst>
+            <a:gd name="adj" fmla="val 35957"/>
+          </a:avLst>
+        </a:prstGeom>
+        <a:noFill/>
+        <a:ln w="12700" cap="flat" cmpd="sng" algn="ctr">
+          <a:solidFill>
+            <a:scrgbClr r="0" g="0" b="0"/>
+          </a:solidFill>
+          <a:prstDash val="solid"/>
+          <a:miter lim="800000"/>
+        </a:ln>
+        <a:effectLst/>
+      </dsp:spPr>
+      <dsp:style>
+        <a:lnRef idx="2">
+          <a:scrgbClr r="0" g="0" b="0"/>
+        </a:lnRef>
+        <a:fillRef idx="1">
+          <a:scrgbClr r="0" g="0" b="0"/>
+        </a:fillRef>
+        <a:effectRef idx="0">
+          <a:scrgbClr r="0" g="0" b="0"/>
+        </a:effectRef>
+        <a:fontRef idx="minor">
+          <a:schemeClr val="lt1"/>
+        </a:fontRef>
+      </dsp:style>
+      <dsp:txBody>
+        <a:bodyPr spcFirstLastPara="0" vert="horz" wrap="square" lIns="33020" tIns="33020" rIns="33020" bIns="33020" numCol="1" spcCol="1270" anchor="ctr" anchorCtr="0">
+          <a:noAutofit/>
+        </a:bodyPr>
+        <a:lstStyle/>
+        <a:p>
+          <a:pPr marL="0" lvl="0" indent="0" algn="ctr" defTabSz="1155700">
+            <a:lnSpc>
+              <a:spcPct val="90000"/>
+            </a:lnSpc>
+            <a:spcBef>
+              <a:spcPct val="0"/>
+            </a:spcBef>
+            <a:spcAft>
+              <a:spcPct val="35000"/>
+            </a:spcAft>
+            <a:buNone/>
+          </a:pPr>
+          <a:r>
+            <a:rPr lang="en-US" altLang="zh-CN" sz="2600" kern="1200" dirty="0">
+              <a:latin typeface="Times New Roman" panose="02020603050405020304" pitchFamily="18" charset="0"/>
+              <a:cs typeface="Times New Roman" panose="02020603050405020304" pitchFamily="18" charset="0"/>
+            </a:rPr>
+            <a:t>17</a:t>
+          </a:r>
+          <a:endParaRPr lang="zh-CN" altLang="en-US" sz="2600" kern="1200" dirty="0">
+            <a:latin typeface="Times New Roman" panose="02020603050405020304" pitchFamily="18" charset="0"/>
+            <a:cs typeface="Times New Roman" panose="02020603050405020304" pitchFamily="18" charset="0"/>
+          </a:endParaRPr>
+        </a:p>
+      </dsp:txBody>
+      <dsp:txXfrm rot="-10800000">
+        <a:off x="1718144" y="4433454"/>
+        <a:ext cx="460533" cy="492606"/>
+      </dsp:txXfrm>
+    </dsp:sp>
+    <dsp:sp modelId="{725DD379-A92B-40E5-B2B7-435F4E7FCFCF}">
+      <dsp:nvSpPr>
+        <dsp:cNvPr id="0" name=""/>
+        <dsp:cNvSpPr/>
+      </dsp:nvSpPr>
+      <dsp:spPr>
+        <a:xfrm rot="10800000">
+          <a:off x="1771282" y="4926060"/>
+          <a:ext cx="354256" cy="492606"/>
+        </a:xfrm>
+        <a:prstGeom prst="trapezoid">
+          <a:avLst>
+            <a:gd name="adj" fmla="val 50000"/>
+          </a:avLst>
+        </a:prstGeom>
+        <a:noFill/>
+        <a:ln w="12700" cap="flat" cmpd="sng" algn="ctr">
+          <a:noFill/>
+          <a:prstDash val="solid"/>
+          <a:miter lim="800000"/>
+        </a:ln>
+        <a:effectLst/>
+      </dsp:spPr>
+      <dsp:style>
+        <a:lnRef idx="2">
+          <a:scrgbClr r="0" g="0" b="0"/>
+        </a:lnRef>
+        <a:fillRef idx="1">
+          <a:scrgbClr r="0" g="0" b="0"/>
+        </a:fillRef>
+        <a:effectRef idx="0">
+          <a:scrgbClr r="0" g="0" b="0"/>
+        </a:effectRef>
+        <a:fontRef idx="minor">
+          <a:schemeClr val="lt1"/>
+        </a:fontRef>
+      </dsp:style>
+      <dsp:txBody>
+        <a:bodyPr spcFirstLastPara="0" vert="horz" wrap="square" lIns="33020" tIns="33020" rIns="33020" bIns="33020" numCol="1" spcCol="1270" anchor="ctr" anchorCtr="0">
+          <a:noAutofit/>
+        </a:bodyPr>
+        <a:lstStyle/>
+        <a:p>
+          <a:pPr marL="0" lvl="0" indent="0" algn="ctr" defTabSz="1155700">
+            <a:lnSpc>
+              <a:spcPct val="90000"/>
+            </a:lnSpc>
+            <a:spcBef>
+              <a:spcPct val="0"/>
+            </a:spcBef>
+            <a:spcAft>
+              <a:spcPct val="35000"/>
+            </a:spcAft>
+            <a:buNone/>
+          </a:pPr>
+          <a:endParaRPr lang="zh-CN" altLang="en-US" sz="2600" kern="1200"/>
+        </a:p>
+      </dsp:txBody>
+      <dsp:txXfrm rot="-10800000">
+        <a:off x="1771282" y="4926060"/>
+        <a:ext cx="354256" cy="492606"/>
+      </dsp:txXfrm>
+    </dsp:sp>
+  </dsp:spTree>
+</dsp:drawing>
+</file>
+
+<file path=ppt/diagrams/layout1.xml><?xml version="1.0" encoding="utf-8"?>
+<dgm:layoutDef xmlns:dgm="http://schemas.openxmlformats.org/drawingml/2006/diagram" xmlns:a="http://schemas.openxmlformats.org/drawingml/2006/main" uniqueId="urn:microsoft.com/office/officeart/2005/8/layout/pyramid3">
+  <dgm:title val=""/>
+  <dgm:desc val=""/>
+  <dgm:catLst>
+    <dgm:cat type="pyramid" pri="2000"/>
+  </dgm:catLst>
+  <dgm:sampData useDef="1">
+    <dgm:dataModel>
+      <dgm:ptLst/>
+      <dgm:bg/>
+      <dgm:whole/>
+    </dgm:dataModel>
+  </dgm:sampData>
+  <dgm:styleData>
+    <dgm:dataModel>
+      <dgm:ptLst>
+        <dgm:pt modelId="0" type="doc"/>
+        <dgm:pt modelId="1"/>
+        <dgm:pt modelId="2"/>
+      </dgm:ptLst>
+      <dgm:cxnLst>
+        <dgm:cxn modelId="3" srcId="0" destId="1" srcOrd="0" destOrd="0"/>
+        <dgm:cxn modelId="4" srcId="0" destId="2" srcOrd="1" destOrd="0"/>
+      </dgm:cxnLst>
+      <dgm:bg/>
+      <dgm:whole/>
+    </dgm:dataModel>
+  </dgm:styleData>
+  <dgm:clrData>
+    <dgm:dataModel>
+      <dgm:ptLst>
+        <dgm:pt modelId="0" type="doc"/>
+        <dgm:pt modelId="1"/>
+        <dgm:pt modelId="2"/>
+        <dgm:pt modelId="3"/>
+        <dgm:pt modelId="4"/>
+      </dgm:ptLst>
+      <dgm:cxnLst>
+        <dgm:cxn modelId="5" srcId="0" destId="1" srcOrd="0" destOrd="0"/>
+        <dgm:cxn modelId="6" srcId="0" destId="2" srcOrd="1" destOrd="0"/>
+        <dgm:cxn modelId="7" srcId="0" destId="3" srcOrd="2" destOrd="0"/>
+        <dgm:cxn modelId="8" srcId="0" destId="4" srcOrd="3" destOrd="0"/>
+      </dgm:cxnLst>
+      <dgm:bg/>
+      <dgm:whole/>
+    </dgm:dataModel>
+  </dgm:clrData>
+  <dgm:layoutNode name="Name0">
+    <dgm:varLst>
+      <dgm:dir/>
+      <dgm:animLvl val="lvl"/>
+      <dgm:resizeHandles val="exact"/>
+    </dgm:varLst>
+    <dgm:choose name="Name1">
+      <dgm:if name="Name2" func="var" arg="dir" op="equ" val="norm">
+        <dgm:alg type="pyra">
+          <dgm:param type="linDir" val="fromT"/>
+          <dgm:param type="txDir" val="fromT"/>
+          <dgm:param type="pyraAcctPos" val="aft"/>
+          <dgm:param type="pyraAcctTxMar" val="step"/>
+          <dgm:param type="pyraAcctBkgdNode" val="acctBkgd"/>
+          <dgm:param type="pyraAcctTxNode" val="acctTx"/>
+          <dgm:param type="pyraLvlNode" val="level"/>
+        </dgm:alg>
+      </dgm:if>
+      <dgm:else name="Name3">
+        <dgm:alg type="pyra">
+          <dgm:param type="linDir" val="fromT"/>
+          <dgm:param type="txDir" val="fromT"/>
+          <dgm:param type="pyraAcctPos" val="bef"/>
+          <dgm:param type="pyraAcctTxMar" val="step"/>
+          <dgm:param type="pyraAcctBkgdNode" val="acctBkgd"/>
+          <dgm:param type="pyraAcctTxNode" val="acctTx"/>
+          <dgm:param type="pyraLvlNode" val="level"/>
+        </dgm:alg>
+      </dgm:else>
+    </dgm:choose>
+    <dgm:shape xmlns:r="http://schemas.openxmlformats.org/officeDocument/2006/relationships" r:blip="">
+      <dgm:adjLst/>
+    </dgm:shape>
+    <dgm:presOf/>
+    <dgm:choose name="Name4">
+      <dgm:if name="Name5" axis="root des" ptType="all node" func="maxDepth" op="gte" val="2">
+        <dgm:constrLst>
+          <dgm:constr type="primFontSz" for="des" forName="levelTx" op="equ"/>
+          <dgm:constr type="secFontSz" for="des" forName="acctTx" op="equ"/>
+          <dgm:constr type="pyraAcctRatio" val="0.32"/>
+        </dgm:constrLst>
+      </dgm:if>
+      <dgm:else name="Name6">
+        <dgm:constrLst>
+          <dgm:constr type="primFontSz" for="des" forName="levelTx" op="equ"/>
+          <dgm:constr type="secFontSz" for="des" forName="acctTx" op="equ"/>
+          <dgm:constr type="pyraAcctRatio"/>
+        </dgm:constrLst>
+      </dgm:else>
+    </dgm:choose>
+    <dgm:ruleLst/>
+    <dgm:forEach name="Name7" axis="ch" ptType="node">
+      <dgm:layoutNode name="Name8">
+        <dgm:alg type="composite">
+          <dgm:param type="horzAlign" val="none"/>
+        </dgm:alg>
+        <dgm:shape xmlns:r="http://schemas.openxmlformats.org/officeDocument/2006/relationships" r:blip="">
+          <dgm:adjLst/>
+        </dgm:shape>
+        <dgm:presOf/>
+        <dgm:choose name="Name9">
+          <dgm:if name="Name10" axis="self" ptType="node" func="revPos" op="equ" val="1">
+            <dgm:constrLst>
+              <dgm:constr type="ctrX" for="ch" forName="acctBkgd" val="1"/>
+              <dgm:constr type="ctrY" for="ch" forName="acctBkgd" val="1"/>
+              <dgm:constr type="w" for="ch" forName="acctBkgd" val="1"/>
+              <dgm:constr type="h" for="ch" forName="acctBkgd" val="1"/>
+              <dgm:constr type="ctrX" for="ch" forName="acctTx" val="1"/>
+              <dgm:constr type="ctrY" for="ch" forName="acctTx" val="1"/>
+              <dgm:constr type="w" for="ch" forName="acctTx" val="1"/>
+              <dgm:constr type="h" for="ch" forName="acctTx" val="1"/>
+              <dgm:constr type="ctrX" for="ch" forName="level" val="1"/>
+              <dgm:constr type="ctrY" for="ch" forName="level" val="1"/>
+              <dgm:constr type="w" for="ch" forName="level" val="1"/>
+              <dgm:constr type="h" for="ch" forName="level" val="1"/>
+              <dgm:constr type="ctrX" for="ch" forName="levelTx" refType="ctrX" refFor="ch" refForName="level"/>
+              <dgm:constr type="ctrY" for="ch" forName="levelTx" refType="ctrY" refFor="ch" refForName="level"/>
+              <dgm:constr type="w" for="ch" forName="levelTx" refType="w" refFor="ch" refForName="level"/>
+              <dgm:constr type="h" for="ch" forName="levelTx" refType="h" refFor="ch" refForName="level"/>
+            </dgm:constrLst>
+          </dgm:if>
+          <dgm:else name="Name11">
+            <dgm:constrLst>
+              <dgm:constr type="ctrX" for="ch" forName="acctBkgd" val="1"/>
+              <dgm:constr type="ctrY" for="ch" forName="acctBkgd" val="1"/>
+              <dgm:constr type="w" for="ch" forName="acctBkgd" val="1"/>
+              <dgm:constr type="h" for="ch" forName="acctBkgd" val="1"/>
+              <dgm:constr type="ctrX" for="ch" forName="acctTx" val="1"/>
+              <dgm:constr type="ctrY" for="ch" forName="acctTx" val="1"/>
+              <dgm:constr type="w" for="ch" forName="acctTx" val="1"/>
+              <dgm:constr type="h" for="ch" forName="acctTx" val="1"/>
+              <dgm:constr type="ctrX" for="ch" forName="level" val="1"/>
+              <dgm:constr type="ctrY" for="ch" forName="level" val="1"/>
+              <dgm:constr type="w" for="ch" forName="level" val="1"/>
+              <dgm:constr type="h" for="ch" forName="level" val="1"/>
+              <dgm:constr type="ctrX" for="ch" forName="levelTx" refType="ctrX" refFor="ch" refForName="level"/>
+              <dgm:constr type="ctrY" for="ch" forName="levelTx" refType="ctrY" refFor="ch" refForName="level"/>
+              <dgm:constr type="w" for="ch" forName="levelTx" refType="w" refFor="ch" refForName="level" fact="0.65"/>
+              <dgm:constr type="h" for="ch" forName="levelTx" refType="h" refFor="ch" refForName="level"/>
+            </dgm:constrLst>
+          </dgm:else>
+        </dgm:choose>
+        <dgm:ruleLst/>
+        <dgm:choose name="Name12">
+          <dgm:if name="Name13" axis="ch" ptType="node" func="cnt" op="gte" val="1">
+            <dgm:layoutNode name="acctBkgd" styleLbl="alignAcc1">
+              <dgm:alg type="sp"/>
+              <dgm:shape xmlns:r="http://schemas.openxmlformats.org/officeDocument/2006/relationships" type="nonIsoscelesTrapezoid" r:blip="">
+                <dgm:adjLst/>
+              </dgm:shape>
+              <dgm:presOf axis="des" ptType="node"/>
+              <dgm:constrLst/>
+              <dgm:ruleLst/>
+            </dgm:layoutNode>
+            <dgm:layoutNode name="acctTx" styleLbl="alignAcc1">
+              <dgm:varLst>
+                <dgm:bulletEnabled val="1"/>
+              </dgm:varLst>
+              <dgm:alg type="tx">
+                <dgm:param type="stBulletLvl" val="1"/>
+                <dgm:param type="txAnchorVertCh" val="t"/>
+              </dgm:alg>
+              <dgm:shape xmlns:r="http://schemas.openxmlformats.org/officeDocument/2006/relationships" type="nonIsoscelesTrapezoid" r:blip="" hideGeom="1">
+                <dgm:adjLst/>
+              </dgm:shape>
+              <dgm:presOf axis="des" ptType="node"/>
+              <dgm:constrLst>
+                <dgm:constr type="secFontSz" val="65"/>
+                <dgm:constr type="primFontSz" refType="secFontSz"/>
+                <dgm:constr type="tMarg" refType="secFontSz" fact="0.3"/>
+                <dgm:constr type="bMarg" refType="secFontSz" fact="0.3"/>
+                <dgm:constr type="lMarg" refType="secFontSz" fact="0.3"/>
+                <dgm:constr type="rMarg" refType="secFontSz" fact="0.3"/>
+              </dgm:constrLst>
+              <dgm:ruleLst>
+                <dgm:rule type="secFontSz" val="5" fact="NaN" max="NaN"/>
+              </dgm:ruleLst>
+            </dgm:layoutNode>
+          </dgm:if>
+          <dgm:else name="Name14"/>
+        </dgm:choose>
+        <dgm:layoutNode name="level">
+          <dgm:varLst>
+            <dgm:chMax val="1"/>
+            <dgm:bulletEnabled val="1"/>
+          </dgm:varLst>
+          <dgm:alg type="sp"/>
+          <dgm:shape xmlns:r="http://schemas.openxmlformats.org/officeDocument/2006/relationships" type="trapezoid" r:blip="">
+            <dgm:adjLst/>
+          </dgm:shape>
+          <dgm:presOf axis="self"/>
+          <dgm:constrLst>
+            <dgm:constr type="h" val="500"/>
+            <dgm:constr type="w" val="1"/>
+          </dgm:constrLst>
+          <dgm:ruleLst/>
+        </dgm:layoutNode>
+        <dgm:layoutNode name="levelTx" styleLbl="revTx">
+          <dgm:varLst>
+            <dgm:chMax val="1"/>
+            <dgm:bulletEnabled val="1"/>
+          </dgm:varLst>
+          <dgm:alg type="tx"/>
+          <dgm:shape xmlns:r="http://schemas.openxmlformats.org/officeDocument/2006/relationships" type="rect" r:blip="" hideGeom="1">
+            <dgm:adjLst/>
+          </dgm:shape>
+          <dgm:presOf axis="self"/>
+          <dgm:constrLst>
+            <dgm:constr type="tMarg" refType="primFontSz" fact="0.1"/>
+            <dgm:constr type="bMarg" refType="primFontSz" fact="0.1"/>
+            <dgm:constr type="lMarg" refType="primFontSz" fact="0.1"/>
+            <dgm:constr type="rMarg" refType="primFontSz" fact="0.1"/>
+            <dgm:constr type="primFontSz" val="65"/>
+          </dgm:constrLst>
+          <dgm:ruleLst>
+            <dgm:rule type="primFontSz" val="5" fact="NaN" max="NaN"/>
+          </dgm:ruleLst>
+        </dgm:layoutNode>
+      </dgm:layoutNode>
+    </dgm:forEach>
+  </dgm:layoutNode>
+</dgm:layoutDef>
+</file>
+
+<file path=ppt/diagrams/quickStyle1.xml><?xml version="1.0" encoding="utf-8"?>
+<dgm:styleDef xmlns:dgm="http://schemas.openxmlformats.org/drawingml/2006/diagram" xmlns:a="http://schemas.openxmlformats.org/drawingml/2006/main" uniqueId="urn:microsoft.com/office/officeart/2005/8/quickstyle/simple1">
+  <dgm:title val=""/>
+  <dgm:desc val=""/>
+  <dgm:catLst>
+    <dgm:cat type="simple" pri="10100"/>
+  </dgm:catLst>
+  <dgm:scene3d>
+    <a:camera prst="orthographicFront"/>
+    <a:lightRig rig="threePt" dir="t"/>
+  </dgm:scene3d>
+  <dgm:styleLbl name="node0">
+    <dgm:scene3d>
+      <a:camera prst="orthographicFront"/>
+      <a:lightRig rig="threePt" dir="t"/>
+    </dgm:scene3d>
+    <dgm:sp3d/>
+    <dgm:txPr/>
+    <dgm:style>
+      <a:lnRef idx="2">
+        <a:scrgbClr r="0" g="0" b="0"/>
+      </a:lnRef>
+      <a:fillRef idx="1">
+        <a:scrgbClr r="0" g="0" b="0"/>
+      </a:fillRef>
+      <a:effectRef idx="0">
+        <a:scrgbClr r="0" g="0" b="0"/>
+      </a:effectRef>
+      <a:fontRef idx="minor">
+        <a:schemeClr val="lt1"/>
+      </a:fontRef>
+    </dgm:style>
+  </dgm:styleLbl>
+  <dgm:styleLbl name="lnNode1">
+    <dgm:scene3d>
+      <a:camera prst="orthographicFront"/>
+      <a:lightRig rig="threePt" dir="t"/>
+    </dgm:scene3d>
+    <dgm:sp3d/>
+    <dgm:txPr/>
+    <dgm:style>
+      <a:lnRef idx="2">
+        <a:scrgbClr r="0" g="0" b="0"/>
+      </a:lnRef>
+      <a:fillRef idx="1">
+        <a:scrgbClr r="0" g="0" b="0"/>
+      </a:fillRef>
+      <a:effectRef idx="0">
+        <a:scrgbClr r="0" g="0" b="0"/>
+      </a:effectRef>
+      <a:fontRef idx="minor">
+        <a:schemeClr val="lt1"/>
+      </a:fontRef>
+    </dgm:style>
+  </dgm:styleLbl>
+  <dgm:styleLbl name="vennNode1">
+    <dgm:scene3d>
+      <a:camera prst="orthographicFront"/>
+      <a:lightRig rig="threePt" dir="t"/>
+    </dgm:scene3d>
+    <dgm:sp3d/>
+    <dgm:txPr/>
+    <dgm:style>
+      <a:lnRef idx="2">
+        <a:scrgbClr r="0" g="0" b="0"/>
+      </a:lnRef>
+      <a:fillRef idx="1">
+        <a:scrgbClr r="0" g="0" b="0"/>
+      </a:fillRef>
+      <a:effectRef idx="0">
+        <a:scrgbClr r="0" g="0" b="0"/>
+      </a:effectRef>
+      <a:fontRef idx="minor">
+        <a:schemeClr val="tx1"/>
+      </a:fontRef>
+    </dgm:style>
+  </dgm:styleLbl>
+  <dgm:styleLbl name="alignNode1">
+    <dgm:scene3d>
+      <a:camera prst="orthographicFront"/>
+      <a:lightRig rig="threePt" dir="t"/>
+    </dgm:scene3d>
+    <dgm:sp3d/>
+    <dgm:txPr/>
+    <dgm:style>
+      <a:lnRef idx="2">
+        <a:scrgbClr r="0" g="0" b="0"/>
+      </a:lnRef>
+      <a:fillRef idx="1">
+        <a:scrgbClr r="0" g="0" b="0"/>
+      </a:fillRef>
+      <a:effectRef idx="0">
+        <a:scrgbClr r="0" g="0" b="0"/>
+      </a:effectRef>
+      <a:fontRef idx="minor">
+        <a:schemeClr val="lt1"/>
+      </a:fontRef>
+    </dgm:style>
+  </dgm:styleLbl>
+  <dgm:styleLbl name="node1">
+    <dgm:scene3d>
+      <a:camera prst="orthographicFront"/>
+      <a:lightRig rig="threePt" dir="t"/>
+    </dgm:scene3d>
+    <dgm:sp3d/>
+    <dgm:txPr/>
+    <dgm:style>
+      <a:lnRef idx="2">
+        <a:scrgbClr r="0" g="0" b="0"/>
+      </a:lnRef>
+      <a:fillRef idx="1">
+        <a:scrgbClr r="0" g="0" b="0"/>
+      </a:fillRef>
+      <a:effectRef idx="0">
+        <a:scrgbClr r="0" g="0" b="0"/>
+      </a:effectRef>
+      <a:fontRef idx="minor">
+        <a:schemeClr val="lt1"/>
+      </a:fontRef>
+    </dgm:style>
+  </dgm:styleLbl>
+  <dgm:styleLbl name="node2">
+    <dgm:scene3d>
+      <a:camera prst="orthographicFront"/>
+      <a:lightRig rig="threePt" dir="t"/>
+    </dgm:scene3d>
+    <dgm:sp3d/>
+    <dgm:txPr/>
+    <dgm:style>
+      <a:lnRef idx="2">
+        <a:scrgbClr r="0" g="0" b="0"/>
+      </a:lnRef>
+      <a:fillRef idx="1">
+        <a:scrgbClr r="0" g="0" b="0"/>
+      </a:fillRef>
+      <a:effectRef idx="0">
+        <a:scrgbClr r="0" g="0" b="0"/>
+      </a:effectRef>
+      <a:fontRef idx="minor">
+        <a:schemeClr val="lt1"/>
+      </a:fontRef>
+    </dgm:style>
+  </dgm:styleLbl>
+  <dgm:styleLbl name="node3">
+    <dgm:scene3d>
+      <a:camera prst="orthographicFront"/>
+      <a:lightRig rig="threePt" dir="t"/>
+    </dgm:scene3d>
+    <dgm:sp3d/>
+    <dgm:txPr/>
+    <dgm:style>
+      <a:lnRef idx="2">
+        <a:scrgbClr r="0" g="0" b="0"/>
+      </a:lnRef>
+      <a:fillRef idx="1">
+        <a:scrgbClr r="0" g="0" b="0"/>
+      </a:fillRef>
+      <a:effectRef idx="0">
+        <a:scrgbClr r="0" g="0" b="0"/>
+      </a:effectRef>
+      <a:fontRef idx="minor">
+        <a:schemeClr val="lt1"/>
+      </a:fontRef>
+    </dgm:style>
+  </dgm:styleLbl>
+  <dgm:styleLbl name="node4">
+    <dgm:scene3d>
+      <a:camera prst="orthographicFront"/>
+      <a:lightRig rig="threePt" dir="t"/>
+    </dgm:scene3d>
+    <dgm:sp3d/>
+    <dgm:txPr/>
+    <dgm:style>
+      <a:lnRef idx="2">
+        <a:scrgbClr r="0" g="0" b="0"/>
+      </a:lnRef>
+      <a:fillRef idx="1">
+        <a:scrgbClr r="0" g="0" b="0"/>
+      </a:fillRef>
+      <a:effectRef idx="0">
+        <a:scrgbClr r="0" g="0" b="0"/>
+      </a:effectRef>
+      <a:fontRef idx="minor">
+        <a:schemeClr val="lt1"/>
+      </a:fontRef>
+    </dgm:style>
+  </dgm:styleLbl>
+  <dgm:styleLbl name="fgImgPlace1">
+    <dgm:scene3d>
+      <a:camera prst="orthographicFront"/>
+      <a:lightRig rig="threePt" dir="t"/>
+    </dgm:scene3d>
+    <dgm:sp3d/>
+    <dgm:txPr/>
+    <dgm:style>
+      <a:lnRef idx="2">
+        <a:scrgbClr r="0" g="0" b="0"/>
+      </a:lnRef>
+      <a:fillRef idx="1">
+        <a:scrgbClr r="0" g="0" b="0"/>
+      </a:fillRef>
+      <a:effectRef idx="0">
+        <a:scrgbClr r="0" g="0" b="0"/>
+      </a:effectRef>
+      <a:fontRef idx="minor"/>
+    </dgm:style>
+  </dgm:styleLbl>
+  <dgm:styleLbl name="alignImgPlace1">
+    <dgm:scene3d>
+      <a:camera prst="orthographicFront"/>
+      <a:lightRig rig="threePt" dir="t"/>
+    </dgm:scene3d>
+    <dgm:sp3d/>
+    <dgm:txPr/>
+    <dgm:style>
+      <a:lnRef idx="2">
+        <a:scrgbClr r="0" g="0" b="0"/>
+      </a:lnRef>
+      <a:fillRef idx="1">
+        <a:scrgbClr r="0" g="0" b="0"/>
+      </a:fillRef>
+      <a:effectRef idx="0">
+        <a:scrgbClr r="0" g="0" b="0"/>
+      </a:effectRef>
+      <a:fontRef idx="minor"/>
+    </dgm:style>
+  </dgm:styleLbl>
+  <dgm:styleLbl name="bgImgPlace1">
+    <dgm:scene3d>
+      <a:camera prst="orthographicFront"/>
+      <a:lightRig rig="threePt" dir="t"/>
+    </dgm:scene3d>
+    <dgm:sp3d/>
+    <dgm:txPr/>
+    <dgm:style>
+      <a:lnRef idx="2">
+        <a:scrgbClr r="0" g="0" b="0"/>
+      </a:lnRef>
+      <a:fillRef idx="1">
+        <a:scrgbClr r="0" g="0" b="0"/>
+      </a:fillRef>
+      <a:effectRef idx="0">
+        <a:scrgbClr r="0" g="0" b="0"/>
+      </a:effectRef>
+      <a:fontRef idx="minor"/>
+    </dgm:style>
+  </dgm:styleLbl>
+  <dgm:styleLbl name="sibTrans2D1">
+    <dgm:scene3d>
+      <a:camera prst="orthographicFront"/>
+      <a:lightRig rig="threePt" dir="t"/>
+    </dgm:scene3d>
+    <dgm:sp3d/>
+    <dgm:txPr/>
+    <dgm:style>
+      <a:lnRef idx="0">
+        <a:scrgbClr r="0" g="0" b="0"/>
+      </a:lnRef>
+      <a:fillRef idx="1">
+        <a:scrgbClr r="0" g="0" b="0"/>
+      </a:fillRef>
+      <a:effectRef idx="0">
+        <a:scrgbClr r="0" g="0" b="0"/>
+      </a:effectRef>
+      <a:fontRef idx="minor">
+        <a:schemeClr val="lt1"/>
+      </a:fontRef>
+    </dgm:style>
+  </dgm:styleLbl>
+  <dgm:styleLbl name="fgSibTrans2D1">
+    <dgm:scene3d>
+      <a:camera prst="orthographicFront"/>
+      <a:lightRig rig="threePt" dir="t"/>
+    </dgm:scene3d>
+    <dgm:sp3d/>
+    <dgm:txPr/>
+    <dgm:style>
+      <a:lnRef idx="0">
+        <a:scrgbClr r="0" g="0" b="0"/>
+      </a:lnRef>
+      <a:fillRef idx="1">
+        <a:scrgbClr r="0" g="0" b="0"/>
+      </a:fillRef>
+      <a:effectRef idx="0">
+        <a:scrgbClr r="0" g="0" b="0"/>
+      </a:effectRef>
+      <a:fontRef idx="minor">
+        <a:schemeClr val="lt1"/>
+      </a:fontRef>
+    </dgm:style>
+  </dgm:styleLbl>
+  <dgm:styleLbl name="bgSibTrans2D1">
+    <dgm:scene3d>
+      <a:camera prst="orthographicFront"/>
+      <a:lightRig rig="threePt" dir="t"/>
+    </dgm:scene3d>
+    <dgm:sp3d/>
+    <dgm:txPr/>
+    <dgm:style>
+      <a:lnRef idx="0">
+        <a:scrgbClr r="0" g="0" b="0"/>
+      </a:lnRef>
+      <a:fillRef idx="1">
+        <a:scrgbClr r="0" g="0" b="0"/>
+      </a:fillRef>
+      <a:effectRef idx="0">
+        <a:scrgbClr r="0" g="0" b="0"/>
+      </a:effectRef>
+      <a:fontRef idx="minor">
+        <a:schemeClr val="lt1"/>
+      </a:fontRef>
+    </dgm:style>
+  </dgm:styleLbl>
+  <dgm:styleLbl name="sibTrans1D1">
+    <dgm:scene3d>
+      <a:camera prst="orthographicFront"/>
+      <a:lightRig rig="threePt" dir="t"/>
+    </dgm:scene3d>
+    <dgm:sp3d/>
+    <dgm:txPr/>
+    <dgm:style>
+      <a:lnRef idx="1">
+        <a:scrgbClr r="0" g="0" b="0"/>
+      </a:lnRef>
+      <a:fillRef idx="0">
+        <a:scrgbClr r="0" g="0" b="0"/>
+      </a:fillRef>
+      <a:effectRef idx="0">
+        <a:scrgbClr r="0" g="0" b="0"/>
+      </a:effectRef>
+      <a:fontRef idx="minor"/>
+    </dgm:style>
+  </dgm:styleLbl>
+  <dgm:styleLbl name="callout">
+    <dgm:scene3d>
+      <a:camera prst="orthographicFront"/>
+      <a:lightRig rig="threePt" dir="t"/>
+    </dgm:scene3d>
+    <dgm:sp3d/>
+    <dgm:txPr/>
+    <dgm:style>
+      <a:lnRef idx="2">
+        <a:scrgbClr r="0" g="0" b="0"/>
+      </a:lnRef>
+      <a:fillRef idx="1">
+        <a:scrgbClr r="0" g="0" b="0"/>
+      </a:fillRef>
+      <a:effectRef idx="0">
+        <a:scrgbClr r="0" g="0" b="0"/>
+      </a:effectRef>
+      <a:fontRef idx="minor"/>
+    </dgm:style>
+  </dgm:styleLbl>
+  <dgm:styleLbl name="asst0">
+    <dgm:scene3d>
+      <a:camera prst="orthographicFront"/>
+      <a:lightRig rig="threePt" dir="t"/>
+    </dgm:scene3d>
+    <dgm:sp3d/>
+    <dgm:txPr/>
+    <dgm:style>
+      <a:lnRef idx="2">
+        <a:scrgbClr r="0" g="0" b="0"/>
+      </a:lnRef>
+      <a:fillRef idx="1">
+        <a:scrgbClr r="0" g="0" b="0"/>
+      </a:fillRef>
+      <a:effectRef idx="0">
+        <a:scrgbClr r="0" g="0" b="0"/>
+      </a:effectRef>
+      <a:fontRef idx="minor">
+        <a:schemeClr val="lt1"/>
+      </a:fontRef>
+    </dgm:style>
+  </dgm:styleLbl>
+  <dgm:styleLbl name="asst1">
+    <dgm:scene3d>
+      <a:camera prst="orthographicFront"/>
+      <a:lightRig rig="threePt" dir="t"/>
+    </dgm:scene3d>
+    <dgm:sp3d/>
+    <dgm:txPr/>
+    <dgm:style>
+      <a:lnRef idx="2">
+        <a:scrgbClr r="0" g="0" b="0"/>
+      </a:lnRef>
+      <a:fillRef idx="1">
+        <a:scrgbClr r="0" g="0" b="0"/>
+      </a:fillRef>
+      <a:effectRef idx="0">
+        <a:scrgbClr r="0" g="0" b="0"/>
+      </a:effectRef>
+      <a:fontRef idx="minor">
+        <a:schemeClr val="lt1"/>
+      </a:fontRef>
+    </dgm:style>
+  </dgm:styleLbl>
+  <dgm:styleLbl name="asst2">
+    <dgm:scene3d>
+      <a:camera prst="orthographicFront"/>
+      <a:lightRig rig="threePt" dir="t"/>
+    </dgm:scene3d>
+    <dgm:sp3d/>
+    <dgm:txPr/>
+    <dgm:style>
+      <a:lnRef idx="2">
+        <a:scrgbClr r="0" g="0" b="0"/>
+      </a:lnRef>
+      <a:fillRef idx="1">
+        <a:scrgbClr r="0" g="0" b="0"/>
+      </a:fillRef>
+      <a:effectRef idx="0">
+        <a:scrgbClr r="0" g="0" b="0"/>
+      </a:effectRef>
+      <a:fontRef idx="minor">
+        <a:schemeClr val="lt1"/>
+      </a:fontRef>
+    </dgm:style>
+  </dgm:styleLbl>
+  <dgm:styleLbl name="asst3">
+    <dgm:scene3d>
+      <a:camera prst="orthographicFront"/>
+      <a:lightRig rig="threePt" dir="t"/>
+    </dgm:scene3d>
+    <dgm:sp3d/>
+    <dgm:txPr/>
+    <dgm:style>
+      <a:lnRef idx="2">
+        <a:scrgbClr r="0" g="0" b="0"/>
+      </a:lnRef>
+      <a:fillRef idx="1">
+        <a:scrgbClr r="0" g="0" b="0"/>
+      </a:fillRef>
+      <a:effectRef idx="0">
+        <a:scrgbClr r="0" g="0" b="0"/>
+      </a:effectRef>
+      <a:fontRef idx="minor">
+        <a:schemeClr val="lt1"/>
+      </a:fontRef>
+    </dgm:style>
+  </dgm:styleLbl>
+  <dgm:styleLbl name="asst4">
+    <dgm:scene3d>
+      <a:camera prst="orthographicFront"/>
+      <a:lightRig rig="threePt" dir="t"/>
+    </dgm:scene3d>
+    <dgm:sp3d/>
+    <dgm:txPr/>
+    <dgm:style>
+      <a:lnRef idx="2">
+        <a:scrgbClr r="0" g="0" b="0"/>
+      </a:lnRef>
+      <a:fillRef idx="1">
+        <a:scrgbClr r="0" g="0" b="0"/>
+      </a:fillRef>
+      <a:effectRef idx="0">
+        <a:scrgbClr r="0" g="0" b="0"/>
+      </a:effectRef>
+      <a:fontRef idx="minor">
+        <a:schemeClr val="lt1"/>
+      </a:fontRef>
+    </dgm:style>
+  </dgm:styleLbl>
+  <dgm:styleLbl name="parChTrans2D1">
+    <dgm:scene3d>
+      <a:camera prst="orthographicFront"/>
+      <a:lightRig rig="threePt" dir="t"/>
+    </dgm:scene3d>
+    <dgm:sp3d/>
+    <dgm:txPr/>
+    <dgm:style>
+      <a:lnRef idx="2">
+        <a:scrgbClr r="0" g="0" b="0"/>
+      </a:lnRef>
+      <a:fillRef idx="1">
+        <a:scrgbClr r="0" g="0" b="0"/>
+      </a:fillRef>
+      <a:effectRef idx="0">
+        <a:scrgbClr r="0" g="0" b="0"/>
+      </a:effectRef>
+      <a:fontRef idx="minor">
+        <a:schemeClr val="lt1"/>
+      </a:fontRef>
+    </dgm:style>
+  </dgm:styleLbl>
+  <dgm:styleLbl name="parChTrans2D2">
+    <dgm:scene3d>
+      <a:camera prst="orthographicFront"/>
+      <a:lightRig rig="threePt" dir="t"/>
+    </dgm:scene3d>
+    <dgm:sp3d/>
+    <dgm:txPr/>
+    <dgm:style>
+      <a:lnRef idx="2">
+        <a:scrgbClr r="0" g="0" b="0"/>
+      </a:lnRef>
+      <a:fillRef idx="1">
+        <a:scrgbClr r="0" g="0" b="0"/>
+      </a:fillRef>
+      <a:effectRef idx="0">
+        <a:scrgbClr r="0" g="0" b="0"/>
+      </a:effectRef>
+      <a:fontRef idx="minor">
+        <a:schemeClr val="lt1"/>
+      </a:fontRef>
+    </dgm:style>
+  </dgm:styleLbl>
+  <dgm:styleLbl name="parChTrans2D3">
+    <dgm:scene3d>
+      <a:camera prst="orthographicFront"/>
+      <a:lightRig rig="threePt" dir="t"/>
+    </dgm:scene3d>
+    <dgm:sp3d/>
+    <dgm:txPr/>
+    <dgm:style>
+      <a:lnRef idx="2">
+        <a:scrgbClr r="0" g="0" b="0"/>
+      </a:lnRef>
+      <a:fillRef idx="1">
+        <a:scrgbClr r="0" g="0" b="0"/>
+      </a:fillRef>
+      <a:effectRef idx="0">
+        <a:scrgbClr r="0" g="0" b="0"/>
+      </a:effectRef>
+      <a:fontRef idx="minor">
+        <a:schemeClr val="lt1"/>
+      </a:fontRef>
+    </dgm:style>
+  </dgm:styleLbl>
+  <dgm:styleLbl name="parChTrans2D4">
+    <dgm:scene3d>
+      <a:camera prst="orthographicFront"/>
+      <a:lightRig rig="threePt" dir="t"/>
+    </dgm:scene3d>
+    <dgm:sp3d/>
+    <dgm:txPr/>
+    <dgm:style>
+      <a:lnRef idx="2">
+        <a:scrgbClr r="0" g="0" b="0"/>
+      </a:lnRef>
+      <a:fillRef idx="1">
+        <a:scrgbClr r="0" g="0" b="0"/>
+      </a:fillRef>
+      <a:effectRef idx="0">
+        <a:scrgbClr r="0" g="0" b="0"/>
+      </a:effectRef>
+      <a:fontRef idx="minor">
+        <a:schemeClr val="lt1"/>
+      </a:fontRef>
+    </dgm:style>
+  </dgm:styleLbl>
+  <dgm:styleLbl name="parChTrans1D1">
+    <dgm:scene3d>
+      <a:camera prst="orthographicFront"/>
+      <a:lightRig rig="threePt" dir="t"/>
+    </dgm:scene3d>
+    <dgm:sp3d/>
+    <dgm:txPr/>
+    <dgm:style>
+      <a:lnRef idx="2">
+        <a:scrgbClr r="0" g="0" b="0"/>
+      </a:lnRef>
+      <a:fillRef idx="0">
+        <a:scrgbClr r="0" g="0" b="0"/>
+      </a:fillRef>
+      <a:effectRef idx="0">
+        <a:scrgbClr r="0" g="0" b="0"/>
+      </a:effectRef>
+      <a:fontRef idx="minor"/>
+    </dgm:style>
+  </dgm:styleLbl>
+  <dgm:styleLbl name="parChTrans1D2">
+    <dgm:scene3d>
+      <a:camera prst="orthographicFront"/>
+      <a:lightRig rig="threePt" dir="t"/>
+    </dgm:scene3d>
+    <dgm:sp3d/>
+    <dgm:txPr/>
+    <dgm:style>
+      <a:lnRef idx="2">
+        <a:scrgbClr r="0" g="0" b="0"/>
+      </a:lnRef>
+      <a:fillRef idx="0">
+        <a:scrgbClr r="0" g="0" b="0"/>
+      </a:fillRef>
+      <a:effectRef idx="0">
+        <a:scrgbClr r="0" g="0" b="0"/>
+      </a:effectRef>
+      <a:fontRef idx="minor"/>
+    </dgm:style>
+  </dgm:styleLbl>
+  <dgm:styleLbl name="parChTrans1D3">
+    <dgm:scene3d>
+      <a:camera prst="orthographicFront"/>
+      <a:lightRig rig="threePt" dir="t"/>
+    </dgm:scene3d>
+    <dgm:sp3d/>
+    <dgm:txPr/>
+    <dgm:style>
+      <a:lnRef idx="2">
+        <a:scrgbClr r="0" g="0" b="0"/>
+      </a:lnRef>
+      <a:fillRef idx="0">
+        <a:scrgbClr r="0" g="0" b="0"/>
+      </a:fillRef>
+      <a:effectRef idx="0">
+        <a:scrgbClr r="0" g="0" b="0"/>
+      </a:effectRef>
+      <a:fontRef idx="minor"/>
+    </dgm:style>
+  </dgm:styleLbl>
+  <dgm:styleLbl name="parChTrans1D4">
+    <dgm:scene3d>
+      <a:camera prst="orthographicFront"/>
+      <a:lightRig rig="threePt" dir="t"/>
+    </dgm:scene3d>
+    <dgm:sp3d/>
+    <dgm:txPr/>
+    <dgm:style>
+      <a:lnRef idx="2">
+        <a:scrgbClr r="0" g="0" b="0"/>
+      </a:lnRef>
+      <a:fillRef idx="0">
+        <a:scrgbClr r="0" g="0" b="0"/>
+      </a:fillRef>
+      <a:effectRef idx="0">
+        <a:scrgbClr r="0" g="0" b="0"/>
+      </a:effectRef>
+      <a:fontRef idx="minor"/>
+    </dgm:style>
+  </dgm:styleLbl>
+  <dgm:styleLbl name="fgAcc1">
+    <dgm:scene3d>
+      <a:camera prst="orthographicFront"/>
+      <a:lightRig rig="threePt" dir="t"/>
+    </dgm:scene3d>
+    <dgm:sp3d/>
+    <dgm:txPr/>
+    <dgm:style>
+      <a:lnRef idx="2">
+        <a:scrgbClr r="0" g="0" b="0"/>
+      </a:lnRef>
+      <a:fillRef idx="1">
+        <a:scrgbClr r="0" g="0" b="0"/>
+      </a:fillRef>
+      <a:effectRef idx="0">
+        <a:scrgbClr r="0" g="0" b="0"/>
+      </a:effectRef>
+      <a:fontRef idx="minor"/>
+    </dgm:style>
+  </dgm:styleLbl>
+  <dgm:styleLbl name="conFgAcc1">
+    <dgm:scene3d>
+      <a:camera prst="orthographicFront"/>
+      <a:lightRig rig="threePt" dir="t"/>
+    </dgm:scene3d>
+    <dgm:sp3d/>
+    <dgm:txPr/>
+    <dgm:style>
+      <a:lnRef idx="2">
+        <a:scrgbClr r="0" g="0" b="0"/>
+      </a:lnRef>
+      <a:fillRef idx="1">
+        <a:scrgbClr r="0" g="0" b="0"/>
+      </a:fillRef>
+      <a:effectRef idx="0">
+        <a:scrgbClr r="0" g="0" b="0"/>
+      </a:effectRef>
+      <a:fontRef idx="minor"/>
+    </dgm:style>
+  </dgm:styleLbl>
+  <dgm:styleLbl name="alignAcc1">
+    <dgm:scene3d>
+      <a:camera prst="orthographicFront"/>
+      <a:lightRig rig="threePt" dir="t"/>
+    </dgm:scene3d>
+    <dgm:sp3d/>
+    <dgm:txPr/>
+    <dgm:style>
+      <a:lnRef idx="2">
+        <a:scrgbClr r="0" g="0" b="0"/>
+      </a:lnRef>
+      <a:fillRef idx="1">
+        <a:scrgbClr r="0" g="0" b="0"/>
+      </a:fillRef>
+      <a:effectRef idx="0">
+        <a:scrgbClr r="0" g="0" b="0"/>
+      </a:effectRef>
+      <a:fontRef idx="minor"/>
+    </dgm:style>
+  </dgm:styleLbl>
+  <dgm:styleLbl name="trAlignAcc1">
+    <dgm:scene3d>
+      <a:camera prst="orthographicFront"/>
+      <a:lightRig rig="threePt" dir="t"/>
+    </dgm:scene3d>
+    <dgm:sp3d/>
+    <dgm:txPr/>
+    <dgm:style>
+      <a:lnRef idx="1">
+        <a:scrgbClr r="0" g="0" b="0"/>
+      </a:lnRef>
+      <a:fillRef idx="1">
+        <a:scrgbClr r="0" g="0" b="0"/>
+      </a:fillRef>
+      <a:effectRef idx="0">
+        <a:scrgbClr r="0" g="0" b="0"/>
+      </a:effectRef>
+      <a:fontRef idx="minor"/>
+    </dgm:style>
+  </dgm:styleLbl>
+  <dgm:styleLbl name="bgAcc1">
+    <dgm:scene3d>
+      <a:camera prst="orthographicFront"/>
+      <a:lightRig rig="threePt" dir="t"/>
+    </dgm:scene3d>
+    <dgm:sp3d/>
+    <dgm:txPr/>
+    <dgm:style>
+      <a:lnRef idx="2">
+        <a:scrgbClr r="0" g="0" b="0"/>
+      </a:lnRef>
+      <a:fillRef idx="1">
+        <a:scrgbClr r="0" g="0" b="0"/>
+      </a:fillRef>
+      <a:effectRef idx="0">
+        <a:scrgbClr r="0" g="0" b="0"/>
+      </a:effectRef>
+      <a:fontRef idx="minor"/>
+    </dgm:style>
+  </dgm:styleLbl>
+  <dgm:styleLbl name="solidFgAcc1">
+    <dgm:scene3d>
+      <a:camera prst="orthographicFront"/>
+      <a:lightRig rig="threePt" dir="t"/>
+    </dgm:scene3d>
+    <dgm:sp3d/>
+    <dgm:txPr/>
+    <dgm:style>
+      <a:lnRef idx="2">
+        <a:scrgbClr r="0" g="0" b="0"/>
+      </a:lnRef>
+      <a:fillRef idx="1">
+        <a:scrgbClr r="0" g="0" b="0"/>
+      </a:fillRef>
+      <a:effectRef idx="0">
+        <a:scrgbClr r="0" g="0" b="0"/>
+      </a:effectRef>
+      <a:fontRef idx="minor"/>
+    </dgm:style>
+  </dgm:styleLbl>
+  <dgm:styleLbl name="solidAlignAcc1">
+    <dgm:scene3d>
+      <a:camera prst="orthographicFront"/>
+      <a:lightRig rig="threePt" dir="t"/>
+    </dgm:scene3d>
+    <dgm:sp3d/>
+    <dgm:txPr/>
+    <dgm:style>
+      <a:lnRef idx="2">
+        <a:scrgbClr r="0" g="0" b="0"/>
+      </a:lnRef>
+      <a:fillRef idx="1">
+        <a:scrgbClr r="0" g="0" b="0"/>
+      </a:fillRef>
+      <a:effectRef idx="0">
+        <a:scrgbClr r="0" g="0" b="0"/>
+      </a:effectRef>
+      <a:fontRef idx="minor"/>
+    </dgm:style>
+  </dgm:styleLbl>
+  <dgm:styleLbl name="solidBgAcc1">
+    <dgm:scene3d>
+      <a:camera prst="orthographicFront"/>
+      <a:lightRig rig="threePt" dir="t"/>
+    </dgm:scene3d>
+    <dgm:sp3d/>
+    <dgm:txPr/>
+    <dgm:style>
+      <a:lnRef idx="2">
+        <a:scrgbClr r="0" g="0" b="0"/>
+      </a:lnRef>
+      <a:fillRef idx="1">
+        <a:scrgbClr r="0" g="0" b="0"/>
+      </a:fillRef>
+      <a:effectRef idx="0">
+        <a:scrgbClr r="0" g="0" b="0"/>
+      </a:effectRef>
+      <a:fontRef idx="minor"/>
+    </dgm:style>
+  </dgm:styleLbl>
+  <dgm:styleLbl name="fgAccFollowNode1">
+    <dgm:scene3d>
+      <a:camera prst="orthographicFront"/>
+      <a:lightRig rig="threePt" dir="t"/>
+    </dgm:scene3d>
+    <dgm:sp3d/>
+    <dgm:txPr/>
+    <dgm:style>
+      <a:lnRef idx="2">
+        <a:scrgbClr r="0" g="0" b="0"/>
+      </a:lnRef>
+      <a:fillRef idx="1">
+        <a:scrgbClr r="0" g="0" b="0"/>
+      </a:fillRef>
+      <a:effectRef idx="0">
+        <a:scrgbClr r="0" g="0" b="0"/>
+      </a:effectRef>
+      <a:fontRef idx="minor"/>
+    </dgm:style>
+  </dgm:styleLbl>
+  <dgm:styleLbl name="alignAccFollowNode1">
+    <dgm:scene3d>
+      <a:camera prst="orthographicFront"/>
+      <a:lightRig rig="threePt" dir="t"/>
+    </dgm:scene3d>
+    <dgm:sp3d/>
+    <dgm:txPr/>
+    <dgm:style>
+      <a:lnRef idx="2">
+        <a:scrgbClr r="0" g="0" b="0"/>
+      </a:lnRef>
+      <a:fillRef idx="1">
+        <a:scrgbClr r="0" g="0" b="0"/>
+      </a:fillRef>
+      <a:effectRef idx="0">
+        <a:scrgbClr r="0" g="0" b="0"/>
+      </a:effectRef>
+      <a:fontRef idx="minor"/>
+    </dgm:style>
+  </dgm:styleLbl>
+  <dgm:styleLbl name="bgAccFollowNode1">
+    <dgm:scene3d>
+      <a:camera prst="orthographicFront"/>
+      <a:lightRig rig="threePt" dir="t"/>
+    </dgm:scene3d>
+    <dgm:sp3d/>
+    <dgm:txPr/>
+    <dgm:style>
+      <a:lnRef idx="2">
+        <a:scrgbClr r="0" g="0" b="0"/>
+      </a:lnRef>
+      <a:fillRef idx="1">
+        <a:scrgbClr r="0" g="0" b="0"/>
+      </a:fillRef>
+      <a:effectRef idx="0">
+        <a:scrgbClr r="0" g="0" b="0"/>
+      </a:effectRef>
+      <a:fontRef idx="minor"/>
+    </dgm:style>
+  </dgm:styleLbl>
+  <dgm:styleLbl name="fgAcc0">
+    <dgm:scene3d>
+      <a:camera prst="orthographicFront"/>
+      <a:lightRig rig="threePt" dir="t"/>
+    </dgm:scene3d>
+    <dgm:sp3d/>
+    <dgm:txPr/>
+    <dgm:style>
+      <a:lnRef idx="2">
+        <a:scrgbClr r="0" g="0" b="0"/>
+      </a:lnRef>
+      <a:fillRef idx="1">
+        <a:scrgbClr r="0" g="0" b="0"/>
+      </a:fillRef>
+      <a:effectRef idx="0">
+        <a:scrgbClr r="0" g="0" b="0"/>
+      </a:effectRef>
+      <a:fontRef idx="minor"/>
+    </dgm:style>
+  </dgm:styleLbl>
+  <dgm:styleLbl name="fgAcc2">
+    <dgm:scene3d>
+      <a:camera prst="orthographicFront"/>
+      <a:lightRig rig="threePt" dir="t"/>
+    </dgm:scene3d>
+    <dgm:sp3d/>
+    <dgm:txPr/>
+    <dgm:style>
+      <a:lnRef idx="2">
+        <a:scrgbClr r="0" g="0" b="0"/>
+      </a:lnRef>
+      <a:fillRef idx="1">
+        <a:scrgbClr r="0" g="0" b="0"/>
+      </a:fillRef>
+      <a:effectRef idx="0">
+        <a:scrgbClr r="0" g="0" b="0"/>
+      </a:effectRef>
+      <a:fontRef idx="minor"/>
+    </dgm:style>
+  </dgm:styleLbl>
+  <dgm:styleLbl name="fgAcc3">
+    <dgm:scene3d>
+      <a:camera prst="orthographicFront"/>
+      <a:lightRig rig="threePt" dir="t"/>
+    </dgm:scene3d>
+    <dgm:sp3d/>
+    <dgm:txPr/>
+    <dgm:style>
+      <a:lnRef idx="2">
+        <a:scrgbClr r="0" g="0" b="0"/>
+      </a:lnRef>
+      <a:fillRef idx="1">
+        <a:scrgbClr r="0" g="0" b="0"/>
+      </a:fillRef>
+      <a:effectRef idx="0">
+        <a:scrgbClr r="0" g="0" b="0"/>
+      </a:effectRef>
+      <a:fontRef idx="minor"/>
+    </dgm:style>
+  </dgm:styleLbl>
+  <dgm:styleLbl name="fgAcc4">
+    <dgm:scene3d>
+      <a:camera prst="orthographicFront"/>
+      <a:lightRig rig="threePt" dir="t"/>
+    </dgm:scene3d>
+    <dgm:sp3d/>
+    <dgm:txPr/>
+    <dgm:style>
+      <a:lnRef idx="2">
+        <a:scrgbClr r="0" g="0" b="0"/>
+      </a:lnRef>
+      <a:fillRef idx="1">
+        <a:scrgbClr r="0" g="0" b="0"/>
+      </a:fillRef>
+      <a:effectRef idx="0">
+        <a:scrgbClr r="0" g="0" b="0"/>
+      </a:effectRef>
+      <a:fontRef idx="minor"/>
+    </dgm:style>
+  </dgm:styleLbl>
+  <dgm:styleLbl name="bgShp">
+    <dgm:scene3d>
+      <a:camera prst="orthographicFront"/>
+      <a:lightRig rig="threePt" dir="t"/>
+    </dgm:scene3d>
+    <dgm:sp3d/>
+    <dgm:txPr/>
+    <dgm:style>
+      <a:lnRef idx="0">
+        <a:scrgbClr r="0" g="0" b="0"/>
+      </a:lnRef>
+      <a:fillRef idx="1">
+        <a:scrgbClr r="0" g="0" b="0"/>
+      </a:fillRef>
+      <a:effectRef idx="0">
+        <a:scrgbClr r="0" g="0" b="0"/>
+      </a:effectRef>
+      <a:fontRef idx="minor"/>
+    </dgm:style>
+  </dgm:styleLbl>
+  <dgm:styleLbl name="dkBgShp">
+    <dgm:scene3d>
+      <a:camera prst="orthographicFront"/>
+      <a:lightRig rig="threePt" dir="t"/>
+    </dgm:scene3d>
+    <dgm:sp3d/>
+    <dgm:txPr/>
+    <dgm:style>
+      <a:lnRef idx="0">
+        <a:scrgbClr r="0" g="0" b="0"/>
+      </a:lnRef>
+      <a:fillRef idx="1">
+        <a:scrgbClr r="0" g="0" b="0"/>
+      </a:fillRef>
+      <a:effectRef idx="0">
+        <a:scrgbClr r="0" g="0" b="0"/>
+      </a:effectRef>
+      <a:fontRef idx="minor"/>
+    </dgm:style>
+  </dgm:styleLbl>
+  <dgm:styleLbl name="trBgShp">
+    <dgm:scene3d>
+      <a:camera prst="orthographicFront"/>
+      <a:lightRig rig="threePt" dir="t"/>
+    </dgm:scene3d>
+    <dgm:sp3d/>
+    <dgm:txPr/>
+    <dgm:style>
+      <a:lnRef idx="0">
+        <a:scrgbClr r="0" g="0" b="0"/>
+      </a:lnRef>
+      <a:fillRef idx="1">
+        <a:scrgbClr r="0" g="0" b="0"/>
+      </a:fillRef>
+      <a:effectRef idx="0">
+        <a:scrgbClr r="0" g="0" b="0"/>
+      </a:effectRef>
+      <a:fontRef idx="minor"/>
+    </dgm:style>
+  </dgm:styleLbl>
+  <dgm:styleLbl name="fgShp">
+    <dgm:scene3d>
+      <a:camera prst="orthographicFront"/>
+      <a:lightRig rig="threePt" dir="t"/>
+    </dgm:scene3d>
+    <dgm:sp3d/>
+    <dgm:txPr/>
+    <dgm:style>
+      <a:lnRef idx="2">
+        <a:scrgbClr r="0" g="0" b="0"/>
+      </a:lnRef>
+      <a:fillRef idx="1">
+        <a:scrgbClr r="0" g="0" b="0"/>
+      </a:fillRef>
+      <a:effectRef idx="0">
+        <a:scrgbClr r="0" g="0" b="0"/>
+      </a:effectRef>
+      <a:fontRef idx="minor"/>
+    </dgm:style>
+  </dgm:styleLbl>
+  <dgm:styleLbl name="revTx">
+    <dgm:scene3d>
+      <a:camera prst="orthographicFront"/>
+      <a:lightRig rig="threePt" dir="t"/>
+    </dgm:scene3d>
+    <dgm:sp3d/>
+    <dgm:txPr/>
+    <dgm:style>
+      <a:lnRef idx="0">
+        <a:scrgbClr r="0" g="0" b="0"/>
+      </a:lnRef>
+      <a:fillRef idx="0">
+        <a:scrgbClr r="0" g="0" b="0"/>
+      </a:fillRef>
+      <a:effectRef idx="0">
+        <a:scrgbClr r="0" g="0" b="0"/>
+      </a:effectRef>
+      <a:fontRef idx="minor"/>
+    </dgm:style>
+  </dgm:styleLbl>
+</dgm:styleDef>
 </file>
 
 <file path=ppt/slideLayouts/slideLayout1.xml><?xml version="1.0" encoding="utf-8"?>
@@ -271,7 +3939,7 @@
           <a:p>
             <a:fld id="{3C7334DD-470A-4932-88A3-6C69D4FCD350}" type="datetimeFigureOut">
               <a:rPr lang="zh-CN" altLang="en-US" smtClean="0"/>
-              <a:t>2018/6/4</a:t>
+              <a:t>2018/6/6</a:t>
             </a:fld>
             <a:endParaRPr lang="zh-CN" altLang="en-US"/>
           </a:p>
@@ -469,7 +4137,7 @@
           <a:p>
             <a:fld id="{3C7334DD-470A-4932-88A3-6C69D4FCD350}" type="datetimeFigureOut">
               <a:rPr lang="zh-CN" altLang="en-US" smtClean="0"/>
-              <a:t>2018/6/4</a:t>
+              <a:t>2018/6/6</a:t>
             </a:fld>
             <a:endParaRPr lang="zh-CN" altLang="en-US"/>
           </a:p>
@@ -677,7 +4345,7 @@
           <a:p>
             <a:fld id="{3C7334DD-470A-4932-88A3-6C69D4FCD350}" type="datetimeFigureOut">
               <a:rPr lang="zh-CN" altLang="en-US" smtClean="0"/>
-              <a:t>2018/6/4</a:t>
+              <a:t>2018/6/6</a:t>
             </a:fld>
             <a:endParaRPr lang="zh-CN" altLang="en-US"/>
           </a:p>
@@ -875,7 +4543,7 @@
           <a:p>
             <a:fld id="{3C7334DD-470A-4932-88A3-6C69D4FCD350}" type="datetimeFigureOut">
               <a:rPr lang="zh-CN" altLang="en-US" smtClean="0"/>
-              <a:t>2018/6/4</a:t>
+              <a:t>2018/6/6</a:t>
             </a:fld>
             <a:endParaRPr lang="zh-CN" altLang="en-US"/>
           </a:p>
@@ -1150,7 +4818,7 @@
           <a:p>
             <a:fld id="{3C7334DD-470A-4932-88A3-6C69D4FCD350}" type="datetimeFigureOut">
               <a:rPr lang="zh-CN" altLang="en-US" smtClean="0"/>
-              <a:t>2018/6/4</a:t>
+              <a:t>2018/6/6</a:t>
             </a:fld>
             <a:endParaRPr lang="zh-CN" altLang="en-US"/>
           </a:p>
@@ -1415,7 +5083,7 @@
           <a:p>
             <a:fld id="{3C7334DD-470A-4932-88A3-6C69D4FCD350}" type="datetimeFigureOut">
               <a:rPr lang="zh-CN" altLang="en-US" smtClean="0"/>
-              <a:t>2018/6/4</a:t>
+              <a:t>2018/6/6</a:t>
             </a:fld>
             <a:endParaRPr lang="zh-CN" altLang="en-US"/>
           </a:p>
@@ -1827,7 +5495,7 @@
           <a:p>
             <a:fld id="{3C7334DD-470A-4932-88A3-6C69D4FCD350}" type="datetimeFigureOut">
               <a:rPr lang="zh-CN" altLang="en-US" smtClean="0"/>
-              <a:t>2018/6/4</a:t>
+              <a:t>2018/6/6</a:t>
             </a:fld>
             <a:endParaRPr lang="zh-CN" altLang="en-US"/>
           </a:p>
@@ -1968,7 +5636,7 @@
           <a:p>
             <a:fld id="{3C7334DD-470A-4932-88A3-6C69D4FCD350}" type="datetimeFigureOut">
               <a:rPr lang="zh-CN" altLang="en-US" smtClean="0"/>
-              <a:t>2018/6/4</a:t>
+              <a:t>2018/6/6</a:t>
             </a:fld>
             <a:endParaRPr lang="zh-CN" altLang="en-US"/>
           </a:p>
@@ -2081,7 +5749,7 @@
           <a:p>
             <a:fld id="{3C7334DD-470A-4932-88A3-6C69D4FCD350}" type="datetimeFigureOut">
               <a:rPr lang="zh-CN" altLang="en-US" smtClean="0"/>
-              <a:t>2018/6/4</a:t>
+              <a:t>2018/6/6</a:t>
             </a:fld>
             <a:endParaRPr lang="zh-CN" altLang="en-US"/>
           </a:p>
@@ -2392,7 +6060,7 @@
           <a:p>
             <a:fld id="{3C7334DD-470A-4932-88A3-6C69D4FCD350}" type="datetimeFigureOut">
               <a:rPr lang="zh-CN" altLang="en-US" smtClean="0"/>
-              <a:t>2018/6/4</a:t>
+              <a:t>2018/6/6</a:t>
             </a:fld>
             <a:endParaRPr lang="zh-CN" altLang="en-US"/>
           </a:p>
@@ -2680,7 +6348,7 @@
           <a:p>
             <a:fld id="{3C7334DD-470A-4932-88A3-6C69D4FCD350}" type="datetimeFigureOut">
               <a:rPr lang="zh-CN" altLang="en-US" smtClean="0"/>
-              <a:t>2018/6/4</a:t>
+              <a:t>2018/6/6</a:t>
             </a:fld>
             <a:endParaRPr lang="zh-CN" altLang="en-US"/>
           </a:p>
@@ -2921,7 +6589,7 @@
           <a:p>
             <a:fld id="{3C7334DD-470A-4932-88A3-6C69D4FCD350}" type="datetimeFigureOut">
               <a:rPr lang="zh-CN" altLang="en-US" smtClean="0"/>
-              <a:t>2018/6/4</a:t>
+              <a:t>2018/6/6</a:t>
             </a:fld>
             <a:endParaRPr lang="zh-CN" altLang="en-US"/>
           </a:p>
@@ -16097,6 +19765,5344 @@
 </p:sld>
 </file>
 
+<file path=ppt/slides/slide14.xml><?xml version="1.0" encoding="utf-8"?>
+<p:sld xmlns:a="http://schemas.openxmlformats.org/drawingml/2006/main" xmlns:r="http://schemas.openxmlformats.org/officeDocument/2006/relationships" xmlns:p="http://schemas.openxmlformats.org/presentationml/2006/main">
+  <p:cSld>
+    <p:spTree>
+      <p:nvGrpSpPr>
+        <p:cNvPr id="1" name=""/>
+        <p:cNvGrpSpPr/>
+        <p:nvPr/>
+      </p:nvGrpSpPr>
+      <p:grpSpPr>
+        <a:xfrm>
+          <a:off x="0" y="0"/>
+          <a:ext cx="0" cy="0"/>
+          <a:chOff x="0" y="0"/>
+          <a:chExt cx="0" cy="0"/>
+        </a:xfrm>
+      </p:grpSpPr>
+      <p:pic>
+        <p:nvPicPr>
+          <p:cNvPr id="4" name="图片 3">
+            <a:extLst>
+              <a:ext uri="{FF2B5EF4-FFF2-40B4-BE49-F238E27FC236}">
+                <a16:creationId xmlns:a16="http://schemas.microsoft.com/office/drawing/2014/main" id="{F49EFCD3-93DA-4294-AEFC-F01AB573A63E}"/>
+              </a:ext>
+            </a:extLst>
+          </p:cNvPr>
+          <p:cNvPicPr>
+            <a:picLocks noChangeAspect="1"/>
+          </p:cNvPicPr>
+          <p:nvPr/>
+        </p:nvPicPr>
+        <p:blipFill>
+          <a:blip r:embed="rId2"/>
+          <a:stretch>
+            <a:fillRect/>
+          </a:stretch>
+        </p:blipFill>
+        <p:spPr>
+          <a:xfrm>
+            <a:off x="2617643" y="860367"/>
+            <a:ext cx="2132659" cy="2160000"/>
+          </a:xfrm>
+          <a:prstGeom prst="rect">
+            <a:avLst/>
+          </a:prstGeom>
+          <a:ln w="12700">
+            <a:solidFill>
+              <a:schemeClr val="tx1"/>
+            </a:solidFill>
+          </a:ln>
+        </p:spPr>
+      </p:pic>
+      <p:pic>
+        <p:nvPicPr>
+          <p:cNvPr id="6" name="图片 5">
+            <a:extLst>
+              <a:ext uri="{FF2B5EF4-FFF2-40B4-BE49-F238E27FC236}">
+                <a16:creationId xmlns:a16="http://schemas.microsoft.com/office/drawing/2014/main" id="{982B09DE-0A7D-4F01-A045-D87DC5DA947B}"/>
+              </a:ext>
+            </a:extLst>
+          </p:cNvPr>
+          <p:cNvPicPr>
+            <a:picLocks noChangeAspect="1"/>
+          </p:cNvPicPr>
+          <p:nvPr/>
+        </p:nvPicPr>
+        <p:blipFill>
+          <a:blip r:embed="rId3">
+            <a:extLst>
+              <a:ext uri="{28A0092B-C50C-407E-A947-70E740481C1C}">
+                <a14:useLocalDpi xmlns:a14="http://schemas.microsoft.com/office/drawing/2010/main" val="0"/>
+              </a:ext>
+            </a:extLst>
+          </a:blip>
+          <a:stretch>
+            <a:fillRect/>
+          </a:stretch>
+        </p:blipFill>
+        <p:spPr>
+          <a:xfrm>
+            <a:off x="-2471945" y="270991"/>
+            <a:ext cx="2751058" cy="4839119"/>
+          </a:xfrm>
+          <a:prstGeom prst="rect">
+            <a:avLst/>
+          </a:prstGeom>
+          <a:ln w="12700">
+            <a:solidFill>
+              <a:schemeClr val="tx1"/>
+            </a:solidFill>
+          </a:ln>
+        </p:spPr>
+      </p:pic>
+      <p:pic>
+        <p:nvPicPr>
+          <p:cNvPr id="8" name="图片 7">
+            <a:extLst>
+              <a:ext uri="{FF2B5EF4-FFF2-40B4-BE49-F238E27FC236}">
+                <a16:creationId xmlns:a16="http://schemas.microsoft.com/office/drawing/2014/main" id="{7006DFB6-321E-4124-A758-D53D8DCA21EF}"/>
+              </a:ext>
+            </a:extLst>
+          </p:cNvPr>
+          <p:cNvPicPr>
+            <a:picLocks noChangeAspect="1"/>
+          </p:cNvPicPr>
+          <p:nvPr/>
+        </p:nvPicPr>
+        <p:blipFill>
+          <a:blip r:embed="rId4">
+            <a:extLst>
+              <a:ext uri="{28A0092B-C50C-407E-A947-70E740481C1C}">
+                <a14:useLocalDpi xmlns:a14="http://schemas.microsoft.com/office/drawing/2010/main" val="0"/>
+              </a:ext>
+            </a:extLst>
+          </a:blip>
+          <a:stretch>
+            <a:fillRect/>
+          </a:stretch>
+        </p:blipFill>
+        <p:spPr>
+          <a:xfrm>
+            <a:off x="-3389641" y="2225040"/>
+            <a:ext cx="435545" cy="2787492"/>
+          </a:xfrm>
+          <a:prstGeom prst="rect">
+            <a:avLst/>
+          </a:prstGeom>
+          <a:ln w="12700">
+            <a:solidFill>
+              <a:schemeClr val="tx1"/>
+            </a:solidFill>
+          </a:ln>
+        </p:spPr>
+      </p:pic>
+      <p:pic>
+        <p:nvPicPr>
+          <p:cNvPr id="9" name="图片 8">
+            <a:extLst>
+              <a:ext uri="{FF2B5EF4-FFF2-40B4-BE49-F238E27FC236}">
+                <a16:creationId xmlns:a16="http://schemas.microsoft.com/office/drawing/2014/main" id="{11AE2066-88E4-4329-8398-7CE4BFB5A58D}"/>
+              </a:ext>
+            </a:extLst>
+          </p:cNvPr>
+          <p:cNvPicPr>
+            <a:picLocks noChangeAspect="1"/>
+          </p:cNvPicPr>
+          <p:nvPr/>
+        </p:nvPicPr>
+        <p:blipFill>
+          <a:blip r:embed="rId5"/>
+          <a:stretch>
+            <a:fillRect/>
+          </a:stretch>
+        </p:blipFill>
+        <p:spPr>
+          <a:xfrm>
+            <a:off x="5153879" y="860367"/>
+            <a:ext cx="2132658" cy="2160000"/>
+          </a:xfrm>
+          <a:prstGeom prst="rect">
+            <a:avLst/>
+          </a:prstGeom>
+          <a:ln w="12700">
+            <a:solidFill>
+              <a:schemeClr val="tx1"/>
+            </a:solidFill>
+          </a:ln>
+        </p:spPr>
+      </p:pic>
+      <p:sp>
+        <p:nvSpPr>
+          <p:cNvPr id="10" name="矩形 9">
+            <a:extLst>
+              <a:ext uri="{FF2B5EF4-FFF2-40B4-BE49-F238E27FC236}">
+                <a16:creationId xmlns:a16="http://schemas.microsoft.com/office/drawing/2014/main" id="{9DFCBA5C-9A7E-40AE-9326-CFAF0FC89367}"/>
+              </a:ext>
+            </a:extLst>
+          </p:cNvPr>
+          <p:cNvSpPr/>
+          <p:nvPr/>
+        </p:nvSpPr>
+        <p:spPr>
+          <a:xfrm>
+            <a:off x="5689453" y="3023436"/>
+            <a:ext cx="1088760" cy="369332"/>
+          </a:xfrm>
+          <a:prstGeom prst="rect">
+            <a:avLst/>
+          </a:prstGeom>
+          <a:ln w="12700">
+            <a:noFill/>
+          </a:ln>
+        </p:spPr>
+        <p:txBody>
+          <a:bodyPr wrap="none">
+            <a:spAutoFit/>
+          </a:bodyPr>
+          <a:lstStyle/>
+          <a:p>
+            <a:r>
+              <a:rPr lang="en-US" altLang="zh-CN" dirty="0">
+                <a:latin typeface="Times New Roman" panose="02020603050405020304" pitchFamily="18" charset="0"/>
+                <a:cs typeface="Times New Roman" panose="02020603050405020304" pitchFamily="18" charset="0"/>
+              </a:rPr>
+              <a:t>(b) 23841</a:t>
+            </a:r>
+            <a:endParaRPr lang="zh-CN" altLang="en-US" dirty="0">
+              <a:latin typeface="Times New Roman" panose="02020603050405020304" pitchFamily="18" charset="0"/>
+              <a:cs typeface="Times New Roman" panose="02020603050405020304" pitchFamily="18" charset="0"/>
+            </a:endParaRPr>
+          </a:p>
+        </p:txBody>
+      </p:sp>
+      <p:sp>
+        <p:nvSpPr>
+          <p:cNvPr id="11" name="矩形 10">
+            <a:extLst>
+              <a:ext uri="{FF2B5EF4-FFF2-40B4-BE49-F238E27FC236}">
+                <a16:creationId xmlns:a16="http://schemas.microsoft.com/office/drawing/2014/main" id="{B689F595-7399-4BD3-ADAC-CE208D038AC4}"/>
+              </a:ext>
+            </a:extLst>
+          </p:cNvPr>
+          <p:cNvSpPr/>
+          <p:nvPr/>
+        </p:nvSpPr>
+        <p:spPr>
+          <a:xfrm>
+            <a:off x="3174858" y="3028867"/>
+            <a:ext cx="1075936" cy="369332"/>
+          </a:xfrm>
+          <a:prstGeom prst="rect">
+            <a:avLst/>
+          </a:prstGeom>
+          <a:ln w="12700">
+            <a:noFill/>
+          </a:ln>
+        </p:spPr>
+        <p:txBody>
+          <a:bodyPr wrap="none">
+            <a:spAutoFit/>
+          </a:bodyPr>
+          <a:lstStyle/>
+          <a:p>
+            <a:r>
+              <a:rPr lang="en-US" altLang="zh-CN" dirty="0">
+                <a:latin typeface="Times New Roman" panose="02020603050405020304" pitchFamily="18" charset="0"/>
+                <a:cs typeface="Times New Roman" panose="02020603050405020304" pitchFamily="18" charset="0"/>
+              </a:rPr>
+              <a:t>(a) 30190</a:t>
+            </a:r>
+            <a:endParaRPr lang="zh-CN" altLang="en-US" dirty="0">
+              <a:latin typeface="Times New Roman" panose="02020603050405020304" pitchFamily="18" charset="0"/>
+              <a:cs typeface="Times New Roman" panose="02020603050405020304" pitchFamily="18" charset="0"/>
+            </a:endParaRPr>
+          </a:p>
+        </p:txBody>
+      </p:sp>
+      <p:pic>
+        <p:nvPicPr>
+          <p:cNvPr id="12" name="图片 11">
+            <a:extLst>
+              <a:ext uri="{FF2B5EF4-FFF2-40B4-BE49-F238E27FC236}">
+                <a16:creationId xmlns:a16="http://schemas.microsoft.com/office/drawing/2014/main" id="{B66C5379-9E37-4B03-B22F-2E78E0B18ED9}"/>
+              </a:ext>
+            </a:extLst>
+          </p:cNvPr>
+          <p:cNvPicPr>
+            <a:picLocks noChangeAspect="1"/>
+          </p:cNvPicPr>
+          <p:nvPr/>
+        </p:nvPicPr>
+        <p:blipFill>
+          <a:blip r:embed="rId6">
+            <a:extLst>
+              <a:ext uri="{28A0092B-C50C-407E-A947-70E740481C1C}">
+                <a14:useLocalDpi xmlns:a14="http://schemas.microsoft.com/office/drawing/2010/main" val="0"/>
+              </a:ext>
+            </a:extLst>
+          </a:blip>
+          <a:stretch>
+            <a:fillRect/>
+          </a:stretch>
+        </p:blipFill>
+        <p:spPr>
+          <a:xfrm>
+            <a:off x="7690113" y="860367"/>
+            <a:ext cx="2131703" cy="2160000"/>
+          </a:xfrm>
+          <a:prstGeom prst="rect">
+            <a:avLst/>
+          </a:prstGeom>
+          <a:ln w="12700">
+            <a:noFill/>
+          </a:ln>
+        </p:spPr>
+      </p:pic>
+      <p:sp>
+        <p:nvSpPr>
+          <p:cNvPr id="13" name="矩形 12">
+            <a:extLst>
+              <a:ext uri="{FF2B5EF4-FFF2-40B4-BE49-F238E27FC236}">
+                <a16:creationId xmlns:a16="http://schemas.microsoft.com/office/drawing/2014/main" id="{BA305D00-E6A1-4554-B572-88E7A1106EC5}"/>
+              </a:ext>
+            </a:extLst>
+          </p:cNvPr>
+          <p:cNvSpPr/>
+          <p:nvPr/>
+        </p:nvSpPr>
+        <p:spPr>
+          <a:xfrm>
+            <a:off x="8300550" y="3012747"/>
+            <a:ext cx="960519" cy="369332"/>
+          </a:xfrm>
+          <a:prstGeom prst="rect">
+            <a:avLst/>
+          </a:prstGeom>
+          <a:ln w="12700">
+            <a:noFill/>
+          </a:ln>
+        </p:spPr>
+        <p:txBody>
+          <a:bodyPr wrap="none">
+            <a:spAutoFit/>
+          </a:bodyPr>
+          <a:lstStyle/>
+          <a:p>
+            <a:r>
+              <a:rPr lang="en-US" altLang="zh-CN" dirty="0">
+                <a:latin typeface="Times New Roman" panose="02020603050405020304" pitchFamily="18" charset="0"/>
+                <a:cs typeface="Times New Roman" panose="02020603050405020304" pitchFamily="18" charset="0"/>
+              </a:rPr>
+              <a:t>(c) 8629</a:t>
+            </a:r>
+            <a:endParaRPr lang="zh-CN" altLang="en-US" dirty="0">
+              <a:latin typeface="Times New Roman" panose="02020603050405020304" pitchFamily="18" charset="0"/>
+              <a:cs typeface="Times New Roman" panose="02020603050405020304" pitchFamily="18" charset="0"/>
+            </a:endParaRPr>
+          </a:p>
+        </p:txBody>
+      </p:sp>
+      <p:pic>
+        <p:nvPicPr>
+          <p:cNvPr id="14" name="图片 13">
+            <a:extLst>
+              <a:ext uri="{FF2B5EF4-FFF2-40B4-BE49-F238E27FC236}">
+                <a16:creationId xmlns:a16="http://schemas.microsoft.com/office/drawing/2014/main" id="{0AF7B4CA-8CB8-4798-8807-54BB0C50F416}"/>
+              </a:ext>
+            </a:extLst>
+          </p:cNvPr>
+          <p:cNvPicPr>
+            <a:picLocks noChangeAspect="1"/>
+          </p:cNvPicPr>
+          <p:nvPr/>
+        </p:nvPicPr>
+        <p:blipFill>
+          <a:blip r:embed="rId7"/>
+          <a:stretch>
+            <a:fillRect/>
+          </a:stretch>
+        </p:blipFill>
+        <p:spPr>
+          <a:xfrm>
+            <a:off x="2617648" y="3582044"/>
+            <a:ext cx="2132654" cy="2160000"/>
+          </a:xfrm>
+          <a:prstGeom prst="rect">
+            <a:avLst/>
+          </a:prstGeom>
+          <a:ln w="12700">
+            <a:solidFill>
+              <a:schemeClr val="tx1"/>
+            </a:solidFill>
+          </a:ln>
+        </p:spPr>
+      </p:pic>
+      <p:sp>
+        <p:nvSpPr>
+          <p:cNvPr id="15" name="矩形 14">
+            <a:extLst>
+              <a:ext uri="{FF2B5EF4-FFF2-40B4-BE49-F238E27FC236}">
+                <a16:creationId xmlns:a16="http://schemas.microsoft.com/office/drawing/2014/main" id="{3D2BAFF3-AFDB-4432-B178-36070E21DB2B}"/>
+              </a:ext>
+            </a:extLst>
+          </p:cNvPr>
+          <p:cNvSpPr/>
+          <p:nvPr/>
+        </p:nvSpPr>
+        <p:spPr>
+          <a:xfrm>
+            <a:off x="3282258" y="5742044"/>
+            <a:ext cx="845103" cy="369332"/>
+          </a:xfrm>
+          <a:prstGeom prst="rect">
+            <a:avLst/>
+          </a:prstGeom>
+          <a:ln w="12700">
+            <a:noFill/>
+          </a:ln>
+        </p:spPr>
+        <p:txBody>
+          <a:bodyPr wrap="none">
+            <a:spAutoFit/>
+          </a:bodyPr>
+          <a:lstStyle/>
+          <a:p>
+            <a:r>
+              <a:rPr lang="en-US" altLang="zh-CN" dirty="0">
+                <a:latin typeface="Times New Roman" panose="02020603050405020304" pitchFamily="18" charset="0"/>
+                <a:cs typeface="Times New Roman" panose="02020603050405020304" pitchFamily="18" charset="0"/>
+              </a:rPr>
+              <a:t>(e) 418</a:t>
+            </a:r>
+            <a:endParaRPr lang="zh-CN" altLang="en-US" dirty="0">
+              <a:latin typeface="Times New Roman" panose="02020603050405020304" pitchFamily="18" charset="0"/>
+              <a:cs typeface="Times New Roman" panose="02020603050405020304" pitchFamily="18" charset="0"/>
+            </a:endParaRPr>
+          </a:p>
+        </p:txBody>
+      </p:sp>
+      <p:pic>
+        <p:nvPicPr>
+          <p:cNvPr id="16" name="图片 15">
+            <a:extLst>
+              <a:ext uri="{FF2B5EF4-FFF2-40B4-BE49-F238E27FC236}">
+                <a16:creationId xmlns:a16="http://schemas.microsoft.com/office/drawing/2014/main" id="{612E4CA5-5D5F-4889-A974-005443919BB8}"/>
+              </a:ext>
+            </a:extLst>
+          </p:cNvPr>
+          <p:cNvPicPr>
+            <a:picLocks noChangeAspect="1"/>
+          </p:cNvPicPr>
+          <p:nvPr/>
+        </p:nvPicPr>
+        <p:blipFill>
+          <a:blip r:embed="rId8"/>
+          <a:stretch>
+            <a:fillRect/>
+          </a:stretch>
+        </p:blipFill>
+        <p:spPr>
+          <a:xfrm>
+            <a:off x="10262426" y="868867"/>
+            <a:ext cx="2132659" cy="2160000"/>
+          </a:xfrm>
+          <a:prstGeom prst="rect">
+            <a:avLst/>
+          </a:prstGeom>
+          <a:ln w="12700">
+            <a:solidFill>
+              <a:schemeClr val="tx1"/>
+            </a:solidFill>
+          </a:ln>
+        </p:spPr>
+      </p:pic>
+      <p:sp>
+        <p:nvSpPr>
+          <p:cNvPr id="17" name="矩形 16">
+            <a:extLst>
+              <a:ext uri="{FF2B5EF4-FFF2-40B4-BE49-F238E27FC236}">
+                <a16:creationId xmlns:a16="http://schemas.microsoft.com/office/drawing/2014/main" id="{C5B3F108-BF27-4811-9705-80120C13B797}"/>
+              </a:ext>
+            </a:extLst>
+          </p:cNvPr>
+          <p:cNvSpPr/>
+          <p:nvPr/>
+        </p:nvSpPr>
+        <p:spPr>
+          <a:xfrm>
+            <a:off x="10919828" y="3028867"/>
+            <a:ext cx="857927" cy="369332"/>
+          </a:xfrm>
+          <a:prstGeom prst="rect">
+            <a:avLst/>
+          </a:prstGeom>
+          <a:ln w="12700">
+            <a:noFill/>
+          </a:ln>
+        </p:spPr>
+        <p:txBody>
+          <a:bodyPr wrap="none">
+            <a:spAutoFit/>
+          </a:bodyPr>
+          <a:lstStyle/>
+          <a:p>
+            <a:r>
+              <a:rPr lang="en-US" altLang="zh-CN" dirty="0">
+                <a:latin typeface="Times New Roman" panose="02020603050405020304" pitchFamily="18" charset="0"/>
+                <a:cs typeface="Times New Roman" panose="02020603050405020304" pitchFamily="18" charset="0"/>
+              </a:rPr>
+              <a:t>(d) 908</a:t>
+            </a:r>
+            <a:endParaRPr lang="zh-CN" altLang="en-US" dirty="0">
+              <a:latin typeface="Times New Roman" panose="02020603050405020304" pitchFamily="18" charset="0"/>
+              <a:cs typeface="Times New Roman" panose="02020603050405020304" pitchFamily="18" charset="0"/>
+            </a:endParaRPr>
+          </a:p>
+        </p:txBody>
+      </p:sp>
+      <p:pic>
+        <p:nvPicPr>
+          <p:cNvPr id="18" name="图片 17">
+            <a:extLst>
+              <a:ext uri="{FF2B5EF4-FFF2-40B4-BE49-F238E27FC236}">
+                <a16:creationId xmlns:a16="http://schemas.microsoft.com/office/drawing/2014/main" id="{69D47A10-8A07-433C-9AF0-658C92EF6E59}"/>
+              </a:ext>
+            </a:extLst>
+          </p:cNvPr>
+          <p:cNvPicPr>
+            <a:picLocks noChangeAspect="1"/>
+          </p:cNvPicPr>
+          <p:nvPr/>
+        </p:nvPicPr>
+        <p:blipFill>
+          <a:blip r:embed="rId9"/>
+          <a:stretch>
+            <a:fillRect/>
+          </a:stretch>
+        </p:blipFill>
+        <p:spPr>
+          <a:xfrm>
+            <a:off x="5153878" y="3582044"/>
+            <a:ext cx="2132658" cy="2160000"/>
+          </a:xfrm>
+          <a:prstGeom prst="rect">
+            <a:avLst/>
+          </a:prstGeom>
+          <a:ln w="12700">
+            <a:solidFill>
+              <a:schemeClr val="tx1"/>
+            </a:solidFill>
+          </a:ln>
+        </p:spPr>
+      </p:pic>
+      <p:sp>
+        <p:nvSpPr>
+          <p:cNvPr id="19" name="矩形 18">
+            <a:extLst>
+              <a:ext uri="{FF2B5EF4-FFF2-40B4-BE49-F238E27FC236}">
+                <a16:creationId xmlns:a16="http://schemas.microsoft.com/office/drawing/2014/main" id="{50A637D1-2CEA-4E20-B978-0EE8E02B97B5}"/>
+              </a:ext>
+            </a:extLst>
+          </p:cNvPr>
+          <p:cNvSpPr/>
+          <p:nvPr/>
+        </p:nvSpPr>
+        <p:spPr>
+          <a:xfrm>
+            <a:off x="5715126" y="5740614"/>
+            <a:ext cx="819455" cy="369332"/>
+          </a:xfrm>
+          <a:prstGeom prst="rect">
+            <a:avLst/>
+          </a:prstGeom>
+          <a:ln w="12700">
+            <a:noFill/>
+          </a:ln>
+        </p:spPr>
+        <p:txBody>
+          <a:bodyPr wrap="none">
+            <a:spAutoFit/>
+          </a:bodyPr>
+          <a:lstStyle/>
+          <a:p>
+            <a:r>
+              <a:rPr lang="en-US" altLang="zh-CN" dirty="0">
+                <a:latin typeface="Times New Roman" panose="02020603050405020304" pitchFamily="18" charset="0"/>
+                <a:cs typeface="Times New Roman" panose="02020603050405020304" pitchFamily="18" charset="0"/>
+              </a:rPr>
+              <a:t>(f) 102</a:t>
+            </a:r>
+            <a:endParaRPr lang="zh-CN" altLang="en-US" dirty="0">
+              <a:latin typeface="Times New Roman" panose="02020603050405020304" pitchFamily="18" charset="0"/>
+              <a:cs typeface="Times New Roman" panose="02020603050405020304" pitchFamily="18" charset="0"/>
+            </a:endParaRPr>
+          </a:p>
+        </p:txBody>
+      </p:sp>
+      <p:pic>
+        <p:nvPicPr>
+          <p:cNvPr id="20" name="图片 19">
+            <a:extLst>
+              <a:ext uri="{FF2B5EF4-FFF2-40B4-BE49-F238E27FC236}">
+                <a16:creationId xmlns:a16="http://schemas.microsoft.com/office/drawing/2014/main" id="{CC37D186-CEC0-4331-8DC5-4EAC73875D45}"/>
+              </a:ext>
+            </a:extLst>
+          </p:cNvPr>
+          <p:cNvPicPr>
+            <a:picLocks noChangeAspect="1"/>
+          </p:cNvPicPr>
+          <p:nvPr/>
+        </p:nvPicPr>
+        <p:blipFill>
+          <a:blip r:embed="rId10"/>
+          <a:stretch>
+            <a:fillRect/>
+          </a:stretch>
+        </p:blipFill>
+        <p:spPr>
+          <a:xfrm>
+            <a:off x="7690112" y="3580614"/>
+            <a:ext cx="2132655" cy="2160000"/>
+          </a:xfrm>
+          <a:prstGeom prst="rect">
+            <a:avLst/>
+          </a:prstGeom>
+          <a:ln w="12700">
+            <a:solidFill>
+              <a:schemeClr val="tx1"/>
+            </a:solidFill>
+          </a:ln>
+        </p:spPr>
+      </p:pic>
+      <p:sp>
+        <p:nvSpPr>
+          <p:cNvPr id="21" name="矩形 20">
+            <a:extLst>
+              <a:ext uri="{FF2B5EF4-FFF2-40B4-BE49-F238E27FC236}">
+                <a16:creationId xmlns:a16="http://schemas.microsoft.com/office/drawing/2014/main" id="{3F6A55AB-9AB0-4CE9-89A3-F183ABC42B73}"/>
+              </a:ext>
+            </a:extLst>
+          </p:cNvPr>
+          <p:cNvSpPr/>
+          <p:nvPr/>
+        </p:nvSpPr>
+        <p:spPr>
+          <a:xfrm>
+            <a:off x="8407951" y="5740614"/>
+            <a:ext cx="742511" cy="369332"/>
+          </a:xfrm>
+          <a:prstGeom prst="rect">
+            <a:avLst/>
+          </a:prstGeom>
+          <a:ln w="12700">
+            <a:noFill/>
+          </a:ln>
+        </p:spPr>
+        <p:txBody>
+          <a:bodyPr wrap="none">
+            <a:spAutoFit/>
+          </a:bodyPr>
+          <a:lstStyle/>
+          <a:p>
+            <a:r>
+              <a:rPr lang="en-US" altLang="zh-CN" dirty="0">
+                <a:latin typeface="Times New Roman" panose="02020603050405020304" pitchFamily="18" charset="0"/>
+                <a:cs typeface="Times New Roman" panose="02020603050405020304" pitchFamily="18" charset="0"/>
+              </a:rPr>
+              <a:t>(g) 95</a:t>
+            </a:r>
+            <a:endParaRPr lang="zh-CN" altLang="en-US" dirty="0">
+              <a:latin typeface="Times New Roman" panose="02020603050405020304" pitchFamily="18" charset="0"/>
+              <a:cs typeface="Times New Roman" panose="02020603050405020304" pitchFamily="18" charset="0"/>
+            </a:endParaRPr>
+          </a:p>
+        </p:txBody>
+      </p:sp>
+      <p:pic>
+        <p:nvPicPr>
+          <p:cNvPr id="22" name="图片 21">
+            <a:extLst>
+              <a:ext uri="{FF2B5EF4-FFF2-40B4-BE49-F238E27FC236}">
+                <a16:creationId xmlns:a16="http://schemas.microsoft.com/office/drawing/2014/main" id="{0BF756C0-12A2-4413-A3C3-5A4343E78B9D}"/>
+              </a:ext>
+            </a:extLst>
+          </p:cNvPr>
+          <p:cNvPicPr>
+            <a:picLocks noChangeAspect="1"/>
+          </p:cNvPicPr>
+          <p:nvPr/>
+        </p:nvPicPr>
+        <p:blipFill>
+          <a:blip r:embed="rId11"/>
+          <a:stretch>
+            <a:fillRect/>
+          </a:stretch>
+        </p:blipFill>
+        <p:spPr>
+          <a:xfrm>
+            <a:off x="10262427" y="3580614"/>
+            <a:ext cx="2132658" cy="2160000"/>
+          </a:xfrm>
+          <a:prstGeom prst="rect">
+            <a:avLst/>
+          </a:prstGeom>
+          <a:ln w="12700">
+            <a:solidFill>
+              <a:schemeClr val="tx1"/>
+            </a:solidFill>
+          </a:ln>
+        </p:spPr>
+      </p:pic>
+      <p:sp>
+        <p:nvSpPr>
+          <p:cNvPr id="23" name="矩形 22">
+            <a:extLst>
+              <a:ext uri="{FF2B5EF4-FFF2-40B4-BE49-F238E27FC236}">
+                <a16:creationId xmlns:a16="http://schemas.microsoft.com/office/drawing/2014/main" id="{75219365-C938-4C9B-83CC-A577CBC32B4C}"/>
+              </a:ext>
+            </a:extLst>
+          </p:cNvPr>
+          <p:cNvSpPr/>
+          <p:nvPr/>
+        </p:nvSpPr>
+        <p:spPr>
+          <a:xfrm>
+            <a:off x="10984444" y="5738363"/>
+            <a:ext cx="752129" cy="369332"/>
+          </a:xfrm>
+          <a:prstGeom prst="rect">
+            <a:avLst/>
+          </a:prstGeom>
+          <a:ln w="12700">
+            <a:noFill/>
+          </a:ln>
+        </p:spPr>
+        <p:txBody>
+          <a:bodyPr wrap="none">
+            <a:spAutoFit/>
+          </a:bodyPr>
+          <a:lstStyle/>
+          <a:p>
+            <a:r>
+              <a:rPr lang="en-US" altLang="zh-CN" dirty="0"/>
+              <a:t>(h) </a:t>
+            </a:r>
+            <a:r>
+              <a:rPr lang="en-US" altLang="zh-CN" dirty="0">
+                <a:latin typeface="Times New Roman" panose="02020603050405020304" pitchFamily="18" charset="0"/>
+                <a:cs typeface="Times New Roman" panose="02020603050405020304" pitchFamily="18" charset="0"/>
+              </a:rPr>
+              <a:t>17</a:t>
+            </a:r>
+            <a:endParaRPr lang="zh-CN" altLang="en-US" dirty="0">
+              <a:latin typeface="Times New Roman" panose="02020603050405020304" pitchFamily="18" charset="0"/>
+              <a:cs typeface="Times New Roman" panose="02020603050405020304" pitchFamily="18" charset="0"/>
+            </a:endParaRPr>
+          </a:p>
+        </p:txBody>
+      </p:sp>
+    </p:spTree>
+    <p:extLst>
+      <p:ext uri="{BB962C8B-B14F-4D97-AF65-F5344CB8AC3E}">
+        <p14:creationId xmlns:p14="http://schemas.microsoft.com/office/powerpoint/2010/main" val="1809284270"/>
+      </p:ext>
+    </p:extLst>
+  </p:cSld>
+  <p:clrMapOvr>
+    <a:masterClrMapping/>
+  </p:clrMapOvr>
+</p:sld>
+</file>
+
+<file path=ppt/slides/slide15.xml><?xml version="1.0" encoding="utf-8"?>
+<p:sld xmlns:a="http://schemas.openxmlformats.org/drawingml/2006/main" xmlns:r="http://schemas.openxmlformats.org/officeDocument/2006/relationships" xmlns:p="http://schemas.openxmlformats.org/presentationml/2006/main">
+  <p:cSld>
+    <p:spTree>
+      <p:nvGrpSpPr>
+        <p:cNvPr id="1" name=""/>
+        <p:cNvGrpSpPr/>
+        <p:nvPr/>
+      </p:nvGrpSpPr>
+      <p:grpSpPr>
+        <a:xfrm>
+          <a:off x="0" y="0"/>
+          <a:ext cx="0" cy="0"/>
+          <a:chOff x="0" y="0"/>
+          <a:chExt cx="0" cy="0"/>
+        </a:xfrm>
+      </p:grpSpPr>
+      <p:graphicFrame>
+        <p:nvGraphicFramePr>
+          <p:cNvPr id="4" name="图示 3">
+            <a:extLst>
+              <a:ext uri="{FF2B5EF4-FFF2-40B4-BE49-F238E27FC236}">
+                <a16:creationId xmlns:a16="http://schemas.microsoft.com/office/drawing/2014/main" id="{C0C4C926-CB3D-448F-B01C-43D27B1D8FFF}"/>
+              </a:ext>
+            </a:extLst>
+          </p:cNvPr>
+          <p:cNvGraphicFramePr/>
+          <p:nvPr>
+            <p:extLst>
+              <p:ext uri="{D42A27DB-BD31-4B8C-83A1-F6EECF244321}">
+                <p14:modId xmlns:p14="http://schemas.microsoft.com/office/powerpoint/2010/main" val="312352235"/>
+              </p:ext>
+            </p:extLst>
+          </p:nvPr>
+        </p:nvGraphicFramePr>
+        <p:xfrm>
+          <a:off x="3684386" y="719666"/>
+          <a:ext cx="3896822" cy="5418667"/>
+        </p:xfrm>
+        <a:graphic>
+          <a:graphicData uri="http://schemas.openxmlformats.org/drawingml/2006/diagram">
+            <dgm:relIds xmlns:dgm="http://schemas.openxmlformats.org/drawingml/2006/diagram" xmlns:r="http://schemas.openxmlformats.org/officeDocument/2006/relationships" r:dm="rId2" r:lo="rId3" r:qs="rId4" r:cs="rId5"/>
+          </a:graphicData>
+        </a:graphic>
+      </p:graphicFrame>
+      <p:sp>
+        <p:nvSpPr>
+          <p:cNvPr id="8" name="箭头: 下 7">
+            <a:extLst>
+              <a:ext uri="{FF2B5EF4-FFF2-40B4-BE49-F238E27FC236}">
+                <a16:creationId xmlns:a16="http://schemas.microsoft.com/office/drawing/2014/main" id="{553F01EF-4F74-4BD6-9988-E991234B8867}"/>
+              </a:ext>
+            </a:extLst>
+          </p:cNvPr>
+          <p:cNvSpPr/>
+          <p:nvPr/>
+        </p:nvSpPr>
+        <p:spPr>
+          <a:xfrm>
+            <a:off x="7789026" y="872835"/>
+            <a:ext cx="399011" cy="4688379"/>
+          </a:xfrm>
+          <a:prstGeom prst="downArrow">
+            <a:avLst/>
+          </a:prstGeom>
+          <a:noFill/>
+          <a:ln w="19050">
+            <a:solidFill>
+              <a:schemeClr val="tx1"/>
+            </a:solidFill>
+          </a:ln>
+        </p:spPr>
+        <p:style>
+          <a:lnRef idx="2">
+            <a:schemeClr val="accent1">
+              <a:shade val="50000"/>
+            </a:schemeClr>
+          </a:lnRef>
+          <a:fillRef idx="1">
+            <a:schemeClr val="accent1"/>
+          </a:fillRef>
+          <a:effectRef idx="0">
+            <a:schemeClr val="accent1"/>
+          </a:effectRef>
+          <a:fontRef idx="minor">
+            <a:schemeClr val="lt1"/>
+          </a:fontRef>
+        </p:style>
+        <p:txBody>
+          <a:bodyPr rtlCol="0" anchor="ctr"/>
+          <a:lstStyle/>
+          <a:p>
+            <a:pPr algn="ctr"/>
+            <a:endParaRPr lang="zh-CN" altLang="en-US"/>
+          </a:p>
+        </p:txBody>
+      </p:sp>
+      <p:sp>
+        <p:nvSpPr>
+          <p:cNvPr id="9" name="文本框 8">
+            <a:extLst>
+              <a:ext uri="{FF2B5EF4-FFF2-40B4-BE49-F238E27FC236}">
+                <a16:creationId xmlns:a16="http://schemas.microsoft.com/office/drawing/2014/main" id="{7A2B0090-D93D-4B4E-B35E-9D43F2DE3948}"/>
+              </a:ext>
+            </a:extLst>
+          </p:cNvPr>
+          <p:cNvSpPr txBox="1"/>
+          <p:nvPr/>
+        </p:nvSpPr>
+        <p:spPr>
+          <a:xfrm>
+            <a:off x="8157648" y="839582"/>
+            <a:ext cx="537327" cy="369332"/>
+          </a:xfrm>
+          <a:prstGeom prst="rect">
+            <a:avLst/>
+          </a:prstGeom>
+          <a:noFill/>
+        </p:spPr>
+        <p:txBody>
+          <a:bodyPr wrap="none" rtlCol="0">
+            <a:spAutoFit/>
+          </a:bodyPr>
+          <a:lstStyle/>
+          <a:p>
+            <a:r>
+              <a:rPr lang="en-US" altLang="zh-CN" dirty="0">
+                <a:latin typeface="Times New Roman" panose="02020603050405020304" pitchFamily="18" charset="0"/>
+                <a:cs typeface="Times New Roman" panose="02020603050405020304" pitchFamily="18" charset="0"/>
+              </a:rPr>
+              <a:t>1</a:t>
+            </a:r>
+            <a:r>
+              <a:rPr lang="zh-CN" altLang="en-US" dirty="0"/>
+              <a:t>层</a:t>
+            </a:r>
+          </a:p>
+        </p:txBody>
+      </p:sp>
+      <p:sp>
+        <p:nvSpPr>
+          <p:cNvPr id="10" name="文本框 9">
+            <a:extLst>
+              <a:ext uri="{FF2B5EF4-FFF2-40B4-BE49-F238E27FC236}">
+                <a16:creationId xmlns:a16="http://schemas.microsoft.com/office/drawing/2014/main" id="{6D51918A-C22C-43AD-9360-245F7E2F22F5}"/>
+              </a:ext>
+            </a:extLst>
+          </p:cNvPr>
+          <p:cNvSpPr txBox="1"/>
+          <p:nvPr/>
+        </p:nvSpPr>
+        <p:spPr>
+          <a:xfrm>
+            <a:off x="8182587" y="4679267"/>
+            <a:ext cx="659155" cy="369332"/>
+          </a:xfrm>
+          <a:prstGeom prst="rect">
+            <a:avLst/>
+          </a:prstGeom>
+          <a:noFill/>
+        </p:spPr>
+        <p:txBody>
+          <a:bodyPr wrap="none" rtlCol="0">
+            <a:spAutoFit/>
+          </a:bodyPr>
+          <a:lstStyle/>
+          <a:p>
+            <a:r>
+              <a:rPr lang="en-US" altLang="zh-CN" dirty="0">
+                <a:latin typeface="Times New Roman" panose="02020603050405020304" pitchFamily="18" charset="0"/>
+                <a:cs typeface="Times New Roman" panose="02020603050405020304" pitchFamily="18" charset="0"/>
+              </a:rPr>
+              <a:t>15</a:t>
+            </a:r>
+            <a:r>
+              <a:rPr lang="zh-CN" altLang="en-US" dirty="0"/>
+              <a:t>层</a:t>
+            </a:r>
+          </a:p>
+        </p:txBody>
+      </p:sp>
+      <p:sp>
+        <p:nvSpPr>
+          <p:cNvPr id="11" name="文本框 10">
+            <a:extLst>
+              <a:ext uri="{FF2B5EF4-FFF2-40B4-BE49-F238E27FC236}">
+                <a16:creationId xmlns:a16="http://schemas.microsoft.com/office/drawing/2014/main" id="{D865626D-3967-4132-BE3E-7D34607A2359}"/>
+              </a:ext>
+            </a:extLst>
+          </p:cNvPr>
+          <p:cNvSpPr txBox="1"/>
+          <p:nvPr/>
+        </p:nvSpPr>
+        <p:spPr>
+          <a:xfrm>
+            <a:off x="8188037" y="5181604"/>
+            <a:ext cx="1018227" cy="369332"/>
+          </a:xfrm>
+          <a:prstGeom prst="rect">
+            <a:avLst/>
+          </a:prstGeom>
+          <a:noFill/>
+        </p:spPr>
+        <p:txBody>
+          <a:bodyPr wrap="none" rtlCol="0">
+            <a:spAutoFit/>
+          </a:bodyPr>
+          <a:lstStyle/>
+          <a:p>
+            <a:r>
+              <a:rPr lang="en-US" altLang="zh-CN" dirty="0">
+                <a:latin typeface="Times New Roman" panose="02020603050405020304" pitchFamily="18" charset="0"/>
+                <a:cs typeface="Times New Roman" panose="02020603050405020304" pitchFamily="18" charset="0"/>
+              </a:rPr>
+              <a:t>T</a:t>
+            </a:r>
+            <a:r>
+              <a:rPr lang="zh-CN" altLang="en-US" dirty="0"/>
+              <a:t>检验法</a:t>
+            </a:r>
+          </a:p>
+        </p:txBody>
+      </p:sp>
+      <p:sp>
+        <p:nvSpPr>
+          <p:cNvPr id="7" name="文本框 6">
+            <a:extLst>
+              <a:ext uri="{FF2B5EF4-FFF2-40B4-BE49-F238E27FC236}">
+                <a16:creationId xmlns:a16="http://schemas.microsoft.com/office/drawing/2014/main" id="{62372930-D4E7-49E7-89AC-378D1D0FF757}"/>
+              </a:ext>
+            </a:extLst>
+          </p:cNvPr>
+          <p:cNvSpPr txBox="1"/>
+          <p:nvPr/>
+        </p:nvSpPr>
+        <p:spPr>
+          <a:xfrm>
+            <a:off x="8188037" y="2649574"/>
+            <a:ext cx="530915" cy="369332"/>
+          </a:xfrm>
+          <a:prstGeom prst="rect">
+            <a:avLst/>
+          </a:prstGeom>
+          <a:noFill/>
+        </p:spPr>
+        <p:txBody>
+          <a:bodyPr wrap="none" rtlCol="0">
+            <a:spAutoFit/>
+          </a:bodyPr>
+          <a:lstStyle/>
+          <a:p>
+            <a:r>
+              <a:rPr lang="en-US" altLang="zh-CN" dirty="0">
+                <a:latin typeface="Times New Roman" panose="02020603050405020304" pitchFamily="18" charset="0"/>
+                <a:cs typeface="Times New Roman" panose="02020603050405020304" pitchFamily="18" charset="0"/>
+              </a:rPr>
+              <a:t>5</a:t>
+            </a:r>
+            <a:r>
+              <a:rPr lang="zh-CN" altLang="en-US" dirty="0"/>
+              <a:t>层</a:t>
+            </a:r>
+          </a:p>
+        </p:txBody>
+      </p:sp>
+      <p:sp>
+        <p:nvSpPr>
+          <p:cNvPr id="12" name="文本框 11">
+            <a:extLst>
+              <a:ext uri="{FF2B5EF4-FFF2-40B4-BE49-F238E27FC236}">
+                <a16:creationId xmlns:a16="http://schemas.microsoft.com/office/drawing/2014/main" id="{CA3B3C17-CE46-4C9D-93F4-5F55C4598A12}"/>
+              </a:ext>
+            </a:extLst>
+          </p:cNvPr>
+          <p:cNvSpPr txBox="1"/>
+          <p:nvPr/>
+        </p:nvSpPr>
+        <p:spPr>
+          <a:xfrm>
+            <a:off x="8192606" y="3664420"/>
+            <a:ext cx="530915" cy="369332"/>
+          </a:xfrm>
+          <a:prstGeom prst="rect">
+            <a:avLst/>
+          </a:prstGeom>
+          <a:noFill/>
+        </p:spPr>
+        <p:txBody>
+          <a:bodyPr wrap="none" rtlCol="0">
+            <a:spAutoFit/>
+          </a:bodyPr>
+          <a:lstStyle/>
+          <a:p>
+            <a:r>
+              <a:rPr lang="en-US" altLang="zh-CN" dirty="0">
+                <a:latin typeface="Times New Roman" panose="02020603050405020304" pitchFamily="18" charset="0"/>
+                <a:cs typeface="Times New Roman" panose="02020603050405020304" pitchFamily="18" charset="0"/>
+              </a:rPr>
+              <a:t>9</a:t>
+            </a:r>
+            <a:r>
+              <a:rPr lang="zh-CN" altLang="en-US" dirty="0"/>
+              <a:t>层</a:t>
+            </a:r>
+          </a:p>
+        </p:txBody>
+      </p:sp>
+      <p:sp>
+        <p:nvSpPr>
+          <p:cNvPr id="13" name="文本框 12">
+            <a:extLst>
+              <a:ext uri="{FF2B5EF4-FFF2-40B4-BE49-F238E27FC236}">
+                <a16:creationId xmlns:a16="http://schemas.microsoft.com/office/drawing/2014/main" id="{B20806BF-FADC-4046-B7ED-C3922C918602}"/>
+              </a:ext>
+            </a:extLst>
+          </p:cNvPr>
+          <p:cNvSpPr txBox="1"/>
+          <p:nvPr/>
+        </p:nvSpPr>
+        <p:spPr>
+          <a:xfrm>
+            <a:off x="8165960" y="1265396"/>
+            <a:ext cx="530915" cy="369332"/>
+          </a:xfrm>
+          <a:prstGeom prst="rect">
+            <a:avLst/>
+          </a:prstGeom>
+          <a:noFill/>
+        </p:spPr>
+        <p:txBody>
+          <a:bodyPr wrap="none" rtlCol="0">
+            <a:spAutoFit/>
+          </a:bodyPr>
+          <a:lstStyle/>
+          <a:p>
+            <a:r>
+              <a:rPr lang="en-US" altLang="zh-CN" dirty="0">
+                <a:latin typeface="Times New Roman" panose="02020603050405020304" pitchFamily="18" charset="0"/>
+                <a:cs typeface="Times New Roman" panose="02020603050405020304" pitchFamily="18" charset="0"/>
+              </a:rPr>
+              <a:t>2</a:t>
+            </a:r>
+            <a:r>
+              <a:rPr lang="zh-CN" altLang="en-US" dirty="0"/>
+              <a:t>层</a:t>
+            </a:r>
+          </a:p>
+        </p:txBody>
+      </p:sp>
+      <p:sp>
+        <p:nvSpPr>
+          <p:cNvPr id="14" name="文本框 13">
+            <a:extLst>
+              <a:ext uri="{FF2B5EF4-FFF2-40B4-BE49-F238E27FC236}">
+                <a16:creationId xmlns:a16="http://schemas.microsoft.com/office/drawing/2014/main" id="{63081032-E293-43EE-B056-2D07E30889B1}"/>
+              </a:ext>
+            </a:extLst>
+          </p:cNvPr>
+          <p:cNvSpPr txBox="1"/>
+          <p:nvPr/>
+        </p:nvSpPr>
+        <p:spPr>
+          <a:xfrm>
+            <a:off x="8166235" y="1736385"/>
+            <a:ext cx="530915" cy="369332"/>
+          </a:xfrm>
+          <a:prstGeom prst="rect">
+            <a:avLst/>
+          </a:prstGeom>
+          <a:noFill/>
+        </p:spPr>
+        <p:txBody>
+          <a:bodyPr wrap="none" rtlCol="0">
+            <a:spAutoFit/>
+          </a:bodyPr>
+          <a:lstStyle/>
+          <a:p>
+            <a:r>
+              <a:rPr lang="en-US" altLang="zh-CN" dirty="0">
+                <a:latin typeface="Times New Roman" panose="02020603050405020304" pitchFamily="18" charset="0"/>
+                <a:cs typeface="Times New Roman" panose="02020603050405020304" pitchFamily="18" charset="0"/>
+              </a:rPr>
+              <a:t>3</a:t>
+            </a:r>
+            <a:r>
+              <a:rPr lang="zh-CN" altLang="en-US" dirty="0"/>
+              <a:t>层</a:t>
+            </a:r>
+          </a:p>
+        </p:txBody>
+      </p:sp>
+      <p:sp>
+        <p:nvSpPr>
+          <p:cNvPr id="15" name="文本框 14">
+            <a:extLst>
+              <a:ext uri="{FF2B5EF4-FFF2-40B4-BE49-F238E27FC236}">
+                <a16:creationId xmlns:a16="http://schemas.microsoft.com/office/drawing/2014/main" id="{C9B28295-C6AC-425A-B263-8B432D51ACA8}"/>
+              </a:ext>
+            </a:extLst>
+          </p:cNvPr>
+          <p:cNvSpPr txBox="1"/>
+          <p:nvPr/>
+        </p:nvSpPr>
+        <p:spPr>
+          <a:xfrm>
+            <a:off x="8171411" y="2188726"/>
+            <a:ext cx="530915" cy="369332"/>
+          </a:xfrm>
+          <a:prstGeom prst="rect">
+            <a:avLst/>
+          </a:prstGeom>
+          <a:noFill/>
+        </p:spPr>
+        <p:txBody>
+          <a:bodyPr wrap="none" rtlCol="0">
+            <a:spAutoFit/>
+          </a:bodyPr>
+          <a:lstStyle/>
+          <a:p>
+            <a:r>
+              <a:rPr lang="en-US" altLang="zh-CN" dirty="0">
+                <a:latin typeface="Times New Roman" panose="02020603050405020304" pitchFamily="18" charset="0"/>
+                <a:cs typeface="Times New Roman" panose="02020603050405020304" pitchFamily="18" charset="0"/>
+              </a:rPr>
+              <a:t>4</a:t>
+            </a:r>
+            <a:r>
+              <a:rPr lang="zh-CN" altLang="en-US" dirty="0"/>
+              <a:t>层</a:t>
+            </a:r>
+          </a:p>
+        </p:txBody>
+      </p:sp>
+      <p:sp>
+        <p:nvSpPr>
+          <p:cNvPr id="16" name="文本框 15">
+            <a:extLst>
+              <a:ext uri="{FF2B5EF4-FFF2-40B4-BE49-F238E27FC236}">
+                <a16:creationId xmlns:a16="http://schemas.microsoft.com/office/drawing/2014/main" id="{47821A8F-4A43-414C-81A9-833F5FA2B650}"/>
+              </a:ext>
+            </a:extLst>
+          </p:cNvPr>
+          <p:cNvSpPr txBox="1"/>
+          <p:nvPr/>
+        </p:nvSpPr>
+        <p:spPr>
+          <a:xfrm>
+            <a:off x="8333589" y="3082300"/>
+            <a:ext cx="242374" cy="499111"/>
+          </a:xfrm>
+          <a:prstGeom prst="rect">
+            <a:avLst/>
+          </a:prstGeom>
+          <a:noFill/>
+        </p:spPr>
+        <p:txBody>
+          <a:bodyPr wrap="none" rtlCol="0">
+            <a:spAutoFit/>
+          </a:bodyPr>
+          <a:lstStyle/>
+          <a:p>
+            <a:pPr>
+              <a:lnSpc>
+                <a:spcPts val="1000"/>
+              </a:lnSpc>
+            </a:pPr>
+            <a:r>
+              <a:rPr lang="en-US" altLang="zh-CN" b="1" dirty="0">
+                <a:latin typeface="Times New Roman" panose="02020603050405020304" pitchFamily="18" charset="0"/>
+                <a:cs typeface="Times New Roman" panose="02020603050405020304" pitchFamily="18" charset="0"/>
+              </a:rPr>
+              <a:t>.</a:t>
+            </a:r>
+          </a:p>
+          <a:p>
+            <a:pPr>
+              <a:lnSpc>
+                <a:spcPts val="1000"/>
+              </a:lnSpc>
+            </a:pPr>
+            <a:r>
+              <a:rPr lang="en-US" altLang="zh-CN" b="1" dirty="0">
+                <a:latin typeface="Times New Roman" panose="02020603050405020304" pitchFamily="18" charset="0"/>
+                <a:cs typeface="Times New Roman" panose="02020603050405020304" pitchFamily="18" charset="0"/>
+              </a:rPr>
+              <a:t>.</a:t>
+            </a:r>
+          </a:p>
+          <a:p>
+            <a:pPr>
+              <a:lnSpc>
+                <a:spcPts val="1000"/>
+              </a:lnSpc>
+            </a:pPr>
+            <a:r>
+              <a:rPr lang="en-US" altLang="zh-CN" b="1" dirty="0">
+                <a:latin typeface="Times New Roman" panose="02020603050405020304" pitchFamily="18" charset="0"/>
+                <a:cs typeface="Times New Roman" panose="02020603050405020304" pitchFamily="18" charset="0"/>
+              </a:rPr>
+              <a:t>.</a:t>
+            </a:r>
+            <a:endParaRPr lang="zh-CN" altLang="en-US" b="1" dirty="0">
+              <a:latin typeface="Times New Roman" panose="02020603050405020304" pitchFamily="18" charset="0"/>
+              <a:cs typeface="Times New Roman" panose="02020603050405020304" pitchFamily="18" charset="0"/>
+            </a:endParaRPr>
+          </a:p>
+        </p:txBody>
+      </p:sp>
+      <p:sp>
+        <p:nvSpPr>
+          <p:cNvPr id="17" name="文本框 16">
+            <a:extLst>
+              <a:ext uri="{FF2B5EF4-FFF2-40B4-BE49-F238E27FC236}">
+                <a16:creationId xmlns:a16="http://schemas.microsoft.com/office/drawing/2014/main" id="{4DECBD2D-6E57-4D87-BB45-E46C3B1CCEE4}"/>
+              </a:ext>
+            </a:extLst>
+          </p:cNvPr>
+          <p:cNvSpPr txBox="1"/>
+          <p:nvPr/>
+        </p:nvSpPr>
+        <p:spPr>
+          <a:xfrm>
+            <a:off x="8333589" y="4086931"/>
+            <a:ext cx="242374" cy="499111"/>
+          </a:xfrm>
+          <a:prstGeom prst="rect">
+            <a:avLst/>
+          </a:prstGeom>
+          <a:noFill/>
+        </p:spPr>
+        <p:txBody>
+          <a:bodyPr wrap="none" rtlCol="0">
+            <a:spAutoFit/>
+          </a:bodyPr>
+          <a:lstStyle/>
+          <a:p>
+            <a:pPr>
+              <a:lnSpc>
+                <a:spcPts val="1000"/>
+              </a:lnSpc>
+            </a:pPr>
+            <a:r>
+              <a:rPr lang="en-US" altLang="zh-CN" b="1" dirty="0">
+                <a:latin typeface="Times New Roman" panose="02020603050405020304" pitchFamily="18" charset="0"/>
+                <a:cs typeface="Times New Roman" panose="02020603050405020304" pitchFamily="18" charset="0"/>
+              </a:rPr>
+              <a:t>.</a:t>
+            </a:r>
+          </a:p>
+          <a:p>
+            <a:pPr>
+              <a:lnSpc>
+                <a:spcPts val="1000"/>
+              </a:lnSpc>
+            </a:pPr>
+            <a:r>
+              <a:rPr lang="en-US" altLang="zh-CN" b="1" dirty="0">
+                <a:latin typeface="Times New Roman" panose="02020603050405020304" pitchFamily="18" charset="0"/>
+                <a:cs typeface="Times New Roman" panose="02020603050405020304" pitchFamily="18" charset="0"/>
+              </a:rPr>
+              <a:t>.</a:t>
+            </a:r>
+          </a:p>
+          <a:p>
+            <a:pPr>
+              <a:lnSpc>
+                <a:spcPts val="1000"/>
+              </a:lnSpc>
+            </a:pPr>
+            <a:r>
+              <a:rPr lang="en-US" altLang="zh-CN" b="1" dirty="0">
+                <a:latin typeface="Times New Roman" panose="02020603050405020304" pitchFamily="18" charset="0"/>
+                <a:cs typeface="Times New Roman" panose="02020603050405020304" pitchFamily="18" charset="0"/>
+              </a:rPr>
+              <a:t>.</a:t>
+            </a:r>
+            <a:endParaRPr lang="zh-CN" altLang="en-US" b="1" dirty="0">
+              <a:latin typeface="Times New Roman" panose="02020603050405020304" pitchFamily="18" charset="0"/>
+              <a:cs typeface="Times New Roman" panose="02020603050405020304" pitchFamily="18" charset="0"/>
+            </a:endParaRPr>
+          </a:p>
+        </p:txBody>
+      </p:sp>
+    </p:spTree>
+    <p:extLst>
+      <p:ext uri="{BB962C8B-B14F-4D97-AF65-F5344CB8AC3E}">
+        <p14:creationId xmlns:p14="http://schemas.microsoft.com/office/powerpoint/2010/main" val="1472221727"/>
+      </p:ext>
+    </p:extLst>
+  </p:cSld>
+  <p:clrMapOvr>
+    <a:masterClrMapping/>
+  </p:clrMapOvr>
+</p:sld>
+</file>
+
+<file path=ppt/slides/slide16.xml><?xml version="1.0" encoding="utf-8"?>
+<p:sld xmlns:a="http://schemas.openxmlformats.org/drawingml/2006/main" xmlns:r="http://schemas.openxmlformats.org/officeDocument/2006/relationships" xmlns:p="http://schemas.openxmlformats.org/presentationml/2006/main">
+  <p:cSld>
+    <p:spTree>
+      <p:nvGrpSpPr>
+        <p:cNvPr id="1" name=""/>
+        <p:cNvGrpSpPr/>
+        <p:nvPr/>
+      </p:nvGrpSpPr>
+      <p:grpSpPr>
+        <a:xfrm>
+          <a:off x="0" y="0"/>
+          <a:ext cx="0" cy="0"/>
+          <a:chOff x="0" y="0"/>
+          <a:chExt cx="0" cy="0"/>
+        </a:xfrm>
+      </p:grpSpPr>
+      <p:pic>
+        <p:nvPicPr>
+          <p:cNvPr id="4" name="图片 3">
+            <a:extLst>
+              <a:ext uri="{FF2B5EF4-FFF2-40B4-BE49-F238E27FC236}">
+                <a16:creationId xmlns:a16="http://schemas.microsoft.com/office/drawing/2014/main" id="{CEDA9C44-0830-4A65-A146-D5C7E6693B58}"/>
+              </a:ext>
+            </a:extLst>
+          </p:cNvPr>
+          <p:cNvPicPr/>
+          <p:nvPr/>
+        </p:nvPicPr>
+        <p:blipFill rotWithShape="1">
+          <a:blip r:embed="rId2"/>
+          <a:srcRect t="18755" r="2858" b="6696"/>
+          <a:stretch/>
+        </p:blipFill>
+        <p:spPr>
+          <a:xfrm>
+            <a:off x="155576" y="1391920"/>
+            <a:ext cx="5770663" cy="2479040"/>
+          </a:xfrm>
+          <a:prstGeom prst="rect">
+            <a:avLst/>
+          </a:prstGeom>
+        </p:spPr>
+      </p:pic>
+      <p:pic>
+        <p:nvPicPr>
+          <p:cNvPr id="5" name="图片 4">
+            <a:extLst>
+              <a:ext uri="{FF2B5EF4-FFF2-40B4-BE49-F238E27FC236}">
+                <a16:creationId xmlns:a16="http://schemas.microsoft.com/office/drawing/2014/main" id="{94517A0F-FFDE-4635-9F54-8564866DDDAD}"/>
+              </a:ext>
+            </a:extLst>
+          </p:cNvPr>
+          <p:cNvPicPr/>
+          <p:nvPr/>
+        </p:nvPicPr>
+        <p:blipFill rotWithShape="1">
+          <a:blip r:embed="rId3"/>
+          <a:srcRect t="3083" r="2858" b="7987"/>
+          <a:stretch/>
+        </p:blipFill>
+        <p:spPr>
+          <a:xfrm>
+            <a:off x="6265761" y="1391920"/>
+            <a:ext cx="5770664" cy="2479040"/>
+          </a:xfrm>
+          <a:prstGeom prst="rect">
+            <a:avLst/>
+          </a:prstGeom>
+        </p:spPr>
+      </p:pic>
+      <p:sp>
+        <p:nvSpPr>
+          <p:cNvPr id="6" name="椭圆 5">
+            <a:extLst>
+              <a:ext uri="{FF2B5EF4-FFF2-40B4-BE49-F238E27FC236}">
+                <a16:creationId xmlns:a16="http://schemas.microsoft.com/office/drawing/2014/main" id="{C7B41130-4A95-4C35-A33C-59DC749310E5}"/>
+              </a:ext>
+            </a:extLst>
+          </p:cNvPr>
+          <p:cNvSpPr/>
+          <p:nvPr/>
+        </p:nvSpPr>
+        <p:spPr>
+          <a:xfrm>
+            <a:off x="3275106" y="1698650"/>
+            <a:ext cx="1026290" cy="810228"/>
+          </a:xfrm>
+          <a:prstGeom prst="ellipse">
+            <a:avLst/>
+          </a:prstGeom>
+          <a:noFill/>
+          <a:ln w="19050">
+            <a:solidFill>
+              <a:schemeClr val="tx1"/>
+            </a:solidFill>
+            <a:prstDash val="dash"/>
+          </a:ln>
+        </p:spPr>
+        <p:style>
+          <a:lnRef idx="2">
+            <a:schemeClr val="accent1">
+              <a:shade val="50000"/>
+            </a:schemeClr>
+          </a:lnRef>
+          <a:fillRef idx="1">
+            <a:schemeClr val="accent1"/>
+          </a:fillRef>
+          <a:effectRef idx="0">
+            <a:schemeClr val="accent1"/>
+          </a:effectRef>
+          <a:fontRef idx="minor">
+            <a:schemeClr val="lt1"/>
+          </a:fontRef>
+        </p:style>
+        <p:txBody>
+          <a:bodyPr rtlCol="0" anchor="ctr"/>
+          <a:lstStyle/>
+          <a:p>
+            <a:pPr algn="ctr"/>
+            <a:endParaRPr lang="zh-CN" altLang="en-US"/>
+          </a:p>
+        </p:txBody>
+      </p:sp>
+      <p:sp>
+        <p:nvSpPr>
+          <p:cNvPr id="7" name="椭圆 6">
+            <a:extLst>
+              <a:ext uri="{FF2B5EF4-FFF2-40B4-BE49-F238E27FC236}">
+                <a16:creationId xmlns:a16="http://schemas.microsoft.com/office/drawing/2014/main" id="{55B1385A-72DF-4B93-805A-668F771653B2}"/>
+              </a:ext>
+            </a:extLst>
+          </p:cNvPr>
+          <p:cNvSpPr/>
+          <p:nvPr/>
+        </p:nvSpPr>
+        <p:spPr>
+          <a:xfrm>
+            <a:off x="4583575" y="1665726"/>
+            <a:ext cx="925975" cy="810228"/>
+          </a:xfrm>
+          <a:prstGeom prst="ellipse">
+            <a:avLst/>
+          </a:prstGeom>
+          <a:noFill/>
+          <a:ln w="19050">
+            <a:solidFill>
+              <a:schemeClr val="tx1"/>
+            </a:solidFill>
+            <a:prstDash val="dash"/>
+          </a:ln>
+        </p:spPr>
+        <p:style>
+          <a:lnRef idx="2">
+            <a:schemeClr val="accent1">
+              <a:shade val="50000"/>
+            </a:schemeClr>
+          </a:lnRef>
+          <a:fillRef idx="1">
+            <a:schemeClr val="accent1"/>
+          </a:fillRef>
+          <a:effectRef idx="0">
+            <a:schemeClr val="accent1"/>
+          </a:effectRef>
+          <a:fontRef idx="minor">
+            <a:schemeClr val="lt1"/>
+          </a:fontRef>
+        </p:style>
+        <p:txBody>
+          <a:bodyPr rtlCol="0" anchor="ctr"/>
+          <a:lstStyle/>
+          <a:p>
+            <a:pPr algn="ctr"/>
+            <a:endParaRPr lang="zh-CN" altLang="en-US"/>
+          </a:p>
+        </p:txBody>
+      </p:sp>
+      <p:sp>
+        <p:nvSpPr>
+          <p:cNvPr id="8" name="椭圆 7">
+            <a:extLst>
+              <a:ext uri="{FF2B5EF4-FFF2-40B4-BE49-F238E27FC236}">
+                <a16:creationId xmlns:a16="http://schemas.microsoft.com/office/drawing/2014/main" id="{F249B367-2E8B-4CC7-BFB7-3F48FC6DEB4A}"/>
+              </a:ext>
+            </a:extLst>
+          </p:cNvPr>
+          <p:cNvSpPr/>
+          <p:nvPr/>
+        </p:nvSpPr>
+        <p:spPr>
+          <a:xfrm>
+            <a:off x="9759390" y="1668684"/>
+            <a:ext cx="1026290" cy="810228"/>
+          </a:xfrm>
+          <a:prstGeom prst="ellipse">
+            <a:avLst/>
+          </a:prstGeom>
+          <a:noFill/>
+          <a:ln w="19050">
+            <a:solidFill>
+              <a:schemeClr val="tx1"/>
+            </a:solidFill>
+            <a:prstDash val="dash"/>
+          </a:ln>
+        </p:spPr>
+        <p:style>
+          <a:lnRef idx="2">
+            <a:schemeClr val="accent1">
+              <a:shade val="50000"/>
+            </a:schemeClr>
+          </a:lnRef>
+          <a:fillRef idx="1">
+            <a:schemeClr val="accent1"/>
+          </a:fillRef>
+          <a:effectRef idx="0">
+            <a:schemeClr val="accent1"/>
+          </a:effectRef>
+          <a:fontRef idx="minor">
+            <a:schemeClr val="lt1"/>
+          </a:fontRef>
+        </p:style>
+        <p:txBody>
+          <a:bodyPr rtlCol="0" anchor="ctr"/>
+          <a:lstStyle/>
+          <a:p>
+            <a:pPr algn="ctr"/>
+            <a:endParaRPr lang="zh-CN" altLang="en-US"/>
+          </a:p>
+        </p:txBody>
+      </p:sp>
+      <p:sp>
+        <p:nvSpPr>
+          <p:cNvPr id="9" name="椭圆 8">
+            <a:extLst>
+              <a:ext uri="{FF2B5EF4-FFF2-40B4-BE49-F238E27FC236}">
+                <a16:creationId xmlns:a16="http://schemas.microsoft.com/office/drawing/2014/main" id="{0964400C-534C-4237-B6A9-CDA817D5F8AA}"/>
+              </a:ext>
+            </a:extLst>
+          </p:cNvPr>
+          <p:cNvSpPr/>
+          <p:nvPr/>
+        </p:nvSpPr>
+        <p:spPr>
+          <a:xfrm>
+            <a:off x="10897907" y="1668684"/>
+            <a:ext cx="1026290" cy="810228"/>
+          </a:xfrm>
+          <a:prstGeom prst="ellipse">
+            <a:avLst/>
+          </a:prstGeom>
+          <a:noFill/>
+          <a:ln w="19050">
+            <a:solidFill>
+              <a:schemeClr val="tx1"/>
+            </a:solidFill>
+            <a:prstDash val="dash"/>
+          </a:ln>
+        </p:spPr>
+        <p:style>
+          <a:lnRef idx="2">
+            <a:schemeClr val="accent1">
+              <a:shade val="50000"/>
+            </a:schemeClr>
+          </a:lnRef>
+          <a:fillRef idx="1">
+            <a:schemeClr val="accent1"/>
+          </a:fillRef>
+          <a:effectRef idx="0">
+            <a:schemeClr val="accent1"/>
+          </a:effectRef>
+          <a:fontRef idx="minor">
+            <a:schemeClr val="lt1"/>
+          </a:fontRef>
+        </p:style>
+        <p:txBody>
+          <a:bodyPr rtlCol="0" anchor="ctr"/>
+          <a:lstStyle/>
+          <a:p>
+            <a:pPr algn="ctr"/>
+            <a:endParaRPr lang="zh-CN" altLang="en-US"/>
+          </a:p>
+        </p:txBody>
+      </p:sp>
+      <p:sp>
+        <p:nvSpPr>
+          <p:cNvPr id="10" name="文本框 9">
+            <a:extLst>
+              <a:ext uri="{FF2B5EF4-FFF2-40B4-BE49-F238E27FC236}">
+                <a16:creationId xmlns:a16="http://schemas.microsoft.com/office/drawing/2014/main" id="{84FADCBB-9F94-49DE-93EB-B44368379745}"/>
+              </a:ext>
+            </a:extLst>
+          </p:cNvPr>
+          <p:cNvSpPr txBox="1"/>
+          <p:nvPr/>
+        </p:nvSpPr>
+        <p:spPr>
+          <a:xfrm>
+            <a:off x="2948948" y="3893565"/>
+            <a:ext cx="468398" cy="400110"/>
+          </a:xfrm>
+          <a:prstGeom prst="rect">
+            <a:avLst/>
+          </a:prstGeom>
+          <a:noFill/>
+        </p:spPr>
+        <p:txBody>
+          <a:bodyPr wrap="none" rtlCol="0">
+            <a:spAutoFit/>
+          </a:bodyPr>
+          <a:lstStyle/>
+          <a:p>
+            <a:r>
+              <a:rPr lang="en-US" altLang="zh-CN" sz="2000" dirty="0">
+                <a:latin typeface="Times New Roman" panose="02020603050405020304" pitchFamily="18" charset="0"/>
+                <a:cs typeface="Times New Roman" panose="02020603050405020304" pitchFamily="18" charset="0"/>
+              </a:rPr>
+              <a:t>(a)</a:t>
+            </a:r>
+            <a:endParaRPr lang="zh-CN" altLang="en-US" sz="2000" dirty="0">
+              <a:latin typeface="Times New Roman" panose="02020603050405020304" pitchFamily="18" charset="0"/>
+              <a:cs typeface="Times New Roman" panose="02020603050405020304" pitchFamily="18" charset="0"/>
+            </a:endParaRPr>
+          </a:p>
+        </p:txBody>
+      </p:sp>
+      <p:sp>
+        <p:nvSpPr>
+          <p:cNvPr id="11" name="文本框 10">
+            <a:extLst>
+              <a:ext uri="{FF2B5EF4-FFF2-40B4-BE49-F238E27FC236}">
+                <a16:creationId xmlns:a16="http://schemas.microsoft.com/office/drawing/2014/main" id="{58452C17-F027-4F11-9252-09D3D98729A9}"/>
+              </a:ext>
+            </a:extLst>
+          </p:cNvPr>
+          <p:cNvSpPr txBox="1"/>
+          <p:nvPr/>
+        </p:nvSpPr>
+        <p:spPr>
+          <a:xfrm>
+            <a:off x="9001640" y="3893565"/>
+            <a:ext cx="482824" cy="400110"/>
+          </a:xfrm>
+          <a:prstGeom prst="rect">
+            <a:avLst/>
+          </a:prstGeom>
+          <a:noFill/>
+        </p:spPr>
+        <p:txBody>
+          <a:bodyPr wrap="none" rtlCol="0">
+            <a:spAutoFit/>
+          </a:bodyPr>
+          <a:lstStyle/>
+          <a:p>
+            <a:r>
+              <a:rPr lang="en-US" altLang="zh-CN" sz="2000" dirty="0">
+                <a:latin typeface="Times New Roman" panose="02020603050405020304" pitchFamily="18" charset="0"/>
+                <a:cs typeface="Times New Roman" panose="02020603050405020304" pitchFamily="18" charset="0"/>
+              </a:rPr>
+              <a:t>(b)</a:t>
+            </a:r>
+            <a:endParaRPr lang="zh-CN" altLang="en-US" sz="2000" dirty="0">
+              <a:latin typeface="Times New Roman" panose="02020603050405020304" pitchFamily="18" charset="0"/>
+              <a:cs typeface="Times New Roman" panose="02020603050405020304" pitchFamily="18" charset="0"/>
+            </a:endParaRPr>
+          </a:p>
+        </p:txBody>
+      </p:sp>
+      <p:sp>
+        <p:nvSpPr>
+          <p:cNvPr id="2" name="箭头: 右 1">
+            <a:extLst>
+              <a:ext uri="{FF2B5EF4-FFF2-40B4-BE49-F238E27FC236}">
+                <a16:creationId xmlns:a16="http://schemas.microsoft.com/office/drawing/2014/main" id="{416B9F45-143E-431A-B3BE-064A54FEBAAC}"/>
+              </a:ext>
+            </a:extLst>
+          </p:cNvPr>
+          <p:cNvSpPr/>
+          <p:nvPr/>
+        </p:nvSpPr>
+        <p:spPr>
+          <a:xfrm>
+            <a:off x="5926239" y="2478912"/>
+            <a:ext cx="339522" cy="474563"/>
+          </a:xfrm>
+          <a:prstGeom prst="rightArrow">
+            <a:avLst/>
+          </a:prstGeom>
+          <a:noFill/>
+          <a:ln w="28575">
+            <a:solidFill>
+              <a:schemeClr val="tx1"/>
+            </a:solidFill>
+          </a:ln>
+        </p:spPr>
+        <p:style>
+          <a:lnRef idx="2">
+            <a:schemeClr val="accent1">
+              <a:shade val="50000"/>
+            </a:schemeClr>
+          </a:lnRef>
+          <a:fillRef idx="1">
+            <a:schemeClr val="accent1"/>
+          </a:fillRef>
+          <a:effectRef idx="0">
+            <a:schemeClr val="accent1"/>
+          </a:effectRef>
+          <a:fontRef idx="minor">
+            <a:schemeClr val="lt1"/>
+          </a:fontRef>
+        </p:style>
+        <p:txBody>
+          <a:bodyPr rtlCol="0" anchor="ctr"/>
+          <a:lstStyle/>
+          <a:p>
+            <a:pPr algn="ctr"/>
+            <a:endParaRPr lang="zh-CN" altLang="en-US"/>
+          </a:p>
+        </p:txBody>
+      </p:sp>
+    </p:spTree>
+    <p:extLst>
+      <p:ext uri="{BB962C8B-B14F-4D97-AF65-F5344CB8AC3E}">
+        <p14:creationId xmlns:p14="http://schemas.microsoft.com/office/powerpoint/2010/main" val="389381278"/>
+      </p:ext>
+    </p:extLst>
+  </p:cSld>
+  <p:clrMapOvr>
+    <a:masterClrMapping/>
+  </p:clrMapOvr>
+</p:sld>
+</file>
+
+<file path=ppt/slides/slide17.xml><?xml version="1.0" encoding="utf-8"?>
+<p:sld xmlns:a="http://schemas.openxmlformats.org/drawingml/2006/main" xmlns:r="http://schemas.openxmlformats.org/officeDocument/2006/relationships" xmlns:p="http://schemas.openxmlformats.org/presentationml/2006/main">
+  <p:cSld>
+    <p:spTree>
+      <p:nvGrpSpPr>
+        <p:cNvPr id="1" name=""/>
+        <p:cNvGrpSpPr/>
+        <p:nvPr/>
+      </p:nvGrpSpPr>
+      <p:grpSpPr>
+        <a:xfrm>
+          <a:off x="0" y="0"/>
+          <a:ext cx="0" cy="0"/>
+          <a:chOff x="0" y="0"/>
+          <a:chExt cx="0" cy="0"/>
+        </a:xfrm>
+      </p:grpSpPr>
+      <p:graphicFrame>
+        <p:nvGraphicFramePr>
+          <p:cNvPr id="4" name="表格 3">
+            <a:extLst>
+              <a:ext uri="{FF2B5EF4-FFF2-40B4-BE49-F238E27FC236}">
+                <a16:creationId xmlns:a16="http://schemas.microsoft.com/office/drawing/2014/main" id="{8C3B27F4-F7FF-413A-BC93-6325069F936D}"/>
+              </a:ext>
+            </a:extLst>
+          </p:cNvPr>
+          <p:cNvGraphicFramePr>
+            <a:graphicFrameLocks noGrp="1"/>
+          </p:cNvGraphicFramePr>
+          <p:nvPr>
+            <p:extLst>
+              <p:ext uri="{D42A27DB-BD31-4B8C-83A1-F6EECF244321}">
+                <p14:modId xmlns:p14="http://schemas.microsoft.com/office/powerpoint/2010/main" val="322839717"/>
+              </p:ext>
+            </p:extLst>
+          </p:nvPr>
+        </p:nvGraphicFramePr>
+        <p:xfrm>
+          <a:off x="2032000" y="15129"/>
+          <a:ext cx="8128000" cy="1198880"/>
+        </p:xfrm>
+        <a:graphic>
+          <a:graphicData uri="http://schemas.openxmlformats.org/drawingml/2006/table">
+            <a:tbl>
+              <a:tblPr firstRow="1" bandRow="1">
+                <a:tableStyleId>{5C22544A-7EE6-4342-B048-85BDC9FD1C3A}</a:tableStyleId>
+              </a:tblPr>
+              <a:tblGrid>
+                <a:gridCol w="1625600">
+                  <a:extLst>
+                    <a:ext uri="{9D8B030D-6E8A-4147-A177-3AD203B41FA5}">
+                      <a16:colId xmlns:a16="http://schemas.microsoft.com/office/drawing/2014/main" val="1211540418"/>
+                    </a:ext>
+                  </a:extLst>
+                </a:gridCol>
+                <a:gridCol w="1625600">
+                  <a:extLst>
+                    <a:ext uri="{9D8B030D-6E8A-4147-A177-3AD203B41FA5}">
+                      <a16:colId xmlns:a16="http://schemas.microsoft.com/office/drawing/2014/main" val="3400749806"/>
+                    </a:ext>
+                  </a:extLst>
+                </a:gridCol>
+                <a:gridCol w="1625600">
+                  <a:extLst>
+                    <a:ext uri="{9D8B030D-6E8A-4147-A177-3AD203B41FA5}">
+                      <a16:colId xmlns:a16="http://schemas.microsoft.com/office/drawing/2014/main" val="1967357003"/>
+                    </a:ext>
+                  </a:extLst>
+                </a:gridCol>
+                <a:gridCol w="1625600">
+                  <a:extLst>
+                    <a:ext uri="{9D8B030D-6E8A-4147-A177-3AD203B41FA5}">
+                      <a16:colId xmlns:a16="http://schemas.microsoft.com/office/drawing/2014/main" val="2777538684"/>
+                    </a:ext>
+                  </a:extLst>
+                </a:gridCol>
+                <a:gridCol w="1625600">
+                  <a:extLst>
+                    <a:ext uri="{9D8B030D-6E8A-4147-A177-3AD203B41FA5}">
+                      <a16:colId xmlns:a16="http://schemas.microsoft.com/office/drawing/2014/main" val="3488901756"/>
+                    </a:ext>
+                  </a:extLst>
+                </a:gridCol>
+              </a:tblGrid>
+              <a:tr h="370840">
+                <a:tc>
+                  <a:txBody>
+                    <a:bodyPr/>
+                    <a:lstStyle/>
+                    <a:p>
+                      <a:pPr marL="0" marR="0" lvl="0" indent="0" algn="r" defTabSz="914400" rtl="0" eaLnBrk="1" fontAlgn="auto" latinLnBrk="0" hangingPunct="1">
+                        <a:lnSpc>
+                          <a:spcPct val="100000"/>
+                        </a:lnSpc>
+                        <a:spcBef>
+                          <a:spcPts val="0"/>
+                        </a:spcBef>
+                        <a:spcAft>
+                          <a:spcPts val="0"/>
+                        </a:spcAft>
+                        <a:buClrTx/>
+                        <a:buSzTx/>
+                        <a:buFontTx/>
+                        <a:buNone/>
+                        <a:tabLst/>
+                        <a:defRPr/>
+                      </a:pPr>
+                      <a:r>
+                        <a:rPr lang="zh-CN" altLang="en-US" sz="1200" b="0" dirty="0">
+                          <a:solidFill>
+                            <a:sysClr val="windowText" lastClr="000000"/>
+                          </a:solidFill>
+                          <a:latin typeface="宋体" panose="02010600030101010101" pitchFamily="2" charset="-122"/>
+                          <a:ea typeface="宋体" panose="02010600030101010101" pitchFamily="2" charset="-122"/>
+                        </a:rPr>
+                        <a:t>图像编号</a:t>
+                      </a:r>
+                      <a:endParaRPr lang="en-US" altLang="zh-CN" sz="1200" b="0" dirty="0">
+                        <a:solidFill>
+                          <a:sysClr val="windowText" lastClr="000000"/>
+                        </a:solidFill>
+                        <a:latin typeface="宋体" panose="02010600030101010101" pitchFamily="2" charset="-122"/>
+                        <a:ea typeface="宋体" panose="02010600030101010101" pitchFamily="2" charset="-122"/>
+                      </a:endParaRPr>
+                    </a:p>
+                    <a:p>
+                      <a:pPr marL="0" marR="0" lvl="0" indent="0" algn="l" defTabSz="914400" rtl="0" eaLnBrk="1" fontAlgn="auto" latinLnBrk="0" hangingPunct="1">
+                        <a:lnSpc>
+                          <a:spcPct val="100000"/>
+                        </a:lnSpc>
+                        <a:spcBef>
+                          <a:spcPts val="0"/>
+                        </a:spcBef>
+                        <a:spcAft>
+                          <a:spcPts val="0"/>
+                        </a:spcAft>
+                        <a:buClrTx/>
+                        <a:buSzTx/>
+                        <a:buFontTx/>
+                        <a:buNone/>
+                        <a:tabLst/>
+                        <a:defRPr/>
+                      </a:pPr>
+                      <a:r>
+                        <a:rPr lang="zh-CN" altLang="en-US" sz="1200" b="0" dirty="0">
+                          <a:solidFill>
+                            <a:sysClr val="windowText" lastClr="000000"/>
+                          </a:solidFill>
+                          <a:latin typeface="宋体" panose="02010600030101010101" pitchFamily="2" charset="-122"/>
+                          <a:ea typeface="宋体" panose="02010600030101010101" pitchFamily="2" charset="-122"/>
+                        </a:rPr>
+                        <a:t>搜索方式</a:t>
+                      </a:r>
+                    </a:p>
+                  </a:txBody>
+                  <a:tcPr>
+                    <a:lnL w="12700" cap="flat" cmpd="sng" algn="ctr">
+                      <a:solidFill>
+                        <a:schemeClr val="tx1"/>
+                      </a:solidFill>
+                      <a:prstDash val="solid"/>
+                      <a:round/>
+                      <a:headEnd type="none" w="med" len="med"/>
+                      <a:tailEnd type="none" w="med" len="med"/>
+                    </a:lnL>
+                    <a:lnR w="12700" cap="flat" cmpd="sng" algn="ctr">
+                      <a:solidFill>
+                        <a:schemeClr val="tx1"/>
+                      </a:solidFill>
+                      <a:prstDash val="solid"/>
+                      <a:round/>
+                      <a:headEnd type="none" w="med" len="med"/>
+                      <a:tailEnd type="none" w="med" len="med"/>
+                    </a:lnR>
+                    <a:lnT w="12700" cap="flat" cmpd="sng" algn="ctr">
+                      <a:solidFill>
+                        <a:schemeClr val="tx1"/>
+                      </a:solidFill>
+                      <a:prstDash val="solid"/>
+                      <a:round/>
+                      <a:headEnd type="none" w="med" len="med"/>
+                      <a:tailEnd type="none" w="med" len="med"/>
+                    </a:lnT>
+                    <a:lnB w="12700" cap="flat" cmpd="sng" algn="ctr">
+                      <a:solidFill>
+                        <a:schemeClr val="tx1"/>
+                      </a:solidFill>
+                      <a:prstDash val="solid"/>
+                      <a:round/>
+                      <a:headEnd type="none" w="med" len="med"/>
+                      <a:tailEnd type="none" w="med" len="med"/>
+                    </a:lnB>
+                    <a:lnTlToBr w="12700" cap="flat" cmpd="sng" algn="ctr">
+                      <a:solidFill>
+                        <a:schemeClr val="tx1"/>
+                      </a:solidFill>
+                      <a:prstDash val="solid"/>
+                      <a:round/>
+                      <a:headEnd type="none" w="med" len="med"/>
+                      <a:tailEnd type="none" w="med" len="med"/>
+                    </a:lnTlToBr>
+                    <a:noFill/>
+                  </a:tcPr>
+                </a:tc>
+                <a:tc>
+                  <a:txBody>
+                    <a:bodyPr/>
+                    <a:lstStyle/>
+                    <a:p>
+                      <a:pPr algn="ctr"/>
+                      <a:r>
+                        <a:rPr lang="en-US" altLang="zh-CN" b="0" dirty="0">
+                          <a:solidFill>
+                            <a:sysClr val="windowText" lastClr="000000"/>
+                          </a:solidFill>
+                          <a:latin typeface="Times New Roman" panose="02020603050405020304" pitchFamily="18" charset="0"/>
+                          <a:ea typeface="宋体" panose="02010600030101010101" pitchFamily="2" charset="-122"/>
+                          <a:cs typeface="Times New Roman" panose="02020603050405020304" pitchFamily="18" charset="0"/>
+                        </a:rPr>
+                        <a:t>a</a:t>
+                      </a:r>
+                      <a:endParaRPr lang="zh-CN" altLang="en-US" b="0" dirty="0">
+                        <a:solidFill>
+                          <a:sysClr val="windowText" lastClr="000000"/>
+                        </a:solidFill>
+                        <a:latin typeface="Times New Roman" panose="02020603050405020304" pitchFamily="18" charset="0"/>
+                        <a:ea typeface="宋体" panose="02010600030101010101" pitchFamily="2" charset="-122"/>
+                        <a:cs typeface="Times New Roman" panose="02020603050405020304" pitchFamily="18" charset="0"/>
+                      </a:endParaRPr>
+                    </a:p>
+                  </a:txBody>
+                  <a:tcPr>
+                    <a:lnL w="12700" cap="flat" cmpd="sng" algn="ctr">
+                      <a:solidFill>
+                        <a:schemeClr val="tx1"/>
+                      </a:solidFill>
+                      <a:prstDash val="solid"/>
+                      <a:round/>
+                      <a:headEnd type="none" w="med" len="med"/>
+                      <a:tailEnd type="none" w="med" len="med"/>
+                    </a:lnL>
+                    <a:lnR w="12700" cap="flat" cmpd="sng" algn="ctr">
+                      <a:solidFill>
+                        <a:schemeClr val="tx1"/>
+                      </a:solidFill>
+                      <a:prstDash val="solid"/>
+                      <a:round/>
+                      <a:headEnd type="none" w="med" len="med"/>
+                      <a:tailEnd type="none" w="med" len="med"/>
+                    </a:lnR>
+                    <a:lnT w="12700" cap="flat" cmpd="sng" algn="ctr">
+                      <a:solidFill>
+                        <a:schemeClr val="tx1"/>
+                      </a:solidFill>
+                      <a:prstDash val="solid"/>
+                      <a:round/>
+                      <a:headEnd type="none" w="med" len="med"/>
+                      <a:tailEnd type="none" w="med" len="med"/>
+                    </a:lnT>
+                    <a:lnB w="12700" cap="flat" cmpd="sng" algn="ctr">
+                      <a:solidFill>
+                        <a:schemeClr val="tx1"/>
+                      </a:solidFill>
+                      <a:prstDash val="solid"/>
+                      <a:round/>
+                      <a:headEnd type="none" w="med" len="med"/>
+                      <a:tailEnd type="none" w="med" len="med"/>
+                    </a:lnB>
+                    <a:noFill/>
+                  </a:tcPr>
+                </a:tc>
+                <a:tc>
+                  <a:txBody>
+                    <a:bodyPr/>
+                    <a:lstStyle/>
+                    <a:p>
+                      <a:pPr algn="ctr"/>
+                      <a:r>
+                        <a:rPr lang="en-US" altLang="zh-CN" b="0" dirty="0">
+                          <a:solidFill>
+                            <a:sysClr val="windowText" lastClr="000000"/>
+                          </a:solidFill>
+                          <a:latin typeface="Times New Roman" panose="02020603050405020304" pitchFamily="18" charset="0"/>
+                          <a:ea typeface="宋体" panose="02010600030101010101" pitchFamily="2" charset="-122"/>
+                          <a:cs typeface="Times New Roman" panose="02020603050405020304" pitchFamily="18" charset="0"/>
+                        </a:rPr>
+                        <a:t>b</a:t>
+                      </a:r>
+                      <a:endParaRPr lang="zh-CN" altLang="en-US" b="0" dirty="0">
+                        <a:solidFill>
+                          <a:sysClr val="windowText" lastClr="000000"/>
+                        </a:solidFill>
+                        <a:latin typeface="Times New Roman" panose="02020603050405020304" pitchFamily="18" charset="0"/>
+                        <a:ea typeface="宋体" panose="02010600030101010101" pitchFamily="2" charset="-122"/>
+                        <a:cs typeface="Times New Roman" panose="02020603050405020304" pitchFamily="18" charset="0"/>
+                      </a:endParaRPr>
+                    </a:p>
+                  </a:txBody>
+                  <a:tcPr>
+                    <a:lnL w="12700" cap="flat" cmpd="sng" algn="ctr">
+                      <a:solidFill>
+                        <a:schemeClr val="tx1"/>
+                      </a:solidFill>
+                      <a:prstDash val="solid"/>
+                      <a:round/>
+                      <a:headEnd type="none" w="med" len="med"/>
+                      <a:tailEnd type="none" w="med" len="med"/>
+                    </a:lnL>
+                    <a:lnR w="12700" cap="flat" cmpd="sng" algn="ctr">
+                      <a:solidFill>
+                        <a:schemeClr val="tx1"/>
+                      </a:solidFill>
+                      <a:prstDash val="solid"/>
+                      <a:round/>
+                      <a:headEnd type="none" w="med" len="med"/>
+                      <a:tailEnd type="none" w="med" len="med"/>
+                    </a:lnR>
+                    <a:lnT w="12700" cap="flat" cmpd="sng" algn="ctr">
+                      <a:solidFill>
+                        <a:schemeClr val="tx1"/>
+                      </a:solidFill>
+                      <a:prstDash val="solid"/>
+                      <a:round/>
+                      <a:headEnd type="none" w="med" len="med"/>
+                      <a:tailEnd type="none" w="med" len="med"/>
+                    </a:lnT>
+                    <a:lnB w="12700" cap="flat" cmpd="sng" algn="ctr">
+                      <a:solidFill>
+                        <a:schemeClr val="tx1"/>
+                      </a:solidFill>
+                      <a:prstDash val="solid"/>
+                      <a:round/>
+                      <a:headEnd type="none" w="med" len="med"/>
+                      <a:tailEnd type="none" w="med" len="med"/>
+                    </a:lnB>
+                    <a:noFill/>
+                  </a:tcPr>
+                </a:tc>
+                <a:tc>
+                  <a:txBody>
+                    <a:bodyPr/>
+                    <a:lstStyle/>
+                    <a:p>
+                      <a:pPr algn="ctr"/>
+                      <a:r>
+                        <a:rPr lang="en-US" altLang="zh-CN" b="0" dirty="0">
+                          <a:solidFill>
+                            <a:sysClr val="windowText" lastClr="000000"/>
+                          </a:solidFill>
+                          <a:latin typeface="Times New Roman" panose="02020603050405020304" pitchFamily="18" charset="0"/>
+                          <a:ea typeface="宋体" panose="02010600030101010101" pitchFamily="2" charset="-122"/>
+                          <a:cs typeface="Times New Roman" panose="02020603050405020304" pitchFamily="18" charset="0"/>
+                        </a:rPr>
+                        <a:t>c</a:t>
+                      </a:r>
+                      <a:endParaRPr lang="zh-CN" altLang="en-US" b="0" dirty="0">
+                        <a:solidFill>
+                          <a:sysClr val="windowText" lastClr="000000"/>
+                        </a:solidFill>
+                        <a:latin typeface="Times New Roman" panose="02020603050405020304" pitchFamily="18" charset="0"/>
+                        <a:ea typeface="宋体" panose="02010600030101010101" pitchFamily="2" charset="-122"/>
+                        <a:cs typeface="Times New Roman" panose="02020603050405020304" pitchFamily="18" charset="0"/>
+                      </a:endParaRPr>
+                    </a:p>
+                  </a:txBody>
+                  <a:tcPr>
+                    <a:lnL w="12700" cap="flat" cmpd="sng" algn="ctr">
+                      <a:solidFill>
+                        <a:schemeClr val="tx1"/>
+                      </a:solidFill>
+                      <a:prstDash val="solid"/>
+                      <a:round/>
+                      <a:headEnd type="none" w="med" len="med"/>
+                      <a:tailEnd type="none" w="med" len="med"/>
+                    </a:lnL>
+                    <a:lnR w="12700" cap="flat" cmpd="sng" algn="ctr">
+                      <a:solidFill>
+                        <a:schemeClr val="tx1"/>
+                      </a:solidFill>
+                      <a:prstDash val="solid"/>
+                      <a:round/>
+                      <a:headEnd type="none" w="med" len="med"/>
+                      <a:tailEnd type="none" w="med" len="med"/>
+                    </a:lnR>
+                    <a:lnT w="12700" cap="flat" cmpd="sng" algn="ctr">
+                      <a:solidFill>
+                        <a:schemeClr val="tx1"/>
+                      </a:solidFill>
+                      <a:prstDash val="solid"/>
+                      <a:round/>
+                      <a:headEnd type="none" w="med" len="med"/>
+                      <a:tailEnd type="none" w="med" len="med"/>
+                    </a:lnT>
+                    <a:lnB w="12700" cap="flat" cmpd="sng" algn="ctr">
+                      <a:solidFill>
+                        <a:schemeClr val="tx1"/>
+                      </a:solidFill>
+                      <a:prstDash val="solid"/>
+                      <a:round/>
+                      <a:headEnd type="none" w="med" len="med"/>
+                      <a:tailEnd type="none" w="med" len="med"/>
+                    </a:lnB>
+                    <a:noFill/>
+                  </a:tcPr>
+                </a:tc>
+                <a:tc>
+                  <a:txBody>
+                    <a:bodyPr/>
+                    <a:lstStyle/>
+                    <a:p>
+                      <a:pPr algn="ctr"/>
+                      <a:r>
+                        <a:rPr lang="en-US" altLang="zh-CN" b="0" dirty="0">
+                          <a:solidFill>
+                            <a:sysClr val="windowText" lastClr="000000"/>
+                          </a:solidFill>
+                          <a:latin typeface="Times New Roman" panose="02020603050405020304" pitchFamily="18" charset="0"/>
+                          <a:ea typeface="宋体" panose="02010600030101010101" pitchFamily="2" charset="-122"/>
+                          <a:cs typeface="Times New Roman" panose="02020603050405020304" pitchFamily="18" charset="0"/>
+                        </a:rPr>
+                        <a:t>d</a:t>
+                      </a:r>
+                      <a:endParaRPr lang="zh-CN" altLang="en-US" b="0" dirty="0">
+                        <a:solidFill>
+                          <a:sysClr val="windowText" lastClr="000000"/>
+                        </a:solidFill>
+                        <a:latin typeface="Times New Roman" panose="02020603050405020304" pitchFamily="18" charset="0"/>
+                        <a:ea typeface="宋体" panose="02010600030101010101" pitchFamily="2" charset="-122"/>
+                        <a:cs typeface="Times New Roman" panose="02020603050405020304" pitchFamily="18" charset="0"/>
+                      </a:endParaRPr>
+                    </a:p>
+                  </a:txBody>
+                  <a:tcPr>
+                    <a:lnL w="12700" cap="flat" cmpd="sng" algn="ctr">
+                      <a:solidFill>
+                        <a:schemeClr val="tx1"/>
+                      </a:solidFill>
+                      <a:prstDash val="solid"/>
+                      <a:round/>
+                      <a:headEnd type="none" w="med" len="med"/>
+                      <a:tailEnd type="none" w="med" len="med"/>
+                    </a:lnL>
+                    <a:lnR w="12700" cap="flat" cmpd="sng" algn="ctr">
+                      <a:solidFill>
+                        <a:schemeClr val="tx1"/>
+                      </a:solidFill>
+                      <a:prstDash val="solid"/>
+                      <a:round/>
+                      <a:headEnd type="none" w="med" len="med"/>
+                      <a:tailEnd type="none" w="med" len="med"/>
+                    </a:lnR>
+                    <a:lnT w="12700" cap="flat" cmpd="sng" algn="ctr">
+                      <a:solidFill>
+                        <a:schemeClr val="tx1"/>
+                      </a:solidFill>
+                      <a:prstDash val="solid"/>
+                      <a:round/>
+                      <a:headEnd type="none" w="med" len="med"/>
+                      <a:tailEnd type="none" w="med" len="med"/>
+                    </a:lnT>
+                    <a:lnB w="12700" cap="flat" cmpd="sng" algn="ctr">
+                      <a:solidFill>
+                        <a:schemeClr val="tx1"/>
+                      </a:solidFill>
+                      <a:prstDash val="solid"/>
+                      <a:round/>
+                      <a:headEnd type="none" w="med" len="med"/>
+                      <a:tailEnd type="none" w="med" len="med"/>
+                    </a:lnB>
+                    <a:noFill/>
+                  </a:tcPr>
+                </a:tc>
+                <a:extLst>
+                  <a:ext uri="{0D108BD9-81ED-4DB2-BD59-A6C34878D82A}">
+                    <a16:rowId xmlns:a16="http://schemas.microsoft.com/office/drawing/2014/main" val="844979173"/>
+                  </a:ext>
+                </a:extLst>
+              </a:tr>
+              <a:tr h="370840">
+                <a:tc>
+                  <a:txBody>
+                    <a:bodyPr/>
+                    <a:lstStyle/>
+                    <a:p>
+                      <a:pPr algn="ctr"/>
+                      <a:r>
+                        <a:rPr lang="en-US" altLang="zh-CN" b="0" dirty="0">
+                          <a:solidFill>
+                            <a:sysClr val="windowText" lastClr="000000"/>
+                          </a:solidFill>
+                          <a:latin typeface="Times New Roman" panose="02020603050405020304" pitchFamily="18" charset="0"/>
+                          <a:ea typeface="宋体" panose="02010600030101010101" pitchFamily="2" charset="-122"/>
+                          <a:cs typeface="Times New Roman" panose="02020603050405020304" pitchFamily="18" charset="0"/>
+                        </a:rPr>
+                        <a:t>LSS</a:t>
+                      </a:r>
+                      <a:endParaRPr lang="zh-CN" altLang="en-US" b="0" dirty="0">
+                        <a:solidFill>
+                          <a:sysClr val="windowText" lastClr="000000"/>
+                        </a:solidFill>
+                        <a:latin typeface="Times New Roman" panose="02020603050405020304" pitchFamily="18" charset="0"/>
+                        <a:ea typeface="宋体" panose="02010600030101010101" pitchFamily="2" charset="-122"/>
+                        <a:cs typeface="Times New Roman" panose="02020603050405020304" pitchFamily="18" charset="0"/>
+                      </a:endParaRPr>
+                    </a:p>
+                  </a:txBody>
+                  <a:tcPr>
+                    <a:lnL w="12700" cap="flat" cmpd="sng" algn="ctr">
+                      <a:solidFill>
+                        <a:schemeClr val="tx1"/>
+                      </a:solidFill>
+                      <a:prstDash val="solid"/>
+                      <a:round/>
+                      <a:headEnd type="none" w="med" len="med"/>
+                      <a:tailEnd type="none" w="med" len="med"/>
+                    </a:lnL>
+                    <a:lnR w="12700" cap="flat" cmpd="sng" algn="ctr">
+                      <a:solidFill>
+                        <a:schemeClr val="tx1"/>
+                      </a:solidFill>
+                      <a:prstDash val="solid"/>
+                      <a:round/>
+                      <a:headEnd type="none" w="med" len="med"/>
+                      <a:tailEnd type="none" w="med" len="med"/>
+                    </a:lnR>
+                    <a:lnT w="12700" cap="flat" cmpd="sng" algn="ctr">
+                      <a:solidFill>
+                        <a:schemeClr val="tx1"/>
+                      </a:solidFill>
+                      <a:prstDash val="solid"/>
+                      <a:round/>
+                      <a:headEnd type="none" w="med" len="med"/>
+                      <a:tailEnd type="none" w="med" len="med"/>
+                    </a:lnT>
+                    <a:lnB w="12700" cap="flat" cmpd="sng" algn="ctr">
+                      <a:solidFill>
+                        <a:schemeClr val="tx1"/>
+                      </a:solidFill>
+                      <a:prstDash val="solid"/>
+                      <a:round/>
+                      <a:headEnd type="none" w="med" len="med"/>
+                      <a:tailEnd type="none" w="med" len="med"/>
+                    </a:lnB>
+                    <a:noFill/>
+                  </a:tcPr>
+                </a:tc>
+                <a:tc>
+                  <a:txBody>
+                    <a:bodyPr/>
+                    <a:lstStyle/>
+                    <a:p>
+                      <a:pPr algn="ctr"/>
+                      <a:r>
+                        <a:rPr lang="en-US" altLang="zh-CN" b="0" dirty="0">
+                          <a:solidFill>
+                            <a:sysClr val="windowText" lastClr="000000"/>
+                          </a:solidFill>
+                          <a:latin typeface="Times New Roman" panose="02020603050405020304" pitchFamily="18" charset="0"/>
+                          <a:ea typeface="宋体" panose="02010600030101010101" pitchFamily="2" charset="-122"/>
+                          <a:cs typeface="Times New Roman" panose="02020603050405020304" pitchFamily="18" charset="0"/>
+                        </a:rPr>
+                        <a:t>69</a:t>
+                      </a:r>
+                      <a:endParaRPr lang="zh-CN" altLang="en-US" b="0" dirty="0">
+                        <a:solidFill>
+                          <a:sysClr val="windowText" lastClr="000000"/>
+                        </a:solidFill>
+                        <a:latin typeface="Times New Roman" panose="02020603050405020304" pitchFamily="18" charset="0"/>
+                        <a:ea typeface="宋体" panose="02010600030101010101" pitchFamily="2" charset="-122"/>
+                        <a:cs typeface="Times New Roman" panose="02020603050405020304" pitchFamily="18" charset="0"/>
+                      </a:endParaRPr>
+                    </a:p>
+                  </a:txBody>
+                  <a:tcPr>
+                    <a:lnL w="12700" cap="flat" cmpd="sng" algn="ctr">
+                      <a:solidFill>
+                        <a:schemeClr val="tx1"/>
+                      </a:solidFill>
+                      <a:prstDash val="solid"/>
+                      <a:round/>
+                      <a:headEnd type="none" w="med" len="med"/>
+                      <a:tailEnd type="none" w="med" len="med"/>
+                    </a:lnL>
+                    <a:lnR w="12700" cap="flat" cmpd="sng" algn="ctr">
+                      <a:solidFill>
+                        <a:schemeClr val="tx1"/>
+                      </a:solidFill>
+                      <a:prstDash val="solid"/>
+                      <a:round/>
+                      <a:headEnd type="none" w="med" len="med"/>
+                      <a:tailEnd type="none" w="med" len="med"/>
+                    </a:lnR>
+                    <a:lnT w="12700" cap="flat" cmpd="sng" algn="ctr">
+                      <a:solidFill>
+                        <a:schemeClr val="tx1"/>
+                      </a:solidFill>
+                      <a:prstDash val="solid"/>
+                      <a:round/>
+                      <a:headEnd type="none" w="med" len="med"/>
+                      <a:tailEnd type="none" w="med" len="med"/>
+                    </a:lnT>
+                    <a:lnB w="12700" cap="flat" cmpd="sng" algn="ctr">
+                      <a:solidFill>
+                        <a:schemeClr val="tx1"/>
+                      </a:solidFill>
+                      <a:prstDash val="solid"/>
+                      <a:round/>
+                      <a:headEnd type="none" w="med" len="med"/>
+                      <a:tailEnd type="none" w="med" len="med"/>
+                    </a:lnB>
+                    <a:noFill/>
+                  </a:tcPr>
+                </a:tc>
+                <a:tc>
+                  <a:txBody>
+                    <a:bodyPr/>
+                    <a:lstStyle/>
+                    <a:p>
+                      <a:pPr algn="ctr"/>
+                      <a:r>
+                        <a:rPr lang="en-US" altLang="zh-CN" b="0" dirty="0">
+                          <a:solidFill>
+                            <a:sysClr val="windowText" lastClr="000000"/>
+                          </a:solidFill>
+                          <a:latin typeface="Times New Roman" panose="02020603050405020304" pitchFamily="18" charset="0"/>
+                          <a:ea typeface="宋体" panose="02010600030101010101" pitchFamily="2" charset="-122"/>
+                          <a:cs typeface="Times New Roman" panose="02020603050405020304" pitchFamily="18" charset="0"/>
+                        </a:rPr>
+                        <a:t>166</a:t>
+                      </a:r>
+                      <a:endParaRPr lang="zh-CN" altLang="en-US" b="0" dirty="0">
+                        <a:solidFill>
+                          <a:sysClr val="windowText" lastClr="000000"/>
+                        </a:solidFill>
+                        <a:latin typeface="Times New Roman" panose="02020603050405020304" pitchFamily="18" charset="0"/>
+                        <a:ea typeface="宋体" panose="02010600030101010101" pitchFamily="2" charset="-122"/>
+                        <a:cs typeface="Times New Roman" panose="02020603050405020304" pitchFamily="18" charset="0"/>
+                      </a:endParaRPr>
+                    </a:p>
+                  </a:txBody>
+                  <a:tcPr>
+                    <a:lnL w="12700" cap="flat" cmpd="sng" algn="ctr">
+                      <a:solidFill>
+                        <a:schemeClr val="tx1"/>
+                      </a:solidFill>
+                      <a:prstDash val="solid"/>
+                      <a:round/>
+                      <a:headEnd type="none" w="med" len="med"/>
+                      <a:tailEnd type="none" w="med" len="med"/>
+                    </a:lnL>
+                    <a:lnR w="12700" cap="flat" cmpd="sng" algn="ctr">
+                      <a:solidFill>
+                        <a:schemeClr val="tx1"/>
+                      </a:solidFill>
+                      <a:prstDash val="solid"/>
+                      <a:round/>
+                      <a:headEnd type="none" w="med" len="med"/>
+                      <a:tailEnd type="none" w="med" len="med"/>
+                    </a:lnR>
+                    <a:lnT w="12700" cap="flat" cmpd="sng" algn="ctr">
+                      <a:solidFill>
+                        <a:schemeClr val="tx1"/>
+                      </a:solidFill>
+                      <a:prstDash val="solid"/>
+                      <a:round/>
+                      <a:headEnd type="none" w="med" len="med"/>
+                      <a:tailEnd type="none" w="med" len="med"/>
+                    </a:lnT>
+                    <a:lnB w="12700" cap="flat" cmpd="sng" algn="ctr">
+                      <a:solidFill>
+                        <a:schemeClr val="tx1"/>
+                      </a:solidFill>
+                      <a:prstDash val="solid"/>
+                      <a:round/>
+                      <a:headEnd type="none" w="med" len="med"/>
+                      <a:tailEnd type="none" w="med" len="med"/>
+                    </a:lnB>
+                    <a:noFill/>
+                  </a:tcPr>
+                </a:tc>
+                <a:tc>
+                  <a:txBody>
+                    <a:bodyPr/>
+                    <a:lstStyle/>
+                    <a:p>
+                      <a:pPr algn="ctr"/>
+                      <a:r>
+                        <a:rPr lang="en-US" altLang="zh-CN" b="0" dirty="0">
+                          <a:solidFill>
+                            <a:sysClr val="windowText" lastClr="000000"/>
+                          </a:solidFill>
+                          <a:latin typeface="Times New Roman" panose="02020603050405020304" pitchFamily="18" charset="0"/>
+                          <a:ea typeface="宋体" panose="02010600030101010101" pitchFamily="2" charset="-122"/>
+                          <a:cs typeface="Times New Roman" panose="02020603050405020304" pitchFamily="18" charset="0"/>
+                        </a:rPr>
+                        <a:t>250</a:t>
+                      </a:r>
+                      <a:endParaRPr lang="zh-CN" altLang="en-US" b="0" dirty="0">
+                        <a:solidFill>
+                          <a:sysClr val="windowText" lastClr="000000"/>
+                        </a:solidFill>
+                        <a:latin typeface="Times New Roman" panose="02020603050405020304" pitchFamily="18" charset="0"/>
+                        <a:ea typeface="宋体" panose="02010600030101010101" pitchFamily="2" charset="-122"/>
+                        <a:cs typeface="Times New Roman" panose="02020603050405020304" pitchFamily="18" charset="0"/>
+                      </a:endParaRPr>
+                    </a:p>
+                  </a:txBody>
+                  <a:tcPr>
+                    <a:lnL w="12700" cap="flat" cmpd="sng" algn="ctr">
+                      <a:solidFill>
+                        <a:schemeClr val="tx1"/>
+                      </a:solidFill>
+                      <a:prstDash val="solid"/>
+                      <a:round/>
+                      <a:headEnd type="none" w="med" len="med"/>
+                      <a:tailEnd type="none" w="med" len="med"/>
+                    </a:lnL>
+                    <a:lnR w="12700" cap="flat" cmpd="sng" algn="ctr">
+                      <a:solidFill>
+                        <a:schemeClr val="tx1"/>
+                      </a:solidFill>
+                      <a:prstDash val="solid"/>
+                      <a:round/>
+                      <a:headEnd type="none" w="med" len="med"/>
+                      <a:tailEnd type="none" w="med" len="med"/>
+                    </a:lnR>
+                    <a:lnT w="12700" cap="flat" cmpd="sng" algn="ctr">
+                      <a:solidFill>
+                        <a:schemeClr val="tx1"/>
+                      </a:solidFill>
+                      <a:prstDash val="solid"/>
+                      <a:round/>
+                      <a:headEnd type="none" w="med" len="med"/>
+                      <a:tailEnd type="none" w="med" len="med"/>
+                    </a:lnT>
+                    <a:lnB w="12700" cap="flat" cmpd="sng" algn="ctr">
+                      <a:solidFill>
+                        <a:schemeClr val="tx1"/>
+                      </a:solidFill>
+                      <a:prstDash val="solid"/>
+                      <a:round/>
+                      <a:headEnd type="none" w="med" len="med"/>
+                      <a:tailEnd type="none" w="med" len="med"/>
+                    </a:lnB>
+                    <a:noFill/>
+                  </a:tcPr>
+                </a:tc>
+                <a:tc>
+                  <a:txBody>
+                    <a:bodyPr/>
+                    <a:lstStyle/>
+                    <a:p>
+                      <a:pPr algn="ctr"/>
+                      <a:r>
+                        <a:rPr lang="en-US" altLang="zh-CN" b="0" dirty="0">
+                          <a:solidFill>
+                            <a:sysClr val="windowText" lastClr="000000"/>
+                          </a:solidFill>
+                          <a:latin typeface="Times New Roman" panose="02020603050405020304" pitchFamily="18" charset="0"/>
+                          <a:ea typeface="宋体" panose="02010600030101010101" pitchFamily="2" charset="-122"/>
+                          <a:cs typeface="Times New Roman" panose="02020603050405020304" pitchFamily="18" charset="0"/>
+                        </a:rPr>
+                        <a:t>181</a:t>
+                      </a:r>
+                      <a:endParaRPr lang="zh-CN" altLang="en-US" b="0" dirty="0">
+                        <a:solidFill>
+                          <a:sysClr val="windowText" lastClr="000000"/>
+                        </a:solidFill>
+                        <a:latin typeface="Times New Roman" panose="02020603050405020304" pitchFamily="18" charset="0"/>
+                        <a:ea typeface="宋体" panose="02010600030101010101" pitchFamily="2" charset="-122"/>
+                        <a:cs typeface="Times New Roman" panose="02020603050405020304" pitchFamily="18" charset="0"/>
+                      </a:endParaRPr>
+                    </a:p>
+                  </a:txBody>
+                  <a:tcPr>
+                    <a:lnL w="12700" cap="flat" cmpd="sng" algn="ctr">
+                      <a:solidFill>
+                        <a:schemeClr val="tx1"/>
+                      </a:solidFill>
+                      <a:prstDash val="solid"/>
+                      <a:round/>
+                      <a:headEnd type="none" w="med" len="med"/>
+                      <a:tailEnd type="none" w="med" len="med"/>
+                    </a:lnL>
+                    <a:lnR w="12700" cap="flat" cmpd="sng" algn="ctr">
+                      <a:solidFill>
+                        <a:schemeClr val="tx1"/>
+                      </a:solidFill>
+                      <a:prstDash val="solid"/>
+                      <a:round/>
+                      <a:headEnd type="none" w="med" len="med"/>
+                      <a:tailEnd type="none" w="med" len="med"/>
+                    </a:lnR>
+                    <a:lnT w="12700" cap="flat" cmpd="sng" algn="ctr">
+                      <a:solidFill>
+                        <a:schemeClr val="tx1"/>
+                      </a:solidFill>
+                      <a:prstDash val="solid"/>
+                      <a:round/>
+                      <a:headEnd type="none" w="med" len="med"/>
+                      <a:tailEnd type="none" w="med" len="med"/>
+                    </a:lnT>
+                    <a:lnB w="12700" cap="flat" cmpd="sng" algn="ctr">
+                      <a:solidFill>
+                        <a:schemeClr val="tx1"/>
+                      </a:solidFill>
+                      <a:prstDash val="solid"/>
+                      <a:round/>
+                      <a:headEnd type="none" w="med" len="med"/>
+                      <a:tailEnd type="none" w="med" len="med"/>
+                    </a:lnB>
+                    <a:noFill/>
+                  </a:tcPr>
+                </a:tc>
+                <a:extLst>
+                  <a:ext uri="{0D108BD9-81ED-4DB2-BD59-A6C34878D82A}">
+                    <a16:rowId xmlns:a16="http://schemas.microsoft.com/office/drawing/2014/main" val="3558833497"/>
+                  </a:ext>
+                </a:extLst>
+              </a:tr>
+              <a:tr h="370840">
+                <a:tc>
+                  <a:txBody>
+                    <a:bodyPr/>
+                    <a:lstStyle/>
+                    <a:p>
+                      <a:pPr algn="ctr"/>
+                      <a:r>
+                        <a:rPr lang="zh-CN" altLang="en-US" b="0" dirty="0">
+                          <a:solidFill>
+                            <a:sysClr val="windowText" lastClr="000000"/>
+                          </a:solidFill>
+                          <a:latin typeface="宋体" panose="02010600030101010101" pitchFamily="2" charset="-122"/>
+                          <a:ea typeface="宋体" panose="02010600030101010101" pitchFamily="2" charset="-122"/>
+                        </a:rPr>
+                        <a:t>遍历</a:t>
+                      </a:r>
+                    </a:p>
+                  </a:txBody>
+                  <a:tcPr>
+                    <a:lnL w="12700" cap="flat" cmpd="sng" algn="ctr">
+                      <a:solidFill>
+                        <a:schemeClr val="tx1"/>
+                      </a:solidFill>
+                      <a:prstDash val="solid"/>
+                      <a:round/>
+                      <a:headEnd type="none" w="med" len="med"/>
+                      <a:tailEnd type="none" w="med" len="med"/>
+                    </a:lnL>
+                    <a:lnR w="12700" cap="flat" cmpd="sng" algn="ctr">
+                      <a:solidFill>
+                        <a:schemeClr val="tx1"/>
+                      </a:solidFill>
+                      <a:prstDash val="solid"/>
+                      <a:round/>
+                      <a:headEnd type="none" w="med" len="med"/>
+                      <a:tailEnd type="none" w="med" len="med"/>
+                    </a:lnR>
+                    <a:lnT w="12700" cap="flat" cmpd="sng" algn="ctr">
+                      <a:solidFill>
+                        <a:schemeClr val="tx1"/>
+                      </a:solidFill>
+                      <a:prstDash val="solid"/>
+                      <a:round/>
+                      <a:headEnd type="none" w="med" len="med"/>
+                      <a:tailEnd type="none" w="med" len="med"/>
+                    </a:lnT>
+                    <a:lnB w="12700" cap="flat" cmpd="sng" algn="ctr">
+                      <a:solidFill>
+                        <a:schemeClr val="tx1"/>
+                      </a:solidFill>
+                      <a:prstDash val="solid"/>
+                      <a:round/>
+                      <a:headEnd type="none" w="med" len="med"/>
+                      <a:tailEnd type="none" w="med" len="med"/>
+                    </a:lnB>
+                    <a:noFill/>
+                  </a:tcPr>
+                </a:tc>
+                <a:tc>
+                  <a:txBody>
+                    <a:bodyPr/>
+                    <a:lstStyle/>
+                    <a:p>
+                      <a:pPr algn="ctr"/>
+                      <a:r>
+                        <a:rPr lang="en-US" altLang="zh-CN" b="0" dirty="0">
+                          <a:solidFill>
+                            <a:sysClr val="windowText" lastClr="000000"/>
+                          </a:solidFill>
+                          <a:latin typeface="Times New Roman" panose="02020603050405020304" pitchFamily="18" charset="0"/>
+                          <a:ea typeface="宋体" panose="02010600030101010101" pitchFamily="2" charset="-122"/>
+                          <a:cs typeface="Times New Roman" panose="02020603050405020304" pitchFamily="18" charset="0"/>
+                        </a:rPr>
+                        <a:t>39</a:t>
+                      </a:r>
+                      <a:endParaRPr lang="zh-CN" altLang="en-US" b="0" dirty="0">
+                        <a:solidFill>
+                          <a:sysClr val="windowText" lastClr="000000"/>
+                        </a:solidFill>
+                        <a:latin typeface="Times New Roman" panose="02020603050405020304" pitchFamily="18" charset="0"/>
+                        <a:ea typeface="宋体" panose="02010600030101010101" pitchFamily="2" charset="-122"/>
+                        <a:cs typeface="Times New Roman" panose="02020603050405020304" pitchFamily="18" charset="0"/>
+                      </a:endParaRPr>
+                    </a:p>
+                  </a:txBody>
+                  <a:tcPr>
+                    <a:lnL w="12700" cap="flat" cmpd="sng" algn="ctr">
+                      <a:solidFill>
+                        <a:schemeClr val="tx1"/>
+                      </a:solidFill>
+                      <a:prstDash val="solid"/>
+                      <a:round/>
+                      <a:headEnd type="none" w="med" len="med"/>
+                      <a:tailEnd type="none" w="med" len="med"/>
+                    </a:lnL>
+                    <a:lnR w="12700" cap="flat" cmpd="sng" algn="ctr">
+                      <a:solidFill>
+                        <a:schemeClr val="tx1"/>
+                      </a:solidFill>
+                      <a:prstDash val="solid"/>
+                      <a:round/>
+                      <a:headEnd type="none" w="med" len="med"/>
+                      <a:tailEnd type="none" w="med" len="med"/>
+                    </a:lnR>
+                    <a:lnT w="12700" cap="flat" cmpd="sng" algn="ctr">
+                      <a:solidFill>
+                        <a:schemeClr val="tx1"/>
+                      </a:solidFill>
+                      <a:prstDash val="solid"/>
+                      <a:round/>
+                      <a:headEnd type="none" w="med" len="med"/>
+                      <a:tailEnd type="none" w="med" len="med"/>
+                    </a:lnT>
+                    <a:lnB w="12700" cap="flat" cmpd="sng" algn="ctr">
+                      <a:solidFill>
+                        <a:schemeClr val="tx1"/>
+                      </a:solidFill>
+                      <a:prstDash val="solid"/>
+                      <a:round/>
+                      <a:headEnd type="none" w="med" len="med"/>
+                      <a:tailEnd type="none" w="med" len="med"/>
+                    </a:lnB>
+                    <a:noFill/>
+                  </a:tcPr>
+                </a:tc>
+                <a:tc>
+                  <a:txBody>
+                    <a:bodyPr/>
+                    <a:lstStyle/>
+                    <a:p>
+                      <a:pPr algn="ctr"/>
+                      <a:r>
+                        <a:rPr lang="en-US" altLang="zh-CN" b="0" dirty="0">
+                          <a:solidFill>
+                            <a:sysClr val="windowText" lastClr="000000"/>
+                          </a:solidFill>
+                          <a:latin typeface="Times New Roman" panose="02020603050405020304" pitchFamily="18" charset="0"/>
+                          <a:ea typeface="宋体" panose="02010600030101010101" pitchFamily="2" charset="-122"/>
+                          <a:cs typeface="Times New Roman" panose="02020603050405020304" pitchFamily="18" charset="0"/>
+                        </a:rPr>
+                        <a:t>74</a:t>
+                      </a:r>
+                      <a:endParaRPr lang="zh-CN" altLang="en-US" b="0" dirty="0">
+                        <a:solidFill>
+                          <a:sysClr val="windowText" lastClr="000000"/>
+                        </a:solidFill>
+                        <a:latin typeface="Times New Roman" panose="02020603050405020304" pitchFamily="18" charset="0"/>
+                        <a:ea typeface="宋体" panose="02010600030101010101" pitchFamily="2" charset="-122"/>
+                        <a:cs typeface="Times New Roman" panose="02020603050405020304" pitchFamily="18" charset="0"/>
+                      </a:endParaRPr>
+                    </a:p>
+                  </a:txBody>
+                  <a:tcPr>
+                    <a:lnL w="12700" cap="flat" cmpd="sng" algn="ctr">
+                      <a:solidFill>
+                        <a:schemeClr val="tx1"/>
+                      </a:solidFill>
+                      <a:prstDash val="solid"/>
+                      <a:round/>
+                      <a:headEnd type="none" w="med" len="med"/>
+                      <a:tailEnd type="none" w="med" len="med"/>
+                    </a:lnL>
+                    <a:lnR w="12700" cap="flat" cmpd="sng" algn="ctr">
+                      <a:solidFill>
+                        <a:schemeClr val="tx1"/>
+                      </a:solidFill>
+                      <a:prstDash val="solid"/>
+                      <a:round/>
+                      <a:headEnd type="none" w="med" len="med"/>
+                      <a:tailEnd type="none" w="med" len="med"/>
+                    </a:lnR>
+                    <a:lnT w="12700" cap="flat" cmpd="sng" algn="ctr">
+                      <a:solidFill>
+                        <a:schemeClr val="tx1"/>
+                      </a:solidFill>
+                      <a:prstDash val="solid"/>
+                      <a:round/>
+                      <a:headEnd type="none" w="med" len="med"/>
+                      <a:tailEnd type="none" w="med" len="med"/>
+                    </a:lnT>
+                    <a:lnB w="12700" cap="flat" cmpd="sng" algn="ctr">
+                      <a:solidFill>
+                        <a:schemeClr val="tx1"/>
+                      </a:solidFill>
+                      <a:prstDash val="solid"/>
+                      <a:round/>
+                      <a:headEnd type="none" w="med" len="med"/>
+                      <a:tailEnd type="none" w="med" len="med"/>
+                    </a:lnB>
+                    <a:noFill/>
+                  </a:tcPr>
+                </a:tc>
+                <a:tc>
+                  <a:txBody>
+                    <a:bodyPr/>
+                    <a:lstStyle/>
+                    <a:p>
+                      <a:pPr algn="ctr"/>
+                      <a:r>
+                        <a:rPr lang="en-US" altLang="zh-CN" b="0" dirty="0">
+                          <a:solidFill>
+                            <a:sysClr val="windowText" lastClr="000000"/>
+                          </a:solidFill>
+                          <a:latin typeface="Times New Roman" panose="02020603050405020304" pitchFamily="18" charset="0"/>
+                          <a:ea typeface="宋体" panose="02010600030101010101" pitchFamily="2" charset="-122"/>
+                          <a:cs typeface="Times New Roman" panose="02020603050405020304" pitchFamily="18" charset="0"/>
+                        </a:rPr>
+                        <a:t>550</a:t>
+                      </a:r>
+                      <a:endParaRPr lang="zh-CN" altLang="en-US" b="0" dirty="0">
+                        <a:solidFill>
+                          <a:sysClr val="windowText" lastClr="000000"/>
+                        </a:solidFill>
+                        <a:latin typeface="Times New Roman" panose="02020603050405020304" pitchFamily="18" charset="0"/>
+                        <a:ea typeface="宋体" panose="02010600030101010101" pitchFamily="2" charset="-122"/>
+                        <a:cs typeface="Times New Roman" panose="02020603050405020304" pitchFamily="18" charset="0"/>
+                      </a:endParaRPr>
+                    </a:p>
+                  </a:txBody>
+                  <a:tcPr>
+                    <a:lnL w="12700" cap="flat" cmpd="sng" algn="ctr">
+                      <a:solidFill>
+                        <a:schemeClr val="tx1"/>
+                      </a:solidFill>
+                      <a:prstDash val="solid"/>
+                      <a:round/>
+                      <a:headEnd type="none" w="med" len="med"/>
+                      <a:tailEnd type="none" w="med" len="med"/>
+                    </a:lnL>
+                    <a:lnR w="12700" cap="flat" cmpd="sng" algn="ctr">
+                      <a:solidFill>
+                        <a:schemeClr val="tx1"/>
+                      </a:solidFill>
+                      <a:prstDash val="solid"/>
+                      <a:round/>
+                      <a:headEnd type="none" w="med" len="med"/>
+                      <a:tailEnd type="none" w="med" len="med"/>
+                    </a:lnR>
+                    <a:lnT w="12700" cap="flat" cmpd="sng" algn="ctr">
+                      <a:solidFill>
+                        <a:schemeClr val="tx1"/>
+                      </a:solidFill>
+                      <a:prstDash val="solid"/>
+                      <a:round/>
+                      <a:headEnd type="none" w="med" len="med"/>
+                      <a:tailEnd type="none" w="med" len="med"/>
+                    </a:lnT>
+                    <a:lnB w="12700" cap="flat" cmpd="sng" algn="ctr">
+                      <a:solidFill>
+                        <a:schemeClr val="tx1"/>
+                      </a:solidFill>
+                      <a:prstDash val="solid"/>
+                      <a:round/>
+                      <a:headEnd type="none" w="med" len="med"/>
+                      <a:tailEnd type="none" w="med" len="med"/>
+                    </a:lnB>
+                    <a:noFill/>
+                  </a:tcPr>
+                </a:tc>
+                <a:tc>
+                  <a:txBody>
+                    <a:bodyPr/>
+                    <a:lstStyle/>
+                    <a:p>
+                      <a:pPr algn="ctr"/>
+                      <a:r>
+                        <a:rPr lang="en-US" altLang="zh-CN" b="0" dirty="0">
+                          <a:solidFill>
+                            <a:sysClr val="windowText" lastClr="000000"/>
+                          </a:solidFill>
+                          <a:latin typeface="Times New Roman" panose="02020603050405020304" pitchFamily="18" charset="0"/>
+                          <a:ea typeface="宋体" panose="02010600030101010101" pitchFamily="2" charset="-122"/>
+                          <a:cs typeface="Times New Roman" panose="02020603050405020304" pitchFamily="18" charset="0"/>
+                        </a:rPr>
+                        <a:t>377</a:t>
+                      </a:r>
+                      <a:endParaRPr lang="zh-CN" altLang="en-US" b="0" dirty="0">
+                        <a:solidFill>
+                          <a:sysClr val="windowText" lastClr="000000"/>
+                        </a:solidFill>
+                        <a:latin typeface="Times New Roman" panose="02020603050405020304" pitchFamily="18" charset="0"/>
+                        <a:ea typeface="宋体" panose="02010600030101010101" pitchFamily="2" charset="-122"/>
+                        <a:cs typeface="Times New Roman" panose="02020603050405020304" pitchFamily="18" charset="0"/>
+                      </a:endParaRPr>
+                    </a:p>
+                  </a:txBody>
+                  <a:tcPr>
+                    <a:lnL w="12700" cap="flat" cmpd="sng" algn="ctr">
+                      <a:solidFill>
+                        <a:schemeClr val="tx1"/>
+                      </a:solidFill>
+                      <a:prstDash val="solid"/>
+                      <a:round/>
+                      <a:headEnd type="none" w="med" len="med"/>
+                      <a:tailEnd type="none" w="med" len="med"/>
+                    </a:lnL>
+                    <a:lnR w="12700" cap="flat" cmpd="sng" algn="ctr">
+                      <a:solidFill>
+                        <a:schemeClr val="tx1"/>
+                      </a:solidFill>
+                      <a:prstDash val="solid"/>
+                      <a:round/>
+                      <a:headEnd type="none" w="med" len="med"/>
+                      <a:tailEnd type="none" w="med" len="med"/>
+                    </a:lnR>
+                    <a:lnT w="12700" cap="flat" cmpd="sng" algn="ctr">
+                      <a:solidFill>
+                        <a:schemeClr val="tx1"/>
+                      </a:solidFill>
+                      <a:prstDash val="solid"/>
+                      <a:round/>
+                      <a:headEnd type="none" w="med" len="med"/>
+                      <a:tailEnd type="none" w="med" len="med"/>
+                    </a:lnT>
+                    <a:lnB w="12700" cap="flat" cmpd="sng" algn="ctr">
+                      <a:solidFill>
+                        <a:schemeClr val="tx1"/>
+                      </a:solidFill>
+                      <a:prstDash val="solid"/>
+                      <a:round/>
+                      <a:headEnd type="none" w="med" len="med"/>
+                      <a:tailEnd type="none" w="med" len="med"/>
+                    </a:lnB>
+                    <a:noFill/>
+                  </a:tcPr>
+                </a:tc>
+                <a:extLst>
+                  <a:ext uri="{0D108BD9-81ED-4DB2-BD59-A6C34878D82A}">
+                    <a16:rowId xmlns:a16="http://schemas.microsoft.com/office/drawing/2014/main" val="2487242734"/>
+                  </a:ext>
+                </a:extLst>
+              </a:tr>
+            </a:tbl>
+          </a:graphicData>
+        </a:graphic>
+      </p:graphicFrame>
+      <p:pic>
+        <p:nvPicPr>
+          <p:cNvPr id="5" name="图片 4">
+            <a:extLst>
+              <a:ext uri="{FF2B5EF4-FFF2-40B4-BE49-F238E27FC236}">
+                <a16:creationId xmlns:a16="http://schemas.microsoft.com/office/drawing/2014/main" id="{BB0DAB3A-654B-4EEF-8660-4BD9A2EC67F1}"/>
+              </a:ext>
+            </a:extLst>
+          </p:cNvPr>
+          <p:cNvPicPr>
+            <a:picLocks noChangeAspect="1"/>
+          </p:cNvPicPr>
+          <p:nvPr/>
+        </p:nvPicPr>
+        <p:blipFill>
+          <a:blip r:embed="rId2"/>
+          <a:stretch>
+            <a:fillRect/>
+          </a:stretch>
+        </p:blipFill>
+        <p:spPr>
+          <a:xfrm>
+            <a:off x="2600210" y="2313318"/>
+            <a:ext cx="1226900" cy="2160000"/>
+          </a:xfrm>
+          <a:prstGeom prst="rect">
+            <a:avLst/>
+          </a:prstGeom>
+          <a:ln w="12700">
+            <a:solidFill>
+              <a:schemeClr val="tx1"/>
+            </a:solidFill>
+          </a:ln>
+        </p:spPr>
+      </p:pic>
+      <p:pic>
+        <p:nvPicPr>
+          <p:cNvPr id="6" name="图片 5">
+            <a:extLst>
+              <a:ext uri="{FF2B5EF4-FFF2-40B4-BE49-F238E27FC236}">
+                <a16:creationId xmlns:a16="http://schemas.microsoft.com/office/drawing/2014/main" id="{78064431-2F50-41EB-B63A-B809F205847A}"/>
+              </a:ext>
+            </a:extLst>
+          </p:cNvPr>
+          <p:cNvPicPr>
+            <a:picLocks noChangeAspect="1"/>
+          </p:cNvPicPr>
+          <p:nvPr/>
+        </p:nvPicPr>
+        <p:blipFill>
+          <a:blip r:embed="rId3"/>
+          <a:stretch>
+            <a:fillRect/>
+          </a:stretch>
+        </p:blipFill>
+        <p:spPr>
+          <a:xfrm>
+            <a:off x="4084255" y="2313318"/>
+            <a:ext cx="1226901" cy="2160000"/>
+          </a:xfrm>
+          <a:prstGeom prst="rect">
+            <a:avLst/>
+          </a:prstGeom>
+          <a:ln w="12700">
+            <a:solidFill>
+              <a:schemeClr val="tx1"/>
+            </a:solidFill>
+          </a:ln>
+        </p:spPr>
+      </p:pic>
+      <p:pic>
+        <p:nvPicPr>
+          <p:cNvPr id="7" name="图片 6">
+            <a:extLst>
+              <a:ext uri="{FF2B5EF4-FFF2-40B4-BE49-F238E27FC236}">
+                <a16:creationId xmlns:a16="http://schemas.microsoft.com/office/drawing/2014/main" id="{7964182F-3C23-4262-8928-2F388B017085}"/>
+              </a:ext>
+            </a:extLst>
+          </p:cNvPr>
+          <p:cNvPicPr>
+            <a:picLocks noChangeAspect="1"/>
+          </p:cNvPicPr>
+          <p:nvPr/>
+        </p:nvPicPr>
+        <p:blipFill>
+          <a:blip r:embed="rId4"/>
+          <a:stretch>
+            <a:fillRect/>
+          </a:stretch>
+        </p:blipFill>
+        <p:spPr>
+          <a:xfrm>
+            <a:off x="5568301" y="2313318"/>
+            <a:ext cx="976816" cy="2160000"/>
+          </a:xfrm>
+          <a:prstGeom prst="rect">
+            <a:avLst/>
+          </a:prstGeom>
+          <a:ln w="12700">
+            <a:solidFill>
+              <a:schemeClr val="tx1"/>
+            </a:solidFill>
+          </a:ln>
+        </p:spPr>
+      </p:pic>
+      <p:pic>
+        <p:nvPicPr>
+          <p:cNvPr id="8" name="图片 7">
+            <a:extLst>
+              <a:ext uri="{FF2B5EF4-FFF2-40B4-BE49-F238E27FC236}">
+                <a16:creationId xmlns:a16="http://schemas.microsoft.com/office/drawing/2014/main" id="{6111C25A-7B8B-4574-8AE0-E778AF6F7897}"/>
+              </a:ext>
+            </a:extLst>
+          </p:cNvPr>
+          <p:cNvPicPr>
+            <a:picLocks noChangeAspect="1"/>
+          </p:cNvPicPr>
+          <p:nvPr/>
+        </p:nvPicPr>
+        <p:blipFill>
+          <a:blip r:embed="rId5"/>
+          <a:stretch>
+            <a:fillRect/>
+          </a:stretch>
+        </p:blipFill>
+        <p:spPr>
+          <a:xfrm>
+            <a:off x="6802262" y="2300849"/>
+            <a:ext cx="1011165" cy="2160000"/>
+          </a:xfrm>
+          <a:prstGeom prst="rect">
+            <a:avLst/>
+          </a:prstGeom>
+          <a:ln w="12700">
+            <a:solidFill>
+              <a:schemeClr val="tx1"/>
+            </a:solidFill>
+          </a:ln>
+        </p:spPr>
+      </p:pic>
+      <p:pic>
+        <p:nvPicPr>
+          <p:cNvPr id="9" name="图片 8">
+            <a:extLst>
+              <a:ext uri="{FF2B5EF4-FFF2-40B4-BE49-F238E27FC236}">
+                <a16:creationId xmlns:a16="http://schemas.microsoft.com/office/drawing/2014/main" id="{BAF54078-6332-4835-9F3E-B2354B14D862}"/>
+              </a:ext>
+            </a:extLst>
+          </p:cNvPr>
+          <p:cNvPicPr>
+            <a:picLocks noChangeAspect="1"/>
+          </p:cNvPicPr>
+          <p:nvPr/>
+        </p:nvPicPr>
+        <p:blipFill>
+          <a:blip r:embed="rId6"/>
+          <a:stretch>
+            <a:fillRect/>
+          </a:stretch>
+        </p:blipFill>
+        <p:spPr>
+          <a:xfrm>
+            <a:off x="6802262" y="5518643"/>
+            <a:ext cx="1011165" cy="2160000"/>
+          </a:xfrm>
+          <a:prstGeom prst="rect">
+            <a:avLst/>
+          </a:prstGeom>
+          <a:ln w="12700">
+            <a:solidFill>
+              <a:schemeClr val="tx1"/>
+            </a:solidFill>
+          </a:ln>
+        </p:spPr>
+      </p:pic>
+      <p:pic>
+        <p:nvPicPr>
+          <p:cNvPr id="10" name="图片 9">
+            <a:extLst>
+              <a:ext uri="{FF2B5EF4-FFF2-40B4-BE49-F238E27FC236}">
+                <a16:creationId xmlns:a16="http://schemas.microsoft.com/office/drawing/2014/main" id="{E2762C5D-DF7C-4A00-B0E4-67BD23CE849C}"/>
+              </a:ext>
+            </a:extLst>
+          </p:cNvPr>
+          <p:cNvPicPr>
+            <a:picLocks noChangeAspect="1"/>
+          </p:cNvPicPr>
+          <p:nvPr/>
+        </p:nvPicPr>
+        <p:blipFill>
+          <a:blip r:embed="rId7"/>
+          <a:stretch>
+            <a:fillRect/>
+          </a:stretch>
+        </p:blipFill>
+        <p:spPr>
+          <a:xfrm>
+            <a:off x="5568301" y="5518643"/>
+            <a:ext cx="976816" cy="2160000"/>
+          </a:xfrm>
+          <a:prstGeom prst="rect">
+            <a:avLst/>
+          </a:prstGeom>
+          <a:ln w="12700">
+            <a:solidFill>
+              <a:schemeClr val="tx1"/>
+            </a:solidFill>
+          </a:ln>
+        </p:spPr>
+      </p:pic>
+      <p:pic>
+        <p:nvPicPr>
+          <p:cNvPr id="11" name="图片 10">
+            <a:extLst>
+              <a:ext uri="{FF2B5EF4-FFF2-40B4-BE49-F238E27FC236}">
+                <a16:creationId xmlns:a16="http://schemas.microsoft.com/office/drawing/2014/main" id="{6CDDA14F-639C-4E50-9B82-04B3711C713C}"/>
+              </a:ext>
+            </a:extLst>
+          </p:cNvPr>
+          <p:cNvPicPr>
+            <a:picLocks noChangeAspect="1"/>
+          </p:cNvPicPr>
+          <p:nvPr/>
+        </p:nvPicPr>
+        <p:blipFill>
+          <a:blip r:embed="rId8"/>
+          <a:stretch>
+            <a:fillRect/>
+          </a:stretch>
+        </p:blipFill>
+        <p:spPr>
+          <a:xfrm>
+            <a:off x="2600208" y="5518643"/>
+            <a:ext cx="1226902" cy="2160000"/>
+          </a:xfrm>
+          <a:prstGeom prst="rect">
+            <a:avLst/>
+          </a:prstGeom>
+          <a:ln w="12700">
+            <a:solidFill>
+              <a:schemeClr val="tx1"/>
+            </a:solidFill>
+          </a:ln>
+        </p:spPr>
+      </p:pic>
+      <p:pic>
+        <p:nvPicPr>
+          <p:cNvPr id="12" name="图片 11">
+            <a:extLst>
+              <a:ext uri="{FF2B5EF4-FFF2-40B4-BE49-F238E27FC236}">
+                <a16:creationId xmlns:a16="http://schemas.microsoft.com/office/drawing/2014/main" id="{215117C3-EDB0-49FA-9FC8-F426B2E768E0}"/>
+              </a:ext>
+            </a:extLst>
+          </p:cNvPr>
+          <p:cNvPicPr>
+            <a:picLocks noChangeAspect="1"/>
+          </p:cNvPicPr>
+          <p:nvPr/>
+        </p:nvPicPr>
+        <p:blipFill>
+          <a:blip r:embed="rId9"/>
+          <a:stretch>
+            <a:fillRect/>
+          </a:stretch>
+        </p:blipFill>
+        <p:spPr>
+          <a:xfrm>
+            <a:off x="4084255" y="5518643"/>
+            <a:ext cx="1226900" cy="2160000"/>
+          </a:xfrm>
+          <a:prstGeom prst="rect">
+            <a:avLst/>
+          </a:prstGeom>
+          <a:ln w="12700">
+            <a:solidFill>
+              <a:schemeClr val="tx1"/>
+            </a:solidFill>
+          </a:ln>
+        </p:spPr>
+      </p:pic>
+      <p:sp>
+        <p:nvSpPr>
+          <p:cNvPr id="13" name="文本框 12">
+            <a:extLst>
+              <a:ext uri="{FF2B5EF4-FFF2-40B4-BE49-F238E27FC236}">
+                <a16:creationId xmlns:a16="http://schemas.microsoft.com/office/drawing/2014/main" id="{A5812DE6-898F-43A0-81D1-209CD2405D98}"/>
+              </a:ext>
+            </a:extLst>
+          </p:cNvPr>
+          <p:cNvSpPr txBox="1"/>
+          <p:nvPr/>
+        </p:nvSpPr>
+        <p:spPr>
+          <a:xfrm>
+            <a:off x="3018562" y="4460849"/>
+            <a:ext cx="390194" cy="338554"/>
+          </a:xfrm>
+          <a:prstGeom prst="rect">
+            <a:avLst/>
+          </a:prstGeom>
+          <a:noFill/>
+        </p:spPr>
+        <p:txBody>
+          <a:bodyPr wrap="square" rtlCol="0">
+            <a:spAutoFit/>
+          </a:bodyPr>
+          <a:lstStyle/>
+          <a:p>
+            <a:r>
+              <a:rPr lang="en-US" altLang="zh-CN" sz="1600" dirty="0">
+                <a:latin typeface="Times New Roman" panose="02020603050405020304" pitchFamily="18" charset="0"/>
+                <a:cs typeface="Times New Roman" panose="02020603050405020304" pitchFamily="18" charset="0"/>
+              </a:rPr>
+              <a:t>(a)</a:t>
+            </a:r>
+            <a:endParaRPr lang="zh-CN" altLang="en-US" sz="1600" dirty="0">
+              <a:latin typeface="Times New Roman" panose="02020603050405020304" pitchFamily="18" charset="0"/>
+              <a:cs typeface="Times New Roman" panose="02020603050405020304" pitchFamily="18" charset="0"/>
+            </a:endParaRPr>
+          </a:p>
+        </p:txBody>
+      </p:sp>
+      <p:sp>
+        <p:nvSpPr>
+          <p:cNvPr id="15" name="文本框 14">
+            <a:extLst>
+              <a:ext uri="{FF2B5EF4-FFF2-40B4-BE49-F238E27FC236}">
+                <a16:creationId xmlns:a16="http://schemas.microsoft.com/office/drawing/2014/main" id="{ED627EF5-018B-471C-822E-202FDB8A77E3}"/>
+              </a:ext>
+            </a:extLst>
+          </p:cNvPr>
+          <p:cNvSpPr txBox="1"/>
+          <p:nvPr/>
+        </p:nvSpPr>
+        <p:spPr>
+          <a:xfrm>
+            <a:off x="4502608" y="4460849"/>
+            <a:ext cx="390194" cy="338554"/>
+          </a:xfrm>
+          <a:prstGeom prst="rect">
+            <a:avLst/>
+          </a:prstGeom>
+          <a:noFill/>
+        </p:spPr>
+        <p:txBody>
+          <a:bodyPr wrap="square" rtlCol="0">
+            <a:spAutoFit/>
+          </a:bodyPr>
+          <a:lstStyle/>
+          <a:p>
+            <a:r>
+              <a:rPr lang="en-US" altLang="zh-CN" sz="1600" dirty="0">
+                <a:latin typeface="Times New Roman" panose="02020603050405020304" pitchFamily="18" charset="0"/>
+                <a:cs typeface="Times New Roman" panose="02020603050405020304" pitchFamily="18" charset="0"/>
+              </a:rPr>
+              <a:t>(b)</a:t>
+            </a:r>
+            <a:endParaRPr lang="zh-CN" altLang="en-US" sz="1600" dirty="0">
+              <a:latin typeface="Times New Roman" panose="02020603050405020304" pitchFamily="18" charset="0"/>
+              <a:cs typeface="Times New Roman" panose="02020603050405020304" pitchFamily="18" charset="0"/>
+            </a:endParaRPr>
+          </a:p>
+        </p:txBody>
+      </p:sp>
+      <p:sp>
+        <p:nvSpPr>
+          <p:cNvPr id="16" name="文本框 15">
+            <a:extLst>
+              <a:ext uri="{FF2B5EF4-FFF2-40B4-BE49-F238E27FC236}">
+                <a16:creationId xmlns:a16="http://schemas.microsoft.com/office/drawing/2014/main" id="{319FC4CD-EF51-4610-99CC-E24AB2F9B6F9}"/>
+              </a:ext>
+            </a:extLst>
+          </p:cNvPr>
+          <p:cNvSpPr txBox="1"/>
+          <p:nvPr/>
+        </p:nvSpPr>
+        <p:spPr>
+          <a:xfrm>
+            <a:off x="5861612" y="4453607"/>
+            <a:ext cx="390194" cy="338554"/>
+          </a:xfrm>
+          <a:prstGeom prst="rect">
+            <a:avLst/>
+          </a:prstGeom>
+          <a:noFill/>
+        </p:spPr>
+        <p:txBody>
+          <a:bodyPr wrap="square" rtlCol="0">
+            <a:spAutoFit/>
+          </a:bodyPr>
+          <a:lstStyle/>
+          <a:p>
+            <a:r>
+              <a:rPr lang="en-US" altLang="zh-CN" sz="1600" dirty="0">
+                <a:latin typeface="Times New Roman" panose="02020603050405020304" pitchFamily="18" charset="0"/>
+                <a:cs typeface="Times New Roman" panose="02020603050405020304" pitchFamily="18" charset="0"/>
+              </a:rPr>
+              <a:t>(c)</a:t>
+            </a:r>
+            <a:endParaRPr lang="zh-CN" altLang="en-US" sz="1600" dirty="0">
+              <a:latin typeface="Times New Roman" panose="02020603050405020304" pitchFamily="18" charset="0"/>
+              <a:cs typeface="Times New Roman" panose="02020603050405020304" pitchFamily="18" charset="0"/>
+            </a:endParaRPr>
+          </a:p>
+        </p:txBody>
+      </p:sp>
+      <p:sp>
+        <p:nvSpPr>
+          <p:cNvPr id="17" name="文本框 16">
+            <a:extLst>
+              <a:ext uri="{FF2B5EF4-FFF2-40B4-BE49-F238E27FC236}">
+                <a16:creationId xmlns:a16="http://schemas.microsoft.com/office/drawing/2014/main" id="{C3E0443F-E2D1-4785-B258-3F79D533BD86}"/>
+              </a:ext>
+            </a:extLst>
+          </p:cNvPr>
+          <p:cNvSpPr txBox="1"/>
+          <p:nvPr/>
+        </p:nvSpPr>
+        <p:spPr>
+          <a:xfrm>
+            <a:off x="7112747" y="4460849"/>
+            <a:ext cx="390194" cy="338554"/>
+          </a:xfrm>
+          <a:prstGeom prst="rect">
+            <a:avLst/>
+          </a:prstGeom>
+          <a:noFill/>
+        </p:spPr>
+        <p:txBody>
+          <a:bodyPr wrap="square" rtlCol="0">
+            <a:spAutoFit/>
+          </a:bodyPr>
+          <a:lstStyle/>
+          <a:p>
+            <a:r>
+              <a:rPr lang="en-US" altLang="zh-CN" sz="1600" dirty="0">
+                <a:latin typeface="Times New Roman" panose="02020603050405020304" pitchFamily="18" charset="0"/>
+                <a:cs typeface="Times New Roman" panose="02020603050405020304" pitchFamily="18" charset="0"/>
+              </a:rPr>
+              <a:t>(d)</a:t>
+            </a:r>
+            <a:endParaRPr lang="zh-CN" altLang="en-US" sz="1600" dirty="0">
+              <a:latin typeface="Times New Roman" panose="02020603050405020304" pitchFamily="18" charset="0"/>
+              <a:cs typeface="Times New Roman" panose="02020603050405020304" pitchFamily="18" charset="0"/>
+            </a:endParaRPr>
+          </a:p>
+        </p:txBody>
+      </p:sp>
+      <p:sp>
+        <p:nvSpPr>
+          <p:cNvPr id="18" name="文本框 17">
+            <a:extLst>
+              <a:ext uri="{FF2B5EF4-FFF2-40B4-BE49-F238E27FC236}">
+                <a16:creationId xmlns:a16="http://schemas.microsoft.com/office/drawing/2014/main" id="{C8CA4A13-0D00-4B70-869C-8F5FD826AB11}"/>
+              </a:ext>
+            </a:extLst>
+          </p:cNvPr>
+          <p:cNvSpPr txBox="1"/>
+          <p:nvPr/>
+        </p:nvSpPr>
+        <p:spPr>
+          <a:xfrm>
+            <a:off x="3018562" y="7678643"/>
+            <a:ext cx="390194" cy="338554"/>
+          </a:xfrm>
+          <a:prstGeom prst="rect">
+            <a:avLst/>
+          </a:prstGeom>
+          <a:noFill/>
+        </p:spPr>
+        <p:txBody>
+          <a:bodyPr wrap="square" rtlCol="0">
+            <a:spAutoFit/>
+          </a:bodyPr>
+          <a:lstStyle/>
+          <a:p>
+            <a:r>
+              <a:rPr lang="en-US" altLang="zh-CN" sz="1600" dirty="0">
+                <a:latin typeface="Times New Roman" panose="02020603050405020304" pitchFamily="18" charset="0"/>
+                <a:cs typeface="Times New Roman" panose="02020603050405020304" pitchFamily="18" charset="0"/>
+              </a:rPr>
+              <a:t>(a)</a:t>
+            </a:r>
+            <a:endParaRPr lang="zh-CN" altLang="en-US" sz="1600" dirty="0">
+              <a:latin typeface="Times New Roman" panose="02020603050405020304" pitchFamily="18" charset="0"/>
+              <a:cs typeface="Times New Roman" panose="02020603050405020304" pitchFamily="18" charset="0"/>
+            </a:endParaRPr>
+          </a:p>
+        </p:txBody>
+      </p:sp>
+      <p:sp>
+        <p:nvSpPr>
+          <p:cNvPr id="19" name="文本框 18">
+            <a:extLst>
+              <a:ext uri="{FF2B5EF4-FFF2-40B4-BE49-F238E27FC236}">
+                <a16:creationId xmlns:a16="http://schemas.microsoft.com/office/drawing/2014/main" id="{7D1E8B21-E844-48F6-A784-C689DEA0D6BF}"/>
+              </a:ext>
+            </a:extLst>
+          </p:cNvPr>
+          <p:cNvSpPr txBox="1"/>
+          <p:nvPr/>
+        </p:nvSpPr>
+        <p:spPr>
+          <a:xfrm>
+            <a:off x="4502608" y="7678643"/>
+            <a:ext cx="390194" cy="338554"/>
+          </a:xfrm>
+          <a:prstGeom prst="rect">
+            <a:avLst/>
+          </a:prstGeom>
+          <a:noFill/>
+        </p:spPr>
+        <p:txBody>
+          <a:bodyPr wrap="square" rtlCol="0">
+            <a:spAutoFit/>
+          </a:bodyPr>
+          <a:lstStyle/>
+          <a:p>
+            <a:r>
+              <a:rPr lang="en-US" altLang="zh-CN" sz="1600" dirty="0">
+                <a:latin typeface="Times New Roman" panose="02020603050405020304" pitchFamily="18" charset="0"/>
+                <a:cs typeface="Times New Roman" panose="02020603050405020304" pitchFamily="18" charset="0"/>
+              </a:rPr>
+              <a:t>(b)</a:t>
+            </a:r>
+            <a:endParaRPr lang="zh-CN" altLang="en-US" sz="1600" dirty="0">
+              <a:latin typeface="Times New Roman" panose="02020603050405020304" pitchFamily="18" charset="0"/>
+              <a:cs typeface="Times New Roman" panose="02020603050405020304" pitchFamily="18" charset="0"/>
+            </a:endParaRPr>
+          </a:p>
+        </p:txBody>
+      </p:sp>
+      <p:sp>
+        <p:nvSpPr>
+          <p:cNvPr id="20" name="文本框 19">
+            <a:extLst>
+              <a:ext uri="{FF2B5EF4-FFF2-40B4-BE49-F238E27FC236}">
+                <a16:creationId xmlns:a16="http://schemas.microsoft.com/office/drawing/2014/main" id="{95108991-9323-4B43-824C-F48221B9AEFA}"/>
+              </a:ext>
+            </a:extLst>
+          </p:cNvPr>
+          <p:cNvSpPr txBox="1"/>
+          <p:nvPr/>
+        </p:nvSpPr>
+        <p:spPr>
+          <a:xfrm>
+            <a:off x="5878785" y="7678643"/>
+            <a:ext cx="390194" cy="338554"/>
+          </a:xfrm>
+          <a:prstGeom prst="rect">
+            <a:avLst/>
+          </a:prstGeom>
+          <a:noFill/>
+        </p:spPr>
+        <p:txBody>
+          <a:bodyPr wrap="square" rtlCol="0">
+            <a:spAutoFit/>
+          </a:bodyPr>
+          <a:lstStyle/>
+          <a:p>
+            <a:r>
+              <a:rPr lang="en-US" altLang="zh-CN" sz="1600" dirty="0">
+                <a:latin typeface="Times New Roman" panose="02020603050405020304" pitchFamily="18" charset="0"/>
+                <a:cs typeface="Times New Roman" panose="02020603050405020304" pitchFamily="18" charset="0"/>
+              </a:rPr>
+              <a:t>(c)</a:t>
+            </a:r>
+            <a:endParaRPr lang="zh-CN" altLang="en-US" sz="1600" dirty="0">
+              <a:latin typeface="Times New Roman" panose="02020603050405020304" pitchFamily="18" charset="0"/>
+              <a:cs typeface="Times New Roman" panose="02020603050405020304" pitchFamily="18" charset="0"/>
+            </a:endParaRPr>
+          </a:p>
+        </p:txBody>
+      </p:sp>
+      <p:sp>
+        <p:nvSpPr>
+          <p:cNvPr id="21" name="文本框 20">
+            <a:extLst>
+              <a:ext uri="{FF2B5EF4-FFF2-40B4-BE49-F238E27FC236}">
+                <a16:creationId xmlns:a16="http://schemas.microsoft.com/office/drawing/2014/main" id="{6D3BFCE0-B0A7-4318-AD78-4E8F9AFEE4ED}"/>
+              </a:ext>
+            </a:extLst>
+          </p:cNvPr>
+          <p:cNvSpPr txBox="1"/>
+          <p:nvPr/>
+        </p:nvSpPr>
+        <p:spPr>
+          <a:xfrm>
+            <a:off x="7112747" y="7678643"/>
+            <a:ext cx="390194" cy="338554"/>
+          </a:xfrm>
+          <a:prstGeom prst="rect">
+            <a:avLst/>
+          </a:prstGeom>
+          <a:noFill/>
+        </p:spPr>
+        <p:txBody>
+          <a:bodyPr wrap="square" rtlCol="0">
+            <a:spAutoFit/>
+          </a:bodyPr>
+          <a:lstStyle/>
+          <a:p>
+            <a:r>
+              <a:rPr lang="en-US" altLang="zh-CN" sz="1600" dirty="0">
+                <a:latin typeface="Times New Roman" panose="02020603050405020304" pitchFamily="18" charset="0"/>
+                <a:cs typeface="Times New Roman" panose="02020603050405020304" pitchFamily="18" charset="0"/>
+              </a:rPr>
+              <a:t>(d)</a:t>
+            </a:r>
+            <a:endParaRPr lang="zh-CN" altLang="en-US" sz="1600" dirty="0">
+              <a:latin typeface="Times New Roman" panose="02020603050405020304" pitchFamily="18" charset="0"/>
+              <a:cs typeface="Times New Roman" panose="02020603050405020304" pitchFamily="18" charset="0"/>
+            </a:endParaRPr>
+          </a:p>
+        </p:txBody>
+      </p:sp>
+      <p:sp>
+        <p:nvSpPr>
+          <p:cNvPr id="22" name="椭圆 21">
+            <a:extLst>
+              <a:ext uri="{FF2B5EF4-FFF2-40B4-BE49-F238E27FC236}">
+                <a16:creationId xmlns:a16="http://schemas.microsoft.com/office/drawing/2014/main" id="{2503B1C0-A20D-4F6B-903E-3C3143FB2916}"/>
+              </a:ext>
+            </a:extLst>
+          </p:cNvPr>
+          <p:cNvSpPr/>
+          <p:nvPr/>
+        </p:nvSpPr>
+        <p:spPr>
+          <a:xfrm>
+            <a:off x="2600208" y="5700183"/>
+            <a:ext cx="252207" cy="190537"/>
+          </a:xfrm>
+          <a:prstGeom prst="ellipse">
+            <a:avLst/>
+          </a:prstGeom>
+          <a:noFill/>
+          <a:ln w="12700">
+            <a:solidFill>
+              <a:schemeClr val="tx1"/>
+            </a:solidFill>
+            <a:prstDash val="sysDot"/>
+          </a:ln>
+        </p:spPr>
+        <p:style>
+          <a:lnRef idx="2">
+            <a:schemeClr val="accent1">
+              <a:shade val="50000"/>
+            </a:schemeClr>
+          </a:lnRef>
+          <a:fillRef idx="1">
+            <a:schemeClr val="accent1"/>
+          </a:fillRef>
+          <a:effectRef idx="0">
+            <a:schemeClr val="accent1"/>
+          </a:effectRef>
+          <a:fontRef idx="minor">
+            <a:schemeClr val="lt1"/>
+          </a:fontRef>
+        </p:style>
+        <p:txBody>
+          <a:bodyPr rtlCol="0" anchor="ctr"/>
+          <a:lstStyle/>
+          <a:p>
+            <a:pPr algn="ctr"/>
+            <a:endParaRPr lang="zh-CN" altLang="en-US" dirty="0"/>
+          </a:p>
+        </p:txBody>
+      </p:sp>
+      <p:sp>
+        <p:nvSpPr>
+          <p:cNvPr id="23" name="椭圆 22">
+            <a:extLst>
+              <a:ext uri="{FF2B5EF4-FFF2-40B4-BE49-F238E27FC236}">
+                <a16:creationId xmlns:a16="http://schemas.microsoft.com/office/drawing/2014/main" id="{0AC01615-32AA-4ADB-A19E-3A5A6B14618F}"/>
+              </a:ext>
+            </a:extLst>
+          </p:cNvPr>
+          <p:cNvSpPr/>
+          <p:nvPr/>
+        </p:nvSpPr>
+        <p:spPr>
+          <a:xfrm flipV="1">
+            <a:off x="7034167" y="5857197"/>
+            <a:ext cx="293225" cy="246926"/>
+          </a:xfrm>
+          <a:prstGeom prst="ellipse">
+            <a:avLst/>
+          </a:prstGeom>
+          <a:noFill/>
+          <a:ln w="12700">
+            <a:solidFill>
+              <a:schemeClr val="tx1"/>
+            </a:solidFill>
+            <a:prstDash val="sysDot"/>
+          </a:ln>
+        </p:spPr>
+        <p:style>
+          <a:lnRef idx="2">
+            <a:schemeClr val="accent1">
+              <a:shade val="50000"/>
+            </a:schemeClr>
+          </a:lnRef>
+          <a:fillRef idx="1">
+            <a:schemeClr val="accent1"/>
+          </a:fillRef>
+          <a:effectRef idx="0">
+            <a:schemeClr val="accent1"/>
+          </a:effectRef>
+          <a:fontRef idx="minor">
+            <a:schemeClr val="lt1"/>
+          </a:fontRef>
+        </p:style>
+        <p:txBody>
+          <a:bodyPr rtlCol="0" anchor="ctr"/>
+          <a:lstStyle/>
+          <a:p>
+            <a:pPr algn="ctr"/>
+            <a:endParaRPr lang="zh-CN" altLang="en-US"/>
+          </a:p>
+        </p:txBody>
+      </p:sp>
+    </p:spTree>
+    <p:extLst>
+      <p:ext uri="{BB962C8B-B14F-4D97-AF65-F5344CB8AC3E}">
+        <p14:creationId xmlns:p14="http://schemas.microsoft.com/office/powerpoint/2010/main" val="3605056225"/>
+      </p:ext>
+    </p:extLst>
+  </p:cSld>
+  <p:clrMapOvr>
+    <a:masterClrMapping/>
+  </p:clrMapOvr>
+</p:sld>
+</file>
+
+<file path=ppt/slides/slide18.xml><?xml version="1.0" encoding="utf-8"?>
+<p:sld xmlns:a="http://schemas.openxmlformats.org/drawingml/2006/main" xmlns:r="http://schemas.openxmlformats.org/officeDocument/2006/relationships" xmlns:p="http://schemas.openxmlformats.org/presentationml/2006/main">
+  <p:cSld>
+    <p:spTree>
+      <p:nvGrpSpPr>
+        <p:cNvPr id="1" name=""/>
+        <p:cNvGrpSpPr/>
+        <p:nvPr/>
+      </p:nvGrpSpPr>
+      <p:grpSpPr>
+        <a:xfrm>
+          <a:off x="0" y="0"/>
+          <a:ext cx="0" cy="0"/>
+          <a:chOff x="0" y="0"/>
+          <a:chExt cx="0" cy="0"/>
+        </a:xfrm>
+      </p:grpSpPr>
+      <p:pic>
+        <p:nvPicPr>
+          <p:cNvPr id="5" name="图片 4">
+            <a:extLst>
+              <a:ext uri="{FF2B5EF4-FFF2-40B4-BE49-F238E27FC236}">
+                <a16:creationId xmlns:a16="http://schemas.microsoft.com/office/drawing/2014/main" id="{D03BF657-5A97-4279-AC0A-3A1A04F7F1C3}"/>
+              </a:ext>
+            </a:extLst>
+          </p:cNvPr>
+          <p:cNvPicPr>
+            <a:picLocks noChangeAspect="1"/>
+          </p:cNvPicPr>
+          <p:nvPr/>
+        </p:nvPicPr>
+        <p:blipFill>
+          <a:blip r:embed="rId2">
+            <a:extLst>
+              <a:ext uri="{28A0092B-C50C-407E-A947-70E740481C1C}">
+                <a14:useLocalDpi xmlns:a14="http://schemas.microsoft.com/office/drawing/2010/main" val="0"/>
+              </a:ext>
+            </a:extLst>
+          </a:blip>
+          <a:stretch>
+            <a:fillRect/>
+          </a:stretch>
+        </p:blipFill>
+        <p:spPr>
+          <a:xfrm>
+            <a:off x="975513" y="417620"/>
+            <a:ext cx="1637293" cy="2880000"/>
+          </a:xfrm>
+          <a:prstGeom prst="rect">
+            <a:avLst/>
+          </a:prstGeom>
+          <a:ln w="12700">
+            <a:solidFill>
+              <a:schemeClr val="tx1"/>
+            </a:solidFill>
+          </a:ln>
+        </p:spPr>
+      </p:pic>
+      <p:pic>
+        <p:nvPicPr>
+          <p:cNvPr id="7" name="图片 6">
+            <a:extLst>
+              <a:ext uri="{FF2B5EF4-FFF2-40B4-BE49-F238E27FC236}">
+                <a16:creationId xmlns:a16="http://schemas.microsoft.com/office/drawing/2014/main" id="{AF8B70A9-C0AB-451B-A886-8054C894622A}"/>
+              </a:ext>
+            </a:extLst>
+          </p:cNvPr>
+          <p:cNvPicPr>
+            <a:picLocks noChangeAspect="1"/>
+          </p:cNvPicPr>
+          <p:nvPr/>
+        </p:nvPicPr>
+        <p:blipFill>
+          <a:blip r:embed="rId3">
+            <a:extLst>
+              <a:ext uri="{28A0092B-C50C-407E-A947-70E740481C1C}">
+                <a14:useLocalDpi xmlns:a14="http://schemas.microsoft.com/office/drawing/2010/main" val="0"/>
+              </a:ext>
+            </a:extLst>
+          </a:blip>
+          <a:stretch>
+            <a:fillRect/>
+          </a:stretch>
+        </p:blipFill>
+        <p:spPr>
+          <a:xfrm>
+            <a:off x="2776083" y="417620"/>
+            <a:ext cx="1637291" cy="2880000"/>
+          </a:xfrm>
+          <a:prstGeom prst="rect">
+            <a:avLst/>
+          </a:prstGeom>
+          <a:ln w="12700">
+            <a:solidFill>
+              <a:schemeClr val="tx1"/>
+            </a:solidFill>
+          </a:ln>
+        </p:spPr>
+      </p:pic>
+      <p:pic>
+        <p:nvPicPr>
+          <p:cNvPr id="9" name="图片 8">
+            <a:extLst>
+              <a:ext uri="{FF2B5EF4-FFF2-40B4-BE49-F238E27FC236}">
+                <a16:creationId xmlns:a16="http://schemas.microsoft.com/office/drawing/2014/main" id="{5C4614E0-BB0A-4BF3-A783-A0E560C728E5}"/>
+              </a:ext>
+            </a:extLst>
+          </p:cNvPr>
+          <p:cNvPicPr>
+            <a:picLocks noChangeAspect="1"/>
+          </p:cNvPicPr>
+          <p:nvPr/>
+        </p:nvPicPr>
+        <p:blipFill>
+          <a:blip r:embed="rId4">
+            <a:extLst>
+              <a:ext uri="{28A0092B-C50C-407E-A947-70E740481C1C}">
+                <a14:useLocalDpi xmlns:a14="http://schemas.microsoft.com/office/drawing/2010/main" val="0"/>
+              </a:ext>
+            </a:extLst>
+          </a:blip>
+          <a:stretch>
+            <a:fillRect/>
+          </a:stretch>
+        </p:blipFill>
+        <p:spPr>
+          <a:xfrm>
+            <a:off x="4576089" y="417620"/>
+            <a:ext cx="1637291" cy="2880000"/>
+          </a:xfrm>
+          <a:prstGeom prst="rect">
+            <a:avLst/>
+          </a:prstGeom>
+          <a:ln w="12700">
+            <a:solidFill>
+              <a:schemeClr val="tx1"/>
+            </a:solidFill>
+          </a:ln>
+        </p:spPr>
+      </p:pic>
+      <p:pic>
+        <p:nvPicPr>
+          <p:cNvPr id="11" name="图片 10">
+            <a:extLst>
+              <a:ext uri="{FF2B5EF4-FFF2-40B4-BE49-F238E27FC236}">
+                <a16:creationId xmlns:a16="http://schemas.microsoft.com/office/drawing/2014/main" id="{33D756A4-727F-471F-B942-5E9CA1BE2026}"/>
+              </a:ext>
+            </a:extLst>
+          </p:cNvPr>
+          <p:cNvPicPr>
+            <a:picLocks noChangeAspect="1"/>
+          </p:cNvPicPr>
+          <p:nvPr/>
+        </p:nvPicPr>
+        <p:blipFill>
+          <a:blip r:embed="rId5">
+            <a:extLst>
+              <a:ext uri="{28A0092B-C50C-407E-A947-70E740481C1C}">
+                <a14:useLocalDpi xmlns:a14="http://schemas.microsoft.com/office/drawing/2010/main" val="0"/>
+              </a:ext>
+            </a:extLst>
+          </a:blip>
+          <a:stretch>
+            <a:fillRect/>
+          </a:stretch>
+        </p:blipFill>
+        <p:spPr>
+          <a:xfrm>
+            <a:off x="6376095" y="417620"/>
+            <a:ext cx="1637291" cy="2880000"/>
+          </a:xfrm>
+          <a:prstGeom prst="rect">
+            <a:avLst/>
+          </a:prstGeom>
+          <a:ln w="12700">
+            <a:solidFill>
+              <a:schemeClr val="tx1"/>
+            </a:solidFill>
+          </a:ln>
+        </p:spPr>
+      </p:pic>
+      <p:pic>
+        <p:nvPicPr>
+          <p:cNvPr id="13" name="图片 12">
+            <a:extLst>
+              <a:ext uri="{FF2B5EF4-FFF2-40B4-BE49-F238E27FC236}">
+                <a16:creationId xmlns:a16="http://schemas.microsoft.com/office/drawing/2014/main" id="{BDCC3C51-59CD-4538-A426-29831886B83C}"/>
+              </a:ext>
+            </a:extLst>
+          </p:cNvPr>
+          <p:cNvPicPr>
+            <a:picLocks noChangeAspect="1"/>
+          </p:cNvPicPr>
+          <p:nvPr/>
+        </p:nvPicPr>
+        <p:blipFill>
+          <a:blip r:embed="rId6">
+            <a:extLst>
+              <a:ext uri="{28A0092B-C50C-407E-A947-70E740481C1C}">
+                <a14:useLocalDpi xmlns:a14="http://schemas.microsoft.com/office/drawing/2010/main" val="0"/>
+              </a:ext>
+            </a:extLst>
+          </a:blip>
+          <a:stretch>
+            <a:fillRect/>
+          </a:stretch>
+        </p:blipFill>
+        <p:spPr>
+          <a:xfrm>
+            <a:off x="8176101" y="417620"/>
+            <a:ext cx="1637291" cy="2880000"/>
+          </a:xfrm>
+          <a:prstGeom prst="rect">
+            <a:avLst/>
+          </a:prstGeom>
+          <a:ln w="12700">
+            <a:solidFill>
+              <a:schemeClr val="tx1"/>
+            </a:solidFill>
+          </a:ln>
+        </p:spPr>
+      </p:pic>
+      <p:graphicFrame>
+        <p:nvGraphicFramePr>
+          <p:cNvPr id="14" name="表格 13">
+            <a:extLst>
+              <a:ext uri="{FF2B5EF4-FFF2-40B4-BE49-F238E27FC236}">
+                <a16:creationId xmlns:a16="http://schemas.microsoft.com/office/drawing/2014/main" id="{3692863D-65F6-4449-A971-89E579181890}"/>
+              </a:ext>
+            </a:extLst>
+          </p:cNvPr>
+          <p:cNvGraphicFramePr>
+            <a:graphicFrameLocks noGrp="1"/>
+          </p:cNvGraphicFramePr>
+          <p:nvPr>
+            <p:extLst>
+              <p:ext uri="{D42A27DB-BD31-4B8C-83A1-F6EECF244321}">
+                <p14:modId xmlns:p14="http://schemas.microsoft.com/office/powerpoint/2010/main" val="3017293829"/>
+              </p:ext>
+            </p:extLst>
+          </p:nvPr>
+        </p:nvGraphicFramePr>
+        <p:xfrm>
+          <a:off x="1330734" y="5534734"/>
+          <a:ext cx="8128002" cy="1112520"/>
+        </p:xfrm>
+        <a:graphic>
+          <a:graphicData uri="http://schemas.openxmlformats.org/drawingml/2006/table">
+            <a:tbl>
+              <a:tblPr firstRow="1" bandRow="1">
+                <a:tableStyleId>{5C22544A-7EE6-4342-B048-85BDC9FD1C3A}</a:tableStyleId>
+              </a:tblPr>
+              <a:tblGrid>
+                <a:gridCol w="1354667">
+                  <a:extLst>
+                    <a:ext uri="{9D8B030D-6E8A-4147-A177-3AD203B41FA5}">
+                      <a16:colId xmlns:a16="http://schemas.microsoft.com/office/drawing/2014/main" val="727660697"/>
+                    </a:ext>
+                  </a:extLst>
+                </a:gridCol>
+                <a:gridCol w="1354667">
+                  <a:extLst>
+                    <a:ext uri="{9D8B030D-6E8A-4147-A177-3AD203B41FA5}">
+                      <a16:colId xmlns:a16="http://schemas.microsoft.com/office/drawing/2014/main" val="298738784"/>
+                    </a:ext>
+                  </a:extLst>
+                </a:gridCol>
+                <a:gridCol w="1354667">
+                  <a:extLst>
+                    <a:ext uri="{9D8B030D-6E8A-4147-A177-3AD203B41FA5}">
+                      <a16:colId xmlns:a16="http://schemas.microsoft.com/office/drawing/2014/main" val="1868968046"/>
+                    </a:ext>
+                  </a:extLst>
+                </a:gridCol>
+                <a:gridCol w="1354667">
+                  <a:extLst>
+                    <a:ext uri="{9D8B030D-6E8A-4147-A177-3AD203B41FA5}">
+                      <a16:colId xmlns:a16="http://schemas.microsoft.com/office/drawing/2014/main" val="3601571474"/>
+                    </a:ext>
+                  </a:extLst>
+                </a:gridCol>
+                <a:gridCol w="1354667">
+                  <a:extLst>
+                    <a:ext uri="{9D8B030D-6E8A-4147-A177-3AD203B41FA5}">
+                      <a16:colId xmlns:a16="http://schemas.microsoft.com/office/drawing/2014/main" val="2344624204"/>
+                    </a:ext>
+                  </a:extLst>
+                </a:gridCol>
+                <a:gridCol w="1354667">
+                  <a:extLst>
+                    <a:ext uri="{9D8B030D-6E8A-4147-A177-3AD203B41FA5}">
+                      <a16:colId xmlns:a16="http://schemas.microsoft.com/office/drawing/2014/main" val="692039184"/>
+                    </a:ext>
+                  </a:extLst>
+                </a:gridCol>
+              </a:tblGrid>
+              <a:tr h="370840">
+                <a:tc>
+                  <a:txBody>
+                    <a:bodyPr/>
+                    <a:lstStyle/>
+                    <a:p>
+                      <a:endParaRPr lang="zh-CN" altLang="en-US" dirty="0"/>
+                    </a:p>
+                  </a:txBody>
+                  <a:tcPr>
+                    <a:lnL w="12700" cap="flat" cmpd="sng" algn="ctr">
+                      <a:solidFill>
+                        <a:schemeClr val="tx1"/>
+                      </a:solidFill>
+                      <a:prstDash val="solid"/>
+                      <a:round/>
+                      <a:headEnd type="none" w="med" len="med"/>
+                      <a:tailEnd type="none" w="med" len="med"/>
+                    </a:lnL>
+                    <a:lnR w="12700" cap="flat" cmpd="sng" algn="ctr">
+                      <a:solidFill>
+                        <a:schemeClr val="tx1"/>
+                      </a:solidFill>
+                      <a:prstDash val="solid"/>
+                      <a:round/>
+                      <a:headEnd type="none" w="med" len="med"/>
+                      <a:tailEnd type="none" w="med" len="med"/>
+                    </a:lnR>
+                    <a:lnT w="12700" cap="flat" cmpd="sng" algn="ctr">
+                      <a:solidFill>
+                        <a:schemeClr val="tx1"/>
+                      </a:solidFill>
+                      <a:prstDash val="solid"/>
+                      <a:round/>
+                      <a:headEnd type="none" w="med" len="med"/>
+                      <a:tailEnd type="none" w="med" len="med"/>
+                    </a:lnT>
+                    <a:lnB w="12700" cap="flat" cmpd="sng" algn="ctr">
+                      <a:solidFill>
+                        <a:schemeClr val="tx1"/>
+                      </a:solidFill>
+                      <a:prstDash val="solid"/>
+                      <a:round/>
+                      <a:headEnd type="none" w="med" len="med"/>
+                      <a:tailEnd type="none" w="med" len="med"/>
+                    </a:lnB>
+                    <a:noFill/>
+                  </a:tcPr>
+                </a:tc>
+                <a:tc>
+                  <a:txBody>
+                    <a:bodyPr/>
+                    <a:lstStyle/>
+                    <a:p>
+                      <a:r>
+                        <a:rPr lang="en-US" altLang="zh-CN" dirty="0">
+                          <a:solidFill>
+                            <a:sysClr val="windowText" lastClr="000000"/>
+                          </a:solidFill>
+                        </a:rPr>
+                        <a:t>a</a:t>
+                      </a:r>
+                      <a:endParaRPr lang="zh-CN" altLang="en-US" dirty="0">
+                        <a:solidFill>
+                          <a:sysClr val="windowText" lastClr="000000"/>
+                        </a:solidFill>
+                      </a:endParaRPr>
+                    </a:p>
+                  </a:txBody>
+                  <a:tcPr>
+                    <a:lnL w="12700" cap="flat" cmpd="sng" algn="ctr">
+                      <a:solidFill>
+                        <a:schemeClr val="tx1"/>
+                      </a:solidFill>
+                      <a:prstDash val="solid"/>
+                      <a:round/>
+                      <a:headEnd type="none" w="med" len="med"/>
+                      <a:tailEnd type="none" w="med" len="med"/>
+                    </a:lnL>
+                    <a:lnR w="12700" cap="flat" cmpd="sng" algn="ctr">
+                      <a:solidFill>
+                        <a:schemeClr val="tx1"/>
+                      </a:solidFill>
+                      <a:prstDash val="solid"/>
+                      <a:round/>
+                      <a:headEnd type="none" w="med" len="med"/>
+                      <a:tailEnd type="none" w="med" len="med"/>
+                    </a:lnR>
+                    <a:lnT w="12700" cap="flat" cmpd="sng" algn="ctr">
+                      <a:solidFill>
+                        <a:schemeClr val="tx1"/>
+                      </a:solidFill>
+                      <a:prstDash val="solid"/>
+                      <a:round/>
+                      <a:headEnd type="none" w="med" len="med"/>
+                      <a:tailEnd type="none" w="med" len="med"/>
+                    </a:lnT>
+                    <a:lnB w="12700" cap="flat" cmpd="sng" algn="ctr">
+                      <a:solidFill>
+                        <a:schemeClr val="tx1"/>
+                      </a:solidFill>
+                      <a:prstDash val="solid"/>
+                      <a:round/>
+                      <a:headEnd type="none" w="med" len="med"/>
+                      <a:tailEnd type="none" w="med" len="med"/>
+                    </a:lnB>
+                    <a:noFill/>
+                  </a:tcPr>
+                </a:tc>
+                <a:tc>
+                  <a:txBody>
+                    <a:bodyPr/>
+                    <a:lstStyle/>
+                    <a:p>
+                      <a:r>
+                        <a:rPr lang="en-US" altLang="zh-CN" dirty="0">
+                          <a:solidFill>
+                            <a:sysClr val="windowText" lastClr="000000"/>
+                          </a:solidFill>
+                        </a:rPr>
+                        <a:t>b</a:t>
+                      </a:r>
+                      <a:endParaRPr lang="zh-CN" altLang="en-US" dirty="0">
+                        <a:solidFill>
+                          <a:sysClr val="windowText" lastClr="000000"/>
+                        </a:solidFill>
+                      </a:endParaRPr>
+                    </a:p>
+                  </a:txBody>
+                  <a:tcPr>
+                    <a:lnL w="12700" cap="flat" cmpd="sng" algn="ctr">
+                      <a:solidFill>
+                        <a:schemeClr val="tx1"/>
+                      </a:solidFill>
+                      <a:prstDash val="solid"/>
+                      <a:round/>
+                      <a:headEnd type="none" w="med" len="med"/>
+                      <a:tailEnd type="none" w="med" len="med"/>
+                    </a:lnL>
+                    <a:lnR w="12700" cap="flat" cmpd="sng" algn="ctr">
+                      <a:solidFill>
+                        <a:schemeClr val="tx1"/>
+                      </a:solidFill>
+                      <a:prstDash val="solid"/>
+                      <a:round/>
+                      <a:headEnd type="none" w="med" len="med"/>
+                      <a:tailEnd type="none" w="med" len="med"/>
+                    </a:lnR>
+                    <a:lnT w="12700" cap="flat" cmpd="sng" algn="ctr">
+                      <a:solidFill>
+                        <a:schemeClr val="tx1"/>
+                      </a:solidFill>
+                      <a:prstDash val="solid"/>
+                      <a:round/>
+                      <a:headEnd type="none" w="med" len="med"/>
+                      <a:tailEnd type="none" w="med" len="med"/>
+                    </a:lnT>
+                    <a:lnB w="12700" cap="flat" cmpd="sng" algn="ctr">
+                      <a:solidFill>
+                        <a:schemeClr val="tx1"/>
+                      </a:solidFill>
+                      <a:prstDash val="solid"/>
+                      <a:round/>
+                      <a:headEnd type="none" w="med" len="med"/>
+                      <a:tailEnd type="none" w="med" len="med"/>
+                    </a:lnB>
+                    <a:noFill/>
+                  </a:tcPr>
+                </a:tc>
+                <a:tc>
+                  <a:txBody>
+                    <a:bodyPr/>
+                    <a:lstStyle/>
+                    <a:p>
+                      <a:r>
+                        <a:rPr lang="en-US" altLang="zh-CN" dirty="0">
+                          <a:solidFill>
+                            <a:sysClr val="windowText" lastClr="000000"/>
+                          </a:solidFill>
+                        </a:rPr>
+                        <a:t>c</a:t>
+                      </a:r>
+                      <a:endParaRPr lang="zh-CN" altLang="en-US" dirty="0">
+                        <a:solidFill>
+                          <a:sysClr val="windowText" lastClr="000000"/>
+                        </a:solidFill>
+                      </a:endParaRPr>
+                    </a:p>
+                  </a:txBody>
+                  <a:tcPr>
+                    <a:lnL w="12700" cap="flat" cmpd="sng" algn="ctr">
+                      <a:solidFill>
+                        <a:schemeClr val="tx1"/>
+                      </a:solidFill>
+                      <a:prstDash val="solid"/>
+                      <a:round/>
+                      <a:headEnd type="none" w="med" len="med"/>
+                      <a:tailEnd type="none" w="med" len="med"/>
+                    </a:lnL>
+                    <a:lnR w="12700" cap="flat" cmpd="sng" algn="ctr">
+                      <a:solidFill>
+                        <a:schemeClr val="tx1"/>
+                      </a:solidFill>
+                      <a:prstDash val="solid"/>
+                      <a:round/>
+                      <a:headEnd type="none" w="med" len="med"/>
+                      <a:tailEnd type="none" w="med" len="med"/>
+                    </a:lnR>
+                    <a:lnT w="12700" cap="flat" cmpd="sng" algn="ctr">
+                      <a:solidFill>
+                        <a:schemeClr val="tx1"/>
+                      </a:solidFill>
+                      <a:prstDash val="solid"/>
+                      <a:round/>
+                      <a:headEnd type="none" w="med" len="med"/>
+                      <a:tailEnd type="none" w="med" len="med"/>
+                    </a:lnT>
+                    <a:lnB w="12700" cap="flat" cmpd="sng" algn="ctr">
+                      <a:solidFill>
+                        <a:schemeClr val="tx1"/>
+                      </a:solidFill>
+                      <a:prstDash val="solid"/>
+                      <a:round/>
+                      <a:headEnd type="none" w="med" len="med"/>
+                      <a:tailEnd type="none" w="med" len="med"/>
+                    </a:lnB>
+                    <a:noFill/>
+                  </a:tcPr>
+                </a:tc>
+                <a:tc>
+                  <a:txBody>
+                    <a:bodyPr/>
+                    <a:lstStyle/>
+                    <a:p>
+                      <a:r>
+                        <a:rPr lang="en-US" altLang="zh-CN" dirty="0">
+                          <a:solidFill>
+                            <a:sysClr val="windowText" lastClr="000000"/>
+                          </a:solidFill>
+                        </a:rPr>
+                        <a:t>d</a:t>
+                      </a:r>
+                      <a:endParaRPr lang="zh-CN" altLang="en-US" dirty="0">
+                        <a:solidFill>
+                          <a:sysClr val="windowText" lastClr="000000"/>
+                        </a:solidFill>
+                      </a:endParaRPr>
+                    </a:p>
+                  </a:txBody>
+                  <a:tcPr>
+                    <a:lnL w="12700" cap="flat" cmpd="sng" algn="ctr">
+                      <a:solidFill>
+                        <a:schemeClr val="tx1"/>
+                      </a:solidFill>
+                      <a:prstDash val="solid"/>
+                      <a:round/>
+                      <a:headEnd type="none" w="med" len="med"/>
+                      <a:tailEnd type="none" w="med" len="med"/>
+                    </a:lnL>
+                    <a:lnR w="12700" cap="flat" cmpd="sng" algn="ctr">
+                      <a:solidFill>
+                        <a:schemeClr val="tx1"/>
+                      </a:solidFill>
+                      <a:prstDash val="solid"/>
+                      <a:round/>
+                      <a:headEnd type="none" w="med" len="med"/>
+                      <a:tailEnd type="none" w="med" len="med"/>
+                    </a:lnR>
+                    <a:lnT w="12700" cap="flat" cmpd="sng" algn="ctr">
+                      <a:solidFill>
+                        <a:schemeClr val="tx1"/>
+                      </a:solidFill>
+                      <a:prstDash val="solid"/>
+                      <a:round/>
+                      <a:headEnd type="none" w="med" len="med"/>
+                      <a:tailEnd type="none" w="med" len="med"/>
+                    </a:lnT>
+                    <a:lnB w="12700" cap="flat" cmpd="sng" algn="ctr">
+                      <a:solidFill>
+                        <a:schemeClr val="tx1"/>
+                      </a:solidFill>
+                      <a:prstDash val="solid"/>
+                      <a:round/>
+                      <a:headEnd type="none" w="med" len="med"/>
+                      <a:tailEnd type="none" w="med" len="med"/>
+                    </a:lnB>
+                    <a:noFill/>
+                  </a:tcPr>
+                </a:tc>
+                <a:tc>
+                  <a:txBody>
+                    <a:bodyPr/>
+                    <a:lstStyle/>
+                    <a:p>
+                      <a:r>
+                        <a:rPr lang="en-US" altLang="zh-CN" dirty="0">
+                          <a:solidFill>
+                            <a:sysClr val="windowText" lastClr="000000"/>
+                          </a:solidFill>
+                        </a:rPr>
+                        <a:t>e</a:t>
+                      </a:r>
+                      <a:endParaRPr lang="zh-CN" altLang="en-US" dirty="0">
+                        <a:solidFill>
+                          <a:sysClr val="windowText" lastClr="000000"/>
+                        </a:solidFill>
+                      </a:endParaRPr>
+                    </a:p>
+                  </a:txBody>
+                  <a:tcPr>
+                    <a:lnL w="12700" cap="flat" cmpd="sng" algn="ctr">
+                      <a:solidFill>
+                        <a:schemeClr val="tx1"/>
+                      </a:solidFill>
+                      <a:prstDash val="solid"/>
+                      <a:round/>
+                      <a:headEnd type="none" w="med" len="med"/>
+                      <a:tailEnd type="none" w="med" len="med"/>
+                    </a:lnL>
+                    <a:lnR w="12700" cap="flat" cmpd="sng" algn="ctr">
+                      <a:solidFill>
+                        <a:schemeClr val="tx1"/>
+                      </a:solidFill>
+                      <a:prstDash val="solid"/>
+                      <a:round/>
+                      <a:headEnd type="none" w="med" len="med"/>
+                      <a:tailEnd type="none" w="med" len="med"/>
+                    </a:lnR>
+                    <a:lnT w="12700" cap="flat" cmpd="sng" algn="ctr">
+                      <a:solidFill>
+                        <a:schemeClr val="tx1"/>
+                      </a:solidFill>
+                      <a:prstDash val="solid"/>
+                      <a:round/>
+                      <a:headEnd type="none" w="med" len="med"/>
+                      <a:tailEnd type="none" w="med" len="med"/>
+                    </a:lnT>
+                    <a:lnB w="12700" cap="flat" cmpd="sng" algn="ctr">
+                      <a:solidFill>
+                        <a:schemeClr val="tx1"/>
+                      </a:solidFill>
+                      <a:prstDash val="solid"/>
+                      <a:round/>
+                      <a:headEnd type="none" w="med" len="med"/>
+                      <a:tailEnd type="none" w="med" len="med"/>
+                    </a:lnB>
+                    <a:noFill/>
+                  </a:tcPr>
+                </a:tc>
+                <a:extLst>
+                  <a:ext uri="{0D108BD9-81ED-4DB2-BD59-A6C34878D82A}">
+                    <a16:rowId xmlns:a16="http://schemas.microsoft.com/office/drawing/2014/main" val="506135297"/>
+                  </a:ext>
+                </a:extLst>
+              </a:tr>
+              <a:tr h="370840">
+                <a:tc>
+                  <a:txBody>
+                    <a:bodyPr/>
+                    <a:lstStyle/>
+                    <a:p>
+                      <a:r>
+                        <a:rPr lang="en-US" altLang="zh-CN" dirty="0"/>
+                        <a:t>FFT</a:t>
+                      </a:r>
+                      <a:endParaRPr lang="zh-CN" altLang="en-US" dirty="0"/>
+                    </a:p>
+                  </a:txBody>
+                  <a:tcPr>
+                    <a:lnL w="12700" cap="flat" cmpd="sng" algn="ctr">
+                      <a:solidFill>
+                        <a:schemeClr val="tx1"/>
+                      </a:solidFill>
+                      <a:prstDash val="solid"/>
+                      <a:round/>
+                      <a:headEnd type="none" w="med" len="med"/>
+                      <a:tailEnd type="none" w="med" len="med"/>
+                    </a:lnL>
+                    <a:lnR w="12700" cap="flat" cmpd="sng" algn="ctr">
+                      <a:solidFill>
+                        <a:schemeClr val="tx1"/>
+                      </a:solidFill>
+                      <a:prstDash val="solid"/>
+                      <a:round/>
+                      <a:headEnd type="none" w="med" len="med"/>
+                      <a:tailEnd type="none" w="med" len="med"/>
+                    </a:lnR>
+                    <a:lnT w="12700" cap="flat" cmpd="sng" algn="ctr">
+                      <a:solidFill>
+                        <a:schemeClr val="tx1"/>
+                      </a:solidFill>
+                      <a:prstDash val="solid"/>
+                      <a:round/>
+                      <a:headEnd type="none" w="med" len="med"/>
+                      <a:tailEnd type="none" w="med" len="med"/>
+                    </a:lnT>
+                    <a:lnB w="12700" cap="flat" cmpd="sng" algn="ctr">
+                      <a:solidFill>
+                        <a:schemeClr val="tx1"/>
+                      </a:solidFill>
+                      <a:prstDash val="solid"/>
+                      <a:round/>
+                      <a:headEnd type="none" w="med" len="med"/>
+                      <a:tailEnd type="none" w="med" len="med"/>
+                    </a:lnB>
+                    <a:noFill/>
+                  </a:tcPr>
+                </a:tc>
+                <a:tc>
+                  <a:txBody>
+                    <a:bodyPr/>
+                    <a:lstStyle/>
+                    <a:p>
+                      <a:pPr algn="ctr">
+                        <a:spcAft>
+                          <a:spcPts val="0"/>
+                        </a:spcAft>
+                      </a:pPr>
+                      <a:r>
+                        <a:rPr lang="en-US" sz="1050" kern="1200">
+                          <a:solidFill>
+                            <a:srgbClr val="000000"/>
+                          </a:solidFill>
+                          <a:effectLst/>
+                          <a:latin typeface="Times New Roman" panose="02020603050405020304" pitchFamily="18" charset="0"/>
+                          <a:ea typeface="等线" panose="02010600030101010101" pitchFamily="2" charset="-122"/>
+                        </a:rPr>
+                        <a:t>40</a:t>
+                      </a:r>
+                      <a:endParaRPr lang="zh-CN" sz="1050" kern="100">
+                        <a:effectLst/>
+                        <a:latin typeface="Times New Roman" panose="02020603050405020304" pitchFamily="18" charset="0"/>
+                        <a:ea typeface="宋体" panose="02010600030101010101" pitchFamily="2" charset="-122"/>
+                      </a:endParaRPr>
+                    </a:p>
+                  </a:txBody>
+                  <a:tcPr marL="68580" marR="68580" marT="0" marB="0" anchor="ctr">
+                    <a:lnL w="12700" cap="flat" cmpd="sng" algn="ctr">
+                      <a:solidFill>
+                        <a:schemeClr val="tx1"/>
+                      </a:solidFill>
+                      <a:prstDash val="solid"/>
+                      <a:round/>
+                      <a:headEnd type="none" w="med" len="med"/>
+                      <a:tailEnd type="none" w="med" len="med"/>
+                    </a:lnL>
+                    <a:lnR w="12700" cap="flat" cmpd="sng" algn="ctr">
+                      <a:solidFill>
+                        <a:schemeClr val="tx1"/>
+                      </a:solidFill>
+                      <a:prstDash val="solid"/>
+                      <a:round/>
+                      <a:headEnd type="none" w="med" len="med"/>
+                      <a:tailEnd type="none" w="med" len="med"/>
+                    </a:lnR>
+                    <a:lnT w="12700" cap="flat" cmpd="sng" algn="ctr">
+                      <a:solidFill>
+                        <a:schemeClr val="tx1"/>
+                      </a:solidFill>
+                      <a:prstDash val="solid"/>
+                      <a:round/>
+                      <a:headEnd type="none" w="med" len="med"/>
+                      <a:tailEnd type="none" w="med" len="med"/>
+                    </a:lnT>
+                    <a:lnB w="12700" cap="flat" cmpd="sng" algn="ctr">
+                      <a:solidFill>
+                        <a:schemeClr val="tx1"/>
+                      </a:solidFill>
+                      <a:prstDash val="solid"/>
+                      <a:round/>
+                      <a:headEnd type="none" w="med" len="med"/>
+                      <a:tailEnd type="none" w="med" len="med"/>
+                    </a:lnB>
+                    <a:noFill/>
+                  </a:tcPr>
+                </a:tc>
+                <a:tc>
+                  <a:txBody>
+                    <a:bodyPr/>
+                    <a:lstStyle/>
+                    <a:p>
+                      <a:pPr algn="ctr">
+                        <a:spcAft>
+                          <a:spcPts val="0"/>
+                        </a:spcAft>
+                      </a:pPr>
+                      <a:r>
+                        <a:rPr lang="en-US" sz="1050" kern="1200">
+                          <a:solidFill>
+                            <a:srgbClr val="000000"/>
+                          </a:solidFill>
+                          <a:effectLst/>
+                          <a:latin typeface="Times New Roman" panose="02020603050405020304" pitchFamily="18" charset="0"/>
+                          <a:ea typeface="等线" panose="02010600030101010101" pitchFamily="2" charset="-122"/>
+                        </a:rPr>
+                        <a:t>28</a:t>
+                      </a:r>
+                      <a:endParaRPr lang="zh-CN" sz="1050" kern="100">
+                        <a:effectLst/>
+                        <a:latin typeface="Times New Roman" panose="02020603050405020304" pitchFamily="18" charset="0"/>
+                        <a:ea typeface="宋体" panose="02010600030101010101" pitchFamily="2" charset="-122"/>
+                      </a:endParaRPr>
+                    </a:p>
+                  </a:txBody>
+                  <a:tcPr marL="68580" marR="68580" marT="0" marB="0" anchor="ctr">
+                    <a:lnL w="12700" cap="flat" cmpd="sng" algn="ctr">
+                      <a:solidFill>
+                        <a:schemeClr val="tx1"/>
+                      </a:solidFill>
+                      <a:prstDash val="solid"/>
+                      <a:round/>
+                      <a:headEnd type="none" w="med" len="med"/>
+                      <a:tailEnd type="none" w="med" len="med"/>
+                    </a:lnL>
+                    <a:lnR w="12700" cap="flat" cmpd="sng" algn="ctr">
+                      <a:solidFill>
+                        <a:schemeClr val="tx1"/>
+                      </a:solidFill>
+                      <a:prstDash val="solid"/>
+                      <a:round/>
+                      <a:headEnd type="none" w="med" len="med"/>
+                      <a:tailEnd type="none" w="med" len="med"/>
+                    </a:lnR>
+                    <a:lnT w="12700" cap="flat" cmpd="sng" algn="ctr">
+                      <a:solidFill>
+                        <a:schemeClr val="tx1"/>
+                      </a:solidFill>
+                      <a:prstDash val="solid"/>
+                      <a:round/>
+                      <a:headEnd type="none" w="med" len="med"/>
+                      <a:tailEnd type="none" w="med" len="med"/>
+                    </a:lnT>
+                    <a:lnB w="12700" cap="flat" cmpd="sng" algn="ctr">
+                      <a:solidFill>
+                        <a:schemeClr val="tx1"/>
+                      </a:solidFill>
+                      <a:prstDash val="solid"/>
+                      <a:round/>
+                      <a:headEnd type="none" w="med" len="med"/>
+                      <a:tailEnd type="none" w="med" len="med"/>
+                    </a:lnB>
+                    <a:noFill/>
+                  </a:tcPr>
+                </a:tc>
+                <a:tc>
+                  <a:txBody>
+                    <a:bodyPr/>
+                    <a:lstStyle/>
+                    <a:p>
+                      <a:pPr algn="ctr">
+                        <a:spcAft>
+                          <a:spcPts val="0"/>
+                        </a:spcAft>
+                      </a:pPr>
+                      <a:r>
+                        <a:rPr lang="en-US" sz="1050" kern="1200">
+                          <a:solidFill>
+                            <a:srgbClr val="000000"/>
+                          </a:solidFill>
+                          <a:effectLst/>
+                          <a:latin typeface="Times New Roman" panose="02020603050405020304" pitchFamily="18" charset="0"/>
+                          <a:ea typeface="等线" panose="02010600030101010101" pitchFamily="2" charset="-122"/>
+                        </a:rPr>
+                        <a:t>46</a:t>
+                      </a:r>
+                      <a:endParaRPr lang="zh-CN" sz="1050" kern="100">
+                        <a:effectLst/>
+                        <a:latin typeface="Times New Roman" panose="02020603050405020304" pitchFamily="18" charset="0"/>
+                        <a:ea typeface="宋体" panose="02010600030101010101" pitchFamily="2" charset="-122"/>
+                      </a:endParaRPr>
+                    </a:p>
+                  </a:txBody>
+                  <a:tcPr marL="68580" marR="68580" marT="0" marB="0" anchor="ctr">
+                    <a:lnL w="12700" cap="flat" cmpd="sng" algn="ctr">
+                      <a:solidFill>
+                        <a:schemeClr val="tx1"/>
+                      </a:solidFill>
+                      <a:prstDash val="solid"/>
+                      <a:round/>
+                      <a:headEnd type="none" w="med" len="med"/>
+                      <a:tailEnd type="none" w="med" len="med"/>
+                    </a:lnL>
+                    <a:lnR w="12700" cap="flat" cmpd="sng" algn="ctr">
+                      <a:solidFill>
+                        <a:schemeClr val="tx1"/>
+                      </a:solidFill>
+                      <a:prstDash val="solid"/>
+                      <a:round/>
+                      <a:headEnd type="none" w="med" len="med"/>
+                      <a:tailEnd type="none" w="med" len="med"/>
+                    </a:lnR>
+                    <a:lnT w="12700" cap="flat" cmpd="sng" algn="ctr">
+                      <a:solidFill>
+                        <a:schemeClr val="tx1"/>
+                      </a:solidFill>
+                      <a:prstDash val="solid"/>
+                      <a:round/>
+                      <a:headEnd type="none" w="med" len="med"/>
+                      <a:tailEnd type="none" w="med" len="med"/>
+                    </a:lnT>
+                    <a:lnB w="12700" cap="flat" cmpd="sng" algn="ctr">
+                      <a:solidFill>
+                        <a:schemeClr val="tx1"/>
+                      </a:solidFill>
+                      <a:prstDash val="solid"/>
+                      <a:round/>
+                      <a:headEnd type="none" w="med" len="med"/>
+                      <a:tailEnd type="none" w="med" len="med"/>
+                    </a:lnB>
+                    <a:noFill/>
+                  </a:tcPr>
+                </a:tc>
+                <a:tc>
+                  <a:txBody>
+                    <a:bodyPr/>
+                    <a:lstStyle/>
+                    <a:p>
+                      <a:pPr algn="ctr">
+                        <a:spcAft>
+                          <a:spcPts val="0"/>
+                        </a:spcAft>
+                      </a:pPr>
+                      <a:r>
+                        <a:rPr lang="en-US" sz="1050" kern="1200">
+                          <a:solidFill>
+                            <a:srgbClr val="000000"/>
+                          </a:solidFill>
+                          <a:effectLst/>
+                          <a:latin typeface="Times New Roman" panose="02020603050405020304" pitchFamily="18" charset="0"/>
+                          <a:ea typeface="等线" panose="02010600030101010101" pitchFamily="2" charset="-122"/>
+                        </a:rPr>
+                        <a:t>33</a:t>
+                      </a:r>
+                      <a:endParaRPr lang="zh-CN" sz="1050" kern="100">
+                        <a:effectLst/>
+                        <a:latin typeface="Times New Roman" panose="02020603050405020304" pitchFamily="18" charset="0"/>
+                        <a:ea typeface="宋体" panose="02010600030101010101" pitchFamily="2" charset="-122"/>
+                      </a:endParaRPr>
+                    </a:p>
+                  </a:txBody>
+                  <a:tcPr marL="68580" marR="68580" marT="0" marB="0" anchor="ctr">
+                    <a:lnL w="12700" cap="flat" cmpd="sng" algn="ctr">
+                      <a:solidFill>
+                        <a:schemeClr val="tx1"/>
+                      </a:solidFill>
+                      <a:prstDash val="solid"/>
+                      <a:round/>
+                      <a:headEnd type="none" w="med" len="med"/>
+                      <a:tailEnd type="none" w="med" len="med"/>
+                    </a:lnL>
+                    <a:lnR w="12700" cap="flat" cmpd="sng" algn="ctr">
+                      <a:solidFill>
+                        <a:schemeClr val="tx1"/>
+                      </a:solidFill>
+                      <a:prstDash val="solid"/>
+                      <a:round/>
+                      <a:headEnd type="none" w="med" len="med"/>
+                      <a:tailEnd type="none" w="med" len="med"/>
+                    </a:lnR>
+                    <a:lnT w="12700" cap="flat" cmpd="sng" algn="ctr">
+                      <a:solidFill>
+                        <a:schemeClr val="tx1"/>
+                      </a:solidFill>
+                      <a:prstDash val="solid"/>
+                      <a:round/>
+                      <a:headEnd type="none" w="med" len="med"/>
+                      <a:tailEnd type="none" w="med" len="med"/>
+                    </a:lnT>
+                    <a:lnB w="12700" cap="flat" cmpd="sng" algn="ctr">
+                      <a:solidFill>
+                        <a:schemeClr val="tx1"/>
+                      </a:solidFill>
+                      <a:prstDash val="solid"/>
+                      <a:round/>
+                      <a:headEnd type="none" w="med" len="med"/>
+                      <a:tailEnd type="none" w="med" len="med"/>
+                    </a:lnB>
+                    <a:noFill/>
+                  </a:tcPr>
+                </a:tc>
+                <a:tc>
+                  <a:txBody>
+                    <a:bodyPr/>
+                    <a:lstStyle/>
+                    <a:p>
+                      <a:pPr algn="ctr">
+                        <a:spcAft>
+                          <a:spcPts val="0"/>
+                        </a:spcAft>
+                      </a:pPr>
+                      <a:r>
+                        <a:rPr lang="en-US" sz="1050" kern="1200">
+                          <a:solidFill>
+                            <a:srgbClr val="000000"/>
+                          </a:solidFill>
+                          <a:effectLst/>
+                          <a:latin typeface="Times New Roman" panose="02020603050405020304" pitchFamily="18" charset="0"/>
+                          <a:ea typeface="等线" panose="02010600030101010101" pitchFamily="2" charset="-122"/>
+                        </a:rPr>
+                        <a:t>39</a:t>
+                      </a:r>
+                      <a:endParaRPr lang="zh-CN" sz="1050" kern="100">
+                        <a:effectLst/>
+                        <a:latin typeface="Times New Roman" panose="02020603050405020304" pitchFamily="18" charset="0"/>
+                        <a:ea typeface="宋体" panose="02010600030101010101" pitchFamily="2" charset="-122"/>
+                      </a:endParaRPr>
+                    </a:p>
+                  </a:txBody>
+                  <a:tcPr marL="68580" marR="68580" marT="0" marB="0" anchor="ctr">
+                    <a:lnL w="12700" cap="flat" cmpd="sng" algn="ctr">
+                      <a:solidFill>
+                        <a:schemeClr val="tx1"/>
+                      </a:solidFill>
+                      <a:prstDash val="solid"/>
+                      <a:round/>
+                      <a:headEnd type="none" w="med" len="med"/>
+                      <a:tailEnd type="none" w="med" len="med"/>
+                    </a:lnL>
+                    <a:lnR w="12700" cap="flat" cmpd="sng" algn="ctr">
+                      <a:solidFill>
+                        <a:schemeClr val="tx1"/>
+                      </a:solidFill>
+                      <a:prstDash val="solid"/>
+                      <a:round/>
+                      <a:headEnd type="none" w="med" len="med"/>
+                      <a:tailEnd type="none" w="med" len="med"/>
+                    </a:lnR>
+                    <a:lnT w="12700" cap="flat" cmpd="sng" algn="ctr">
+                      <a:solidFill>
+                        <a:schemeClr val="tx1"/>
+                      </a:solidFill>
+                      <a:prstDash val="solid"/>
+                      <a:round/>
+                      <a:headEnd type="none" w="med" len="med"/>
+                      <a:tailEnd type="none" w="med" len="med"/>
+                    </a:lnT>
+                    <a:lnB w="12700" cap="flat" cmpd="sng" algn="ctr">
+                      <a:solidFill>
+                        <a:schemeClr val="tx1"/>
+                      </a:solidFill>
+                      <a:prstDash val="solid"/>
+                      <a:round/>
+                      <a:headEnd type="none" w="med" len="med"/>
+                      <a:tailEnd type="none" w="med" len="med"/>
+                    </a:lnB>
+                    <a:noFill/>
+                  </a:tcPr>
+                </a:tc>
+                <a:extLst>
+                  <a:ext uri="{0D108BD9-81ED-4DB2-BD59-A6C34878D82A}">
+                    <a16:rowId xmlns:a16="http://schemas.microsoft.com/office/drawing/2014/main" val="2420220205"/>
+                  </a:ext>
+                </a:extLst>
+              </a:tr>
+              <a:tr h="370840">
+                <a:tc>
+                  <a:txBody>
+                    <a:bodyPr/>
+                    <a:lstStyle/>
+                    <a:p>
+                      <a:r>
+                        <a:rPr lang="zh-CN" altLang="en-US" dirty="0"/>
+                        <a:t>倒金字塔</a:t>
+                      </a:r>
+                    </a:p>
+                  </a:txBody>
+                  <a:tcPr>
+                    <a:lnL w="12700" cap="flat" cmpd="sng" algn="ctr">
+                      <a:solidFill>
+                        <a:schemeClr val="tx1"/>
+                      </a:solidFill>
+                      <a:prstDash val="solid"/>
+                      <a:round/>
+                      <a:headEnd type="none" w="med" len="med"/>
+                      <a:tailEnd type="none" w="med" len="med"/>
+                    </a:lnL>
+                    <a:lnR w="12700" cap="flat" cmpd="sng" algn="ctr">
+                      <a:solidFill>
+                        <a:schemeClr val="tx1"/>
+                      </a:solidFill>
+                      <a:prstDash val="solid"/>
+                      <a:round/>
+                      <a:headEnd type="none" w="med" len="med"/>
+                      <a:tailEnd type="none" w="med" len="med"/>
+                    </a:lnR>
+                    <a:lnT w="12700" cap="flat" cmpd="sng" algn="ctr">
+                      <a:solidFill>
+                        <a:schemeClr val="tx1"/>
+                      </a:solidFill>
+                      <a:prstDash val="solid"/>
+                      <a:round/>
+                      <a:headEnd type="none" w="med" len="med"/>
+                      <a:tailEnd type="none" w="med" len="med"/>
+                    </a:lnT>
+                    <a:lnB w="12700" cap="flat" cmpd="sng" algn="ctr">
+                      <a:solidFill>
+                        <a:schemeClr val="tx1"/>
+                      </a:solidFill>
+                      <a:prstDash val="solid"/>
+                      <a:round/>
+                      <a:headEnd type="none" w="med" len="med"/>
+                      <a:tailEnd type="none" w="med" len="med"/>
+                    </a:lnB>
+                    <a:noFill/>
+                  </a:tcPr>
+                </a:tc>
+                <a:tc>
+                  <a:txBody>
+                    <a:bodyPr/>
+                    <a:lstStyle/>
+                    <a:p>
+                      <a:pPr algn="ctr">
+                        <a:spcAft>
+                          <a:spcPts val="0"/>
+                        </a:spcAft>
+                      </a:pPr>
+                      <a:r>
+                        <a:rPr lang="en-US" sz="1050" kern="1200">
+                          <a:solidFill>
+                            <a:srgbClr val="000000"/>
+                          </a:solidFill>
+                          <a:effectLst/>
+                          <a:latin typeface="Times New Roman" panose="02020603050405020304" pitchFamily="18" charset="0"/>
+                          <a:ea typeface="等线" panose="02010600030101010101" pitchFamily="2" charset="-122"/>
+                        </a:rPr>
+                        <a:t>8</a:t>
+                      </a:r>
+                      <a:endParaRPr lang="zh-CN" sz="1050" kern="100">
+                        <a:effectLst/>
+                        <a:latin typeface="Times New Roman" panose="02020603050405020304" pitchFamily="18" charset="0"/>
+                        <a:ea typeface="宋体" panose="02010600030101010101" pitchFamily="2" charset="-122"/>
+                      </a:endParaRPr>
+                    </a:p>
+                  </a:txBody>
+                  <a:tcPr marL="68580" marR="68580" marT="0" marB="0" anchor="ctr">
+                    <a:lnL w="12700" cap="flat" cmpd="sng" algn="ctr">
+                      <a:solidFill>
+                        <a:schemeClr val="tx1"/>
+                      </a:solidFill>
+                      <a:prstDash val="solid"/>
+                      <a:round/>
+                      <a:headEnd type="none" w="med" len="med"/>
+                      <a:tailEnd type="none" w="med" len="med"/>
+                    </a:lnL>
+                    <a:lnR w="12700" cap="flat" cmpd="sng" algn="ctr">
+                      <a:solidFill>
+                        <a:schemeClr val="tx1"/>
+                      </a:solidFill>
+                      <a:prstDash val="solid"/>
+                      <a:round/>
+                      <a:headEnd type="none" w="med" len="med"/>
+                      <a:tailEnd type="none" w="med" len="med"/>
+                    </a:lnR>
+                    <a:lnT w="12700" cap="flat" cmpd="sng" algn="ctr">
+                      <a:solidFill>
+                        <a:schemeClr val="tx1"/>
+                      </a:solidFill>
+                      <a:prstDash val="solid"/>
+                      <a:round/>
+                      <a:headEnd type="none" w="med" len="med"/>
+                      <a:tailEnd type="none" w="med" len="med"/>
+                    </a:lnT>
+                    <a:lnB w="12700" cap="flat" cmpd="sng" algn="ctr">
+                      <a:solidFill>
+                        <a:schemeClr val="tx1"/>
+                      </a:solidFill>
+                      <a:prstDash val="solid"/>
+                      <a:round/>
+                      <a:headEnd type="none" w="med" len="med"/>
+                      <a:tailEnd type="none" w="med" len="med"/>
+                    </a:lnB>
+                    <a:noFill/>
+                  </a:tcPr>
+                </a:tc>
+                <a:tc>
+                  <a:txBody>
+                    <a:bodyPr/>
+                    <a:lstStyle/>
+                    <a:p>
+                      <a:pPr algn="ctr">
+                        <a:spcAft>
+                          <a:spcPts val="0"/>
+                        </a:spcAft>
+                      </a:pPr>
+                      <a:r>
+                        <a:rPr lang="en-US" sz="1050" kern="1200">
+                          <a:solidFill>
+                            <a:srgbClr val="000000"/>
+                          </a:solidFill>
+                          <a:effectLst/>
+                          <a:latin typeface="Times New Roman" panose="02020603050405020304" pitchFamily="18" charset="0"/>
+                          <a:ea typeface="等线" panose="02010600030101010101" pitchFamily="2" charset="-122"/>
+                        </a:rPr>
+                        <a:t>28</a:t>
+                      </a:r>
+                      <a:endParaRPr lang="zh-CN" sz="1050" kern="100">
+                        <a:effectLst/>
+                        <a:latin typeface="Times New Roman" panose="02020603050405020304" pitchFamily="18" charset="0"/>
+                        <a:ea typeface="宋体" panose="02010600030101010101" pitchFamily="2" charset="-122"/>
+                      </a:endParaRPr>
+                    </a:p>
+                  </a:txBody>
+                  <a:tcPr marL="68580" marR="68580" marT="0" marB="0" anchor="ctr">
+                    <a:lnL w="12700" cap="flat" cmpd="sng" algn="ctr">
+                      <a:solidFill>
+                        <a:schemeClr val="tx1"/>
+                      </a:solidFill>
+                      <a:prstDash val="solid"/>
+                      <a:round/>
+                      <a:headEnd type="none" w="med" len="med"/>
+                      <a:tailEnd type="none" w="med" len="med"/>
+                    </a:lnL>
+                    <a:lnR w="12700" cap="flat" cmpd="sng" algn="ctr">
+                      <a:solidFill>
+                        <a:schemeClr val="tx1"/>
+                      </a:solidFill>
+                      <a:prstDash val="solid"/>
+                      <a:round/>
+                      <a:headEnd type="none" w="med" len="med"/>
+                      <a:tailEnd type="none" w="med" len="med"/>
+                    </a:lnR>
+                    <a:lnT w="12700" cap="flat" cmpd="sng" algn="ctr">
+                      <a:solidFill>
+                        <a:schemeClr val="tx1"/>
+                      </a:solidFill>
+                      <a:prstDash val="solid"/>
+                      <a:round/>
+                      <a:headEnd type="none" w="med" len="med"/>
+                      <a:tailEnd type="none" w="med" len="med"/>
+                    </a:lnT>
+                    <a:lnB w="12700" cap="flat" cmpd="sng" algn="ctr">
+                      <a:solidFill>
+                        <a:schemeClr val="tx1"/>
+                      </a:solidFill>
+                      <a:prstDash val="solid"/>
+                      <a:round/>
+                      <a:headEnd type="none" w="med" len="med"/>
+                      <a:tailEnd type="none" w="med" len="med"/>
+                    </a:lnB>
+                    <a:noFill/>
+                  </a:tcPr>
+                </a:tc>
+                <a:tc>
+                  <a:txBody>
+                    <a:bodyPr/>
+                    <a:lstStyle/>
+                    <a:p>
+                      <a:pPr algn="ctr">
+                        <a:spcAft>
+                          <a:spcPts val="0"/>
+                        </a:spcAft>
+                      </a:pPr>
+                      <a:r>
+                        <a:rPr lang="en-US" sz="1050" kern="100">
+                          <a:effectLst/>
+                          <a:latin typeface="Times New Roman" panose="02020603050405020304" pitchFamily="18" charset="0"/>
+                          <a:ea typeface="宋体" panose="02010600030101010101" pitchFamily="2" charset="-122"/>
+                        </a:rPr>
+                        <a:t>47</a:t>
+                      </a:r>
+                      <a:endParaRPr lang="zh-CN" sz="1050" kern="100">
+                        <a:effectLst/>
+                        <a:latin typeface="Times New Roman" panose="02020603050405020304" pitchFamily="18" charset="0"/>
+                        <a:ea typeface="宋体" panose="02010600030101010101" pitchFamily="2" charset="-122"/>
+                      </a:endParaRPr>
+                    </a:p>
+                  </a:txBody>
+                  <a:tcPr marL="68580" marR="68580" marT="0" marB="0" anchor="ctr">
+                    <a:lnL w="12700" cap="flat" cmpd="sng" algn="ctr">
+                      <a:solidFill>
+                        <a:schemeClr val="tx1"/>
+                      </a:solidFill>
+                      <a:prstDash val="solid"/>
+                      <a:round/>
+                      <a:headEnd type="none" w="med" len="med"/>
+                      <a:tailEnd type="none" w="med" len="med"/>
+                    </a:lnL>
+                    <a:lnR w="12700" cap="flat" cmpd="sng" algn="ctr">
+                      <a:solidFill>
+                        <a:schemeClr val="tx1"/>
+                      </a:solidFill>
+                      <a:prstDash val="solid"/>
+                      <a:round/>
+                      <a:headEnd type="none" w="med" len="med"/>
+                      <a:tailEnd type="none" w="med" len="med"/>
+                    </a:lnR>
+                    <a:lnT w="12700" cap="flat" cmpd="sng" algn="ctr">
+                      <a:solidFill>
+                        <a:schemeClr val="tx1"/>
+                      </a:solidFill>
+                      <a:prstDash val="solid"/>
+                      <a:round/>
+                      <a:headEnd type="none" w="med" len="med"/>
+                      <a:tailEnd type="none" w="med" len="med"/>
+                    </a:lnT>
+                    <a:lnB w="12700" cap="flat" cmpd="sng" algn="ctr">
+                      <a:solidFill>
+                        <a:schemeClr val="tx1"/>
+                      </a:solidFill>
+                      <a:prstDash val="solid"/>
+                      <a:round/>
+                      <a:headEnd type="none" w="med" len="med"/>
+                      <a:tailEnd type="none" w="med" len="med"/>
+                    </a:lnB>
+                    <a:noFill/>
+                  </a:tcPr>
+                </a:tc>
+                <a:tc>
+                  <a:txBody>
+                    <a:bodyPr/>
+                    <a:lstStyle/>
+                    <a:p>
+                      <a:pPr algn="ctr">
+                        <a:spcAft>
+                          <a:spcPts val="0"/>
+                        </a:spcAft>
+                      </a:pPr>
+                      <a:r>
+                        <a:rPr lang="en-US" sz="1050" kern="100">
+                          <a:effectLst/>
+                          <a:latin typeface="Times New Roman" panose="02020603050405020304" pitchFamily="18" charset="0"/>
+                          <a:ea typeface="宋体" panose="02010600030101010101" pitchFamily="2" charset="-122"/>
+                        </a:rPr>
+                        <a:t>67</a:t>
+                      </a:r>
+                      <a:endParaRPr lang="zh-CN" sz="1050" kern="100">
+                        <a:effectLst/>
+                        <a:latin typeface="Times New Roman" panose="02020603050405020304" pitchFamily="18" charset="0"/>
+                        <a:ea typeface="宋体" panose="02010600030101010101" pitchFamily="2" charset="-122"/>
+                      </a:endParaRPr>
+                    </a:p>
+                  </a:txBody>
+                  <a:tcPr marL="68580" marR="68580" marT="0" marB="0" anchor="ctr">
+                    <a:lnL w="12700" cap="flat" cmpd="sng" algn="ctr">
+                      <a:solidFill>
+                        <a:schemeClr val="tx1"/>
+                      </a:solidFill>
+                      <a:prstDash val="solid"/>
+                      <a:round/>
+                      <a:headEnd type="none" w="med" len="med"/>
+                      <a:tailEnd type="none" w="med" len="med"/>
+                    </a:lnL>
+                    <a:lnR w="12700" cap="flat" cmpd="sng" algn="ctr">
+                      <a:solidFill>
+                        <a:schemeClr val="tx1"/>
+                      </a:solidFill>
+                      <a:prstDash val="solid"/>
+                      <a:round/>
+                      <a:headEnd type="none" w="med" len="med"/>
+                      <a:tailEnd type="none" w="med" len="med"/>
+                    </a:lnR>
+                    <a:lnT w="12700" cap="flat" cmpd="sng" algn="ctr">
+                      <a:solidFill>
+                        <a:schemeClr val="tx1"/>
+                      </a:solidFill>
+                      <a:prstDash val="solid"/>
+                      <a:round/>
+                      <a:headEnd type="none" w="med" len="med"/>
+                      <a:tailEnd type="none" w="med" len="med"/>
+                    </a:lnT>
+                    <a:lnB w="12700" cap="flat" cmpd="sng" algn="ctr">
+                      <a:solidFill>
+                        <a:schemeClr val="tx1"/>
+                      </a:solidFill>
+                      <a:prstDash val="solid"/>
+                      <a:round/>
+                      <a:headEnd type="none" w="med" len="med"/>
+                      <a:tailEnd type="none" w="med" len="med"/>
+                    </a:lnB>
+                    <a:noFill/>
+                  </a:tcPr>
+                </a:tc>
+                <a:tc>
+                  <a:txBody>
+                    <a:bodyPr/>
+                    <a:lstStyle/>
+                    <a:p>
+                      <a:pPr algn="ctr">
+                        <a:spcAft>
+                          <a:spcPts val="0"/>
+                        </a:spcAft>
+                      </a:pPr>
+                      <a:r>
+                        <a:rPr lang="en-US" sz="1050" kern="100" dirty="0">
+                          <a:effectLst/>
+                          <a:latin typeface="Times New Roman" panose="02020603050405020304" pitchFamily="18" charset="0"/>
+                          <a:ea typeface="宋体" panose="02010600030101010101" pitchFamily="2" charset="-122"/>
+                        </a:rPr>
+                        <a:t>84</a:t>
+                      </a:r>
+                      <a:endParaRPr lang="zh-CN" sz="1050" kern="100" dirty="0">
+                        <a:effectLst/>
+                        <a:latin typeface="Times New Roman" panose="02020603050405020304" pitchFamily="18" charset="0"/>
+                        <a:ea typeface="宋体" panose="02010600030101010101" pitchFamily="2" charset="-122"/>
+                      </a:endParaRPr>
+                    </a:p>
+                  </a:txBody>
+                  <a:tcPr marL="68580" marR="68580" marT="0" marB="0" anchor="ctr">
+                    <a:lnL w="12700" cap="flat" cmpd="sng" algn="ctr">
+                      <a:solidFill>
+                        <a:schemeClr val="tx1"/>
+                      </a:solidFill>
+                      <a:prstDash val="solid"/>
+                      <a:round/>
+                      <a:headEnd type="none" w="med" len="med"/>
+                      <a:tailEnd type="none" w="med" len="med"/>
+                    </a:lnL>
+                    <a:lnR w="12700" cap="flat" cmpd="sng" algn="ctr">
+                      <a:solidFill>
+                        <a:schemeClr val="tx1"/>
+                      </a:solidFill>
+                      <a:prstDash val="solid"/>
+                      <a:round/>
+                      <a:headEnd type="none" w="med" len="med"/>
+                      <a:tailEnd type="none" w="med" len="med"/>
+                    </a:lnR>
+                    <a:lnT w="12700" cap="flat" cmpd="sng" algn="ctr">
+                      <a:solidFill>
+                        <a:schemeClr val="tx1"/>
+                      </a:solidFill>
+                      <a:prstDash val="solid"/>
+                      <a:round/>
+                      <a:headEnd type="none" w="med" len="med"/>
+                      <a:tailEnd type="none" w="med" len="med"/>
+                    </a:lnT>
+                    <a:lnB w="12700" cap="flat" cmpd="sng" algn="ctr">
+                      <a:solidFill>
+                        <a:schemeClr val="tx1"/>
+                      </a:solidFill>
+                      <a:prstDash val="solid"/>
+                      <a:round/>
+                      <a:headEnd type="none" w="med" len="med"/>
+                      <a:tailEnd type="none" w="med" len="med"/>
+                    </a:lnB>
+                    <a:noFill/>
+                  </a:tcPr>
+                </a:tc>
+                <a:extLst>
+                  <a:ext uri="{0D108BD9-81ED-4DB2-BD59-A6C34878D82A}">
+                    <a16:rowId xmlns:a16="http://schemas.microsoft.com/office/drawing/2014/main" val="1106122572"/>
+                  </a:ext>
+                </a:extLst>
+              </a:tr>
+            </a:tbl>
+          </a:graphicData>
+        </a:graphic>
+      </p:graphicFrame>
+      <p:sp>
+        <p:nvSpPr>
+          <p:cNvPr id="15" name="文本框 14">
+            <a:extLst>
+              <a:ext uri="{FF2B5EF4-FFF2-40B4-BE49-F238E27FC236}">
+                <a16:creationId xmlns:a16="http://schemas.microsoft.com/office/drawing/2014/main" id="{9179B02D-284C-4F1E-A09C-AD5E6B8D34EC}"/>
+              </a:ext>
+            </a:extLst>
+          </p:cNvPr>
+          <p:cNvSpPr txBox="1"/>
+          <p:nvPr/>
+        </p:nvSpPr>
+        <p:spPr>
+          <a:xfrm>
+            <a:off x="1595501" y="3297620"/>
+            <a:ext cx="390194" cy="338554"/>
+          </a:xfrm>
+          <a:prstGeom prst="rect">
+            <a:avLst/>
+          </a:prstGeom>
+          <a:noFill/>
+        </p:spPr>
+        <p:txBody>
+          <a:bodyPr wrap="square" rtlCol="0">
+            <a:spAutoFit/>
+          </a:bodyPr>
+          <a:lstStyle/>
+          <a:p>
+            <a:r>
+              <a:rPr lang="en-US" altLang="zh-CN" sz="1600" dirty="0">
+                <a:latin typeface="Times New Roman" panose="02020603050405020304" pitchFamily="18" charset="0"/>
+                <a:cs typeface="Times New Roman" panose="02020603050405020304" pitchFamily="18" charset="0"/>
+              </a:rPr>
+              <a:t>(a)</a:t>
+            </a:r>
+            <a:endParaRPr lang="zh-CN" altLang="en-US" sz="1600" dirty="0">
+              <a:latin typeface="Times New Roman" panose="02020603050405020304" pitchFamily="18" charset="0"/>
+              <a:cs typeface="Times New Roman" panose="02020603050405020304" pitchFamily="18" charset="0"/>
+            </a:endParaRPr>
+          </a:p>
+        </p:txBody>
+      </p:sp>
+      <p:sp>
+        <p:nvSpPr>
+          <p:cNvPr id="16" name="文本框 15">
+            <a:extLst>
+              <a:ext uri="{FF2B5EF4-FFF2-40B4-BE49-F238E27FC236}">
+                <a16:creationId xmlns:a16="http://schemas.microsoft.com/office/drawing/2014/main" id="{FCEC45EE-F2F0-429D-8D2D-D39FE46C2C4E}"/>
+              </a:ext>
+            </a:extLst>
+          </p:cNvPr>
+          <p:cNvSpPr txBox="1"/>
+          <p:nvPr/>
+        </p:nvSpPr>
+        <p:spPr>
+          <a:xfrm>
+            <a:off x="3398633" y="3297620"/>
+            <a:ext cx="390194" cy="338554"/>
+          </a:xfrm>
+          <a:prstGeom prst="rect">
+            <a:avLst/>
+          </a:prstGeom>
+          <a:noFill/>
+        </p:spPr>
+        <p:txBody>
+          <a:bodyPr wrap="square" rtlCol="0">
+            <a:spAutoFit/>
+          </a:bodyPr>
+          <a:lstStyle/>
+          <a:p>
+            <a:r>
+              <a:rPr lang="en-US" altLang="zh-CN" sz="1600" dirty="0">
+                <a:latin typeface="Times New Roman" panose="02020603050405020304" pitchFamily="18" charset="0"/>
+                <a:cs typeface="Times New Roman" panose="02020603050405020304" pitchFamily="18" charset="0"/>
+              </a:rPr>
+              <a:t>(b)</a:t>
+            </a:r>
+            <a:endParaRPr lang="zh-CN" altLang="en-US" sz="1600" dirty="0">
+              <a:latin typeface="Times New Roman" panose="02020603050405020304" pitchFamily="18" charset="0"/>
+              <a:cs typeface="Times New Roman" panose="02020603050405020304" pitchFamily="18" charset="0"/>
+            </a:endParaRPr>
+          </a:p>
+        </p:txBody>
+      </p:sp>
+      <p:sp>
+        <p:nvSpPr>
+          <p:cNvPr id="17" name="文本框 16">
+            <a:extLst>
+              <a:ext uri="{FF2B5EF4-FFF2-40B4-BE49-F238E27FC236}">
+                <a16:creationId xmlns:a16="http://schemas.microsoft.com/office/drawing/2014/main" id="{BC8E9B96-86D4-47B9-B4A8-F9EAAEF42867}"/>
+              </a:ext>
+            </a:extLst>
+          </p:cNvPr>
+          <p:cNvSpPr txBox="1"/>
+          <p:nvPr/>
+        </p:nvSpPr>
+        <p:spPr>
+          <a:xfrm>
+            <a:off x="5199637" y="3297620"/>
+            <a:ext cx="390194" cy="338554"/>
+          </a:xfrm>
+          <a:prstGeom prst="rect">
+            <a:avLst/>
+          </a:prstGeom>
+          <a:noFill/>
+        </p:spPr>
+        <p:txBody>
+          <a:bodyPr wrap="square" rtlCol="0">
+            <a:spAutoFit/>
+          </a:bodyPr>
+          <a:lstStyle/>
+          <a:p>
+            <a:r>
+              <a:rPr lang="en-US" altLang="zh-CN" sz="1600" dirty="0">
+                <a:latin typeface="Times New Roman" panose="02020603050405020304" pitchFamily="18" charset="0"/>
+                <a:cs typeface="Times New Roman" panose="02020603050405020304" pitchFamily="18" charset="0"/>
+              </a:rPr>
+              <a:t>(c)</a:t>
+            </a:r>
+            <a:endParaRPr lang="zh-CN" altLang="en-US" sz="1600" dirty="0">
+              <a:latin typeface="Times New Roman" panose="02020603050405020304" pitchFamily="18" charset="0"/>
+              <a:cs typeface="Times New Roman" panose="02020603050405020304" pitchFamily="18" charset="0"/>
+            </a:endParaRPr>
+          </a:p>
+        </p:txBody>
+      </p:sp>
+      <p:sp>
+        <p:nvSpPr>
+          <p:cNvPr id="18" name="文本框 17">
+            <a:extLst>
+              <a:ext uri="{FF2B5EF4-FFF2-40B4-BE49-F238E27FC236}">
+                <a16:creationId xmlns:a16="http://schemas.microsoft.com/office/drawing/2014/main" id="{28CBE095-CD14-4189-A6D5-EE0684933DA7}"/>
+              </a:ext>
+            </a:extLst>
+          </p:cNvPr>
+          <p:cNvSpPr txBox="1"/>
+          <p:nvPr/>
+        </p:nvSpPr>
+        <p:spPr>
+          <a:xfrm>
+            <a:off x="6999643" y="3297620"/>
+            <a:ext cx="390194" cy="338554"/>
+          </a:xfrm>
+          <a:prstGeom prst="rect">
+            <a:avLst/>
+          </a:prstGeom>
+          <a:noFill/>
+        </p:spPr>
+        <p:txBody>
+          <a:bodyPr wrap="square" rtlCol="0">
+            <a:spAutoFit/>
+          </a:bodyPr>
+          <a:lstStyle/>
+          <a:p>
+            <a:r>
+              <a:rPr lang="en-US" altLang="zh-CN" sz="1600" dirty="0">
+                <a:latin typeface="Times New Roman" panose="02020603050405020304" pitchFamily="18" charset="0"/>
+                <a:cs typeface="Times New Roman" panose="02020603050405020304" pitchFamily="18" charset="0"/>
+              </a:rPr>
+              <a:t>(d)</a:t>
+            </a:r>
+            <a:endParaRPr lang="zh-CN" altLang="en-US" sz="1600" dirty="0">
+              <a:latin typeface="Times New Roman" panose="02020603050405020304" pitchFamily="18" charset="0"/>
+              <a:cs typeface="Times New Roman" panose="02020603050405020304" pitchFamily="18" charset="0"/>
+            </a:endParaRPr>
+          </a:p>
+        </p:txBody>
+      </p:sp>
+      <p:sp>
+        <p:nvSpPr>
+          <p:cNvPr id="19" name="文本框 18">
+            <a:extLst>
+              <a:ext uri="{FF2B5EF4-FFF2-40B4-BE49-F238E27FC236}">
+                <a16:creationId xmlns:a16="http://schemas.microsoft.com/office/drawing/2014/main" id="{93C35282-2590-48F1-BB7C-AEB91541B342}"/>
+              </a:ext>
+            </a:extLst>
+          </p:cNvPr>
+          <p:cNvSpPr txBox="1"/>
+          <p:nvPr/>
+        </p:nvSpPr>
+        <p:spPr>
+          <a:xfrm>
+            <a:off x="8799649" y="3297417"/>
+            <a:ext cx="390194" cy="338554"/>
+          </a:xfrm>
+          <a:prstGeom prst="rect">
+            <a:avLst/>
+          </a:prstGeom>
+          <a:noFill/>
+        </p:spPr>
+        <p:txBody>
+          <a:bodyPr wrap="square" rtlCol="0">
+            <a:spAutoFit/>
+          </a:bodyPr>
+          <a:lstStyle/>
+          <a:p>
+            <a:r>
+              <a:rPr lang="en-US" altLang="zh-CN" sz="1600" dirty="0">
+                <a:latin typeface="Times New Roman" panose="02020603050405020304" pitchFamily="18" charset="0"/>
+                <a:cs typeface="Times New Roman" panose="02020603050405020304" pitchFamily="18" charset="0"/>
+              </a:rPr>
+              <a:t>(e)</a:t>
+            </a:r>
+            <a:endParaRPr lang="zh-CN" altLang="en-US" sz="1600" dirty="0">
+              <a:latin typeface="Times New Roman" panose="02020603050405020304" pitchFamily="18" charset="0"/>
+              <a:cs typeface="Times New Roman" panose="02020603050405020304" pitchFamily="18" charset="0"/>
+            </a:endParaRPr>
+          </a:p>
+        </p:txBody>
+      </p:sp>
+    </p:spTree>
+    <p:extLst>
+      <p:ext uri="{BB962C8B-B14F-4D97-AF65-F5344CB8AC3E}">
+        <p14:creationId xmlns:p14="http://schemas.microsoft.com/office/powerpoint/2010/main" val="3245374223"/>
+      </p:ext>
+    </p:extLst>
+  </p:cSld>
+  <p:clrMapOvr>
+    <a:masterClrMapping/>
+  </p:clrMapOvr>
+</p:sld>
+</file>
+
 <file path=ppt/slides/slide2.xml><?xml version="1.0" encoding="utf-8"?>
 <p:sld xmlns:a="http://schemas.openxmlformats.org/drawingml/2006/main" xmlns:r="http://schemas.openxmlformats.org/officeDocument/2006/relationships" xmlns:p="http://schemas.openxmlformats.org/presentationml/2006/main">
   <p:cSld>

--- a/示意图.pptx
+++ b/示意图.pptx
@@ -23,6 +23,7 @@
     <p:sldId id="271" r:id="rId17"/>
     <p:sldId id="272" r:id="rId18"/>
     <p:sldId id="273" r:id="rId19"/>
+    <p:sldId id="274" r:id="rId20"/>
   </p:sldIdLst>
   <p:sldSz cx="12192000" cy="6858000"/>
   <p:notesSz cx="6858000" cy="9144000"/>
@@ -3939,7 +3940,7 @@
           <a:p>
             <a:fld id="{3C7334DD-470A-4932-88A3-6C69D4FCD350}" type="datetimeFigureOut">
               <a:rPr lang="zh-CN" altLang="en-US" smtClean="0"/>
-              <a:t>2018/6/6</a:t>
+              <a:t>2018/6/7</a:t>
             </a:fld>
             <a:endParaRPr lang="zh-CN" altLang="en-US"/>
           </a:p>
@@ -4137,7 +4138,7 @@
           <a:p>
             <a:fld id="{3C7334DD-470A-4932-88A3-6C69D4FCD350}" type="datetimeFigureOut">
               <a:rPr lang="zh-CN" altLang="en-US" smtClean="0"/>
-              <a:t>2018/6/6</a:t>
+              <a:t>2018/6/7</a:t>
             </a:fld>
             <a:endParaRPr lang="zh-CN" altLang="en-US"/>
           </a:p>
@@ -4345,7 +4346,7 @@
           <a:p>
             <a:fld id="{3C7334DD-470A-4932-88A3-6C69D4FCD350}" type="datetimeFigureOut">
               <a:rPr lang="zh-CN" altLang="en-US" smtClean="0"/>
-              <a:t>2018/6/6</a:t>
+              <a:t>2018/6/7</a:t>
             </a:fld>
             <a:endParaRPr lang="zh-CN" altLang="en-US"/>
           </a:p>
@@ -4543,7 +4544,7 @@
           <a:p>
             <a:fld id="{3C7334DD-470A-4932-88A3-6C69D4FCD350}" type="datetimeFigureOut">
               <a:rPr lang="zh-CN" altLang="en-US" smtClean="0"/>
-              <a:t>2018/6/6</a:t>
+              <a:t>2018/6/7</a:t>
             </a:fld>
             <a:endParaRPr lang="zh-CN" altLang="en-US"/>
           </a:p>
@@ -4818,7 +4819,7 @@
           <a:p>
             <a:fld id="{3C7334DD-470A-4932-88A3-6C69D4FCD350}" type="datetimeFigureOut">
               <a:rPr lang="zh-CN" altLang="en-US" smtClean="0"/>
-              <a:t>2018/6/6</a:t>
+              <a:t>2018/6/7</a:t>
             </a:fld>
             <a:endParaRPr lang="zh-CN" altLang="en-US"/>
           </a:p>
@@ -5083,7 +5084,7 @@
           <a:p>
             <a:fld id="{3C7334DD-470A-4932-88A3-6C69D4FCD350}" type="datetimeFigureOut">
               <a:rPr lang="zh-CN" altLang="en-US" smtClean="0"/>
-              <a:t>2018/6/6</a:t>
+              <a:t>2018/6/7</a:t>
             </a:fld>
             <a:endParaRPr lang="zh-CN" altLang="en-US"/>
           </a:p>
@@ -5495,7 +5496,7 @@
           <a:p>
             <a:fld id="{3C7334DD-470A-4932-88A3-6C69D4FCD350}" type="datetimeFigureOut">
               <a:rPr lang="zh-CN" altLang="en-US" smtClean="0"/>
-              <a:t>2018/6/6</a:t>
+              <a:t>2018/6/7</a:t>
             </a:fld>
             <a:endParaRPr lang="zh-CN" altLang="en-US"/>
           </a:p>
@@ -5636,7 +5637,7 @@
           <a:p>
             <a:fld id="{3C7334DD-470A-4932-88A3-6C69D4FCD350}" type="datetimeFigureOut">
               <a:rPr lang="zh-CN" altLang="en-US" smtClean="0"/>
-              <a:t>2018/6/6</a:t>
+              <a:t>2018/6/7</a:t>
             </a:fld>
             <a:endParaRPr lang="zh-CN" altLang="en-US"/>
           </a:p>
@@ -5749,7 +5750,7 @@
           <a:p>
             <a:fld id="{3C7334DD-470A-4932-88A3-6C69D4FCD350}" type="datetimeFigureOut">
               <a:rPr lang="zh-CN" altLang="en-US" smtClean="0"/>
-              <a:t>2018/6/6</a:t>
+              <a:t>2018/6/7</a:t>
             </a:fld>
             <a:endParaRPr lang="zh-CN" altLang="en-US"/>
           </a:p>
@@ -6060,7 +6061,7 @@
           <a:p>
             <a:fld id="{3C7334DD-470A-4932-88A3-6C69D4FCD350}" type="datetimeFigureOut">
               <a:rPr lang="zh-CN" altLang="en-US" smtClean="0"/>
-              <a:t>2018/6/6</a:t>
+              <a:t>2018/6/7</a:t>
             </a:fld>
             <a:endParaRPr lang="zh-CN" altLang="en-US"/>
           </a:p>
@@ -6348,7 +6349,7 @@
           <a:p>
             <a:fld id="{3C7334DD-470A-4932-88A3-6C69D4FCD350}" type="datetimeFigureOut">
               <a:rPr lang="zh-CN" altLang="en-US" smtClean="0"/>
-              <a:t>2018/6/6</a:t>
+              <a:t>2018/6/7</a:t>
             </a:fld>
             <a:endParaRPr lang="zh-CN" altLang="en-US"/>
           </a:p>
@@ -6589,7 +6590,7 @@
           <a:p>
             <a:fld id="{3C7334DD-470A-4932-88A3-6C69D4FCD350}" type="datetimeFigureOut">
               <a:rPr lang="zh-CN" altLang="en-US" smtClean="0"/>
-              <a:t>2018/6/6</a:t>
+              <a:t>2018/6/7</a:t>
             </a:fld>
             <a:endParaRPr lang="zh-CN" altLang="en-US"/>
           </a:p>
@@ -25103,6 +25104,100 @@
 </p:sld>
 </file>
 
+<file path=ppt/slides/slide19.xml><?xml version="1.0" encoding="utf-8"?>
+<p:sld xmlns:a="http://schemas.openxmlformats.org/drawingml/2006/main" xmlns:r="http://schemas.openxmlformats.org/officeDocument/2006/relationships" xmlns:p="http://schemas.openxmlformats.org/presentationml/2006/main">
+  <p:cSld>
+    <p:spTree>
+      <p:nvGrpSpPr>
+        <p:cNvPr id="1" name=""/>
+        <p:cNvGrpSpPr/>
+        <p:nvPr/>
+      </p:nvGrpSpPr>
+      <p:grpSpPr>
+        <a:xfrm>
+          <a:off x="0" y="0"/>
+          <a:ext cx="0" cy="0"/>
+          <a:chOff x="0" y="0"/>
+          <a:chExt cx="0" cy="0"/>
+        </a:xfrm>
+      </p:grpSpPr>
+      <p:pic>
+        <p:nvPicPr>
+          <p:cNvPr id="4" name="图片 3">
+            <a:extLst>
+              <a:ext uri="{FF2B5EF4-FFF2-40B4-BE49-F238E27FC236}">
+                <a16:creationId xmlns:a16="http://schemas.microsoft.com/office/drawing/2014/main" id="{CE72DAE1-88B0-41D0-A345-8C447953F44D}"/>
+              </a:ext>
+            </a:extLst>
+          </p:cNvPr>
+          <p:cNvPicPr/>
+          <p:nvPr/>
+        </p:nvPicPr>
+        <p:blipFill>
+          <a:blip r:embed="rId2"/>
+          <a:stretch>
+            <a:fillRect/>
+          </a:stretch>
+        </p:blipFill>
+        <p:spPr>
+          <a:xfrm>
+            <a:off x="2388474" y="1392382"/>
+            <a:ext cx="2677884" cy="2036618"/>
+          </a:xfrm>
+          <a:prstGeom prst="rect">
+            <a:avLst/>
+          </a:prstGeom>
+        </p:spPr>
+      </p:pic>
+      <p:pic>
+        <p:nvPicPr>
+          <p:cNvPr id="6" name="图片 5">
+            <a:extLst>
+              <a:ext uri="{FF2B5EF4-FFF2-40B4-BE49-F238E27FC236}">
+                <a16:creationId xmlns:a16="http://schemas.microsoft.com/office/drawing/2014/main" id="{48F477D8-747F-4141-9AEA-7368D6F3F4F8}"/>
+              </a:ext>
+            </a:extLst>
+          </p:cNvPr>
+          <p:cNvPicPr>
+            <a:picLocks/>
+          </p:cNvPicPr>
+          <p:nvPr/>
+        </p:nvPicPr>
+        <p:blipFill>
+          <a:blip r:embed="rId3">
+            <a:extLst>
+              <a:ext uri="{28A0092B-C50C-407E-A947-70E740481C1C}">
+                <a14:useLocalDpi xmlns:a14="http://schemas.microsoft.com/office/drawing/2010/main" val="0"/>
+              </a:ext>
+            </a:extLst>
+          </a:blip>
+          <a:stretch>
+            <a:fillRect/>
+          </a:stretch>
+        </p:blipFill>
+        <p:spPr>
+          <a:xfrm>
+            <a:off x="5083628" y="1392382"/>
+            <a:ext cx="2677885" cy="2036618"/>
+          </a:xfrm>
+          <a:prstGeom prst="rect">
+            <a:avLst/>
+          </a:prstGeom>
+        </p:spPr>
+      </p:pic>
+    </p:spTree>
+    <p:extLst>
+      <p:ext uri="{BB962C8B-B14F-4D97-AF65-F5344CB8AC3E}">
+        <p14:creationId xmlns:p14="http://schemas.microsoft.com/office/powerpoint/2010/main" val="2318179800"/>
+      </p:ext>
+    </p:extLst>
+  </p:cSld>
+  <p:clrMapOvr>
+    <a:masterClrMapping/>
+  </p:clrMapOvr>
+</p:sld>
+</file>
+
 <file path=ppt/slides/slide2.xml><?xml version="1.0" encoding="utf-8"?>
 <p:sld xmlns:a="http://schemas.openxmlformats.org/drawingml/2006/main" xmlns:r="http://schemas.openxmlformats.org/officeDocument/2006/relationships" xmlns:p="http://schemas.openxmlformats.org/presentationml/2006/main">
   <p:cSld>

--- a/示意图.pptx
+++ b/示意图.pptx
@@ -18,12 +18,13 @@
     <p:sldId id="266" r:id="rId12"/>
     <p:sldId id="267" r:id="rId13"/>
     <p:sldId id="268" r:id="rId14"/>
-    <p:sldId id="269" r:id="rId15"/>
-    <p:sldId id="270" r:id="rId16"/>
-    <p:sldId id="271" r:id="rId17"/>
-    <p:sldId id="272" r:id="rId18"/>
-    <p:sldId id="273" r:id="rId19"/>
-    <p:sldId id="274" r:id="rId20"/>
+    <p:sldId id="275" r:id="rId15"/>
+    <p:sldId id="269" r:id="rId16"/>
+    <p:sldId id="270" r:id="rId17"/>
+    <p:sldId id="271" r:id="rId18"/>
+    <p:sldId id="272" r:id="rId19"/>
+    <p:sldId id="273" r:id="rId20"/>
+    <p:sldId id="274" r:id="rId21"/>
   </p:sldIdLst>
   <p:sldSz cx="12192000" cy="6858000"/>
   <p:notesSz cx="6858000" cy="9144000"/>
@@ -3940,7 +3941,7 @@
           <a:p>
             <a:fld id="{3C7334DD-470A-4932-88A3-6C69D4FCD350}" type="datetimeFigureOut">
               <a:rPr lang="zh-CN" altLang="en-US" smtClean="0"/>
-              <a:t>2018/6/7</a:t>
+              <a:t>2018/6/10</a:t>
             </a:fld>
             <a:endParaRPr lang="zh-CN" altLang="en-US"/>
           </a:p>
@@ -4138,7 +4139,7 @@
           <a:p>
             <a:fld id="{3C7334DD-470A-4932-88A3-6C69D4FCD350}" type="datetimeFigureOut">
               <a:rPr lang="zh-CN" altLang="en-US" smtClean="0"/>
-              <a:t>2018/6/7</a:t>
+              <a:t>2018/6/10</a:t>
             </a:fld>
             <a:endParaRPr lang="zh-CN" altLang="en-US"/>
           </a:p>
@@ -4346,7 +4347,7 @@
           <a:p>
             <a:fld id="{3C7334DD-470A-4932-88A3-6C69D4FCD350}" type="datetimeFigureOut">
               <a:rPr lang="zh-CN" altLang="en-US" smtClean="0"/>
-              <a:t>2018/6/7</a:t>
+              <a:t>2018/6/10</a:t>
             </a:fld>
             <a:endParaRPr lang="zh-CN" altLang="en-US"/>
           </a:p>
@@ -4544,7 +4545,7 @@
           <a:p>
             <a:fld id="{3C7334DD-470A-4932-88A3-6C69D4FCD350}" type="datetimeFigureOut">
               <a:rPr lang="zh-CN" altLang="en-US" smtClean="0"/>
-              <a:t>2018/6/7</a:t>
+              <a:t>2018/6/10</a:t>
             </a:fld>
             <a:endParaRPr lang="zh-CN" altLang="en-US"/>
           </a:p>
@@ -4819,7 +4820,7 @@
           <a:p>
             <a:fld id="{3C7334DD-470A-4932-88A3-6C69D4FCD350}" type="datetimeFigureOut">
               <a:rPr lang="zh-CN" altLang="en-US" smtClean="0"/>
-              <a:t>2018/6/7</a:t>
+              <a:t>2018/6/10</a:t>
             </a:fld>
             <a:endParaRPr lang="zh-CN" altLang="en-US"/>
           </a:p>
@@ -5084,7 +5085,7 @@
           <a:p>
             <a:fld id="{3C7334DD-470A-4932-88A3-6C69D4FCD350}" type="datetimeFigureOut">
               <a:rPr lang="zh-CN" altLang="en-US" smtClean="0"/>
-              <a:t>2018/6/7</a:t>
+              <a:t>2018/6/10</a:t>
             </a:fld>
             <a:endParaRPr lang="zh-CN" altLang="en-US"/>
           </a:p>
@@ -5496,7 +5497,7 @@
           <a:p>
             <a:fld id="{3C7334DD-470A-4932-88A3-6C69D4FCD350}" type="datetimeFigureOut">
               <a:rPr lang="zh-CN" altLang="en-US" smtClean="0"/>
-              <a:t>2018/6/7</a:t>
+              <a:t>2018/6/10</a:t>
             </a:fld>
             <a:endParaRPr lang="zh-CN" altLang="en-US"/>
           </a:p>
@@ -5637,7 +5638,7 @@
           <a:p>
             <a:fld id="{3C7334DD-470A-4932-88A3-6C69D4FCD350}" type="datetimeFigureOut">
               <a:rPr lang="zh-CN" altLang="en-US" smtClean="0"/>
-              <a:t>2018/6/7</a:t>
+              <a:t>2018/6/10</a:t>
             </a:fld>
             <a:endParaRPr lang="zh-CN" altLang="en-US"/>
           </a:p>
@@ -5750,7 +5751,7 @@
           <a:p>
             <a:fld id="{3C7334DD-470A-4932-88A3-6C69D4FCD350}" type="datetimeFigureOut">
               <a:rPr lang="zh-CN" altLang="en-US" smtClean="0"/>
-              <a:t>2018/6/7</a:t>
+              <a:t>2018/6/10</a:t>
             </a:fld>
             <a:endParaRPr lang="zh-CN" altLang="en-US"/>
           </a:p>
@@ -6061,7 +6062,7 @@
           <a:p>
             <a:fld id="{3C7334DD-470A-4932-88A3-6C69D4FCD350}" type="datetimeFigureOut">
               <a:rPr lang="zh-CN" altLang="en-US" smtClean="0"/>
-              <a:t>2018/6/7</a:t>
+              <a:t>2018/6/10</a:t>
             </a:fld>
             <a:endParaRPr lang="zh-CN" altLang="en-US"/>
           </a:p>
@@ -6349,7 +6350,7 @@
           <a:p>
             <a:fld id="{3C7334DD-470A-4932-88A3-6C69D4FCD350}" type="datetimeFigureOut">
               <a:rPr lang="zh-CN" altLang="en-US" smtClean="0"/>
-              <a:t>2018/6/7</a:t>
+              <a:t>2018/6/10</a:t>
             </a:fld>
             <a:endParaRPr lang="zh-CN" altLang="en-US"/>
           </a:p>
@@ -6590,7 +6591,7 @@
           <a:p>
             <a:fld id="{3C7334DD-470A-4932-88A3-6C69D4FCD350}" type="datetimeFigureOut">
               <a:rPr lang="zh-CN" altLang="en-US" smtClean="0"/>
-              <a:t>2018/6/7</a:t>
+              <a:t>2018/6/10</a:t>
             </a:fld>
             <a:endParaRPr lang="zh-CN" altLang="en-US"/>
           </a:p>
@@ -19785,10 +19786,10 @@
       </p:grpSpPr>
       <p:pic>
         <p:nvPicPr>
-          <p:cNvPr id="4" name="图片 3">
+          <p:cNvPr id="7" name="图片 6">
             <a:extLst>
               <a:ext uri="{FF2B5EF4-FFF2-40B4-BE49-F238E27FC236}">
-                <a16:creationId xmlns:a16="http://schemas.microsoft.com/office/drawing/2014/main" id="{F49EFCD3-93DA-4294-AEFC-F01AB573A63E}"/>
+                <a16:creationId xmlns:a16="http://schemas.microsoft.com/office/drawing/2014/main" id="{5D7A35A1-ECBF-40C4-BF48-24E9FACAB089}"/>
               </a:ext>
             </a:extLst>
           </p:cNvPr>
@@ -19798,42 +19799,7 @@
           <p:nvPr/>
         </p:nvPicPr>
         <p:blipFill>
-          <a:blip r:embed="rId2"/>
-          <a:stretch>
-            <a:fillRect/>
-          </a:stretch>
-        </p:blipFill>
-        <p:spPr>
-          <a:xfrm>
-            <a:off x="2617643" y="860367"/>
-            <a:ext cx="2132659" cy="2160000"/>
-          </a:xfrm>
-          <a:prstGeom prst="rect">
-            <a:avLst/>
-          </a:prstGeom>
-          <a:ln w="12700">
-            <a:solidFill>
-              <a:schemeClr val="tx1"/>
-            </a:solidFill>
-          </a:ln>
-        </p:spPr>
-      </p:pic>
-      <p:pic>
-        <p:nvPicPr>
-          <p:cNvPr id="6" name="图片 5">
-            <a:extLst>
-              <a:ext uri="{FF2B5EF4-FFF2-40B4-BE49-F238E27FC236}">
-                <a16:creationId xmlns:a16="http://schemas.microsoft.com/office/drawing/2014/main" id="{982B09DE-0A7D-4F01-A045-D87DC5DA947B}"/>
-              </a:ext>
-            </a:extLst>
-          </p:cNvPr>
-          <p:cNvPicPr>
-            <a:picLocks noChangeAspect="1"/>
-          </p:cNvPicPr>
-          <p:nvPr/>
-        </p:nvPicPr>
-        <p:blipFill>
-          <a:blip r:embed="rId3">
+          <a:blip r:embed="rId2">
             <a:extLst>
               <a:ext uri="{28A0092B-C50C-407E-A947-70E740481C1C}">
                 <a14:useLocalDpi xmlns:a14="http://schemas.microsoft.com/office/drawing/2010/main" val="0"/>
@@ -19846,7 +19812,7 @@
         </p:blipFill>
         <p:spPr>
           <a:xfrm>
-            <a:off x="-2471945" y="270991"/>
+            <a:off x="3512355" y="606829"/>
             <a:ext cx="2751058" cy="4839119"/>
           </a:xfrm>
           <a:prstGeom prst="rect">
@@ -19859,12 +19825,297 @@
           </a:ln>
         </p:spPr>
       </p:pic>
+      <p:sp>
+        <p:nvSpPr>
+          <p:cNvPr id="9" name="矩形 8">
+            <a:extLst>
+              <a:ext uri="{FF2B5EF4-FFF2-40B4-BE49-F238E27FC236}">
+                <a16:creationId xmlns:a16="http://schemas.microsoft.com/office/drawing/2014/main" id="{50C159B1-3001-44C0-8668-28264172BF17}"/>
+              </a:ext>
+            </a:extLst>
+          </p:cNvPr>
+          <p:cNvSpPr/>
+          <p:nvPr/>
+        </p:nvSpPr>
+        <p:spPr>
+          <a:xfrm>
+            <a:off x="4987636" y="2377724"/>
+            <a:ext cx="407324" cy="2428144"/>
+          </a:xfrm>
+          <a:prstGeom prst="rect">
+            <a:avLst/>
+          </a:prstGeom>
+          <a:noFill/>
+          <a:ln w="28575">
+            <a:solidFill>
+              <a:schemeClr val="accent1"/>
+            </a:solidFill>
+            <a:prstDash val="sysDash"/>
+          </a:ln>
+        </p:spPr>
+        <p:style>
+          <a:lnRef idx="2">
+            <a:schemeClr val="accent1">
+              <a:shade val="50000"/>
+            </a:schemeClr>
+          </a:lnRef>
+          <a:fillRef idx="1">
+            <a:schemeClr val="accent1"/>
+          </a:fillRef>
+          <a:effectRef idx="0">
+            <a:schemeClr val="accent1"/>
+          </a:effectRef>
+          <a:fontRef idx="minor">
+            <a:schemeClr val="lt1"/>
+          </a:fontRef>
+        </p:style>
+        <p:txBody>
+          <a:bodyPr rtlCol="0" anchor="ctr"/>
+          <a:lstStyle/>
+          <a:p>
+            <a:pPr algn="ctr"/>
+            <a:endParaRPr lang="zh-CN" altLang="en-US"/>
+          </a:p>
+        </p:txBody>
+      </p:sp>
       <p:pic>
         <p:nvPicPr>
-          <p:cNvPr id="8" name="图片 7">
+          <p:cNvPr id="12" name="图片 11">
             <a:extLst>
               <a:ext uri="{FF2B5EF4-FFF2-40B4-BE49-F238E27FC236}">
-                <a16:creationId xmlns:a16="http://schemas.microsoft.com/office/drawing/2014/main" id="{7006DFB6-321E-4124-A758-D53D8DCA21EF}"/>
+                <a16:creationId xmlns:a16="http://schemas.microsoft.com/office/drawing/2014/main" id="{7D8C0930-4411-4359-A5D2-48C6D95F6455}"/>
+              </a:ext>
+            </a:extLst>
+          </p:cNvPr>
+          <p:cNvPicPr>
+            <a:picLocks noChangeAspect="1"/>
+          </p:cNvPicPr>
+          <p:nvPr/>
+        </p:nvPicPr>
+        <p:blipFill>
+          <a:blip r:embed="rId3"/>
+          <a:stretch>
+            <a:fillRect/>
+          </a:stretch>
+        </p:blipFill>
+        <p:spPr>
+          <a:xfrm>
+            <a:off x="6646372" y="2377724"/>
+            <a:ext cx="402177" cy="2428144"/>
+          </a:xfrm>
+          <a:prstGeom prst="rect">
+            <a:avLst/>
+          </a:prstGeom>
+          <a:ln w="12700">
+            <a:solidFill>
+              <a:schemeClr val="tx1"/>
+            </a:solidFill>
+          </a:ln>
+        </p:spPr>
+      </p:pic>
+      <p:sp>
+        <p:nvSpPr>
+          <p:cNvPr id="16" name="箭头: 右 15">
+            <a:extLst>
+              <a:ext uri="{FF2B5EF4-FFF2-40B4-BE49-F238E27FC236}">
+                <a16:creationId xmlns:a16="http://schemas.microsoft.com/office/drawing/2014/main" id="{70100FF1-B9E5-4752-9536-EAB932C28AF5}"/>
+              </a:ext>
+            </a:extLst>
+          </p:cNvPr>
+          <p:cNvSpPr/>
+          <p:nvPr/>
+        </p:nvSpPr>
+        <p:spPr>
+          <a:xfrm>
+            <a:off x="5487440" y="3026388"/>
+            <a:ext cx="1047404" cy="170410"/>
+          </a:xfrm>
+          <a:prstGeom prst="rightArrow">
+            <a:avLst/>
+          </a:prstGeom>
+          <a:noFill/>
+          <a:ln>
+            <a:solidFill>
+              <a:schemeClr val="tx1"/>
+            </a:solidFill>
+          </a:ln>
+        </p:spPr>
+        <p:style>
+          <a:lnRef idx="2">
+            <a:schemeClr val="accent1">
+              <a:shade val="50000"/>
+            </a:schemeClr>
+          </a:lnRef>
+          <a:fillRef idx="1">
+            <a:schemeClr val="accent1"/>
+          </a:fillRef>
+          <a:effectRef idx="0">
+            <a:schemeClr val="accent1"/>
+          </a:effectRef>
+          <a:fontRef idx="minor">
+            <a:schemeClr val="lt1"/>
+          </a:fontRef>
+        </p:style>
+        <p:txBody>
+          <a:bodyPr rtlCol="0" anchor="ctr"/>
+          <a:lstStyle/>
+          <a:p>
+            <a:pPr algn="ctr"/>
+            <a:endParaRPr lang="zh-CN" altLang="en-US"/>
+          </a:p>
+        </p:txBody>
+      </p:sp>
+      <p:sp>
+        <p:nvSpPr>
+          <p:cNvPr id="17" name="椭圆 16">
+            <a:extLst>
+              <a:ext uri="{FF2B5EF4-FFF2-40B4-BE49-F238E27FC236}">
+                <a16:creationId xmlns:a16="http://schemas.microsoft.com/office/drawing/2014/main" id="{BFC2721D-B0B1-4EC1-A215-0F9D151F99EC}"/>
+              </a:ext>
+            </a:extLst>
+          </p:cNvPr>
+          <p:cNvSpPr/>
+          <p:nvPr/>
+        </p:nvSpPr>
+        <p:spPr>
+          <a:xfrm>
+            <a:off x="4915636" y="2305724"/>
+            <a:ext cx="144000" cy="144000"/>
+          </a:xfrm>
+          <a:prstGeom prst="ellipse">
+            <a:avLst/>
+          </a:prstGeom>
+          <a:ln>
+            <a:solidFill>
+              <a:schemeClr val="accent1"/>
+            </a:solidFill>
+          </a:ln>
+        </p:spPr>
+        <p:style>
+          <a:lnRef idx="2">
+            <a:schemeClr val="accent1">
+              <a:shade val="50000"/>
+            </a:schemeClr>
+          </a:lnRef>
+          <a:fillRef idx="1">
+            <a:schemeClr val="accent1"/>
+          </a:fillRef>
+          <a:effectRef idx="0">
+            <a:schemeClr val="accent1"/>
+          </a:effectRef>
+          <a:fontRef idx="minor">
+            <a:schemeClr val="lt1"/>
+          </a:fontRef>
+        </p:style>
+        <p:txBody>
+          <a:bodyPr rtlCol="0" anchor="ctr"/>
+          <a:lstStyle/>
+          <a:p>
+            <a:pPr algn="ctr"/>
+            <a:endParaRPr lang="zh-CN" altLang="en-US"/>
+          </a:p>
+        </p:txBody>
+      </p:sp>
+      <p:pic>
+        <p:nvPicPr>
+          <p:cNvPr id="18" name="图片 17">
+            <a:extLst>
+              <a:ext uri="{FF2B5EF4-FFF2-40B4-BE49-F238E27FC236}">
+                <a16:creationId xmlns:a16="http://schemas.microsoft.com/office/drawing/2014/main" id="{345B91B4-C990-4C4A-AE76-B3AFB2DD1F23}"/>
+              </a:ext>
+            </a:extLst>
+          </p:cNvPr>
+          <p:cNvPicPr>
+            <a:picLocks noChangeAspect="1"/>
+          </p:cNvPicPr>
+          <p:nvPr/>
+        </p:nvPicPr>
+        <p:blipFill>
+          <a:blip r:embed="rId2">
+            <a:extLst>
+              <a:ext uri="{28A0092B-C50C-407E-A947-70E740481C1C}">
+                <a14:useLocalDpi xmlns:a14="http://schemas.microsoft.com/office/drawing/2010/main" val="0"/>
+              </a:ext>
+            </a:extLst>
+          </a:blip>
+          <a:stretch>
+            <a:fillRect/>
+          </a:stretch>
+        </p:blipFill>
+        <p:spPr>
+          <a:xfrm>
+            <a:off x="9440942" y="606829"/>
+            <a:ext cx="2751058" cy="4839119"/>
+          </a:xfrm>
+          <a:prstGeom prst="rect">
+            <a:avLst/>
+          </a:prstGeom>
+          <a:ln w="12700">
+            <a:solidFill>
+              <a:schemeClr val="tx1"/>
+            </a:solidFill>
+          </a:ln>
+        </p:spPr>
+      </p:pic>
+      <p:sp>
+        <p:nvSpPr>
+          <p:cNvPr id="19" name="矩形 18">
+            <a:extLst>
+              <a:ext uri="{FF2B5EF4-FFF2-40B4-BE49-F238E27FC236}">
+                <a16:creationId xmlns:a16="http://schemas.microsoft.com/office/drawing/2014/main" id="{89DCF171-972D-4519-B801-75ED7DC588A5}"/>
+              </a:ext>
+            </a:extLst>
+          </p:cNvPr>
+          <p:cNvSpPr/>
+          <p:nvPr/>
+        </p:nvSpPr>
+        <p:spPr>
+          <a:xfrm>
+            <a:off x="9441407" y="606829"/>
+            <a:ext cx="2371196" cy="2410975"/>
+          </a:xfrm>
+          <a:prstGeom prst="rect">
+            <a:avLst/>
+          </a:prstGeom>
+          <a:noFill/>
+          <a:ln w="57150">
+            <a:solidFill>
+              <a:schemeClr val="accent1"/>
+            </a:solidFill>
+            <a:prstDash val="sysDash"/>
+          </a:ln>
+        </p:spPr>
+        <p:style>
+          <a:lnRef idx="2">
+            <a:schemeClr val="accent1">
+              <a:shade val="50000"/>
+            </a:schemeClr>
+          </a:lnRef>
+          <a:fillRef idx="1">
+            <a:schemeClr val="accent1"/>
+          </a:fillRef>
+          <a:effectRef idx="0">
+            <a:schemeClr val="accent1"/>
+          </a:effectRef>
+          <a:fontRef idx="minor">
+            <a:schemeClr val="lt1"/>
+          </a:fontRef>
+        </p:style>
+        <p:txBody>
+          <a:bodyPr rtlCol="0" anchor="ctr"/>
+          <a:lstStyle/>
+          <a:p>
+            <a:pPr algn="ctr"/>
+            <a:endParaRPr lang="zh-CN" altLang="en-US"/>
+          </a:p>
+        </p:txBody>
+      </p:sp>
+      <p:pic>
+        <p:nvPicPr>
+          <p:cNvPr id="5" name="图片 4">
+            <a:extLst>
+              <a:ext uri="{FF2B5EF4-FFF2-40B4-BE49-F238E27FC236}">
+                <a16:creationId xmlns:a16="http://schemas.microsoft.com/office/drawing/2014/main" id="{6FD04CFD-106C-4F63-9F5D-0C4412CAD91E}"/>
               </a:ext>
             </a:extLst>
           </p:cNvPr>
@@ -19887,8 +20138,2948 @@
         </p:blipFill>
         <p:spPr>
           <a:xfrm>
-            <a:off x="-3389641" y="2225040"/>
-            <a:ext cx="435545" cy="2787492"/>
+            <a:off x="2258726" y="3026389"/>
+            <a:ext cx="379397" cy="2428144"/>
+          </a:xfrm>
+          <a:prstGeom prst="rect">
+            <a:avLst/>
+          </a:prstGeom>
+          <a:ln w="12700">
+            <a:solidFill>
+              <a:schemeClr val="tx1"/>
+            </a:solidFill>
+          </a:ln>
+        </p:spPr>
+      </p:pic>
+      <p:sp>
+        <p:nvSpPr>
+          <p:cNvPr id="21" name="矩形 20">
+            <a:extLst>
+              <a:ext uri="{FF2B5EF4-FFF2-40B4-BE49-F238E27FC236}">
+                <a16:creationId xmlns:a16="http://schemas.microsoft.com/office/drawing/2014/main" id="{2758DFB3-84B8-4A95-B3E3-A01ABA0E7267}"/>
+              </a:ext>
+            </a:extLst>
+          </p:cNvPr>
+          <p:cNvSpPr/>
+          <p:nvPr/>
+        </p:nvSpPr>
+        <p:spPr>
+          <a:xfrm>
+            <a:off x="12686786" y="606829"/>
+            <a:ext cx="2371196" cy="2410975"/>
+          </a:xfrm>
+          <a:prstGeom prst="rect">
+            <a:avLst/>
+          </a:prstGeom>
+          <a:solidFill>
+            <a:schemeClr val="tx1"/>
+          </a:solidFill>
+          <a:ln w="57150">
+            <a:solidFill>
+              <a:schemeClr val="tx1"/>
+            </a:solidFill>
+            <a:prstDash val="solid"/>
+          </a:ln>
+        </p:spPr>
+        <p:style>
+          <a:lnRef idx="2">
+            <a:schemeClr val="accent1">
+              <a:shade val="50000"/>
+            </a:schemeClr>
+          </a:lnRef>
+          <a:fillRef idx="1">
+            <a:schemeClr val="accent1"/>
+          </a:fillRef>
+          <a:effectRef idx="0">
+            <a:schemeClr val="accent1"/>
+          </a:effectRef>
+          <a:fontRef idx="minor">
+            <a:schemeClr val="lt1"/>
+          </a:fontRef>
+        </p:style>
+        <p:txBody>
+          <a:bodyPr rtlCol="0" anchor="ctr"/>
+          <a:lstStyle/>
+          <a:p>
+            <a:pPr algn="ctr"/>
+            <a:endParaRPr lang="zh-CN" altLang="en-US"/>
+          </a:p>
+        </p:txBody>
+      </p:sp>
+      <p:sp>
+        <p:nvSpPr>
+          <p:cNvPr id="22" name="箭头: 右 21">
+            <a:extLst>
+              <a:ext uri="{FF2B5EF4-FFF2-40B4-BE49-F238E27FC236}">
+                <a16:creationId xmlns:a16="http://schemas.microsoft.com/office/drawing/2014/main" id="{CAA674F4-0CD9-4BD2-BAAB-4F46508EA99D}"/>
+              </a:ext>
+            </a:extLst>
+          </p:cNvPr>
+          <p:cNvSpPr/>
+          <p:nvPr/>
+        </p:nvSpPr>
+        <p:spPr>
+          <a:xfrm>
+            <a:off x="11869620" y="1591340"/>
+            <a:ext cx="644760" cy="220976"/>
+          </a:xfrm>
+          <a:prstGeom prst="rightArrow">
+            <a:avLst/>
+          </a:prstGeom>
+          <a:noFill/>
+          <a:ln>
+            <a:solidFill>
+              <a:schemeClr val="tx1"/>
+            </a:solidFill>
+          </a:ln>
+        </p:spPr>
+        <p:style>
+          <a:lnRef idx="2">
+            <a:schemeClr val="accent1">
+              <a:shade val="50000"/>
+            </a:schemeClr>
+          </a:lnRef>
+          <a:fillRef idx="1">
+            <a:schemeClr val="accent1"/>
+          </a:fillRef>
+          <a:effectRef idx="0">
+            <a:schemeClr val="accent1"/>
+          </a:effectRef>
+          <a:fontRef idx="minor">
+            <a:schemeClr val="lt1"/>
+          </a:fontRef>
+        </p:style>
+        <p:txBody>
+          <a:bodyPr rtlCol="0" anchor="ctr"/>
+          <a:lstStyle/>
+          <a:p>
+            <a:pPr algn="ctr"/>
+            <a:endParaRPr lang="zh-CN" altLang="en-US"/>
+          </a:p>
+        </p:txBody>
+      </p:sp>
+      <p:cxnSp>
+        <p:nvCxnSpPr>
+          <p:cNvPr id="24" name="直接箭头连接符 23">
+            <a:extLst>
+              <a:ext uri="{FF2B5EF4-FFF2-40B4-BE49-F238E27FC236}">
+                <a16:creationId xmlns:a16="http://schemas.microsoft.com/office/drawing/2014/main" id="{655E6003-AEA0-4B81-AC72-159E0D6E3994}"/>
+              </a:ext>
+            </a:extLst>
+          </p:cNvPr>
+          <p:cNvCxnSpPr>
+            <a:cxnSpLocks/>
+          </p:cNvCxnSpPr>
+          <p:nvPr/>
+        </p:nvCxnSpPr>
+        <p:spPr>
+          <a:xfrm flipV="1">
+            <a:off x="4955556" y="2093089"/>
+            <a:ext cx="511404" cy="284635"/>
+          </a:xfrm>
+          <a:prstGeom prst="straightConnector1">
+            <a:avLst/>
+          </a:prstGeom>
+          <a:ln w="12700">
+            <a:solidFill>
+              <a:schemeClr val="accent1"/>
+            </a:solidFill>
+            <a:tailEnd type="triangle"/>
+          </a:ln>
+        </p:spPr>
+        <p:style>
+          <a:lnRef idx="1">
+            <a:schemeClr val="accent1"/>
+          </a:lnRef>
+          <a:fillRef idx="0">
+            <a:schemeClr val="accent1"/>
+          </a:fillRef>
+          <a:effectRef idx="0">
+            <a:schemeClr val="accent1"/>
+          </a:effectRef>
+          <a:fontRef idx="minor">
+            <a:schemeClr val="tx1"/>
+          </a:fontRef>
+        </p:style>
+      </p:cxnSp>
+      <mc:AlternateContent xmlns:mc="http://schemas.openxmlformats.org/markup-compatibility/2006" xmlns:a14="http://schemas.microsoft.com/office/drawing/2010/main">
+        <mc:Choice Requires="a14">
+          <p:sp>
+            <p:nvSpPr>
+              <p:cNvPr id="25" name="文本框 24">
+                <a:extLst>
+                  <a:ext uri="{FF2B5EF4-FFF2-40B4-BE49-F238E27FC236}">
+                    <a16:creationId xmlns:a16="http://schemas.microsoft.com/office/drawing/2014/main" id="{83EAC8D3-B8AB-43A4-9E5B-2588E599456A}"/>
+                  </a:ext>
+                </a:extLst>
+              </p:cNvPr>
+              <p:cNvSpPr txBox="1"/>
+              <p:nvPr/>
+            </p:nvSpPr>
+            <p:spPr>
+              <a:xfrm>
+                <a:off x="5413106" y="1701828"/>
+                <a:ext cx="980589" cy="391261"/>
+              </a:xfrm>
+              <a:prstGeom prst="rect">
+                <a:avLst/>
+              </a:prstGeom>
+              <a:noFill/>
+            </p:spPr>
+            <p:txBody>
+              <a:bodyPr wrap="none" rtlCol="0">
+                <a:spAutoFit/>
+              </a:bodyPr>
+              <a:lstStyle/>
+              <a:p>
+                <a:r>
+                  <a:rPr lang="zh-CN" altLang="en-US" dirty="0">
+                    <a:latin typeface="宋体" panose="02010600030101010101" pitchFamily="2" charset="-122"/>
+                    <a:ea typeface="宋体" panose="02010600030101010101" pitchFamily="2" charset="-122"/>
+                  </a:rPr>
+                  <a:t>子图</a:t>
+                </a:r>
+                <a14:m>
+                  <m:oMath xmlns:m="http://schemas.openxmlformats.org/officeDocument/2006/math">
+                    <m:sSub>
+                      <m:sSubPr>
+                        <m:ctrlPr>
+                          <a:rPr lang="en-US" altLang="zh-CN" b="0" i="1" smtClean="0">
+                            <a:latin typeface="Cambria Math" panose="02040503050406030204" pitchFamily="18" charset="0"/>
+                          </a:rPr>
+                        </m:ctrlPr>
+                      </m:sSubPr>
+                      <m:e>
+                        <m:r>
+                          <a:rPr lang="en-US" altLang="zh-CN" i="1">
+                            <a:latin typeface="Cambria Math" panose="02040503050406030204" pitchFamily="18" charset="0"/>
+                          </a:rPr>
+                          <m:t>𝑆</m:t>
+                        </m:r>
+                      </m:e>
+                      <m:sub>
+                        <m:r>
+                          <a:rPr lang="en-US" altLang="zh-CN" b="0" i="1" smtClean="0">
+                            <a:latin typeface="Cambria Math" panose="02040503050406030204" pitchFamily="18" charset="0"/>
+                          </a:rPr>
+                          <m:t>𝑥𝑦</m:t>
+                        </m:r>
+                      </m:sub>
+                    </m:sSub>
+                  </m:oMath>
+                </a14:m>
+                <a:endParaRPr lang="zh-CN" altLang="en-US" i="1" dirty="0"/>
+              </a:p>
+            </p:txBody>
+          </p:sp>
+        </mc:Choice>
+        <mc:Fallback xmlns="">
+          <p:sp>
+            <p:nvSpPr>
+              <p:cNvPr id="25" name="文本框 24">
+                <a:extLst>
+                  <a:ext uri="{FF2B5EF4-FFF2-40B4-BE49-F238E27FC236}">
+                    <a16:creationId xmlns:a16="http://schemas.microsoft.com/office/drawing/2014/main" id="{83EAC8D3-B8AB-43A4-9E5B-2588E599456A}"/>
+                  </a:ext>
+                </a:extLst>
+              </p:cNvPr>
+              <p:cNvSpPr txBox="1">
+                <a:spLocks noRot="1" noChangeAspect="1" noMove="1" noResize="1" noEditPoints="1" noAdjustHandles="1" noChangeArrowheads="1" noChangeShapeType="1" noTextEdit="1"/>
+              </p:cNvSpPr>
+              <p:nvPr/>
+            </p:nvSpPr>
+            <p:spPr>
+              <a:xfrm>
+                <a:off x="5413106" y="1701828"/>
+                <a:ext cx="980589" cy="391261"/>
+              </a:xfrm>
+              <a:prstGeom prst="rect">
+                <a:avLst/>
+              </a:prstGeom>
+              <a:blipFill>
+                <a:blip r:embed="rId5"/>
+                <a:stretch>
+                  <a:fillRect l="-5590" t="-12500" b="-14063"/>
+                </a:stretch>
+              </a:blipFill>
+            </p:spPr>
+            <p:txBody>
+              <a:bodyPr/>
+              <a:lstStyle/>
+              <a:p>
+                <a:r>
+                  <a:rPr lang="zh-CN" altLang="en-US">
+                    <a:noFill/>
+                  </a:rPr>
+                  <a:t> </a:t>
+                </a:r>
+              </a:p>
+            </p:txBody>
+          </p:sp>
+        </mc:Fallback>
+      </mc:AlternateContent>
+      <p:cxnSp>
+        <p:nvCxnSpPr>
+          <p:cNvPr id="29" name="直接连接符 28">
+            <a:extLst>
+              <a:ext uri="{FF2B5EF4-FFF2-40B4-BE49-F238E27FC236}">
+                <a16:creationId xmlns:a16="http://schemas.microsoft.com/office/drawing/2014/main" id="{3ED5104B-EE8B-4E19-8807-CCE33D41CF13}"/>
+              </a:ext>
+            </a:extLst>
+          </p:cNvPr>
+          <p:cNvCxnSpPr>
+            <a:cxnSpLocks/>
+          </p:cNvCxnSpPr>
+          <p:nvPr/>
+        </p:nvCxnSpPr>
+        <p:spPr>
+          <a:xfrm rot="5400000">
+            <a:off x="2046437" y="2903504"/>
+            <a:ext cx="0" cy="228600"/>
+          </a:xfrm>
+          <a:prstGeom prst="line">
+            <a:avLst/>
+          </a:prstGeom>
+          <a:ln>
+            <a:solidFill>
+              <a:schemeClr val="tx1"/>
+            </a:solidFill>
+          </a:ln>
+        </p:spPr>
+        <p:style>
+          <a:lnRef idx="1">
+            <a:schemeClr val="accent1"/>
+          </a:lnRef>
+          <a:fillRef idx="0">
+            <a:schemeClr val="accent1"/>
+          </a:fillRef>
+          <a:effectRef idx="0">
+            <a:schemeClr val="accent1"/>
+          </a:effectRef>
+          <a:fontRef idx="minor">
+            <a:schemeClr val="tx1"/>
+          </a:fontRef>
+        </p:style>
+      </p:cxnSp>
+      <p:cxnSp>
+        <p:nvCxnSpPr>
+          <p:cNvPr id="30" name="直接连接符 29">
+            <a:extLst>
+              <a:ext uri="{FF2B5EF4-FFF2-40B4-BE49-F238E27FC236}">
+                <a16:creationId xmlns:a16="http://schemas.microsoft.com/office/drawing/2014/main" id="{68CD66A8-CBCD-434D-AC50-1A8CC5036ECD}"/>
+              </a:ext>
+            </a:extLst>
+          </p:cNvPr>
+          <p:cNvCxnSpPr>
+            <a:cxnSpLocks/>
+          </p:cNvCxnSpPr>
+          <p:nvPr/>
+        </p:nvCxnSpPr>
+        <p:spPr>
+          <a:xfrm rot="5400000">
+            <a:off x="2052333" y="5331648"/>
+            <a:ext cx="0" cy="228600"/>
+          </a:xfrm>
+          <a:prstGeom prst="line">
+            <a:avLst/>
+          </a:prstGeom>
+          <a:ln>
+            <a:solidFill>
+              <a:schemeClr val="tx1"/>
+            </a:solidFill>
+          </a:ln>
+        </p:spPr>
+        <p:style>
+          <a:lnRef idx="1">
+            <a:schemeClr val="accent1"/>
+          </a:lnRef>
+          <a:fillRef idx="0">
+            <a:schemeClr val="accent1"/>
+          </a:fillRef>
+          <a:effectRef idx="0">
+            <a:schemeClr val="accent1"/>
+          </a:effectRef>
+          <a:fontRef idx="minor">
+            <a:schemeClr val="tx1"/>
+          </a:fontRef>
+        </p:style>
+      </p:cxnSp>
+      <p:cxnSp>
+        <p:nvCxnSpPr>
+          <p:cNvPr id="31" name="直接箭头连接符 30">
+            <a:extLst>
+              <a:ext uri="{FF2B5EF4-FFF2-40B4-BE49-F238E27FC236}">
+                <a16:creationId xmlns:a16="http://schemas.microsoft.com/office/drawing/2014/main" id="{0CA267F3-2BDB-499D-8EA1-1D1465951B74}"/>
+              </a:ext>
+            </a:extLst>
+          </p:cNvPr>
+          <p:cNvCxnSpPr>
+            <a:cxnSpLocks/>
+          </p:cNvCxnSpPr>
+          <p:nvPr/>
+        </p:nvCxnSpPr>
+        <p:spPr>
+          <a:xfrm>
+            <a:off x="2046437" y="3017804"/>
+            <a:ext cx="0" cy="2428144"/>
+          </a:xfrm>
+          <a:prstGeom prst="straightConnector1">
+            <a:avLst/>
+          </a:prstGeom>
+          <a:ln>
+            <a:solidFill>
+              <a:schemeClr val="tx1"/>
+            </a:solidFill>
+            <a:headEnd type="triangle"/>
+            <a:tailEnd type="triangle"/>
+          </a:ln>
+        </p:spPr>
+        <p:style>
+          <a:lnRef idx="1">
+            <a:schemeClr val="accent1"/>
+          </a:lnRef>
+          <a:fillRef idx="0">
+            <a:schemeClr val="accent1"/>
+          </a:fillRef>
+          <a:effectRef idx="0">
+            <a:schemeClr val="accent1"/>
+          </a:effectRef>
+          <a:fontRef idx="minor">
+            <a:schemeClr val="tx1"/>
+          </a:fontRef>
+        </p:style>
+      </p:cxnSp>
+      <p:sp>
+        <p:nvSpPr>
+          <p:cNvPr id="32" name="文本框 31">
+            <a:extLst>
+              <a:ext uri="{FF2B5EF4-FFF2-40B4-BE49-F238E27FC236}">
+                <a16:creationId xmlns:a16="http://schemas.microsoft.com/office/drawing/2014/main" id="{20A17A62-54CF-4A4F-B889-3C4BAE90535D}"/>
+              </a:ext>
+            </a:extLst>
+          </p:cNvPr>
+          <p:cNvSpPr txBox="1"/>
+          <p:nvPr/>
+        </p:nvSpPr>
+        <p:spPr>
+          <a:xfrm>
+            <a:off x="1569051" y="4047210"/>
+            <a:ext cx="550151" cy="369332"/>
+          </a:xfrm>
+          <a:prstGeom prst="rect">
+            <a:avLst/>
+          </a:prstGeom>
+          <a:noFill/>
+        </p:spPr>
+        <p:txBody>
+          <a:bodyPr wrap="none" rtlCol="0">
+            <a:spAutoFit/>
+          </a:bodyPr>
+          <a:lstStyle/>
+          <a:p>
+            <a:r>
+              <a:rPr lang="en-US" altLang="zh-CN" dirty="0">
+                <a:latin typeface="Times New Roman" panose="02020603050405020304" pitchFamily="18" charset="0"/>
+                <a:cs typeface="Times New Roman" panose="02020603050405020304" pitchFamily="18" charset="0"/>
+              </a:rPr>
+              <a:t>320</a:t>
+            </a:r>
+            <a:endParaRPr lang="zh-CN" altLang="en-US" dirty="0">
+              <a:latin typeface="Times New Roman" panose="02020603050405020304" pitchFamily="18" charset="0"/>
+              <a:cs typeface="Times New Roman" panose="02020603050405020304" pitchFamily="18" charset="0"/>
+            </a:endParaRPr>
+          </a:p>
+        </p:txBody>
+      </p:sp>
+      <p:cxnSp>
+        <p:nvCxnSpPr>
+          <p:cNvPr id="34" name="直接连接符 33">
+            <a:extLst>
+              <a:ext uri="{FF2B5EF4-FFF2-40B4-BE49-F238E27FC236}">
+                <a16:creationId xmlns:a16="http://schemas.microsoft.com/office/drawing/2014/main" id="{9CD71040-A70C-4701-802D-9C148E28308E}"/>
+              </a:ext>
+            </a:extLst>
+          </p:cNvPr>
+          <p:cNvCxnSpPr>
+            <a:cxnSpLocks/>
+          </p:cNvCxnSpPr>
+          <p:nvPr/>
+        </p:nvCxnSpPr>
+        <p:spPr>
+          <a:xfrm rot="5400000">
+            <a:off x="7289298" y="2263424"/>
+            <a:ext cx="0" cy="228600"/>
+          </a:xfrm>
+          <a:prstGeom prst="line">
+            <a:avLst/>
+          </a:prstGeom>
+          <a:ln>
+            <a:solidFill>
+              <a:schemeClr val="tx1"/>
+            </a:solidFill>
+          </a:ln>
+        </p:spPr>
+        <p:style>
+          <a:lnRef idx="1">
+            <a:schemeClr val="accent1"/>
+          </a:lnRef>
+          <a:fillRef idx="0">
+            <a:schemeClr val="accent1"/>
+          </a:fillRef>
+          <a:effectRef idx="0">
+            <a:schemeClr val="accent1"/>
+          </a:effectRef>
+          <a:fontRef idx="minor">
+            <a:schemeClr val="tx1"/>
+          </a:fontRef>
+        </p:style>
+      </p:cxnSp>
+      <p:cxnSp>
+        <p:nvCxnSpPr>
+          <p:cNvPr id="35" name="直接连接符 34">
+            <a:extLst>
+              <a:ext uri="{FF2B5EF4-FFF2-40B4-BE49-F238E27FC236}">
+                <a16:creationId xmlns:a16="http://schemas.microsoft.com/office/drawing/2014/main" id="{59E43B86-3B47-4591-88A3-B888D14F00F1}"/>
+              </a:ext>
+            </a:extLst>
+          </p:cNvPr>
+          <p:cNvCxnSpPr>
+            <a:cxnSpLocks/>
+          </p:cNvCxnSpPr>
+          <p:nvPr/>
+        </p:nvCxnSpPr>
+        <p:spPr>
+          <a:xfrm rot="5400000">
+            <a:off x="7293670" y="4691568"/>
+            <a:ext cx="0" cy="228600"/>
+          </a:xfrm>
+          <a:prstGeom prst="line">
+            <a:avLst/>
+          </a:prstGeom>
+          <a:ln>
+            <a:solidFill>
+              <a:schemeClr val="tx1"/>
+            </a:solidFill>
+          </a:ln>
+        </p:spPr>
+        <p:style>
+          <a:lnRef idx="1">
+            <a:schemeClr val="accent1"/>
+          </a:lnRef>
+          <a:fillRef idx="0">
+            <a:schemeClr val="accent1"/>
+          </a:fillRef>
+          <a:effectRef idx="0">
+            <a:schemeClr val="accent1"/>
+          </a:effectRef>
+          <a:fontRef idx="minor">
+            <a:schemeClr val="tx1"/>
+          </a:fontRef>
+        </p:style>
+      </p:cxnSp>
+      <p:cxnSp>
+        <p:nvCxnSpPr>
+          <p:cNvPr id="36" name="直接箭头连接符 35">
+            <a:extLst>
+              <a:ext uri="{FF2B5EF4-FFF2-40B4-BE49-F238E27FC236}">
+                <a16:creationId xmlns:a16="http://schemas.microsoft.com/office/drawing/2014/main" id="{C84FE3A2-8D9B-443A-ADE2-9F17DAA0C825}"/>
+              </a:ext>
+            </a:extLst>
+          </p:cNvPr>
+          <p:cNvCxnSpPr>
+            <a:cxnSpLocks/>
+          </p:cNvCxnSpPr>
+          <p:nvPr/>
+        </p:nvCxnSpPr>
+        <p:spPr>
+          <a:xfrm>
+            <a:off x="7289298" y="2377724"/>
+            <a:ext cx="0" cy="2428144"/>
+          </a:xfrm>
+          <a:prstGeom prst="straightConnector1">
+            <a:avLst/>
+          </a:prstGeom>
+          <a:ln>
+            <a:solidFill>
+              <a:schemeClr val="tx1"/>
+            </a:solidFill>
+            <a:headEnd type="triangle"/>
+            <a:tailEnd type="triangle"/>
+          </a:ln>
+        </p:spPr>
+        <p:style>
+          <a:lnRef idx="1">
+            <a:schemeClr val="accent1"/>
+          </a:lnRef>
+          <a:fillRef idx="0">
+            <a:schemeClr val="accent1"/>
+          </a:fillRef>
+          <a:effectRef idx="0">
+            <a:schemeClr val="accent1"/>
+          </a:effectRef>
+          <a:fontRef idx="minor">
+            <a:schemeClr val="tx1"/>
+          </a:fontRef>
+        </p:style>
+      </p:cxnSp>
+      <p:sp>
+        <p:nvSpPr>
+          <p:cNvPr id="37" name="文本框 36">
+            <a:extLst>
+              <a:ext uri="{FF2B5EF4-FFF2-40B4-BE49-F238E27FC236}">
+                <a16:creationId xmlns:a16="http://schemas.microsoft.com/office/drawing/2014/main" id="{BDBA01EB-13CF-4FAD-9A4A-C7FC83A588D7}"/>
+              </a:ext>
+            </a:extLst>
+          </p:cNvPr>
+          <p:cNvSpPr txBox="1"/>
+          <p:nvPr/>
+        </p:nvSpPr>
+        <p:spPr>
+          <a:xfrm>
+            <a:off x="7289298" y="3363587"/>
+            <a:ext cx="550151" cy="369332"/>
+          </a:xfrm>
+          <a:prstGeom prst="rect">
+            <a:avLst/>
+          </a:prstGeom>
+          <a:noFill/>
+        </p:spPr>
+        <p:txBody>
+          <a:bodyPr wrap="none" rtlCol="0">
+            <a:spAutoFit/>
+          </a:bodyPr>
+          <a:lstStyle/>
+          <a:p>
+            <a:r>
+              <a:rPr lang="en-US" altLang="zh-CN" dirty="0">
+                <a:latin typeface="Times New Roman" panose="02020603050405020304" pitchFamily="18" charset="0"/>
+                <a:cs typeface="Times New Roman" panose="02020603050405020304" pitchFamily="18" charset="0"/>
+              </a:rPr>
+              <a:t>320</a:t>
+            </a:r>
+            <a:endParaRPr lang="zh-CN" altLang="en-US" dirty="0">
+              <a:latin typeface="Times New Roman" panose="02020603050405020304" pitchFamily="18" charset="0"/>
+              <a:cs typeface="Times New Roman" panose="02020603050405020304" pitchFamily="18" charset="0"/>
+            </a:endParaRPr>
+          </a:p>
+        </p:txBody>
+      </p:sp>
+      <p:cxnSp>
+        <p:nvCxnSpPr>
+          <p:cNvPr id="38" name="直接连接符 37">
+            <a:extLst>
+              <a:ext uri="{FF2B5EF4-FFF2-40B4-BE49-F238E27FC236}">
+                <a16:creationId xmlns:a16="http://schemas.microsoft.com/office/drawing/2014/main" id="{BFE4B343-B0C2-4F0F-BC42-AEB42A86F114}"/>
+              </a:ext>
+            </a:extLst>
+          </p:cNvPr>
+          <p:cNvCxnSpPr/>
+          <p:nvPr/>
+        </p:nvCxnSpPr>
+        <p:spPr>
+          <a:xfrm>
+            <a:off x="2237831" y="2709328"/>
+            <a:ext cx="0" cy="228600"/>
+          </a:xfrm>
+          <a:prstGeom prst="line">
+            <a:avLst/>
+          </a:prstGeom>
+          <a:ln>
+            <a:solidFill>
+              <a:schemeClr val="tx1"/>
+            </a:solidFill>
+          </a:ln>
+        </p:spPr>
+        <p:style>
+          <a:lnRef idx="1">
+            <a:schemeClr val="accent1"/>
+          </a:lnRef>
+          <a:fillRef idx="0">
+            <a:schemeClr val="accent1"/>
+          </a:fillRef>
+          <a:effectRef idx="0">
+            <a:schemeClr val="accent1"/>
+          </a:effectRef>
+          <a:fontRef idx="minor">
+            <a:schemeClr val="tx1"/>
+          </a:fontRef>
+        </p:style>
+      </p:cxnSp>
+      <p:cxnSp>
+        <p:nvCxnSpPr>
+          <p:cNvPr id="39" name="直接连接符 38">
+            <a:extLst>
+              <a:ext uri="{FF2B5EF4-FFF2-40B4-BE49-F238E27FC236}">
+                <a16:creationId xmlns:a16="http://schemas.microsoft.com/office/drawing/2014/main" id="{1C59A4B0-B35C-4975-AC89-0B1A39137042}"/>
+              </a:ext>
+            </a:extLst>
+          </p:cNvPr>
+          <p:cNvCxnSpPr/>
+          <p:nvPr/>
+        </p:nvCxnSpPr>
+        <p:spPr>
+          <a:xfrm>
+            <a:off x="2643832" y="2709328"/>
+            <a:ext cx="0" cy="228600"/>
+          </a:xfrm>
+          <a:prstGeom prst="line">
+            <a:avLst/>
+          </a:prstGeom>
+          <a:ln>
+            <a:solidFill>
+              <a:schemeClr val="tx1"/>
+            </a:solidFill>
+          </a:ln>
+        </p:spPr>
+        <p:style>
+          <a:lnRef idx="1">
+            <a:schemeClr val="accent1"/>
+          </a:lnRef>
+          <a:fillRef idx="0">
+            <a:schemeClr val="accent1"/>
+          </a:fillRef>
+          <a:effectRef idx="0">
+            <a:schemeClr val="accent1"/>
+          </a:effectRef>
+          <a:fontRef idx="minor">
+            <a:schemeClr val="tx1"/>
+          </a:fontRef>
+        </p:style>
+      </p:cxnSp>
+      <p:cxnSp>
+        <p:nvCxnSpPr>
+          <p:cNvPr id="40" name="直接箭头连接符 39">
+            <a:extLst>
+              <a:ext uri="{FF2B5EF4-FFF2-40B4-BE49-F238E27FC236}">
+                <a16:creationId xmlns:a16="http://schemas.microsoft.com/office/drawing/2014/main" id="{6DDB0412-FB45-4170-9B32-6E15C4C720B7}"/>
+              </a:ext>
+            </a:extLst>
+          </p:cNvPr>
+          <p:cNvCxnSpPr>
+            <a:cxnSpLocks/>
+          </p:cNvCxnSpPr>
+          <p:nvPr/>
+        </p:nvCxnSpPr>
+        <p:spPr>
+          <a:xfrm>
+            <a:off x="2237831" y="2823628"/>
+            <a:ext cx="406001" cy="0"/>
+          </a:xfrm>
+          <a:prstGeom prst="straightConnector1">
+            <a:avLst/>
+          </a:prstGeom>
+          <a:ln>
+            <a:solidFill>
+              <a:schemeClr val="tx1"/>
+            </a:solidFill>
+            <a:headEnd type="triangle"/>
+            <a:tailEnd type="triangle"/>
+          </a:ln>
+        </p:spPr>
+        <p:style>
+          <a:lnRef idx="1">
+            <a:schemeClr val="accent1"/>
+          </a:lnRef>
+          <a:fillRef idx="0">
+            <a:schemeClr val="accent1"/>
+          </a:fillRef>
+          <a:effectRef idx="0">
+            <a:schemeClr val="accent1"/>
+          </a:effectRef>
+          <a:fontRef idx="minor">
+            <a:schemeClr val="tx1"/>
+          </a:fontRef>
+        </p:style>
+      </p:cxnSp>
+      <p:sp>
+        <p:nvSpPr>
+          <p:cNvPr id="41" name="文本框 40">
+            <a:extLst>
+              <a:ext uri="{FF2B5EF4-FFF2-40B4-BE49-F238E27FC236}">
+                <a16:creationId xmlns:a16="http://schemas.microsoft.com/office/drawing/2014/main" id="{8A2A95A9-EAD0-474E-ACC2-4215EC8F0288}"/>
+              </a:ext>
+            </a:extLst>
+          </p:cNvPr>
+          <p:cNvSpPr txBox="1"/>
+          <p:nvPr/>
+        </p:nvSpPr>
+        <p:spPr>
+          <a:xfrm>
+            <a:off x="2237831" y="2467855"/>
+            <a:ext cx="428322" cy="369332"/>
+          </a:xfrm>
+          <a:prstGeom prst="rect">
+            <a:avLst/>
+          </a:prstGeom>
+          <a:noFill/>
+        </p:spPr>
+        <p:txBody>
+          <a:bodyPr wrap="none" rtlCol="0">
+            <a:spAutoFit/>
+          </a:bodyPr>
+          <a:lstStyle/>
+          <a:p>
+            <a:r>
+              <a:rPr lang="en-US" altLang="zh-CN" dirty="0">
+                <a:latin typeface="Times New Roman" panose="02020603050405020304" pitchFamily="18" charset="0"/>
+                <a:cs typeface="Times New Roman" panose="02020603050405020304" pitchFamily="18" charset="0"/>
+              </a:rPr>
+              <a:t>50</a:t>
+            </a:r>
+            <a:endParaRPr lang="zh-CN" altLang="en-US" dirty="0">
+              <a:latin typeface="Times New Roman" panose="02020603050405020304" pitchFamily="18" charset="0"/>
+              <a:cs typeface="Times New Roman" panose="02020603050405020304" pitchFamily="18" charset="0"/>
+            </a:endParaRPr>
+          </a:p>
+        </p:txBody>
+      </p:sp>
+      <p:cxnSp>
+        <p:nvCxnSpPr>
+          <p:cNvPr id="43" name="直接连接符 42">
+            <a:extLst>
+              <a:ext uri="{FF2B5EF4-FFF2-40B4-BE49-F238E27FC236}">
+                <a16:creationId xmlns:a16="http://schemas.microsoft.com/office/drawing/2014/main" id="{4BEB984F-DF00-4406-8BC4-45322087ED4B}"/>
+              </a:ext>
+            </a:extLst>
+          </p:cNvPr>
+          <p:cNvCxnSpPr/>
+          <p:nvPr/>
+        </p:nvCxnSpPr>
+        <p:spPr>
+          <a:xfrm>
+            <a:off x="6632403" y="2066742"/>
+            <a:ext cx="0" cy="228600"/>
+          </a:xfrm>
+          <a:prstGeom prst="line">
+            <a:avLst/>
+          </a:prstGeom>
+          <a:ln>
+            <a:solidFill>
+              <a:schemeClr val="tx1"/>
+            </a:solidFill>
+          </a:ln>
+        </p:spPr>
+        <p:style>
+          <a:lnRef idx="1">
+            <a:schemeClr val="accent1"/>
+          </a:lnRef>
+          <a:fillRef idx="0">
+            <a:schemeClr val="accent1"/>
+          </a:fillRef>
+          <a:effectRef idx="0">
+            <a:schemeClr val="accent1"/>
+          </a:effectRef>
+          <a:fontRef idx="minor">
+            <a:schemeClr val="tx1"/>
+          </a:fontRef>
+        </p:style>
+      </p:cxnSp>
+      <p:cxnSp>
+        <p:nvCxnSpPr>
+          <p:cNvPr id="44" name="直接连接符 43">
+            <a:extLst>
+              <a:ext uri="{FF2B5EF4-FFF2-40B4-BE49-F238E27FC236}">
+                <a16:creationId xmlns:a16="http://schemas.microsoft.com/office/drawing/2014/main" id="{13782DE0-24D1-42F5-B471-16B3FEF44A40}"/>
+              </a:ext>
+            </a:extLst>
+          </p:cNvPr>
+          <p:cNvCxnSpPr/>
+          <p:nvPr/>
+        </p:nvCxnSpPr>
+        <p:spPr>
+          <a:xfrm>
+            <a:off x="7038404" y="2066742"/>
+            <a:ext cx="0" cy="228600"/>
+          </a:xfrm>
+          <a:prstGeom prst="line">
+            <a:avLst/>
+          </a:prstGeom>
+          <a:ln>
+            <a:solidFill>
+              <a:schemeClr val="tx1"/>
+            </a:solidFill>
+          </a:ln>
+        </p:spPr>
+        <p:style>
+          <a:lnRef idx="1">
+            <a:schemeClr val="accent1"/>
+          </a:lnRef>
+          <a:fillRef idx="0">
+            <a:schemeClr val="accent1"/>
+          </a:fillRef>
+          <a:effectRef idx="0">
+            <a:schemeClr val="accent1"/>
+          </a:effectRef>
+          <a:fontRef idx="minor">
+            <a:schemeClr val="tx1"/>
+          </a:fontRef>
+        </p:style>
+      </p:cxnSp>
+      <p:cxnSp>
+        <p:nvCxnSpPr>
+          <p:cNvPr id="45" name="直接箭头连接符 44">
+            <a:extLst>
+              <a:ext uri="{FF2B5EF4-FFF2-40B4-BE49-F238E27FC236}">
+                <a16:creationId xmlns:a16="http://schemas.microsoft.com/office/drawing/2014/main" id="{CAE1AE7C-8CEE-4E42-B4EA-A39B54AC7894}"/>
+              </a:ext>
+            </a:extLst>
+          </p:cNvPr>
+          <p:cNvCxnSpPr>
+            <a:cxnSpLocks/>
+          </p:cNvCxnSpPr>
+          <p:nvPr/>
+        </p:nvCxnSpPr>
+        <p:spPr>
+          <a:xfrm>
+            <a:off x="6632403" y="2181042"/>
+            <a:ext cx="406001" cy="0"/>
+          </a:xfrm>
+          <a:prstGeom prst="straightConnector1">
+            <a:avLst/>
+          </a:prstGeom>
+          <a:ln>
+            <a:solidFill>
+              <a:schemeClr val="tx1"/>
+            </a:solidFill>
+            <a:headEnd type="triangle"/>
+            <a:tailEnd type="triangle"/>
+          </a:ln>
+        </p:spPr>
+        <p:style>
+          <a:lnRef idx="1">
+            <a:schemeClr val="accent1"/>
+          </a:lnRef>
+          <a:fillRef idx="0">
+            <a:schemeClr val="accent1"/>
+          </a:fillRef>
+          <a:effectRef idx="0">
+            <a:schemeClr val="accent1"/>
+          </a:effectRef>
+          <a:fontRef idx="minor">
+            <a:schemeClr val="tx1"/>
+          </a:fontRef>
+        </p:style>
+      </p:cxnSp>
+      <p:sp>
+        <p:nvSpPr>
+          <p:cNvPr id="46" name="文本框 45">
+            <a:extLst>
+              <a:ext uri="{FF2B5EF4-FFF2-40B4-BE49-F238E27FC236}">
+                <a16:creationId xmlns:a16="http://schemas.microsoft.com/office/drawing/2014/main" id="{338E45B5-096C-4365-96E5-C258B3002F2E}"/>
+              </a:ext>
+            </a:extLst>
+          </p:cNvPr>
+          <p:cNvSpPr txBox="1"/>
+          <p:nvPr/>
+        </p:nvSpPr>
+        <p:spPr>
+          <a:xfrm>
+            <a:off x="6632403" y="1825269"/>
+            <a:ext cx="428322" cy="369332"/>
+          </a:xfrm>
+          <a:prstGeom prst="rect">
+            <a:avLst/>
+          </a:prstGeom>
+          <a:noFill/>
+        </p:spPr>
+        <p:txBody>
+          <a:bodyPr wrap="none" rtlCol="0">
+            <a:spAutoFit/>
+          </a:bodyPr>
+          <a:lstStyle/>
+          <a:p>
+            <a:r>
+              <a:rPr lang="en-US" altLang="zh-CN" dirty="0">
+                <a:latin typeface="Times New Roman" panose="02020603050405020304" pitchFamily="18" charset="0"/>
+                <a:cs typeface="Times New Roman" panose="02020603050405020304" pitchFamily="18" charset="0"/>
+              </a:rPr>
+              <a:t>50</a:t>
+            </a:r>
+            <a:endParaRPr lang="zh-CN" altLang="en-US" dirty="0">
+              <a:latin typeface="Times New Roman" panose="02020603050405020304" pitchFamily="18" charset="0"/>
+              <a:cs typeface="Times New Roman" panose="02020603050405020304" pitchFamily="18" charset="0"/>
+            </a:endParaRPr>
+          </a:p>
+        </p:txBody>
+      </p:sp>
+      <p:cxnSp>
+        <p:nvCxnSpPr>
+          <p:cNvPr id="47" name="直接连接符 46">
+            <a:extLst>
+              <a:ext uri="{FF2B5EF4-FFF2-40B4-BE49-F238E27FC236}">
+                <a16:creationId xmlns:a16="http://schemas.microsoft.com/office/drawing/2014/main" id="{80C7E3DF-53FC-4527-BA51-9FD54A46ABA1}"/>
+              </a:ext>
+            </a:extLst>
+          </p:cNvPr>
+          <p:cNvCxnSpPr>
+            <a:cxnSpLocks/>
+          </p:cNvCxnSpPr>
+          <p:nvPr/>
+        </p:nvCxnSpPr>
+        <p:spPr>
+          <a:xfrm rot="5400000">
+            <a:off x="3306780" y="483944"/>
+            <a:ext cx="0" cy="228600"/>
+          </a:xfrm>
+          <a:prstGeom prst="line">
+            <a:avLst/>
+          </a:prstGeom>
+          <a:ln>
+            <a:solidFill>
+              <a:schemeClr val="tx1"/>
+            </a:solidFill>
+          </a:ln>
+        </p:spPr>
+        <p:style>
+          <a:lnRef idx="1">
+            <a:schemeClr val="accent1"/>
+          </a:lnRef>
+          <a:fillRef idx="0">
+            <a:schemeClr val="accent1"/>
+          </a:fillRef>
+          <a:effectRef idx="0">
+            <a:schemeClr val="accent1"/>
+          </a:effectRef>
+          <a:fontRef idx="minor">
+            <a:schemeClr val="tx1"/>
+          </a:fontRef>
+        </p:style>
+      </p:cxnSp>
+      <p:cxnSp>
+        <p:nvCxnSpPr>
+          <p:cNvPr id="48" name="直接连接符 47">
+            <a:extLst>
+              <a:ext uri="{FF2B5EF4-FFF2-40B4-BE49-F238E27FC236}">
+                <a16:creationId xmlns:a16="http://schemas.microsoft.com/office/drawing/2014/main" id="{A7880868-46D4-45C8-B2A2-86A7A30EA9FB}"/>
+              </a:ext>
+            </a:extLst>
+          </p:cNvPr>
+          <p:cNvCxnSpPr>
+            <a:cxnSpLocks/>
+          </p:cNvCxnSpPr>
+          <p:nvPr/>
+        </p:nvCxnSpPr>
+        <p:spPr>
+          <a:xfrm rot="5400000">
+            <a:off x="3306780" y="5331648"/>
+            <a:ext cx="0" cy="228600"/>
+          </a:xfrm>
+          <a:prstGeom prst="line">
+            <a:avLst/>
+          </a:prstGeom>
+          <a:ln>
+            <a:solidFill>
+              <a:schemeClr val="tx1"/>
+            </a:solidFill>
+          </a:ln>
+        </p:spPr>
+        <p:style>
+          <a:lnRef idx="1">
+            <a:schemeClr val="accent1"/>
+          </a:lnRef>
+          <a:fillRef idx="0">
+            <a:schemeClr val="accent1"/>
+          </a:fillRef>
+          <a:effectRef idx="0">
+            <a:schemeClr val="accent1"/>
+          </a:effectRef>
+          <a:fontRef idx="minor">
+            <a:schemeClr val="tx1"/>
+          </a:fontRef>
+        </p:style>
+      </p:cxnSp>
+      <p:cxnSp>
+        <p:nvCxnSpPr>
+          <p:cNvPr id="49" name="直接箭头连接符 48">
+            <a:extLst>
+              <a:ext uri="{FF2B5EF4-FFF2-40B4-BE49-F238E27FC236}">
+                <a16:creationId xmlns:a16="http://schemas.microsoft.com/office/drawing/2014/main" id="{A1EA31CD-6E1E-497C-AF36-9AC3AC319A84}"/>
+              </a:ext>
+            </a:extLst>
+          </p:cNvPr>
+          <p:cNvCxnSpPr>
+            <a:cxnSpLocks/>
+          </p:cNvCxnSpPr>
+          <p:nvPr/>
+        </p:nvCxnSpPr>
+        <p:spPr>
+          <a:xfrm>
+            <a:off x="3306780" y="598244"/>
+            <a:ext cx="0" cy="4847704"/>
+          </a:xfrm>
+          <a:prstGeom prst="straightConnector1">
+            <a:avLst/>
+          </a:prstGeom>
+          <a:ln>
+            <a:solidFill>
+              <a:schemeClr val="tx1"/>
+            </a:solidFill>
+            <a:headEnd type="triangle"/>
+            <a:tailEnd type="triangle"/>
+          </a:ln>
+        </p:spPr>
+        <p:style>
+          <a:lnRef idx="1">
+            <a:schemeClr val="accent1"/>
+          </a:lnRef>
+          <a:fillRef idx="0">
+            <a:schemeClr val="accent1"/>
+          </a:fillRef>
+          <a:effectRef idx="0">
+            <a:schemeClr val="accent1"/>
+          </a:effectRef>
+          <a:fontRef idx="minor">
+            <a:schemeClr val="tx1"/>
+          </a:fontRef>
+        </p:style>
+      </p:cxnSp>
+      <p:sp>
+        <p:nvSpPr>
+          <p:cNvPr id="50" name="文本框 49">
+            <a:extLst>
+              <a:ext uri="{FF2B5EF4-FFF2-40B4-BE49-F238E27FC236}">
+                <a16:creationId xmlns:a16="http://schemas.microsoft.com/office/drawing/2014/main" id="{780B896D-2691-410D-A56B-F1AA3FFADE3B}"/>
+              </a:ext>
+            </a:extLst>
+          </p:cNvPr>
+          <p:cNvSpPr txBox="1"/>
+          <p:nvPr/>
+        </p:nvSpPr>
+        <p:spPr>
+          <a:xfrm>
+            <a:off x="2829394" y="1627650"/>
+            <a:ext cx="530915" cy="369332"/>
+          </a:xfrm>
+          <a:prstGeom prst="rect">
+            <a:avLst/>
+          </a:prstGeom>
+          <a:noFill/>
+        </p:spPr>
+        <p:txBody>
+          <a:bodyPr wrap="none" rtlCol="0">
+            <a:spAutoFit/>
+          </a:bodyPr>
+          <a:lstStyle/>
+          <a:p>
+            <a:r>
+              <a:rPr lang="en-US" altLang="zh-CN" dirty="0">
+                <a:latin typeface="Times New Roman" panose="02020603050405020304" pitchFamily="18" charset="0"/>
+                <a:cs typeface="Times New Roman" panose="02020603050405020304" pitchFamily="18" charset="0"/>
+              </a:rPr>
+              <a:t>635</a:t>
+            </a:r>
+            <a:endParaRPr lang="zh-CN" altLang="en-US" dirty="0">
+              <a:latin typeface="Times New Roman" panose="02020603050405020304" pitchFamily="18" charset="0"/>
+              <a:cs typeface="Times New Roman" panose="02020603050405020304" pitchFamily="18" charset="0"/>
+            </a:endParaRPr>
+          </a:p>
+        </p:txBody>
+      </p:sp>
+      <p:cxnSp>
+        <p:nvCxnSpPr>
+          <p:cNvPr id="53" name="直接连接符 52">
+            <a:extLst>
+              <a:ext uri="{FF2B5EF4-FFF2-40B4-BE49-F238E27FC236}">
+                <a16:creationId xmlns:a16="http://schemas.microsoft.com/office/drawing/2014/main" id="{5332791B-8322-4CF0-AB08-59162F369B38}"/>
+              </a:ext>
+            </a:extLst>
+          </p:cNvPr>
+          <p:cNvCxnSpPr/>
+          <p:nvPr/>
+        </p:nvCxnSpPr>
+        <p:spPr>
+          <a:xfrm>
+            <a:off x="9440942" y="207993"/>
+            <a:ext cx="0" cy="228600"/>
+          </a:xfrm>
+          <a:prstGeom prst="line">
+            <a:avLst/>
+          </a:prstGeom>
+          <a:ln>
+            <a:solidFill>
+              <a:schemeClr val="tx1"/>
+            </a:solidFill>
+          </a:ln>
+        </p:spPr>
+        <p:style>
+          <a:lnRef idx="1">
+            <a:schemeClr val="accent1"/>
+          </a:lnRef>
+          <a:fillRef idx="0">
+            <a:schemeClr val="accent1"/>
+          </a:fillRef>
+          <a:effectRef idx="0">
+            <a:schemeClr val="accent1"/>
+          </a:effectRef>
+          <a:fontRef idx="minor">
+            <a:schemeClr val="tx1"/>
+          </a:fontRef>
+        </p:style>
+      </p:cxnSp>
+      <p:cxnSp>
+        <p:nvCxnSpPr>
+          <p:cNvPr id="54" name="直接连接符 53">
+            <a:extLst>
+              <a:ext uri="{FF2B5EF4-FFF2-40B4-BE49-F238E27FC236}">
+                <a16:creationId xmlns:a16="http://schemas.microsoft.com/office/drawing/2014/main" id="{0B161A8D-85F0-468E-9679-492E01E10528}"/>
+              </a:ext>
+            </a:extLst>
+          </p:cNvPr>
+          <p:cNvCxnSpPr>
+            <a:cxnSpLocks/>
+          </p:cNvCxnSpPr>
+          <p:nvPr/>
+        </p:nvCxnSpPr>
+        <p:spPr>
+          <a:xfrm>
+            <a:off x="12181890" y="207993"/>
+            <a:ext cx="0" cy="228600"/>
+          </a:xfrm>
+          <a:prstGeom prst="line">
+            <a:avLst/>
+          </a:prstGeom>
+          <a:ln>
+            <a:solidFill>
+              <a:schemeClr val="tx1"/>
+            </a:solidFill>
+          </a:ln>
+        </p:spPr>
+        <p:style>
+          <a:lnRef idx="1">
+            <a:schemeClr val="accent1"/>
+          </a:lnRef>
+          <a:fillRef idx="0">
+            <a:schemeClr val="accent1"/>
+          </a:fillRef>
+          <a:effectRef idx="0">
+            <a:schemeClr val="accent1"/>
+          </a:effectRef>
+          <a:fontRef idx="minor">
+            <a:schemeClr val="tx1"/>
+          </a:fontRef>
+        </p:style>
+      </p:cxnSp>
+      <p:cxnSp>
+        <p:nvCxnSpPr>
+          <p:cNvPr id="55" name="直接箭头连接符 54">
+            <a:extLst>
+              <a:ext uri="{FF2B5EF4-FFF2-40B4-BE49-F238E27FC236}">
+                <a16:creationId xmlns:a16="http://schemas.microsoft.com/office/drawing/2014/main" id="{7FA0ACD5-3FA9-434A-8531-3FDE49FBD1AA}"/>
+              </a:ext>
+            </a:extLst>
+          </p:cNvPr>
+          <p:cNvCxnSpPr>
+            <a:cxnSpLocks/>
+          </p:cNvCxnSpPr>
+          <p:nvPr/>
+        </p:nvCxnSpPr>
+        <p:spPr>
+          <a:xfrm>
+            <a:off x="9440942" y="321411"/>
+            <a:ext cx="2740948" cy="882"/>
+          </a:xfrm>
+          <a:prstGeom prst="straightConnector1">
+            <a:avLst/>
+          </a:prstGeom>
+          <a:ln>
+            <a:solidFill>
+              <a:schemeClr val="tx1"/>
+            </a:solidFill>
+            <a:headEnd type="triangle"/>
+            <a:tailEnd type="triangle"/>
+          </a:ln>
+        </p:spPr>
+        <p:style>
+          <a:lnRef idx="1">
+            <a:schemeClr val="accent1"/>
+          </a:lnRef>
+          <a:fillRef idx="0">
+            <a:schemeClr val="accent1"/>
+          </a:fillRef>
+          <a:effectRef idx="0">
+            <a:schemeClr val="accent1"/>
+          </a:effectRef>
+          <a:fontRef idx="minor">
+            <a:schemeClr val="tx1"/>
+          </a:fontRef>
+        </p:style>
+      </p:cxnSp>
+      <p:sp>
+        <p:nvSpPr>
+          <p:cNvPr id="56" name="文本框 55">
+            <a:extLst>
+              <a:ext uri="{FF2B5EF4-FFF2-40B4-BE49-F238E27FC236}">
+                <a16:creationId xmlns:a16="http://schemas.microsoft.com/office/drawing/2014/main" id="{D4B29C65-4DEF-4C97-8BF5-2A732940F4F6}"/>
+              </a:ext>
+            </a:extLst>
+          </p:cNvPr>
+          <p:cNvSpPr txBox="1"/>
+          <p:nvPr/>
+        </p:nvSpPr>
+        <p:spPr>
+          <a:xfrm>
+            <a:off x="10619952" y="-3349"/>
+            <a:ext cx="530915" cy="369332"/>
+          </a:xfrm>
+          <a:prstGeom prst="rect">
+            <a:avLst/>
+          </a:prstGeom>
+          <a:noFill/>
+        </p:spPr>
+        <p:txBody>
+          <a:bodyPr wrap="none" rtlCol="0">
+            <a:spAutoFit/>
+          </a:bodyPr>
+          <a:lstStyle/>
+          <a:p>
+            <a:r>
+              <a:rPr lang="en-US" altLang="zh-CN" dirty="0">
+                <a:latin typeface="Times New Roman" panose="02020603050405020304" pitchFamily="18" charset="0"/>
+                <a:cs typeface="Times New Roman" panose="02020603050405020304" pitchFamily="18" charset="0"/>
+              </a:rPr>
+              <a:t>361</a:t>
+            </a:r>
+            <a:endParaRPr lang="zh-CN" altLang="en-US" dirty="0">
+              <a:latin typeface="Times New Roman" panose="02020603050405020304" pitchFamily="18" charset="0"/>
+              <a:cs typeface="Times New Roman" panose="02020603050405020304" pitchFamily="18" charset="0"/>
+            </a:endParaRPr>
+          </a:p>
+        </p:txBody>
+      </p:sp>
+      <p:cxnSp>
+        <p:nvCxnSpPr>
+          <p:cNvPr id="59" name="直接连接符 58">
+            <a:extLst>
+              <a:ext uri="{FF2B5EF4-FFF2-40B4-BE49-F238E27FC236}">
+                <a16:creationId xmlns:a16="http://schemas.microsoft.com/office/drawing/2014/main" id="{EFE5CD7F-A765-43ED-A20F-34CE3165D2F3}"/>
+              </a:ext>
+            </a:extLst>
+          </p:cNvPr>
+          <p:cNvCxnSpPr/>
+          <p:nvPr/>
+        </p:nvCxnSpPr>
+        <p:spPr>
+          <a:xfrm>
+            <a:off x="3522465" y="225538"/>
+            <a:ext cx="0" cy="228600"/>
+          </a:xfrm>
+          <a:prstGeom prst="line">
+            <a:avLst/>
+          </a:prstGeom>
+          <a:ln>
+            <a:solidFill>
+              <a:schemeClr val="tx1"/>
+            </a:solidFill>
+          </a:ln>
+        </p:spPr>
+        <p:style>
+          <a:lnRef idx="1">
+            <a:schemeClr val="accent1"/>
+          </a:lnRef>
+          <a:fillRef idx="0">
+            <a:schemeClr val="accent1"/>
+          </a:fillRef>
+          <a:effectRef idx="0">
+            <a:schemeClr val="accent1"/>
+          </a:effectRef>
+          <a:fontRef idx="minor">
+            <a:schemeClr val="tx1"/>
+          </a:fontRef>
+        </p:style>
+      </p:cxnSp>
+      <p:cxnSp>
+        <p:nvCxnSpPr>
+          <p:cNvPr id="60" name="直接连接符 59">
+            <a:extLst>
+              <a:ext uri="{FF2B5EF4-FFF2-40B4-BE49-F238E27FC236}">
+                <a16:creationId xmlns:a16="http://schemas.microsoft.com/office/drawing/2014/main" id="{9FB64CB3-6CFD-4456-8C90-0CB482140526}"/>
+              </a:ext>
+            </a:extLst>
+          </p:cNvPr>
+          <p:cNvCxnSpPr>
+            <a:cxnSpLocks/>
+          </p:cNvCxnSpPr>
+          <p:nvPr/>
+        </p:nvCxnSpPr>
+        <p:spPr>
+          <a:xfrm>
+            <a:off x="6263413" y="225538"/>
+            <a:ext cx="0" cy="228600"/>
+          </a:xfrm>
+          <a:prstGeom prst="line">
+            <a:avLst/>
+          </a:prstGeom>
+          <a:ln>
+            <a:solidFill>
+              <a:schemeClr val="tx1"/>
+            </a:solidFill>
+          </a:ln>
+        </p:spPr>
+        <p:style>
+          <a:lnRef idx="1">
+            <a:schemeClr val="accent1"/>
+          </a:lnRef>
+          <a:fillRef idx="0">
+            <a:schemeClr val="accent1"/>
+          </a:fillRef>
+          <a:effectRef idx="0">
+            <a:schemeClr val="accent1"/>
+          </a:effectRef>
+          <a:fontRef idx="minor">
+            <a:schemeClr val="tx1"/>
+          </a:fontRef>
+        </p:style>
+      </p:cxnSp>
+      <p:cxnSp>
+        <p:nvCxnSpPr>
+          <p:cNvPr id="61" name="直接箭头连接符 60">
+            <a:extLst>
+              <a:ext uri="{FF2B5EF4-FFF2-40B4-BE49-F238E27FC236}">
+                <a16:creationId xmlns:a16="http://schemas.microsoft.com/office/drawing/2014/main" id="{9C55B769-6F46-497E-BB7F-D7AA20148CB5}"/>
+              </a:ext>
+            </a:extLst>
+          </p:cNvPr>
+          <p:cNvCxnSpPr>
+            <a:cxnSpLocks/>
+          </p:cNvCxnSpPr>
+          <p:nvPr/>
+        </p:nvCxnSpPr>
+        <p:spPr>
+          <a:xfrm>
+            <a:off x="3522465" y="338956"/>
+            <a:ext cx="2740948" cy="882"/>
+          </a:xfrm>
+          <a:prstGeom prst="straightConnector1">
+            <a:avLst/>
+          </a:prstGeom>
+          <a:ln>
+            <a:solidFill>
+              <a:schemeClr val="tx1"/>
+            </a:solidFill>
+            <a:headEnd type="triangle"/>
+            <a:tailEnd type="triangle"/>
+          </a:ln>
+        </p:spPr>
+        <p:style>
+          <a:lnRef idx="1">
+            <a:schemeClr val="accent1"/>
+          </a:lnRef>
+          <a:fillRef idx="0">
+            <a:schemeClr val="accent1"/>
+          </a:fillRef>
+          <a:effectRef idx="0">
+            <a:schemeClr val="accent1"/>
+          </a:effectRef>
+          <a:fontRef idx="minor">
+            <a:schemeClr val="tx1"/>
+          </a:fontRef>
+        </p:style>
+      </p:cxnSp>
+      <p:sp>
+        <p:nvSpPr>
+          <p:cNvPr id="62" name="文本框 61">
+            <a:extLst>
+              <a:ext uri="{FF2B5EF4-FFF2-40B4-BE49-F238E27FC236}">
+                <a16:creationId xmlns:a16="http://schemas.microsoft.com/office/drawing/2014/main" id="{CB5F4DD7-F481-4964-89DF-38975EAE04BE}"/>
+              </a:ext>
+            </a:extLst>
+          </p:cNvPr>
+          <p:cNvSpPr txBox="1"/>
+          <p:nvPr/>
+        </p:nvSpPr>
+        <p:spPr>
+          <a:xfrm>
+            <a:off x="4701475" y="14196"/>
+            <a:ext cx="530915" cy="369332"/>
+          </a:xfrm>
+          <a:prstGeom prst="rect">
+            <a:avLst/>
+          </a:prstGeom>
+          <a:noFill/>
+        </p:spPr>
+        <p:txBody>
+          <a:bodyPr wrap="none" rtlCol="0">
+            <a:spAutoFit/>
+          </a:bodyPr>
+          <a:lstStyle/>
+          <a:p>
+            <a:r>
+              <a:rPr lang="en-US" altLang="zh-CN" dirty="0">
+                <a:latin typeface="Times New Roman" panose="02020603050405020304" pitchFamily="18" charset="0"/>
+                <a:cs typeface="Times New Roman" panose="02020603050405020304" pitchFamily="18" charset="0"/>
+              </a:rPr>
+              <a:t>361</a:t>
+            </a:r>
+            <a:endParaRPr lang="zh-CN" altLang="en-US" dirty="0">
+              <a:latin typeface="Times New Roman" panose="02020603050405020304" pitchFamily="18" charset="0"/>
+              <a:cs typeface="Times New Roman" panose="02020603050405020304" pitchFamily="18" charset="0"/>
+            </a:endParaRPr>
+          </a:p>
+        </p:txBody>
+      </p:sp>
+      <p:cxnSp>
+        <p:nvCxnSpPr>
+          <p:cNvPr id="63" name="直接连接符 62">
+            <a:extLst>
+              <a:ext uri="{FF2B5EF4-FFF2-40B4-BE49-F238E27FC236}">
+                <a16:creationId xmlns:a16="http://schemas.microsoft.com/office/drawing/2014/main" id="{566405AB-1B53-4A99-8C1D-B633A99BDFA7}"/>
+              </a:ext>
+            </a:extLst>
+          </p:cNvPr>
+          <p:cNvCxnSpPr>
+            <a:cxnSpLocks/>
+          </p:cNvCxnSpPr>
+          <p:nvPr/>
+        </p:nvCxnSpPr>
+        <p:spPr>
+          <a:xfrm rot="5400000">
+            <a:off x="9143220" y="492529"/>
+            <a:ext cx="0" cy="228600"/>
+          </a:xfrm>
+          <a:prstGeom prst="line">
+            <a:avLst/>
+          </a:prstGeom>
+          <a:ln>
+            <a:solidFill>
+              <a:schemeClr val="tx1"/>
+            </a:solidFill>
+          </a:ln>
+        </p:spPr>
+        <p:style>
+          <a:lnRef idx="1">
+            <a:schemeClr val="accent1"/>
+          </a:lnRef>
+          <a:fillRef idx="0">
+            <a:schemeClr val="accent1"/>
+          </a:fillRef>
+          <a:effectRef idx="0">
+            <a:schemeClr val="accent1"/>
+          </a:effectRef>
+          <a:fontRef idx="minor">
+            <a:schemeClr val="tx1"/>
+          </a:fontRef>
+        </p:style>
+      </p:cxnSp>
+      <p:cxnSp>
+        <p:nvCxnSpPr>
+          <p:cNvPr id="64" name="直接连接符 63">
+            <a:extLst>
+              <a:ext uri="{FF2B5EF4-FFF2-40B4-BE49-F238E27FC236}">
+                <a16:creationId xmlns:a16="http://schemas.microsoft.com/office/drawing/2014/main" id="{73904A18-1A9E-4440-85A2-A37A45CC5746}"/>
+              </a:ext>
+            </a:extLst>
+          </p:cNvPr>
+          <p:cNvCxnSpPr>
+            <a:cxnSpLocks/>
+          </p:cNvCxnSpPr>
+          <p:nvPr/>
+        </p:nvCxnSpPr>
+        <p:spPr>
+          <a:xfrm rot="5400000">
+            <a:off x="9143220" y="5340233"/>
+            <a:ext cx="0" cy="228600"/>
+          </a:xfrm>
+          <a:prstGeom prst="line">
+            <a:avLst/>
+          </a:prstGeom>
+          <a:ln>
+            <a:solidFill>
+              <a:schemeClr val="tx1"/>
+            </a:solidFill>
+          </a:ln>
+        </p:spPr>
+        <p:style>
+          <a:lnRef idx="1">
+            <a:schemeClr val="accent1"/>
+          </a:lnRef>
+          <a:fillRef idx="0">
+            <a:schemeClr val="accent1"/>
+          </a:fillRef>
+          <a:effectRef idx="0">
+            <a:schemeClr val="accent1"/>
+          </a:effectRef>
+          <a:fontRef idx="minor">
+            <a:schemeClr val="tx1"/>
+          </a:fontRef>
+        </p:style>
+      </p:cxnSp>
+      <p:cxnSp>
+        <p:nvCxnSpPr>
+          <p:cNvPr id="65" name="直接箭头连接符 64">
+            <a:extLst>
+              <a:ext uri="{FF2B5EF4-FFF2-40B4-BE49-F238E27FC236}">
+                <a16:creationId xmlns:a16="http://schemas.microsoft.com/office/drawing/2014/main" id="{2D5F44F6-C583-4A50-A5A1-41B3D3395BA0}"/>
+              </a:ext>
+            </a:extLst>
+          </p:cNvPr>
+          <p:cNvCxnSpPr>
+            <a:cxnSpLocks/>
+          </p:cNvCxnSpPr>
+          <p:nvPr/>
+        </p:nvCxnSpPr>
+        <p:spPr>
+          <a:xfrm>
+            <a:off x="9143220" y="606829"/>
+            <a:ext cx="0" cy="4847704"/>
+          </a:xfrm>
+          <a:prstGeom prst="straightConnector1">
+            <a:avLst/>
+          </a:prstGeom>
+          <a:ln>
+            <a:solidFill>
+              <a:schemeClr val="tx1"/>
+            </a:solidFill>
+            <a:headEnd type="triangle"/>
+            <a:tailEnd type="triangle"/>
+          </a:ln>
+        </p:spPr>
+        <p:style>
+          <a:lnRef idx="1">
+            <a:schemeClr val="accent1"/>
+          </a:lnRef>
+          <a:fillRef idx="0">
+            <a:schemeClr val="accent1"/>
+          </a:fillRef>
+          <a:effectRef idx="0">
+            <a:schemeClr val="accent1"/>
+          </a:effectRef>
+          <a:fontRef idx="minor">
+            <a:schemeClr val="tx1"/>
+          </a:fontRef>
+        </p:style>
+      </p:cxnSp>
+      <p:sp>
+        <p:nvSpPr>
+          <p:cNvPr id="66" name="文本框 65">
+            <a:extLst>
+              <a:ext uri="{FF2B5EF4-FFF2-40B4-BE49-F238E27FC236}">
+                <a16:creationId xmlns:a16="http://schemas.microsoft.com/office/drawing/2014/main" id="{018807DC-B445-4AE1-ACFE-C7942108077A}"/>
+              </a:ext>
+            </a:extLst>
+          </p:cNvPr>
+          <p:cNvSpPr txBox="1"/>
+          <p:nvPr/>
+        </p:nvSpPr>
+        <p:spPr>
+          <a:xfrm>
+            <a:off x="8680698" y="2638962"/>
+            <a:ext cx="530915" cy="369332"/>
+          </a:xfrm>
+          <a:prstGeom prst="rect">
+            <a:avLst/>
+          </a:prstGeom>
+          <a:noFill/>
+        </p:spPr>
+        <p:txBody>
+          <a:bodyPr wrap="none" rtlCol="0">
+            <a:spAutoFit/>
+          </a:bodyPr>
+          <a:lstStyle/>
+          <a:p>
+            <a:r>
+              <a:rPr lang="en-US" altLang="zh-CN" dirty="0">
+                <a:latin typeface="Times New Roman" panose="02020603050405020304" pitchFamily="18" charset="0"/>
+                <a:cs typeface="Times New Roman" panose="02020603050405020304" pitchFamily="18" charset="0"/>
+              </a:rPr>
+              <a:t>635</a:t>
+            </a:r>
+            <a:endParaRPr lang="zh-CN" altLang="en-US" dirty="0">
+              <a:latin typeface="Times New Roman" panose="02020603050405020304" pitchFamily="18" charset="0"/>
+              <a:cs typeface="Times New Roman" panose="02020603050405020304" pitchFamily="18" charset="0"/>
+            </a:endParaRPr>
+          </a:p>
+        </p:txBody>
+      </p:sp>
+      <p:cxnSp>
+        <p:nvCxnSpPr>
+          <p:cNvPr id="71" name="直接连接符 70">
+            <a:extLst>
+              <a:ext uri="{FF2B5EF4-FFF2-40B4-BE49-F238E27FC236}">
+                <a16:creationId xmlns:a16="http://schemas.microsoft.com/office/drawing/2014/main" id="{B1FB6E8C-64DF-4DBE-9BB0-76228940A351}"/>
+              </a:ext>
+            </a:extLst>
+          </p:cNvPr>
+          <p:cNvCxnSpPr>
+            <a:cxnSpLocks/>
+          </p:cNvCxnSpPr>
+          <p:nvPr/>
+        </p:nvCxnSpPr>
+        <p:spPr>
+          <a:xfrm rot="5400000">
+            <a:off x="15342747" y="470142"/>
+            <a:ext cx="0" cy="228600"/>
+          </a:xfrm>
+          <a:prstGeom prst="line">
+            <a:avLst/>
+          </a:prstGeom>
+          <a:ln>
+            <a:solidFill>
+              <a:schemeClr val="tx1"/>
+            </a:solidFill>
+          </a:ln>
+        </p:spPr>
+        <p:style>
+          <a:lnRef idx="1">
+            <a:schemeClr val="accent1"/>
+          </a:lnRef>
+          <a:fillRef idx="0">
+            <a:schemeClr val="accent1"/>
+          </a:fillRef>
+          <a:effectRef idx="0">
+            <a:schemeClr val="accent1"/>
+          </a:effectRef>
+          <a:fontRef idx="minor">
+            <a:schemeClr val="tx1"/>
+          </a:fontRef>
+        </p:style>
+      </p:cxnSp>
+      <p:cxnSp>
+        <p:nvCxnSpPr>
+          <p:cNvPr id="72" name="直接连接符 71">
+            <a:extLst>
+              <a:ext uri="{FF2B5EF4-FFF2-40B4-BE49-F238E27FC236}">
+                <a16:creationId xmlns:a16="http://schemas.microsoft.com/office/drawing/2014/main" id="{C5F252A9-ECCD-430F-A9E0-E494C3C2CD90}"/>
+              </a:ext>
+            </a:extLst>
+          </p:cNvPr>
+          <p:cNvCxnSpPr>
+            <a:cxnSpLocks/>
+          </p:cNvCxnSpPr>
+          <p:nvPr/>
+        </p:nvCxnSpPr>
+        <p:spPr>
+          <a:xfrm rot="5400000">
+            <a:off x="15342747" y="2933342"/>
+            <a:ext cx="0" cy="228600"/>
+          </a:xfrm>
+          <a:prstGeom prst="line">
+            <a:avLst/>
+          </a:prstGeom>
+          <a:ln>
+            <a:solidFill>
+              <a:schemeClr val="tx1"/>
+            </a:solidFill>
+          </a:ln>
+        </p:spPr>
+        <p:style>
+          <a:lnRef idx="1">
+            <a:schemeClr val="accent1"/>
+          </a:lnRef>
+          <a:fillRef idx="0">
+            <a:schemeClr val="accent1"/>
+          </a:fillRef>
+          <a:effectRef idx="0">
+            <a:schemeClr val="accent1"/>
+          </a:effectRef>
+          <a:fontRef idx="minor">
+            <a:schemeClr val="tx1"/>
+          </a:fontRef>
+        </p:style>
+      </p:cxnSp>
+      <p:cxnSp>
+        <p:nvCxnSpPr>
+          <p:cNvPr id="73" name="直接箭头连接符 72">
+            <a:extLst>
+              <a:ext uri="{FF2B5EF4-FFF2-40B4-BE49-F238E27FC236}">
+                <a16:creationId xmlns:a16="http://schemas.microsoft.com/office/drawing/2014/main" id="{8D8F42FE-215B-40EC-BCC4-DCDBCFE8FF59}"/>
+              </a:ext>
+            </a:extLst>
+          </p:cNvPr>
+          <p:cNvCxnSpPr>
+            <a:cxnSpLocks/>
+          </p:cNvCxnSpPr>
+          <p:nvPr/>
+        </p:nvCxnSpPr>
+        <p:spPr>
+          <a:xfrm>
+            <a:off x="15342747" y="584442"/>
+            <a:ext cx="0" cy="2463200"/>
+          </a:xfrm>
+          <a:prstGeom prst="straightConnector1">
+            <a:avLst/>
+          </a:prstGeom>
+          <a:ln>
+            <a:solidFill>
+              <a:schemeClr val="tx1"/>
+            </a:solidFill>
+            <a:headEnd type="triangle"/>
+            <a:tailEnd type="triangle"/>
+          </a:ln>
+        </p:spPr>
+        <p:style>
+          <a:lnRef idx="1">
+            <a:schemeClr val="accent1"/>
+          </a:lnRef>
+          <a:fillRef idx="0">
+            <a:schemeClr val="accent1"/>
+          </a:fillRef>
+          <a:effectRef idx="0">
+            <a:schemeClr val="accent1"/>
+          </a:effectRef>
+          <a:fontRef idx="minor">
+            <a:schemeClr val="tx1"/>
+          </a:fontRef>
+        </p:style>
+      </p:cxnSp>
+      <p:sp>
+        <p:nvSpPr>
+          <p:cNvPr id="74" name="文本框 73">
+            <a:extLst>
+              <a:ext uri="{FF2B5EF4-FFF2-40B4-BE49-F238E27FC236}">
+                <a16:creationId xmlns:a16="http://schemas.microsoft.com/office/drawing/2014/main" id="{7DE8EC66-0ED7-47D7-BF40-1EC0C014FCBD}"/>
+              </a:ext>
+            </a:extLst>
+          </p:cNvPr>
+          <p:cNvSpPr txBox="1"/>
+          <p:nvPr/>
+        </p:nvSpPr>
+        <p:spPr>
+          <a:xfrm>
+            <a:off x="15287310" y="1612952"/>
+            <a:ext cx="530915" cy="369332"/>
+          </a:xfrm>
+          <a:prstGeom prst="rect">
+            <a:avLst/>
+          </a:prstGeom>
+          <a:noFill/>
+        </p:spPr>
+        <p:txBody>
+          <a:bodyPr wrap="none" rtlCol="0">
+            <a:spAutoFit/>
+          </a:bodyPr>
+          <a:lstStyle/>
+          <a:p>
+            <a:r>
+              <a:rPr lang="en-US" altLang="zh-CN" dirty="0">
+                <a:latin typeface="Times New Roman" panose="02020603050405020304" pitchFamily="18" charset="0"/>
+                <a:cs typeface="Times New Roman" panose="02020603050405020304" pitchFamily="18" charset="0"/>
+              </a:rPr>
+              <a:t>316</a:t>
+            </a:r>
+            <a:endParaRPr lang="zh-CN" altLang="en-US" dirty="0">
+              <a:latin typeface="Times New Roman" panose="02020603050405020304" pitchFamily="18" charset="0"/>
+              <a:cs typeface="Times New Roman" panose="02020603050405020304" pitchFamily="18" charset="0"/>
+            </a:endParaRPr>
+          </a:p>
+        </p:txBody>
+      </p:sp>
+      <p:cxnSp>
+        <p:nvCxnSpPr>
+          <p:cNvPr id="77" name="直接连接符 76">
+            <a:extLst>
+              <a:ext uri="{FF2B5EF4-FFF2-40B4-BE49-F238E27FC236}">
+                <a16:creationId xmlns:a16="http://schemas.microsoft.com/office/drawing/2014/main" id="{5F069DBE-D8FA-4256-969B-CC41D150EB16}"/>
+              </a:ext>
+            </a:extLst>
+          </p:cNvPr>
+          <p:cNvCxnSpPr/>
+          <p:nvPr/>
+        </p:nvCxnSpPr>
+        <p:spPr>
+          <a:xfrm>
+            <a:off x="12686786" y="225538"/>
+            <a:ext cx="0" cy="228600"/>
+          </a:xfrm>
+          <a:prstGeom prst="line">
+            <a:avLst/>
+          </a:prstGeom>
+          <a:ln>
+            <a:solidFill>
+              <a:schemeClr val="tx1"/>
+            </a:solidFill>
+          </a:ln>
+        </p:spPr>
+        <p:style>
+          <a:lnRef idx="1">
+            <a:schemeClr val="accent1"/>
+          </a:lnRef>
+          <a:fillRef idx="0">
+            <a:schemeClr val="accent1"/>
+          </a:fillRef>
+          <a:effectRef idx="0">
+            <a:schemeClr val="accent1"/>
+          </a:effectRef>
+          <a:fontRef idx="minor">
+            <a:schemeClr val="tx1"/>
+          </a:fontRef>
+        </p:style>
+      </p:cxnSp>
+      <p:cxnSp>
+        <p:nvCxnSpPr>
+          <p:cNvPr id="78" name="直接连接符 77">
+            <a:extLst>
+              <a:ext uri="{FF2B5EF4-FFF2-40B4-BE49-F238E27FC236}">
+                <a16:creationId xmlns:a16="http://schemas.microsoft.com/office/drawing/2014/main" id="{DC244B0F-0BBD-4962-BFB8-F7BFC74C7D60}"/>
+              </a:ext>
+            </a:extLst>
+          </p:cNvPr>
+          <p:cNvCxnSpPr>
+            <a:cxnSpLocks/>
+          </p:cNvCxnSpPr>
+          <p:nvPr/>
+        </p:nvCxnSpPr>
+        <p:spPr>
+          <a:xfrm>
+            <a:off x="15083156" y="225761"/>
+            <a:ext cx="0" cy="228600"/>
+          </a:xfrm>
+          <a:prstGeom prst="line">
+            <a:avLst/>
+          </a:prstGeom>
+          <a:ln>
+            <a:solidFill>
+              <a:schemeClr val="tx1"/>
+            </a:solidFill>
+          </a:ln>
+        </p:spPr>
+        <p:style>
+          <a:lnRef idx="1">
+            <a:schemeClr val="accent1"/>
+          </a:lnRef>
+          <a:fillRef idx="0">
+            <a:schemeClr val="accent1"/>
+          </a:fillRef>
+          <a:effectRef idx="0">
+            <a:schemeClr val="accent1"/>
+          </a:effectRef>
+          <a:fontRef idx="minor">
+            <a:schemeClr val="tx1"/>
+          </a:fontRef>
+        </p:style>
+      </p:cxnSp>
+      <p:cxnSp>
+        <p:nvCxnSpPr>
+          <p:cNvPr id="79" name="直接箭头连接符 78">
+            <a:extLst>
+              <a:ext uri="{FF2B5EF4-FFF2-40B4-BE49-F238E27FC236}">
+                <a16:creationId xmlns:a16="http://schemas.microsoft.com/office/drawing/2014/main" id="{3459DF7F-7CD8-4F1C-BFD1-9019C294110B}"/>
+              </a:ext>
+            </a:extLst>
+          </p:cNvPr>
+          <p:cNvCxnSpPr>
+            <a:cxnSpLocks/>
+          </p:cNvCxnSpPr>
+          <p:nvPr/>
+        </p:nvCxnSpPr>
+        <p:spPr>
+          <a:xfrm>
+            <a:off x="12686786" y="338956"/>
+            <a:ext cx="2396370" cy="0"/>
+          </a:xfrm>
+          <a:prstGeom prst="straightConnector1">
+            <a:avLst/>
+          </a:prstGeom>
+          <a:ln>
+            <a:solidFill>
+              <a:schemeClr val="tx1"/>
+            </a:solidFill>
+            <a:headEnd type="triangle"/>
+            <a:tailEnd type="triangle"/>
+          </a:ln>
+        </p:spPr>
+        <p:style>
+          <a:lnRef idx="1">
+            <a:schemeClr val="accent1"/>
+          </a:lnRef>
+          <a:fillRef idx="0">
+            <a:schemeClr val="accent1"/>
+          </a:fillRef>
+          <a:effectRef idx="0">
+            <a:schemeClr val="accent1"/>
+          </a:effectRef>
+          <a:fontRef idx="minor">
+            <a:schemeClr val="tx1"/>
+          </a:fontRef>
+        </p:style>
+      </p:cxnSp>
+      <p:sp>
+        <p:nvSpPr>
+          <p:cNvPr id="80" name="文本框 79">
+            <a:extLst>
+              <a:ext uri="{FF2B5EF4-FFF2-40B4-BE49-F238E27FC236}">
+                <a16:creationId xmlns:a16="http://schemas.microsoft.com/office/drawing/2014/main" id="{F132E372-557C-49AD-872E-7492682825A8}"/>
+              </a:ext>
+            </a:extLst>
+          </p:cNvPr>
+          <p:cNvSpPr txBox="1"/>
+          <p:nvPr/>
+        </p:nvSpPr>
+        <p:spPr>
+          <a:xfrm>
+            <a:off x="13865796" y="14196"/>
+            <a:ext cx="530915" cy="369332"/>
+          </a:xfrm>
+          <a:prstGeom prst="rect">
+            <a:avLst/>
+          </a:prstGeom>
+          <a:noFill/>
+        </p:spPr>
+        <p:txBody>
+          <a:bodyPr wrap="none" rtlCol="0">
+            <a:spAutoFit/>
+          </a:bodyPr>
+          <a:lstStyle/>
+          <a:p>
+            <a:r>
+              <a:rPr lang="en-US" altLang="zh-CN" dirty="0">
+                <a:latin typeface="Times New Roman" panose="02020603050405020304" pitchFamily="18" charset="0"/>
+                <a:cs typeface="Times New Roman" panose="02020603050405020304" pitchFamily="18" charset="0"/>
+              </a:rPr>
+              <a:t>312</a:t>
+            </a:r>
+            <a:endParaRPr lang="zh-CN" altLang="en-US" dirty="0">
+              <a:latin typeface="Times New Roman" panose="02020603050405020304" pitchFamily="18" charset="0"/>
+              <a:cs typeface="Times New Roman" panose="02020603050405020304" pitchFamily="18" charset="0"/>
+            </a:endParaRPr>
+          </a:p>
+        </p:txBody>
+      </p:sp>
+      <p:sp>
+        <p:nvSpPr>
+          <p:cNvPr id="83" name="椭圆 82">
+            <a:extLst>
+              <a:ext uri="{FF2B5EF4-FFF2-40B4-BE49-F238E27FC236}">
+                <a16:creationId xmlns:a16="http://schemas.microsoft.com/office/drawing/2014/main" id="{97DA7307-C1AD-4637-B0E0-A4F48030A7C1}"/>
+              </a:ext>
+            </a:extLst>
+          </p:cNvPr>
+          <p:cNvSpPr/>
+          <p:nvPr/>
+        </p:nvSpPr>
+        <p:spPr>
+          <a:xfrm>
+            <a:off x="2213791" y="2980256"/>
+            <a:ext cx="72000" cy="70366"/>
+          </a:xfrm>
+          <a:prstGeom prst="ellipse">
+            <a:avLst/>
+          </a:prstGeom>
+          <a:solidFill>
+            <a:schemeClr val="tx1"/>
+          </a:solidFill>
+          <a:ln>
+            <a:solidFill>
+              <a:schemeClr val="tx1"/>
+            </a:solidFill>
+          </a:ln>
+        </p:spPr>
+        <p:style>
+          <a:lnRef idx="2">
+            <a:schemeClr val="accent1">
+              <a:shade val="50000"/>
+            </a:schemeClr>
+          </a:lnRef>
+          <a:fillRef idx="1">
+            <a:schemeClr val="accent1"/>
+          </a:fillRef>
+          <a:effectRef idx="0">
+            <a:schemeClr val="accent1"/>
+          </a:effectRef>
+          <a:fontRef idx="minor">
+            <a:schemeClr val="lt1"/>
+          </a:fontRef>
+        </p:style>
+        <p:txBody>
+          <a:bodyPr rtlCol="0" anchor="ctr"/>
+          <a:lstStyle/>
+          <a:p>
+            <a:pPr algn="ctr"/>
+            <a:endParaRPr lang="zh-CN" altLang="en-US"/>
+          </a:p>
+        </p:txBody>
+      </p:sp>
+      <p:sp>
+        <p:nvSpPr>
+          <p:cNvPr id="84" name="矩形 83">
+            <a:extLst>
+              <a:ext uri="{FF2B5EF4-FFF2-40B4-BE49-F238E27FC236}">
+                <a16:creationId xmlns:a16="http://schemas.microsoft.com/office/drawing/2014/main" id="{3D125BEA-AB59-4849-A6CC-E498C84511AA}"/>
+              </a:ext>
+            </a:extLst>
+          </p:cNvPr>
+          <p:cNvSpPr/>
+          <p:nvPr/>
+        </p:nvSpPr>
+        <p:spPr>
+          <a:xfrm>
+            <a:off x="3636545" y="1172263"/>
+            <a:ext cx="387242" cy="2428143"/>
+          </a:xfrm>
+          <a:prstGeom prst="rect">
+            <a:avLst/>
+          </a:prstGeom>
+          <a:noFill/>
+          <a:ln>
+            <a:solidFill>
+              <a:schemeClr val="tx1"/>
+            </a:solidFill>
+          </a:ln>
+        </p:spPr>
+        <p:style>
+          <a:lnRef idx="2">
+            <a:schemeClr val="accent1">
+              <a:shade val="50000"/>
+            </a:schemeClr>
+          </a:lnRef>
+          <a:fillRef idx="1">
+            <a:schemeClr val="accent1"/>
+          </a:fillRef>
+          <a:effectRef idx="0">
+            <a:schemeClr val="accent1"/>
+          </a:effectRef>
+          <a:fontRef idx="minor">
+            <a:schemeClr val="lt1"/>
+          </a:fontRef>
+        </p:style>
+        <p:txBody>
+          <a:bodyPr rtlCol="0" anchor="ctr"/>
+          <a:lstStyle/>
+          <a:p>
+            <a:pPr algn="ctr"/>
+            <a:endParaRPr lang="zh-CN" altLang="en-US" dirty="0"/>
+          </a:p>
+        </p:txBody>
+      </p:sp>
+      <p:sp>
+        <p:nvSpPr>
+          <p:cNvPr id="112" name="矩形 111">
+            <a:extLst>
+              <a:ext uri="{FF2B5EF4-FFF2-40B4-BE49-F238E27FC236}">
+                <a16:creationId xmlns:a16="http://schemas.microsoft.com/office/drawing/2014/main" id="{9979569B-FE4F-4D92-93DE-ECFA233AE23F}"/>
+              </a:ext>
+            </a:extLst>
+          </p:cNvPr>
+          <p:cNvSpPr/>
+          <p:nvPr/>
+        </p:nvSpPr>
+        <p:spPr>
+          <a:xfrm>
+            <a:off x="9569116" y="1168732"/>
+            <a:ext cx="387242" cy="2428143"/>
+          </a:xfrm>
+          <a:prstGeom prst="rect">
+            <a:avLst/>
+          </a:prstGeom>
+          <a:noFill/>
+          <a:ln>
+            <a:solidFill>
+              <a:schemeClr val="tx1"/>
+            </a:solidFill>
+          </a:ln>
+        </p:spPr>
+        <p:style>
+          <a:lnRef idx="2">
+            <a:schemeClr val="accent1">
+              <a:shade val="50000"/>
+            </a:schemeClr>
+          </a:lnRef>
+          <a:fillRef idx="1">
+            <a:schemeClr val="accent1"/>
+          </a:fillRef>
+          <a:effectRef idx="0">
+            <a:schemeClr val="accent1"/>
+          </a:effectRef>
+          <a:fontRef idx="minor">
+            <a:schemeClr val="lt1"/>
+          </a:fontRef>
+        </p:style>
+        <p:txBody>
+          <a:bodyPr rtlCol="0" anchor="ctr"/>
+          <a:lstStyle/>
+          <a:p>
+            <a:pPr algn="ctr"/>
+            <a:endParaRPr lang="zh-CN" altLang="en-US" dirty="0"/>
+          </a:p>
+        </p:txBody>
+      </p:sp>
+      <p:sp>
+        <p:nvSpPr>
+          <p:cNvPr id="113" name="矩形 112">
+            <a:extLst>
+              <a:ext uri="{FF2B5EF4-FFF2-40B4-BE49-F238E27FC236}">
+                <a16:creationId xmlns:a16="http://schemas.microsoft.com/office/drawing/2014/main" id="{7482B88E-3716-4B8D-A0D6-0FFFBBEBC701}"/>
+              </a:ext>
+            </a:extLst>
+          </p:cNvPr>
+          <p:cNvSpPr/>
+          <p:nvPr/>
+        </p:nvSpPr>
+        <p:spPr>
+          <a:xfrm>
+            <a:off x="9993473" y="1166218"/>
+            <a:ext cx="387242" cy="2428143"/>
+          </a:xfrm>
+          <a:prstGeom prst="rect">
+            <a:avLst/>
+          </a:prstGeom>
+          <a:noFill/>
+          <a:ln>
+            <a:solidFill>
+              <a:schemeClr val="tx1"/>
+            </a:solidFill>
+          </a:ln>
+        </p:spPr>
+        <p:style>
+          <a:lnRef idx="2">
+            <a:schemeClr val="accent1">
+              <a:shade val="50000"/>
+            </a:schemeClr>
+          </a:lnRef>
+          <a:fillRef idx="1">
+            <a:schemeClr val="accent1"/>
+          </a:fillRef>
+          <a:effectRef idx="0">
+            <a:schemeClr val="accent1"/>
+          </a:effectRef>
+          <a:fontRef idx="minor">
+            <a:schemeClr val="lt1"/>
+          </a:fontRef>
+        </p:style>
+        <p:txBody>
+          <a:bodyPr rtlCol="0" anchor="ctr"/>
+          <a:lstStyle/>
+          <a:p>
+            <a:pPr algn="ctr"/>
+            <a:endParaRPr lang="zh-CN" altLang="en-US" dirty="0"/>
+          </a:p>
+        </p:txBody>
+      </p:sp>
+      <p:sp>
+        <p:nvSpPr>
+          <p:cNvPr id="114" name="矩形 113">
+            <a:extLst>
+              <a:ext uri="{FF2B5EF4-FFF2-40B4-BE49-F238E27FC236}">
+                <a16:creationId xmlns:a16="http://schemas.microsoft.com/office/drawing/2014/main" id="{E6E3AC45-5776-4E57-A257-ADEFDEFA6DC8}"/>
+              </a:ext>
+            </a:extLst>
+          </p:cNvPr>
+          <p:cNvSpPr/>
+          <p:nvPr/>
+        </p:nvSpPr>
+        <p:spPr>
+          <a:xfrm>
+            <a:off x="10416480" y="1163652"/>
+            <a:ext cx="387242" cy="2428143"/>
+          </a:xfrm>
+          <a:prstGeom prst="rect">
+            <a:avLst/>
+          </a:prstGeom>
+          <a:noFill/>
+          <a:ln>
+            <a:solidFill>
+              <a:schemeClr val="tx1"/>
+            </a:solidFill>
+          </a:ln>
+        </p:spPr>
+        <p:style>
+          <a:lnRef idx="2">
+            <a:schemeClr val="accent1">
+              <a:shade val="50000"/>
+            </a:schemeClr>
+          </a:lnRef>
+          <a:fillRef idx="1">
+            <a:schemeClr val="accent1"/>
+          </a:fillRef>
+          <a:effectRef idx="0">
+            <a:schemeClr val="accent1"/>
+          </a:effectRef>
+          <a:fontRef idx="minor">
+            <a:schemeClr val="lt1"/>
+          </a:fontRef>
+        </p:style>
+        <p:txBody>
+          <a:bodyPr rtlCol="0" anchor="ctr"/>
+          <a:lstStyle/>
+          <a:p>
+            <a:pPr algn="ctr"/>
+            <a:endParaRPr lang="zh-CN" altLang="en-US" dirty="0"/>
+          </a:p>
+        </p:txBody>
+      </p:sp>
+      <p:sp>
+        <p:nvSpPr>
+          <p:cNvPr id="115" name="矩形 114">
+            <a:extLst>
+              <a:ext uri="{FF2B5EF4-FFF2-40B4-BE49-F238E27FC236}">
+                <a16:creationId xmlns:a16="http://schemas.microsoft.com/office/drawing/2014/main" id="{CB324E22-6FBD-4338-BB9B-85D0457715CC}"/>
+              </a:ext>
+            </a:extLst>
+          </p:cNvPr>
+          <p:cNvSpPr/>
+          <p:nvPr/>
+        </p:nvSpPr>
+        <p:spPr>
+          <a:xfrm>
+            <a:off x="10844157" y="1163652"/>
+            <a:ext cx="387242" cy="2428143"/>
+          </a:xfrm>
+          <a:prstGeom prst="rect">
+            <a:avLst/>
+          </a:prstGeom>
+          <a:noFill/>
+          <a:ln>
+            <a:solidFill>
+              <a:schemeClr val="tx1"/>
+            </a:solidFill>
+          </a:ln>
+        </p:spPr>
+        <p:style>
+          <a:lnRef idx="2">
+            <a:schemeClr val="accent1">
+              <a:shade val="50000"/>
+            </a:schemeClr>
+          </a:lnRef>
+          <a:fillRef idx="1">
+            <a:schemeClr val="accent1"/>
+          </a:fillRef>
+          <a:effectRef idx="0">
+            <a:schemeClr val="accent1"/>
+          </a:effectRef>
+          <a:fontRef idx="minor">
+            <a:schemeClr val="lt1"/>
+          </a:fontRef>
+        </p:style>
+        <p:txBody>
+          <a:bodyPr rtlCol="0" anchor="ctr"/>
+          <a:lstStyle/>
+          <a:p>
+            <a:pPr algn="ctr"/>
+            <a:endParaRPr lang="zh-CN" altLang="en-US" dirty="0"/>
+          </a:p>
+        </p:txBody>
+      </p:sp>
+      <p:sp>
+        <p:nvSpPr>
+          <p:cNvPr id="116" name="椭圆 115">
+            <a:extLst>
+              <a:ext uri="{FF2B5EF4-FFF2-40B4-BE49-F238E27FC236}">
+                <a16:creationId xmlns:a16="http://schemas.microsoft.com/office/drawing/2014/main" id="{243D7078-7348-450F-AF75-A3C4B38C3B41}"/>
+              </a:ext>
+            </a:extLst>
+          </p:cNvPr>
+          <p:cNvSpPr/>
+          <p:nvPr/>
+        </p:nvSpPr>
+        <p:spPr>
+          <a:xfrm>
+            <a:off x="9543921" y="1138629"/>
+            <a:ext cx="72000" cy="70366"/>
+          </a:xfrm>
+          <a:prstGeom prst="ellipse">
+            <a:avLst/>
+          </a:prstGeom>
+          <a:solidFill>
+            <a:schemeClr val="tx1"/>
+          </a:solidFill>
+          <a:ln>
+            <a:solidFill>
+              <a:schemeClr val="tx1"/>
+            </a:solidFill>
+          </a:ln>
+        </p:spPr>
+        <p:style>
+          <a:lnRef idx="2">
+            <a:schemeClr val="accent1">
+              <a:shade val="50000"/>
+            </a:schemeClr>
+          </a:lnRef>
+          <a:fillRef idx="1">
+            <a:schemeClr val="accent1"/>
+          </a:fillRef>
+          <a:effectRef idx="0">
+            <a:schemeClr val="accent1"/>
+          </a:effectRef>
+          <a:fontRef idx="minor">
+            <a:schemeClr val="lt1"/>
+          </a:fontRef>
+        </p:style>
+        <p:txBody>
+          <a:bodyPr rtlCol="0" anchor="ctr"/>
+          <a:lstStyle/>
+          <a:p>
+            <a:pPr algn="ctr"/>
+            <a:endParaRPr lang="zh-CN" altLang="en-US"/>
+          </a:p>
+        </p:txBody>
+      </p:sp>
+      <p:sp>
+        <p:nvSpPr>
+          <p:cNvPr id="117" name="椭圆 116">
+            <a:extLst>
+              <a:ext uri="{FF2B5EF4-FFF2-40B4-BE49-F238E27FC236}">
+                <a16:creationId xmlns:a16="http://schemas.microsoft.com/office/drawing/2014/main" id="{734159E3-8E9D-4FB4-B23E-E98582B7097A}"/>
+              </a:ext>
+            </a:extLst>
+          </p:cNvPr>
+          <p:cNvSpPr/>
+          <p:nvPr/>
+        </p:nvSpPr>
+        <p:spPr>
+          <a:xfrm>
+            <a:off x="9975721" y="1128469"/>
+            <a:ext cx="72000" cy="70366"/>
+          </a:xfrm>
+          <a:prstGeom prst="ellipse">
+            <a:avLst/>
+          </a:prstGeom>
+          <a:solidFill>
+            <a:schemeClr val="tx1"/>
+          </a:solidFill>
+          <a:ln>
+            <a:solidFill>
+              <a:schemeClr val="tx1"/>
+            </a:solidFill>
+          </a:ln>
+        </p:spPr>
+        <p:style>
+          <a:lnRef idx="2">
+            <a:schemeClr val="accent1">
+              <a:shade val="50000"/>
+            </a:schemeClr>
+          </a:lnRef>
+          <a:fillRef idx="1">
+            <a:schemeClr val="accent1"/>
+          </a:fillRef>
+          <a:effectRef idx="0">
+            <a:schemeClr val="accent1"/>
+          </a:effectRef>
+          <a:fontRef idx="minor">
+            <a:schemeClr val="lt1"/>
+          </a:fontRef>
+        </p:style>
+        <p:txBody>
+          <a:bodyPr rtlCol="0" anchor="ctr"/>
+          <a:lstStyle/>
+          <a:p>
+            <a:pPr algn="ctr"/>
+            <a:endParaRPr lang="zh-CN" altLang="en-US"/>
+          </a:p>
+        </p:txBody>
+      </p:sp>
+      <p:sp>
+        <p:nvSpPr>
+          <p:cNvPr id="118" name="椭圆 117">
+            <a:extLst>
+              <a:ext uri="{FF2B5EF4-FFF2-40B4-BE49-F238E27FC236}">
+                <a16:creationId xmlns:a16="http://schemas.microsoft.com/office/drawing/2014/main" id="{4C3A6A87-22D3-443A-9A81-28223B63E90D}"/>
+              </a:ext>
+            </a:extLst>
+          </p:cNvPr>
+          <p:cNvSpPr/>
+          <p:nvPr/>
+        </p:nvSpPr>
+        <p:spPr>
+          <a:xfrm>
+            <a:off x="10404993" y="1128469"/>
+            <a:ext cx="72000" cy="70366"/>
+          </a:xfrm>
+          <a:prstGeom prst="ellipse">
+            <a:avLst/>
+          </a:prstGeom>
+          <a:solidFill>
+            <a:schemeClr val="tx1"/>
+          </a:solidFill>
+          <a:ln>
+            <a:solidFill>
+              <a:schemeClr val="tx1"/>
+            </a:solidFill>
+          </a:ln>
+        </p:spPr>
+        <p:style>
+          <a:lnRef idx="2">
+            <a:schemeClr val="accent1">
+              <a:shade val="50000"/>
+            </a:schemeClr>
+          </a:lnRef>
+          <a:fillRef idx="1">
+            <a:schemeClr val="accent1"/>
+          </a:fillRef>
+          <a:effectRef idx="0">
+            <a:schemeClr val="accent1"/>
+          </a:effectRef>
+          <a:fontRef idx="minor">
+            <a:schemeClr val="lt1"/>
+          </a:fontRef>
+        </p:style>
+        <p:txBody>
+          <a:bodyPr rtlCol="0" anchor="ctr"/>
+          <a:lstStyle/>
+          <a:p>
+            <a:pPr algn="ctr"/>
+            <a:endParaRPr lang="zh-CN" altLang="en-US"/>
+          </a:p>
+        </p:txBody>
+      </p:sp>
+      <p:sp>
+        <p:nvSpPr>
+          <p:cNvPr id="119" name="椭圆 118">
+            <a:extLst>
+              <a:ext uri="{FF2B5EF4-FFF2-40B4-BE49-F238E27FC236}">
+                <a16:creationId xmlns:a16="http://schemas.microsoft.com/office/drawing/2014/main" id="{F3AC2155-0B4A-444A-80CA-27E6CD253213}"/>
+              </a:ext>
+            </a:extLst>
+          </p:cNvPr>
+          <p:cNvSpPr/>
+          <p:nvPr/>
+        </p:nvSpPr>
+        <p:spPr>
+          <a:xfrm>
+            <a:off x="10826255" y="1138629"/>
+            <a:ext cx="72000" cy="70366"/>
+          </a:xfrm>
+          <a:prstGeom prst="ellipse">
+            <a:avLst/>
+          </a:prstGeom>
+          <a:solidFill>
+            <a:schemeClr val="tx1"/>
+          </a:solidFill>
+          <a:ln>
+            <a:solidFill>
+              <a:schemeClr val="tx1"/>
+            </a:solidFill>
+          </a:ln>
+        </p:spPr>
+        <p:style>
+          <a:lnRef idx="2">
+            <a:schemeClr val="accent1">
+              <a:shade val="50000"/>
+            </a:schemeClr>
+          </a:lnRef>
+          <a:fillRef idx="1">
+            <a:schemeClr val="accent1"/>
+          </a:fillRef>
+          <a:effectRef idx="0">
+            <a:schemeClr val="accent1"/>
+          </a:effectRef>
+          <a:fontRef idx="minor">
+            <a:schemeClr val="lt1"/>
+          </a:fontRef>
+        </p:style>
+        <p:txBody>
+          <a:bodyPr rtlCol="0" anchor="ctr"/>
+          <a:lstStyle/>
+          <a:p>
+            <a:pPr algn="ctr"/>
+            <a:endParaRPr lang="zh-CN" altLang="en-US"/>
+          </a:p>
+        </p:txBody>
+      </p:sp>
+      <p:sp>
+        <p:nvSpPr>
+          <p:cNvPr id="120" name="文本框 119">
+            <a:extLst>
+              <a:ext uri="{FF2B5EF4-FFF2-40B4-BE49-F238E27FC236}">
+                <a16:creationId xmlns:a16="http://schemas.microsoft.com/office/drawing/2014/main" id="{FF1A4789-9B0D-43D0-B233-FBF70DCA297D}"/>
+              </a:ext>
+            </a:extLst>
+          </p:cNvPr>
+          <p:cNvSpPr txBox="1"/>
+          <p:nvPr/>
+        </p:nvSpPr>
+        <p:spPr>
+          <a:xfrm>
+            <a:off x="9413069" y="839663"/>
+            <a:ext cx="286899" cy="369332"/>
+          </a:xfrm>
+          <a:prstGeom prst="rect">
+            <a:avLst/>
+          </a:prstGeom>
+          <a:noFill/>
+        </p:spPr>
+        <p:txBody>
+          <a:bodyPr wrap="square" rtlCol="0">
+            <a:spAutoFit/>
+          </a:bodyPr>
+          <a:lstStyle/>
+          <a:p>
+            <a:r>
+              <a:rPr lang="en-US" altLang="zh-CN" dirty="0">
+                <a:latin typeface="Times New Roman" panose="02020603050405020304" pitchFamily="18" charset="0"/>
+                <a:cs typeface="Times New Roman" panose="02020603050405020304" pitchFamily="18" charset="0"/>
+              </a:rPr>
+              <a:t>A</a:t>
+            </a:r>
+            <a:endParaRPr lang="zh-CN" altLang="en-US" dirty="0">
+              <a:latin typeface="Times New Roman" panose="02020603050405020304" pitchFamily="18" charset="0"/>
+              <a:cs typeface="Times New Roman" panose="02020603050405020304" pitchFamily="18" charset="0"/>
+            </a:endParaRPr>
+          </a:p>
+        </p:txBody>
+      </p:sp>
+      <p:sp>
+        <p:nvSpPr>
+          <p:cNvPr id="121" name="文本框 120">
+            <a:extLst>
+              <a:ext uri="{FF2B5EF4-FFF2-40B4-BE49-F238E27FC236}">
+                <a16:creationId xmlns:a16="http://schemas.microsoft.com/office/drawing/2014/main" id="{D6A0FDE2-207E-4113-A370-F8B2112AECBE}"/>
+              </a:ext>
+            </a:extLst>
+          </p:cNvPr>
+          <p:cNvSpPr txBox="1"/>
+          <p:nvPr/>
+        </p:nvSpPr>
+        <p:spPr>
+          <a:xfrm>
+            <a:off x="9841403" y="839663"/>
+            <a:ext cx="286899" cy="369332"/>
+          </a:xfrm>
+          <a:prstGeom prst="rect">
+            <a:avLst/>
+          </a:prstGeom>
+          <a:noFill/>
+        </p:spPr>
+        <p:txBody>
+          <a:bodyPr wrap="square" rtlCol="0">
+            <a:spAutoFit/>
+          </a:bodyPr>
+          <a:lstStyle/>
+          <a:p>
+            <a:r>
+              <a:rPr lang="en-US" altLang="zh-CN" dirty="0">
+                <a:latin typeface="Times New Roman" panose="02020603050405020304" pitchFamily="18" charset="0"/>
+                <a:cs typeface="Times New Roman" panose="02020603050405020304" pitchFamily="18" charset="0"/>
+              </a:rPr>
+              <a:t>B</a:t>
+            </a:r>
+            <a:endParaRPr lang="zh-CN" altLang="en-US" dirty="0">
+              <a:latin typeface="Times New Roman" panose="02020603050405020304" pitchFamily="18" charset="0"/>
+              <a:cs typeface="Times New Roman" panose="02020603050405020304" pitchFamily="18" charset="0"/>
+            </a:endParaRPr>
+          </a:p>
+        </p:txBody>
+      </p:sp>
+      <p:sp>
+        <p:nvSpPr>
+          <p:cNvPr id="122" name="文本框 121">
+            <a:extLst>
+              <a:ext uri="{FF2B5EF4-FFF2-40B4-BE49-F238E27FC236}">
+                <a16:creationId xmlns:a16="http://schemas.microsoft.com/office/drawing/2014/main" id="{10F6152E-8306-4B69-8A0D-2DF4BD90A0FE}"/>
+              </a:ext>
+            </a:extLst>
+          </p:cNvPr>
+          <p:cNvSpPr txBox="1"/>
+          <p:nvPr/>
+        </p:nvSpPr>
+        <p:spPr>
+          <a:xfrm>
+            <a:off x="10261764" y="837729"/>
+            <a:ext cx="286899" cy="369332"/>
+          </a:xfrm>
+          <a:prstGeom prst="rect">
+            <a:avLst/>
+          </a:prstGeom>
+          <a:noFill/>
+        </p:spPr>
+        <p:txBody>
+          <a:bodyPr wrap="square" rtlCol="0">
+            <a:spAutoFit/>
+          </a:bodyPr>
+          <a:lstStyle/>
+          <a:p>
+            <a:r>
+              <a:rPr lang="en-US" altLang="zh-CN" dirty="0">
+                <a:latin typeface="Times New Roman" panose="02020603050405020304" pitchFamily="18" charset="0"/>
+                <a:cs typeface="Times New Roman" panose="02020603050405020304" pitchFamily="18" charset="0"/>
+              </a:rPr>
+              <a:t>C</a:t>
+            </a:r>
+            <a:endParaRPr lang="zh-CN" altLang="en-US" dirty="0">
+              <a:latin typeface="Times New Roman" panose="02020603050405020304" pitchFamily="18" charset="0"/>
+              <a:cs typeface="Times New Roman" panose="02020603050405020304" pitchFamily="18" charset="0"/>
+            </a:endParaRPr>
+          </a:p>
+        </p:txBody>
+      </p:sp>
+      <p:sp>
+        <p:nvSpPr>
+          <p:cNvPr id="123" name="文本框 122">
+            <a:extLst>
+              <a:ext uri="{FF2B5EF4-FFF2-40B4-BE49-F238E27FC236}">
+                <a16:creationId xmlns:a16="http://schemas.microsoft.com/office/drawing/2014/main" id="{68198A6A-5A52-489F-AAAD-42F2FA0863FB}"/>
+              </a:ext>
+            </a:extLst>
+          </p:cNvPr>
+          <p:cNvSpPr txBox="1"/>
+          <p:nvPr/>
+        </p:nvSpPr>
+        <p:spPr>
+          <a:xfrm>
+            <a:off x="10677005" y="845491"/>
+            <a:ext cx="286899" cy="369332"/>
+          </a:xfrm>
+          <a:prstGeom prst="rect">
+            <a:avLst/>
+          </a:prstGeom>
+          <a:noFill/>
+        </p:spPr>
+        <p:txBody>
+          <a:bodyPr wrap="square" rtlCol="0">
+            <a:spAutoFit/>
+          </a:bodyPr>
+          <a:lstStyle/>
+          <a:p>
+            <a:r>
+              <a:rPr lang="en-US" altLang="zh-CN" dirty="0">
+                <a:latin typeface="Times New Roman" panose="02020603050405020304" pitchFamily="18" charset="0"/>
+                <a:cs typeface="Times New Roman" panose="02020603050405020304" pitchFamily="18" charset="0"/>
+              </a:rPr>
+              <a:t>D</a:t>
+            </a:r>
+            <a:endParaRPr lang="zh-CN" altLang="en-US" dirty="0">
+              <a:latin typeface="Times New Roman" panose="02020603050405020304" pitchFamily="18" charset="0"/>
+              <a:cs typeface="Times New Roman" panose="02020603050405020304" pitchFamily="18" charset="0"/>
+            </a:endParaRPr>
+          </a:p>
+        </p:txBody>
+      </p:sp>
+      <p:sp>
+        <p:nvSpPr>
+          <p:cNvPr id="148" name="文本框 147">
+            <a:extLst>
+              <a:ext uri="{FF2B5EF4-FFF2-40B4-BE49-F238E27FC236}">
+                <a16:creationId xmlns:a16="http://schemas.microsoft.com/office/drawing/2014/main" id="{DC5BCA56-C2AB-4F56-A930-DC06994C5BAB}"/>
+              </a:ext>
+            </a:extLst>
+          </p:cNvPr>
+          <p:cNvSpPr txBox="1"/>
+          <p:nvPr/>
+        </p:nvSpPr>
+        <p:spPr>
+          <a:xfrm>
+            <a:off x="3509254" y="854102"/>
+            <a:ext cx="286899" cy="369332"/>
+          </a:xfrm>
+          <a:prstGeom prst="rect">
+            <a:avLst/>
+          </a:prstGeom>
+          <a:noFill/>
+        </p:spPr>
+        <p:txBody>
+          <a:bodyPr wrap="square" rtlCol="0">
+            <a:spAutoFit/>
+          </a:bodyPr>
+          <a:lstStyle/>
+          <a:p>
+            <a:r>
+              <a:rPr lang="en-US" altLang="zh-CN" dirty="0">
+                <a:latin typeface="Times New Roman" panose="02020603050405020304" pitchFamily="18" charset="0"/>
+                <a:cs typeface="Times New Roman" panose="02020603050405020304" pitchFamily="18" charset="0"/>
+              </a:rPr>
+              <a:t>P</a:t>
+            </a:r>
+            <a:endParaRPr lang="zh-CN" altLang="en-US" dirty="0">
+              <a:latin typeface="Times New Roman" panose="02020603050405020304" pitchFamily="18" charset="0"/>
+              <a:cs typeface="Times New Roman" panose="02020603050405020304" pitchFamily="18" charset="0"/>
+            </a:endParaRPr>
+          </a:p>
+        </p:txBody>
+      </p:sp>
+      <p:sp>
+        <p:nvSpPr>
+          <p:cNvPr id="149" name="椭圆 148">
+            <a:extLst>
+              <a:ext uri="{FF2B5EF4-FFF2-40B4-BE49-F238E27FC236}">
+                <a16:creationId xmlns:a16="http://schemas.microsoft.com/office/drawing/2014/main" id="{F2A2FE55-81E9-4564-81B0-D4BF7B34344B}"/>
+              </a:ext>
+            </a:extLst>
+          </p:cNvPr>
+          <p:cNvSpPr/>
+          <p:nvPr/>
+        </p:nvSpPr>
+        <p:spPr>
+          <a:xfrm>
+            <a:off x="3612267" y="1137080"/>
+            <a:ext cx="72000" cy="70366"/>
+          </a:xfrm>
+          <a:prstGeom prst="ellipse">
+            <a:avLst/>
+          </a:prstGeom>
+          <a:solidFill>
+            <a:schemeClr val="tx1"/>
+          </a:solidFill>
+          <a:ln>
+            <a:solidFill>
+              <a:schemeClr val="tx1"/>
+            </a:solidFill>
+          </a:ln>
+        </p:spPr>
+        <p:style>
+          <a:lnRef idx="2">
+            <a:schemeClr val="accent1">
+              <a:shade val="50000"/>
+            </a:schemeClr>
+          </a:lnRef>
+          <a:fillRef idx="1">
+            <a:schemeClr val="accent1"/>
+          </a:fillRef>
+          <a:effectRef idx="0">
+            <a:schemeClr val="accent1"/>
+          </a:effectRef>
+          <a:fontRef idx="minor">
+            <a:schemeClr val="lt1"/>
+          </a:fontRef>
+        </p:style>
+        <p:txBody>
+          <a:bodyPr rtlCol="0" anchor="ctr"/>
+          <a:lstStyle/>
+          <a:p>
+            <a:pPr algn="ctr"/>
+            <a:endParaRPr lang="zh-CN" altLang="en-US"/>
+          </a:p>
+        </p:txBody>
+      </p:sp>
+      <p:sp>
+        <p:nvSpPr>
+          <p:cNvPr id="150" name="矩形 149">
+            <a:extLst>
+              <a:ext uri="{FF2B5EF4-FFF2-40B4-BE49-F238E27FC236}">
+                <a16:creationId xmlns:a16="http://schemas.microsoft.com/office/drawing/2014/main" id="{4312913F-2D83-4ADF-9165-B1EDC4AF4958}"/>
+              </a:ext>
+            </a:extLst>
+          </p:cNvPr>
+          <p:cNvSpPr/>
+          <p:nvPr/>
+        </p:nvSpPr>
+        <p:spPr>
+          <a:xfrm>
+            <a:off x="10476993" y="5445948"/>
+            <a:ext cx="441146" cy="369332"/>
+          </a:xfrm>
+          <a:prstGeom prst="rect">
+            <a:avLst/>
+          </a:prstGeom>
+          <a:ln w="12700">
+            <a:noFill/>
+          </a:ln>
+        </p:spPr>
+        <p:txBody>
+          <a:bodyPr wrap="none">
+            <a:spAutoFit/>
+          </a:bodyPr>
+          <a:lstStyle/>
+          <a:p>
+            <a:r>
+              <a:rPr lang="en-US" altLang="zh-CN" dirty="0">
+                <a:latin typeface="Times New Roman" panose="02020603050405020304" pitchFamily="18" charset="0"/>
+                <a:ea typeface="宋体" panose="02010600030101010101" pitchFamily="2" charset="-122"/>
+                <a:cs typeface="Times New Roman" panose="02020603050405020304" pitchFamily="18" charset="0"/>
+              </a:rPr>
+              <a:t>(a)</a:t>
+            </a:r>
+            <a:endParaRPr lang="zh-CN" altLang="en-US" dirty="0">
+              <a:latin typeface="Times New Roman" panose="02020603050405020304" pitchFamily="18" charset="0"/>
+              <a:ea typeface="宋体" panose="02010600030101010101" pitchFamily="2" charset="-122"/>
+              <a:cs typeface="Times New Roman" panose="02020603050405020304" pitchFamily="18" charset="0"/>
+            </a:endParaRPr>
+          </a:p>
+        </p:txBody>
+      </p:sp>
+      <p:sp>
+        <p:nvSpPr>
+          <p:cNvPr id="151" name="矩形 150">
+            <a:extLst>
+              <a:ext uri="{FF2B5EF4-FFF2-40B4-BE49-F238E27FC236}">
+                <a16:creationId xmlns:a16="http://schemas.microsoft.com/office/drawing/2014/main" id="{6301FA67-A63F-486E-897F-4410C98B9AF3}"/>
+              </a:ext>
+            </a:extLst>
+          </p:cNvPr>
+          <p:cNvSpPr/>
+          <p:nvPr/>
+        </p:nvSpPr>
+        <p:spPr>
+          <a:xfrm>
+            <a:off x="13651811" y="3042390"/>
+            <a:ext cx="453970" cy="369332"/>
+          </a:xfrm>
+          <a:prstGeom prst="rect">
+            <a:avLst/>
+          </a:prstGeom>
+          <a:ln w="12700">
+            <a:noFill/>
+          </a:ln>
+        </p:spPr>
+        <p:txBody>
+          <a:bodyPr wrap="none">
+            <a:spAutoFit/>
+          </a:bodyPr>
+          <a:lstStyle/>
+          <a:p>
+            <a:r>
+              <a:rPr lang="en-US" altLang="zh-CN" dirty="0">
+                <a:latin typeface="Times New Roman" panose="02020603050405020304" pitchFamily="18" charset="0"/>
+                <a:ea typeface="宋体" panose="02010600030101010101" pitchFamily="2" charset="-122"/>
+                <a:cs typeface="Times New Roman" panose="02020603050405020304" pitchFamily="18" charset="0"/>
+              </a:rPr>
+              <a:t>(b)</a:t>
+            </a:r>
+            <a:endParaRPr lang="zh-CN" altLang="en-US" dirty="0">
+              <a:latin typeface="Times New Roman" panose="02020603050405020304" pitchFamily="18" charset="0"/>
+              <a:ea typeface="宋体" panose="02010600030101010101" pitchFamily="2" charset="-122"/>
+              <a:cs typeface="Times New Roman" panose="02020603050405020304" pitchFamily="18" charset="0"/>
+            </a:endParaRPr>
+          </a:p>
+        </p:txBody>
+      </p:sp>
+    </p:spTree>
+    <p:extLst>
+      <p:ext uri="{BB962C8B-B14F-4D97-AF65-F5344CB8AC3E}">
+        <p14:creationId xmlns:p14="http://schemas.microsoft.com/office/powerpoint/2010/main" val="2012027216"/>
+      </p:ext>
+    </p:extLst>
+  </p:cSld>
+  <p:clrMapOvr>
+    <a:masterClrMapping/>
+  </p:clrMapOvr>
+</p:sld>
+</file>
+
+<file path=ppt/slides/slide15.xml><?xml version="1.0" encoding="utf-8"?>
+<p:sld xmlns:a="http://schemas.openxmlformats.org/drawingml/2006/main" xmlns:r="http://schemas.openxmlformats.org/officeDocument/2006/relationships" xmlns:p="http://schemas.openxmlformats.org/presentationml/2006/main">
+  <p:cSld>
+    <p:spTree>
+      <p:nvGrpSpPr>
+        <p:cNvPr id="1" name=""/>
+        <p:cNvGrpSpPr/>
+        <p:nvPr/>
+      </p:nvGrpSpPr>
+      <p:grpSpPr>
+        <a:xfrm>
+          <a:off x="0" y="0"/>
+          <a:ext cx="0" cy="0"/>
+          <a:chOff x="0" y="0"/>
+          <a:chExt cx="0" cy="0"/>
+        </a:xfrm>
+      </p:grpSpPr>
+      <p:pic>
+        <p:nvPicPr>
+          <p:cNvPr id="4" name="图片 3">
+            <a:extLst>
+              <a:ext uri="{FF2B5EF4-FFF2-40B4-BE49-F238E27FC236}">
+                <a16:creationId xmlns:a16="http://schemas.microsoft.com/office/drawing/2014/main" id="{F49EFCD3-93DA-4294-AEFC-F01AB573A63E}"/>
+              </a:ext>
+            </a:extLst>
+          </p:cNvPr>
+          <p:cNvPicPr>
+            <a:picLocks noChangeAspect="1"/>
+          </p:cNvPicPr>
+          <p:nvPr/>
+        </p:nvPicPr>
+        <p:blipFill>
+          <a:blip r:embed="rId2">
+            <a:extLst>
+              <a:ext uri="{28A0092B-C50C-407E-A947-70E740481C1C}">
+                <a14:useLocalDpi xmlns:a14="http://schemas.microsoft.com/office/drawing/2010/main" val="0"/>
+              </a:ext>
+            </a:extLst>
+          </a:blip>
+          <a:stretch>
+            <a:fillRect/>
+          </a:stretch>
+        </p:blipFill>
+        <p:spPr>
+          <a:xfrm>
+            <a:off x="2618246" y="860367"/>
+            <a:ext cx="2131453" cy="2160000"/>
           </a:xfrm>
           <a:prstGeom prst="rect">
             <a:avLst/>
@@ -19915,7 +23106,7 @@
           <p:nvPr/>
         </p:nvPicPr>
         <p:blipFill>
-          <a:blip r:embed="rId5"/>
+          <a:blip r:embed="rId3"/>
           <a:stretch>
             <a:fillRect/>
           </a:stretch>
@@ -20038,7 +23229,7 @@
           <p:nvPr/>
         </p:nvPicPr>
         <p:blipFill>
-          <a:blip r:embed="rId6">
+          <a:blip r:embed="rId4">
             <a:extLst>
               <a:ext uri="{28A0092B-C50C-407E-A947-70E740481C1C}">
                 <a14:useLocalDpi xmlns:a14="http://schemas.microsoft.com/office/drawing/2010/main" val="0"/>
@@ -20121,7 +23312,7 @@
           <p:nvPr/>
         </p:nvPicPr>
         <p:blipFill>
-          <a:blip r:embed="rId7"/>
+          <a:blip r:embed="rId5"/>
           <a:stretch>
             <a:fillRect/>
           </a:stretch>
@@ -20200,7 +23391,7 @@
           <p:nvPr/>
         </p:nvPicPr>
         <p:blipFill>
-          <a:blip r:embed="rId8"/>
+          <a:blip r:embed="rId6"/>
           <a:stretch>
             <a:fillRect/>
           </a:stretch>
@@ -20279,7 +23470,7 @@
           <p:nvPr/>
         </p:nvPicPr>
         <p:blipFill>
-          <a:blip r:embed="rId9"/>
+          <a:blip r:embed="rId7"/>
           <a:stretch>
             <a:fillRect/>
           </a:stretch>
@@ -20358,7 +23549,7 @@
           <p:nvPr/>
         </p:nvPicPr>
         <p:blipFill>
-          <a:blip r:embed="rId10"/>
+          <a:blip r:embed="rId8"/>
           <a:stretch>
             <a:fillRect/>
           </a:stretch>
@@ -20437,7 +23628,7 @@
           <p:nvPr/>
         </p:nvPicPr>
         <p:blipFill>
-          <a:blip r:embed="rId11"/>
+          <a:blip r:embed="rId9"/>
           <a:stretch>
             <a:fillRect/>
           </a:stretch>
@@ -20505,6 +23696,265 @@
           </a:p>
         </p:txBody>
       </p:sp>
+      <p:pic>
+        <p:nvPicPr>
+          <p:cNvPr id="24" name="图片 23">
+            <a:extLst>
+              <a:ext uri="{FF2B5EF4-FFF2-40B4-BE49-F238E27FC236}">
+                <a16:creationId xmlns:a16="http://schemas.microsoft.com/office/drawing/2014/main" id="{6B70D467-1232-4A6E-BF63-73E334DD0283}"/>
+              </a:ext>
+            </a:extLst>
+          </p:cNvPr>
+          <p:cNvPicPr>
+            <a:picLocks noChangeAspect="1"/>
+          </p:cNvPicPr>
+          <p:nvPr/>
+        </p:nvPicPr>
+        <p:blipFill>
+          <a:blip r:embed="rId9"/>
+          <a:stretch>
+            <a:fillRect/>
+          </a:stretch>
+        </p:blipFill>
+        <p:spPr>
+          <a:xfrm>
+            <a:off x="4401923" y="7188516"/>
+            <a:ext cx="2132658" cy="2160000"/>
+          </a:xfrm>
+          <a:prstGeom prst="rect">
+            <a:avLst/>
+          </a:prstGeom>
+          <a:ln w="12700">
+            <a:solidFill>
+              <a:schemeClr val="tx1"/>
+            </a:solidFill>
+          </a:ln>
+        </p:spPr>
+      </p:pic>
+      <p:sp>
+        <p:nvSpPr>
+          <p:cNvPr id="2" name="十字形 1">
+            <a:extLst>
+              <a:ext uri="{FF2B5EF4-FFF2-40B4-BE49-F238E27FC236}">
+                <a16:creationId xmlns:a16="http://schemas.microsoft.com/office/drawing/2014/main" id="{A1B59A11-DB16-4F21-859C-16934C7FC7A7}"/>
+              </a:ext>
+            </a:extLst>
+          </p:cNvPr>
+          <p:cNvSpPr/>
+          <p:nvPr/>
+        </p:nvSpPr>
+        <p:spPr>
+          <a:xfrm>
+            <a:off x="4455160" y="7683500"/>
+            <a:ext cx="134620" cy="134620"/>
+          </a:xfrm>
+          <a:prstGeom prst="plus">
+            <a:avLst>
+              <a:gd name="adj" fmla="val 44624"/>
+            </a:avLst>
+          </a:prstGeom>
+          <a:solidFill>
+            <a:schemeClr val="tx1"/>
+          </a:solidFill>
+          <a:ln>
+            <a:solidFill>
+              <a:schemeClr val="tx1"/>
+            </a:solidFill>
+          </a:ln>
+        </p:spPr>
+        <p:style>
+          <a:lnRef idx="2">
+            <a:schemeClr val="accent1">
+              <a:shade val="50000"/>
+            </a:schemeClr>
+          </a:lnRef>
+          <a:fillRef idx="1">
+            <a:schemeClr val="accent1"/>
+          </a:fillRef>
+          <a:effectRef idx="0">
+            <a:schemeClr val="accent1"/>
+          </a:effectRef>
+          <a:fontRef idx="minor">
+            <a:schemeClr val="lt1"/>
+          </a:fontRef>
+        </p:style>
+        <p:txBody>
+          <a:bodyPr rtlCol="0" anchor="ctr"/>
+          <a:lstStyle/>
+          <a:p>
+            <a:pPr algn="ctr"/>
+            <a:endParaRPr lang="zh-CN" altLang="en-US"/>
+          </a:p>
+        </p:txBody>
+      </p:sp>
+      <p:sp>
+        <p:nvSpPr>
+          <p:cNvPr id="26" name="十字形 25">
+            <a:extLst>
+              <a:ext uri="{FF2B5EF4-FFF2-40B4-BE49-F238E27FC236}">
+                <a16:creationId xmlns:a16="http://schemas.microsoft.com/office/drawing/2014/main" id="{AC37C4B1-F957-4A86-BD19-92DEF9884529}"/>
+              </a:ext>
+            </a:extLst>
+          </p:cNvPr>
+          <p:cNvSpPr/>
+          <p:nvPr/>
+        </p:nvSpPr>
+        <p:spPr>
+          <a:xfrm>
+            <a:off x="4826000" y="7683500"/>
+            <a:ext cx="134620" cy="134620"/>
+          </a:xfrm>
+          <a:prstGeom prst="plus">
+            <a:avLst>
+              <a:gd name="adj" fmla="val 44624"/>
+            </a:avLst>
+          </a:prstGeom>
+          <a:solidFill>
+            <a:schemeClr val="tx1"/>
+          </a:solidFill>
+          <a:ln>
+            <a:solidFill>
+              <a:schemeClr val="tx1"/>
+            </a:solidFill>
+          </a:ln>
+        </p:spPr>
+        <p:style>
+          <a:lnRef idx="2">
+            <a:schemeClr val="accent1">
+              <a:shade val="50000"/>
+            </a:schemeClr>
+          </a:lnRef>
+          <a:fillRef idx="1">
+            <a:schemeClr val="accent1"/>
+          </a:fillRef>
+          <a:effectRef idx="0">
+            <a:schemeClr val="accent1"/>
+          </a:effectRef>
+          <a:fontRef idx="minor">
+            <a:schemeClr val="lt1"/>
+          </a:fontRef>
+        </p:style>
+        <p:txBody>
+          <a:bodyPr rtlCol="0" anchor="ctr"/>
+          <a:lstStyle/>
+          <a:p>
+            <a:pPr algn="ctr"/>
+            <a:endParaRPr lang="zh-CN" altLang="en-US"/>
+          </a:p>
+        </p:txBody>
+      </p:sp>
+      <p:sp>
+        <p:nvSpPr>
+          <p:cNvPr id="27" name="十字形 26">
+            <a:extLst>
+              <a:ext uri="{FF2B5EF4-FFF2-40B4-BE49-F238E27FC236}">
+                <a16:creationId xmlns:a16="http://schemas.microsoft.com/office/drawing/2014/main" id="{B335575F-D9AA-4C7B-BAFA-761D10A3D630}"/>
+              </a:ext>
+            </a:extLst>
+          </p:cNvPr>
+          <p:cNvSpPr/>
+          <p:nvPr/>
+        </p:nvSpPr>
+        <p:spPr>
+          <a:xfrm>
+            <a:off x="5201920" y="7696200"/>
+            <a:ext cx="134620" cy="134620"/>
+          </a:xfrm>
+          <a:prstGeom prst="plus">
+            <a:avLst>
+              <a:gd name="adj" fmla="val 44624"/>
+            </a:avLst>
+          </a:prstGeom>
+          <a:solidFill>
+            <a:schemeClr val="tx1"/>
+          </a:solidFill>
+          <a:ln>
+            <a:solidFill>
+              <a:schemeClr val="tx1"/>
+            </a:solidFill>
+          </a:ln>
+        </p:spPr>
+        <p:style>
+          <a:lnRef idx="2">
+            <a:schemeClr val="accent1">
+              <a:shade val="50000"/>
+            </a:schemeClr>
+          </a:lnRef>
+          <a:fillRef idx="1">
+            <a:schemeClr val="accent1"/>
+          </a:fillRef>
+          <a:effectRef idx="0">
+            <a:schemeClr val="accent1"/>
+          </a:effectRef>
+          <a:fontRef idx="minor">
+            <a:schemeClr val="lt1"/>
+          </a:fontRef>
+        </p:style>
+        <p:txBody>
+          <a:bodyPr rtlCol="0" anchor="ctr"/>
+          <a:lstStyle/>
+          <a:p>
+            <a:pPr algn="ctr"/>
+            <a:endParaRPr lang="zh-CN" altLang="en-US"/>
+          </a:p>
+        </p:txBody>
+      </p:sp>
+      <p:sp>
+        <p:nvSpPr>
+          <p:cNvPr id="28" name="十字形 27">
+            <a:extLst>
+              <a:ext uri="{FF2B5EF4-FFF2-40B4-BE49-F238E27FC236}">
+                <a16:creationId xmlns:a16="http://schemas.microsoft.com/office/drawing/2014/main" id="{DC523E69-B055-42C7-B60F-46C603A18EDC}"/>
+              </a:ext>
+            </a:extLst>
+          </p:cNvPr>
+          <p:cNvSpPr/>
+          <p:nvPr/>
+        </p:nvSpPr>
+        <p:spPr>
+          <a:xfrm>
+            <a:off x="5583046" y="7696200"/>
+            <a:ext cx="134620" cy="134620"/>
+          </a:xfrm>
+          <a:prstGeom prst="plus">
+            <a:avLst>
+              <a:gd name="adj" fmla="val 44624"/>
+            </a:avLst>
+          </a:prstGeom>
+          <a:solidFill>
+            <a:schemeClr val="tx1"/>
+          </a:solidFill>
+          <a:ln>
+            <a:solidFill>
+              <a:schemeClr val="tx1"/>
+            </a:solidFill>
+          </a:ln>
+        </p:spPr>
+        <p:style>
+          <a:lnRef idx="2">
+            <a:schemeClr val="accent1">
+              <a:shade val="50000"/>
+            </a:schemeClr>
+          </a:lnRef>
+          <a:fillRef idx="1">
+            <a:schemeClr val="accent1"/>
+          </a:fillRef>
+          <a:effectRef idx="0">
+            <a:schemeClr val="accent1"/>
+          </a:effectRef>
+          <a:fontRef idx="minor">
+            <a:schemeClr val="lt1"/>
+          </a:fontRef>
+        </p:style>
+        <p:txBody>
+          <a:bodyPr rtlCol="0" anchor="ctr"/>
+          <a:lstStyle/>
+          <a:p>
+            <a:pPr algn="ctr"/>
+            <a:endParaRPr lang="zh-CN" altLang="en-US"/>
+          </a:p>
+        </p:txBody>
+      </p:sp>
     </p:spTree>
     <p:extLst>
       <p:ext uri="{BB962C8B-B14F-4D97-AF65-F5344CB8AC3E}">
@@ -20518,7 +23968,7 @@
 </p:sld>
 </file>
 
-<file path=ppt/slides/slide15.xml><?xml version="1.0" encoding="utf-8"?>
+<file path=ppt/slides/slide16.xml><?xml version="1.0" encoding="utf-8"?>
 <p:sld xmlns:a="http://schemas.openxmlformats.org/drawingml/2006/main" xmlns:r="http://schemas.openxmlformats.org/officeDocument/2006/relationships" xmlns:p="http://schemas.openxmlformats.org/presentationml/2006/main">
   <p:cSld>
     <p:spTree>
@@ -21114,7 +24564,7 @@
 </p:sld>
 </file>
 
-<file path=ppt/slides/slide16.xml><?xml version="1.0" encoding="utf-8"?>
+<file path=ppt/slides/slide17.xml><?xml version="1.0" encoding="utf-8"?>
 <p:sld xmlns:a="http://schemas.openxmlformats.org/drawingml/2006/main" xmlns:r="http://schemas.openxmlformats.org/officeDocument/2006/relationships" xmlns:p="http://schemas.openxmlformats.org/presentationml/2006/main">
   <p:cSld>
     <p:spTree>
@@ -21546,7 +24996,7 @@
 </p:sld>
 </file>
 
-<file path=ppt/slides/slide17.xml><?xml version="1.0" encoding="utf-8"?>
+<file path=ppt/slides/slide18.xml><?xml version="1.0" encoding="utf-8"?>
 <p:sld xmlns:a="http://schemas.openxmlformats.org/drawingml/2006/main" xmlns:r="http://schemas.openxmlformats.org/officeDocument/2006/relationships" xmlns:p="http://schemas.openxmlformats.org/presentationml/2006/main">
   <p:cSld>
     <p:spTree>
@@ -23438,7 +26888,7 @@
 </p:sld>
 </file>
 
-<file path=ppt/slides/slide18.xml><?xml version="1.0" encoding="utf-8"?>
+<file path=ppt/slides/slide19.xml><?xml version="1.0" encoding="utf-8"?>
 <p:sld xmlns:a="http://schemas.openxmlformats.org/drawingml/2006/main" xmlns:r="http://schemas.openxmlformats.org/officeDocument/2006/relationships" xmlns:p="http://schemas.openxmlformats.org/presentationml/2006/main">
   <p:cSld>
     <p:spTree>
@@ -25104,100 +28554,6 @@
 </p:sld>
 </file>
 
-<file path=ppt/slides/slide19.xml><?xml version="1.0" encoding="utf-8"?>
-<p:sld xmlns:a="http://schemas.openxmlformats.org/drawingml/2006/main" xmlns:r="http://schemas.openxmlformats.org/officeDocument/2006/relationships" xmlns:p="http://schemas.openxmlformats.org/presentationml/2006/main">
-  <p:cSld>
-    <p:spTree>
-      <p:nvGrpSpPr>
-        <p:cNvPr id="1" name=""/>
-        <p:cNvGrpSpPr/>
-        <p:nvPr/>
-      </p:nvGrpSpPr>
-      <p:grpSpPr>
-        <a:xfrm>
-          <a:off x="0" y="0"/>
-          <a:ext cx="0" cy="0"/>
-          <a:chOff x="0" y="0"/>
-          <a:chExt cx="0" cy="0"/>
-        </a:xfrm>
-      </p:grpSpPr>
-      <p:pic>
-        <p:nvPicPr>
-          <p:cNvPr id="4" name="图片 3">
-            <a:extLst>
-              <a:ext uri="{FF2B5EF4-FFF2-40B4-BE49-F238E27FC236}">
-                <a16:creationId xmlns:a16="http://schemas.microsoft.com/office/drawing/2014/main" id="{CE72DAE1-88B0-41D0-A345-8C447953F44D}"/>
-              </a:ext>
-            </a:extLst>
-          </p:cNvPr>
-          <p:cNvPicPr/>
-          <p:nvPr/>
-        </p:nvPicPr>
-        <p:blipFill>
-          <a:blip r:embed="rId2"/>
-          <a:stretch>
-            <a:fillRect/>
-          </a:stretch>
-        </p:blipFill>
-        <p:spPr>
-          <a:xfrm>
-            <a:off x="2388474" y="1392382"/>
-            <a:ext cx="2677884" cy="2036618"/>
-          </a:xfrm>
-          <a:prstGeom prst="rect">
-            <a:avLst/>
-          </a:prstGeom>
-        </p:spPr>
-      </p:pic>
-      <p:pic>
-        <p:nvPicPr>
-          <p:cNvPr id="6" name="图片 5">
-            <a:extLst>
-              <a:ext uri="{FF2B5EF4-FFF2-40B4-BE49-F238E27FC236}">
-                <a16:creationId xmlns:a16="http://schemas.microsoft.com/office/drawing/2014/main" id="{48F477D8-747F-4141-9AEA-7368D6F3F4F8}"/>
-              </a:ext>
-            </a:extLst>
-          </p:cNvPr>
-          <p:cNvPicPr>
-            <a:picLocks/>
-          </p:cNvPicPr>
-          <p:nvPr/>
-        </p:nvPicPr>
-        <p:blipFill>
-          <a:blip r:embed="rId3">
-            <a:extLst>
-              <a:ext uri="{28A0092B-C50C-407E-A947-70E740481C1C}">
-                <a14:useLocalDpi xmlns:a14="http://schemas.microsoft.com/office/drawing/2010/main" val="0"/>
-              </a:ext>
-            </a:extLst>
-          </a:blip>
-          <a:stretch>
-            <a:fillRect/>
-          </a:stretch>
-        </p:blipFill>
-        <p:spPr>
-          <a:xfrm>
-            <a:off x="5083628" y="1392382"/>
-            <a:ext cx="2677885" cy="2036618"/>
-          </a:xfrm>
-          <a:prstGeom prst="rect">
-            <a:avLst/>
-          </a:prstGeom>
-        </p:spPr>
-      </p:pic>
-    </p:spTree>
-    <p:extLst>
-      <p:ext uri="{BB962C8B-B14F-4D97-AF65-F5344CB8AC3E}">
-        <p14:creationId xmlns:p14="http://schemas.microsoft.com/office/powerpoint/2010/main" val="2318179800"/>
-      </p:ext>
-    </p:extLst>
-  </p:cSld>
-  <p:clrMapOvr>
-    <a:masterClrMapping/>
-  </p:clrMapOvr>
-</p:sld>
-</file>
-
 <file path=ppt/slides/slide2.xml><?xml version="1.0" encoding="utf-8"?>
 <p:sld xmlns:a="http://schemas.openxmlformats.org/drawingml/2006/main" xmlns:r="http://schemas.openxmlformats.org/officeDocument/2006/relationships" xmlns:p="http://schemas.openxmlformats.org/presentationml/2006/main">
   <p:cSld>
@@ -25229,7 +28585,7 @@
         </p:nvSpPr>
         <p:spPr>
           <a:xfrm>
-            <a:off x="2826327" y="1729047"/>
+            <a:off x="546114" y="1532277"/>
             <a:ext cx="4297680" cy="2984269"/>
           </a:xfrm>
           <a:prstGeom prst="rect">
@@ -25267,8 +28623,8 @@
           </a:p>
         </p:txBody>
       </p:sp>
-      <mc:AlternateContent xmlns:mc="http://schemas.openxmlformats.org/markup-compatibility/2006" xmlns:a14="http://schemas.microsoft.com/office/drawing/2010/main">
-        <mc:Choice Requires="a14">
+      <mc:AlternateContent xmlns:mc="http://schemas.openxmlformats.org/markup-compatibility/2006">
+        <mc:Choice xmlns:a14="http://schemas.microsoft.com/office/drawing/2010/main" Requires="a14">
           <p:sp>
             <p:nvSpPr>
               <p:cNvPr id="5" name="矩形 4">
@@ -25283,7 +28639,7 @@
             </p:nvSpPr>
             <p:spPr>
               <a:xfrm>
-                <a:off x="5289974" y="3358342"/>
+                <a:off x="3009761" y="3161572"/>
                 <a:ext cx="548332" cy="465512"/>
               </a:xfrm>
               <a:prstGeom prst="rect">
@@ -25372,7 +28728,7 @@
             </p:txBody>
           </p:sp>
         </mc:Choice>
-        <mc:Fallback xmlns="">
+        <mc:Fallback>
           <p:sp>
             <p:nvSpPr>
               <p:cNvPr id="5" name="矩形 4">
@@ -25389,7 +28745,7 @@
             </p:nvSpPr>
             <p:spPr>
               <a:xfrm>
-                <a:off x="5289974" y="3358342"/>
+                <a:off x="3009761" y="3161572"/>
                 <a:ext cx="548332" cy="465512"/>
               </a:xfrm>
               <a:prstGeom prst="rect">
@@ -25438,7 +28794,7 @@
         </p:nvCxnSpPr>
         <p:spPr>
           <a:xfrm flipV="1">
-            <a:off x="5289974" y="1729047"/>
+            <a:off x="3009761" y="1532277"/>
             <a:ext cx="0" cy="1615684"/>
           </a:xfrm>
           <a:prstGeom prst="line">
@@ -25482,7 +28838,7 @@
         </p:nvCxnSpPr>
         <p:spPr>
           <a:xfrm flipH="1">
-            <a:off x="2826325" y="3358342"/>
+            <a:off x="546112" y="3161572"/>
             <a:ext cx="2463650" cy="0"/>
           </a:xfrm>
           <a:prstGeom prst="line">
@@ -25526,7 +28882,7 @@
         </p:nvCxnSpPr>
         <p:spPr>
           <a:xfrm flipV="1">
-            <a:off x="5820284" y="1729047"/>
+            <a:off x="3540071" y="1532277"/>
             <a:ext cx="18023" cy="1615684"/>
           </a:xfrm>
           <a:prstGeom prst="line">
@@ -25570,7 +28926,7 @@
         </p:nvCxnSpPr>
         <p:spPr>
           <a:xfrm flipH="1">
-            <a:off x="2826325" y="3823854"/>
+            <a:off x="546112" y="3627084"/>
             <a:ext cx="2463649" cy="1"/>
           </a:xfrm>
           <a:prstGeom prst="line">
@@ -25612,7 +28968,7 @@
         </p:nvSpPr>
         <p:spPr>
           <a:xfrm>
-            <a:off x="4375887" y="2947081"/>
+            <a:off x="2095674" y="2750311"/>
             <a:ext cx="1010213" cy="369332"/>
           </a:xfrm>
           <a:prstGeom prst="rect">
@@ -25648,7 +29004,7 @@
         </p:nvSpPr>
         <p:spPr>
           <a:xfrm>
-            <a:off x="5761311" y="2989009"/>
+            <a:off x="3481098" y="2792239"/>
             <a:ext cx="772969" cy="369332"/>
           </a:xfrm>
           <a:prstGeom prst="rect">
@@ -25692,7 +29048,7 @@
         </p:nvSpPr>
         <p:spPr>
           <a:xfrm>
-            <a:off x="4501513" y="3865783"/>
+            <a:off x="2221300" y="3669013"/>
             <a:ext cx="772969" cy="369332"/>
           </a:xfrm>
           <a:prstGeom prst="rect">
@@ -25728,7 +29084,7 @@
         </p:nvSpPr>
         <p:spPr>
           <a:xfrm>
-            <a:off x="5588071" y="3805224"/>
+            <a:off x="3307858" y="3608454"/>
             <a:ext cx="535724" cy="369332"/>
           </a:xfrm>
           <a:prstGeom prst="rect">
@@ -25758,10 +29114,1761 @@
           </a:p>
         </p:txBody>
       </p:sp>
+      <p:grpSp>
+        <p:nvGrpSpPr>
+          <p:cNvPr id="30" name="组合 29">
+            <a:extLst>
+              <a:ext uri="{FF2B5EF4-FFF2-40B4-BE49-F238E27FC236}">
+                <a16:creationId xmlns:a16="http://schemas.microsoft.com/office/drawing/2014/main" id="{F6BDE343-D93F-4327-AB9B-59B203520768}"/>
+              </a:ext>
+            </a:extLst>
+          </p:cNvPr>
+          <p:cNvGrpSpPr/>
+          <p:nvPr/>
+        </p:nvGrpSpPr>
+        <p:grpSpPr>
+          <a:xfrm>
+            <a:off x="6096000" y="1532277"/>
+            <a:ext cx="4297680" cy="2984269"/>
+            <a:chOff x="6096000" y="1532277"/>
+            <a:chExt cx="4297680" cy="2984269"/>
+          </a:xfrm>
+        </p:grpSpPr>
+        <p:sp>
+          <p:nvSpPr>
+            <p:cNvPr id="12" name="矩形 11">
+              <a:extLst>
+                <a:ext uri="{FF2B5EF4-FFF2-40B4-BE49-F238E27FC236}">
+                  <a16:creationId xmlns:a16="http://schemas.microsoft.com/office/drawing/2014/main" id="{F8048172-07A9-4E39-877F-2B9855F4C33C}"/>
+                </a:ext>
+              </a:extLst>
+            </p:cNvPr>
+            <p:cNvSpPr/>
+            <p:nvPr/>
+          </p:nvSpPr>
+          <p:spPr>
+            <a:xfrm>
+              <a:off x="6096000" y="1532277"/>
+              <a:ext cx="4297680" cy="2984269"/>
+            </a:xfrm>
+            <a:prstGeom prst="rect">
+              <a:avLst/>
+            </a:prstGeom>
+            <a:noFill/>
+            <a:ln>
+              <a:solidFill>
+                <a:schemeClr val="tx1"/>
+              </a:solidFill>
+            </a:ln>
+          </p:spPr>
+          <p:style>
+            <a:lnRef idx="2">
+              <a:schemeClr val="accent1">
+                <a:shade val="50000"/>
+              </a:schemeClr>
+            </a:lnRef>
+            <a:fillRef idx="1">
+              <a:schemeClr val="accent1"/>
+            </a:fillRef>
+            <a:effectRef idx="0">
+              <a:schemeClr val="accent1"/>
+            </a:effectRef>
+            <a:fontRef idx="minor">
+              <a:schemeClr val="lt1"/>
+            </a:fontRef>
+          </p:style>
+          <p:txBody>
+            <a:bodyPr rtlCol="0" anchor="ctr"/>
+            <a:lstStyle/>
+            <a:p>
+              <a:pPr algn="ctr"/>
+              <a:endParaRPr lang="zh-CN" altLang="en-US"/>
+            </a:p>
+          </p:txBody>
+        </p:sp>
+        <mc:AlternateContent xmlns:mc="http://schemas.openxmlformats.org/markup-compatibility/2006">
+          <mc:Choice xmlns:a14="http://schemas.microsoft.com/office/drawing/2010/main" Requires="a14">
+            <p:sp>
+              <p:nvSpPr>
+                <p:cNvPr id="14" name="矩形 13">
+                  <a:extLst>
+                    <a:ext uri="{FF2B5EF4-FFF2-40B4-BE49-F238E27FC236}">
+                      <a16:creationId xmlns:a16="http://schemas.microsoft.com/office/drawing/2014/main" id="{0AD95390-EA34-4B68-8BFD-F244C09CBBCF}"/>
+                    </a:ext>
+                  </a:extLst>
+                </p:cNvPr>
+                <p:cNvSpPr/>
+                <p:nvPr/>
+              </p:nvSpPr>
+              <p:spPr>
+                <a:xfrm>
+                  <a:off x="7955281" y="2880360"/>
+                  <a:ext cx="1152698" cy="746723"/>
+                </a:xfrm>
+                <a:prstGeom prst="rect">
+                  <a:avLst/>
+                </a:prstGeom>
+                <a:solidFill>
+                  <a:schemeClr val="bg1">
+                    <a:lumMod val="85000"/>
+                  </a:schemeClr>
+                </a:solidFill>
+                <a:ln>
+                  <a:solidFill>
+                    <a:schemeClr val="tx1"/>
+                  </a:solidFill>
+                </a:ln>
+              </p:spPr>
+              <p:style>
+                <a:lnRef idx="2">
+                  <a:schemeClr val="accent1">
+                    <a:shade val="50000"/>
+                  </a:schemeClr>
+                </a:lnRef>
+                <a:fillRef idx="1">
+                  <a:schemeClr val="accent1"/>
+                </a:fillRef>
+                <a:effectRef idx="0">
+                  <a:schemeClr val="accent1"/>
+                </a:effectRef>
+                <a:fontRef idx="minor">
+                  <a:schemeClr val="lt1"/>
+                </a:fontRef>
+              </p:style>
+              <p:txBody>
+                <a:bodyPr rtlCol="0" anchor="ctr"/>
+                <a:lstStyle/>
+                <a:p>
+                  <a:pPr algn="ctr"/>
+                  <a14:m>
+                    <m:oMathPara xmlns:m="http://schemas.openxmlformats.org/officeDocument/2006/math">
+                      <m:oMathParaPr>
+                        <m:jc m:val="centerGroup"/>
+                      </m:oMathParaPr>
+                      <m:oMath xmlns:m="http://schemas.openxmlformats.org/officeDocument/2006/math">
+                        <m:sSub>
+                          <m:sSubPr>
+                            <m:ctrlPr>
+                              <a:rPr lang="en-US" altLang="zh-CN" b="0" i="1" smtClean="0">
+                                <a:solidFill>
+                                  <a:schemeClr val="tx1"/>
+                                </a:solidFill>
+                                <a:latin typeface="Cambria Math" panose="02040503050406030204" pitchFamily="18" charset="0"/>
+                              </a:rPr>
+                            </m:ctrlPr>
+                          </m:sSubPr>
+                          <m:e>
+                            <m:r>
+                              <a:rPr lang="en-US" altLang="zh-CN" b="0" i="1" smtClean="0">
+                                <a:solidFill>
+                                  <a:schemeClr val="tx1"/>
+                                </a:solidFill>
+                                <a:latin typeface="Cambria Math" panose="02040503050406030204" pitchFamily="18" charset="0"/>
+                              </a:rPr>
+                              <m:t>𝐴</m:t>
+                            </m:r>
+                          </m:e>
+                          <m:sub>
+                            <m:r>
+                              <a:rPr lang="en-US" altLang="zh-CN" b="0" i="1" smtClean="0">
+                                <a:solidFill>
+                                  <a:schemeClr val="tx1"/>
+                                </a:solidFill>
+                                <a:latin typeface="Cambria Math" panose="02040503050406030204" pitchFamily="18" charset="0"/>
+                              </a:rPr>
+                              <m:t>𝑥𝑦</m:t>
+                            </m:r>
+                          </m:sub>
+                        </m:sSub>
+                      </m:oMath>
+                    </m:oMathPara>
+                  </a14:m>
+                  <a:endParaRPr lang="zh-CN" altLang="en-US" dirty="0"/>
+                </a:p>
+              </p:txBody>
+            </p:sp>
+          </mc:Choice>
+          <mc:Fallback>
+            <p:sp>
+              <p:nvSpPr>
+                <p:cNvPr id="14" name="矩形 13">
+                  <a:extLst>
+                    <a:ext uri="{FF2B5EF4-FFF2-40B4-BE49-F238E27FC236}">
+                      <a16:creationId xmlns:a16="http://schemas.microsoft.com/office/drawing/2014/main" id="{0AD95390-EA34-4B68-8BFD-F244C09CBBCF}"/>
+                    </a:ext>
+                  </a:extLst>
+                </p:cNvPr>
+                <p:cNvSpPr>
+                  <a:spLocks noRot="1" noChangeAspect="1" noMove="1" noResize="1" noEditPoints="1" noAdjustHandles="1" noChangeArrowheads="1" noChangeShapeType="1" noTextEdit="1"/>
+                </p:cNvSpPr>
+                <p:nvPr/>
+              </p:nvSpPr>
+              <p:spPr>
+                <a:xfrm>
+                  <a:off x="7955281" y="2880360"/>
+                  <a:ext cx="1152698" cy="746723"/>
+                </a:xfrm>
+                <a:prstGeom prst="rect">
+                  <a:avLst/>
+                </a:prstGeom>
+                <a:blipFill>
+                  <a:blip r:embed="rId3"/>
+                  <a:stretch>
+                    <a:fillRect/>
+                  </a:stretch>
+                </a:blipFill>
+                <a:ln>
+                  <a:solidFill>
+                    <a:schemeClr val="tx1"/>
+                  </a:solidFill>
+                </a:ln>
+              </p:spPr>
+              <p:txBody>
+                <a:bodyPr/>
+                <a:lstStyle/>
+                <a:p>
+                  <a:r>
+                    <a:rPr lang="zh-CN" altLang="en-US">
+                      <a:noFill/>
+                    </a:rPr>
+                    <a:t> </a:t>
+                  </a:r>
+                </a:p>
+              </p:txBody>
+            </p:sp>
+          </mc:Fallback>
+        </mc:AlternateContent>
+        <p:cxnSp>
+          <p:nvCxnSpPr>
+            <p:cNvPr id="15" name="直接连接符 14">
+              <a:extLst>
+                <a:ext uri="{FF2B5EF4-FFF2-40B4-BE49-F238E27FC236}">
+                  <a16:creationId xmlns:a16="http://schemas.microsoft.com/office/drawing/2014/main" id="{3A06BCF2-F7E3-4E99-B507-F94ACF9B05BB}"/>
+                </a:ext>
+              </a:extLst>
+            </p:cNvPr>
+            <p:cNvCxnSpPr>
+              <a:cxnSpLocks/>
+            </p:cNvCxnSpPr>
+            <p:nvPr/>
+          </p:nvCxnSpPr>
+          <p:spPr>
+            <a:xfrm flipH="1" flipV="1">
+              <a:off x="7955280" y="1532277"/>
+              <a:ext cx="2387" cy="1348082"/>
+            </a:xfrm>
+            <a:prstGeom prst="line">
+              <a:avLst/>
+            </a:prstGeom>
+            <a:ln w="12700">
+              <a:solidFill>
+                <a:schemeClr val="tx1"/>
+              </a:solidFill>
+              <a:prstDash val="lgDash"/>
+            </a:ln>
+          </p:spPr>
+          <p:style>
+            <a:lnRef idx="1">
+              <a:schemeClr val="accent1"/>
+            </a:lnRef>
+            <a:fillRef idx="0">
+              <a:schemeClr val="accent1"/>
+            </a:fillRef>
+            <a:effectRef idx="0">
+              <a:schemeClr val="accent1"/>
+            </a:effectRef>
+            <a:fontRef idx="minor">
+              <a:schemeClr val="tx1"/>
+            </a:fontRef>
+          </p:style>
+        </p:cxnSp>
+        <p:cxnSp>
+          <p:nvCxnSpPr>
+            <p:cNvPr id="17" name="直接连接符 16">
+              <a:extLst>
+                <a:ext uri="{FF2B5EF4-FFF2-40B4-BE49-F238E27FC236}">
+                  <a16:creationId xmlns:a16="http://schemas.microsoft.com/office/drawing/2014/main" id="{5E354AA8-0BD9-4FCC-9A9E-F8650EC2B168}"/>
+                </a:ext>
+              </a:extLst>
+            </p:cNvPr>
+            <p:cNvCxnSpPr>
+              <a:cxnSpLocks/>
+            </p:cNvCxnSpPr>
+            <p:nvPr/>
+          </p:nvCxnSpPr>
+          <p:spPr>
+            <a:xfrm flipH="1">
+              <a:off x="6096000" y="2880359"/>
+              <a:ext cx="1859280" cy="0"/>
+            </a:xfrm>
+            <a:prstGeom prst="line">
+              <a:avLst/>
+            </a:prstGeom>
+            <a:ln w="12700">
+              <a:solidFill>
+                <a:schemeClr val="tx1"/>
+              </a:solidFill>
+              <a:prstDash val="lgDash"/>
+            </a:ln>
+          </p:spPr>
+          <p:style>
+            <a:lnRef idx="1">
+              <a:schemeClr val="accent1"/>
+            </a:lnRef>
+            <a:fillRef idx="0">
+              <a:schemeClr val="accent1"/>
+            </a:fillRef>
+            <a:effectRef idx="0">
+              <a:schemeClr val="accent1"/>
+            </a:effectRef>
+            <a:fontRef idx="minor">
+              <a:schemeClr val="tx1"/>
+            </a:fontRef>
+          </p:style>
+        </p:cxnSp>
+        <p:cxnSp>
+          <p:nvCxnSpPr>
+            <p:cNvPr id="18" name="直接连接符 17">
+              <a:extLst>
+                <a:ext uri="{FF2B5EF4-FFF2-40B4-BE49-F238E27FC236}">
+                  <a16:creationId xmlns:a16="http://schemas.microsoft.com/office/drawing/2014/main" id="{6D2CAF62-AEDE-462D-9B1B-D554841AC70F}"/>
+                </a:ext>
+              </a:extLst>
+            </p:cNvPr>
+            <p:cNvCxnSpPr>
+              <a:cxnSpLocks/>
+            </p:cNvCxnSpPr>
+            <p:nvPr/>
+          </p:nvCxnSpPr>
+          <p:spPr>
+            <a:xfrm flipV="1">
+              <a:off x="9107980" y="1532277"/>
+              <a:ext cx="0" cy="1348082"/>
+            </a:xfrm>
+            <a:prstGeom prst="line">
+              <a:avLst/>
+            </a:prstGeom>
+            <a:ln w="12700">
+              <a:solidFill>
+                <a:schemeClr val="tx1"/>
+              </a:solidFill>
+              <a:prstDash val="lgDash"/>
+            </a:ln>
+          </p:spPr>
+          <p:style>
+            <a:lnRef idx="1">
+              <a:schemeClr val="accent1"/>
+            </a:lnRef>
+            <a:fillRef idx="0">
+              <a:schemeClr val="accent1"/>
+            </a:fillRef>
+            <a:effectRef idx="0">
+              <a:schemeClr val="accent1"/>
+            </a:effectRef>
+            <a:fontRef idx="minor">
+              <a:schemeClr val="tx1"/>
+            </a:fontRef>
+          </p:style>
+        </p:cxnSp>
+        <p:cxnSp>
+          <p:nvCxnSpPr>
+            <p:cNvPr id="23" name="直接连接符 22">
+              <a:extLst>
+                <a:ext uri="{FF2B5EF4-FFF2-40B4-BE49-F238E27FC236}">
+                  <a16:creationId xmlns:a16="http://schemas.microsoft.com/office/drawing/2014/main" id="{9A3374C3-42DA-437D-A3A4-2F465FD7D553}"/>
+                </a:ext>
+              </a:extLst>
+            </p:cNvPr>
+            <p:cNvCxnSpPr>
+              <a:cxnSpLocks/>
+            </p:cNvCxnSpPr>
+            <p:nvPr/>
+          </p:nvCxnSpPr>
+          <p:spPr>
+            <a:xfrm flipH="1">
+              <a:off x="6096000" y="3627085"/>
+              <a:ext cx="1859280" cy="0"/>
+            </a:xfrm>
+            <a:prstGeom prst="line">
+              <a:avLst/>
+            </a:prstGeom>
+            <a:ln w="12700">
+              <a:solidFill>
+                <a:schemeClr val="tx1"/>
+              </a:solidFill>
+              <a:prstDash val="lgDash"/>
+            </a:ln>
+          </p:spPr>
+          <p:style>
+            <a:lnRef idx="1">
+              <a:schemeClr val="accent1"/>
+            </a:lnRef>
+            <a:fillRef idx="0">
+              <a:schemeClr val="accent1"/>
+            </a:fillRef>
+            <a:effectRef idx="0">
+              <a:schemeClr val="accent1"/>
+            </a:effectRef>
+            <a:fontRef idx="minor">
+              <a:schemeClr val="tx1"/>
+            </a:fontRef>
+          </p:style>
+        </p:cxnSp>
+        <p:sp>
+          <p:nvSpPr>
+            <p:cNvPr id="24" name="文本框 23">
+              <a:extLst>
+                <a:ext uri="{FF2B5EF4-FFF2-40B4-BE49-F238E27FC236}">
+                  <a16:creationId xmlns:a16="http://schemas.microsoft.com/office/drawing/2014/main" id="{F3B291AB-29DA-4F43-984B-76B5287533FD}"/>
+                </a:ext>
+              </a:extLst>
+            </p:cNvPr>
+            <p:cNvSpPr txBox="1"/>
+            <p:nvPr/>
+          </p:nvSpPr>
+          <p:spPr>
+            <a:xfrm>
+              <a:off x="7271670" y="2422907"/>
+              <a:ext cx="684803" cy="369332"/>
+            </a:xfrm>
+            <a:prstGeom prst="rect">
+              <a:avLst/>
+            </a:prstGeom>
+            <a:noFill/>
+          </p:spPr>
+          <p:txBody>
+            <a:bodyPr wrap="none" rtlCol="0">
+              <a:spAutoFit/>
+            </a:bodyPr>
+            <a:lstStyle/>
+            <a:p>
+              <a:r>
+                <a:rPr lang="en-US" altLang="zh-CN" dirty="0">
+                  <a:latin typeface="Times New Roman" panose="02020603050405020304" pitchFamily="18" charset="0"/>
+                  <a:cs typeface="Times New Roman" panose="02020603050405020304" pitchFamily="18" charset="0"/>
+                </a:rPr>
+                <a:t>(</a:t>
+              </a:r>
+              <a:r>
+                <a:rPr lang="en-US" altLang="zh-CN" i="1" dirty="0">
+                  <a:latin typeface="Times New Roman" panose="02020603050405020304" pitchFamily="18" charset="0"/>
+                  <a:cs typeface="Times New Roman" panose="02020603050405020304" pitchFamily="18" charset="0"/>
+                </a:rPr>
+                <a:t>x, y</a:t>
+              </a:r>
+              <a:r>
+                <a:rPr lang="en-US" altLang="zh-CN" dirty="0">
+                  <a:latin typeface="Times New Roman" panose="02020603050405020304" pitchFamily="18" charset="0"/>
+                  <a:cs typeface="Times New Roman" panose="02020603050405020304" pitchFamily="18" charset="0"/>
+                </a:rPr>
+                <a:t>)</a:t>
+              </a:r>
+              <a:endParaRPr lang="zh-CN" altLang="en-US" dirty="0">
+                <a:latin typeface="Times New Roman" panose="02020603050405020304" pitchFamily="18" charset="0"/>
+                <a:cs typeface="Times New Roman" panose="02020603050405020304" pitchFamily="18" charset="0"/>
+              </a:endParaRPr>
+            </a:p>
+          </p:txBody>
+        </p:sp>
+        <p:sp>
+          <p:nvSpPr>
+            <p:cNvPr id="25" name="文本框 24">
+              <a:extLst>
+                <a:ext uri="{FF2B5EF4-FFF2-40B4-BE49-F238E27FC236}">
+                  <a16:creationId xmlns:a16="http://schemas.microsoft.com/office/drawing/2014/main" id="{495D5B76-9809-496C-98F3-CF1CCECCA0F4}"/>
+                </a:ext>
+              </a:extLst>
+            </p:cNvPr>
+            <p:cNvSpPr txBox="1"/>
+            <p:nvPr/>
+          </p:nvSpPr>
+          <p:spPr>
+            <a:xfrm>
+              <a:off x="9036022" y="2502897"/>
+              <a:ext cx="957313" cy="369332"/>
+            </a:xfrm>
+            <a:prstGeom prst="rect">
+              <a:avLst/>
+            </a:prstGeom>
+            <a:noFill/>
+          </p:spPr>
+          <p:txBody>
+            <a:bodyPr wrap="none" rtlCol="0">
+              <a:spAutoFit/>
+            </a:bodyPr>
+            <a:lstStyle/>
+            <a:p>
+              <a:r>
+                <a:rPr lang="en-US" altLang="zh-CN" dirty="0">
+                  <a:latin typeface="Times New Roman" panose="02020603050405020304" pitchFamily="18" charset="0"/>
+                  <a:cs typeface="Times New Roman" panose="02020603050405020304" pitchFamily="18" charset="0"/>
+                </a:rPr>
+                <a:t>(</a:t>
+              </a:r>
+              <a:r>
+                <a:rPr lang="en-US" altLang="zh-CN" i="1" dirty="0" err="1">
+                  <a:latin typeface="Times New Roman" panose="02020603050405020304" pitchFamily="18" charset="0"/>
+                  <a:cs typeface="Times New Roman" panose="02020603050405020304" pitchFamily="18" charset="0"/>
+                </a:rPr>
+                <a:t>x+w</a:t>
+              </a:r>
+              <a:r>
+                <a:rPr lang="en-US" altLang="zh-CN" i="1" dirty="0">
+                  <a:latin typeface="Times New Roman" panose="02020603050405020304" pitchFamily="18" charset="0"/>
+                  <a:cs typeface="Times New Roman" panose="02020603050405020304" pitchFamily="18" charset="0"/>
+                </a:rPr>
+                <a:t>, y</a:t>
+              </a:r>
+              <a:r>
+                <a:rPr lang="en-US" altLang="zh-CN" dirty="0">
+                  <a:latin typeface="Times New Roman" panose="02020603050405020304" pitchFamily="18" charset="0"/>
+                  <a:cs typeface="Times New Roman" panose="02020603050405020304" pitchFamily="18" charset="0"/>
+                </a:rPr>
+                <a:t>)</a:t>
+              </a:r>
+              <a:endParaRPr lang="zh-CN" altLang="en-US" dirty="0">
+                <a:latin typeface="Times New Roman" panose="02020603050405020304" pitchFamily="18" charset="0"/>
+                <a:cs typeface="Times New Roman" panose="02020603050405020304" pitchFamily="18" charset="0"/>
+              </a:endParaRPr>
+            </a:p>
+          </p:txBody>
+        </p:sp>
+        <p:sp>
+          <p:nvSpPr>
+            <p:cNvPr id="26" name="文本框 25">
+              <a:extLst>
+                <a:ext uri="{FF2B5EF4-FFF2-40B4-BE49-F238E27FC236}">
+                  <a16:creationId xmlns:a16="http://schemas.microsoft.com/office/drawing/2014/main" id="{F791A343-742A-49FF-B534-C538D4167152}"/>
+                </a:ext>
+              </a:extLst>
+            </p:cNvPr>
+            <p:cNvSpPr txBox="1"/>
+            <p:nvPr/>
+          </p:nvSpPr>
+          <p:spPr>
+            <a:xfrm>
+              <a:off x="7322793" y="3586323"/>
+              <a:ext cx="922047" cy="369332"/>
+            </a:xfrm>
+            <a:prstGeom prst="rect">
+              <a:avLst/>
+            </a:prstGeom>
+            <a:noFill/>
+          </p:spPr>
+          <p:txBody>
+            <a:bodyPr wrap="none" rtlCol="0">
+              <a:spAutoFit/>
+            </a:bodyPr>
+            <a:lstStyle/>
+            <a:p>
+              <a:r>
+                <a:rPr lang="en-US" altLang="zh-CN" dirty="0">
+                  <a:latin typeface="Times New Roman" panose="02020603050405020304" pitchFamily="18" charset="0"/>
+                  <a:cs typeface="Times New Roman" panose="02020603050405020304" pitchFamily="18" charset="0"/>
+                </a:rPr>
+                <a:t>(</a:t>
+              </a:r>
+              <a:r>
+                <a:rPr lang="en-US" altLang="zh-CN" i="1" dirty="0">
+                  <a:latin typeface="Times New Roman" panose="02020603050405020304" pitchFamily="18" charset="0"/>
+                  <a:cs typeface="Times New Roman" panose="02020603050405020304" pitchFamily="18" charset="0"/>
+                </a:rPr>
+                <a:t>x, </a:t>
+              </a:r>
+              <a:r>
+                <a:rPr lang="en-US" altLang="zh-CN" i="1" dirty="0" err="1">
+                  <a:latin typeface="Times New Roman" panose="02020603050405020304" pitchFamily="18" charset="0"/>
+                  <a:cs typeface="Times New Roman" panose="02020603050405020304" pitchFamily="18" charset="0"/>
+                </a:rPr>
+                <a:t>y+h</a:t>
+              </a:r>
+              <a:r>
+                <a:rPr lang="en-US" altLang="zh-CN" dirty="0">
+                  <a:latin typeface="Times New Roman" panose="02020603050405020304" pitchFamily="18" charset="0"/>
+                  <a:cs typeface="Times New Roman" panose="02020603050405020304" pitchFamily="18" charset="0"/>
+                </a:rPr>
+                <a:t>)</a:t>
+              </a:r>
+              <a:endParaRPr lang="zh-CN" altLang="en-US" dirty="0">
+                <a:latin typeface="Times New Roman" panose="02020603050405020304" pitchFamily="18" charset="0"/>
+                <a:cs typeface="Times New Roman" panose="02020603050405020304" pitchFamily="18" charset="0"/>
+              </a:endParaRPr>
+            </a:p>
+          </p:txBody>
+        </p:sp>
+        <p:sp>
+          <p:nvSpPr>
+            <p:cNvPr id="27" name="文本框 26">
+              <a:extLst>
+                <a:ext uri="{FF2B5EF4-FFF2-40B4-BE49-F238E27FC236}">
+                  <a16:creationId xmlns:a16="http://schemas.microsoft.com/office/drawing/2014/main" id="{20130407-31AC-4E23-A130-33875D8062E0}"/>
+                </a:ext>
+              </a:extLst>
+            </p:cNvPr>
+            <p:cNvSpPr txBox="1"/>
+            <p:nvPr/>
+          </p:nvSpPr>
+          <p:spPr>
+            <a:xfrm>
+              <a:off x="8857744" y="3608454"/>
+              <a:ext cx="1237839" cy="369332"/>
+            </a:xfrm>
+            <a:prstGeom prst="rect">
+              <a:avLst/>
+            </a:prstGeom>
+            <a:noFill/>
+          </p:spPr>
+          <p:txBody>
+            <a:bodyPr wrap="none" rtlCol="0">
+              <a:spAutoFit/>
+            </a:bodyPr>
+            <a:lstStyle/>
+            <a:p>
+              <a:r>
+                <a:rPr lang="en-US" altLang="zh-CN" dirty="0">
+                  <a:latin typeface="Times New Roman" panose="02020603050405020304" pitchFamily="18" charset="0"/>
+                  <a:cs typeface="Times New Roman" panose="02020603050405020304" pitchFamily="18" charset="0"/>
+                </a:rPr>
+                <a:t>(</a:t>
+              </a:r>
+              <a:r>
+                <a:rPr lang="en-US" altLang="zh-CN" i="1" dirty="0" err="1">
+                  <a:latin typeface="Times New Roman" panose="02020603050405020304" pitchFamily="18" charset="0"/>
+                  <a:cs typeface="Times New Roman" panose="02020603050405020304" pitchFamily="18" charset="0"/>
+                </a:rPr>
+                <a:t>x+w</a:t>
+              </a:r>
+              <a:r>
+                <a:rPr lang="en-US" altLang="zh-CN" i="1" dirty="0">
+                  <a:latin typeface="Times New Roman" panose="02020603050405020304" pitchFamily="18" charset="0"/>
+                  <a:cs typeface="Times New Roman" panose="02020603050405020304" pitchFamily="18" charset="0"/>
+                </a:rPr>
+                <a:t>, </a:t>
+              </a:r>
+              <a:r>
+                <a:rPr lang="en-US" altLang="zh-CN" i="1" dirty="0" err="1">
+                  <a:latin typeface="Times New Roman" panose="02020603050405020304" pitchFamily="18" charset="0"/>
+                  <a:cs typeface="Times New Roman" panose="02020603050405020304" pitchFamily="18" charset="0"/>
+                </a:rPr>
+                <a:t>y+h</a:t>
+              </a:r>
+              <a:r>
+                <a:rPr lang="en-US" altLang="zh-CN" dirty="0">
+                  <a:latin typeface="Times New Roman" panose="02020603050405020304" pitchFamily="18" charset="0"/>
+                  <a:cs typeface="Times New Roman" panose="02020603050405020304" pitchFamily="18" charset="0"/>
+                </a:rPr>
+                <a:t>)</a:t>
+              </a:r>
+              <a:endParaRPr lang="zh-CN" altLang="en-US" dirty="0">
+                <a:latin typeface="Times New Roman" panose="02020603050405020304" pitchFamily="18" charset="0"/>
+                <a:cs typeface="Times New Roman" panose="02020603050405020304" pitchFamily="18" charset="0"/>
+              </a:endParaRPr>
+            </a:p>
+          </p:txBody>
+        </p:sp>
+      </p:grpSp>
     </p:spTree>
     <p:extLst>
       <p:ext uri="{BB962C8B-B14F-4D97-AF65-F5344CB8AC3E}">
         <p14:creationId xmlns:p14="http://schemas.microsoft.com/office/powerpoint/2010/main" val="2900911782"/>
+      </p:ext>
+    </p:extLst>
+  </p:cSld>
+  <p:clrMapOvr>
+    <a:masterClrMapping/>
+  </p:clrMapOvr>
+</p:sld>
+</file>
+
+<file path=ppt/slides/slide20.xml><?xml version="1.0" encoding="utf-8"?>
+<p:sld xmlns:a="http://schemas.openxmlformats.org/drawingml/2006/main" xmlns:r="http://schemas.openxmlformats.org/officeDocument/2006/relationships" xmlns:p="http://schemas.openxmlformats.org/presentationml/2006/main">
+  <p:cSld>
+    <p:spTree>
+      <p:nvGrpSpPr>
+        <p:cNvPr id="1" name=""/>
+        <p:cNvGrpSpPr/>
+        <p:nvPr/>
+      </p:nvGrpSpPr>
+      <p:grpSpPr>
+        <a:xfrm>
+          <a:off x="0" y="0"/>
+          <a:ext cx="0" cy="0"/>
+          <a:chOff x="0" y="0"/>
+          <a:chExt cx="0" cy="0"/>
+        </a:xfrm>
+      </p:grpSpPr>
+      <p:pic>
+        <p:nvPicPr>
+          <p:cNvPr id="43" name="图片 42">
+            <a:extLst>
+              <a:ext uri="{FF2B5EF4-FFF2-40B4-BE49-F238E27FC236}">
+                <a16:creationId xmlns:a16="http://schemas.microsoft.com/office/drawing/2014/main" id="{C27523A8-F35D-441C-A9BA-97FE4C7EFC27}"/>
+              </a:ext>
+            </a:extLst>
+          </p:cNvPr>
+          <p:cNvPicPr>
+            <a:picLocks noChangeAspect="1"/>
+          </p:cNvPicPr>
+          <p:nvPr/>
+        </p:nvPicPr>
+        <p:blipFill>
+          <a:blip r:embed="rId2">
+            <a:extLst>
+              <a:ext uri="{28A0092B-C50C-407E-A947-70E740481C1C}">
+                <a14:useLocalDpi xmlns:a14="http://schemas.microsoft.com/office/drawing/2010/main" val="0"/>
+              </a:ext>
+            </a:extLst>
+          </a:blip>
+          <a:stretch>
+            <a:fillRect/>
+          </a:stretch>
+        </p:blipFill>
+        <p:spPr>
+          <a:xfrm>
+            <a:off x="3512355" y="606829"/>
+            <a:ext cx="2751058" cy="4839119"/>
+          </a:xfrm>
+          <a:prstGeom prst="rect">
+            <a:avLst/>
+          </a:prstGeom>
+          <a:ln w="12700">
+            <a:solidFill>
+              <a:schemeClr val="tx1"/>
+            </a:solidFill>
+          </a:ln>
+        </p:spPr>
+      </p:pic>
+      <p:pic>
+        <p:nvPicPr>
+          <p:cNvPr id="48" name="图片 47">
+            <a:extLst>
+              <a:ext uri="{FF2B5EF4-FFF2-40B4-BE49-F238E27FC236}">
+                <a16:creationId xmlns:a16="http://schemas.microsoft.com/office/drawing/2014/main" id="{21393B31-1C11-4F81-BF0B-3FC1872DDB8E}"/>
+              </a:ext>
+            </a:extLst>
+          </p:cNvPr>
+          <p:cNvPicPr>
+            <a:picLocks noChangeAspect="1"/>
+          </p:cNvPicPr>
+          <p:nvPr/>
+        </p:nvPicPr>
+        <p:blipFill>
+          <a:blip r:embed="rId3">
+            <a:extLst>
+              <a:ext uri="{28A0092B-C50C-407E-A947-70E740481C1C}">
+                <a14:useLocalDpi xmlns:a14="http://schemas.microsoft.com/office/drawing/2010/main" val="0"/>
+              </a:ext>
+            </a:extLst>
+          </a:blip>
+          <a:stretch>
+            <a:fillRect/>
+          </a:stretch>
+        </p:blipFill>
+        <p:spPr>
+          <a:xfrm>
+            <a:off x="2258726" y="3026389"/>
+            <a:ext cx="379397" cy="2428144"/>
+          </a:xfrm>
+          <a:prstGeom prst="rect">
+            <a:avLst/>
+          </a:prstGeom>
+          <a:ln w="12700">
+            <a:solidFill>
+              <a:schemeClr val="tx1"/>
+            </a:solidFill>
+          </a:ln>
+        </p:spPr>
+      </p:pic>
+      <p:cxnSp>
+        <p:nvCxnSpPr>
+          <p:cNvPr id="51" name="直接连接符 50">
+            <a:extLst>
+              <a:ext uri="{FF2B5EF4-FFF2-40B4-BE49-F238E27FC236}">
+                <a16:creationId xmlns:a16="http://schemas.microsoft.com/office/drawing/2014/main" id="{770A965B-A26C-44D4-9C73-ECECE3FB609B}"/>
+              </a:ext>
+            </a:extLst>
+          </p:cNvPr>
+          <p:cNvCxnSpPr>
+            <a:cxnSpLocks/>
+          </p:cNvCxnSpPr>
+          <p:nvPr/>
+        </p:nvCxnSpPr>
+        <p:spPr>
+          <a:xfrm rot="5400000">
+            <a:off x="2046437" y="2903504"/>
+            <a:ext cx="0" cy="228600"/>
+          </a:xfrm>
+          <a:prstGeom prst="line">
+            <a:avLst/>
+          </a:prstGeom>
+          <a:ln>
+            <a:solidFill>
+              <a:schemeClr val="tx1"/>
+            </a:solidFill>
+          </a:ln>
+        </p:spPr>
+        <p:style>
+          <a:lnRef idx="1">
+            <a:schemeClr val="accent1"/>
+          </a:lnRef>
+          <a:fillRef idx="0">
+            <a:schemeClr val="accent1"/>
+          </a:fillRef>
+          <a:effectRef idx="0">
+            <a:schemeClr val="accent1"/>
+          </a:effectRef>
+          <a:fontRef idx="minor">
+            <a:schemeClr val="tx1"/>
+          </a:fontRef>
+        </p:style>
+      </p:cxnSp>
+      <p:cxnSp>
+        <p:nvCxnSpPr>
+          <p:cNvPr id="52" name="直接连接符 51">
+            <a:extLst>
+              <a:ext uri="{FF2B5EF4-FFF2-40B4-BE49-F238E27FC236}">
+                <a16:creationId xmlns:a16="http://schemas.microsoft.com/office/drawing/2014/main" id="{CF510CB9-2934-429B-91F7-123632B1A063}"/>
+              </a:ext>
+            </a:extLst>
+          </p:cNvPr>
+          <p:cNvCxnSpPr>
+            <a:cxnSpLocks/>
+          </p:cNvCxnSpPr>
+          <p:nvPr/>
+        </p:nvCxnSpPr>
+        <p:spPr>
+          <a:xfrm rot="5400000">
+            <a:off x="2052333" y="5331648"/>
+            <a:ext cx="0" cy="228600"/>
+          </a:xfrm>
+          <a:prstGeom prst="line">
+            <a:avLst/>
+          </a:prstGeom>
+          <a:ln>
+            <a:solidFill>
+              <a:schemeClr val="tx1"/>
+            </a:solidFill>
+          </a:ln>
+        </p:spPr>
+        <p:style>
+          <a:lnRef idx="1">
+            <a:schemeClr val="accent1"/>
+          </a:lnRef>
+          <a:fillRef idx="0">
+            <a:schemeClr val="accent1"/>
+          </a:fillRef>
+          <a:effectRef idx="0">
+            <a:schemeClr val="accent1"/>
+          </a:effectRef>
+          <a:fontRef idx="minor">
+            <a:schemeClr val="tx1"/>
+          </a:fontRef>
+        </p:style>
+      </p:cxnSp>
+      <p:cxnSp>
+        <p:nvCxnSpPr>
+          <p:cNvPr id="53" name="直接箭头连接符 52">
+            <a:extLst>
+              <a:ext uri="{FF2B5EF4-FFF2-40B4-BE49-F238E27FC236}">
+                <a16:creationId xmlns:a16="http://schemas.microsoft.com/office/drawing/2014/main" id="{729B43D4-2A13-4887-A7DD-667E3E2C9334}"/>
+              </a:ext>
+            </a:extLst>
+          </p:cNvPr>
+          <p:cNvCxnSpPr>
+            <a:cxnSpLocks/>
+          </p:cNvCxnSpPr>
+          <p:nvPr/>
+        </p:nvCxnSpPr>
+        <p:spPr>
+          <a:xfrm>
+            <a:off x="2046437" y="3017804"/>
+            <a:ext cx="0" cy="2428144"/>
+          </a:xfrm>
+          <a:prstGeom prst="straightConnector1">
+            <a:avLst/>
+          </a:prstGeom>
+          <a:ln>
+            <a:solidFill>
+              <a:schemeClr val="tx1"/>
+            </a:solidFill>
+            <a:headEnd type="triangle"/>
+            <a:tailEnd type="triangle"/>
+          </a:ln>
+        </p:spPr>
+        <p:style>
+          <a:lnRef idx="1">
+            <a:schemeClr val="accent1"/>
+          </a:lnRef>
+          <a:fillRef idx="0">
+            <a:schemeClr val="accent1"/>
+          </a:fillRef>
+          <a:effectRef idx="0">
+            <a:schemeClr val="accent1"/>
+          </a:effectRef>
+          <a:fontRef idx="minor">
+            <a:schemeClr val="tx1"/>
+          </a:fontRef>
+        </p:style>
+      </p:cxnSp>
+      <p:sp>
+        <p:nvSpPr>
+          <p:cNvPr id="54" name="文本框 53">
+            <a:extLst>
+              <a:ext uri="{FF2B5EF4-FFF2-40B4-BE49-F238E27FC236}">
+                <a16:creationId xmlns:a16="http://schemas.microsoft.com/office/drawing/2014/main" id="{FE8E4BE3-DE3F-4A8D-8336-520FF98B12F8}"/>
+              </a:ext>
+            </a:extLst>
+          </p:cNvPr>
+          <p:cNvSpPr txBox="1"/>
+          <p:nvPr/>
+        </p:nvSpPr>
+        <p:spPr>
+          <a:xfrm>
+            <a:off x="1569051" y="4047210"/>
+            <a:ext cx="550151" cy="369332"/>
+          </a:xfrm>
+          <a:prstGeom prst="rect">
+            <a:avLst/>
+          </a:prstGeom>
+          <a:noFill/>
+        </p:spPr>
+        <p:txBody>
+          <a:bodyPr wrap="none" rtlCol="0">
+            <a:spAutoFit/>
+          </a:bodyPr>
+          <a:lstStyle/>
+          <a:p>
+            <a:r>
+              <a:rPr lang="en-US" altLang="zh-CN" dirty="0">
+                <a:latin typeface="Times New Roman" panose="02020603050405020304" pitchFamily="18" charset="0"/>
+                <a:cs typeface="Times New Roman" panose="02020603050405020304" pitchFamily="18" charset="0"/>
+              </a:rPr>
+              <a:t>320</a:t>
+            </a:r>
+            <a:endParaRPr lang="zh-CN" altLang="en-US" dirty="0">
+              <a:latin typeface="Times New Roman" panose="02020603050405020304" pitchFamily="18" charset="0"/>
+              <a:cs typeface="Times New Roman" panose="02020603050405020304" pitchFamily="18" charset="0"/>
+            </a:endParaRPr>
+          </a:p>
+        </p:txBody>
+      </p:sp>
+      <p:cxnSp>
+        <p:nvCxnSpPr>
+          <p:cNvPr id="59" name="直接连接符 58">
+            <a:extLst>
+              <a:ext uri="{FF2B5EF4-FFF2-40B4-BE49-F238E27FC236}">
+                <a16:creationId xmlns:a16="http://schemas.microsoft.com/office/drawing/2014/main" id="{8D2C8ADD-B8F2-4728-8D15-7DAEF2AAC0EB}"/>
+              </a:ext>
+            </a:extLst>
+          </p:cNvPr>
+          <p:cNvCxnSpPr/>
+          <p:nvPr/>
+        </p:nvCxnSpPr>
+        <p:spPr>
+          <a:xfrm>
+            <a:off x="2237831" y="2709328"/>
+            <a:ext cx="0" cy="228600"/>
+          </a:xfrm>
+          <a:prstGeom prst="line">
+            <a:avLst/>
+          </a:prstGeom>
+          <a:ln>
+            <a:solidFill>
+              <a:schemeClr val="tx1"/>
+            </a:solidFill>
+          </a:ln>
+        </p:spPr>
+        <p:style>
+          <a:lnRef idx="1">
+            <a:schemeClr val="accent1"/>
+          </a:lnRef>
+          <a:fillRef idx="0">
+            <a:schemeClr val="accent1"/>
+          </a:fillRef>
+          <a:effectRef idx="0">
+            <a:schemeClr val="accent1"/>
+          </a:effectRef>
+          <a:fontRef idx="minor">
+            <a:schemeClr val="tx1"/>
+          </a:fontRef>
+        </p:style>
+      </p:cxnSp>
+      <p:cxnSp>
+        <p:nvCxnSpPr>
+          <p:cNvPr id="60" name="直接连接符 59">
+            <a:extLst>
+              <a:ext uri="{FF2B5EF4-FFF2-40B4-BE49-F238E27FC236}">
+                <a16:creationId xmlns:a16="http://schemas.microsoft.com/office/drawing/2014/main" id="{4A9D3C30-DF5B-4BE4-A553-839457EB3E58}"/>
+              </a:ext>
+            </a:extLst>
+          </p:cNvPr>
+          <p:cNvCxnSpPr/>
+          <p:nvPr/>
+        </p:nvCxnSpPr>
+        <p:spPr>
+          <a:xfrm>
+            <a:off x="2643832" y="2709328"/>
+            <a:ext cx="0" cy="228600"/>
+          </a:xfrm>
+          <a:prstGeom prst="line">
+            <a:avLst/>
+          </a:prstGeom>
+          <a:ln>
+            <a:solidFill>
+              <a:schemeClr val="tx1"/>
+            </a:solidFill>
+          </a:ln>
+        </p:spPr>
+        <p:style>
+          <a:lnRef idx="1">
+            <a:schemeClr val="accent1"/>
+          </a:lnRef>
+          <a:fillRef idx="0">
+            <a:schemeClr val="accent1"/>
+          </a:fillRef>
+          <a:effectRef idx="0">
+            <a:schemeClr val="accent1"/>
+          </a:effectRef>
+          <a:fontRef idx="minor">
+            <a:schemeClr val="tx1"/>
+          </a:fontRef>
+        </p:style>
+      </p:cxnSp>
+      <p:cxnSp>
+        <p:nvCxnSpPr>
+          <p:cNvPr id="61" name="直接箭头连接符 60">
+            <a:extLst>
+              <a:ext uri="{FF2B5EF4-FFF2-40B4-BE49-F238E27FC236}">
+                <a16:creationId xmlns:a16="http://schemas.microsoft.com/office/drawing/2014/main" id="{BFA4C926-E080-409D-AE15-0EDA0AB9F159}"/>
+              </a:ext>
+            </a:extLst>
+          </p:cNvPr>
+          <p:cNvCxnSpPr>
+            <a:cxnSpLocks/>
+          </p:cNvCxnSpPr>
+          <p:nvPr/>
+        </p:nvCxnSpPr>
+        <p:spPr>
+          <a:xfrm>
+            <a:off x="2237831" y="2823628"/>
+            <a:ext cx="406001" cy="0"/>
+          </a:xfrm>
+          <a:prstGeom prst="straightConnector1">
+            <a:avLst/>
+          </a:prstGeom>
+          <a:ln>
+            <a:solidFill>
+              <a:schemeClr val="tx1"/>
+            </a:solidFill>
+            <a:headEnd type="triangle"/>
+            <a:tailEnd type="triangle"/>
+          </a:ln>
+        </p:spPr>
+        <p:style>
+          <a:lnRef idx="1">
+            <a:schemeClr val="accent1"/>
+          </a:lnRef>
+          <a:fillRef idx="0">
+            <a:schemeClr val="accent1"/>
+          </a:fillRef>
+          <a:effectRef idx="0">
+            <a:schemeClr val="accent1"/>
+          </a:effectRef>
+          <a:fontRef idx="minor">
+            <a:schemeClr val="tx1"/>
+          </a:fontRef>
+        </p:style>
+      </p:cxnSp>
+      <p:sp>
+        <p:nvSpPr>
+          <p:cNvPr id="62" name="文本框 61">
+            <a:extLst>
+              <a:ext uri="{FF2B5EF4-FFF2-40B4-BE49-F238E27FC236}">
+                <a16:creationId xmlns:a16="http://schemas.microsoft.com/office/drawing/2014/main" id="{079AEB4B-1594-4F11-BA48-65CA366153FE}"/>
+              </a:ext>
+            </a:extLst>
+          </p:cNvPr>
+          <p:cNvSpPr txBox="1"/>
+          <p:nvPr/>
+        </p:nvSpPr>
+        <p:spPr>
+          <a:xfrm>
+            <a:off x="2237831" y="2467855"/>
+            <a:ext cx="428322" cy="369332"/>
+          </a:xfrm>
+          <a:prstGeom prst="rect">
+            <a:avLst/>
+          </a:prstGeom>
+          <a:noFill/>
+        </p:spPr>
+        <p:txBody>
+          <a:bodyPr wrap="none" rtlCol="0">
+            <a:spAutoFit/>
+          </a:bodyPr>
+          <a:lstStyle/>
+          <a:p>
+            <a:r>
+              <a:rPr lang="en-US" altLang="zh-CN" dirty="0">
+                <a:latin typeface="Times New Roman" panose="02020603050405020304" pitchFamily="18" charset="0"/>
+                <a:cs typeface="Times New Roman" panose="02020603050405020304" pitchFamily="18" charset="0"/>
+              </a:rPr>
+              <a:t>50</a:t>
+            </a:r>
+            <a:endParaRPr lang="zh-CN" altLang="en-US" dirty="0">
+              <a:latin typeface="Times New Roman" panose="02020603050405020304" pitchFamily="18" charset="0"/>
+              <a:cs typeface="Times New Roman" panose="02020603050405020304" pitchFamily="18" charset="0"/>
+            </a:endParaRPr>
+          </a:p>
+        </p:txBody>
+      </p:sp>
+      <p:cxnSp>
+        <p:nvCxnSpPr>
+          <p:cNvPr id="67" name="直接连接符 66">
+            <a:extLst>
+              <a:ext uri="{FF2B5EF4-FFF2-40B4-BE49-F238E27FC236}">
+                <a16:creationId xmlns:a16="http://schemas.microsoft.com/office/drawing/2014/main" id="{A108AB9F-AFE6-4AB5-9B42-ACBE30552C3E}"/>
+              </a:ext>
+            </a:extLst>
+          </p:cNvPr>
+          <p:cNvCxnSpPr>
+            <a:cxnSpLocks/>
+          </p:cNvCxnSpPr>
+          <p:nvPr/>
+        </p:nvCxnSpPr>
+        <p:spPr>
+          <a:xfrm rot="5400000">
+            <a:off x="3306780" y="483944"/>
+            <a:ext cx="0" cy="228600"/>
+          </a:xfrm>
+          <a:prstGeom prst="line">
+            <a:avLst/>
+          </a:prstGeom>
+          <a:ln>
+            <a:solidFill>
+              <a:schemeClr val="tx1"/>
+            </a:solidFill>
+          </a:ln>
+        </p:spPr>
+        <p:style>
+          <a:lnRef idx="1">
+            <a:schemeClr val="accent1"/>
+          </a:lnRef>
+          <a:fillRef idx="0">
+            <a:schemeClr val="accent1"/>
+          </a:fillRef>
+          <a:effectRef idx="0">
+            <a:schemeClr val="accent1"/>
+          </a:effectRef>
+          <a:fontRef idx="minor">
+            <a:schemeClr val="tx1"/>
+          </a:fontRef>
+        </p:style>
+      </p:cxnSp>
+      <p:cxnSp>
+        <p:nvCxnSpPr>
+          <p:cNvPr id="68" name="直接连接符 67">
+            <a:extLst>
+              <a:ext uri="{FF2B5EF4-FFF2-40B4-BE49-F238E27FC236}">
+                <a16:creationId xmlns:a16="http://schemas.microsoft.com/office/drawing/2014/main" id="{53A22C79-7D6A-4087-80A7-EA0B0E40B338}"/>
+              </a:ext>
+            </a:extLst>
+          </p:cNvPr>
+          <p:cNvCxnSpPr>
+            <a:cxnSpLocks/>
+          </p:cNvCxnSpPr>
+          <p:nvPr/>
+        </p:nvCxnSpPr>
+        <p:spPr>
+          <a:xfrm rot="5400000">
+            <a:off x="3306780" y="5331648"/>
+            <a:ext cx="0" cy="228600"/>
+          </a:xfrm>
+          <a:prstGeom prst="line">
+            <a:avLst/>
+          </a:prstGeom>
+          <a:ln>
+            <a:solidFill>
+              <a:schemeClr val="tx1"/>
+            </a:solidFill>
+          </a:ln>
+        </p:spPr>
+        <p:style>
+          <a:lnRef idx="1">
+            <a:schemeClr val="accent1"/>
+          </a:lnRef>
+          <a:fillRef idx="0">
+            <a:schemeClr val="accent1"/>
+          </a:fillRef>
+          <a:effectRef idx="0">
+            <a:schemeClr val="accent1"/>
+          </a:effectRef>
+          <a:fontRef idx="minor">
+            <a:schemeClr val="tx1"/>
+          </a:fontRef>
+        </p:style>
+      </p:cxnSp>
+      <p:cxnSp>
+        <p:nvCxnSpPr>
+          <p:cNvPr id="69" name="直接箭头连接符 68">
+            <a:extLst>
+              <a:ext uri="{FF2B5EF4-FFF2-40B4-BE49-F238E27FC236}">
+                <a16:creationId xmlns:a16="http://schemas.microsoft.com/office/drawing/2014/main" id="{DBFE13D3-0B9E-4C17-8684-60EC0CDE018F}"/>
+              </a:ext>
+            </a:extLst>
+          </p:cNvPr>
+          <p:cNvCxnSpPr>
+            <a:cxnSpLocks/>
+          </p:cNvCxnSpPr>
+          <p:nvPr/>
+        </p:nvCxnSpPr>
+        <p:spPr>
+          <a:xfrm>
+            <a:off x="3306780" y="598244"/>
+            <a:ext cx="0" cy="4847704"/>
+          </a:xfrm>
+          <a:prstGeom prst="straightConnector1">
+            <a:avLst/>
+          </a:prstGeom>
+          <a:ln>
+            <a:solidFill>
+              <a:schemeClr val="tx1"/>
+            </a:solidFill>
+            <a:headEnd type="triangle"/>
+            <a:tailEnd type="triangle"/>
+          </a:ln>
+        </p:spPr>
+        <p:style>
+          <a:lnRef idx="1">
+            <a:schemeClr val="accent1"/>
+          </a:lnRef>
+          <a:fillRef idx="0">
+            <a:schemeClr val="accent1"/>
+          </a:fillRef>
+          <a:effectRef idx="0">
+            <a:schemeClr val="accent1"/>
+          </a:effectRef>
+          <a:fontRef idx="minor">
+            <a:schemeClr val="tx1"/>
+          </a:fontRef>
+        </p:style>
+      </p:cxnSp>
+      <p:sp>
+        <p:nvSpPr>
+          <p:cNvPr id="70" name="文本框 69">
+            <a:extLst>
+              <a:ext uri="{FF2B5EF4-FFF2-40B4-BE49-F238E27FC236}">
+                <a16:creationId xmlns:a16="http://schemas.microsoft.com/office/drawing/2014/main" id="{8E56C4B1-F651-4F38-91B1-7A7CF5231E19}"/>
+              </a:ext>
+            </a:extLst>
+          </p:cNvPr>
+          <p:cNvSpPr txBox="1"/>
+          <p:nvPr/>
+        </p:nvSpPr>
+        <p:spPr>
+          <a:xfrm>
+            <a:off x="2829394" y="1627650"/>
+            <a:ext cx="530915" cy="369332"/>
+          </a:xfrm>
+          <a:prstGeom prst="rect">
+            <a:avLst/>
+          </a:prstGeom>
+          <a:noFill/>
+        </p:spPr>
+        <p:txBody>
+          <a:bodyPr wrap="none" rtlCol="0">
+            <a:spAutoFit/>
+          </a:bodyPr>
+          <a:lstStyle/>
+          <a:p>
+            <a:r>
+              <a:rPr lang="en-US" altLang="zh-CN" dirty="0">
+                <a:latin typeface="Times New Roman" panose="02020603050405020304" pitchFamily="18" charset="0"/>
+                <a:cs typeface="Times New Roman" panose="02020603050405020304" pitchFamily="18" charset="0"/>
+              </a:rPr>
+              <a:t>635</a:t>
+            </a:r>
+            <a:endParaRPr lang="zh-CN" altLang="en-US" dirty="0">
+              <a:latin typeface="Times New Roman" panose="02020603050405020304" pitchFamily="18" charset="0"/>
+              <a:cs typeface="Times New Roman" panose="02020603050405020304" pitchFamily="18" charset="0"/>
+            </a:endParaRPr>
+          </a:p>
+        </p:txBody>
+      </p:sp>
+      <p:cxnSp>
+        <p:nvCxnSpPr>
+          <p:cNvPr id="71" name="直接连接符 70">
+            <a:extLst>
+              <a:ext uri="{FF2B5EF4-FFF2-40B4-BE49-F238E27FC236}">
+                <a16:creationId xmlns:a16="http://schemas.microsoft.com/office/drawing/2014/main" id="{CB1132A8-C579-41BE-A830-4D2E6B64A25E}"/>
+              </a:ext>
+            </a:extLst>
+          </p:cNvPr>
+          <p:cNvCxnSpPr/>
+          <p:nvPr/>
+        </p:nvCxnSpPr>
+        <p:spPr>
+          <a:xfrm>
+            <a:off x="3522465" y="225538"/>
+            <a:ext cx="0" cy="228600"/>
+          </a:xfrm>
+          <a:prstGeom prst="line">
+            <a:avLst/>
+          </a:prstGeom>
+          <a:ln>
+            <a:solidFill>
+              <a:schemeClr val="tx1"/>
+            </a:solidFill>
+          </a:ln>
+        </p:spPr>
+        <p:style>
+          <a:lnRef idx="1">
+            <a:schemeClr val="accent1"/>
+          </a:lnRef>
+          <a:fillRef idx="0">
+            <a:schemeClr val="accent1"/>
+          </a:fillRef>
+          <a:effectRef idx="0">
+            <a:schemeClr val="accent1"/>
+          </a:effectRef>
+          <a:fontRef idx="minor">
+            <a:schemeClr val="tx1"/>
+          </a:fontRef>
+        </p:style>
+      </p:cxnSp>
+      <p:cxnSp>
+        <p:nvCxnSpPr>
+          <p:cNvPr id="72" name="直接连接符 71">
+            <a:extLst>
+              <a:ext uri="{FF2B5EF4-FFF2-40B4-BE49-F238E27FC236}">
+                <a16:creationId xmlns:a16="http://schemas.microsoft.com/office/drawing/2014/main" id="{CB7187B3-6B72-4E96-83DC-48F1A556CC48}"/>
+              </a:ext>
+            </a:extLst>
+          </p:cNvPr>
+          <p:cNvCxnSpPr>
+            <a:cxnSpLocks/>
+          </p:cNvCxnSpPr>
+          <p:nvPr/>
+        </p:nvCxnSpPr>
+        <p:spPr>
+          <a:xfrm>
+            <a:off x="6263413" y="225538"/>
+            <a:ext cx="0" cy="228600"/>
+          </a:xfrm>
+          <a:prstGeom prst="line">
+            <a:avLst/>
+          </a:prstGeom>
+          <a:ln>
+            <a:solidFill>
+              <a:schemeClr val="tx1"/>
+            </a:solidFill>
+          </a:ln>
+        </p:spPr>
+        <p:style>
+          <a:lnRef idx="1">
+            <a:schemeClr val="accent1"/>
+          </a:lnRef>
+          <a:fillRef idx="0">
+            <a:schemeClr val="accent1"/>
+          </a:fillRef>
+          <a:effectRef idx="0">
+            <a:schemeClr val="accent1"/>
+          </a:effectRef>
+          <a:fontRef idx="minor">
+            <a:schemeClr val="tx1"/>
+          </a:fontRef>
+        </p:style>
+      </p:cxnSp>
+      <p:cxnSp>
+        <p:nvCxnSpPr>
+          <p:cNvPr id="73" name="直接箭头连接符 72">
+            <a:extLst>
+              <a:ext uri="{FF2B5EF4-FFF2-40B4-BE49-F238E27FC236}">
+                <a16:creationId xmlns:a16="http://schemas.microsoft.com/office/drawing/2014/main" id="{5DB684EB-7CA6-4C28-B444-3D4192643465}"/>
+              </a:ext>
+            </a:extLst>
+          </p:cNvPr>
+          <p:cNvCxnSpPr>
+            <a:cxnSpLocks/>
+          </p:cNvCxnSpPr>
+          <p:nvPr/>
+        </p:nvCxnSpPr>
+        <p:spPr>
+          <a:xfrm>
+            <a:off x="3522465" y="338956"/>
+            <a:ext cx="2740948" cy="882"/>
+          </a:xfrm>
+          <a:prstGeom prst="straightConnector1">
+            <a:avLst/>
+          </a:prstGeom>
+          <a:ln>
+            <a:solidFill>
+              <a:schemeClr val="tx1"/>
+            </a:solidFill>
+            <a:headEnd type="triangle"/>
+            <a:tailEnd type="triangle"/>
+          </a:ln>
+        </p:spPr>
+        <p:style>
+          <a:lnRef idx="1">
+            <a:schemeClr val="accent1"/>
+          </a:lnRef>
+          <a:fillRef idx="0">
+            <a:schemeClr val="accent1"/>
+          </a:fillRef>
+          <a:effectRef idx="0">
+            <a:schemeClr val="accent1"/>
+          </a:effectRef>
+          <a:fontRef idx="minor">
+            <a:schemeClr val="tx1"/>
+          </a:fontRef>
+        </p:style>
+      </p:cxnSp>
+      <p:sp>
+        <p:nvSpPr>
+          <p:cNvPr id="74" name="文本框 73">
+            <a:extLst>
+              <a:ext uri="{FF2B5EF4-FFF2-40B4-BE49-F238E27FC236}">
+                <a16:creationId xmlns:a16="http://schemas.microsoft.com/office/drawing/2014/main" id="{CEC3AAAC-2E29-40BC-9445-0988EE69AA37}"/>
+              </a:ext>
+            </a:extLst>
+          </p:cNvPr>
+          <p:cNvSpPr txBox="1"/>
+          <p:nvPr/>
+        </p:nvSpPr>
+        <p:spPr>
+          <a:xfrm>
+            <a:off x="4701475" y="14196"/>
+            <a:ext cx="530915" cy="369332"/>
+          </a:xfrm>
+          <a:prstGeom prst="rect">
+            <a:avLst/>
+          </a:prstGeom>
+          <a:noFill/>
+        </p:spPr>
+        <p:txBody>
+          <a:bodyPr wrap="none" rtlCol="0">
+            <a:spAutoFit/>
+          </a:bodyPr>
+          <a:lstStyle/>
+          <a:p>
+            <a:r>
+              <a:rPr lang="en-US" altLang="zh-CN" dirty="0">
+                <a:latin typeface="Times New Roman" panose="02020603050405020304" pitchFamily="18" charset="0"/>
+                <a:cs typeface="Times New Roman" panose="02020603050405020304" pitchFamily="18" charset="0"/>
+              </a:rPr>
+              <a:t>361</a:t>
+            </a:r>
+            <a:endParaRPr lang="zh-CN" altLang="en-US" dirty="0">
+              <a:latin typeface="Times New Roman" panose="02020603050405020304" pitchFamily="18" charset="0"/>
+              <a:cs typeface="Times New Roman" panose="02020603050405020304" pitchFamily="18" charset="0"/>
+            </a:endParaRPr>
+          </a:p>
+        </p:txBody>
+      </p:sp>
+      <p:sp>
+        <p:nvSpPr>
+          <p:cNvPr id="75" name="椭圆 74">
+            <a:extLst>
+              <a:ext uri="{FF2B5EF4-FFF2-40B4-BE49-F238E27FC236}">
+                <a16:creationId xmlns:a16="http://schemas.microsoft.com/office/drawing/2014/main" id="{9B30F0F7-E654-439C-A23B-E464B7DA1F71}"/>
+              </a:ext>
+            </a:extLst>
+          </p:cNvPr>
+          <p:cNvSpPr/>
+          <p:nvPr/>
+        </p:nvSpPr>
+        <p:spPr>
+          <a:xfrm>
+            <a:off x="2213791" y="2980256"/>
+            <a:ext cx="72000" cy="70366"/>
+          </a:xfrm>
+          <a:prstGeom prst="ellipse">
+            <a:avLst/>
+          </a:prstGeom>
+          <a:solidFill>
+            <a:schemeClr val="tx1"/>
+          </a:solidFill>
+          <a:ln>
+            <a:solidFill>
+              <a:schemeClr val="tx1"/>
+            </a:solidFill>
+          </a:ln>
+        </p:spPr>
+        <p:style>
+          <a:lnRef idx="2">
+            <a:schemeClr val="accent1">
+              <a:shade val="50000"/>
+            </a:schemeClr>
+          </a:lnRef>
+          <a:fillRef idx="1">
+            <a:schemeClr val="accent1"/>
+          </a:fillRef>
+          <a:effectRef idx="0">
+            <a:schemeClr val="accent1"/>
+          </a:effectRef>
+          <a:fontRef idx="minor">
+            <a:schemeClr val="lt1"/>
+          </a:fontRef>
+        </p:style>
+        <p:txBody>
+          <a:bodyPr rtlCol="0" anchor="ctr"/>
+          <a:lstStyle/>
+          <a:p>
+            <a:pPr algn="ctr"/>
+            <a:endParaRPr lang="zh-CN" altLang="en-US"/>
+          </a:p>
+        </p:txBody>
+      </p:sp>
+      <p:sp>
+        <p:nvSpPr>
+          <p:cNvPr id="76" name="矩形 75">
+            <a:extLst>
+              <a:ext uri="{FF2B5EF4-FFF2-40B4-BE49-F238E27FC236}">
+                <a16:creationId xmlns:a16="http://schemas.microsoft.com/office/drawing/2014/main" id="{79D30EDD-9F36-4EF2-8B7E-C972B68456D2}"/>
+              </a:ext>
+            </a:extLst>
+          </p:cNvPr>
+          <p:cNvSpPr/>
+          <p:nvPr/>
+        </p:nvSpPr>
+        <p:spPr>
+          <a:xfrm>
+            <a:off x="3636545" y="1172263"/>
+            <a:ext cx="387242" cy="2428143"/>
+          </a:xfrm>
+          <a:prstGeom prst="rect">
+            <a:avLst/>
+          </a:prstGeom>
+          <a:noFill/>
+          <a:ln>
+            <a:solidFill>
+              <a:schemeClr val="tx1"/>
+            </a:solidFill>
+          </a:ln>
+        </p:spPr>
+        <p:style>
+          <a:lnRef idx="2">
+            <a:schemeClr val="accent1">
+              <a:shade val="50000"/>
+            </a:schemeClr>
+          </a:lnRef>
+          <a:fillRef idx="1">
+            <a:schemeClr val="accent1"/>
+          </a:fillRef>
+          <a:effectRef idx="0">
+            <a:schemeClr val="accent1"/>
+          </a:effectRef>
+          <a:fontRef idx="minor">
+            <a:schemeClr val="lt1"/>
+          </a:fontRef>
+        </p:style>
+        <p:txBody>
+          <a:bodyPr rtlCol="0" anchor="ctr"/>
+          <a:lstStyle/>
+          <a:p>
+            <a:pPr algn="ctr"/>
+            <a:endParaRPr lang="zh-CN" altLang="en-US" dirty="0"/>
+          </a:p>
+        </p:txBody>
+      </p:sp>
+      <p:sp>
+        <p:nvSpPr>
+          <p:cNvPr id="80" name="椭圆 79">
+            <a:extLst>
+              <a:ext uri="{FF2B5EF4-FFF2-40B4-BE49-F238E27FC236}">
+                <a16:creationId xmlns:a16="http://schemas.microsoft.com/office/drawing/2014/main" id="{D29040AD-19EE-4F11-B784-62EE618148D0}"/>
+              </a:ext>
+            </a:extLst>
+          </p:cNvPr>
+          <p:cNvSpPr/>
+          <p:nvPr/>
+        </p:nvSpPr>
+        <p:spPr>
+          <a:xfrm>
+            <a:off x="3611350" y="1142160"/>
+            <a:ext cx="72000" cy="70366"/>
+          </a:xfrm>
+          <a:prstGeom prst="ellipse">
+            <a:avLst/>
+          </a:prstGeom>
+          <a:solidFill>
+            <a:schemeClr val="tx1"/>
+          </a:solidFill>
+          <a:ln>
+            <a:solidFill>
+              <a:schemeClr val="tx1"/>
+            </a:solidFill>
+          </a:ln>
+        </p:spPr>
+        <p:style>
+          <a:lnRef idx="2">
+            <a:schemeClr val="accent1">
+              <a:shade val="50000"/>
+            </a:schemeClr>
+          </a:lnRef>
+          <a:fillRef idx="1">
+            <a:schemeClr val="accent1"/>
+          </a:fillRef>
+          <a:effectRef idx="0">
+            <a:schemeClr val="accent1"/>
+          </a:effectRef>
+          <a:fontRef idx="minor">
+            <a:schemeClr val="lt1"/>
+          </a:fontRef>
+        </p:style>
+        <p:txBody>
+          <a:bodyPr rtlCol="0" anchor="ctr"/>
+          <a:lstStyle/>
+          <a:p>
+            <a:pPr algn="ctr"/>
+            <a:endParaRPr lang="zh-CN" altLang="en-US"/>
+          </a:p>
+        </p:txBody>
+      </p:sp>
+      <p:sp>
+        <p:nvSpPr>
+          <p:cNvPr id="84" name="文本框 83">
+            <a:extLst>
+              <a:ext uri="{FF2B5EF4-FFF2-40B4-BE49-F238E27FC236}">
+                <a16:creationId xmlns:a16="http://schemas.microsoft.com/office/drawing/2014/main" id="{C27869AF-C543-4C96-9C08-5D8C714EE80D}"/>
+              </a:ext>
+            </a:extLst>
+          </p:cNvPr>
+          <p:cNvSpPr txBox="1"/>
+          <p:nvPr/>
+        </p:nvSpPr>
+        <p:spPr>
+          <a:xfrm>
+            <a:off x="3480498" y="843194"/>
+            <a:ext cx="286899" cy="369332"/>
+          </a:xfrm>
+          <a:prstGeom prst="rect">
+            <a:avLst/>
+          </a:prstGeom>
+          <a:noFill/>
+        </p:spPr>
+        <p:txBody>
+          <a:bodyPr wrap="square" rtlCol="0">
+            <a:spAutoFit/>
+          </a:bodyPr>
+          <a:lstStyle/>
+          <a:p>
+            <a:r>
+              <a:rPr lang="en-US" altLang="zh-CN" dirty="0">
+                <a:latin typeface="Times New Roman" panose="02020603050405020304" pitchFamily="18" charset="0"/>
+                <a:cs typeface="Times New Roman" panose="02020603050405020304" pitchFamily="18" charset="0"/>
+              </a:rPr>
+              <a:t>P</a:t>
+            </a:r>
+            <a:endParaRPr lang="zh-CN" altLang="en-US" dirty="0">
+              <a:latin typeface="Times New Roman" panose="02020603050405020304" pitchFamily="18" charset="0"/>
+              <a:cs typeface="Times New Roman" panose="02020603050405020304" pitchFamily="18" charset="0"/>
+            </a:endParaRPr>
+          </a:p>
+        </p:txBody>
+      </p:sp>
+      <p:sp>
+        <p:nvSpPr>
+          <p:cNvPr id="88" name="矩形 87">
+            <a:extLst>
+              <a:ext uri="{FF2B5EF4-FFF2-40B4-BE49-F238E27FC236}">
+                <a16:creationId xmlns:a16="http://schemas.microsoft.com/office/drawing/2014/main" id="{4BAA411A-B563-4B2F-92E4-F4A1C646BD98}"/>
+              </a:ext>
+            </a:extLst>
+          </p:cNvPr>
+          <p:cNvSpPr/>
+          <p:nvPr/>
+        </p:nvSpPr>
+        <p:spPr>
+          <a:xfrm>
+            <a:off x="1932137" y="5492081"/>
+            <a:ext cx="960519" cy="369332"/>
+          </a:xfrm>
+          <a:prstGeom prst="rect">
+            <a:avLst/>
+          </a:prstGeom>
+          <a:ln w="12700">
+            <a:noFill/>
+          </a:ln>
+        </p:spPr>
+        <p:txBody>
+          <a:bodyPr wrap="none">
+            <a:spAutoFit/>
+          </a:bodyPr>
+          <a:lstStyle/>
+          <a:p>
+            <a:r>
+              <a:rPr lang="en-US" altLang="zh-CN" dirty="0">
+                <a:latin typeface="Times New Roman" panose="02020603050405020304" pitchFamily="18" charset="0"/>
+                <a:ea typeface="宋体" panose="02010600030101010101" pitchFamily="2" charset="-122"/>
+                <a:cs typeface="Times New Roman" panose="02020603050405020304" pitchFamily="18" charset="0"/>
+              </a:rPr>
+              <a:t>(a) </a:t>
+            </a:r>
+            <a:r>
+              <a:rPr lang="zh-CN" altLang="en-US" dirty="0">
+                <a:latin typeface="Times New Roman" panose="02020603050405020304" pitchFamily="18" charset="0"/>
+                <a:ea typeface="宋体" panose="02010600030101010101" pitchFamily="2" charset="-122"/>
+                <a:cs typeface="Times New Roman" panose="02020603050405020304" pitchFamily="18" charset="0"/>
+              </a:rPr>
+              <a:t>模板</a:t>
+            </a:r>
+          </a:p>
+        </p:txBody>
+      </p:sp>
+      <p:sp>
+        <p:nvSpPr>
+          <p:cNvPr id="89" name="矩形 88">
+            <a:extLst>
+              <a:ext uri="{FF2B5EF4-FFF2-40B4-BE49-F238E27FC236}">
+                <a16:creationId xmlns:a16="http://schemas.microsoft.com/office/drawing/2014/main" id="{D2C84755-3833-41AF-AE56-AF1AA2DD63CC}"/>
+              </a:ext>
+            </a:extLst>
+          </p:cNvPr>
+          <p:cNvSpPr/>
+          <p:nvPr/>
+        </p:nvSpPr>
+        <p:spPr>
+          <a:xfrm>
+            <a:off x="4221215" y="5492081"/>
+            <a:ext cx="1435008" cy="369332"/>
+          </a:xfrm>
+          <a:prstGeom prst="rect">
+            <a:avLst/>
+          </a:prstGeom>
+          <a:ln w="12700">
+            <a:noFill/>
+          </a:ln>
+        </p:spPr>
+        <p:txBody>
+          <a:bodyPr wrap="none">
+            <a:spAutoFit/>
+          </a:bodyPr>
+          <a:lstStyle/>
+          <a:p>
+            <a:r>
+              <a:rPr lang="en-US" altLang="zh-CN" dirty="0">
+                <a:latin typeface="Times New Roman" panose="02020603050405020304" pitchFamily="18" charset="0"/>
+                <a:ea typeface="宋体" panose="02010600030101010101" pitchFamily="2" charset="-122"/>
+                <a:cs typeface="Times New Roman" panose="02020603050405020304" pitchFamily="18" charset="0"/>
+              </a:rPr>
+              <a:t>(b) </a:t>
+            </a:r>
+            <a:r>
+              <a:rPr lang="zh-CN" altLang="en-US" dirty="0">
+                <a:latin typeface="Times New Roman" panose="02020603050405020304" pitchFamily="18" charset="0"/>
+                <a:ea typeface="宋体" panose="02010600030101010101" pitchFamily="2" charset="-122"/>
+                <a:cs typeface="Times New Roman" panose="02020603050405020304" pitchFamily="18" charset="0"/>
+              </a:rPr>
+              <a:t>搜索图像</a:t>
+            </a:r>
+          </a:p>
+        </p:txBody>
+      </p:sp>
+    </p:spTree>
+    <p:extLst>
+      <p:ext uri="{BB962C8B-B14F-4D97-AF65-F5344CB8AC3E}">
+        <p14:creationId xmlns:p14="http://schemas.microsoft.com/office/powerpoint/2010/main" val="2318179800"/>
       </p:ext>
     </p:extLst>
   </p:cSld>
@@ -43904,6 +49011,9 @@
           </a:prstGeom>
           <a:noFill/>
           <a:ln w="19050">
+            <a:solidFill>
+              <a:schemeClr val="accent1"/>
+            </a:solidFill>
             <a:prstDash val="lgDash"/>
           </a:ln>
         </p:spPr>
@@ -43954,6 +49064,9 @@
           </a:prstGeom>
           <a:noFill/>
           <a:ln w="19050">
+            <a:solidFill>
+              <a:schemeClr val="accent1"/>
+            </a:solidFill>
             <a:prstDash val="lgDash"/>
           </a:ln>
         </p:spPr>
@@ -44005,7 +49118,7 @@
           <a:noFill/>
           <a:ln w="19050">
             <a:solidFill>
-              <a:schemeClr val="tx1"/>
+              <a:schemeClr val="accent1"/>
             </a:solidFill>
             <a:prstDash val="lgDash"/>
           </a:ln>
